--- a/Lecture/Lecture.pptx
+++ b/Lecture/Lecture.pptx
@@ -5,7 +5,7 @@
     <p:sldMasterId id="2147483660" r:id="rId1"/>
   </p:sldMasterIdLst>
   <p:notesMasterIdLst>
-    <p:notesMasterId r:id="rId29"/>
+    <p:notesMasterId r:id="rId31"/>
   </p:notesMasterIdLst>
   <p:sldIdLst>
     <p:sldId id="256" r:id="rId2"/>
@@ -16,25 +16,27 @@
     <p:sldId id="283" r:id="rId7"/>
     <p:sldId id="284" r:id="rId8"/>
     <p:sldId id="285" r:id="rId9"/>
-    <p:sldId id="263" r:id="rId10"/>
-    <p:sldId id="258" r:id="rId11"/>
-    <p:sldId id="259" r:id="rId12"/>
-    <p:sldId id="260" r:id="rId13"/>
-    <p:sldId id="261" r:id="rId14"/>
-    <p:sldId id="262" r:id="rId15"/>
-    <p:sldId id="264" r:id="rId16"/>
-    <p:sldId id="265" r:id="rId17"/>
-    <p:sldId id="266" r:id="rId18"/>
-    <p:sldId id="267" r:id="rId19"/>
-    <p:sldId id="268" r:id="rId20"/>
-    <p:sldId id="269" r:id="rId21"/>
-    <p:sldId id="270" r:id="rId22"/>
-    <p:sldId id="271" r:id="rId23"/>
-    <p:sldId id="272" r:id="rId24"/>
-    <p:sldId id="273" r:id="rId25"/>
-    <p:sldId id="275" r:id="rId26"/>
-    <p:sldId id="276" r:id="rId27"/>
-    <p:sldId id="278" r:id="rId28"/>
+    <p:sldId id="286" r:id="rId10"/>
+    <p:sldId id="287" r:id="rId11"/>
+    <p:sldId id="263" r:id="rId12"/>
+    <p:sldId id="258" r:id="rId13"/>
+    <p:sldId id="259" r:id="rId14"/>
+    <p:sldId id="260" r:id="rId15"/>
+    <p:sldId id="261" r:id="rId16"/>
+    <p:sldId id="262" r:id="rId17"/>
+    <p:sldId id="264" r:id="rId18"/>
+    <p:sldId id="265" r:id="rId19"/>
+    <p:sldId id="266" r:id="rId20"/>
+    <p:sldId id="267" r:id="rId21"/>
+    <p:sldId id="268" r:id="rId22"/>
+    <p:sldId id="269" r:id="rId23"/>
+    <p:sldId id="270" r:id="rId24"/>
+    <p:sldId id="271" r:id="rId25"/>
+    <p:sldId id="272" r:id="rId26"/>
+    <p:sldId id="273" r:id="rId27"/>
+    <p:sldId id="275" r:id="rId28"/>
+    <p:sldId id="276" r:id="rId29"/>
+    <p:sldId id="278" r:id="rId30"/>
   </p:sldIdLst>
   <p:sldSz cx="12192000" cy="6858000"/>
   <p:notesSz cx="6858000" cy="9144000"/>
@@ -223,7 +225,7 @@
           <a:p>
             <a:fld id="{4B1C6E29-C0EC-43FC-A5E5-44BAD01BAC7B}" type="datetimeFigureOut">
               <a:rPr lang="en-IL" smtClean="0"/>
-              <a:t>15.03.2021</a:t>
+              <a:t>16.03.2021</a:t>
             </a:fld>
             <a:endParaRPr lang="en-IL"/>
           </a:p>
@@ -619,6 +621,177 @@
           <a:bodyPr/>
           <a:lstStyle/>
           <a:p>
+            <a:endParaRPr lang="en-IL" dirty="0"/>
+          </a:p>
+        </p:txBody>
+      </p:sp>
+      <p:sp>
+        <p:nvSpPr>
+          <p:cNvPr id="4" name="Slide Number Placeholder 3"/>
+          <p:cNvSpPr>
+            <a:spLocks noGrp="1"/>
+          </p:cNvSpPr>
+          <p:nvPr>
+            <p:ph type="sldNum" sz="quarter" idx="5"/>
+          </p:nvPr>
+        </p:nvSpPr>
+        <p:spPr/>
+        <p:txBody>
+          <a:bodyPr/>
+          <a:lstStyle/>
+          <a:p>
+            <a:fld id="{FA19A2CC-002F-40A3-8085-9B94163C320C}" type="slidenum">
+              <a:rPr lang="en-IL" smtClean="0"/>
+              <a:t>10</a:t>
+            </a:fld>
+            <a:endParaRPr lang="en-IL"/>
+          </a:p>
+        </p:txBody>
+      </p:sp>
+    </p:spTree>
+    <p:extLst>
+      <p:ext uri="{BB962C8B-B14F-4D97-AF65-F5344CB8AC3E}">
+        <p14:creationId xmlns:p14="http://schemas.microsoft.com/office/powerpoint/2010/main" val="3893550182"/>
+      </p:ext>
+    </p:extLst>
+  </p:cSld>
+  <p:clrMapOvr>
+    <a:masterClrMapping/>
+  </p:clrMapOvr>
+</p:notes>
+</file>
+
+<file path=ppt/notesSlides/notesSlide11.xml><?xml version="1.0" encoding="utf-8"?>
+<p:notes xmlns:a="http://schemas.openxmlformats.org/drawingml/2006/main" xmlns:r="http://schemas.openxmlformats.org/officeDocument/2006/relationships" xmlns:p="http://schemas.openxmlformats.org/presentationml/2006/main">
+  <p:cSld>
+    <p:spTree>
+      <p:nvGrpSpPr>
+        <p:cNvPr id="1" name=""/>
+        <p:cNvGrpSpPr/>
+        <p:nvPr/>
+      </p:nvGrpSpPr>
+      <p:grpSpPr>
+        <a:xfrm>
+          <a:off x="0" y="0"/>
+          <a:ext cx="0" cy="0"/>
+          <a:chOff x="0" y="0"/>
+          <a:chExt cx="0" cy="0"/>
+        </a:xfrm>
+      </p:grpSpPr>
+      <p:sp>
+        <p:nvSpPr>
+          <p:cNvPr id="2" name="Slide Image Placeholder 1"/>
+          <p:cNvSpPr>
+            <a:spLocks noGrp="1" noRot="1" noChangeAspect="1"/>
+          </p:cNvSpPr>
+          <p:nvPr>
+            <p:ph type="sldImg"/>
+          </p:nvPr>
+        </p:nvSpPr>
+        <p:spPr/>
+      </p:sp>
+      <p:sp>
+        <p:nvSpPr>
+          <p:cNvPr id="3" name="Notes Placeholder 2"/>
+          <p:cNvSpPr>
+            <a:spLocks noGrp="1"/>
+          </p:cNvSpPr>
+          <p:nvPr>
+            <p:ph type="body" idx="1"/>
+          </p:nvPr>
+        </p:nvSpPr>
+        <p:spPr/>
+        <p:txBody>
+          <a:bodyPr/>
+          <a:lstStyle/>
+          <a:p>
+            <a:r>
+              <a:rPr lang="en-US" dirty="0"/>
+              <a:t>Echo Server</a:t>
+            </a:r>
+          </a:p>
+        </p:txBody>
+      </p:sp>
+      <p:sp>
+        <p:nvSpPr>
+          <p:cNvPr id="4" name="Slide Number Placeholder 3"/>
+          <p:cNvSpPr>
+            <a:spLocks noGrp="1"/>
+          </p:cNvSpPr>
+          <p:nvPr>
+            <p:ph type="sldNum" sz="quarter" idx="5"/>
+          </p:nvPr>
+        </p:nvSpPr>
+        <p:spPr/>
+        <p:txBody>
+          <a:bodyPr/>
+          <a:lstStyle/>
+          <a:p>
+            <a:fld id="{FA19A2CC-002F-40A3-8085-9B94163C320C}" type="slidenum">
+              <a:rPr lang="en-IL" smtClean="0"/>
+              <a:t>11</a:t>
+            </a:fld>
+            <a:endParaRPr lang="en-IL"/>
+          </a:p>
+        </p:txBody>
+      </p:sp>
+    </p:spTree>
+    <p:extLst>
+      <p:ext uri="{BB962C8B-B14F-4D97-AF65-F5344CB8AC3E}">
+        <p14:creationId xmlns:p14="http://schemas.microsoft.com/office/powerpoint/2010/main" val="3112359332"/>
+      </p:ext>
+    </p:extLst>
+  </p:cSld>
+  <p:clrMapOvr>
+    <a:masterClrMapping/>
+  </p:clrMapOvr>
+</p:notes>
+</file>
+
+<file path=ppt/notesSlides/notesSlide12.xml><?xml version="1.0" encoding="utf-8"?>
+<p:notes xmlns:a="http://schemas.openxmlformats.org/drawingml/2006/main" xmlns:r="http://schemas.openxmlformats.org/officeDocument/2006/relationships" xmlns:p="http://schemas.openxmlformats.org/presentationml/2006/main">
+  <p:cSld>
+    <p:spTree>
+      <p:nvGrpSpPr>
+        <p:cNvPr id="1" name=""/>
+        <p:cNvGrpSpPr/>
+        <p:nvPr/>
+      </p:nvGrpSpPr>
+      <p:grpSpPr>
+        <a:xfrm>
+          <a:off x="0" y="0"/>
+          <a:ext cx="0" cy="0"/>
+          <a:chOff x="0" y="0"/>
+          <a:chExt cx="0" cy="0"/>
+        </a:xfrm>
+      </p:grpSpPr>
+      <p:sp>
+        <p:nvSpPr>
+          <p:cNvPr id="2" name="Slide Image Placeholder 1"/>
+          <p:cNvSpPr>
+            <a:spLocks noGrp="1" noRot="1" noChangeAspect="1"/>
+          </p:cNvSpPr>
+          <p:nvPr>
+            <p:ph type="sldImg"/>
+          </p:nvPr>
+        </p:nvSpPr>
+        <p:spPr/>
+      </p:sp>
+      <p:sp>
+        <p:nvSpPr>
+          <p:cNvPr id="3" name="Notes Placeholder 2"/>
+          <p:cNvSpPr>
+            <a:spLocks noGrp="1"/>
+          </p:cNvSpPr>
+          <p:nvPr>
+            <p:ph type="body" idx="1"/>
+          </p:nvPr>
+        </p:nvSpPr>
+        <p:spPr/>
+        <p:txBody>
+          <a:bodyPr/>
+          <a:lstStyle/>
+          <a:p>
             <a:r>
               <a:rPr lang="en-US" dirty="0"/>
               <a:t>thread – The thread ID (mostly an int, but could be struct)</a:t>
@@ -662,7 +835,7 @@
           <a:p>
             <a:fld id="{FA19A2CC-002F-40A3-8085-9B94163C320C}" type="slidenum">
               <a:rPr lang="en-IL" smtClean="0"/>
-              <a:t>11</a:t>
+              <a:t>13</a:t>
             </a:fld>
             <a:endParaRPr lang="en-IL"/>
           </a:p>
@@ -681,7 +854,7 @@
 </p:notes>
 </file>
 
-<file path=ppt/notesSlides/notesSlide11.xml><?xml version="1.0" encoding="utf-8"?>
+<file path=ppt/notesSlides/notesSlide13.xml><?xml version="1.0" encoding="utf-8"?>
 <p:notes xmlns:a="http://schemas.openxmlformats.org/drawingml/2006/main" xmlns:r="http://schemas.openxmlformats.org/officeDocument/2006/relationships" xmlns:p="http://schemas.openxmlformats.org/presentationml/2006/main">
   <p:cSld>
     <p:spTree>
@@ -749,7 +922,7 @@
           <a:p>
             <a:fld id="{FA19A2CC-002F-40A3-8085-9B94163C320C}" type="slidenum">
               <a:rPr lang="en-IL" smtClean="0"/>
-              <a:t>12</a:t>
+              <a:t>14</a:t>
             </a:fld>
             <a:endParaRPr lang="en-IL"/>
           </a:p>
@@ -768,7 +941,7 @@
 </p:notes>
 </file>
 
-<file path=ppt/notesSlides/notesSlide12.xml><?xml version="1.0" encoding="utf-8"?>
+<file path=ppt/notesSlides/notesSlide14.xml><?xml version="1.0" encoding="utf-8"?>
 <p:notes xmlns:a="http://schemas.openxmlformats.org/drawingml/2006/main" xmlns:r="http://schemas.openxmlformats.org/officeDocument/2006/relationships" xmlns:p="http://schemas.openxmlformats.org/presentationml/2006/main">
   <p:cSld>
     <p:spTree>
@@ -837,7 +1010,7 @@
           <a:p>
             <a:fld id="{FA19A2CC-002F-40A3-8085-9B94163C320C}" type="slidenum">
               <a:rPr lang="en-IL" smtClean="0"/>
-              <a:t>13</a:t>
+              <a:t>15</a:t>
             </a:fld>
             <a:endParaRPr lang="en-IL"/>
           </a:p>
@@ -856,7 +1029,7 @@
 </p:notes>
 </file>
 
-<file path=ppt/notesSlides/notesSlide13.xml><?xml version="1.0" encoding="utf-8"?>
+<file path=ppt/notesSlides/notesSlide15.xml><?xml version="1.0" encoding="utf-8"?>
 <p:notes xmlns:a="http://schemas.openxmlformats.org/drawingml/2006/main" xmlns:r="http://schemas.openxmlformats.org/officeDocument/2006/relationships" xmlns:p="http://schemas.openxmlformats.org/presentationml/2006/main">
   <p:cSld>
     <p:spTree>
@@ -925,7 +1098,7 @@
           <a:p>
             <a:fld id="{FA19A2CC-002F-40A3-8085-9B94163C320C}" type="slidenum">
               <a:rPr lang="en-IL" smtClean="0"/>
-              <a:t>14</a:t>
+              <a:t>16</a:t>
             </a:fld>
             <a:endParaRPr lang="en-IL"/>
           </a:p>
@@ -944,7 +1117,7 @@
 </p:notes>
 </file>
 
-<file path=ppt/notesSlides/notesSlide14.xml><?xml version="1.0" encoding="utf-8"?>
+<file path=ppt/notesSlides/notesSlide16.xml><?xml version="1.0" encoding="utf-8"?>
 <p:notes xmlns:a="http://schemas.openxmlformats.org/drawingml/2006/main" xmlns:r="http://schemas.openxmlformats.org/officeDocument/2006/relationships" xmlns:p="http://schemas.openxmlformats.org/presentationml/2006/main">
   <p:cSld>
     <p:spTree>
@@ -1057,7 +1230,7 @@
           <a:p>
             <a:fld id="{FA19A2CC-002F-40A3-8085-9B94163C320C}" type="slidenum">
               <a:rPr lang="en-IL" smtClean="0"/>
-              <a:t>16</a:t>
+              <a:t>18</a:t>
             </a:fld>
             <a:endParaRPr lang="en-IL"/>
           </a:p>
@@ -1076,7 +1249,7 @@
 </p:notes>
 </file>
 
-<file path=ppt/notesSlides/notesSlide15.xml><?xml version="1.0" encoding="utf-8"?>
+<file path=ppt/notesSlides/notesSlide17.xml><?xml version="1.0" encoding="utf-8"?>
 <p:notes xmlns:a="http://schemas.openxmlformats.org/drawingml/2006/main" xmlns:r="http://schemas.openxmlformats.org/officeDocument/2006/relationships" xmlns:p="http://schemas.openxmlformats.org/presentationml/2006/main">
   <p:cSld>
     <p:spTree>
@@ -1145,7 +1318,7 @@
           <a:p>
             <a:fld id="{FA19A2CC-002F-40A3-8085-9B94163C320C}" type="slidenum">
               <a:rPr lang="en-IL" smtClean="0"/>
-              <a:t>17</a:t>
+              <a:t>19</a:t>
             </a:fld>
             <a:endParaRPr lang="en-IL"/>
           </a:p>
@@ -1164,7 +1337,7 @@
 </p:notes>
 </file>
 
-<file path=ppt/notesSlides/notesSlide16.xml><?xml version="1.0" encoding="utf-8"?>
+<file path=ppt/notesSlides/notesSlide18.xml><?xml version="1.0" encoding="utf-8"?>
 <p:notes xmlns:a="http://schemas.openxmlformats.org/drawingml/2006/main" xmlns:r="http://schemas.openxmlformats.org/officeDocument/2006/relationships" xmlns:p="http://schemas.openxmlformats.org/presentationml/2006/main">
   <p:cSld>
     <p:spTree>
@@ -1293,7 +1466,7 @@
           <a:p>
             <a:fld id="{FA19A2CC-002F-40A3-8085-9B94163C320C}" type="slidenum">
               <a:rPr lang="en-IL" smtClean="0"/>
-              <a:t>19</a:t>
+              <a:t>21</a:t>
             </a:fld>
             <a:endParaRPr lang="en-IL"/>
           </a:p>
@@ -1312,7 +1485,7 @@
 </p:notes>
 </file>
 
-<file path=ppt/notesSlides/notesSlide17.xml><?xml version="1.0" encoding="utf-8"?>
+<file path=ppt/notesSlides/notesSlide19.xml><?xml version="1.0" encoding="utf-8"?>
 <p:notes xmlns:a="http://schemas.openxmlformats.org/drawingml/2006/main" xmlns:r="http://schemas.openxmlformats.org/officeDocument/2006/relationships" xmlns:p="http://schemas.openxmlformats.org/presentationml/2006/main">
   <p:cSld>
     <p:spTree>
@@ -1381,7 +1554,7 @@
           <a:p>
             <a:fld id="{FA19A2CC-002F-40A3-8085-9B94163C320C}" type="slidenum">
               <a:rPr lang="en-IL" smtClean="0"/>
-              <a:t>20</a:t>
+              <a:t>22</a:t>
             </a:fld>
             <a:endParaRPr lang="en-IL"/>
           </a:p>
@@ -1391,174 +1564,6 @@
     <p:extLst>
       <p:ext uri="{BB962C8B-B14F-4D97-AF65-F5344CB8AC3E}">
         <p14:creationId xmlns:p14="http://schemas.microsoft.com/office/powerpoint/2010/main" val="4285738751"/>
-      </p:ext>
-    </p:extLst>
-  </p:cSld>
-  <p:clrMapOvr>
-    <a:masterClrMapping/>
-  </p:clrMapOvr>
-</p:notes>
-</file>
-
-<file path=ppt/notesSlides/notesSlide18.xml><?xml version="1.0" encoding="utf-8"?>
-<p:notes xmlns:a="http://schemas.openxmlformats.org/drawingml/2006/main" xmlns:r="http://schemas.openxmlformats.org/officeDocument/2006/relationships" xmlns:p="http://schemas.openxmlformats.org/presentationml/2006/main">
-  <p:cSld>
-    <p:spTree>
-      <p:nvGrpSpPr>
-        <p:cNvPr id="1" name=""/>
-        <p:cNvGrpSpPr/>
-        <p:nvPr/>
-      </p:nvGrpSpPr>
-      <p:grpSpPr>
-        <a:xfrm>
-          <a:off x="0" y="0"/>
-          <a:ext cx="0" cy="0"/>
-          <a:chOff x="0" y="0"/>
-          <a:chExt cx="0" cy="0"/>
-        </a:xfrm>
-      </p:grpSpPr>
-      <p:sp>
-        <p:nvSpPr>
-          <p:cNvPr id="2" name="Slide Image Placeholder 1"/>
-          <p:cNvSpPr>
-            <a:spLocks noGrp="1" noRot="1" noChangeAspect="1"/>
-          </p:cNvSpPr>
-          <p:nvPr>
-            <p:ph type="sldImg"/>
-          </p:nvPr>
-        </p:nvSpPr>
-        <p:spPr/>
-      </p:sp>
-      <p:sp>
-        <p:nvSpPr>
-          <p:cNvPr id="3" name="Notes Placeholder 2"/>
-          <p:cNvSpPr>
-            <a:spLocks noGrp="1"/>
-          </p:cNvSpPr>
-          <p:nvPr>
-            <p:ph type="body" idx="1"/>
-          </p:nvPr>
-        </p:nvSpPr>
-        <p:spPr/>
-        <p:txBody>
-          <a:bodyPr/>
-          <a:lstStyle/>
-          <a:p>
-            <a:endParaRPr lang="en-IL" dirty="0"/>
-          </a:p>
-        </p:txBody>
-      </p:sp>
-      <p:sp>
-        <p:nvSpPr>
-          <p:cNvPr id="4" name="Slide Number Placeholder 3"/>
-          <p:cNvSpPr>
-            <a:spLocks noGrp="1"/>
-          </p:cNvSpPr>
-          <p:nvPr>
-            <p:ph type="sldNum" sz="quarter" idx="5"/>
-          </p:nvPr>
-        </p:nvSpPr>
-        <p:spPr/>
-        <p:txBody>
-          <a:bodyPr/>
-          <a:lstStyle/>
-          <a:p>
-            <a:fld id="{FA19A2CC-002F-40A3-8085-9B94163C320C}" type="slidenum">
-              <a:rPr lang="en-IL" smtClean="0"/>
-              <a:t>21</a:t>
-            </a:fld>
-            <a:endParaRPr lang="en-IL"/>
-          </a:p>
-        </p:txBody>
-      </p:sp>
-    </p:spTree>
-    <p:extLst>
-      <p:ext uri="{BB962C8B-B14F-4D97-AF65-F5344CB8AC3E}">
-        <p14:creationId xmlns:p14="http://schemas.microsoft.com/office/powerpoint/2010/main" val="1933578053"/>
-      </p:ext>
-    </p:extLst>
-  </p:cSld>
-  <p:clrMapOvr>
-    <a:masterClrMapping/>
-  </p:clrMapOvr>
-</p:notes>
-</file>
-
-<file path=ppt/notesSlides/notesSlide19.xml><?xml version="1.0" encoding="utf-8"?>
-<p:notes xmlns:a="http://schemas.openxmlformats.org/drawingml/2006/main" xmlns:r="http://schemas.openxmlformats.org/officeDocument/2006/relationships" xmlns:p="http://schemas.openxmlformats.org/presentationml/2006/main">
-  <p:cSld>
-    <p:spTree>
-      <p:nvGrpSpPr>
-        <p:cNvPr id="1" name=""/>
-        <p:cNvGrpSpPr/>
-        <p:nvPr/>
-      </p:nvGrpSpPr>
-      <p:grpSpPr>
-        <a:xfrm>
-          <a:off x="0" y="0"/>
-          <a:ext cx="0" cy="0"/>
-          <a:chOff x="0" y="0"/>
-          <a:chExt cx="0" cy="0"/>
-        </a:xfrm>
-      </p:grpSpPr>
-      <p:sp>
-        <p:nvSpPr>
-          <p:cNvPr id="2" name="Slide Image Placeholder 1"/>
-          <p:cNvSpPr>
-            <a:spLocks noGrp="1" noRot="1" noChangeAspect="1"/>
-          </p:cNvSpPr>
-          <p:nvPr>
-            <p:ph type="sldImg"/>
-          </p:nvPr>
-        </p:nvSpPr>
-        <p:spPr/>
-      </p:sp>
-      <p:sp>
-        <p:nvSpPr>
-          <p:cNvPr id="3" name="Notes Placeholder 2"/>
-          <p:cNvSpPr>
-            <a:spLocks noGrp="1"/>
-          </p:cNvSpPr>
-          <p:nvPr>
-            <p:ph type="body" idx="1"/>
-          </p:nvPr>
-        </p:nvSpPr>
-        <p:spPr/>
-        <p:txBody>
-          <a:bodyPr/>
-          <a:lstStyle/>
-          <a:p>
-            <a:endParaRPr lang="en-IL" dirty="0"/>
-          </a:p>
-        </p:txBody>
-      </p:sp>
-      <p:sp>
-        <p:nvSpPr>
-          <p:cNvPr id="4" name="Slide Number Placeholder 3"/>
-          <p:cNvSpPr>
-            <a:spLocks noGrp="1"/>
-          </p:cNvSpPr>
-          <p:nvPr>
-            <p:ph type="sldNum" sz="quarter" idx="5"/>
-          </p:nvPr>
-        </p:nvSpPr>
-        <p:spPr/>
-        <p:txBody>
-          <a:bodyPr/>
-          <a:lstStyle/>
-          <a:p>
-            <a:fld id="{FA19A2CC-002F-40A3-8085-9B94163C320C}" type="slidenum">
-              <a:rPr lang="en-IL" smtClean="0"/>
-              <a:t>22</a:t>
-            </a:fld>
-            <a:endParaRPr lang="en-IL"/>
-          </a:p>
-        </p:txBody>
-      </p:sp>
-    </p:spTree>
-    <p:extLst>
-      <p:ext uri="{BB962C8B-B14F-4D97-AF65-F5344CB8AC3E}">
-        <p14:creationId xmlns:p14="http://schemas.microsoft.com/office/powerpoint/2010/main" val="1333305295"/>
       </p:ext>
     </p:extLst>
   </p:cSld>
@@ -1726,7 +1731,7 @@
     </p:spTree>
     <p:extLst>
       <p:ext uri="{BB962C8B-B14F-4D97-AF65-F5344CB8AC3E}">
-        <p14:creationId xmlns:p14="http://schemas.microsoft.com/office/powerpoint/2010/main" val="238388264"/>
+        <p14:creationId xmlns:p14="http://schemas.microsoft.com/office/powerpoint/2010/main" val="1933578053"/>
       </p:ext>
     </p:extLst>
   </p:cSld>
@@ -1810,6 +1815,174 @@
     </p:spTree>
     <p:extLst>
       <p:ext uri="{BB962C8B-B14F-4D97-AF65-F5344CB8AC3E}">
+        <p14:creationId xmlns:p14="http://schemas.microsoft.com/office/powerpoint/2010/main" val="1333305295"/>
+      </p:ext>
+    </p:extLst>
+  </p:cSld>
+  <p:clrMapOvr>
+    <a:masterClrMapping/>
+  </p:clrMapOvr>
+</p:notes>
+</file>
+
+<file path=ppt/notesSlides/notesSlide22.xml><?xml version="1.0" encoding="utf-8"?>
+<p:notes xmlns:a="http://schemas.openxmlformats.org/drawingml/2006/main" xmlns:r="http://schemas.openxmlformats.org/officeDocument/2006/relationships" xmlns:p="http://schemas.openxmlformats.org/presentationml/2006/main">
+  <p:cSld>
+    <p:spTree>
+      <p:nvGrpSpPr>
+        <p:cNvPr id="1" name=""/>
+        <p:cNvGrpSpPr/>
+        <p:nvPr/>
+      </p:nvGrpSpPr>
+      <p:grpSpPr>
+        <a:xfrm>
+          <a:off x="0" y="0"/>
+          <a:ext cx="0" cy="0"/>
+          <a:chOff x="0" y="0"/>
+          <a:chExt cx="0" cy="0"/>
+        </a:xfrm>
+      </p:grpSpPr>
+      <p:sp>
+        <p:nvSpPr>
+          <p:cNvPr id="2" name="Slide Image Placeholder 1"/>
+          <p:cNvSpPr>
+            <a:spLocks noGrp="1" noRot="1" noChangeAspect="1"/>
+          </p:cNvSpPr>
+          <p:nvPr>
+            <p:ph type="sldImg"/>
+          </p:nvPr>
+        </p:nvSpPr>
+        <p:spPr/>
+      </p:sp>
+      <p:sp>
+        <p:nvSpPr>
+          <p:cNvPr id="3" name="Notes Placeholder 2"/>
+          <p:cNvSpPr>
+            <a:spLocks noGrp="1"/>
+          </p:cNvSpPr>
+          <p:nvPr>
+            <p:ph type="body" idx="1"/>
+          </p:nvPr>
+        </p:nvSpPr>
+        <p:spPr/>
+        <p:txBody>
+          <a:bodyPr/>
+          <a:lstStyle/>
+          <a:p>
+            <a:endParaRPr lang="en-IL" dirty="0"/>
+          </a:p>
+        </p:txBody>
+      </p:sp>
+      <p:sp>
+        <p:nvSpPr>
+          <p:cNvPr id="4" name="Slide Number Placeholder 3"/>
+          <p:cNvSpPr>
+            <a:spLocks noGrp="1"/>
+          </p:cNvSpPr>
+          <p:nvPr>
+            <p:ph type="sldNum" sz="quarter" idx="5"/>
+          </p:nvPr>
+        </p:nvSpPr>
+        <p:spPr/>
+        <p:txBody>
+          <a:bodyPr/>
+          <a:lstStyle/>
+          <a:p>
+            <a:fld id="{FA19A2CC-002F-40A3-8085-9B94163C320C}" type="slidenum">
+              <a:rPr lang="en-IL" smtClean="0"/>
+              <a:t>25</a:t>
+            </a:fld>
+            <a:endParaRPr lang="en-IL"/>
+          </a:p>
+        </p:txBody>
+      </p:sp>
+    </p:spTree>
+    <p:extLst>
+      <p:ext uri="{BB962C8B-B14F-4D97-AF65-F5344CB8AC3E}">
+        <p14:creationId xmlns:p14="http://schemas.microsoft.com/office/powerpoint/2010/main" val="238388264"/>
+      </p:ext>
+    </p:extLst>
+  </p:cSld>
+  <p:clrMapOvr>
+    <a:masterClrMapping/>
+  </p:clrMapOvr>
+</p:notes>
+</file>
+
+<file path=ppt/notesSlides/notesSlide23.xml><?xml version="1.0" encoding="utf-8"?>
+<p:notes xmlns:a="http://schemas.openxmlformats.org/drawingml/2006/main" xmlns:r="http://schemas.openxmlformats.org/officeDocument/2006/relationships" xmlns:p="http://schemas.openxmlformats.org/presentationml/2006/main">
+  <p:cSld>
+    <p:spTree>
+      <p:nvGrpSpPr>
+        <p:cNvPr id="1" name=""/>
+        <p:cNvGrpSpPr/>
+        <p:nvPr/>
+      </p:nvGrpSpPr>
+      <p:grpSpPr>
+        <a:xfrm>
+          <a:off x="0" y="0"/>
+          <a:ext cx="0" cy="0"/>
+          <a:chOff x="0" y="0"/>
+          <a:chExt cx="0" cy="0"/>
+        </a:xfrm>
+      </p:grpSpPr>
+      <p:sp>
+        <p:nvSpPr>
+          <p:cNvPr id="2" name="Slide Image Placeholder 1"/>
+          <p:cNvSpPr>
+            <a:spLocks noGrp="1" noRot="1" noChangeAspect="1"/>
+          </p:cNvSpPr>
+          <p:nvPr>
+            <p:ph type="sldImg"/>
+          </p:nvPr>
+        </p:nvSpPr>
+        <p:spPr/>
+      </p:sp>
+      <p:sp>
+        <p:nvSpPr>
+          <p:cNvPr id="3" name="Notes Placeholder 2"/>
+          <p:cNvSpPr>
+            <a:spLocks noGrp="1"/>
+          </p:cNvSpPr>
+          <p:nvPr>
+            <p:ph type="body" idx="1"/>
+          </p:nvPr>
+        </p:nvSpPr>
+        <p:spPr/>
+        <p:txBody>
+          <a:bodyPr/>
+          <a:lstStyle/>
+          <a:p>
+            <a:endParaRPr lang="en-IL" dirty="0"/>
+          </a:p>
+        </p:txBody>
+      </p:sp>
+      <p:sp>
+        <p:nvSpPr>
+          <p:cNvPr id="4" name="Slide Number Placeholder 3"/>
+          <p:cNvSpPr>
+            <a:spLocks noGrp="1"/>
+          </p:cNvSpPr>
+          <p:nvPr>
+            <p:ph type="sldNum" sz="quarter" idx="5"/>
+          </p:nvPr>
+        </p:nvSpPr>
+        <p:spPr/>
+        <p:txBody>
+          <a:bodyPr/>
+          <a:lstStyle/>
+          <a:p>
+            <a:fld id="{FA19A2CC-002F-40A3-8085-9B94163C320C}" type="slidenum">
+              <a:rPr lang="en-IL" smtClean="0"/>
+              <a:t>26</a:t>
+            </a:fld>
+            <a:endParaRPr lang="en-IL"/>
+          </a:p>
+        </p:txBody>
+      </p:sp>
+    </p:spTree>
+    <p:extLst>
+      <p:ext uri="{BB962C8B-B14F-4D97-AF65-F5344CB8AC3E}">
         <p14:creationId xmlns:p14="http://schemas.microsoft.com/office/powerpoint/2010/main" val="2682777847"/>
       </p:ext>
     </p:extLst>
@@ -1820,7 +1993,7 @@
 </p:notes>
 </file>
 
-<file path=ppt/notesSlides/notesSlide22.xml><?xml version="1.0" encoding="utf-8"?>
+<file path=ppt/notesSlides/notesSlide24.xml><?xml version="1.0" encoding="utf-8"?>
 <p:notes xmlns:a="http://schemas.openxmlformats.org/drawingml/2006/main" xmlns:r="http://schemas.openxmlformats.org/officeDocument/2006/relationships" xmlns:p="http://schemas.openxmlformats.org/presentationml/2006/main">
   <p:cSld>
     <p:spTree>
@@ -1895,7 +2068,7 @@
           <a:p>
             <a:fld id="{FA19A2CC-002F-40A3-8085-9B94163C320C}" type="slidenum">
               <a:rPr lang="en-IL" smtClean="0"/>
-              <a:t>25</a:t>
+              <a:t>27</a:t>
             </a:fld>
             <a:endParaRPr lang="en-IL"/>
           </a:p>
@@ -1914,7 +2087,7 @@
 </p:notes>
 </file>
 
-<file path=ppt/notesSlides/notesSlide23.xml><?xml version="1.0" encoding="utf-8"?>
+<file path=ppt/notesSlides/notesSlide25.xml><?xml version="1.0" encoding="utf-8"?>
 <p:notes xmlns:a="http://schemas.openxmlformats.org/drawingml/2006/main" xmlns:r="http://schemas.openxmlformats.org/officeDocument/2006/relationships" xmlns:p="http://schemas.openxmlformats.org/presentationml/2006/main">
   <p:cSld>
     <p:spTree>
@@ -1983,7 +2156,7 @@
           <a:p>
             <a:fld id="{FA19A2CC-002F-40A3-8085-9B94163C320C}" type="slidenum">
               <a:rPr lang="en-IL" smtClean="0"/>
-              <a:t>26</a:t>
+              <a:t>28</a:t>
             </a:fld>
             <a:endParaRPr lang="en-IL"/>
           </a:p>
@@ -2002,7 +2175,7 @@
 </p:notes>
 </file>
 
-<file path=ppt/notesSlides/notesSlide24.xml><?xml version="1.0" encoding="utf-8"?>
+<file path=ppt/notesSlides/notesSlide26.xml><?xml version="1.0" encoding="utf-8"?>
 <p:notes xmlns:a="http://schemas.openxmlformats.org/drawingml/2006/main" xmlns:r="http://schemas.openxmlformats.org/officeDocument/2006/relationships" xmlns:p="http://schemas.openxmlformats.org/presentationml/2006/main">
   <p:cSld>
     <p:spTree>
@@ -2067,7 +2240,7 @@
           <a:p>
             <a:fld id="{FA19A2CC-002F-40A3-8085-9B94163C320C}" type="slidenum">
               <a:rPr lang="en-IL" smtClean="0"/>
-              <a:t>27</a:t>
+              <a:t>29</a:t>
             </a:fld>
             <a:endParaRPr lang="en-IL"/>
           </a:p>
@@ -2651,10 +2824,7 @@
           <a:bodyPr/>
           <a:lstStyle/>
           <a:p>
-            <a:r>
-              <a:rPr lang="en-US" dirty="0"/>
-              <a:t>Echo Server</a:t>
-            </a:r>
+            <a:endParaRPr lang="en-IL" dirty="0"/>
           </a:p>
         </p:txBody>
       </p:sp>
@@ -2684,7 +2854,7 @@
     </p:spTree>
     <p:extLst>
       <p:ext uri="{BB962C8B-B14F-4D97-AF65-F5344CB8AC3E}">
-        <p14:creationId xmlns:p14="http://schemas.microsoft.com/office/powerpoint/2010/main" val="3112359332"/>
+        <p14:creationId xmlns:p14="http://schemas.microsoft.com/office/powerpoint/2010/main" val="372330540"/>
       </p:ext>
     </p:extLst>
   </p:cSld>
@@ -2744,7 +2914,7 @@
           <a:noFill/>
           <a:extLst>
             <a:ext uri="{909E8E84-426E-40dd-AFC4-6F175D3DCCD1}">
-              <a14:hiddenFill xmlns:a14="http://schemas.microsoft.com/office/drawing/2010/main" xmlns="">
+              <a14:hiddenFill xmlns="" xmlns:a14="http://schemas.microsoft.com/office/drawing/2010/main">
                 <a:solidFill>
                   <a:srgbClr val="FFFFFF"/>
                 </a:solidFill>
@@ -2804,7 +2974,7 @@
             </a:ln>
             <a:extLst>
               <a:ext uri="{91240B29-F687-4f45-9708-019B960494DF}">
-                <a14:hiddenLine xmlns:a14="http://schemas.microsoft.com/office/drawing/2010/main" xmlns="" w="9525">
+                <a14:hiddenLine xmlns="" xmlns:a14="http://schemas.microsoft.com/office/drawing/2010/main" w="9525">
                   <a:solidFill>
                     <a:srgbClr val="000000"/>
                   </a:solidFill>
@@ -2894,7 +3064,7 @@
             </a:ln>
             <a:extLst>
               <a:ext uri="{91240B29-F687-4f45-9708-019B960494DF}">
-                <a14:hiddenLine xmlns:a14="http://schemas.microsoft.com/office/drawing/2010/main" xmlns="" w="9525">
+                <a14:hiddenLine xmlns="" xmlns:a14="http://schemas.microsoft.com/office/drawing/2010/main" w="9525">
                   <a:solidFill>
                     <a:srgbClr val="000000"/>
                   </a:solidFill>
@@ -2984,7 +3154,7 @@
             </a:ln>
             <a:extLst>
               <a:ext uri="{91240B29-F687-4f45-9708-019B960494DF}">
-                <a14:hiddenLine xmlns:a14="http://schemas.microsoft.com/office/drawing/2010/main" xmlns="" w="9525">
+                <a14:hiddenLine xmlns="" xmlns:a14="http://schemas.microsoft.com/office/drawing/2010/main" w="9525">
                   <a:solidFill>
                     <a:srgbClr val="000000"/>
                   </a:solidFill>
@@ -3018,7 +3188,7 @@
             </a:ln>
             <a:extLst>
               <a:ext uri="{91240B29-F687-4f45-9708-019B960494DF}">
-                <a14:hiddenLine xmlns:a14="http://schemas.microsoft.com/office/drawing/2010/main" xmlns="" w="9525">
+                <a14:hiddenLine xmlns="" xmlns:a14="http://schemas.microsoft.com/office/drawing/2010/main" w="9525">
                   <a:solidFill>
                     <a:srgbClr val="000000"/>
                   </a:solidFill>
@@ -3108,7 +3278,7 @@
             </a:ln>
             <a:extLst>
               <a:ext uri="{91240B29-F687-4f45-9708-019B960494DF}">
-                <a14:hiddenLine xmlns:a14="http://schemas.microsoft.com/office/drawing/2010/main" xmlns="" w="9525">
+                <a14:hiddenLine xmlns="" xmlns:a14="http://schemas.microsoft.com/office/drawing/2010/main" w="9525">
                   <a:solidFill>
                     <a:srgbClr val="000000"/>
                   </a:solidFill>
@@ -3170,7 +3340,7 @@
             </a:ln>
             <a:extLst>
               <a:ext uri="{91240B29-F687-4f45-9708-019B960494DF}">
-                <a14:hiddenLine xmlns:a14="http://schemas.microsoft.com/office/drawing/2010/main" xmlns="" w="9525">
+                <a14:hiddenLine xmlns="" xmlns:a14="http://schemas.microsoft.com/office/drawing/2010/main" w="9525">
                   <a:solidFill>
                     <a:srgbClr val="000000"/>
                   </a:solidFill>
@@ -3232,7 +3402,7 @@
             </a:ln>
             <a:extLst>
               <a:ext uri="{91240B29-F687-4f45-9708-019B960494DF}">
-                <a14:hiddenLine xmlns:a14="http://schemas.microsoft.com/office/drawing/2010/main" xmlns="" w="9525">
+                <a14:hiddenLine xmlns="" xmlns:a14="http://schemas.microsoft.com/office/drawing/2010/main" w="9525">
                   <a:solidFill>
                     <a:srgbClr val="000000"/>
                   </a:solidFill>
@@ -3322,7 +3492,7 @@
             </a:ln>
             <a:extLst>
               <a:ext uri="{91240B29-F687-4f45-9708-019B960494DF}">
-                <a14:hiddenLine xmlns:a14="http://schemas.microsoft.com/office/drawing/2010/main" xmlns="" w="9525">
+                <a14:hiddenLine xmlns="" xmlns:a14="http://schemas.microsoft.com/office/drawing/2010/main" w="9525">
                   <a:solidFill>
                     <a:srgbClr val="000000"/>
                   </a:solidFill>
@@ -3384,7 +3554,7 @@
             </a:ln>
             <a:extLst>
               <a:ext uri="{91240B29-F687-4f45-9708-019B960494DF}">
-                <a14:hiddenLine xmlns:a14="http://schemas.microsoft.com/office/drawing/2010/main" xmlns="" w="9525">
+                <a14:hiddenLine xmlns="" xmlns:a14="http://schemas.microsoft.com/office/drawing/2010/main" w="9525">
                   <a:solidFill>
                     <a:srgbClr val="000000"/>
                   </a:solidFill>
@@ -3446,7 +3616,7 @@
             </a:ln>
             <a:extLst>
               <a:ext uri="{91240B29-F687-4f45-9708-019B960494DF}">
-                <a14:hiddenLine xmlns:a14="http://schemas.microsoft.com/office/drawing/2010/main" xmlns="" w="9525">
+                <a14:hiddenLine xmlns="" xmlns:a14="http://schemas.microsoft.com/office/drawing/2010/main" w="9525">
                   <a:solidFill>
                     <a:srgbClr val="000000"/>
                   </a:solidFill>
@@ -3536,7 +3706,7 @@
             </a:ln>
             <a:extLst>
               <a:ext uri="{91240B29-F687-4f45-9708-019B960494DF}">
-                <a14:hiddenLine xmlns:a14="http://schemas.microsoft.com/office/drawing/2010/main" xmlns="" w="9525">
+                <a14:hiddenLine xmlns="" xmlns:a14="http://schemas.microsoft.com/office/drawing/2010/main" w="9525">
                   <a:solidFill>
                     <a:srgbClr val="000000"/>
                   </a:solidFill>
@@ -3626,7 +3796,7 @@
             </a:ln>
             <a:extLst>
               <a:ext uri="{91240B29-F687-4f45-9708-019B960494DF}">
-                <a14:hiddenLine xmlns:a14="http://schemas.microsoft.com/office/drawing/2010/main" xmlns="" w="9525">
+                <a14:hiddenLine xmlns="" xmlns:a14="http://schemas.microsoft.com/office/drawing/2010/main" w="9525">
                   <a:solidFill>
                     <a:srgbClr val="000000"/>
                   </a:solidFill>
@@ -3688,7 +3858,7 @@
             </a:ln>
             <a:extLst>
               <a:ext uri="{91240B29-F687-4f45-9708-019B960494DF}">
-                <a14:hiddenLine xmlns:a14="http://schemas.microsoft.com/office/drawing/2010/main" xmlns="" w="9525">
+                <a14:hiddenLine xmlns="" xmlns:a14="http://schemas.microsoft.com/office/drawing/2010/main" w="9525">
                   <a:solidFill>
                     <a:srgbClr val="000000"/>
                   </a:solidFill>
@@ -3798,7 +3968,7 @@
             </a:ln>
             <a:extLst>
               <a:ext uri="{91240B29-F687-4f45-9708-019B960494DF}">
-                <a14:hiddenLine xmlns:a14="http://schemas.microsoft.com/office/drawing/2010/main" xmlns="" w="9525">
+                <a14:hiddenLine xmlns="" xmlns:a14="http://schemas.microsoft.com/office/drawing/2010/main" w="9525">
                   <a:solidFill>
                     <a:srgbClr val="000000"/>
                   </a:solidFill>
@@ -3860,7 +4030,7 @@
             </a:ln>
             <a:extLst>
               <a:ext uri="{91240B29-F687-4f45-9708-019B960494DF}">
-                <a14:hiddenLine xmlns:a14="http://schemas.microsoft.com/office/drawing/2010/main" xmlns="" w="9525">
+                <a14:hiddenLine xmlns="" xmlns:a14="http://schemas.microsoft.com/office/drawing/2010/main" w="9525">
                   <a:solidFill>
                     <a:srgbClr val="000000"/>
                   </a:solidFill>
@@ -3950,7 +4120,7 @@
             </a:ln>
             <a:extLst>
               <a:ext uri="{91240B29-F687-4f45-9708-019B960494DF}">
-                <a14:hiddenLine xmlns:a14="http://schemas.microsoft.com/office/drawing/2010/main" xmlns="" w="9525">
+                <a14:hiddenLine xmlns="" xmlns:a14="http://schemas.microsoft.com/office/drawing/2010/main" w="9525">
                   <a:solidFill>
                     <a:srgbClr val="000000"/>
                   </a:solidFill>
@@ -4040,7 +4210,7 @@
             </a:ln>
             <a:extLst>
               <a:ext uri="{91240B29-F687-4f45-9708-019B960494DF}">
-                <a14:hiddenLine xmlns:a14="http://schemas.microsoft.com/office/drawing/2010/main" xmlns="" w="9525">
+                <a14:hiddenLine xmlns="" xmlns:a14="http://schemas.microsoft.com/office/drawing/2010/main" w="9525">
                   <a:solidFill>
                     <a:srgbClr val="000000"/>
                   </a:solidFill>
@@ -4102,7 +4272,7 @@
             </a:ln>
             <a:extLst>
               <a:ext uri="{91240B29-F687-4f45-9708-019B960494DF}">
-                <a14:hiddenLine xmlns:a14="http://schemas.microsoft.com/office/drawing/2010/main" xmlns="" w="9525">
+                <a14:hiddenLine xmlns="" xmlns:a14="http://schemas.microsoft.com/office/drawing/2010/main" w="9525">
                   <a:solidFill>
                     <a:srgbClr val="000000"/>
                   </a:solidFill>
@@ -4192,7 +4362,7 @@
             </a:ln>
             <a:extLst>
               <a:ext uri="{91240B29-F687-4f45-9708-019B960494DF}">
-                <a14:hiddenLine xmlns:a14="http://schemas.microsoft.com/office/drawing/2010/main" xmlns="" w="9525">
+                <a14:hiddenLine xmlns="" xmlns:a14="http://schemas.microsoft.com/office/drawing/2010/main" w="9525">
                   <a:solidFill>
                     <a:srgbClr val="000000"/>
                   </a:solidFill>
@@ -4282,7 +4452,7 @@
             </a:ln>
             <a:extLst>
               <a:ext uri="{91240B29-F687-4f45-9708-019B960494DF}">
-                <a14:hiddenLine xmlns:a14="http://schemas.microsoft.com/office/drawing/2010/main" xmlns="" w="9525">
+                <a14:hiddenLine xmlns="" xmlns:a14="http://schemas.microsoft.com/office/drawing/2010/main" w="9525">
                   <a:solidFill>
                     <a:srgbClr val="000000"/>
                   </a:solidFill>
@@ -4338,7 +4508,7 @@
             </a:ln>
             <a:extLst>
               <a:ext uri="{91240B29-F687-4f45-9708-019B960494DF}">
-                <a14:hiddenLine xmlns:a14="http://schemas.microsoft.com/office/drawing/2010/main" xmlns="" w="9525">
+                <a14:hiddenLine xmlns="" xmlns:a14="http://schemas.microsoft.com/office/drawing/2010/main" w="9525">
                   <a:solidFill>
                     <a:srgbClr val="000000"/>
                   </a:solidFill>
@@ -4428,7 +4598,7 @@
             </a:ln>
             <a:extLst>
               <a:ext uri="{91240B29-F687-4f45-9708-019B960494DF}">
-                <a14:hiddenLine xmlns:a14="http://schemas.microsoft.com/office/drawing/2010/main" xmlns="" w="9525">
+                <a14:hiddenLine xmlns="" xmlns:a14="http://schemas.microsoft.com/office/drawing/2010/main" w="9525">
                   <a:solidFill>
                     <a:srgbClr val="000000"/>
                   </a:solidFill>
@@ -4484,7 +4654,7 @@
             </a:ln>
             <a:extLst>
               <a:ext uri="{91240B29-F687-4f45-9708-019B960494DF}">
-                <a14:hiddenLine xmlns:a14="http://schemas.microsoft.com/office/drawing/2010/main" xmlns="" w="9525">
+                <a14:hiddenLine xmlns="" xmlns:a14="http://schemas.microsoft.com/office/drawing/2010/main" w="9525">
                   <a:solidFill>
                     <a:srgbClr val="000000"/>
                   </a:solidFill>
@@ -4574,7 +4744,7 @@
             </a:ln>
             <a:extLst>
               <a:ext uri="{91240B29-F687-4f45-9708-019B960494DF}">
-                <a14:hiddenLine xmlns:a14="http://schemas.microsoft.com/office/drawing/2010/main" xmlns="" w="9525">
+                <a14:hiddenLine xmlns="" xmlns:a14="http://schemas.microsoft.com/office/drawing/2010/main" w="9525">
                   <a:solidFill>
                     <a:srgbClr val="000000"/>
                   </a:solidFill>
@@ -4642,7 +4812,7 @@
             </a:ln>
             <a:extLst>
               <a:ext uri="{91240B29-F687-4f45-9708-019B960494DF}">
-                <a14:hiddenLine xmlns:a14="http://schemas.microsoft.com/office/drawing/2010/main" xmlns="" w="9525">
+                <a14:hiddenLine xmlns="" xmlns:a14="http://schemas.microsoft.com/office/drawing/2010/main" w="9525">
                   <a:solidFill>
                     <a:srgbClr val="000000"/>
                   </a:solidFill>
@@ -4732,7 +4902,7 @@
             </a:ln>
             <a:extLst>
               <a:ext uri="{91240B29-F687-4f45-9708-019B960494DF}">
-                <a14:hiddenLine xmlns:a14="http://schemas.microsoft.com/office/drawing/2010/main" xmlns="" w="9525">
+                <a14:hiddenLine xmlns="" xmlns:a14="http://schemas.microsoft.com/office/drawing/2010/main" w="9525">
                   <a:solidFill>
                     <a:srgbClr val="000000"/>
                   </a:solidFill>
@@ -4800,7 +4970,7 @@
             </a:ln>
             <a:extLst>
               <a:ext uri="{91240B29-F687-4f45-9708-019B960494DF}">
-                <a14:hiddenLine xmlns:a14="http://schemas.microsoft.com/office/drawing/2010/main" xmlns="" w="9525">
+                <a14:hiddenLine xmlns="" xmlns:a14="http://schemas.microsoft.com/office/drawing/2010/main" w="9525">
                   <a:solidFill>
                     <a:srgbClr val="000000"/>
                   </a:solidFill>
@@ -4890,7 +5060,7 @@
             </a:ln>
             <a:extLst>
               <a:ext uri="{91240B29-F687-4f45-9708-019B960494DF}">
-                <a14:hiddenLine xmlns:a14="http://schemas.microsoft.com/office/drawing/2010/main" xmlns="" w="9525">
+                <a14:hiddenLine xmlns="" xmlns:a14="http://schemas.microsoft.com/office/drawing/2010/main" w="9525">
                   <a:solidFill>
                     <a:srgbClr val="000000"/>
                   </a:solidFill>
@@ -4924,7 +5094,7 @@
             </a:ln>
             <a:extLst>
               <a:ext uri="{91240B29-F687-4f45-9708-019B960494DF}">
-                <a14:hiddenLine xmlns:a14="http://schemas.microsoft.com/office/drawing/2010/main" xmlns="" w="9525">
+                <a14:hiddenLine xmlns="" xmlns:a14="http://schemas.microsoft.com/office/drawing/2010/main" w="9525">
                   <a:solidFill>
                     <a:srgbClr val="000000"/>
                   </a:solidFill>
@@ -5014,7 +5184,7 @@
             </a:ln>
             <a:extLst>
               <a:ext uri="{91240B29-F687-4f45-9708-019B960494DF}">
-                <a14:hiddenLine xmlns:a14="http://schemas.microsoft.com/office/drawing/2010/main" xmlns="" w="9525">
+                <a14:hiddenLine xmlns="" xmlns:a14="http://schemas.microsoft.com/office/drawing/2010/main" w="9525">
                   <a:solidFill>
                     <a:srgbClr val="000000"/>
                   </a:solidFill>
@@ -5076,7 +5246,7 @@
             </a:ln>
             <a:extLst>
               <a:ext uri="{91240B29-F687-4f45-9708-019B960494DF}">
-                <a14:hiddenLine xmlns:a14="http://schemas.microsoft.com/office/drawing/2010/main" xmlns="" w="9525">
+                <a14:hiddenLine xmlns="" xmlns:a14="http://schemas.microsoft.com/office/drawing/2010/main" w="9525">
                   <a:solidFill>
                     <a:srgbClr val="000000"/>
                   </a:solidFill>
@@ -5138,7 +5308,7 @@
             </a:ln>
             <a:extLst>
               <a:ext uri="{91240B29-F687-4f45-9708-019B960494DF}">
-                <a14:hiddenLine xmlns:a14="http://schemas.microsoft.com/office/drawing/2010/main" xmlns="" w="9525">
+                <a14:hiddenLine xmlns="" xmlns:a14="http://schemas.microsoft.com/office/drawing/2010/main" w="9525">
                   <a:solidFill>
                     <a:srgbClr val="000000"/>
                   </a:solidFill>
@@ -5228,7 +5398,7 @@
             </a:ln>
             <a:extLst>
               <a:ext uri="{91240B29-F687-4f45-9708-019B960494DF}">
-                <a14:hiddenLine xmlns:a14="http://schemas.microsoft.com/office/drawing/2010/main" xmlns="" w="9525">
+                <a14:hiddenLine xmlns="" xmlns:a14="http://schemas.microsoft.com/office/drawing/2010/main" w="9525">
                   <a:solidFill>
                     <a:srgbClr val="000000"/>
                   </a:solidFill>
@@ -5296,7 +5466,7 @@
             </a:ln>
             <a:extLst>
               <a:ext uri="{91240B29-F687-4f45-9708-019B960494DF}">
-                <a14:hiddenLine xmlns:a14="http://schemas.microsoft.com/office/drawing/2010/main" xmlns="" w="9525">
+                <a14:hiddenLine xmlns="" xmlns:a14="http://schemas.microsoft.com/office/drawing/2010/main" w="9525">
                   <a:solidFill>
                     <a:srgbClr val="000000"/>
                   </a:solidFill>
@@ -5358,7 +5528,7 @@
             </a:ln>
             <a:extLst>
               <a:ext uri="{91240B29-F687-4f45-9708-019B960494DF}">
-                <a14:hiddenLine xmlns:a14="http://schemas.microsoft.com/office/drawing/2010/main" xmlns="" w="9525">
+                <a14:hiddenLine xmlns="" xmlns:a14="http://schemas.microsoft.com/office/drawing/2010/main" w="9525">
                   <a:solidFill>
                     <a:srgbClr val="000000"/>
                   </a:solidFill>
@@ -5448,7 +5618,7 @@
             </a:ln>
             <a:extLst>
               <a:ext uri="{91240B29-F687-4f45-9708-019B960494DF}">
-                <a14:hiddenLine xmlns:a14="http://schemas.microsoft.com/office/drawing/2010/main" xmlns="" w="9525">
+                <a14:hiddenLine xmlns="" xmlns:a14="http://schemas.microsoft.com/office/drawing/2010/main" w="9525">
                   <a:solidFill>
                     <a:srgbClr val="000000"/>
                   </a:solidFill>
@@ -5510,7 +5680,7 @@
             </a:ln>
             <a:extLst>
               <a:ext uri="{91240B29-F687-4f45-9708-019B960494DF}">
-                <a14:hiddenLine xmlns:a14="http://schemas.microsoft.com/office/drawing/2010/main" xmlns="" w="9525">
+                <a14:hiddenLine xmlns="" xmlns:a14="http://schemas.microsoft.com/office/drawing/2010/main" w="9525">
                   <a:solidFill>
                     <a:srgbClr val="000000"/>
                   </a:solidFill>
@@ -5600,7 +5770,7 @@
             </a:ln>
             <a:extLst>
               <a:ext uri="{91240B29-F687-4f45-9708-019B960494DF}">
-                <a14:hiddenLine xmlns:a14="http://schemas.microsoft.com/office/drawing/2010/main" xmlns="" w="9525">
+                <a14:hiddenLine xmlns="" xmlns:a14="http://schemas.microsoft.com/office/drawing/2010/main" w="9525">
                   <a:solidFill>
                     <a:srgbClr val="000000"/>
                   </a:solidFill>
@@ -5662,7 +5832,7 @@
             </a:ln>
             <a:extLst>
               <a:ext uri="{91240B29-F687-4f45-9708-019B960494DF}">
-                <a14:hiddenLine xmlns:a14="http://schemas.microsoft.com/office/drawing/2010/main" xmlns="" w="9525">
+                <a14:hiddenLine xmlns="" xmlns:a14="http://schemas.microsoft.com/office/drawing/2010/main" w="9525">
                   <a:solidFill>
                     <a:srgbClr val="000000"/>
                   </a:solidFill>
@@ -5752,7 +5922,7 @@
             </a:ln>
             <a:extLst>
               <a:ext uri="{91240B29-F687-4f45-9708-019B960494DF}">
-                <a14:hiddenLine xmlns:a14="http://schemas.microsoft.com/office/drawing/2010/main" xmlns="" w="9525">
+                <a14:hiddenLine xmlns="" xmlns:a14="http://schemas.microsoft.com/office/drawing/2010/main" w="9525">
                   <a:solidFill>
                     <a:srgbClr val="000000"/>
                   </a:solidFill>
@@ -5786,7 +5956,7 @@
             </a:ln>
             <a:extLst>
               <a:ext uri="{91240B29-F687-4f45-9708-019B960494DF}">
-                <a14:hiddenLine xmlns:a14="http://schemas.microsoft.com/office/drawing/2010/main" xmlns="" w="9525">
+                <a14:hiddenLine xmlns="" xmlns:a14="http://schemas.microsoft.com/office/drawing/2010/main" w="9525">
                   <a:solidFill>
                     <a:srgbClr val="000000"/>
                   </a:solidFill>
@@ -5851,7 +6021,7 @@
             </a:ln>
             <a:extLst>
               <a:ext uri="{91240B29-F687-4f45-9708-019B960494DF}">
-                <a14:hiddenLine xmlns:a14="http://schemas.microsoft.com/office/drawing/2010/main" xmlns="" w="9525">
+                <a14:hiddenLine xmlns="" xmlns:a14="http://schemas.microsoft.com/office/drawing/2010/main" w="9525">
                   <a:solidFill>
                     <a:srgbClr val="000000"/>
                   </a:solidFill>
@@ -5941,7 +6111,7 @@
             </a:ln>
             <a:extLst>
               <a:ext uri="{91240B29-F687-4f45-9708-019B960494DF}">
-                <a14:hiddenLine xmlns:a14="http://schemas.microsoft.com/office/drawing/2010/main" xmlns="" w="9525">
+                <a14:hiddenLine xmlns="" xmlns:a14="http://schemas.microsoft.com/office/drawing/2010/main" w="9525">
                   <a:solidFill>
                     <a:srgbClr val="000000"/>
                   </a:solidFill>
@@ -6003,7 +6173,7 @@
             </a:ln>
             <a:extLst>
               <a:ext uri="{91240B29-F687-4f45-9708-019B960494DF}">
-                <a14:hiddenLine xmlns:a14="http://schemas.microsoft.com/office/drawing/2010/main" xmlns="" w="9525">
+                <a14:hiddenLine xmlns="" xmlns:a14="http://schemas.microsoft.com/office/drawing/2010/main" w="9525">
                   <a:solidFill>
                     <a:srgbClr val="000000"/>
                   </a:solidFill>
@@ -6093,7 +6263,7 @@
             </a:ln>
             <a:extLst>
               <a:ext uri="{91240B29-F687-4f45-9708-019B960494DF}">
-                <a14:hiddenLine xmlns:a14="http://schemas.microsoft.com/office/drawing/2010/main" xmlns="" w="9525">
+                <a14:hiddenLine xmlns="" xmlns:a14="http://schemas.microsoft.com/office/drawing/2010/main" w="9525">
                   <a:solidFill>
                     <a:srgbClr val="000000"/>
                   </a:solidFill>
@@ -6183,7 +6353,7 @@
             </a:ln>
             <a:extLst>
               <a:ext uri="{91240B29-F687-4f45-9708-019B960494DF}">
-                <a14:hiddenLine xmlns:a14="http://schemas.microsoft.com/office/drawing/2010/main" xmlns="" w="9525">
+                <a14:hiddenLine xmlns="" xmlns:a14="http://schemas.microsoft.com/office/drawing/2010/main" w="9525">
                   <a:solidFill>
                     <a:srgbClr val="000000"/>
                   </a:solidFill>
@@ -6248,7 +6418,7 @@
             </a:ln>
             <a:extLst>
               <a:ext uri="{91240B29-F687-4f45-9708-019B960494DF}">
-                <a14:hiddenLine xmlns:a14="http://schemas.microsoft.com/office/drawing/2010/main" xmlns="" w="9525">
+                <a14:hiddenLine xmlns="" xmlns:a14="http://schemas.microsoft.com/office/drawing/2010/main" w="9525">
                   <a:solidFill>
                     <a:srgbClr val="000000"/>
                   </a:solidFill>
@@ -6310,7 +6480,7 @@
             </a:ln>
             <a:extLst>
               <a:ext uri="{91240B29-F687-4f45-9708-019B960494DF}">
-                <a14:hiddenLine xmlns:a14="http://schemas.microsoft.com/office/drawing/2010/main" xmlns="" w="9525">
+                <a14:hiddenLine xmlns="" xmlns:a14="http://schemas.microsoft.com/office/drawing/2010/main" w="9525">
                   <a:solidFill>
                     <a:srgbClr val="000000"/>
                   </a:solidFill>
@@ -6400,7 +6570,7 @@
             </a:ln>
             <a:extLst>
               <a:ext uri="{91240B29-F687-4f45-9708-019B960494DF}">
-                <a14:hiddenLine xmlns:a14="http://schemas.microsoft.com/office/drawing/2010/main" xmlns="" w="9525">
+                <a14:hiddenLine xmlns="" xmlns:a14="http://schemas.microsoft.com/office/drawing/2010/main" w="9525">
                   <a:solidFill>
                     <a:srgbClr val="000000"/>
                   </a:solidFill>
@@ -6490,7 +6660,7 @@
             </a:ln>
             <a:extLst>
               <a:ext uri="{91240B29-F687-4f45-9708-019B960494DF}">
-                <a14:hiddenLine xmlns:a14="http://schemas.microsoft.com/office/drawing/2010/main" xmlns="" w="9525">
+                <a14:hiddenLine xmlns="" xmlns:a14="http://schemas.microsoft.com/office/drawing/2010/main" w="9525">
                   <a:solidFill>
                     <a:srgbClr val="000000"/>
                   </a:solidFill>
@@ -6552,7 +6722,7 @@
             </a:ln>
             <a:extLst>
               <a:ext uri="{91240B29-F687-4f45-9708-019B960494DF}">
-                <a14:hiddenLine xmlns:a14="http://schemas.microsoft.com/office/drawing/2010/main" xmlns="" w="9525">
+                <a14:hiddenLine xmlns="" xmlns:a14="http://schemas.microsoft.com/office/drawing/2010/main" w="9525">
                   <a:solidFill>
                     <a:srgbClr val="000000"/>
                   </a:solidFill>
@@ -6672,7 +6842,7 @@
             </a:ln>
             <a:extLst>
               <a:ext uri="{91240B29-F687-4f45-9708-019B960494DF}">
-                <a14:hiddenLine xmlns:a14="http://schemas.microsoft.com/office/drawing/2010/main" xmlns="" w="9525">
+                <a14:hiddenLine xmlns="" xmlns:a14="http://schemas.microsoft.com/office/drawing/2010/main" w="9525">
                   <a:solidFill>
                     <a:srgbClr val="000000"/>
                   </a:solidFill>
@@ -6740,7 +6910,7 @@
             </a:ln>
             <a:extLst>
               <a:ext uri="{91240B29-F687-4f45-9708-019B960494DF}">
-                <a14:hiddenLine xmlns:a14="http://schemas.microsoft.com/office/drawing/2010/main" xmlns="" w="9525">
+                <a14:hiddenLine xmlns="" xmlns:a14="http://schemas.microsoft.com/office/drawing/2010/main" w="9525">
                   <a:solidFill>
                     <a:srgbClr val="000000"/>
                   </a:solidFill>
@@ -6830,7 +7000,7 @@
             </a:ln>
             <a:extLst>
               <a:ext uri="{91240B29-F687-4f45-9708-019B960494DF}">
-                <a14:hiddenLine xmlns:a14="http://schemas.microsoft.com/office/drawing/2010/main" xmlns="" w="9525">
+                <a14:hiddenLine xmlns="" xmlns:a14="http://schemas.microsoft.com/office/drawing/2010/main" w="9525">
                   <a:solidFill>
                     <a:srgbClr val="000000"/>
                   </a:solidFill>
@@ -6970,7 +7140,7 @@
           <a:p>
             <a:fld id="{7FDF501D-82E6-4DBB-AAAA-6DA52CACCFFC}" type="datetimeFigureOut">
               <a:rPr lang="en-IL" smtClean="0"/>
-              <a:t>15.03.2021</a:t>
+              <a:t>16.03.2021</a:t>
             </a:fld>
             <a:endParaRPr lang="en-IL"/>
           </a:p>
@@ -7245,7 +7415,7 @@
           <a:p>
             <a:fld id="{7FDF501D-82E6-4DBB-AAAA-6DA52CACCFFC}" type="datetimeFigureOut">
               <a:rPr lang="en-IL" smtClean="0"/>
-              <a:t>15.03.2021</a:t>
+              <a:t>16.03.2021</a:t>
             </a:fld>
             <a:endParaRPr lang="en-IL"/>
           </a:p>
@@ -7449,7 +7619,7 @@
           <a:p>
             <a:fld id="{7FDF501D-82E6-4DBB-AAAA-6DA52CACCFFC}" type="datetimeFigureOut">
               <a:rPr lang="en-IL" smtClean="0"/>
-              <a:t>15.03.2021</a:t>
+              <a:t>16.03.2021</a:t>
             </a:fld>
             <a:endParaRPr lang="en-IL"/>
           </a:p>
@@ -7720,7 +7890,7 @@
           <a:p>
             <a:fld id="{7FDF501D-82E6-4DBB-AAAA-6DA52CACCFFC}" type="datetimeFigureOut">
               <a:rPr lang="en-IL" smtClean="0"/>
-              <a:t>15.03.2021</a:t>
+              <a:t>16.03.2021</a:t>
             </a:fld>
             <a:endParaRPr lang="en-IL"/>
           </a:p>
@@ -8162,7 +8332,7 @@
           <a:p>
             <a:fld id="{7FDF501D-82E6-4DBB-AAAA-6DA52CACCFFC}" type="datetimeFigureOut">
               <a:rPr lang="en-IL" smtClean="0"/>
-              <a:t>15.03.2021</a:t>
+              <a:t>16.03.2021</a:t>
             </a:fld>
             <a:endParaRPr lang="en-IL"/>
           </a:p>
@@ -8716,7 +8886,7 @@
           <a:p>
             <a:fld id="{7FDF501D-82E6-4DBB-AAAA-6DA52CACCFFC}" type="datetimeFigureOut">
               <a:rPr lang="en-IL" smtClean="0"/>
-              <a:t>15.03.2021</a:t>
+              <a:t>16.03.2021</a:t>
             </a:fld>
             <a:endParaRPr lang="en-IL"/>
           </a:p>
@@ -9444,7 +9614,7 @@
           <a:p>
             <a:fld id="{7FDF501D-82E6-4DBB-AAAA-6DA52CACCFFC}" type="datetimeFigureOut">
               <a:rPr lang="en-IL" smtClean="0"/>
-              <a:t>15.03.2021</a:t>
+              <a:t>16.03.2021</a:t>
             </a:fld>
             <a:endParaRPr lang="en-IL"/>
           </a:p>
@@ -9622,7 +9792,7 @@
           <a:p>
             <a:fld id="{7FDF501D-82E6-4DBB-AAAA-6DA52CACCFFC}" type="datetimeFigureOut">
               <a:rPr lang="en-IL" smtClean="0"/>
-              <a:t>15.03.2021</a:t>
+              <a:t>16.03.2021</a:t>
             </a:fld>
             <a:endParaRPr lang="en-IL"/>
           </a:p>
@@ -9810,7 +9980,7 @@
           <a:p>
             <a:fld id="{7FDF501D-82E6-4DBB-AAAA-6DA52CACCFFC}" type="datetimeFigureOut">
               <a:rPr lang="en-IL" smtClean="0"/>
-              <a:t>15.03.2021</a:t>
+              <a:t>16.03.2021</a:t>
             </a:fld>
             <a:endParaRPr lang="en-IL"/>
           </a:p>
@@ -9988,7 +10158,7 @@
           <a:p>
             <a:fld id="{7FDF501D-82E6-4DBB-AAAA-6DA52CACCFFC}" type="datetimeFigureOut">
               <a:rPr lang="en-IL" smtClean="0"/>
-              <a:t>15.03.2021</a:t>
+              <a:t>16.03.2021</a:t>
             </a:fld>
             <a:endParaRPr lang="en-IL"/>
           </a:p>
@@ -10246,7 +10416,7 @@
           <a:p>
             <a:fld id="{7FDF501D-82E6-4DBB-AAAA-6DA52CACCFFC}" type="datetimeFigureOut">
               <a:rPr lang="en-IL" smtClean="0"/>
-              <a:t>15.03.2021</a:t>
+              <a:t>16.03.2021</a:t>
             </a:fld>
             <a:endParaRPr lang="en-IL"/>
           </a:p>
@@ -10486,7 +10656,7 @@
           <a:p>
             <a:fld id="{7FDF501D-82E6-4DBB-AAAA-6DA52CACCFFC}" type="datetimeFigureOut">
               <a:rPr lang="en-IL" smtClean="0"/>
-              <a:t>15.03.2021</a:t>
+              <a:t>16.03.2021</a:t>
             </a:fld>
             <a:endParaRPr lang="en-IL"/>
           </a:p>
@@ -10875,7 +11045,7 @@
           <a:p>
             <a:fld id="{7FDF501D-82E6-4DBB-AAAA-6DA52CACCFFC}" type="datetimeFigureOut">
               <a:rPr lang="en-IL" smtClean="0"/>
-              <a:t>15.03.2021</a:t>
+              <a:t>16.03.2021</a:t>
             </a:fld>
             <a:endParaRPr lang="en-IL"/>
           </a:p>
@@ -11001,7 +11171,7 @@
           <a:p>
             <a:fld id="{7FDF501D-82E6-4DBB-AAAA-6DA52CACCFFC}" type="datetimeFigureOut">
               <a:rPr lang="en-IL" smtClean="0"/>
-              <a:t>15.03.2021</a:t>
+              <a:t>16.03.2021</a:t>
             </a:fld>
             <a:endParaRPr lang="en-IL"/>
           </a:p>
@@ -11104,7 +11274,7 @@
           <a:p>
             <a:fld id="{7FDF501D-82E6-4DBB-AAAA-6DA52CACCFFC}" type="datetimeFigureOut">
               <a:rPr lang="en-IL" smtClean="0"/>
-              <a:t>15.03.2021</a:t>
+              <a:t>16.03.2021</a:t>
             </a:fld>
             <a:endParaRPr lang="en-IL"/>
           </a:p>
@@ -11361,7 +11531,7 @@
           <a:p>
             <a:fld id="{7FDF501D-82E6-4DBB-AAAA-6DA52CACCFFC}" type="datetimeFigureOut">
               <a:rPr lang="en-IL" smtClean="0"/>
-              <a:t>15.03.2021</a:t>
+              <a:t>16.03.2021</a:t>
             </a:fld>
             <a:endParaRPr lang="en-IL"/>
           </a:p>
@@ -11649,7 +11819,7 @@
           <a:p>
             <a:fld id="{7FDF501D-82E6-4DBB-AAAA-6DA52CACCFFC}" type="datetimeFigureOut">
               <a:rPr lang="en-IL" smtClean="0"/>
-              <a:t>15.03.2021</a:t>
+              <a:t>16.03.2021</a:t>
             </a:fld>
             <a:endParaRPr lang="en-IL"/>
           </a:p>
@@ -11773,7 +11943,7 @@
           <a:noFill/>
           <a:extLst>
             <a:ext uri="{909E8E84-426E-40dd-AFC4-6F175D3DCCD1}">
-              <a14:hiddenFill xmlns:a14="http://schemas.microsoft.com/office/drawing/2010/main" xmlns="">
+              <a14:hiddenFill xmlns="" xmlns:a14="http://schemas.microsoft.com/office/drawing/2010/main">
                 <a:solidFill>
                   <a:srgbClr val="FFFFFF"/>
                 </a:solidFill>
@@ -11847,7 +12017,7 @@
               </a:ln>
               <a:extLst>
                 <a:ext uri="{91240B29-F687-4f45-9708-019B960494DF}">
-                  <a14:hiddenLine xmlns:a14="http://schemas.microsoft.com/office/drawing/2010/main" xmlns="" w="9525">
+                  <a14:hiddenLine xmlns="" xmlns:a14="http://schemas.microsoft.com/office/drawing/2010/main" w="9525">
                     <a:solidFill>
                       <a:srgbClr val="000000"/>
                     </a:solidFill>
@@ -11937,7 +12107,7 @@
               </a:ln>
               <a:extLst>
                 <a:ext uri="{91240B29-F687-4f45-9708-019B960494DF}">
-                  <a14:hiddenLine xmlns:a14="http://schemas.microsoft.com/office/drawing/2010/main" xmlns="" w="9525">
+                  <a14:hiddenLine xmlns="" xmlns:a14="http://schemas.microsoft.com/office/drawing/2010/main" w="9525">
                     <a:solidFill>
                       <a:srgbClr val="000000"/>
                     </a:solidFill>
@@ -12027,7 +12197,7 @@
               </a:ln>
               <a:extLst>
                 <a:ext uri="{91240B29-F687-4f45-9708-019B960494DF}">
-                  <a14:hiddenLine xmlns:a14="http://schemas.microsoft.com/office/drawing/2010/main" xmlns="" w="9525">
+                  <a14:hiddenLine xmlns="" xmlns:a14="http://schemas.microsoft.com/office/drawing/2010/main" w="9525">
                     <a:solidFill>
                       <a:srgbClr val="000000"/>
                     </a:solidFill>
@@ -12089,7 +12259,7 @@
               </a:ln>
               <a:extLst>
                 <a:ext uri="{91240B29-F687-4f45-9708-019B960494DF}">
-                  <a14:hiddenLine xmlns:a14="http://schemas.microsoft.com/office/drawing/2010/main" xmlns="" w="9525">
+                  <a14:hiddenLine xmlns="" xmlns:a14="http://schemas.microsoft.com/office/drawing/2010/main" w="9525">
                     <a:solidFill>
                       <a:srgbClr val="000000"/>
                     </a:solidFill>
@@ -12179,7 +12349,7 @@
               </a:ln>
               <a:extLst>
                 <a:ext uri="{91240B29-F687-4f45-9708-019B960494DF}">
-                  <a14:hiddenLine xmlns:a14="http://schemas.microsoft.com/office/drawing/2010/main" xmlns="" w="9525">
+                  <a14:hiddenLine xmlns="" xmlns:a14="http://schemas.microsoft.com/office/drawing/2010/main" w="9525">
                     <a:solidFill>
                       <a:srgbClr val="000000"/>
                     </a:solidFill>
@@ -12241,7 +12411,7 @@
               </a:ln>
               <a:extLst>
                 <a:ext uri="{91240B29-F687-4f45-9708-019B960494DF}">
-                  <a14:hiddenLine xmlns:a14="http://schemas.microsoft.com/office/drawing/2010/main" xmlns="" w="9525">
+                  <a14:hiddenLine xmlns="" xmlns:a14="http://schemas.microsoft.com/office/drawing/2010/main" w="9525">
                     <a:solidFill>
                       <a:srgbClr val="000000"/>
                     </a:solidFill>
@@ -12303,7 +12473,7 @@
               </a:ln>
               <a:extLst>
                 <a:ext uri="{91240B29-F687-4f45-9708-019B960494DF}">
-                  <a14:hiddenLine xmlns:a14="http://schemas.microsoft.com/office/drawing/2010/main" xmlns="" w="9525">
+                  <a14:hiddenLine xmlns="" xmlns:a14="http://schemas.microsoft.com/office/drawing/2010/main" w="9525">
                     <a:solidFill>
                       <a:srgbClr val="000000"/>
                     </a:solidFill>
@@ -12393,7 +12563,7 @@
               </a:ln>
               <a:extLst>
                 <a:ext uri="{91240B29-F687-4f45-9708-019B960494DF}">
-                  <a14:hiddenLine xmlns:a14="http://schemas.microsoft.com/office/drawing/2010/main" xmlns="" w="9525">
+                  <a14:hiddenLine xmlns="" xmlns:a14="http://schemas.microsoft.com/office/drawing/2010/main" w="9525">
                     <a:solidFill>
                       <a:srgbClr val="000000"/>
                     </a:solidFill>
@@ -12483,7 +12653,7 @@
               </a:ln>
               <a:extLst>
                 <a:ext uri="{91240B29-F687-4f45-9708-019B960494DF}">
-                  <a14:hiddenLine xmlns:a14="http://schemas.microsoft.com/office/drawing/2010/main" xmlns="" w="9525">
+                  <a14:hiddenLine xmlns="" xmlns:a14="http://schemas.microsoft.com/office/drawing/2010/main" w="9525">
                     <a:solidFill>
                       <a:srgbClr val="000000"/>
                     </a:solidFill>
@@ -12545,7 +12715,7 @@
               </a:ln>
               <a:extLst>
                 <a:ext uri="{91240B29-F687-4f45-9708-019B960494DF}">
-                  <a14:hiddenLine xmlns:a14="http://schemas.microsoft.com/office/drawing/2010/main" xmlns="" w="9525">
+                  <a14:hiddenLine xmlns="" xmlns:a14="http://schemas.microsoft.com/office/drawing/2010/main" w="9525">
                     <a:solidFill>
                       <a:srgbClr val="000000"/>
                     </a:solidFill>
@@ -12655,7 +12825,7 @@
               </a:ln>
               <a:extLst>
                 <a:ext uri="{91240B29-F687-4f45-9708-019B960494DF}">
-                  <a14:hiddenLine xmlns:a14="http://schemas.microsoft.com/office/drawing/2010/main" xmlns="" w="9525">
+                  <a14:hiddenLine xmlns="" xmlns:a14="http://schemas.microsoft.com/office/drawing/2010/main" w="9525">
                     <a:solidFill>
                       <a:srgbClr val="000000"/>
                     </a:solidFill>
@@ -12739,7 +12909,7 @@
               </a:ln>
               <a:extLst>
                 <a:ext uri="{91240B29-F687-4f45-9708-019B960494DF}">
-                  <a14:hiddenLine xmlns:a14="http://schemas.microsoft.com/office/drawing/2010/main" xmlns="" w="9525">
+                  <a14:hiddenLine xmlns="" xmlns:a14="http://schemas.microsoft.com/office/drawing/2010/main" w="9525">
                     <a:solidFill>
                       <a:srgbClr val="000000"/>
                     </a:solidFill>
@@ -12801,7 +12971,7 @@
               </a:ln>
               <a:extLst>
                 <a:ext uri="{91240B29-F687-4f45-9708-019B960494DF}">
-                  <a14:hiddenLine xmlns:a14="http://schemas.microsoft.com/office/drawing/2010/main" xmlns="" w="9525">
+                  <a14:hiddenLine xmlns="" xmlns:a14="http://schemas.microsoft.com/office/drawing/2010/main" w="9525">
                     <a:solidFill>
                       <a:srgbClr val="000000"/>
                     </a:solidFill>
@@ -12863,7 +13033,7 @@
               </a:ln>
               <a:extLst>
                 <a:ext uri="{91240B29-F687-4f45-9708-019B960494DF}">
-                  <a14:hiddenLine xmlns:a14="http://schemas.microsoft.com/office/drawing/2010/main" xmlns="" w="9525">
+                  <a14:hiddenLine xmlns="" xmlns:a14="http://schemas.microsoft.com/office/drawing/2010/main" w="9525">
                     <a:solidFill>
                       <a:srgbClr val="000000"/>
                     </a:solidFill>
@@ -12953,7 +13123,7 @@
               </a:ln>
               <a:extLst>
                 <a:ext uri="{91240B29-F687-4f45-9708-019B960494DF}">
-                  <a14:hiddenLine xmlns:a14="http://schemas.microsoft.com/office/drawing/2010/main" xmlns="" w="9525">
+                  <a14:hiddenLine xmlns="" xmlns:a14="http://schemas.microsoft.com/office/drawing/2010/main" w="9525">
                     <a:solidFill>
                       <a:srgbClr val="000000"/>
                     </a:solidFill>
@@ -12987,7 +13157,7 @@
               </a:ln>
               <a:extLst>
                 <a:ext uri="{91240B29-F687-4f45-9708-019B960494DF}">
-                  <a14:hiddenLine xmlns:a14="http://schemas.microsoft.com/office/drawing/2010/main" xmlns="" w="9525">
+                  <a14:hiddenLine xmlns="" xmlns:a14="http://schemas.microsoft.com/office/drawing/2010/main" w="9525">
                     <a:solidFill>
                       <a:srgbClr val="000000"/>
                     </a:solidFill>
@@ -13052,7 +13222,7 @@
               </a:ln>
               <a:extLst>
                 <a:ext uri="{91240B29-F687-4f45-9708-019B960494DF}">
-                  <a14:hiddenLine xmlns:a14="http://schemas.microsoft.com/office/drawing/2010/main" xmlns="" w="9525">
+                  <a14:hiddenLine xmlns="" xmlns:a14="http://schemas.microsoft.com/office/drawing/2010/main" w="9525">
                     <a:solidFill>
                       <a:srgbClr val="000000"/>
                     </a:solidFill>
@@ -13142,7 +13312,7 @@
               </a:ln>
               <a:extLst>
                 <a:ext uri="{91240B29-F687-4f45-9708-019B960494DF}">
-                  <a14:hiddenLine xmlns:a14="http://schemas.microsoft.com/office/drawing/2010/main" xmlns="" w="9525">
+                  <a14:hiddenLine xmlns="" xmlns:a14="http://schemas.microsoft.com/office/drawing/2010/main" w="9525">
                     <a:solidFill>
                       <a:srgbClr val="000000"/>
                     </a:solidFill>
@@ -13204,7 +13374,7 @@
               </a:ln>
               <a:extLst>
                 <a:ext uri="{91240B29-F687-4f45-9708-019B960494DF}">
-                  <a14:hiddenLine xmlns:a14="http://schemas.microsoft.com/office/drawing/2010/main" xmlns="" w="9525">
+                  <a14:hiddenLine xmlns="" xmlns:a14="http://schemas.microsoft.com/office/drawing/2010/main" w="9525">
                     <a:solidFill>
                       <a:srgbClr val="000000"/>
                     </a:solidFill>
@@ -13294,7 +13464,7 @@
               </a:ln>
               <a:extLst>
                 <a:ext uri="{91240B29-F687-4f45-9708-019B960494DF}">
-                  <a14:hiddenLine xmlns:a14="http://schemas.microsoft.com/office/drawing/2010/main" xmlns="" w="9525">
+                  <a14:hiddenLine xmlns="" xmlns:a14="http://schemas.microsoft.com/office/drawing/2010/main" w="9525">
                     <a:solidFill>
                       <a:srgbClr val="000000"/>
                     </a:solidFill>
@@ -13359,7 +13529,7 @@
               </a:ln>
               <a:extLst>
                 <a:ext uri="{91240B29-F687-4f45-9708-019B960494DF}">
-                  <a14:hiddenLine xmlns:a14="http://schemas.microsoft.com/office/drawing/2010/main" xmlns="" w="9525">
+                  <a14:hiddenLine xmlns="" xmlns:a14="http://schemas.microsoft.com/office/drawing/2010/main" w="9525">
                     <a:solidFill>
                       <a:srgbClr val="000000"/>
                     </a:solidFill>
@@ -13421,7 +13591,7 @@
               </a:ln>
               <a:extLst>
                 <a:ext uri="{91240B29-F687-4f45-9708-019B960494DF}">
-                  <a14:hiddenLine xmlns:a14="http://schemas.microsoft.com/office/drawing/2010/main" xmlns="" w="9525">
+                  <a14:hiddenLine xmlns="" xmlns:a14="http://schemas.microsoft.com/office/drawing/2010/main" w="9525">
                     <a:solidFill>
                       <a:srgbClr val="000000"/>
                     </a:solidFill>
@@ -13511,7 +13681,7 @@
               </a:ln>
               <a:extLst>
                 <a:ext uri="{91240B29-F687-4f45-9708-019B960494DF}">
-                  <a14:hiddenLine xmlns:a14="http://schemas.microsoft.com/office/drawing/2010/main" xmlns="" w="9525">
+                  <a14:hiddenLine xmlns="" xmlns:a14="http://schemas.microsoft.com/office/drawing/2010/main" w="9525">
                     <a:solidFill>
                       <a:srgbClr val="000000"/>
                     </a:solidFill>
@@ -13601,7 +13771,7 @@
               </a:ln>
               <a:extLst>
                 <a:ext uri="{91240B29-F687-4f45-9708-019B960494DF}">
-                  <a14:hiddenLine xmlns:a14="http://schemas.microsoft.com/office/drawing/2010/main" xmlns="" w="9525">
+                  <a14:hiddenLine xmlns="" xmlns:a14="http://schemas.microsoft.com/office/drawing/2010/main" w="9525">
                     <a:solidFill>
                       <a:srgbClr val="000000"/>
                     </a:solidFill>
@@ -13666,7 +13836,7 @@
               </a:ln>
               <a:extLst>
                 <a:ext uri="{91240B29-F687-4f45-9708-019B960494DF}">
-                  <a14:hiddenLine xmlns:a14="http://schemas.microsoft.com/office/drawing/2010/main" xmlns="" w="9525">
+                  <a14:hiddenLine xmlns="" xmlns:a14="http://schemas.microsoft.com/office/drawing/2010/main" w="9525">
                     <a:solidFill>
                       <a:srgbClr val="000000"/>
                     </a:solidFill>
@@ -13786,7 +13956,7 @@
               </a:ln>
               <a:extLst>
                 <a:ext uri="{91240B29-F687-4f45-9708-019B960494DF}">
-                  <a14:hiddenLine xmlns:a14="http://schemas.microsoft.com/office/drawing/2010/main" xmlns="" w="9525">
+                  <a14:hiddenLine xmlns="" xmlns:a14="http://schemas.microsoft.com/office/drawing/2010/main" w="9525">
                     <a:solidFill>
                       <a:srgbClr val="000000"/>
                     </a:solidFill>
@@ -13884,7 +14054,7 @@
               </a:ln>
               <a:extLst>
                 <a:ext uri="{91240B29-F687-4f45-9708-019B960494DF}">
-                  <a14:hiddenLine xmlns:a14="http://schemas.microsoft.com/office/drawing/2010/main" xmlns="" w="9525">
+                  <a14:hiddenLine xmlns="" xmlns:a14="http://schemas.microsoft.com/office/drawing/2010/main" w="9525">
                     <a:solidFill>
                       <a:srgbClr val="000000"/>
                     </a:solidFill>
@@ -13999,7 +14169,7 @@
               </a:ln>
               <a:extLst>
                 <a:ext uri="{91240B29-F687-4f45-9708-019B960494DF}">
-                  <a14:hiddenLine xmlns:a14="http://schemas.microsoft.com/office/drawing/2010/main" xmlns="" w="9525">
+                  <a14:hiddenLine xmlns="" xmlns:a14="http://schemas.microsoft.com/office/drawing/2010/main" w="9525">
                     <a:solidFill>
                       <a:srgbClr val="000000"/>
                     </a:solidFill>
@@ -14089,7 +14259,7 @@
               </a:ln>
               <a:extLst>
                 <a:ext uri="{91240B29-F687-4f45-9708-019B960494DF}">
-                  <a14:hiddenLine xmlns:a14="http://schemas.microsoft.com/office/drawing/2010/main" xmlns="" w="9525">
+                  <a14:hiddenLine xmlns="" xmlns:a14="http://schemas.microsoft.com/office/drawing/2010/main" w="9525">
                     <a:solidFill>
                       <a:srgbClr val="000000"/>
                     </a:solidFill>
@@ -14154,7 +14324,7 @@
               </a:ln>
               <a:extLst>
                 <a:ext uri="{91240B29-F687-4f45-9708-019B960494DF}">
-                  <a14:hiddenLine xmlns:a14="http://schemas.microsoft.com/office/drawing/2010/main" xmlns="" w="9525">
+                  <a14:hiddenLine xmlns="" xmlns:a14="http://schemas.microsoft.com/office/drawing/2010/main" w="9525">
                     <a:solidFill>
                       <a:srgbClr val="000000"/>
                     </a:solidFill>
@@ -14244,7 +14414,7 @@
               </a:ln>
               <a:extLst>
                 <a:ext uri="{91240B29-F687-4f45-9708-019B960494DF}">
-                  <a14:hiddenLine xmlns:a14="http://schemas.microsoft.com/office/drawing/2010/main" xmlns="" w="9525">
+                  <a14:hiddenLine xmlns="" xmlns:a14="http://schemas.microsoft.com/office/drawing/2010/main" w="9525">
                     <a:solidFill>
                       <a:srgbClr val="000000"/>
                     </a:solidFill>
@@ -14312,7 +14482,7 @@
               </a:ln>
               <a:extLst>
                 <a:ext uri="{91240B29-F687-4f45-9708-019B960494DF}">
-                  <a14:hiddenLine xmlns:a14="http://schemas.microsoft.com/office/drawing/2010/main" xmlns="" w="9525">
+                  <a14:hiddenLine xmlns="" xmlns:a14="http://schemas.microsoft.com/office/drawing/2010/main" w="9525">
                     <a:solidFill>
                       <a:srgbClr val="000000"/>
                     </a:solidFill>
@@ -14402,7 +14572,7 @@
               </a:ln>
               <a:extLst>
                 <a:ext uri="{91240B29-F687-4f45-9708-019B960494DF}">
-                  <a14:hiddenLine xmlns:a14="http://schemas.microsoft.com/office/drawing/2010/main" xmlns="" w="9525">
+                  <a14:hiddenLine xmlns="" xmlns:a14="http://schemas.microsoft.com/office/drawing/2010/main" w="9525">
                     <a:solidFill>
                       <a:srgbClr val="000000"/>
                     </a:solidFill>
@@ -14470,7 +14640,7 @@
               </a:ln>
               <a:extLst>
                 <a:ext uri="{91240B29-F687-4f45-9708-019B960494DF}">
-                  <a14:hiddenLine xmlns:a14="http://schemas.microsoft.com/office/drawing/2010/main" xmlns="" w="9525">
+                  <a14:hiddenLine xmlns="" xmlns:a14="http://schemas.microsoft.com/office/drawing/2010/main" w="9525">
                     <a:solidFill>
                       <a:srgbClr val="000000"/>
                     </a:solidFill>
@@ -14560,7 +14730,7 @@
               </a:ln>
               <a:extLst>
                 <a:ext uri="{91240B29-F687-4f45-9708-019B960494DF}">
-                  <a14:hiddenLine xmlns:a14="http://schemas.microsoft.com/office/drawing/2010/main" xmlns="" w="9525">
+                  <a14:hiddenLine xmlns="" xmlns:a14="http://schemas.microsoft.com/office/drawing/2010/main" w="9525">
                     <a:solidFill>
                       <a:srgbClr val="000000"/>
                     </a:solidFill>
@@ -14594,7 +14764,7 @@
               </a:ln>
               <a:extLst>
                 <a:ext uri="{91240B29-F687-4f45-9708-019B960494DF}">
-                  <a14:hiddenLine xmlns:a14="http://schemas.microsoft.com/office/drawing/2010/main" xmlns="" w="9525">
+                  <a14:hiddenLine xmlns="" xmlns:a14="http://schemas.microsoft.com/office/drawing/2010/main" w="9525">
                     <a:solidFill>
                       <a:srgbClr val="000000"/>
                     </a:solidFill>
@@ -14734,7 +14904,7 @@
           <a:p>
             <a:fld id="{7FDF501D-82E6-4DBB-AAAA-6DA52CACCFFC}" type="datetimeFigureOut">
               <a:rPr lang="en-IL" smtClean="0"/>
-              <a:t>15.03.2021</a:t>
+              <a:t>16.03.2021</a:t>
             </a:fld>
             <a:endParaRPr lang="en-IL"/>
           </a:p>
@@ -15268,6 +15438,1374 @@
       </p:grpSpPr>
       <p:sp>
         <p:nvSpPr>
+          <p:cNvPr id="27" name="Rectangle 26">
+            <a:extLst>
+              <a:ext uri="{FF2B5EF4-FFF2-40B4-BE49-F238E27FC236}">
+                <a16:creationId xmlns:a16="http://schemas.microsoft.com/office/drawing/2014/main" id="{64C76D42-2200-4A13-AFFB-0F543F6A81AE}"/>
+              </a:ext>
+            </a:extLst>
+          </p:cNvPr>
+          <p:cNvSpPr/>
+          <p:nvPr/>
+        </p:nvSpPr>
+        <p:spPr>
+          <a:xfrm>
+            <a:off x="5741776" y="171465"/>
+            <a:ext cx="5361617" cy="664803"/>
+          </a:xfrm>
+          <a:prstGeom prst="rect">
+            <a:avLst/>
+          </a:prstGeom>
+        </p:spPr>
+        <p:style>
+          <a:lnRef idx="1">
+            <a:schemeClr val="accent5"/>
+          </a:lnRef>
+          <a:fillRef idx="2">
+            <a:schemeClr val="accent5"/>
+          </a:fillRef>
+          <a:effectRef idx="1">
+            <a:schemeClr val="accent5"/>
+          </a:effectRef>
+          <a:fontRef idx="minor">
+            <a:schemeClr val="dk1"/>
+          </a:fontRef>
+        </p:style>
+        <p:txBody>
+          <a:bodyPr rtlCol="0" anchor="ctr"/>
+          <a:lstStyle/>
+          <a:p>
+            <a:pPr algn="ctr"/>
+            <a:endParaRPr lang="en-IL" dirty="0"/>
+          </a:p>
+        </p:txBody>
+      </p:sp>
+      <p:sp>
+        <p:nvSpPr>
+          <p:cNvPr id="2" name="Title 1">
+            <a:extLst>
+              <a:ext uri="{FF2B5EF4-FFF2-40B4-BE49-F238E27FC236}">
+                <a16:creationId xmlns:a16="http://schemas.microsoft.com/office/drawing/2014/main" id="{AD92F597-4DB6-45C7-97B2-8F408617D08A}"/>
+              </a:ext>
+            </a:extLst>
+          </p:cNvPr>
+          <p:cNvSpPr>
+            <a:spLocks noGrp="1"/>
+          </p:cNvSpPr>
+          <p:nvPr>
+            <p:ph type="title"/>
+          </p:nvPr>
+        </p:nvSpPr>
+        <p:spPr>
+          <a:xfrm>
+            <a:off x="1141412" y="0"/>
+            <a:ext cx="9905998" cy="983635"/>
+          </a:xfrm>
+        </p:spPr>
+        <p:txBody>
+          <a:bodyPr/>
+          <a:lstStyle/>
+          <a:p>
+            <a:pPr algn="r" rtl="1"/>
+            <a:r>
+              <a:rPr lang="en-US" cap="none" dirty="0">
+                <a:solidFill>
+                  <a:schemeClr val="bg1"/>
+                </a:solidFill>
+                <a:latin typeface="Segoe UI Semibold" panose="020B0702040204020203" pitchFamily="34" charset="0"/>
+                <a:cs typeface="Segoe UI Semibold" panose="020B0702040204020203" pitchFamily="34" charset="0"/>
+              </a:rPr>
+              <a:t>ROP</a:t>
+            </a:r>
+            <a:r>
+              <a:rPr lang="he-IL" cap="none" dirty="0">
+                <a:solidFill>
+                  <a:schemeClr val="bg1"/>
+                </a:solidFill>
+                <a:latin typeface="Segoe UI Semibold" panose="020B0702040204020203" pitchFamily="34" charset="0"/>
+                <a:cs typeface="Segoe UI Semibold" panose="020B0702040204020203" pitchFamily="34" charset="0"/>
+              </a:rPr>
+              <a:t> – הגנות </a:t>
+            </a:r>
+            <a:endParaRPr lang="en-IL" cap="none" dirty="0">
+              <a:solidFill>
+                <a:schemeClr val="bg1"/>
+              </a:solidFill>
+              <a:latin typeface="Segoe UI Semibold" panose="020B0702040204020203" pitchFamily="34" charset="0"/>
+              <a:cs typeface="Segoe UI Semibold" panose="020B0702040204020203" pitchFamily="34" charset="0"/>
+            </a:endParaRPr>
+          </a:p>
+        </p:txBody>
+      </p:sp>
+      <p:sp>
+        <p:nvSpPr>
+          <p:cNvPr id="3" name="Content Placeholder 2">
+            <a:extLst>
+              <a:ext uri="{FF2B5EF4-FFF2-40B4-BE49-F238E27FC236}">
+                <a16:creationId xmlns:a16="http://schemas.microsoft.com/office/drawing/2014/main" id="{5DB99D37-3B94-4415-BFED-4639A5DB97A4}"/>
+              </a:ext>
+            </a:extLst>
+          </p:cNvPr>
+          <p:cNvSpPr>
+            <a:spLocks noGrp="1"/>
+          </p:cNvSpPr>
+          <p:nvPr>
+            <p:ph idx="1"/>
+          </p:nvPr>
+        </p:nvSpPr>
+        <p:spPr>
+          <a:xfrm>
+            <a:off x="4958080" y="802432"/>
+            <a:ext cx="6089330" cy="5685454"/>
+          </a:xfrm>
+        </p:spPr>
+        <p:txBody>
+          <a:bodyPr>
+            <a:normAutofit lnSpcReduction="10000"/>
+          </a:bodyPr>
+          <a:lstStyle/>
+          <a:p>
+            <a:pPr lvl="1" algn="r" rtl="1"/>
+            <a:r>
+              <a:rPr lang="en-US" dirty="0">
+                <a:latin typeface="Segoe UI Semilight" panose="020B0402040204020203" pitchFamily="34" charset="0"/>
+                <a:cs typeface="Segoe UI Semilight" panose="020B0402040204020203" pitchFamily="34" charset="0"/>
+              </a:rPr>
+              <a:t>Reversed Stack</a:t>
+            </a:r>
+            <a:endParaRPr lang="he-IL" dirty="0">
+              <a:latin typeface="Segoe UI Semilight" panose="020B0402040204020203" pitchFamily="34" charset="0"/>
+              <a:cs typeface="Segoe UI Semilight" panose="020B0402040204020203" pitchFamily="34" charset="0"/>
+            </a:endParaRPr>
+          </a:p>
+          <a:p>
+            <a:pPr lvl="2" algn="r" rtl="1"/>
+            <a:r>
+              <a:rPr lang="he-IL" dirty="0">
+                <a:latin typeface="Segoe UI Semilight" panose="020B0402040204020203" pitchFamily="34" charset="0"/>
+                <a:cs typeface="Segoe UI Semilight" panose="020B0402040204020203" pitchFamily="34" charset="0"/>
+              </a:rPr>
+              <a:t>המחסנית מתקדמת בכיוון ההפוך.</a:t>
+            </a:r>
+          </a:p>
+          <a:p>
+            <a:pPr lvl="2" algn="r" rtl="1"/>
+            <a:r>
+              <a:rPr lang="he-IL" dirty="0">
+                <a:latin typeface="Segoe UI Semilight" panose="020B0402040204020203" pitchFamily="34" charset="0"/>
+                <a:cs typeface="Segoe UI Semilight" panose="020B0402040204020203" pitchFamily="34" charset="0"/>
+              </a:rPr>
+              <a:t>משתנה לוקאלי של הפונקציה הנוכחית לא יכול לדרוס את כתובת החזרה של אותה הפונקציה.</a:t>
+            </a:r>
+          </a:p>
+          <a:p>
+            <a:pPr lvl="1" algn="r" rtl="1"/>
+            <a:r>
+              <a:rPr lang="he-IL" dirty="0">
+                <a:latin typeface="Segoe UI Semilight" panose="020B0402040204020203" pitchFamily="34" charset="0"/>
+                <a:cs typeface="Segoe UI Semilight" panose="020B0402040204020203" pitchFamily="34" charset="0"/>
+              </a:rPr>
+              <a:t>חסרונות:</a:t>
+            </a:r>
+          </a:p>
+          <a:p>
+            <a:pPr lvl="2" algn="r" rtl="1"/>
+            <a:r>
+              <a:rPr lang="he-IL" dirty="0">
+                <a:latin typeface="Segoe UI Semilight" panose="020B0402040204020203" pitchFamily="34" charset="0"/>
+                <a:cs typeface="Segoe UI Semilight" panose="020B0402040204020203" pitchFamily="34" charset="0"/>
+              </a:rPr>
+              <a:t>לא מגן לחלוטין – אם מעבירים לפונקציה מצביע למשתנה על ה-</a:t>
+            </a:r>
+            <a:r>
+              <a:rPr lang="en-US" dirty="0">
+                <a:latin typeface="Segoe UI Semilight" panose="020B0402040204020203" pitchFamily="34" charset="0"/>
+                <a:cs typeface="Segoe UI Semilight" panose="020B0402040204020203" pitchFamily="34" charset="0"/>
+              </a:rPr>
+              <a:t>stack</a:t>
+            </a:r>
+            <a:r>
+              <a:rPr lang="he-IL" dirty="0">
+                <a:latin typeface="Segoe UI Semilight" panose="020B0402040204020203" pitchFamily="34" charset="0"/>
+                <a:cs typeface="Segoe UI Semilight" panose="020B0402040204020203" pitchFamily="34" charset="0"/>
+              </a:rPr>
+              <a:t> הוא עלול לדרוס את כתובת החזרה שלה – אך זה הרבה פחות נפוץ.</a:t>
+            </a:r>
+            <a:endParaRPr lang="en-US" dirty="0">
+              <a:latin typeface="Segoe UI Semilight" panose="020B0402040204020203" pitchFamily="34" charset="0"/>
+              <a:cs typeface="Segoe UI Semilight" panose="020B0402040204020203" pitchFamily="34" charset="0"/>
+            </a:endParaRPr>
+          </a:p>
+          <a:p>
+            <a:pPr lvl="2" algn="r" rtl="1"/>
+            <a:r>
+              <a:rPr lang="he-IL" dirty="0">
+                <a:latin typeface="Segoe UI Semilight" panose="020B0402040204020203" pitchFamily="34" charset="0"/>
+                <a:cs typeface="Segoe UI Semilight" panose="020B0402040204020203" pitchFamily="34" charset="0"/>
+              </a:rPr>
+              <a:t>לא בכל ארכיטקטורה יש תמיכה.</a:t>
+            </a:r>
+          </a:p>
+          <a:p>
+            <a:pPr lvl="3" algn="r" rtl="1"/>
+            <a:r>
+              <a:rPr lang="he-IL" dirty="0">
+                <a:latin typeface="Segoe UI Semilight" panose="020B0402040204020203" pitchFamily="34" charset="0"/>
+                <a:cs typeface="Segoe UI Semilight" panose="020B0402040204020203" pitchFamily="34" charset="0"/>
+              </a:rPr>
+              <a:t>במעבדי </a:t>
+            </a:r>
+            <a:r>
+              <a:rPr lang="en-US" dirty="0">
+                <a:latin typeface="Segoe UI Semilight" panose="020B0402040204020203" pitchFamily="34" charset="0"/>
+                <a:cs typeface="Segoe UI Semilight" panose="020B0402040204020203" pitchFamily="34" charset="0"/>
+              </a:rPr>
+              <a:t>ARM</a:t>
+            </a:r>
+            <a:r>
+              <a:rPr lang="he-IL" dirty="0">
+                <a:latin typeface="Segoe UI Semilight" panose="020B0402040204020203" pitchFamily="34" charset="0"/>
+                <a:cs typeface="Segoe UI Semilight" panose="020B0402040204020203" pitchFamily="34" charset="0"/>
+              </a:rPr>
+              <a:t> מודרניים הדבר נתמך ב-</a:t>
+            </a:r>
+            <a:r>
+              <a:rPr lang="en-US" dirty="0">
+                <a:latin typeface="Segoe UI Semilight" panose="020B0402040204020203" pitchFamily="34" charset="0"/>
+                <a:cs typeface="Segoe UI Semilight" panose="020B0402040204020203" pitchFamily="34" charset="0"/>
+              </a:rPr>
+              <a:t>Instruction Set</a:t>
+            </a:r>
+            <a:r>
+              <a:rPr lang="he-IL" dirty="0">
+                <a:latin typeface="Segoe UI Semilight" panose="020B0402040204020203" pitchFamily="34" charset="0"/>
+                <a:cs typeface="Segoe UI Semilight" panose="020B0402040204020203" pitchFamily="34" charset="0"/>
+              </a:rPr>
+              <a:t> (צריך להתאים את הקומפיילר).</a:t>
+            </a:r>
+          </a:p>
+          <a:p>
+            <a:pPr lvl="3" algn="r" rtl="1"/>
+            <a:r>
+              <a:rPr lang="he-IL" dirty="0">
+                <a:latin typeface="Segoe UI Semilight" panose="020B0402040204020203" pitchFamily="34" charset="0"/>
+                <a:cs typeface="Segoe UI Semilight" panose="020B0402040204020203" pitchFamily="34" charset="0"/>
+              </a:rPr>
+              <a:t>במעבדי </a:t>
+            </a:r>
+            <a:r>
+              <a:rPr lang="en-US" dirty="0">
+                <a:latin typeface="Segoe UI Semilight" panose="020B0402040204020203" pitchFamily="34" charset="0"/>
+                <a:cs typeface="Segoe UI Semilight" panose="020B0402040204020203" pitchFamily="34" charset="0"/>
+              </a:rPr>
+              <a:t>x86</a:t>
+            </a:r>
+            <a:r>
+              <a:rPr lang="he-IL" dirty="0">
+                <a:latin typeface="Segoe UI Semilight" panose="020B0402040204020203" pitchFamily="34" charset="0"/>
+                <a:cs typeface="Segoe UI Semilight" panose="020B0402040204020203" pitchFamily="34" charset="0"/>
+              </a:rPr>
+              <a:t> אין תמיכה, אך פורסם מאמר שמראה שניתן להוסיף תמיכה בקומפיילרים עם תקורה נמוכה יחסית.</a:t>
+            </a:r>
+          </a:p>
+          <a:p>
+            <a:pPr lvl="2" algn="r" rtl="1"/>
+            <a:r>
+              <a:rPr lang="he-IL" dirty="0">
+                <a:latin typeface="Segoe UI Semilight" panose="020B0402040204020203" pitchFamily="34" charset="0"/>
+                <a:cs typeface="Segoe UI Semilight" panose="020B0402040204020203" pitchFamily="34" charset="0"/>
+              </a:rPr>
+              <a:t>מבנה לא אופטימלי של הזיכרון, כיוון שהמחסנית וה-</a:t>
+            </a:r>
+            <a:r>
+              <a:rPr lang="en-US" dirty="0">
+                <a:latin typeface="Segoe UI Semilight" panose="020B0402040204020203" pitchFamily="34" charset="0"/>
+                <a:cs typeface="Segoe UI Semilight" panose="020B0402040204020203" pitchFamily="34" charset="0"/>
+              </a:rPr>
+              <a:t>Heap</a:t>
+            </a:r>
+            <a:r>
+              <a:rPr lang="he-IL" dirty="0">
+                <a:latin typeface="Segoe UI Semilight" panose="020B0402040204020203" pitchFamily="34" charset="0"/>
+                <a:cs typeface="Segoe UI Semilight" panose="020B0402040204020203" pitchFamily="34" charset="0"/>
+              </a:rPr>
+              <a:t> מתקדמים לאותו כיוון.</a:t>
+            </a:r>
+          </a:p>
+          <a:p>
+            <a:pPr marL="457200" lvl="1" indent="0" algn="r" rtl="1">
+              <a:buNone/>
+            </a:pPr>
+            <a:endParaRPr lang="he-IL" dirty="0">
+              <a:latin typeface="Segoe UI Semilight" panose="020B0402040204020203" pitchFamily="34" charset="0"/>
+              <a:cs typeface="Segoe UI Semilight" panose="020B0402040204020203" pitchFamily="34" charset="0"/>
+            </a:endParaRPr>
+          </a:p>
+          <a:p>
+            <a:pPr lvl="2" algn="r" rtl="1"/>
+            <a:endParaRPr lang="en-US" dirty="0">
+              <a:latin typeface="Segoe UI Semilight" panose="020B0402040204020203" pitchFamily="34" charset="0"/>
+              <a:cs typeface="Segoe UI Semilight" panose="020B0402040204020203" pitchFamily="34" charset="0"/>
+            </a:endParaRPr>
+          </a:p>
+          <a:p>
+            <a:pPr algn="r" rtl="1"/>
+            <a:endParaRPr lang="he-IL" dirty="0">
+              <a:latin typeface="Segoe UI Semilight" panose="020B0402040204020203" pitchFamily="34" charset="0"/>
+              <a:cs typeface="Segoe UI Semilight" panose="020B0402040204020203" pitchFamily="34" charset="0"/>
+            </a:endParaRPr>
+          </a:p>
+          <a:p>
+            <a:pPr lvl="1" algn="r" rtl="1"/>
+            <a:endParaRPr lang="he-IL" dirty="0">
+              <a:latin typeface="Segoe UI Semilight" panose="020B0402040204020203" pitchFamily="34" charset="0"/>
+              <a:cs typeface="Segoe UI Semilight" panose="020B0402040204020203" pitchFamily="34" charset="0"/>
+            </a:endParaRPr>
+          </a:p>
+        </p:txBody>
+      </p:sp>
+      <p:sp>
+        <p:nvSpPr>
+          <p:cNvPr id="28" name="Rectangle 27">
+            <a:extLst>
+              <a:ext uri="{FF2B5EF4-FFF2-40B4-BE49-F238E27FC236}">
+                <a16:creationId xmlns:a16="http://schemas.microsoft.com/office/drawing/2014/main" id="{049DAEDD-ABC5-4932-8AB5-AA98FD4EEDB9}"/>
+              </a:ext>
+            </a:extLst>
+          </p:cNvPr>
+          <p:cNvSpPr/>
+          <p:nvPr/>
+        </p:nvSpPr>
+        <p:spPr>
+          <a:xfrm>
+            <a:off x="1514669" y="454089"/>
+            <a:ext cx="2708987" cy="5629469"/>
+          </a:xfrm>
+          <a:prstGeom prst="rect">
+            <a:avLst/>
+          </a:prstGeom>
+        </p:spPr>
+        <p:style>
+          <a:lnRef idx="1">
+            <a:schemeClr val="accent5"/>
+          </a:lnRef>
+          <a:fillRef idx="2">
+            <a:schemeClr val="accent5"/>
+          </a:fillRef>
+          <a:effectRef idx="1">
+            <a:schemeClr val="accent5"/>
+          </a:effectRef>
+          <a:fontRef idx="minor">
+            <a:schemeClr val="dk1"/>
+          </a:fontRef>
+        </p:style>
+        <p:txBody>
+          <a:bodyPr rtlCol="0" anchor="ctr"/>
+          <a:lstStyle/>
+          <a:p>
+            <a:pPr algn="ctr"/>
+            <a:endParaRPr lang="en-IL" dirty="0"/>
+          </a:p>
+        </p:txBody>
+      </p:sp>
+      <p:cxnSp>
+        <p:nvCxnSpPr>
+          <p:cNvPr id="30" name="Straight Arrow Connector 29">
+            <a:extLst>
+              <a:ext uri="{FF2B5EF4-FFF2-40B4-BE49-F238E27FC236}">
+                <a16:creationId xmlns:a16="http://schemas.microsoft.com/office/drawing/2014/main" id="{B6226C84-983F-464D-8FF6-613CC94B81C1}"/>
+              </a:ext>
+            </a:extLst>
+          </p:cNvPr>
+          <p:cNvCxnSpPr>
+            <a:cxnSpLocks/>
+          </p:cNvCxnSpPr>
+          <p:nvPr/>
+        </p:nvCxnSpPr>
+        <p:spPr>
+          <a:xfrm flipH="1">
+            <a:off x="4223656" y="516298"/>
+            <a:ext cx="870858" cy="0"/>
+          </a:xfrm>
+          <a:prstGeom prst="straightConnector1">
+            <a:avLst/>
+          </a:prstGeom>
+          <a:ln>
+            <a:tailEnd type="triangle"/>
+          </a:ln>
+        </p:spPr>
+        <p:style>
+          <a:lnRef idx="3">
+            <a:schemeClr val="accent5"/>
+          </a:lnRef>
+          <a:fillRef idx="0">
+            <a:schemeClr val="accent5"/>
+          </a:fillRef>
+          <a:effectRef idx="2">
+            <a:schemeClr val="accent5"/>
+          </a:effectRef>
+          <a:fontRef idx="minor">
+            <a:schemeClr val="tx1"/>
+          </a:fontRef>
+        </p:style>
+      </p:cxnSp>
+      <p:sp>
+        <p:nvSpPr>
+          <p:cNvPr id="44" name="TextBox 43">
+            <a:extLst>
+              <a:ext uri="{FF2B5EF4-FFF2-40B4-BE49-F238E27FC236}">
+                <a16:creationId xmlns:a16="http://schemas.microsoft.com/office/drawing/2014/main" id="{93C507D8-7476-4ECA-AFA6-FE34E1BF4A63}"/>
+              </a:ext>
+            </a:extLst>
+          </p:cNvPr>
+          <p:cNvSpPr txBox="1"/>
+          <p:nvPr/>
+        </p:nvSpPr>
+        <p:spPr>
+          <a:xfrm>
+            <a:off x="4335622" y="466937"/>
+            <a:ext cx="1338380" cy="369332"/>
+          </a:xfrm>
+          <a:prstGeom prst="rect">
+            <a:avLst/>
+          </a:prstGeom>
+          <a:noFill/>
+        </p:spPr>
+        <p:txBody>
+          <a:bodyPr wrap="none" rtlCol="0">
+            <a:spAutoFit/>
+          </a:bodyPr>
+          <a:lstStyle/>
+          <a:p>
+            <a:r>
+              <a:rPr lang="en-US" dirty="0"/>
+              <a:t>Low Address</a:t>
+            </a:r>
+            <a:endParaRPr lang="en-IL" dirty="0"/>
+          </a:p>
+        </p:txBody>
+      </p:sp>
+      <p:cxnSp>
+        <p:nvCxnSpPr>
+          <p:cNvPr id="45" name="Straight Arrow Connector 44">
+            <a:extLst>
+              <a:ext uri="{FF2B5EF4-FFF2-40B4-BE49-F238E27FC236}">
+                <a16:creationId xmlns:a16="http://schemas.microsoft.com/office/drawing/2014/main" id="{D64DDEAA-8C75-4156-AE1D-B302A91F549C}"/>
+              </a:ext>
+            </a:extLst>
+          </p:cNvPr>
+          <p:cNvCxnSpPr>
+            <a:cxnSpLocks/>
+          </p:cNvCxnSpPr>
+          <p:nvPr/>
+        </p:nvCxnSpPr>
+        <p:spPr>
+          <a:xfrm flipH="1">
+            <a:off x="4282750" y="5337121"/>
+            <a:ext cx="870858" cy="0"/>
+          </a:xfrm>
+          <a:prstGeom prst="straightConnector1">
+            <a:avLst/>
+          </a:prstGeom>
+          <a:ln>
+            <a:tailEnd type="triangle"/>
+          </a:ln>
+        </p:spPr>
+        <p:style>
+          <a:lnRef idx="3">
+            <a:schemeClr val="accent5"/>
+          </a:lnRef>
+          <a:fillRef idx="0">
+            <a:schemeClr val="accent5"/>
+          </a:fillRef>
+          <a:effectRef idx="2">
+            <a:schemeClr val="accent5"/>
+          </a:effectRef>
+          <a:fontRef idx="minor">
+            <a:schemeClr val="tx1"/>
+          </a:fontRef>
+        </p:style>
+      </p:cxnSp>
+      <p:sp>
+        <p:nvSpPr>
+          <p:cNvPr id="46" name="TextBox 45">
+            <a:extLst>
+              <a:ext uri="{FF2B5EF4-FFF2-40B4-BE49-F238E27FC236}">
+                <a16:creationId xmlns:a16="http://schemas.microsoft.com/office/drawing/2014/main" id="{95A9980D-5754-4CAE-ADCE-3FE8412BF3B4}"/>
+              </a:ext>
+            </a:extLst>
+          </p:cNvPr>
+          <p:cNvSpPr txBox="1"/>
+          <p:nvPr/>
+        </p:nvSpPr>
+        <p:spPr>
+          <a:xfrm>
+            <a:off x="4335622" y="5000405"/>
+            <a:ext cx="1406154" cy="369332"/>
+          </a:xfrm>
+          <a:prstGeom prst="rect">
+            <a:avLst/>
+          </a:prstGeom>
+          <a:noFill/>
+        </p:spPr>
+        <p:txBody>
+          <a:bodyPr wrap="none" rtlCol="0">
+            <a:spAutoFit/>
+          </a:bodyPr>
+          <a:lstStyle/>
+          <a:p>
+            <a:r>
+              <a:rPr lang="en-US" dirty="0"/>
+              <a:t>High Address</a:t>
+            </a:r>
+            <a:endParaRPr lang="en-IL" dirty="0"/>
+          </a:p>
+        </p:txBody>
+      </p:sp>
+      <p:sp>
+        <p:nvSpPr>
+          <p:cNvPr id="47" name="Rectangle 46">
+            <a:extLst>
+              <a:ext uri="{FF2B5EF4-FFF2-40B4-BE49-F238E27FC236}">
+                <a16:creationId xmlns:a16="http://schemas.microsoft.com/office/drawing/2014/main" id="{5B5BFD57-72F1-4F64-A4B8-2ABE0305E0F3}"/>
+              </a:ext>
+            </a:extLst>
+          </p:cNvPr>
+          <p:cNvSpPr/>
+          <p:nvPr/>
+        </p:nvSpPr>
+        <p:spPr>
+          <a:xfrm>
+            <a:off x="1631303" y="1106782"/>
+            <a:ext cx="2485066" cy="859423"/>
+          </a:xfrm>
+          <a:prstGeom prst="rect">
+            <a:avLst/>
+          </a:prstGeom>
+        </p:spPr>
+        <p:style>
+          <a:lnRef idx="1">
+            <a:schemeClr val="accent2"/>
+          </a:lnRef>
+          <a:fillRef idx="2">
+            <a:schemeClr val="accent2"/>
+          </a:fillRef>
+          <a:effectRef idx="1">
+            <a:schemeClr val="accent2"/>
+          </a:effectRef>
+          <a:fontRef idx="minor">
+            <a:schemeClr val="dk1"/>
+          </a:fontRef>
+        </p:style>
+        <p:txBody>
+          <a:bodyPr rtlCol="0" anchor="ctr"/>
+          <a:lstStyle/>
+          <a:p>
+            <a:pPr algn="ctr"/>
+            <a:r>
+              <a:rPr lang="en-US" dirty="0"/>
+              <a:t>Function #3 stack frame</a:t>
+            </a:r>
+            <a:endParaRPr lang="en-IL" dirty="0"/>
+          </a:p>
+        </p:txBody>
+      </p:sp>
+      <p:sp>
+        <p:nvSpPr>
+          <p:cNvPr id="48" name="Rectangle 47">
+            <a:extLst>
+              <a:ext uri="{FF2B5EF4-FFF2-40B4-BE49-F238E27FC236}">
+                <a16:creationId xmlns:a16="http://schemas.microsoft.com/office/drawing/2014/main" id="{DCD844DB-C3CC-4BE0-A020-79D570FC39BD}"/>
+              </a:ext>
+            </a:extLst>
+          </p:cNvPr>
+          <p:cNvSpPr/>
+          <p:nvPr/>
+        </p:nvSpPr>
+        <p:spPr>
+          <a:xfrm>
+            <a:off x="1631303" y="4526932"/>
+            <a:ext cx="2485066" cy="759432"/>
+          </a:xfrm>
+          <a:prstGeom prst="rect">
+            <a:avLst/>
+          </a:prstGeom>
+        </p:spPr>
+        <p:style>
+          <a:lnRef idx="1">
+            <a:schemeClr val="accent2"/>
+          </a:lnRef>
+          <a:fillRef idx="2">
+            <a:schemeClr val="accent2"/>
+          </a:fillRef>
+          <a:effectRef idx="1">
+            <a:schemeClr val="accent2"/>
+          </a:effectRef>
+          <a:fontRef idx="minor">
+            <a:schemeClr val="dk1"/>
+          </a:fontRef>
+        </p:style>
+        <p:txBody>
+          <a:bodyPr rtlCol="0" anchor="ctr"/>
+          <a:lstStyle/>
+          <a:p>
+            <a:pPr algn="ctr"/>
+            <a:r>
+              <a:rPr lang="en-US" dirty="0"/>
+              <a:t>Function #1 stack frame</a:t>
+            </a:r>
+            <a:endParaRPr lang="en-IL" dirty="0"/>
+          </a:p>
+        </p:txBody>
+      </p:sp>
+      <p:sp>
+        <p:nvSpPr>
+          <p:cNvPr id="49" name="Rectangle 48">
+            <a:extLst>
+              <a:ext uri="{FF2B5EF4-FFF2-40B4-BE49-F238E27FC236}">
+                <a16:creationId xmlns:a16="http://schemas.microsoft.com/office/drawing/2014/main" id="{91AA65F3-1803-440C-9A2D-C78ACA180615}"/>
+              </a:ext>
+            </a:extLst>
+          </p:cNvPr>
+          <p:cNvSpPr/>
+          <p:nvPr/>
+        </p:nvSpPr>
+        <p:spPr>
+          <a:xfrm>
+            <a:off x="1631303" y="1973979"/>
+            <a:ext cx="2485066" cy="420331"/>
+          </a:xfrm>
+          <a:prstGeom prst="rect">
+            <a:avLst/>
+          </a:prstGeom>
+        </p:spPr>
+        <p:style>
+          <a:lnRef idx="1">
+            <a:schemeClr val="accent1"/>
+          </a:lnRef>
+          <a:fillRef idx="2">
+            <a:schemeClr val="accent1"/>
+          </a:fillRef>
+          <a:effectRef idx="1">
+            <a:schemeClr val="accent1"/>
+          </a:effectRef>
+          <a:fontRef idx="minor">
+            <a:schemeClr val="dk1"/>
+          </a:fontRef>
+        </p:style>
+        <p:txBody>
+          <a:bodyPr rtlCol="0" anchor="ctr"/>
+          <a:lstStyle/>
+          <a:p>
+            <a:pPr algn="ctr"/>
+            <a:r>
+              <a:rPr lang="en-US" dirty="0"/>
+              <a:t>some variable</a:t>
+            </a:r>
+            <a:endParaRPr lang="en-IL" dirty="0"/>
+          </a:p>
+        </p:txBody>
+      </p:sp>
+      <p:sp>
+        <p:nvSpPr>
+          <p:cNvPr id="50" name="Rectangle 49">
+            <a:extLst>
+              <a:ext uri="{FF2B5EF4-FFF2-40B4-BE49-F238E27FC236}">
+                <a16:creationId xmlns:a16="http://schemas.microsoft.com/office/drawing/2014/main" id="{86CB8E22-31C4-4BA5-AAA1-84AE70723066}"/>
+              </a:ext>
+            </a:extLst>
+          </p:cNvPr>
+          <p:cNvSpPr/>
+          <p:nvPr/>
+        </p:nvSpPr>
+        <p:spPr>
+          <a:xfrm>
+            <a:off x="1633407" y="2378642"/>
+            <a:ext cx="2482953" cy="438435"/>
+          </a:xfrm>
+          <a:prstGeom prst="rect">
+            <a:avLst/>
+          </a:prstGeom>
+        </p:spPr>
+        <p:style>
+          <a:lnRef idx="1">
+            <a:schemeClr val="accent1"/>
+          </a:lnRef>
+          <a:fillRef idx="2">
+            <a:schemeClr val="accent1"/>
+          </a:fillRef>
+          <a:effectRef idx="1">
+            <a:schemeClr val="accent1"/>
+          </a:effectRef>
+          <a:fontRef idx="minor">
+            <a:schemeClr val="dk1"/>
+          </a:fontRef>
+        </p:style>
+        <p:txBody>
+          <a:bodyPr rtlCol="0" anchor="ctr"/>
+          <a:lstStyle/>
+          <a:p>
+            <a:pPr algn="ctr"/>
+            <a:r>
+              <a:rPr lang="en-US" dirty="0"/>
+              <a:t>another variable</a:t>
+            </a:r>
+            <a:endParaRPr lang="en-IL" dirty="0"/>
+          </a:p>
+        </p:txBody>
+      </p:sp>
+      <p:sp>
+        <p:nvSpPr>
+          <p:cNvPr id="51" name="Rectangle 50">
+            <a:extLst>
+              <a:ext uri="{FF2B5EF4-FFF2-40B4-BE49-F238E27FC236}">
+                <a16:creationId xmlns:a16="http://schemas.microsoft.com/office/drawing/2014/main" id="{5CDB8837-894A-4295-B252-D7736251D72F}"/>
+              </a:ext>
+            </a:extLst>
+          </p:cNvPr>
+          <p:cNvSpPr/>
+          <p:nvPr/>
+        </p:nvSpPr>
+        <p:spPr>
+          <a:xfrm>
+            <a:off x="1633408" y="3657619"/>
+            <a:ext cx="2482953" cy="420331"/>
+          </a:xfrm>
+          <a:prstGeom prst="rect">
+            <a:avLst/>
+          </a:prstGeom>
+        </p:spPr>
+        <p:style>
+          <a:lnRef idx="1">
+            <a:schemeClr val="accent1"/>
+          </a:lnRef>
+          <a:fillRef idx="2">
+            <a:schemeClr val="accent1"/>
+          </a:fillRef>
+          <a:effectRef idx="1">
+            <a:schemeClr val="accent1"/>
+          </a:effectRef>
+          <a:fontRef idx="minor">
+            <a:schemeClr val="dk1"/>
+          </a:fontRef>
+        </p:style>
+        <p:txBody>
+          <a:bodyPr rtlCol="0" anchor="ctr"/>
+          <a:lstStyle/>
+          <a:p>
+            <a:pPr algn="ctr"/>
+            <a:r>
+              <a:rPr lang="en-US" dirty="0"/>
+              <a:t>Saved stack pointer</a:t>
+            </a:r>
+            <a:endParaRPr lang="en-IL" dirty="0"/>
+          </a:p>
+        </p:txBody>
+      </p:sp>
+      <p:sp>
+        <p:nvSpPr>
+          <p:cNvPr id="52" name="Rectangle 51">
+            <a:extLst>
+              <a:ext uri="{FF2B5EF4-FFF2-40B4-BE49-F238E27FC236}">
+                <a16:creationId xmlns:a16="http://schemas.microsoft.com/office/drawing/2014/main" id="{214234E6-566C-49AB-895D-401E1DAF77E1}"/>
+              </a:ext>
+            </a:extLst>
+          </p:cNvPr>
+          <p:cNvSpPr/>
+          <p:nvPr/>
+        </p:nvSpPr>
+        <p:spPr>
+          <a:xfrm>
+            <a:off x="1631293" y="4061948"/>
+            <a:ext cx="2485066" cy="452540"/>
+          </a:xfrm>
+          <a:prstGeom prst="rect">
+            <a:avLst/>
+          </a:prstGeom>
+        </p:spPr>
+        <p:style>
+          <a:lnRef idx="1">
+            <a:schemeClr val="accent1"/>
+          </a:lnRef>
+          <a:fillRef idx="2">
+            <a:schemeClr val="accent1"/>
+          </a:fillRef>
+          <a:effectRef idx="1">
+            <a:schemeClr val="accent1"/>
+          </a:effectRef>
+          <a:fontRef idx="minor">
+            <a:schemeClr val="dk1"/>
+          </a:fontRef>
+        </p:style>
+        <p:txBody>
+          <a:bodyPr rtlCol="0" anchor="ctr"/>
+          <a:lstStyle/>
+          <a:p>
+            <a:pPr algn="ctr"/>
+            <a:r>
+              <a:rPr lang="en-US" dirty="0"/>
+              <a:t>Saved return address</a:t>
+            </a:r>
+            <a:endParaRPr lang="en-IL" dirty="0"/>
+          </a:p>
+        </p:txBody>
+      </p:sp>
+      <p:sp>
+        <p:nvSpPr>
+          <p:cNvPr id="53" name="Arrow: Down 52">
+            <a:extLst>
+              <a:ext uri="{FF2B5EF4-FFF2-40B4-BE49-F238E27FC236}">
+                <a16:creationId xmlns:a16="http://schemas.microsoft.com/office/drawing/2014/main" id="{90BF6550-5DC3-4286-9A14-EDEE7E888838}"/>
+              </a:ext>
+            </a:extLst>
+          </p:cNvPr>
+          <p:cNvSpPr/>
+          <p:nvPr/>
+        </p:nvSpPr>
+        <p:spPr>
+          <a:xfrm rot="10800000">
+            <a:off x="2712579" y="723404"/>
+            <a:ext cx="317379" cy="369332"/>
+          </a:xfrm>
+          <a:prstGeom prst="downArrow">
+            <a:avLst/>
+          </a:prstGeom>
+        </p:spPr>
+        <p:style>
+          <a:lnRef idx="2">
+            <a:schemeClr val="accent2">
+              <a:shade val="50000"/>
+            </a:schemeClr>
+          </a:lnRef>
+          <a:fillRef idx="1">
+            <a:schemeClr val="accent2"/>
+          </a:fillRef>
+          <a:effectRef idx="0">
+            <a:schemeClr val="accent2"/>
+          </a:effectRef>
+          <a:fontRef idx="minor">
+            <a:schemeClr val="lt1"/>
+          </a:fontRef>
+        </p:style>
+        <p:txBody>
+          <a:bodyPr rtlCol="0" anchor="ctr"/>
+          <a:lstStyle/>
+          <a:p>
+            <a:pPr algn="ctr"/>
+            <a:endParaRPr lang="en-IL"/>
+          </a:p>
+        </p:txBody>
+      </p:sp>
+      <p:sp>
+        <p:nvSpPr>
+          <p:cNvPr id="54" name="Rectangle 53">
+            <a:extLst>
+              <a:ext uri="{FF2B5EF4-FFF2-40B4-BE49-F238E27FC236}">
+                <a16:creationId xmlns:a16="http://schemas.microsoft.com/office/drawing/2014/main" id="{BFF4FC72-2F34-471C-812B-D3B2B608B399}"/>
+              </a:ext>
+            </a:extLst>
+          </p:cNvPr>
+          <p:cNvSpPr/>
+          <p:nvPr/>
+        </p:nvSpPr>
+        <p:spPr>
+          <a:xfrm>
+            <a:off x="1636801" y="2803364"/>
+            <a:ext cx="2482953" cy="461390"/>
+          </a:xfrm>
+          <a:prstGeom prst="rect">
+            <a:avLst/>
+          </a:prstGeom>
+        </p:spPr>
+        <p:style>
+          <a:lnRef idx="1">
+            <a:schemeClr val="accent1"/>
+          </a:lnRef>
+          <a:fillRef idx="2">
+            <a:schemeClr val="accent1"/>
+          </a:fillRef>
+          <a:effectRef idx="1">
+            <a:schemeClr val="accent1"/>
+          </a:effectRef>
+          <a:fontRef idx="minor">
+            <a:schemeClr val="dk1"/>
+          </a:fontRef>
+        </p:style>
+        <p:txBody>
+          <a:bodyPr rtlCol="0" anchor="ctr"/>
+          <a:lstStyle/>
+          <a:p>
+            <a:pPr algn="ctr"/>
+            <a:r>
+              <a:rPr lang="en-US" dirty="0"/>
+              <a:t>buffer</a:t>
+            </a:r>
+            <a:endParaRPr lang="en-IL" dirty="0"/>
+          </a:p>
+        </p:txBody>
+      </p:sp>
+      <p:sp>
+        <p:nvSpPr>
+          <p:cNvPr id="55" name="Rectangle 54">
+            <a:extLst>
+              <a:ext uri="{FF2B5EF4-FFF2-40B4-BE49-F238E27FC236}">
+                <a16:creationId xmlns:a16="http://schemas.microsoft.com/office/drawing/2014/main" id="{0A3F6F33-2453-48EB-B2A5-A5ACC07B686D}"/>
+              </a:ext>
+            </a:extLst>
+          </p:cNvPr>
+          <p:cNvSpPr/>
+          <p:nvPr/>
+        </p:nvSpPr>
+        <p:spPr>
+          <a:xfrm>
+            <a:off x="1636800" y="3253291"/>
+            <a:ext cx="2482953" cy="420331"/>
+          </a:xfrm>
+          <a:prstGeom prst="rect">
+            <a:avLst/>
+          </a:prstGeom>
+        </p:spPr>
+        <p:style>
+          <a:lnRef idx="1">
+            <a:schemeClr val="accent1"/>
+          </a:lnRef>
+          <a:fillRef idx="2">
+            <a:schemeClr val="accent1"/>
+          </a:fillRef>
+          <a:effectRef idx="1">
+            <a:schemeClr val="accent1"/>
+          </a:effectRef>
+          <a:fontRef idx="minor">
+            <a:schemeClr val="dk1"/>
+          </a:fontRef>
+        </p:style>
+        <p:txBody>
+          <a:bodyPr rtlCol="0" anchor="ctr"/>
+          <a:lstStyle/>
+          <a:p>
+            <a:pPr algn="ctr"/>
+            <a:r>
+              <a:rPr lang="en-US" dirty="0"/>
+              <a:t>Stack canary</a:t>
+            </a:r>
+            <a:endParaRPr lang="en-IL" dirty="0"/>
+          </a:p>
+        </p:txBody>
+      </p:sp>
+    </p:spTree>
+    <p:extLst>
+      <p:ext uri="{BB962C8B-B14F-4D97-AF65-F5344CB8AC3E}">
+        <p14:creationId xmlns:p14="http://schemas.microsoft.com/office/powerpoint/2010/main" val="2108124559"/>
+      </p:ext>
+    </p:extLst>
+  </p:cSld>
+  <p:clrMapOvr>
+    <a:masterClrMapping/>
+  </p:clrMapOvr>
+  <mc:AlternateContent xmlns:mc="http://schemas.openxmlformats.org/markup-compatibility/2006" xmlns:p14="http://schemas.microsoft.com/office/powerpoint/2010/main">
+    <mc:Choice Requires="p14">
+      <p:transition spd="slow" p14:dur="2000" advClick="0"/>
+    </mc:Choice>
+    <mc:Fallback xmlns="">
+      <p:transition spd="slow" advClick="0"/>
+    </mc:Fallback>
+  </mc:AlternateContent>
+  <p:timing>
+    <p:tnLst>
+      <p:par>
+        <p:cTn id="1" dur="indefinite" restart="never" nodeType="tmRoot">
+          <p:childTnLst>
+            <p:seq concurrent="1" nextAc="seek">
+              <p:cTn id="2" dur="indefinite" nodeType="mainSeq">
+                <p:childTnLst>
+                  <p:par>
+                    <p:cTn id="3" fill="hold">
+                      <p:stCondLst>
+                        <p:cond delay="indefinite"/>
+                      </p:stCondLst>
+                      <p:childTnLst>
+                        <p:par>
+                          <p:cTn id="4" fill="hold">
+                            <p:stCondLst>
+                              <p:cond delay="0"/>
+                            </p:stCondLst>
+                            <p:childTnLst>
+                              <p:par>
+                                <p:cTn id="5" presetID="37" presetClass="path" presetSubtype="0" accel="50000" decel="50000" fill="hold" grpId="0" nodeType="clickEffect">
+                                  <p:stCondLst>
+                                    <p:cond delay="0"/>
+                                  </p:stCondLst>
+                                  <p:childTnLst>
+                                    <p:animMotion origin="layout" path="M -0.00026 -4.07407E-6 L -0.08698 0.13311 C -0.10664 0.16088 -0.11784 0.20255 -0.11784 0.2463 C -0.11784 0.29584 -0.10664 0.33565 -0.08698 0.36343 L -0.00026 0.49676 " pathEditMode="relative" rAng="5400000" ptsTypes="AAAAA">
+                                      <p:cBhvr>
+                                        <p:cTn id="6" dur="2000" fill="hold"/>
+                                        <p:tgtEl>
+                                          <p:spTgt spid="47"/>
+                                        </p:tgtEl>
+                                        <p:attrNameLst>
+                                          <p:attrName>ppt_x</p:attrName>
+                                          <p:attrName>ppt_y</p:attrName>
+                                        </p:attrNameLst>
+                                      </p:cBhvr>
+                                      <p:rCtr x="-5872" y="24838"/>
+                                    </p:animMotion>
+                                  </p:childTnLst>
+                                </p:cTn>
+                              </p:par>
+                              <p:par>
+                                <p:cTn id="7" presetID="37" presetClass="path" presetSubtype="0" accel="50000" decel="50000" fill="hold" grpId="0" nodeType="withEffect">
+                                  <p:stCondLst>
+                                    <p:cond delay="0"/>
+                                  </p:stCondLst>
+                                  <p:childTnLst>
+                                    <p:animMotion origin="layout" path="M -0.00013 0.00023 L -0.02253 0.08217 C -0.02761 0.09907 -0.03034 0.12477 -0.03034 0.15162 C -0.03034 0.1824 -0.02761 0.20694 -0.02253 0.22384 L -0.00013 0.30602 " pathEditMode="relative" rAng="5400000" ptsTypes="AAAAA">
+                                      <p:cBhvr>
+                                        <p:cTn id="8" dur="2000" fill="hold"/>
+                                        <p:tgtEl>
+                                          <p:spTgt spid="49"/>
+                                        </p:tgtEl>
+                                        <p:attrNameLst>
+                                          <p:attrName>ppt_x</p:attrName>
+                                          <p:attrName>ppt_y</p:attrName>
+                                        </p:attrNameLst>
+                                      </p:cBhvr>
+                                      <p:rCtr x="-1510" y="15278"/>
+                                    </p:animMotion>
+                                  </p:childTnLst>
+                                </p:cTn>
+                              </p:par>
+                              <p:par>
+                                <p:cTn id="9" presetID="37" presetClass="path" presetSubtype="0" accel="50000" decel="50000" fill="hold" grpId="0" nodeType="withEffect">
+                                  <p:stCondLst>
+                                    <p:cond delay="0"/>
+                                  </p:stCondLst>
+                                  <p:childTnLst>
+                                    <p:animMotion origin="layout" path="M -0.00026 -0.003 L 0.03567 0.04607 C 0.04375 0.05649 0.04791 0.072 0.04791 0.08797 C 0.04791 0.10625 0.04375 0.12107 0.03567 0.13149 L -0.00026 0.18102 " pathEditMode="relative" rAng="5400000" ptsTypes="AAAAA">
+                                      <p:cBhvr>
+                                        <p:cTn id="10" dur="2000" fill="hold"/>
+                                        <p:tgtEl>
+                                          <p:spTgt spid="50"/>
+                                        </p:tgtEl>
+                                        <p:attrNameLst>
+                                          <p:attrName>ppt_x</p:attrName>
+                                          <p:attrName>ppt_y</p:attrName>
+                                        </p:attrNameLst>
+                                      </p:cBhvr>
+                                      <p:rCtr x="2409" y="9190"/>
+                                    </p:animMotion>
+                                  </p:childTnLst>
+                                </p:cTn>
+                              </p:par>
+                              <p:par>
+                                <p:cTn id="11" presetID="37" presetClass="path" presetSubtype="0" accel="50000" decel="50000" fill="hold" grpId="0" nodeType="withEffect">
+                                  <p:stCondLst>
+                                    <p:cond delay="0"/>
+                                  </p:stCondLst>
+                                  <p:childTnLst>
+                                    <p:animMotion origin="layout" path="M 6.25E-7 -0.00486 L -0.02318 0.01111 C -0.02852 0.01459 -0.03151 0.01945 -0.03151 0.02477 C -0.03151 0.03102 -0.02852 0.03565 -0.02318 0.03912 L 6.25E-7 0.05556 " pathEditMode="relative" rAng="5400000" ptsTypes="AAAAA">
+                                      <p:cBhvr>
+                                        <p:cTn id="12" dur="2000" fill="hold"/>
+                                        <p:tgtEl>
+                                          <p:spTgt spid="54"/>
+                                        </p:tgtEl>
+                                        <p:attrNameLst>
+                                          <p:attrName>ppt_x</p:attrName>
+                                          <p:attrName>ppt_y</p:attrName>
+                                        </p:attrNameLst>
+                                      </p:cBhvr>
+                                      <p:rCtr x="-1576" y="3009"/>
+                                    </p:animMotion>
+                                  </p:childTnLst>
+                                </p:cTn>
+                              </p:par>
+                              <p:par>
+                                <p:cTn id="13" presetID="37" presetClass="path" presetSubtype="0" accel="50000" decel="50000" fill="hold" grpId="0" nodeType="withEffect">
+                                  <p:stCondLst>
+                                    <p:cond delay="0"/>
+                                  </p:stCondLst>
+                                  <p:childTnLst>
+                                    <p:animMotion origin="layout" path="M 4.16667E-7 1.48148E-6 L 0.09844 -0.01759 C 0.12044 -0.02107 0.13281 -0.02685 0.13281 -0.03264 C 0.13281 -0.03935 0.12044 -0.04491 0.09844 -0.04861 L 4.16667E-7 -0.06736 " pathEditMode="relative" rAng="16200000" ptsTypes="AAAAA">
+                                      <p:cBhvr>
+                                        <p:cTn id="14" dur="2000" fill="hold"/>
+                                        <p:tgtEl>
+                                          <p:spTgt spid="55"/>
+                                        </p:tgtEl>
+                                        <p:attrNameLst>
+                                          <p:attrName>ppt_x</p:attrName>
+                                          <p:attrName>ppt_y</p:attrName>
+                                        </p:attrNameLst>
+                                      </p:cBhvr>
+                                      <p:rCtr x="6641" y="-3356"/>
+                                    </p:animMotion>
+                                  </p:childTnLst>
+                                </p:cTn>
+                              </p:par>
+                              <p:par>
+                                <p:cTn id="15" presetID="37" presetClass="path" presetSubtype="0" accel="50000" decel="50000" fill="hold" grpId="0" nodeType="withEffect">
+                                  <p:stCondLst>
+                                    <p:cond delay="0"/>
+                                  </p:stCondLst>
+                                  <p:childTnLst>
+                                    <p:animMotion origin="layout" path="M 6.25E-7 3.33333E-6 L 0.04141 -0.05023 C 0.05078 -0.06065 0.05599 -0.07662 0.05599 -0.09306 C 0.05599 -0.11158 0.05078 -0.12686 0.04141 -0.13727 L 6.25E-7 -0.1882 " pathEditMode="relative" rAng="16200000" ptsTypes="AAAAA">
+                                      <p:cBhvr>
+                                        <p:cTn id="16" dur="2000" fill="hold"/>
+                                        <p:tgtEl>
+                                          <p:spTgt spid="51"/>
+                                        </p:tgtEl>
+                                        <p:attrNameLst>
+                                          <p:attrName>ppt_x</p:attrName>
+                                          <p:attrName>ppt_y</p:attrName>
+                                        </p:attrNameLst>
+                                      </p:cBhvr>
+                                      <p:rCtr x="2799" y="-9398"/>
+                                    </p:animMotion>
+                                  </p:childTnLst>
+                                </p:cTn>
+                              </p:par>
+                              <p:par>
+                                <p:cTn id="17" presetID="37" presetClass="path" presetSubtype="0" accel="50000" decel="50000" fill="hold" grpId="0" nodeType="withEffect">
+                                  <p:stCondLst>
+                                    <p:cond delay="0"/>
+                                  </p:stCondLst>
+                                  <p:childTnLst>
+                                    <p:animMotion origin="layout" path="M 2.08333E-6 -0.00116 L 0.08424 -0.08357 C 0.10364 -0.1007 0.11419 -0.12639 0.11419 -0.1537 C 0.11419 -0.18449 0.10364 -0.20903 0.08424 -0.22616 L 2.08333E-6 -0.30949 " pathEditMode="relative" rAng="16200000" ptsTypes="AAAAA">
+                                      <p:cBhvr>
+                                        <p:cTn id="18" dur="2000" fill="hold"/>
+                                        <p:tgtEl>
+                                          <p:spTgt spid="52"/>
+                                        </p:tgtEl>
+                                        <p:attrNameLst>
+                                          <p:attrName>ppt_x</p:attrName>
+                                          <p:attrName>ppt_y</p:attrName>
+                                        </p:attrNameLst>
+                                      </p:cBhvr>
+                                      <p:rCtr x="5703" y="-15417"/>
+                                    </p:animMotion>
+                                  </p:childTnLst>
+                                </p:cTn>
+                              </p:par>
+                              <p:par>
+                                <p:cTn id="19" presetID="37" presetClass="path" presetSubtype="0" accel="50000" decel="50000" fill="hold" grpId="0" nodeType="withEffect">
+                                  <p:stCondLst>
+                                    <p:cond delay="0"/>
+                                  </p:stCondLst>
+                                  <p:childTnLst>
+                                    <p:animMotion origin="layout" path="M 2.29167E-6 -1.85185E-6 L 0.06901 -0.13009 C 0.08463 -0.15694 0.09323 -0.19768 0.09323 -0.24051 C 0.09323 -0.28889 0.08463 -0.32778 0.06901 -0.35463 L 2.29167E-6 -0.48541 " pathEditMode="relative" rAng="16200000" ptsTypes="AAAAA">
+                                      <p:cBhvr>
+                                        <p:cTn id="20" dur="2000" fill="hold"/>
+                                        <p:tgtEl>
+                                          <p:spTgt spid="48"/>
+                                        </p:tgtEl>
+                                        <p:attrNameLst>
+                                          <p:attrName>ppt_x</p:attrName>
+                                          <p:attrName>ppt_y</p:attrName>
+                                        </p:attrNameLst>
+                                      </p:cBhvr>
+                                      <p:rCtr x="4661" y="-24259"/>
+                                    </p:animMotion>
+                                  </p:childTnLst>
+                                </p:cTn>
+                              </p:par>
+                              <p:par>
+                                <p:cTn id="21" presetID="8" presetClass="emph" presetSubtype="0" fill="hold" grpId="0" nodeType="withEffect">
+                                  <p:stCondLst>
+                                    <p:cond delay="0"/>
+                                  </p:stCondLst>
+                                  <p:childTnLst>
+                                    <p:animRot by="10800000">
+                                      <p:cBhvr>
+                                        <p:cTn id="22" dur="2000" fill="hold"/>
+                                        <p:tgtEl>
+                                          <p:spTgt spid="53"/>
+                                        </p:tgtEl>
+                                        <p:attrNameLst>
+                                          <p:attrName>r</p:attrName>
+                                        </p:attrNameLst>
+                                      </p:cBhvr>
+                                    </p:animRot>
+                                  </p:childTnLst>
+                                </p:cTn>
+                              </p:par>
+                              <p:par>
+                                <p:cTn id="23" presetID="58" presetClass="path" presetSubtype="0" accel="50000" decel="50000" fill="hold" grpId="1" nodeType="withEffect">
+                                  <p:stCondLst>
+                                    <p:cond delay="0"/>
+                                  </p:stCondLst>
+                                  <p:childTnLst>
+                                    <p:animMotion origin="layout" path="M 3.125E-6 2.59259E-6 L 0.03971 0.18148 C 0.04869 0.21967 0.05403 0.27708 0.05403 0.3368 C 0.05403 0.4044 0.04869 0.45879 0.03971 0.49699 L 3.125E-6 0.6794 " pathEditMode="relative" rAng="0" ptsTypes="AAAAA">
+                                      <p:cBhvr>
+                                        <p:cTn id="24" dur="2000" fill="hold"/>
+                                        <p:tgtEl>
+                                          <p:spTgt spid="53"/>
+                                        </p:tgtEl>
+                                        <p:attrNameLst>
+                                          <p:attrName>ppt_x</p:attrName>
+                                          <p:attrName>ppt_y</p:attrName>
+                                        </p:attrNameLst>
+                                      </p:cBhvr>
+                                      <p:rCtr x="2695" y="33958"/>
+                                    </p:animMotion>
+                                  </p:childTnLst>
+                                </p:cTn>
+                              </p:par>
+                            </p:childTnLst>
+                          </p:cTn>
+                        </p:par>
+                      </p:childTnLst>
+                    </p:cTn>
+                  </p:par>
+                </p:childTnLst>
+              </p:cTn>
+              <p:prevCondLst>
+                <p:cond evt="onPrev" delay="0">
+                  <p:tgtEl>
+                    <p:sldTgt/>
+                  </p:tgtEl>
+                </p:cond>
+              </p:prevCondLst>
+              <p:nextCondLst>
+                <p:cond evt="onNext" delay="0">
+                  <p:tgtEl>
+                    <p:sldTgt/>
+                  </p:tgtEl>
+                </p:cond>
+              </p:nextCondLst>
+            </p:seq>
+          </p:childTnLst>
+        </p:cTn>
+      </p:par>
+    </p:tnLst>
+    <p:bldLst>
+      <p:bldP spid="47" grpId="0" animBg="1"/>
+      <p:bldP spid="48" grpId="0" animBg="1"/>
+      <p:bldP spid="49" grpId="0" animBg="1"/>
+      <p:bldP spid="50" grpId="0" animBg="1"/>
+      <p:bldP spid="51" grpId="0" animBg="1"/>
+      <p:bldP spid="52" grpId="0" animBg="1"/>
+      <p:bldP spid="53" grpId="0" animBg="1"/>
+      <p:bldP spid="53" grpId="1" animBg="1"/>
+      <p:bldP spid="54" grpId="0" animBg="1"/>
+      <p:bldP spid="55" grpId="0" animBg="1"/>
+    </p:bldLst>
+  </p:timing>
+</p:sld>
+</file>
+
+<file path=ppt/slides/slide11.xml><?xml version="1.0" encoding="utf-8"?>
+<p:sld xmlns:a="http://schemas.openxmlformats.org/drawingml/2006/main" xmlns:r="http://schemas.openxmlformats.org/officeDocument/2006/relationships" xmlns:p="http://schemas.openxmlformats.org/presentationml/2006/main">
+  <p:cSld>
+    <p:spTree>
+      <p:nvGrpSpPr>
+        <p:cNvPr id="1" name=""/>
+        <p:cNvGrpSpPr/>
+        <p:nvPr/>
+      </p:nvGrpSpPr>
+      <p:grpSpPr>
+        <a:xfrm>
+          <a:off x="0" y="0"/>
+          <a:ext cx="0" cy="0"/>
+          <a:chOff x="0" y="0"/>
+          <a:chExt cx="0" cy="0"/>
+        </a:xfrm>
+      </p:grpSpPr>
+      <p:sp>
+        <p:nvSpPr>
+          <p:cNvPr id="2" name="Title 1">
+            <a:extLst>
+              <a:ext uri="{FF2B5EF4-FFF2-40B4-BE49-F238E27FC236}">
+                <a16:creationId xmlns:a16="http://schemas.microsoft.com/office/drawing/2014/main" id="{83719985-2CD8-4977-8479-E3A157C3CD9E}"/>
+              </a:ext>
+            </a:extLst>
+          </p:cNvPr>
+          <p:cNvSpPr>
+            <a:spLocks noGrp="1"/>
+          </p:cNvSpPr>
+          <p:nvPr>
+            <p:ph type="ctrTitle"/>
+          </p:nvPr>
+        </p:nvSpPr>
+        <p:spPr/>
+        <p:txBody>
+          <a:bodyPr/>
+          <a:lstStyle/>
+          <a:p>
+            <a:r>
+              <a:rPr lang="en-US" cap="none" dirty="0"/>
+              <a:t>Problem Demonstration</a:t>
+            </a:r>
+            <a:endParaRPr lang="en-IL" cap="none" dirty="0"/>
+          </a:p>
+        </p:txBody>
+      </p:sp>
+      <p:sp>
+        <p:nvSpPr>
+          <p:cNvPr id="3" name="Subtitle 2">
+            <a:extLst>
+              <a:ext uri="{FF2B5EF4-FFF2-40B4-BE49-F238E27FC236}">
+                <a16:creationId xmlns:a16="http://schemas.microsoft.com/office/drawing/2014/main" id="{64BE32D0-F6A3-4A84-8B33-6CE1983651EE}"/>
+              </a:ext>
+            </a:extLst>
+          </p:cNvPr>
+          <p:cNvSpPr>
+            <a:spLocks noGrp="1"/>
+          </p:cNvSpPr>
+          <p:nvPr>
+            <p:ph type="subTitle" idx="1"/>
+          </p:nvPr>
+        </p:nvSpPr>
+        <p:spPr/>
+        <p:txBody>
+          <a:bodyPr/>
+          <a:lstStyle/>
+          <a:p>
+            <a:endParaRPr lang="en-IL" dirty="0">
+              <a:solidFill>
+                <a:schemeClr val="tx1"/>
+              </a:solidFill>
+            </a:endParaRPr>
+          </a:p>
+        </p:txBody>
+      </p:sp>
+    </p:spTree>
+    <p:extLst>
+      <p:ext uri="{BB962C8B-B14F-4D97-AF65-F5344CB8AC3E}">
+        <p14:creationId xmlns:p14="http://schemas.microsoft.com/office/powerpoint/2010/main" val="1546935268"/>
+      </p:ext>
+    </p:extLst>
+  </p:cSld>
+  <p:clrMapOvr>
+    <a:masterClrMapping/>
+  </p:clrMapOvr>
+  <mc:AlternateContent xmlns:mc="http://schemas.openxmlformats.org/markup-compatibility/2006" xmlns:p14="http://schemas.microsoft.com/office/powerpoint/2010/main">
+    <mc:Choice Requires="p14">
+      <p:transition spd="slow" p14:dur="2000" advClick="0"/>
+    </mc:Choice>
+    <mc:Fallback xmlns="">
+      <p:transition spd="slow" advClick="0"/>
+    </mc:Fallback>
+  </mc:AlternateContent>
+</p:sld>
+</file>
+
+<file path=ppt/slides/slide12.xml><?xml version="1.0" encoding="utf-8"?>
+<p:sld xmlns:a="http://schemas.openxmlformats.org/drawingml/2006/main" xmlns:r="http://schemas.openxmlformats.org/officeDocument/2006/relationships" xmlns:p="http://schemas.openxmlformats.org/presentationml/2006/main">
+  <p:cSld>
+    <p:spTree>
+      <p:nvGrpSpPr>
+        <p:cNvPr id="1" name=""/>
+        <p:cNvGrpSpPr/>
+        <p:nvPr/>
+      </p:nvGrpSpPr>
+      <p:grpSpPr>
+        <a:xfrm>
+          <a:off x="0" y="0"/>
+          <a:ext cx="0" cy="0"/>
+          <a:chOff x="0" y="0"/>
+          <a:chExt cx="0" cy="0"/>
+        </a:xfrm>
+      </p:grpSpPr>
+      <p:sp>
+        <p:nvSpPr>
           <p:cNvPr id="2" name="Title 1">
             <a:extLst>
               <a:ext uri="{FF2B5EF4-FFF2-40B4-BE49-F238E27FC236}">
@@ -15341,7 +16879,7 @@
 </p:sld>
 </file>
 
-<file path=ppt/slides/slide11.xml><?xml version="1.0" encoding="utf-8"?>
+<file path=ppt/slides/slide13.xml><?xml version="1.0" encoding="utf-8"?>
 <p:sld xmlns:a="http://schemas.openxmlformats.org/drawingml/2006/main" xmlns:r="http://schemas.openxmlformats.org/officeDocument/2006/relationships" xmlns:p="http://schemas.openxmlformats.org/presentationml/2006/main">
   <p:cSld>
     <p:bg>
@@ -15490,7 +17028,7 @@
           <a:noFill/>
           <a:extLst>
             <a:ext uri="{909E8E84-426E-40dd-AFC4-6F175D3DCCD1}">
-              <a14:hiddenFill xmlns:a14="http://schemas.microsoft.com/office/drawing/2010/main" xmlns:p14="http://schemas.microsoft.com/office/powerpoint/2010/main" xmlns:a16="http://schemas.microsoft.com/office/drawing/2014/main" xmlns="">
+              <a14:hiddenFill xmlns="" xmlns:a16="http://schemas.microsoft.com/office/drawing/2014/main" xmlns:p14="http://schemas.microsoft.com/office/powerpoint/2010/main" xmlns:a14="http://schemas.microsoft.com/office/drawing/2010/main">
                 <a:solidFill>
                   <a:srgbClr val="FFFFFF"/>
                 </a:solidFill>
@@ -15816,7 +17354,7 @@
             </a:ln>
             <a:extLst>
               <a:ext uri="{91240B29-F687-4f45-9708-019B960494DF}">
-                <a14:hiddenLine xmlns:a14="http://schemas.microsoft.com/office/drawing/2010/main" xmlns:p14="http://schemas.microsoft.com/office/powerpoint/2010/main" xmlns:a16="http://schemas.microsoft.com/office/drawing/2014/main" xmlns="" w="9525">
+                <a14:hiddenLine xmlns="" xmlns:a16="http://schemas.microsoft.com/office/drawing/2014/main" xmlns:p14="http://schemas.microsoft.com/office/powerpoint/2010/main" xmlns:a14="http://schemas.microsoft.com/office/drawing/2010/main" w="9525">
                   <a:solidFill>
                     <a:srgbClr val="000000"/>
                   </a:solidFill>
@@ -15921,7 +17459,7 @@
             </a:ln>
             <a:extLst>
               <a:ext uri="{91240B29-F687-4f45-9708-019B960494DF}">
-                <a14:hiddenLine xmlns:a14="http://schemas.microsoft.com/office/drawing/2010/main" xmlns:p14="http://schemas.microsoft.com/office/powerpoint/2010/main" xmlns:a16="http://schemas.microsoft.com/office/drawing/2014/main" xmlns="" w="9525">
+                <a14:hiddenLine xmlns="" xmlns:a16="http://schemas.microsoft.com/office/drawing/2014/main" xmlns:p14="http://schemas.microsoft.com/office/powerpoint/2010/main" xmlns:a14="http://schemas.microsoft.com/office/drawing/2010/main" w="9525">
                   <a:solidFill>
                     <a:srgbClr val="000000"/>
                   </a:solidFill>
@@ -16026,7 +17564,7 @@
             </a:ln>
             <a:extLst>
               <a:ext uri="{91240B29-F687-4f45-9708-019B960494DF}">
-                <a14:hiddenLine xmlns:a14="http://schemas.microsoft.com/office/drawing/2010/main" xmlns:p14="http://schemas.microsoft.com/office/powerpoint/2010/main" xmlns:a16="http://schemas.microsoft.com/office/drawing/2014/main" xmlns="" w="9525">
+                <a14:hiddenLine xmlns="" xmlns:a16="http://schemas.microsoft.com/office/drawing/2014/main" xmlns:p14="http://schemas.microsoft.com/office/powerpoint/2010/main" xmlns:a14="http://schemas.microsoft.com/office/drawing/2010/main" w="9525">
                   <a:solidFill>
                     <a:srgbClr val="000000"/>
                   </a:solidFill>
@@ -16103,7 +17641,7 @@
             </a:ln>
             <a:extLst>
               <a:ext uri="{91240B29-F687-4f45-9708-019B960494DF}">
-                <a14:hiddenLine xmlns:a14="http://schemas.microsoft.com/office/drawing/2010/main" xmlns:p14="http://schemas.microsoft.com/office/powerpoint/2010/main" xmlns:a16="http://schemas.microsoft.com/office/drawing/2014/main" xmlns="" w="9525">
+                <a14:hiddenLine xmlns="" xmlns:a16="http://schemas.microsoft.com/office/drawing/2014/main" xmlns:p14="http://schemas.microsoft.com/office/powerpoint/2010/main" xmlns:a14="http://schemas.microsoft.com/office/drawing/2010/main" w="9525">
                   <a:solidFill>
                     <a:srgbClr val="000000"/>
                   </a:solidFill>
@@ -16208,7 +17746,7 @@
             </a:ln>
             <a:extLst>
               <a:ext uri="{91240B29-F687-4f45-9708-019B960494DF}">
-                <a14:hiddenLine xmlns:a14="http://schemas.microsoft.com/office/drawing/2010/main" xmlns:p14="http://schemas.microsoft.com/office/powerpoint/2010/main" xmlns:a16="http://schemas.microsoft.com/office/drawing/2014/main" xmlns="" w="9525">
+                <a14:hiddenLine xmlns="" xmlns:a16="http://schemas.microsoft.com/office/drawing/2014/main" xmlns:p14="http://schemas.microsoft.com/office/powerpoint/2010/main" xmlns:a14="http://schemas.microsoft.com/office/drawing/2010/main" w="9525">
                   <a:solidFill>
                     <a:srgbClr val="000000"/>
                   </a:solidFill>
@@ -16285,7 +17823,7 @@
             </a:ln>
             <a:extLst>
               <a:ext uri="{91240B29-F687-4f45-9708-019B960494DF}">
-                <a14:hiddenLine xmlns:a14="http://schemas.microsoft.com/office/drawing/2010/main" xmlns:p14="http://schemas.microsoft.com/office/powerpoint/2010/main" xmlns:a16="http://schemas.microsoft.com/office/drawing/2014/main" xmlns="" w="9525">
+                <a14:hiddenLine xmlns="" xmlns:a16="http://schemas.microsoft.com/office/drawing/2014/main" xmlns:p14="http://schemas.microsoft.com/office/powerpoint/2010/main" xmlns:a14="http://schemas.microsoft.com/office/drawing/2010/main" w="9525">
                   <a:solidFill>
                     <a:srgbClr val="000000"/>
                   </a:solidFill>
@@ -16362,7 +17900,7 @@
             </a:ln>
             <a:extLst>
               <a:ext uri="{91240B29-F687-4f45-9708-019B960494DF}">
-                <a14:hiddenLine xmlns:a14="http://schemas.microsoft.com/office/drawing/2010/main" xmlns:p14="http://schemas.microsoft.com/office/powerpoint/2010/main" xmlns:a16="http://schemas.microsoft.com/office/drawing/2014/main" xmlns="" w="9525">
+                <a14:hiddenLine xmlns="" xmlns:a16="http://schemas.microsoft.com/office/drawing/2014/main" xmlns:p14="http://schemas.microsoft.com/office/powerpoint/2010/main" xmlns:a14="http://schemas.microsoft.com/office/drawing/2010/main" w="9525">
                   <a:solidFill>
                     <a:srgbClr val="000000"/>
                   </a:solidFill>
@@ -16467,7 +18005,7 @@
             </a:ln>
             <a:extLst>
               <a:ext uri="{91240B29-F687-4f45-9708-019B960494DF}">
-                <a14:hiddenLine xmlns:a14="http://schemas.microsoft.com/office/drawing/2010/main" xmlns:p14="http://schemas.microsoft.com/office/powerpoint/2010/main" xmlns:a16="http://schemas.microsoft.com/office/drawing/2014/main" xmlns="" w="9525">
+                <a14:hiddenLine xmlns="" xmlns:a16="http://schemas.microsoft.com/office/drawing/2014/main" xmlns:p14="http://schemas.microsoft.com/office/powerpoint/2010/main" xmlns:a14="http://schemas.microsoft.com/office/drawing/2010/main" w="9525">
                   <a:solidFill>
                     <a:srgbClr val="000000"/>
                   </a:solidFill>
@@ -16572,7 +18110,7 @@
             </a:ln>
             <a:extLst>
               <a:ext uri="{91240B29-F687-4f45-9708-019B960494DF}">
-                <a14:hiddenLine xmlns:a14="http://schemas.microsoft.com/office/drawing/2010/main" xmlns:p14="http://schemas.microsoft.com/office/powerpoint/2010/main" xmlns:a16="http://schemas.microsoft.com/office/drawing/2014/main" xmlns="" w="9525">
+                <a14:hiddenLine xmlns="" xmlns:a16="http://schemas.microsoft.com/office/drawing/2014/main" xmlns:p14="http://schemas.microsoft.com/office/powerpoint/2010/main" xmlns:a14="http://schemas.microsoft.com/office/drawing/2010/main" w="9525">
                   <a:solidFill>
                     <a:srgbClr val="000000"/>
                   </a:solidFill>
@@ -16649,7 +18187,7 @@
             </a:ln>
             <a:extLst>
               <a:ext uri="{91240B29-F687-4f45-9708-019B960494DF}">
-                <a14:hiddenLine xmlns:a14="http://schemas.microsoft.com/office/drawing/2010/main" xmlns:p14="http://schemas.microsoft.com/office/powerpoint/2010/main" xmlns:a16="http://schemas.microsoft.com/office/drawing/2014/main" xmlns="" w="9525">
+                <a14:hiddenLine xmlns="" xmlns:a16="http://schemas.microsoft.com/office/drawing/2014/main" xmlns:p14="http://schemas.microsoft.com/office/powerpoint/2010/main" xmlns:a14="http://schemas.microsoft.com/office/drawing/2010/main" w="9525">
                   <a:solidFill>
                     <a:srgbClr val="000000"/>
                   </a:solidFill>
@@ -16774,7 +18312,7 @@
             </a:ln>
             <a:extLst>
               <a:ext uri="{91240B29-F687-4f45-9708-019B960494DF}">
-                <a14:hiddenLine xmlns:a14="http://schemas.microsoft.com/office/drawing/2010/main" xmlns:p14="http://schemas.microsoft.com/office/powerpoint/2010/main" xmlns:a16="http://schemas.microsoft.com/office/drawing/2014/main" xmlns="" w="9525">
+                <a14:hiddenLine xmlns="" xmlns:a16="http://schemas.microsoft.com/office/drawing/2014/main" xmlns:p14="http://schemas.microsoft.com/office/powerpoint/2010/main" xmlns:a14="http://schemas.microsoft.com/office/drawing/2010/main" w="9525">
                   <a:solidFill>
                     <a:srgbClr val="000000"/>
                   </a:solidFill>
@@ -16888,7 +18426,7 @@
             </a:ln>
             <a:extLst>
               <a:ext uri="{91240B29-F687-4f45-9708-019B960494DF}">
-                <a14:hiddenLine xmlns:a14="http://schemas.microsoft.com/office/drawing/2010/main" xmlns:p14="http://schemas.microsoft.com/office/powerpoint/2010/main" xmlns:a16="http://schemas.microsoft.com/office/drawing/2014/main" xmlns="" w="9525">
+                <a14:hiddenLine xmlns="" xmlns:a16="http://schemas.microsoft.com/office/drawing/2014/main" xmlns:p14="http://schemas.microsoft.com/office/powerpoint/2010/main" xmlns:a14="http://schemas.microsoft.com/office/drawing/2010/main" w="9525">
                   <a:solidFill>
                     <a:srgbClr val="000000"/>
                   </a:solidFill>
@@ -16965,7 +18503,7 @@
             </a:ln>
             <a:extLst>
               <a:ext uri="{91240B29-F687-4f45-9708-019B960494DF}">
-                <a14:hiddenLine xmlns:a14="http://schemas.microsoft.com/office/drawing/2010/main" xmlns:p14="http://schemas.microsoft.com/office/powerpoint/2010/main" xmlns:a16="http://schemas.microsoft.com/office/drawing/2014/main" xmlns="" w="9525">
+                <a14:hiddenLine xmlns="" xmlns:a16="http://schemas.microsoft.com/office/drawing/2014/main" xmlns:p14="http://schemas.microsoft.com/office/powerpoint/2010/main" xmlns:a14="http://schemas.microsoft.com/office/drawing/2010/main" w="9525">
                   <a:solidFill>
                     <a:srgbClr val="000000"/>
                   </a:solidFill>
@@ -17042,7 +18580,7 @@
             </a:ln>
             <a:extLst>
               <a:ext uri="{91240B29-F687-4f45-9708-019B960494DF}">
-                <a14:hiddenLine xmlns:a14="http://schemas.microsoft.com/office/drawing/2010/main" xmlns:p14="http://schemas.microsoft.com/office/powerpoint/2010/main" xmlns:a16="http://schemas.microsoft.com/office/drawing/2014/main" xmlns="" w="9525">
+                <a14:hiddenLine xmlns="" xmlns:a16="http://schemas.microsoft.com/office/drawing/2014/main" xmlns:p14="http://schemas.microsoft.com/office/powerpoint/2010/main" xmlns:a14="http://schemas.microsoft.com/office/drawing/2010/main" w="9525">
                   <a:solidFill>
                     <a:srgbClr val="000000"/>
                   </a:solidFill>
@@ -17147,7 +18685,7 @@
             </a:ln>
             <a:extLst>
               <a:ext uri="{91240B29-F687-4f45-9708-019B960494DF}">
-                <a14:hiddenLine xmlns:a14="http://schemas.microsoft.com/office/drawing/2010/main" xmlns:p14="http://schemas.microsoft.com/office/powerpoint/2010/main" xmlns:a16="http://schemas.microsoft.com/office/drawing/2014/main" xmlns="" w="9525">
+                <a14:hiddenLine xmlns="" xmlns:a16="http://schemas.microsoft.com/office/drawing/2014/main" xmlns:p14="http://schemas.microsoft.com/office/powerpoint/2010/main" xmlns:a14="http://schemas.microsoft.com/office/drawing/2010/main" w="9525">
                   <a:solidFill>
                     <a:srgbClr val="000000"/>
                   </a:solidFill>
@@ -17196,7 +18734,7 @@
             </a:ln>
             <a:extLst>
               <a:ext uri="{91240B29-F687-4f45-9708-019B960494DF}">
-                <a14:hiddenLine xmlns:a14="http://schemas.microsoft.com/office/drawing/2010/main" xmlns:p14="http://schemas.microsoft.com/office/powerpoint/2010/main" xmlns:a16="http://schemas.microsoft.com/office/drawing/2014/main" xmlns="" w="9525">
+                <a14:hiddenLine xmlns="" xmlns:a16="http://schemas.microsoft.com/office/drawing/2014/main" xmlns:p14="http://schemas.microsoft.com/office/powerpoint/2010/main" xmlns:a14="http://schemas.microsoft.com/office/drawing/2010/main" w="9525">
                   <a:solidFill>
                     <a:srgbClr val="000000"/>
                   </a:solidFill>
@@ -17276,7 +18814,7 @@
             </a:ln>
             <a:extLst>
               <a:ext uri="{91240B29-F687-4f45-9708-019B960494DF}">
-                <a14:hiddenLine xmlns:a14="http://schemas.microsoft.com/office/drawing/2010/main" xmlns:p14="http://schemas.microsoft.com/office/powerpoint/2010/main" xmlns:a16="http://schemas.microsoft.com/office/drawing/2014/main" xmlns="" w="9525">
+                <a14:hiddenLine xmlns="" xmlns:a16="http://schemas.microsoft.com/office/drawing/2014/main" xmlns:p14="http://schemas.microsoft.com/office/powerpoint/2010/main" xmlns:a14="http://schemas.microsoft.com/office/drawing/2010/main" w="9525">
                   <a:solidFill>
                     <a:srgbClr val="000000"/>
                   </a:solidFill>
@@ -17381,7 +18919,7 @@
             </a:ln>
             <a:extLst>
               <a:ext uri="{91240B29-F687-4f45-9708-019B960494DF}">
-                <a14:hiddenLine xmlns:a14="http://schemas.microsoft.com/office/drawing/2010/main" xmlns:p14="http://schemas.microsoft.com/office/powerpoint/2010/main" xmlns:a16="http://schemas.microsoft.com/office/drawing/2014/main" xmlns="" w="9525">
+                <a14:hiddenLine xmlns="" xmlns:a16="http://schemas.microsoft.com/office/drawing/2014/main" xmlns:p14="http://schemas.microsoft.com/office/powerpoint/2010/main" xmlns:a14="http://schemas.microsoft.com/office/drawing/2010/main" w="9525">
                   <a:solidFill>
                     <a:srgbClr val="000000"/>
                   </a:solidFill>
@@ -17458,7 +18996,7 @@
             </a:ln>
             <a:extLst>
               <a:ext uri="{91240B29-F687-4f45-9708-019B960494DF}">
-                <a14:hiddenLine xmlns:a14="http://schemas.microsoft.com/office/drawing/2010/main" xmlns:p14="http://schemas.microsoft.com/office/powerpoint/2010/main" xmlns:a16="http://schemas.microsoft.com/office/drawing/2014/main" xmlns="" w="9525">
+                <a14:hiddenLine xmlns="" xmlns:a16="http://schemas.microsoft.com/office/drawing/2014/main" xmlns:p14="http://schemas.microsoft.com/office/powerpoint/2010/main" xmlns:a14="http://schemas.microsoft.com/office/drawing/2010/main" w="9525">
                   <a:solidFill>
                     <a:srgbClr val="000000"/>
                   </a:solidFill>
@@ -17563,7 +19101,7 @@
             </a:ln>
             <a:extLst>
               <a:ext uri="{91240B29-F687-4f45-9708-019B960494DF}">
-                <a14:hiddenLine xmlns:a14="http://schemas.microsoft.com/office/drawing/2010/main" xmlns:p14="http://schemas.microsoft.com/office/powerpoint/2010/main" xmlns:a16="http://schemas.microsoft.com/office/drawing/2014/main" xmlns="" w="9525">
+                <a14:hiddenLine xmlns="" xmlns:a16="http://schemas.microsoft.com/office/drawing/2014/main" xmlns:p14="http://schemas.microsoft.com/office/powerpoint/2010/main" xmlns:a14="http://schemas.microsoft.com/office/drawing/2010/main" w="9525">
                   <a:solidFill>
                     <a:srgbClr val="000000"/>
                   </a:solidFill>
@@ -17643,7 +19181,7 @@
             </a:ln>
             <a:extLst>
               <a:ext uri="{91240B29-F687-4f45-9708-019B960494DF}">
-                <a14:hiddenLine xmlns:a14="http://schemas.microsoft.com/office/drawing/2010/main" xmlns:p14="http://schemas.microsoft.com/office/powerpoint/2010/main" xmlns:a16="http://schemas.microsoft.com/office/drawing/2014/main" xmlns="" w="9525">
+                <a14:hiddenLine xmlns="" xmlns:a16="http://schemas.microsoft.com/office/drawing/2014/main" xmlns:p14="http://schemas.microsoft.com/office/powerpoint/2010/main" xmlns:a14="http://schemas.microsoft.com/office/drawing/2010/main" w="9525">
                   <a:solidFill>
                     <a:srgbClr val="000000"/>
                   </a:solidFill>
@@ -17720,7 +19258,7 @@
             </a:ln>
             <a:extLst>
               <a:ext uri="{91240B29-F687-4f45-9708-019B960494DF}">
-                <a14:hiddenLine xmlns:a14="http://schemas.microsoft.com/office/drawing/2010/main" xmlns:p14="http://schemas.microsoft.com/office/powerpoint/2010/main" xmlns:a16="http://schemas.microsoft.com/office/drawing/2014/main" xmlns="" w="9525">
+                <a14:hiddenLine xmlns="" xmlns:a16="http://schemas.microsoft.com/office/drawing/2014/main" xmlns:p14="http://schemas.microsoft.com/office/powerpoint/2010/main" xmlns:a14="http://schemas.microsoft.com/office/drawing/2010/main" w="9525">
                   <a:solidFill>
                     <a:srgbClr val="000000"/>
                   </a:solidFill>
@@ -17825,7 +19363,7 @@
             </a:ln>
             <a:extLst>
               <a:ext uri="{91240B29-F687-4f45-9708-019B960494DF}">
-                <a14:hiddenLine xmlns:a14="http://schemas.microsoft.com/office/drawing/2010/main" xmlns:p14="http://schemas.microsoft.com/office/powerpoint/2010/main" xmlns:a16="http://schemas.microsoft.com/office/drawing/2014/main" xmlns="" w="9525">
+                <a14:hiddenLine xmlns="" xmlns:a16="http://schemas.microsoft.com/office/drawing/2014/main" xmlns:p14="http://schemas.microsoft.com/office/powerpoint/2010/main" xmlns:a14="http://schemas.microsoft.com/office/drawing/2010/main" w="9525">
                   <a:solidFill>
                     <a:srgbClr val="000000"/>
                   </a:solidFill>
@@ -17930,7 +19468,7 @@
             </a:ln>
             <a:extLst>
               <a:ext uri="{91240B29-F687-4f45-9708-019B960494DF}">
-                <a14:hiddenLine xmlns:a14="http://schemas.microsoft.com/office/drawing/2010/main" xmlns:p14="http://schemas.microsoft.com/office/powerpoint/2010/main" xmlns:a16="http://schemas.microsoft.com/office/drawing/2014/main" xmlns="" w="9525">
+                <a14:hiddenLine xmlns="" xmlns:a16="http://schemas.microsoft.com/office/drawing/2014/main" xmlns:p14="http://schemas.microsoft.com/office/powerpoint/2010/main" xmlns:a14="http://schemas.microsoft.com/office/drawing/2010/main" w="9525">
                   <a:solidFill>
                     <a:srgbClr val="000000"/>
                   </a:solidFill>
@@ -18010,7 +19548,7 @@
             </a:ln>
             <a:extLst>
               <a:ext uri="{91240B29-F687-4f45-9708-019B960494DF}">
-                <a14:hiddenLine xmlns:a14="http://schemas.microsoft.com/office/drawing/2010/main" xmlns:p14="http://schemas.microsoft.com/office/powerpoint/2010/main" xmlns:a16="http://schemas.microsoft.com/office/drawing/2014/main" xmlns="" w="9525">
+                <a14:hiddenLine xmlns="" xmlns:a16="http://schemas.microsoft.com/office/drawing/2014/main" xmlns:p14="http://schemas.microsoft.com/office/powerpoint/2010/main" xmlns:a14="http://schemas.microsoft.com/office/drawing/2010/main" w="9525">
                   <a:solidFill>
                     <a:srgbClr val="000000"/>
                   </a:solidFill>
@@ -18145,7 +19683,7 @@
             </a:ln>
             <a:extLst>
               <a:ext uri="{91240B29-F687-4f45-9708-019B960494DF}">
-                <a14:hiddenLine xmlns:a14="http://schemas.microsoft.com/office/drawing/2010/main" xmlns:p14="http://schemas.microsoft.com/office/powerpoint/2010/main" xmlns:a16="http://schemas.microsoft.com/office/drawing/2014/main" xmlns="" w="9525">
+                <a14:hiddenLine xmlns="" xmlns:a16="http://schemas.microsoft.com/office/drawing/2014/main" xmlns:p14="http://schemas.microsoft.com/office/powerpoint/2010/main" xmlns:a14="http://schemas.microsoft.com/office/drawing/2010/main" w="9525">
                   <a:solidFill>
                     <a:srgbClr val="000000"/>
                   </a:solidFill>
@@ -18245,7 +19783,7 @@
 </p:sld>
 </file>
 
-<file path=ppt/slides/slide12.xml><?xml version="1.0" encoding="utf-8"?>
+<file path=ppt/slides/slide14.xml><?xml version="1.0" encoding="utf-8"?>
 <p:sld xmlns:a="http://schemas.openxmlformats.org/drawingml/2006/main" xmlns:r="http://schemas.openxmlformats.org/officeDocument/2006/relationships" xmlns:p="http://schemas.openxmlformats.org/presentationml/2006/main">
   <p:cSld>
     <p:spTree>
@@ -18341,7 +19879,7 @@
 </p:sld>
 </file>
 
-<file path=ppt/slides/slide13.xml><?xml version="1.0" encoding="utf-8"?>
+<file path=ppt/slides/slide15.xml><?xml version="1.0" encoding="utf-8"?>
 <p:sld xmlns:a="http://schemas.openxmlformats.org/drawingml/2006/main" xmlns:r="http://schemas.openxmlformats.org/officeDocument/2006/relationships" xmlns:p="http://schemas.openxmlformats.org/presentationml/2006/main">
   <p:cSld>
     <p:bg>
@@ -18490,7 +20028,7 @@
           <a:noFill/>
           <a:extLst>
             <a:ext uri="{909E8E84-426E-40dd-AFC4-6F175D3DCCD1}">
-              <a14:hiddenFill xmlns:a14="http://schemas.microsoft.com/office/drawing/2010/main" xmlns:p14="http://schemas.microsoft.com/office/powerpoint/2010/main" xmlns:a16="http://schemas.microsoft.com/office/drawing/2014/main" xmlns="">
+              <a14:hiddenFill xmlns="" xmlns:a16="http://schemas.microsoft.com/office/drawing/2014/main" xmlns:p14="http://schemas.microsoft.com/office/powerpoint/2010/main" xmlns:a14="http://schemas.microsoft.com/office/drawing/2010/main">
                 <a:solidFill>
                   <a:srgbClr val="FFFFFF"/>
                 </a:solidFill>
@@ -18726,7 +20264,7 @@
             </a:ln>
             <a:extLst>
               <a:ext uri="{91240B29-F687-4f45-9708-019B960494DF}">
-                <a14:hiddenLine xmlns:a14="http://schemas.microsoft.com/office/drawing/2010/main" xmlns:p14="http://schemas.microsoft.com/office/powerpoint/2010/main" xmlns:a16="http://schemas.microsoft.com/office/drawing/2014/main" xmlns="" w="9525">
+                <a14:hiddenLine xmlns="" xmlns:a16="http://schemas.microsoft.com/office/drawing/2014/main" xmlns:p14="http://schemas.microsoft.com/office/powerpoint/2010/main" xmlns:a14="http://schemas.microsoft.com/office/drawing/2010/main" w="9525">
                   <a:solidFill>
                     <a:srgbClr val="000000"/>
                   </a:solidFill>
@@ -18831,7 +20369,7 @@
             </a:ln>
             <a:extLst>
               <a:ext uri="{91240B29-F687-4f45-9708-019B960494DF}">
-                <a14:hiddenLine xmlns:a14="http://schemas.microsoft.com/office/drawing/2010/main" xmlns:p14="http://schemas.microsoft.com/office/powerpoint/2010/main" xmlns:a16="http://schemas.microsoft.com/office/drawing/2014/main" xmlns="" w="9525">
+                <a14:hiddenLine xmlns="" xmlns:a16="http://schemas.microsoft.com/office/drawing/2014/main" xmlns:p14="http://schemas.microsoft.com/office/powerpoint/2010/main" xmlns:a14="http://schemas.microsoft.com/office/drawing/2010/main" w="9525">
                   <a:solidFill>
                     <a:srgbClr val="000000"/>
                   </a:solidFill>
@@ -18936,7 +20474,7 @@
             </a:ln>
             <a:extLst>
               <a:ext uri="{91240B29-F687-4f45-9708-019B960494DF}">
-                <a14:hiddenLine xmlns:a14="http://schemas.microsoft.com/office/drawing/2010/main" xmlns:p14="http://schemas.microsoft.com/office/powerpoint/2010/main" xmlns:a16="http://schemas.microsoft.com/office/drawing/2014/main" xmlns="" w="9525">
+                <a14:hiddenLine xmlns="" xmlns:a16="http://schemas.microsoft.com/office/drawing/2014/main" xmlns:p14="http://schemas.microsoft.com/office/powerpoint/2010/main" xmlns:a14="http://schemas.microsoft.com/office/drawing/2010/main" w="9525">
                   <a:solidFill>
                     <a:srgbClr val="000000"/>
                   </a:solidFill>
@@ -19013,7 +20551,7 @@
             </a:ln>
             <a:extLst>
               <a:ext uri="{91240B29-F687-4f45-9708-019B960494DF}">
-                <a14:hiddenLine xmlns:a14="http://schemas.microsoft.com/office/drawing/2010/main" xmlns:p14="http://schemas.microsoft.com/office/powerpoint/2010/main" xmlns:a16="http://schemas.microsoft.com/office/drawing/2014/main" xmlns="" w="9525">
+                <a14:hiddenLine xmlns="" xmlns:a16="http://schemas.microsoft.com/office/drawing/2014/main" xmlns:p14="http://schemas.microsoft.com/office/powerpoint/2010/main" xmlns:a14="http://schemas.microsoft.com/office/drawing/2010/main" w="9525">
                   <a:solidFill>
                     <a:srgbClr val="000000"/>
                   </a:solidFill>
@@ -19118,7 +20656,7 @@
             </a:ln>
             <a:extLst>
               <a:ext uri="{91240B29-F687-4f45-9708-019B960494DF}">
-                <a14:hiddenLine xmlns:a14="http://schemas.microsoft.com/office/drawing/2010/main" xmlns:p14="http://schemas.microsoft.com/office/powerpoint/2010/main" xmlns:a16="http://schemas.microsoft.com/office/drawing/2014/main" xmlns="" w="9525">
+                <a14:hiddenLine xmlns="" xmlns:a16="http://schemas.microsoft.com/office/drawing/2014/main" xmlns:p14="http://schemas.microsoft.com/office/powerpoint/2010/main" xmlns:a14="http://schemas.microsoft.com/office/drawing/2010/main" w="9525">
                   <a:solidFill>
                     <a:srgbClr val="000000"/>
                   </a:solidFill>
@@ -19195,7 +20733,7 @@
             </a:ln>
             <a:extLst>
               <a:ext uri="{91240B29-F687-4f45-9708-019B960494DF}">
-                <a14:hiddenLine xmlns:a14="http://schemas.microsoft.com/office/drawing/2010/main" xmlns:p14="http://schemas.microsoft.com/office/powerpoint/2010/main" xmlns:a16="http://schemas.microsoft.com/office/drawing/2014/main" xmlns="" w="9525">
+                <a14:hiddenLine xmlns="" xmlns:a16="http://schemas.microsoft.com/office/drawing/2014/main" xmlns:p14="http://schemas.microsoft.com/office/powerpoint/2010/main" xmlns:a14="http://schemas.microsoft.com/office/drawing/2010/main" w="9525">
                   <a:solidFill>
                     <a:srgbClr val="000000"/>
                   </a:solidFill>
@@ -19272,7 +20810,7 @@
             </a:ln>
             <a:extLst>
               <a:ext uri="{91240B29-F687-4f45-9708-019B960494DF}">
-                <a14:hiddenLine xmlns:a14="http://schemas.microsoft.com/office/drawing/2010/main" xmlns:p14="http://schemas.microsoft.com/office/powerpoint/2010/main" xmlns:a16="http://schemas.microsoft.com/office/drawing/2014/main" xmlns="" w="9525">
+                <a14:hiddenLine xmlns="" xmlns:a16="http://schemas.microsoft.com/office/drawing/2014/main" xmlns:p14="http://schemas.microsoft.com/office/powerpoint/2010/main" xmlns:a14="http://schemas.microsoft.com/office/drawing/2010/main" w="9525">
                   <a:solidFill>
                     <a:srgbClr val="000000"/>
                   </a:solidFill>
@@ -19377,7 +20915,7 @@
             </a:ln>
             <a:extLst>
               <a:ext uri="{91240B29-F687-4f45-9708-019B960494DF}">
-                <a14:hiddenLine xmlns:a14="http://schemas.microsoft.com/office/drawing/2010/main" xmlns:p14="http://schemas.microsoft.com/office/powerpoint/2010/main" xmlns:a16="http://schemas.microsoft.com/office/drawing/2014/main" xmlns="" w="9525">
+                <a14:hiddenLine xmlns="" xmlns:a16="http://schemas.microsoft.com/office/drawing/2014/main" xmlns:p14="http://schemas.microsoft.com/office/powerpoint/2010/main" xmlns:a14="http://schemas.microsoft.com/office/drawing/2010/main" w="9525">
                   <a:solidFill>
                     <a:srgbClr val="000000"/>
                   </a:solidFill>
@@ -19482,7 +21020,7 @@
             </a:ln>
             <a:extLst>
               <a:ext uri="{91240B29-F687-4f45-9708-019B960494DF}">
-                <a14:hiddenLine xmlns:a14="http://schemas.microsoft.com/office/drawing/2010/main" xmlns:p14="http://schemas.microsoft.com/office/powerpoint/2010/main" xmlns:a16="http://schemas.microsoft.com/office/drawing/2014/main" xmlns="" w="9525">
+                <a14:hiddenLine xmlns="" xmlns:a16="http://schemas.microsoft.com/office/drawing/2014/main" xmlns:p14="http://schemas.microsoft.com/office/powerpoint/2010/main" xmlns:a14="http://schemas.microsoft.com/office/drawing/2010/main" w="9525">
                   <a:solidFill>
                     <a:srgbClr val="000000"/>
                   </a:solidFill>
@@ -19559,7 +21097,7 @@
             </a:ln>
             <a:extLst>
               <a:ext uri="{91240B29-F687-4f45-9708-019B960494DF}">
-                <a14:hiddenLine xmlns:a14="http://schemas.microsoft.com/office/drawing/2010/main" xmlns:p14="http://schemas.microsoft.com/office/powerpoint/2010/main" xmlns:a16="http://schemas.microsoft.com/office/drawing/2014/main" xmlns="" w="9525">
+                <a14:hiddenLine xmlns="" xmlns:a16="http://schemas.microsoft.com/office/drawing/2014/main" xmlns:p14="http://schemas.microsoft.com/office/powerpoint/2010/main" xmlns:a14="http://schemas.microsoft.com/office/drawing/2010/main" w="9525">
                   <a:solidFill>
                     <a:srgbClr val="000000"/>
                   </a:solidFill>
@@ -19684,7 +21222,7 @@
             </a:ln>
             <a:extLst>
               <a:ext uri="{91240B29-F687-4f45-9708-019B960494DF}">
-                <a14:hiddenLine xmlns:a14="http://schemas.microsoft.com/office/drawing/2010/main" xmlns:p14="http://schemas.microsoft.com/office/powerpoint/2010/main" xmlns:a16="http://schemas.microsoft.com/office/drawing/2014/main" xmlns="" w="9525">
+                <a14:hiddenLine xmlns="" xmlns:a16="http://schemas.microsoft.com/office/drawing/2014/main" xmlns:p14="http://schemas.microsoft.com/office/powerpoint/2010/main" xmlns:a14="http://schemas.microsoft.com/office/drawing/2010/main" w="9525">
                   <a:solidFill>
                     <a:srgbClr val="000000"/>
                   </a:solidFill>
@@ -19798,7 +21336,7 @@
             </a:ln>
             <a:extLst>
               <a:ext uri="{91240B29-F687-4f45-9708-019B960494DF}">
-                <a14:hiddenLine xmlns:a14="http://schemas.microsoft.com/office/drawing/2010/main" xmlns:p14="http://schemas.microsoft.com/office/powerpoint/2010/main" xmlns:a16="http://schemas.microsoft.com/office/drawing/2014/main" xmlns="" w="9525">
+                <a14:hiddenLine xmlns="" xmlns:a16="http://schemas.microsoft.com/office/drawing/2014/main" xmlns:p14="http://schemas.microsoft.com/office/powerpoint/2010/main" xmlns:a14="http://schemas.microsoft.com/office/drawing/2010/main" w="9525">
                   <a:solidFill>
                     <a:srgbClr val="000000"/>
                   </a:solidFill>
@@ -19875,7 +21413,7 @@
             </a:ln>
             <a:extLst>
               <a:ext uri="{91240B29-F687-4f45-9708-019B960494DF}">
-                <a14:hiddenLine xmlns:a14="http://schemas.microsoft.com/office/drawing/2010/main" xmlns:p14="http://schemas.microsoft.com/office/powerpoint/2010/main" xmlns:a16="http://schemas.microsoft.com/office/drawing/2014/main" xmlns="" w="9525">
+                <a14:hiddenLine xmlns="" xmlns:a16="http://schemas.microsoft.com/office/drawing/2014/main" xmlns:p14="http://schemas.microsoft.com/office/powerpoint/2010/main" xmlns:a14="http://schemas.microsoft.com/office/drawing/2010/main" w="9525">
                   <a:solidFill>
                     <a:srgbClr val="000000"/>
                   </a:solidFill>
@@ -19952,7 +21490,7 @@
             </a:ln>
             <a:extLst>
               <a:ext uri="{91240B29-F687-4f45-9708-019B960494DF}">
-                <a14:hiddenLine xmlns:a14="http://schemas.microsoft.com/office/drawing/2010/main" xmlns:p14="http://schemas.microsoft.com/office/powerpoint/2010/main" xmlns:a16="http://schemas.microsoft.com/office/drawing/2014/main" xmlns="" w="9525">
+                <a14:hiddenLine xmlns="" xmlns:a16="http://schemas.microsoft.com/office/drawing/2014/main" xmlns:p14="http://schemas.microsoft.com/office/powerpoint/2010/main" xmlns:a14="http://schemas.microsoft.com/office/drawing/2010/main" w="9525">
                   <a:solidFill>
                     <a:srgbClr val="000000"/>
                   </a:solidFill>
@@ -20057,7 +21595,7 @@
             </a:ln>
             <a:extLst>
               <a:ext uri="{91240B29-F687-4f45-9708-019B960494DF}">
-                <a14:hiddenLine xmlns:a14="http://schemas.microsoft.com/office/drawing/2010/main" xmlns:p14="http://schemas.microsoft.com/office/powerpoint/2010/main" xmlns:a16="http://schemas.microsoft.com/office/drawing/2014/main" xmlns="" w="9525">
+                <a14:hiddenLine xmlns="" xmlns:a16="http://schemas.microsoft.com/office/drawing/2014/main" xmlns:p14="http://schemas.microsoft.com/office/powerpoint/2010/main" xmlns:a14="http://schemas.microsoft.com/office/drawing/2010/main" w="9525">
                   <a:solidFill>
                     <a:srgbClr val="000000"/>
                   </a:solidFill>
@@ -20106,7 +21644,7 @@
             </a:ln>
             <a:extLst>
               <a:ext uri="{91240B29-F687-4f45-9708-019B960494DF}">
-                <a14:hiddenLine xmlns:a14="http://schemas.microsoft.com/office/drawing/2010/main" xmlns:p14="http://schemas.microsoft.com/office/powerpoint/2010/main" xmlns:a16="http://schemas.microsoft.com/office/drawing/2014/main" xmlns="" w="9525">
+                <a14:hiddenLine xmlns="" xmlns:a16="http://schemas.microsoft.com/office/drawing/2014/main" xmlns:p14="http://schemas.microsoft.com/office/powerpoint/2010/main" xmlns:a14="http://schemas.microsoft.com/office/drawing/2010/main" w="9525">
                   <a:solidFill>
                     <a:srgbClr val="000000"/>
                   </a:solidFill>
@@ -20186,7 +21724,7 @@
             </a:ln>
             <a:extLst>
               <a:ext uri="{91240B29-F687-4f45-9708-019B960494DF}">
-                <a14:hiddenLine xmlns:a14="http://schemas.microsoft.com/office/drawing/2010/main" xmlns:p14="http://schemas.microsoft.com/office/powerpoint/2010/main" xmlns:a16="http://schemas.microsoft.com/office/drawing/2014/main" xmlns="" w="9525">
+                <a14:hiddenLine xmlns="" xmlns:a16="http://schemas.microsoft.com/office/drawing/2014/main" xmlns:p14="http://schemas.microsoft.com/office/powerpoint/2010/main" xmlns:a14="http://schemas.microsoft.com/office/drawing/2010/main" w="9525">
                   <a:solidFill>
                     <a:srgbClr val="000000"/>
                   </a:solidFill>
@@ -20291,7 +21829,7 @@
             </a:ln>
             <a:extLst>
               <a:ext uri="{91240B29-F687-4f45-9708-019B960494DF}">
-                <a14:hiddenLine xmlns:a14="http://schemas.microsoft.com/office/drawing/2010/main" xmlns:p14="http://schemas.microsoft.com/office/powerpoint/2010/main" xmlns:a16="http://schemas.microsoft.com/office/drawing/2014/main" xmlns="" w="9525">
+                <a14:hiddenLine xmlns="" xmlns:a16="http://schemas.microsoft.com/office/drawing/2014/main" xmlns:p14="http://schemas.microsoft.com/office/powerpoint/2010/main" xmlns:a14="http://schemas.microsoft.com/office/drawing/2010/main" w="9525">
                   <a:solidFill>
                     <a:srgbClr val="000000"/>
                   </a:solidFill>
@@ -20368,7 +21906,7 @@
             </a:ln>
             <a:extLst>
               <a:ext uri="{91240B29-F687-4f45-9708-019B960494DF}">
-                <a14:hiddenLine xmlns:a14="http://schemas.microsoft.com/office/drawing/2010/main" xmlns:p14="http://schemas.microsoft.com/office/powerpoint/2010/main" xmlns:a16="http://schemas.microsoft.com/office/drawing/2014/main" xmlns="" w="9525">
+                <a14:hiddenLine xmlns="" xmlns:a16="http://schemas.microsoft.com/office/drawing/2014/main" xmlns:p14="http://schemas.microsoft.com/office/powerpoint/2010/main" xmlns:a14="http://schemas.microsoft.com/office/drawing/2010/main" w="9525">
                   <a:solidFill>
                     <a:srgbClr val="000000"/>
                   </a:solidFill>
@@ -20473,7 +22011,7 @@
             </a:ln>
             <a:extLst>
               <a:ext uri="{91240B29-F687-4f45-9708-019B960494DF}">
-                <a14:hiddenLine xmlns:a14="http://schemas.microsoft.com/office/drawing/2010/main" xmlns:p14="http://schemas.microsoft.com/office/powerpoint/2010/main" xmlns:a16="http://schemas.microsoft.com/office/drawing/2014/main" xmlns="" w="9525">
+                <a14:hiddenLine xmlns="" xmlns:a16="http://schemas.microsoft.com/office/drawing/2014/main" xmlns:p14="http://schemas.microsoft.com/office/powerpoint/2010/main" xmlns:a14="http://schemas.microsoft.com/office/drawing/2010/main" w="9525">
                   <a:solidFill>
                     <a:srgbClr val="000000"/>
                   </a:solidFill>
@@ -20553,7 +22091,7 @@
             </a:ln>
             <a:extLst>
               <a:ext uri="{91240B29-F687-4f45-9708-019B960494DF}">
-                <a14:hiddenLine xmlns:a14="http://schemas.microsoft.com/office/drawing/2010/main" xmlns:p14="http://schemas.microsoft.com/office/powerpoint/2010/main" xmlns:a16="http://schemas.microsoft.com/office/drawing/2014/main" xmlns="" w="9525">
+                <a14:hiddenLine xmlns="" xmlns:a16="http://schemas.microsoft.com/office/drawing/2014/main" xmlns:p14="http://schemas.microsoft.com/office/powerpoint/2010/main" xmlns:a14="http://schemas.microsoft.com/office/drawing/2010/main" w="9525">
                   <a:solidFill>
                     <a:srgbClr val="000000"/>
                   </a:solidFill>
@@ -20630,7 +22168,7 @@
             </a:ln>
             <a:extLst>
               <a:ext uri="{91240B29-F687-4f45-9708-019B960494DF}">
-                <a14:hiddenLine xmlns:a14="http://schemas.microsoft.com/office/drawing/2010/main" xmlns:p14="http://schemas.microsoft.com/office/powerpoint/2010/main" xmlns:a16="http://schemas.microsoft.com/office/drawing/2014/main" xmlns="" w="9525">
+                <a14:hiddenLine xmlns="" xmlns:a16="http://schemas.microsoft.com/office/drawing/2014/main" xmlns:p14="http://schemas.microsoft.com/office/powerpoint/2010/main" xmlns:a14="http://schemas.microsoft.com/office/drawing/2010/main" w="9525">
                   <a:solidFill>
                     <a:srgbClr val="000000"/>
                   </a:solidFill>
@@ -20735,7 +22273,7 @@
             </a:ln>
             <a:extLst>
               <a:ext uri="{91240B29-F687-4f45-9708-019B960494DF}">
-                <a14:hiddenLine xmlns:a14="http://schemas.microsoft.com/office/drawing/2010/main" xmlns:p14="http://schemas.microsoft.com/office/powerpoint/2010/main" xmlns:a16="http://schemas.microsoft.com/office/drawing/2014/main" xmlns="" w="9525">
+                <a14:hiddenLine xmlns="" xmlns:a16="http://schemas.microsoft.com/office/drawing/2014/main" xmlns:p14="http://schemas.microsoft.com/office/powerpoint/2010/main" xmlns:a14="http://schemas.microsoft.com/office/drawing/2010/main" w="9525">
                   <a:solidFill>
                     <a:srgbClr val="000000"/>
                   </a:solidFill>
@@ -20840,7 +22378,7 @@
             </a:ln>
             <a:extLst>
               <a:ext uri="{91240B29-F687-4f45-9708-019B960494DF}">
-                <a14:hiddenLine xmlns:a14="http://schemas.microsoft.com/office/drawing/2010/main" xmlns:p14="http://schemas.microsoft.com/office/powerpoint/2010/main" xmlns:a16="http://schemas.microsoft.com/office/drawing/2014/main" xmlns="" w="9525">
+                <a14:hiddenLine xmlns="" xmlns:a16="http://schemas.microsoft.com/office/drawing/2014/main" xmlns:p14="http://schemas.microsoft.com/office/powerpoint/2010/main" xmlns:a14="http://schemas.microsoft.com/office/drawing/2010/main" w="9525">
                   <a:solidFill>
                     <a:srgbClr val="000000"/>
                   </a:solidFill>
@@ -20920,7 +22458,7 @@
             </a:ln>
             <a:extLst>
               <a:ext uri="{91240B29-F687-4f45-9708-019B960494DF}">
-                <a14:hiddenLine xmlns:a14="http://schemas.microsoft.com/office/drawing/2010/main" xmlns:p14="http://schemas.microsoft.com/office/powerpoint/2010/main" xmlns:a16="http://schemas.microsoft.com/office/drawing/2014/main" xmlns="" w="9525">
+                <a14:hiddenLine xmlns="" xmlns:a16="http://schemas.microsoft.com/office/drawing/2014/main" xmlns:p14="http://schemas.microsoft.com/office/powerpoint/2010/main" xmlns:a14="http://schemas.microsoft.com/office/drawing/2010/main" w="9525">
                   <a:solidFill>
                     <a:srgbClr val="000000"/>
                   </a:solidFill>
@@ -21055,7 +22593,7 @@
             </a:ln>
             <a:extLst>
               <a:ext uri="{91240B29-F687-4f45-9708-019B960494DF}">
-                <a14:hiddenLine xmlns:a14="http://schemas.microsoft.com/office/drawing/2010/main" xmlns:p14="http://schemas.microsoft.com/office/powerpoint/2010/main" xmlns:a16="http://schemas.microsoft.com/office/drawing/2014/main" xmlns="" w="9525">
+                <a14:hiddenLine xmlns="" xmlns:a16="http://schemas.microsoft.com/office/drawing/2014/main" xmlns:p14="http://schemas.microsoft.com/office/powerpoint/2010/main" xmlns:a14="http://schemas.microsoft.com/office/drawing/2010/main" w="9525">
                   <a:solidFill>
                     <a:srgbClr val="000000"/>
                   </a:solidFill>
@@ -21089,7 +22627,7 @@
 </p:sld>
 </file>
 
-<file path=ppt/slides/slide14.xml><?xml version="1.0" encoding="utf-8"?>
+<file path=ppt/slides/slide16.xml><?xml version="1.0" encoding="utf-8"?>
 <p:sld xmlns:a="http://schemas.openxmlformats.org/drawingml/2006/main" xmlns:r="http://schemas.openxmlformats.org/officeDocument/2006/relationships" xmlns:p="http://schemas.openxmlformats.org/presentationml/2006/main">
   <p:cSld>
     <p:spTree>
@@ -21185,7 +22723,7 @@
 </p:sld>
 </file>
 
-<file path=ppt/slides/slide15.xml><?xml version="1.0" encoding="utf-8"?>
+<file path=ppt/slides/slide17.xml><?xml version="1.0" encoding="utf-8"?>
 <p:sld xmlns:a="http://schemas.openxmlformats.org/drawingml/2006/main" xmlns:r="http://schemas.openxmlformats.org/officeDocument/2006/relationships" xmlns:p="http://schemas.openxmlformats.org/presentationml/2006/main">
   <p:cSld>
     <p:spTree>
@@ -21277,7 +22815,7 @@
 </p:sld>
 </file>
 
-<file path=ppt/slides/slide16.xml><?xml version="1.0" encoding="utf-8"?>
+<file path=ppt/slides/slide18.xml><?xml version="1.0" encoding="utf-8"?>
 <p:sld xmlns:a="http://schemas.openxmlformats.org/drawingml/2006/main" xmlns:r="http://schemas.openxmlformats.org/officeDocument/2006/relationships" xmlns:p="http://schemas.openxmlformats.org/presentationml/2006/main">
   <p:cSld>
     <p:bg>
@@ -21426,7 +22964,7 @@
           <a:noFill/>
           <a:extLst>
             <a:ext uri="{909E8E84-426E-40dd-AFC4-6F175D3DCCD1}">
-              <a14:hiddenFill xmlns:a14="http://schemas.microsoft.com/office/drawing/2010/main" xmlns:p14="http://schemas.microsoft.com/office/powerpoint/2010/main" xmlns:a16="http://schemas.microsoft.com/office/drawing/2014/main" xmlns="">
+              <a14:hiddenFill xmlns="" xmlns:a16="http://schemas.microsoft.com/office/drawing/2014/main" xmlns:p14="http://schemas.microsoft.com/office/powerpoint/2010/main" xmlns:a14="http://schemas.microsoft.com/office/drawing/2010/main">
                 <a:solidFill>
                   <a:srgbClr val="FFFFFF"/>
                 </a:solidFill>
@@ -21944,7 +23482,7 @@
             </a:ln>
             <a:extLst>
               <a:ext uri="{91240B29-F687-4f45-9708-019B960494DF}">
-                <a14:hiddenLine xmlns:a14="http://schemas.microsoft.com/office/drawing/2010/main" xmlns:p14="http://schemas.microsoft.com/office/powerpoint/2010/main" xmlns:a16="http://schemas.microsoft.com/office/drawing/2014/main" xmlns="" w="9525">
+                <a14:hiddenLine xmlns="" xmlns:a16="http://schemas.microsoft.com/office/drawing/2014/main" xmlns:p14="http://schemas.microsoft.com/office/powerpoint/2010/main" xmlns:a14="http://schemas.microsoft.com/office/drawing/2010/main" w="9525">
                   <a:solidFill>
                     <a:srgbClr val="000000"/>
                   </a:solidFill>
@@ -22049,7 +23587,7 @@
             </a:ln>
             <a:extLst>
               <a:ext uri="{91240B29-F687-4f45-9708-019B960494DF}">
-                <a14:hiddenLine xmlns:a14="http://schemas.microsoft.com/office/drawing/2010/main" xmlns:p14="http://schemas.microsoft.com/office/powerpoint/2010/main" xmlns:a16="http://schemas.microsoft.com/office/drawing/2014/main" xmlns="" w="9525">
+                <a14:hiddenLine xmlns="" xmlns:a16="http://schemas.microsoft.com/office/drawing/2014/main" xmlns:p14="http://schemas.microsoft.com/office/powerpoint/2010/main" xmlns:a14="http://schemas.microsoft.com/office/drawing/2010/main" w="9525">
                   <a:solidFill>
                     <a:srgbClr val="000000"/>
                   </a:solidFill>
@@ -22154,7 +23692,7 @@
             </a:ln>
             <a:extLst>
               <a:ext uri="{91240B29-F687-4f45-9708-019B960494DF}">
-                <a14:hiddenLine xmlns:a14="http://schemas.microsoft.com/office/drawing/2010/main" xmlns:p14="http://schemas.microsoft.com/office/powerpoint/2010/main" xmlns:a16="http://schemas.microsoft.com/office/drawing/2014/main" xmlns="" w="9525">
+                <a14:hiddenLine xmlns="" xmlns:a16="http://schemas.microsoft.com/office/drawing/2014/main" xmlns:p14="http://schemas.microsoft.com/office/powerpoint/2010/main" xmlns:a14="http://schemas.microsoft.com/office/drawing/2010/main" w="9525">
                   <a:solidFill>
                     <a:srgbClr val="000000"/>
                   </a:solidFill>
@@ -22231,7 +23769,7 @@
             </a:ln>
             <a:extLst>
               <a:ext uri="{91240B29-F687-4f45-9708-019B960494DF}">
-                <a14:hiddenLine xmlns:a14="http://schemas.microsoft.com/office/drawing/2010/main" xmlns:p14="http://schemas.microsoft.com/office/powerpoint/2010/main" xmlns:a16="http://schemas.microsoft.com/office/drawing/2014/main" xmlns="" w="9525">
+                <a14:hiddenLine xmlns="" xmlns:a16="http://schemas.microsoft.com/office/drawing/2014/main" xmlns:p14="http://schemas.microsoft.com/office/powerpoint/2010/main" xmlns:a14="http://schemas.microsoft.com/office/drawing/2010/main" w="9525">
                   <a:solidFill>
                     <a:srgbClr val="000000"/>
                   </a:solidFill>
@@ -22336,7 +23874,7 @@
             </a:ln>
             <a:extLst>
               <a:ext uri="{91240B29-F687-4f45-9708-019B960494DF}">
-                <a14:hiddenLine xmlns:a14="http://schemas.microsoft.com/office/drawing/2010/main" xmlns:p14="http://schemas.microsoft.com/office/powerpoint/2010/main" xmlns:a16="http://schemas.microsoft.com/office/drawing/2014/main" xmlns="" w="9525">
+                <a14:hiddenLine xmlns="" xmlns:a16="http://schemas.microsoft.com/office/drawing/2014/main" xmlns:p14="http://schemas.microsoft.com/office/powerpoint/2010/main" xmlns:a14="http://schemas.microsoft.com/office/drawing/2010/main" w="9525">
                   <a:solidFill>
                     <a:srgbClr val="000000"/>
                   </a:solidFill>
@@ -22413,7 +23951,7 @@
             </a:ln>
             <a:extLst>
               <a:ext uri="{91240B29-F687-4f45-9708-019B960494DF}">
-                <a14:hiddenLine xmlns:a14="http://schemas.microsoft.com/office/drawing/2010/main" xmlns:p14="http://schemas.microsoft.com/office/powerpoint/2010/main" xmlns:a16="http://schemas.microsoft.com/office/drawing/2014/main" xmlns="" w="9525">
+                <a14:hiddenLine xmlns="" xmlns:a16="http://schemas.microsoft.com/office/drawing/2014/main" xmlns:p14="http://schemas.microsoft.com/office/powerpoint/2010/main" xmlns:a14="http://schemas.microsoft.com/office/drawing/2010/main" w="9525">
                   <a:solidFill>
                     <a:srgbClr val="000000"/>
                   </a:solidFill>
@@ -22490,7 +24028,7 @@
             </a:ln>
             <a:extLst>
               <a:ext uri="{91240B29-F687-4f45-9708-019B960494DF}">
-                <a14:hiddenLine xmlns:a14="http://schemas.microsoft.com/office/drawing/2010/main" xmlns:p14="http://schemas.microsoft.com/office/powerpoint/2010/main" xmlns:a16="http://schemas.microsoft.com/office/drawing/2014/main" xmlns="" w="9525">
+                <a14:hiddenLine xmlns="" xmlns:a16="http://schemas.microsoft.com/office/drawing/2014/main" xmlns:p14="http://schemas.microsoft.com/office/powerpoint/2010/main" xmlns:a14="http://schemas.microsoft.com/office/drawing/2010/main" w="9525">
                   <a:solidFill>
                     <a:srgbClr val="000000"/>
                   </a:solidFill>
@@ -22595,7 +24133,7 @@
             </a:ln>
             <a:extLst>
               <a:ext uri="{91240B29-F687-4f45-9708-019B960494DF}">
-                <a14:hiddenLine xmlns:a14="http://schemas.microsoft.com/office/drawing/2010/main" xmlns:p14="http://schemas.microsoft.com/office/powerpoint/2010/main" xmlns:a16="http://schemas.microsoft.com/office/drawing/2014/main" xmlns="" w="9525">
+                <a14:hiddenLine xmlns="" xmlns:a16="http://schemas.microsoft.com/office/drawing/2014/main" xmlns:p14="http://schemas.microsoft.com/office/powerpoint/2010/main" xmlns:a14="http://schemas.microsoft.com/office/drawing/2010/main" w="9525">
                   <a:solidFill>
                     <a:srgbClr val="000000"/>
                   </a:solidFill>
@@ -22700,7 +24238,7 @@
             </a:ln>
             <a:extLst>
               <a:ext uri="{91240B29-F687-4f45-9708-019B960494DF}">
-                <a14:hiddenLine xmlns:a14="http://schemas.microsoft.com/office/drawing/2010/main" xmlns:p14="http://schemas.microsoft.com/office/powerpoint/2010/main" xmlns:a16="http://schemas.microsoft.com/office/drawing/2014/main" xmlns="" w="9525">
+                <a14:hiddenLine xmlns="" xmlns:a16="http://schemas.microsoft.com/office/drawing/2014/main" xmlns:p14="http://schemas.microsoft.com/office/powerpoint/2010/main" xmlns:a14="http://schemas.microsoft.com/office/drawing/2010/main" w="9525">
                   <a:solidFill>
                     <a:srgbClr val="000000"/>
                   </a:solidFill>
@@ -22777,7 +24315,7 @@
             </a:ln>
             <a:extLst>
               <a:ext uri="{91240B29-F687-4f45-9708-019B960494DF}">
-                <a14:hiddenLine xmlns:a14="http://schemas.microsoft.com/office/drawing/2010/main" xmlns:p14="http://schemas.microsoft.com/office/powerpoint/2010/main" xmlns:a16="http://schemas.microsoft.com/office/drawing/2014/main" xmlns="" w="9525">
+                <a14:hiddenLine xmlns="" xmlns:a16="http://schemas.microsoft.com/office/drawing/2014/main" xmlns:p14="http://schemas.microsoft.com/office/powerpoint/2010/main" xmlns:a14="http://schemas.microsoft.com/office/drawing/2010/main" w="9525">
                   <a:solidFill>
                     <a:srgbClr val="000000"/>
                   </a:solidFill>
@@ -22902,7 +24440,7 @@
             </a:ln>
             <a:extLst>
               <a:ext uri="{91240B29-F687-4f45-9708-019B960494DF}">
-                <a14:hiddenLine xmlns:a14="http://schemas.microsoft.com/office/drawing/2010/main" xmlns:p14="http://schemas.microsoft.com/office/powerpoint/2010/main" xmlns:a16="http://schemas.microsoft.com/office/drawing/2014/main" xmlns="" w="9525">
+                <a14:hiddenLine xmlns="" xmlns:a16="http://schemas.microsoft.com/office/drawing/2014/main" xmlns:p14="http://schemas.microsoft.com/office/powerpoint/2010/main" xmlns:a14="http://schemas.microsoft.com/office/drawing/2010/main" w="9525">
                   <a:solidFill>
                     <a:srgbClr val="000000"/>
                   </a:solidFill>
@@ -23016,7 +24554,7 @@
             </a:ln>
             <a:extLst>
               <a:ext uri="{91240B29-F687-4f45-9708-019B960494DF}">
-                <a14:hiddenLine xmlns:a14="http://schemas.microsoft.com/office/drawing/2010/main" xmlns:p14="http://schemas.microsoft.com/office/powerpoint/2010/main" xmlns:a16="http://schemas.microsoft.com/office/drawing/2014/main" xmlns="" w="9525">
+                <a14:hiddenLine xmlns="" xmlns:a16="http://schemas.microsoft.com/office/drawing/2014/main" xmlns:p14="http://schemas.microsoft.com/office/powerpoint/2010/main" xmlns:a14="http://schemas.microsoft.com/office/drawing/2010/main" w="9525">
                   <a:solidFill>
                     <a:srgbClr val="000000"/>
                   </a:solidFill>
@@ -23093,7 +24631,7 @@
             </a:ln>
             <a:extLst>
               <a:ext uri="{91240B29-F687-4f45-9708-019B960494DF}">
-                <a14:hiddenLine xmlns:a14="http://schemas.microsoft.com/office/drawing/2010/main" xmlns:p14="http://schemas.microsoft.com/office/powerpoint/2010/main" xmlns:a16="http://schemas.microsoft.com/office/drawing/2014/main" xmlns="" w="9525">
+                <a14:hiddenLine xmlns="" xmlns:a16="http://schemas.microsoft.com/office/drawing/2014/main" xmlns:p14="http://schemas.microsoft.com/office/powerpoint/2010/main" xmlns:a14="http://schemas.microsoft.com/office/drawing/2010/main" w="9525">
                   <a:solidFill>
                     <a:srgbClr val="000000"/>
                   </a:solidFill>
@@ -23170,7 +24708,7 @@
             </a:ln>
             <a:extLst>
               <a:ext uri="{91240B29-F687-4f45-9708-019B960494DF}">
-                <a14:hiddenLine xmlns:a14="http://schemas.microsoft.com/office/drawing/2010/main" xmlns:p14="http://schemas.microsoft.com/office/powerpoint/2010/main" xmlns:a16="http://schemas.microsoft.com/office/drawing/2014/main" xmlns="" w="9525">
+                <a14:hiddenLine xmlns="" xmlns:a16="http://schemas.microsoft.com/office/drawing/2014/main" xmlns:p14="http://schemas.microsoft.com/office/powerpoint/2010/main" xmlns:a14="http://schemas.microsoft.com/office/drawing/2010/main" w="9525">
                   <a:solidFill>
                     <a:srgbClr val="000000"/>
                   </a:solidFill>
@@ -23275,7 +24813,7 @@
             </a:ln>
             <a:extLst>
               <a:ext uri="{91240B29-F687-4f45-9708-019B960494DF}">
-                <a14:hiddenLine xmlns:a14="http://schemas.microsoft.com/office/drawing/2010/main" xmlns:p14="http://schemas.microsoft.com/office/powerpoint/2010/main" xmlns:a16="http://schemas.microsoft.com/office/drawing/2014/main" xmlns="" w="9525">
+                <a14:hiddenLine xmlns="" xmlns:a16="http://schemas.microsoft.com/office/drawing/2014/main" xmlns:p14="http://schemas.microsoft.com/office/powerpoint/2010/main" xmlns:a14="http://schemas.microsoft.com/office/drawing/2010/main" w="9525">
                   <a:solidFill>
                     <a:srgbClr val="000000"/>
                   </a:solidFill>
@@ -23324,7 +24862,7 @@
             </a:ln>
             <a:extLst>
               <a:ext uri="{91240B29-F687-4f45-9708-019B960494DF}">
-                <a14:hiddenLine xmlns:a14="http://schemas.microsoft.com/office/drawing/2010/main" xmlns:p14="http://schemas.microsoft.com/office/powerpoint/2010/main" xmlns:a16="http://schemas.microsoft.com/office/drawing/2014/main" xmlns="" w="9525">
+                <a14:hiddenLine xmlns="" xmlns:a16="http://schemas.microsoft.com/office/drawing/2014/main" xmlns:p14="http://schemas.microsoft.com/office/powerpoint/2010/main" xmlns:a14="http://schemas.microsoft.com/office/drawing/2010/main" w="9525">
                   <a:solidFill>
                     <a:srgbClr val="000000"/>
                   </a:solidFill>
@@ -23404,7 +24942,7 @@
             </a:ln>
             <a:extLst>
               <a:ext uri="{91240B29-F687-4f45-9708-019B960494DF}">
-                <a14:hiddenLine xmlns:a14="http://schemas.microsoft.com/office/drawing/2010/main" xmlns:p14="http://schemas.microsoft.com/office/powerpoint/2010/main" xmlns:a16="http://schemas.microsoft.com/office/drawing/2014/main" xmlns="" w="9525">
+                <a14:hiddenLine xmlns="" xmlns:a16="http://schemas.microsoft.com/office/drawing/2014/main" xmlns:p14="http://schemas.microsoft.com/office/powerpoint/2010/main" xmlns:a14="http://schemas.microsoft.com/office/drawing/2010/main" w="9525">
                   <a:solidFill>
                     <a:srgbClr val="000000"/>
                   </a:solidFill>
@@ -23509,7 +25047,7 @@
             </a:ln>
             <a:extLst>
               <a:ext uri="{91240B29-F687-4f45-9708-019B960494DF}">
-                <a14:hiddenLine xmlns:a14="http://schemas.microsoft.com/office/drawing/2010/main" xmlns:p14="http://schemas.microsoft.com/office/powerpoint/2010/main" xmlns:a16="http://schemas.microsoft.com/office/drawing/2014/main" xmlns="" w="9525">
+                <a14:hiddenLine xmlns="" xmlns:a16="http://schemas.microsoft.com/office/drawing/2014/main" xmlns:p14="http://schemas.microsoft.com/office/powerpoint/2010/main" xmlns:a14="http://schemas.microsoft.com/office/drawing/2010/main" w="9525">
                   <a:solidFill>
                     <a:srgbClr val="000000"/>
                   </a:solidFill>
@@ -23586,7 +25124,7 @@
             </a:ln>
             <a:extLst>
               <a:ext uri="{91240B29-F687-4f45-9708-019B960494DF}">
-                <a14:hiddenLine xmlns:a14="http://schemas.microsoft.com/office/drawing/2010/main" xmlns:p14="http://schemas.microsoft.com/office/powerpoint/2010/main" xmlns:a16="http://schemas.microsoft.com/office/drawing/2014/main" xmlns="" w="9525">
+                <a14:hiddenLine xmlns="" xmlns:a16="http://schemas.microsoft.com/office/drawing/2014/main" xmlns:p14="http://schemas.microsoft.com/office/powerpoint/2010/main" xmlns:a14="http://schemas.microsoft.com/office/drawing/2010/main" w="9525">
                   <a:solidFill>
                     <a:srgbClr val="000000"/>
                   </a:solidFill>
@@ -23691,7 +25229,7 @@
             </a:ln>
             <a:extLst>
               <a:ext uri="{91240B29-F687-4f45-9708-019B960494DF}">
-                <a14:hiddenLine xmlns:a14="http://schemas.microsoft.com/office/drawing/2010/main" xmlns:p14="http://schemas.microsoft.com/office/powerpoint/2010/main" xmlns:a16="http://schemas.microsoft.com/office/drawing/2014/main" xmlns="" w="9525">
+                <a14:hiddenLine xmlns="" xmlns:a16="http://schemas.microsoft.com/office/drawing/2014/main" xmlns:p14="http://schemas.microsoft.com/office/powerpoint/2010/main" xmlns:a14="http://schemas.microsoft.com/office/drawing/2010/main" w="9525">
                   <a:solidFill>
                     <a:srgbClr val="000000"/>
                   </a:solidFill>
@@ -23771,7 +25309,7 @@
             </a:ln>
             <a:extLst>
               <a:ext uri="{91240B29-F687-4f45-9708-019B960494DF}">
-                <a14:hiddenLine xmlns:a14="http://schemas.microsoft.com/office/drawing/2010/main" xmlns:p14="http://schemas.microsoft.com/office/powerpoint/2010/main" xmlns:a16="http://schemas.microsoft.com/office/drawing/2014/main" xmlns="" w="9525">
+                <a14:hiddenLine xmlns="" xmlns:a16="http://schemas.microsoft.com/office/drawing/2014/main" xmlns:p14="http://schemas.microsoft.com/office/powerpoint/2010/main" xmlns:a14="http://schemas.microsoft.com/office/drawing/2010/main" w="9525">
                   <a:solidFill>
                     <a:srgbClr val="000000"/>
                   </a:solidFill>
@@ -23848,7 +25386,7 @@
             </a:ln>
             <a:extLst>
               <a:ext uri="{91240B29-F687-4f45-9708-019B960494DF}">
-                <a14:hiddenLine xmlns:a14="http://schemas.microsoft.com/office/drawing/2010/main" xmlns:p14="http://schemas.microsoft.com/office/powerpoint/2010/main" xmlns:a16="http://schemas.microsoft.com/office/drawing/2014/main" xmlns="" w="9525">
+                <a14:hiddenLine xmlns="" xmlns:a16="http://schemas.microsoft.com/office/drawing/2014/main" xmlns:p14="http://schemas.microsoft.com/office/powerpoint/2010/main" xmlns:a14="http://schemas.microsoft.com/office/drawing/2010/main" w="9525">
                   <a:solidFill>
                     <a:srgbClr val="000000"/>
                   </a:solidFill>
@@ -23953,7 +25491,7 @@
             </a:ln>
             <a:extLst>
               <a:ext uri="{91240B29-F687-4f45-9708-019B960494DF}">
-                <a14:hiddenLine xmlns:a14="http://schemas.microsoft.com/office/drawing/2010/main" xmlns:p14="http://schemas.microsoft.com/office/powerpoint/2010/main" xmlns:a16="http://schemas.microsoft.com/office/drawing/2014/main" xmlns="" w="9525">
+                <a14:hiddenLine xmlns="" xmlns:a16="http://schemas.microsoft.com/office/drawing/2014/main" xmlns:p14="http://schemas.microsoft.com/office/powerpoint/2010/main" xmlns:a14="http://schemas.microsoft.com/office/drawing/2010/main" w="9525">
                   <a:solidFill>
                     <a:srgbClr val="000000"/>
                   </a:solidFill>
@@ -24058,7 +25596,7 @@
             </a:ln>
             <a:extLst>
               <a:ext uri="{91240B29-F687-4f45-9708-019B960494DF}">
-                <a14:hiddenLine xmlns:a14="http://schemas.microsoft.com/office/drawing/2010/main" xmlns:p14="http://schemas.microsoft.com/office/powerpoint/2010/main" xmlns:a16="http://schemas.microsoft.com/office/drawing/2014/main" xmlns="" w="9525">
+                <a14:hiddenLine xmlns="" xmlns:a16="http://schemas.microsoft.com/office/drawing/2014/main" xmlns:p14="http://schemas.microsoft.com/office/powerpoint/2010/main" xmlns:a14="http://schemas.microsoft.com/office/drawing/2010/main" w="9525">
                   <a:solidFill>
                     <a:srgbClr val="000000"/>
                   </a:solidFill>
@@ -24138,7 +25676,7 @@
             </a:ln>
             <a:extLst>
               <a:ext uri="{91240B29-F687-4f45-9708-019B960494DF}">
-                <a14:hiddenLine xmlns:a14="http://schemas.microsoft.com/office/drawing/2010/main" xmlns:p14="http://schemas.microsoft.com/office/powerpoint/2010/main" xmlns:a16="http://schemas.microsoft.com/office/drawing/2014/main" xmlns="" w="9525">
+                <a14:hiddenLine xmlns="" xmlns:a16="http://schemas.microsoft.com/office/drawing/2014/main" xmlns:p14="http://schemas.microsoft.com/office/powerpoint/2010/main" xmlns:a14="http://schemas.microsoft.com/office/drawing/2010/main" w="9525">
                   <a:solidFill>
                     <a:srgbClr val="000000"/>
                   </a:solidFill>
@@ -24273,7 +25811,7 @@
             </a:ln>
             <a:extLst>
               <a:ext uri="{91240B29-F687-4f45-9708-019B960494DF}">
-                <a14:hiddenLine xmlns:a14="http://schemas.microsoft.com/office/drawing/2010/main" xmlns:p14="http://schemas.microsoft.com/office/powerpoint/2010/main" xmlns:a16="http://schemas.microsoft.com/office/drawing/2014/main" xmlns="" w="9525">
+                <a14:hiddenLine xmlns="" xmlns:a16="http://schemas.microsoft.com/office/drawing/2014/main" xmlns:p14="http://schemas.microsoft.com/office/powerpoint/2010/main" xmlns:a14="http://schemas.microsoft.com/office/drawing/2010/main" w="9525">
                   <a:solidFill>
                     <a:srgbClr val="000000"/>
                   </a:solidFill>
@@ -24307,7 +25845,7 @@
 </p:sld>
 </file>
 
-<file path=ppt/slides/slide17.xml><?xml version="1.0" encoding="utf-8"?>
+<file path=ppt/slides/slide19.xml><?xml version="1.0" encoding="utf-8"?>
 <p:sld xmlns:a="http://schemas.openxmlformats.org/drawingml/2006/main" xmlns:r="http://schemas.openxmlformats.org/officeDocument/2006/relationships" xmlns:p="http://schemas.openxmlformats.org/presentationml/2006/main">
   <p:cSld>
     <p:spTree>
@@ -24403,7 +25941,260 @@
 </p:sld>
 </file>
 
-<file path=ppt/slides/slide18.xml><?xml version="1.0" encoding="utf-8"?>
+<file path=ppt/slides/slide2.xml><?xml version="1.0" encoding="utf-8"?>
+<p:sld xmlns:a="http://schemas.openxmlformats.org/drawingml/2006/main" xmlns:r="http://schemas.openxmlformats.org/officeDocument/2006/relationships" xmlns:p="http://schemas.openxmlformats.org/presentationml/2006/main">
+  <p:cSld>
+    <p:spTree>
+      <p:nvGrpSpPr>
+        <p:cNvPr id="1" name=""/>
+        <p:cNvGrpSpPr/>
+        <p:nvPr/>
+      </p:nvGrpSpPr>
+      <p:grpSpPr>
+        <a:xfrm>
+          <a:off x="0" y="0"/>
+          <a:ext cx="0" cy="0"/>
+          <a:chOff x="0" y="0"/>
+          <a:chExt cx="0" cy="0"/>
+        </a:xfrm>
+      </p:grpSpPr>
+      <p:sp>
+        <p:nvSpPr>
+          <p:cNvPr id="2" name="Title 1">
+            <a:extLst>
+              <a:ext uri="{FF2B5EF4-FFF2-40B4-BE49-F238E27FC236}">
+                <a16:creationId xmlns:a16="http://schemas.microsoft.com/office/drawing/2014/main" id="{AD92F597-4DB6-45C7-97B2-8F408617D08A}"/>
+              </a:ext>
+            </a:extLst>
+          </p:cNvPr>
+          <p:cNvSpPr>
+            <a:spLocks noGrp="1"/>
+          </p:cNvSpPr>
+          <p:nvPr>
+            <p:ph type="title"/>
+          </p:nvPr>
+        </p:nvSpPr>
+        <p:spPr>
+          <a:xfrm>
+            <a:off x="1141412" y="0"/>
+            <a:ext cx="9905998" cy="983635"/>
+          </a:xfrm>
+        </p:spPr>
+        <p:txBody>
+          <a:bodyPr/>
+          <a:lstStyle/>
+          <a:p>
+            <a:pPr algn="r"/>
+            <a:r>
+              <a:rPr lang="he-IL" cap="none" dirty="0">
+                <a:latin typeface="Segoe UI Semibold" panose="020B0702040204020203" pitchFamily="34" charset="0"/>
+                <a:cs typeface="Segoe UI Semibold" panose="020B0702040204020203" pitchFamily="34" charset="0"/>
+              </a:rPr>
+              <a:t>נושאי ההרצאה</a:t>
+            </a:r>
+            <a:endParaRPr lang="en-IL" cap="none" dirty="0">
+              <a:latin typeface="Segoe UI Semibold" panose="020B0702040204020203" pitchFamily="34" charset="0"/>
+              <a:cs typeface="Segoe UI Semibold" panose="020B0702040204020203" pitchFamily="34" charset="0"/>
+            </a:endParaRPr>
+          </a:p>
+        </p:txBody>
+      </p:sp>
+      <p:sp>
+        <p:nvSpPr>
+          <p:cNvPr id="3" name="Content Placeholder 2">
+            <a:extLst>
+              <a:ext uri="{FF2B5EF4-FFF2-40B4-BE49-F238E27FC236}">
+                <a16:creationId xmlns:a16="http://schemas.microsoft.com/office/drawing/2014/main" id="{5DB99D37-3B94-4415-BFED-4639A5DB97A4}"/>
+              </a:ext>
+            </a:extLst>
+          </p:cNvPr>
+          <p:cNvSpPr>
+            <a:spLocks noGrp="1"/>
+          </p:cNvSpPr>
+          <p:nvPr>
+            <p:ph idx="1"/>
+          </p:nvPr>
+        </p:nvSpPr>
+        <p:spPr>
+          <a:xfrm>
+            <a:off x="786853" y="802432"/>
+            <a:ext cx="10260557" cy="5685454"/>
+          </a:xfrm>
+        </p:spPr>
+        <p:txBody>
+          <a:bodyPr>
+            <a:normAutofit lnSpcReduction="10000"/>
+          </a:bodyPr>
+          <a:lstStyle/>
+          <a:p>
+            <a:pPr algn="r" rtl="1"/>
+            <a:r>
+              <a:rPr lang="he-IL" dirty="0">
+                <a:latin typeface="Segoe UI Semilight" panose="020B0402040204020203" pitchFamily="34" charset="0"/>
+                <a:cs typeface="Segoe UI Semilight" panose="020B0402040204020203" pitchFamily="34" charset="0"/>
+              </a:rPr>
+              <a:t>שפת </a:t>
+            </a:r>
+            <a:r>
+              <a:rPr lang="en-US" dirty="0">
+                <a:latin typeface="Segoe UI Semilight" panose="020B0402040204020203" pitchFamily="34" charset="0"/>
+                <a:cs typeface="Segoe UI Semilight" panose="020B0402040204020203" pitchFamily="34" charset="0"/>
+              </a:rPr>
+              <a:t>C++</a:t>
+            </a:r>
+            <a:endParaRPr lang="he-IL" dirty="0">
+              <a:latin typeface="Segoe UI Semilight" panose="020B0402040204020203" pitchFamily="34" charset="0"/>
+              <a:cs typeface="Segoe UI Semilight" panose="020B0402040204020203" pitchFamily="34" charset="0"/>
+            </a:endParaRPr>
+          </a:p>
+          <a:p>
+            <a:pPr lvl="1" algn="r" rtl="1"/>
+            <a:r>
+              <a:rPr lang="he-IL" dirty="0">
+                <a:latin typeface="Segoe UI Semilight" panose="020B0402040204020203" pitchFamily="34" charset="0"/>
+                <a:cs typeface="Segoe UI Semilight" panose="020B0402040204020203" pitchFamily="34" charset="0"/>
+              </a:rPr>
+              <a:t>מבנה הזיכרון</a:t>
+            </a:r>
+          </a:p>
+          <a:p>
+            <a:pPr lvl="1" algn="r" rtl="1"/>
+            <a:r>
+              <a:rPr lang="he-IL" dirty="0">
+                <a:latin typeface="Segoe UI Semilight" panose="020B0402040204020203" pitchFamily="34" charset="0"/>
+                <a:cs typeface="Segoe UI Semilight" panose="020B0402040204020203" pitchFamily="34" charset="0"/>
+              </a:rPr>
+              <a:t>סוגי מתקפות והגנות</a:t>
+            </a:r>
+          </a:p>
+          <a:p>
+            <a:pPr algn="r" rtl="1"/>
+            <a:r>
+              <a:rPr lang="he-IL" dirty="0">
+                <a:latin typeface="Segoe UI Semilight" panose="020B0402040204020203" pitchFamily="34" charset="0"/>
+                <a:cs typeface="Segoe UI Semilight" panose="020B0402040204020203" pitchFamily="34" charset="0"/>
+              </a:rPr>
+              <a:t>פייתון</a:t>
+            </a:r>
+          </a:p>
+          <a:p>
+            <a:pPr lvl="1" algn="r" rtl="1"/>
+            <a:r>
+              <a:rPr lang="he-IL" dirty="0">
+                <a:latin typeface="Segoe UI Semilight" panose="020B0402040204020203" pitchFamily="34" charset="0"/>
+                <a:cs typeface="Segoe UI Semilight" panose="020B0402040204020203" pitchFamily="34" charset="0"/>
+              </a:rPr>
+              <a:t>בעיות ואיומי אבטחה</a:t>
+            </a:r>
+          </a:p>
+          <a:p>
+            <a:pPr lvl="1" algn="r" rtl="1"/>
+            <a:r>
+              <a:rPr lang="he-IL" dirty="0">
+                <a:latin typeface="Segoe UI Semilight" panose="020B0402040204020203" pitchFamily="34" charset="0"/>
+                <a:cs typeface="Segoe UI Semilight" panose="020B0402040204020203" pitchFamily="34" charset="0"/>
+              </a:rPr>
+              <a:t>מודעות = הגנה</a:t>
+            </a:r>
+          </a:p>
+          <a:p>
+            <a:pPr algn="r" rtl="1"/>
+            <a:r>
+              <a:rPr lang="he-IL" dirty="0">
+                <a:latin typeface="Segoe UI Semilight" panose="020B0402040204020203" pitchFamily="34" charset="0"/>
+                <a:cs typeface="Segoe UI Semilight" panose="020B0402040204020203" pitchFamily="34" charset="0"/>
+              </a:rPr>
+              <a:t>תקשורת</a:t>
+            </a:r>
+          </a:p>
+          <a:p>
+            <a:pPr lvl="1" algn="r" rtl="1"/>
+            <a:r>
+              <a:rPr lang="he-IL" dirty="0">
+                <a:latin typeface="Segoe UI Semilight" panose="020B0402040204020203" pitchFamily="34" charset="0"/>
+                <a:cs typeface="Segoe UI Semilight" panose="020B0402040204020203" pitchFamily="34" charset="0"/>
+              </a:rPr>
+              <a:t>פרטוקולי אבטחה ואימות</a:t>
+            </a:r>
+          </a:p>
+          <a:p>
+            <a:pPr lvl="1" algn="r" rtl="1"/>
+            <a:r>
+              <a:rPr lang="he-IL" dirty="0">
+                <a:latin typeface="Segoe UI Semilight" panose="020B0402040204020203" pitchFamily="34" charset="0"/>
+                <a:cs typeface="Segoe UI Semilight" panose="020B0402040204020203" pitchFamily="34" charset="0"/>
+              </a:rPr>
+              <a:t>מתקפות שונות בתקשורת</a:t>
+            </a:r>
+          </a:p>
+          <a:p>
+            <a:pPr algn="r" rtl="1"/>
+            <a:r>
+              <a:rPr lang="he-IL" dirty="0">
+                <a:latin typeface="Segoe UI Semilight" panose="020B0402040204020203" pitchFamily="34" charset="0"/>
+                <a:cs typeface="Segoe UI Semilight" panose="020B0402040204020203" pitchFamily="34" charset="0"/>
+              </a:rPr>
+              <a:t>אבטחת מערכת</a:t>
+            </a:r>
+          </a:p>
+          <a:p>
+            <a:pPr lvl="1" algn="r" rtl="1"/>
+            <a:r>
+              <a:rPr lang="he-IL" dirty="0">
+                <a:latin typeface="Segoe UI Semilight" panose="020B0402040204020203" pitchFamily="34" charset="0"/>
+                <a:cs typeface="Segoe UI Semilight" panose="020B0402040204020203" pitchFamily="34" charset="0"/>
+              </a:rPr>
+              <a:t>מתקפות ודרכי מניעה</a:t>
+            </a:r>
+          </a:p>
+          <a:p>
+            <a:pPr algn="r" rtl="1"/>
+            <a:r>
+              <a:rPr lang="he-IL" dirty="0">
+                <a:latin typeface="Segoe UI Semilight" panose="020B0402040204020203" pitchFamily="34" charset="0"/>
+                <a:cs typeface="Segoe UI Semilight" panose="020B0402040204020203" pitchFamily="34" charset="0"/>
+              </a:rPr>
+              <a:t>פרויקט להמחשת מערכת מאובטחת</a:t>
+            </a:r>
+          </a:p>
+          <a:p>
+            <a:pPr algn="r" rtl="1"/>
+            <a:endParaRPr lang="he-IL" dirty="0">
+              <a:latin typeface="Segoe UI Semilight" panose="020B0402040204020203" pitchFamily="34" charset="0"/>
+              <a:cs typeface="Segoe UI Semilight" panose="020B0402040204020203" pitchFamily="34" charset="0"/>
+            </a:endParaRPr>
+          </a:p>
+          <a:p>
+            <a:pPr lvl="1" algn="r" rtl="1"/>
+            <a:endParaRPr lang="he-IL" dirty="0">
+              <a:latin typeface="Segoe UI Semilight" panose="020B0402040204020203" pitchFamily="34" charset="0"/>
+              <a:cs typeface="Segoe UI Semilight" panose="020B0402040204020203" pitchFamily="34" charset="0"/>
+            </a:endParaRPr>
+          </a:p>
+        </p:txBody>
+      </p:sp>
+    </p:spTree>
+    <p:extLst>
+      <p:ext uri="{BB962C8B-B14F-4D97-AF65-F5344CB8AC3E}">
+        <p14:creationId xmlns:p14="http://schemas.microsoft.com/office/powerpoint/2010/main" val="1811616375"/>
+      </p:ext>
+    </p:extLst>
+  </p:cSld>
+  <p:clrMapOvr>
+    <a:masterClrMapping/>
+  </p:clrMapOvr>
+  <mc:AlternateContent xmlns:mc="http://schemas.openxmlformats.org/markup-compatibility/2006" xmlns:p14="http://schemas.microsoft.com/office/powerpoint/2010/main">
+    <mc:Choice Requires="p14">
+      <p:transition spd="slow" p14:dur="2000" advClick="0"/>
+    </mc:Choice>
+    <mc:Fallback xmlns="">
+      <p:transition spd="slow" advClick="0"/>
+    </mc:Fallback>
+  </mc:AlternateContent>
+</p:sld>
+</file>
+
+<file path=ppt/slides/slide20.xml><?xml version="1.0" encoding="utf-8"?>
 <p:sld xmlns:a="http://schemas.openxmlformats.org/drawingml/2006/main" xmlns:r="http://schemas.openxmlformats.org/officeDocument/2006/relationships" xmlns:p="http://schemas.openxmlformats.org/presentationml/2006/main">
   <p:cSld>
     <p:spTree>
@@ -24495,7 +26286,7 @@
 </p:sld>
 </file>
 
-<file path=ppt/slides/slide19.xml><?xml version="1.0" encoding="utf-8"?>
+<file path=ppt/slides/slide21.xml><?xml version="1.0" encoding="utf-8"?>
 <p:sld xmlns:a="http://schemas.openxmlformats.org/drawingml/2006/main" xmlns:r="http://schemas.openxmlformats.org/officeDocument/2006/relationships" xmlns:p="http://schemas.openxmlformats.org/presentationml/2006/main">
   <p:cSld>
     <p:bg>
@@ -24644,7 +26435,7 @@
           <a:noFill/>
           <a:extLst>
             <a:ext uri="{909E8E84-426E-40dd-AFC4-6F175D3DCCD1}">
-              <a14:hiddenFill xmlns:a14="http://schemas.microsoft.com/office/drawing/2010/main" xmlns:p14="http://schemas.microsoft.com/office/powerpoint/2010/main" xmlns:a16="http://schemas.microsoft.com/office/drawing/2014/main" xmlns="">
+              <a14:hiddenFill xmlns="" xmlns:a16="http://schemas.microsoft.com/office/drawing/2014/main" xmlns:p14="http://schemas.microsoft.com/office/powerpoint/2010/main" xmlns:a14="http://schemas.microsoft.com/office/drawing/2010/main">
                 <a:solidFill>
                   <a:srgbClr val="FFFFFF"/>
                 </a:solidFill>
@@ -25086,7 +26877,7 @@
             </a:ln>
             <a:extLst>
               <a:ext uri="{91240B29-F687-4f45-9708-019B960494DF}">
-                <a14:hiddenLine xmlns:a14="http://schemas.microsoft.com/office/drawing/2010/main" xmlns:p14="http://schemas.microsoft.com/office/powerpoint/2010/main" xmlns:a16="http://schemas.microsoft.com/office/drawing/2014/main" xmlns="" w="9525">
+                <a14:hiddenLine xmlns="" xmlns:a16="http://schemas.microsoft.com/office/drawing/2014/main" xmlns:p14="http://schemas.microsoft.com/office/powerpoint/2010/main" xmlns:a14="http://schemas.microsoft.com/office/drawing/2010/main" w="9525">
                   <a:solidFill>
                     <a:srgbClr val="000000"/>
                   </a:solidFill>
@@ -25191,7 +26982,7 @@
             </a:ln>
             <a:extLst>
               <a:ext uri="{91240B29-F687-4f45-9708-019B960494DF}">
-                <a14:hiddenLine xmlns:a14="http://schemas.microsoft.com/office/drawing/2010/main" xmlns:p14="http://schemas.microsoft.com/office/powerpoint/2010/main" xmlns:a16="http://schemas.microsoft.com/office/drawing/2014/main" xmlns="" w="9525">
+                <a14:hiddenLine xmlns="" xmlns:a16="http://schemas.microsoft.com/office/drawing/2014/main" xmlns:p14="http://schemas.microsoft.com/office/powerpoint/2010/main" xmlns:a14="http://schemas.microsoft.com/office/drawing/2010/main" w="9525">
                   <a:solidFill>
                     <a:srgbClr val="000000"/>
                   </a:solidFill>
@@ -25296,7 +27087,7 @@
             </a:ln>
             <a:extLst>
               <a:ext uri="{91240B29-F687-4f45-9708-019B960494DF}">
-                <a14:hiddenLine xmlns:a14="http://schemas.microsoft.com/office/drawing/2010/main" xmlns:p14="http://schemas.microsoft.com/office/powerpoint/2010/main" xmlns:a16="http://schemas.microsoft.com/office/drawing/2014/main" xmlns="" w="9525">
+                <a14:hiddenLine xmlns="" xmlns:a16="http://schemas.microsoft.com/office/drawing/2014/main" xmlns:p14="http://schemas.microsoft.com/office/powerpoint/2010/main" xmlns:a14="http://schemas.microsoft.com/office/drawing/2010/main" w="9525">
                   <a:solidFill>
                     <a:srgbClr val="000000"/>
                   </a:solidFill>
@@ -25373,7 +27164,7 @@
             </a:ln>
             <a:extLst>
               <a:ext uri="{91240B29-F687-4f45-9708-019B960494DF}">
-                <a14:hiddenLine xmlns:a14="http://schemas.microsoft.com/office/drawing/2010/main" xmlns:p14="http://schemas.microsoft.com/office/powerpoint/2010/main" xmlns:a16="http://schemas.microsoft.com/office/drawing/2014/main" xmlns="" w="9525">
+                <a14:hiddenLine xmlns="" xmlns:a16="http://schemas.microsoft.com/office/drawing/2014/main" xmlns:p14="http://schemas.microsoft.com/office/powerpoint/2010/main" xmlns:a14="http://schemas.microsoft.com/office/drawing/2010/main" w="9525">
                   <a:solidFill>
                     <a:srgbClr val="000000"/>
                   </a:solidFill>
@@ -25478,7 +27269,7 @@
             </a:ln>
             <a:extLst>
               <a:ext uri="{91240B29-F687-4f45-9708-019B960494DF}">
-                <a14:hiddenLine xmlns:a14="http://schemas.microsoft.com/office/drawing/2010/main" xmlns:p14="http://schemas.microsoft.com/office/powerpoint/2010/main" xmlns:a16="http://schemas.microsoft.com/office/drawing/2014/main" xmlns="" w="9525">
+                <a14:hiddenLine xmlns="" xmlns:a16="http://schemas.microsoft.com/office/drawing/2014/main" xmlns:p14="http://schemas.microsoft.com/office/powerpoint/2010/main" xmlns:a14="http://schemas.microsoft.com/office/drawing/2010/main" w="9525">
                   <a:solidFill>
                     <a:srgbClr val="000000"/>
                   </a:solidFill>
@@ -25555,7 +27346,7 @@
             </a:ln>
             <a:extLst>
               <a:ext uri="{91240B29-F687-4f45-9708-019B960494DF}">
-                <a14:hiddenLine xmlns:a14="http://schemas.microsoft.com/office/drawing/2010/main" xmlns:p14="http://schemas.microsoft.com/office/powerpoint/2010/main" xmlns:a16="http://schemas.microsoft.com/office/drawing/2014/main" xmlns="" w="9525">
+                <a14:hiddenLine xmlns="" xmlns:a16="http://schemas.microsoft.com/office/drawing/2014/main" xmlns:p14="http://schemas.microsoft.com/office/powerpoint/2010/main" xmlns:a14="http://schemas.microsoft.com/office/drawing/2010/main" w="9525">
                   <a:solidFill>
                     <a:srgbClr val="000000"/>
                   </a:solidFill>
@@ -25632,7 +27423,7 @@
             </a:ln>
             <a:extLst>
               <a:ext uri="{91240B29-F687-4f45-9708-019B960494DF}">
-                <a14:hiddenLine xmlns:a14="http://schemas.microsoft.com/office/drawing/2010/main" xmlns:p14="http://schemas.microsoft.com/office/powerpoint/2010/main" xmlns:a16="http://schemas.microsoft.com/office/drawing/2014/main" xmlns="" w="9525">
+                <a14:hiddenLine xmlns="" xmlns:a16="http://schemas.microsoft.com/office/drawing/2014/main" xmlns:p14="http://schemas.microsoft.com/office/powerpoint/2010/main" xmlns:a14="http://schemas.microsoft.com/office/drawing/2010/main" w="9525">
                   <a:solidFill>
                     <a:srgbClr val="000000"/>
                   </a:solidFill>
@@ -25737,7 +27528,7 @@
             </a:ln>
             <a:extLst>
               <a:ext uri="{91240B29-F687-4f45-9708-019B960494DF}">
-                <a14:hiddenLine xmlns:a14="http://schemas.microsoft.com/office/drawing/2010/main" xmlns:p14="http://schemas.microsoft.com/office/powerpoint/2010/main" xmlns:a16="http://schemas.microsoft.com/office/drawing/2014/main" xmlns="" w="9525">
+                <a14:hiddenLine xmlns="" xmlns:a16="http://schemas.microsoft.com/office/drawing/2014/main" xmlns:p14="http://schemas.microsoft.com/office/powerpoint/2010/main" xmlns:a14="http://schemas.microsoft.com/office/drawing/2010/main" w="9525">
                   <a:solidFill>
                     <a:srgbClr val="000000"/>
                   </a:solidFill>
@@ -25842,7 +27633,7 @@
             </a:ln>
             <a:extLst>
               <a:ext uri="{91240B29-F687-4f45-9708-019B960494DF}">
-                <a14:hiddenLine xmlns:a14="http://schemas.microsoft.com/office/drawing/2010/main" xmlns:p14="http://schemas.microsoft.com/office/powerpoint/2010/main" xmlns:a16="http://schemas.microsoft.com/office/drawing/2014/main" xmlns="" w="9525">
+                <a14:hiddenLine xmlns="" xmlns:a16="http://schemas.microsoft.com/office/drawing/2014/main" xmlns:p14="http://schemas.microsoft.com/office/powerpoint/2010/main" xmlns:a14="http://schemas.microsoft.com/office/drawing/2010/main" w="9525">
                   <a:solidFill>
                     <a:srgbClr val="000000"/>
                   </a:solidFill>
@@ -25919,7 +27710,7 @@
             </a:ln>
             <a:extLst>
               <a:ext uri="{91240B29-F687-4f45-9708-019B960494DF}">
-                <a14:hiddenLine xmlns:a14="http://schemas.microsoft.com/office/drawing/2010/main" xmlns:p14="http://schemas.microsoft.com/office/powerpoint/2010/main" xmlns:a16="http://schemas.microsoft.com/office/drawing/2014/main" xmlns="" w="9525">
+                <a14:hiddenLine xmlns="" xmlns:a16="http://schemas.microsoft.com/office/drawing/2014/main" xmlns:p14="http://schemas.microsoft.com/office/powerpoint/2010/main" xmlns:a14="http://schemas.microsoft.com/office/drawing/2010/main" w="9525">
                   <a:solidFill>
                     <a:srgbClr val="000000"/>
                   </a:solidFill>
@@ -26044,7 +27835,7 @@
             </a:ln>
             <a:extLst>
               <a:ext uri="{91240B29-F687-4f45-9708-019B960494DF}">
-                <a14:hiddenLine xmlns:a14="http://schemas.microsoft.com/office/drawing/2010/main" xmlns:p14="http://schemas.microsoft.com/office/powerpoint/2010/main" xmlns:a16="http://schemas.microsoft.com/office/drawing/2014/main" xmlns="" w="9525">
+                <a14:hiddenLine xmlns="" xmlns:a16="http://schemas.microsoft.com/office/drawing/2014/main" xmlns:p14="http://schemas.microsoft.com/office/powerpoint/2010/main" xmlns:a14="http://schemas.microsoft.com/office/drawing/2010/main" w="9525">
                   <a:solidFill>
                     <a:srgbClr val="000000"/>
                   </a:solidFill>
@@ -26158,7 +27949,7 @@
             </a:ln>
             <a:extLst>
               <a:ext uri="{91240B29-F687-4f45-9708-019B960494DF}">
-                <a14:hiddenLine xmlns:a14="http://schemas.microsoft.com/office/drawing/2010/main" xmlns:p14="http://schemas.microsoft.com/office/powerpoint/2010/main" xmlns:a16="http://schemas.microsoft.com/office/drawing/2014/main" xmlns="" w="9525">
+                <a14:hiddenLine xmlns="" xmlns:a16="http://schemas.microsoft.com/office/drawing/2014/main" xmlns:p14="http://schemas.microsoft.com/office/powerpoint/2010/main" xmlns:a14="http://schemas.microsoft.com/office/drawing/2010/main" w="9525">
                   <a:solidFill>
                     <a:srgbClr val="000000"/>
                   </a:solidFill>
@@ -26235,7 +28026,7 @@
             </a:ln>
             <a:extLst>
               <a:ext uri="{91240B29-F687-4f45-9708-019B960494DF}">
-                <a14:hiddenLine xmlns:a14="http://schemas.microsoft.com/office/drawing/2010/main" xmlns:p14="http://schemas.microsoft.com/office/powerpoint/2010/main" xmlns:a16="http://schemas.microsoft.com/office/drawing/2014/main" xmlns="" w="9525">
+                <a14:hiddenLine xmlns="" xmlns:a16="http://schemas.microsoft.com/office/drawing/2014/main" xmlns:p14="http://schemas.microsoft.com/office/powerpoint/2010/main" xmlns:a14="http://schemas.microsoft.com/office/drawing/2010/main" w="9525">
                   <a:solidFill>
                     <a:srgbClr val="000000"/>
                   </a:solidFill>
@@ -26312,7 +28103,7 @@
             </a:ln>
             <a:extLst>
               <a:ext uri="{91240B29-F687-4f45-9708-019B960494DF}">
-                <a14:hiddenLine xmlns:a14="http://schemas.microsoft.com/office/drawing/2010/main" xmlns:p14="http://schemas.microsoft.com/office/powerpoint/2010/main" xmlns:a16="http://schemas.microsoft.com/office/drawing/2014/main" xmlns="" w="9525">
+                <a14:hiddenLine xmlns="" xmlns:a16="http://schemas.microsoft.com/office/drawing/2014/main" xmlns:p14="http://schemas.microsoft.com/office/powerpoint/2010/main" xmlns:a14="http://schemas.microsoft.com/office/drawing/2010/main" w="9525">
                   <a:solidFill>
                     <a:srgbClr val="000000"/>
                   </a:solidFill>
@@ -26417,7 +28208,7 @@
             </a:ln>
             <a:extLst>
               <a:ext uri="{91240B29-F687-4f45-9708-019B960494DF}">
-                <a14:hiddenLine xmlns:a14="http://schemas.microsoft.com/office/drawing/2010/main" xmlns:p14="http://schemas.microsoft.com/office/powerpoint/2010/main" xmlns:a16="http://schemas.microsoft.com/office/drawing/2014/main" xmlns="" w="9525">
+                <a14:hiddenLine xmlns="" xmlns:a16="http://schemas.microsoft.com/office/drawing/2014/main" xmlns:p14="http://schemas.microsoft.com/office/powerpoint/2010/main" xmlns:a14="http://schemas.microsoft.com/office/drawing/2010/main" w="9525">
                   <a:solidFill>
                     <a:srgbClr val="000000"/>
                   </a:solidFill>
@@ -26466,7 +28257,7 @@
             </a:ln>
             <a:extLst>
               <a:ext uri="{91240B29-F687-4f45-9708-019B960494DF}">
-                <a14:hiddenLine xmlns:a14="http://schemas.microsoft.com/office/drawing/2010/main" xmlns:p14="http://schemas.microsoft.com/office/powerpoint/2010/main" xmlns:a16="http://schemas.microsoft.com/office/drawing/2014/main" xmlns="" w="9525">
+                <a14:hiddenLine xmlns="" xmlns:a16="http://schemas.microsoft.com/office/drawing/2014/main" xmlns:p14="http://schemas.microsoft.com/office/powerpoint/2010/main" xmlns:a14="http://schemas.microsoft.com/office/drawing/2010/main" w="9525">
                   <a:solidFill>
                     <a:srgbClr val="000000"/>
                   </a:solidFill>
@@ -26546,7 +28337,7 @@
             </a:ln>
             <a:extLst>
               <a:ext uri="{91240B29-F687-4f45-9708-019B960494DF}">
-                <a14:hiddenLine xmlns:a14="http://schemas.microsoft.com/office/drawing/2010/main" xmlns:p14="http://schemas.microsoft.com/office/powerpoint/2010/main" xmlns:a16="http://schemas.microsoft.com/office/drawing/2014/main" xmlns="" w="9525">
+                <a14:hiddenLine xmlns="" xmlns:a16="http://schemas.microsoft.com/office/drawing/2014/main" xmlns:p14="http://schemas.microsoft.com/office/powerpoint/2010/main" xmlns:a14="http://schemas.microsoft.com/office/drawing/2010/main" w="9525">
                   <a:solidFill>
                     <a:srgbClr val="000000"/>
                   </a:solidFill>
@@ -26651,7 +28442,7 @@
             </a:ln>
             <a:extLst>
               <a:ext uri="{91240B29-F687-4f45-9708-019B960494DF}">
-                <a14:hiddenLine xmlns:a14="http://schemas.microsoft.com/office/drawing/2010/main" xmlns:p14="http://schemas.microsoft.com/office/powerpoint/2010/main" xmlns:a16="http://schemas.microsoft.com/office/drawing/2014/main" xmlns="" w="9525">
+                <a14:hiddenLine xmlns="" xmlns:a16="http://schemas.microsoft.com/office/drawing/2014/main" xmlns:p14="http://schemas.microsoft.com/office/powerpoint/2010/main" xmlns:a14="http://schemas.microsoft.com/office/drawing/2010/main" w="9525">
                   <a:solidFill>
                     <a:srgbClr val="000000"/>
                   </a:solidFill>
@@ -26728,7 +28519,7 @@
             </a:ln>
             <a:extLst>
               <a:ext uri="{91240B29-F687-4f45-9708-019B960494DF}">
-                <a14:hiddenLine xmlns:a14="http://schemas.microsoft.com/office/drawing/2010/main" xmlns:p14="http://schemas.microsoft.com/office/powerpoint/2010/main" xmlns:a16="http://schemas.microsoft.com/office/drawing/2014/main" xmlns="" w="9525">
+                <a14:hiddenLine xmlns="" xmlns:a16="http://schemas.microsoft.com/office/drawing/2014/main" xmlns:p14="http://schemas.microsoft.com/office/powerpoint/2010/main" xmlns:a14="http://schemas.microsoft.com/office/drawing/2010/main" w="9525">
                   <a:solidFill>
                     <a:srgbClr val="000000"/>
                   </a:solidFill>
@@ -26833,7 +28624,7 @@
             </a:ln>
             <a:extLst>
               <a:ext uri="{91240B29-F687-4f45-9708-019B960494DF}">
-                <a14:hiddenLine xmlns:a14="http://schemas.microsoft.com/office/drawing/2010/main" xmlns:p14="http://schemas.microsoft.com/office/powerpoint/2010/main" xmlns:a16="http://schemas.microsoft.com/office/drawing/2014/main" xmlns="" w="9525">
+                <a14:hiddenLine xmlns="" xmlns:a16="http://schemas.microsoft.com/office/drawing/2014/main" xmlns:p14="http://schemas.microsoft.com/office/powerpoint/2010/main" xmlns:a14="http://schemas.microsoft.com/office/drawing/2010/main" w="9525">
                   <a:solidFill>
                     <a:srgbClr val="000000"/>
                   </a:solidFill>
@@ -26913,7 +28704,7 @@
             </a:ln>
             <a:extLst>
               <a:ext uri="{91240B29-F687-4f45-9708-019B960494DF}">
-                <a14:hiddenLine xmlns:a14="http://schemas.microsoft.com/office/drawing/2010/main" xmlns:p14="http://schemas.microsoft.com/office/powerpoint/2010/main" xmlns:a16="http://schemas.microsoft.com/office/drawing/2014/main" xmlns="" w="9525">
+                <a14:hiddenLine xmlns="" xmlns:a16="http://schemas.microsoft.com/office/drawing/2014/main" xmlns:p14="http://schemas.microsoft.com/office/powerpoint/2010/main" xmlns:a14="http://schemas.microsoft.com/office/drawing/2010/main" w="9525">
                   <a:solidFill>
                     <a:srgbClr val="000000"/>
                   </a:solidFill>
@@ -26990,7 +28781,7 @@
             </a:ln>
             <a:extLst>
               <a:ext uri="{91240B29-F687-4f45-9708-019B960494DF}">
-                <a14:hiddenLine xmlns:a14="http://schemas.microsoft.com/office/drawing/2010/main" xmlns:p14="http://schemas.microsoft.com/office/powerpoint/2010/main" xmlns:a16="http://schemas.microsoft.com/office/drawing/2014/main" xmlns="" w="9525">
+                <a14:hiddenLine xmlns="" xmlns:a16="http://schemas.microsoft.com/office/drawing/2014/main" xmlns:p14="http://schemas.microsoft.com/office/powerpoint/2010/main" xmlns:a14="http://schemas.microsoft.com/office/drawing/2010/main" w="9525">
                   <a:solidFill>
                     <a:srgbClr val="000000"/>
                   </a:solidFill>
@@ -27095,7 +28886,7 @@
             </a:ln>
             <a:extLst>
               <a:ext uri="{91240B29-F687-4f45-9708-019B960494DF}">
-                <a14:hiddenLine xmlns:a14="http://schemas.microsoft.com/office/drawing/2010/main" xmlns:p14="http://schemas.microsoft.com/office/powerpoint/2010/main" xmlns:a16="http://schemas.microsoft.com/office/drawing/2014/main" xmlns="" w="9525">
+                <a14:hiddenLine xmlns="" xmlns:a16="http://schemas.microsoft.com/office/drawing/2014/main" xmlns:p14="http://schemas.microsoft.com/office/powerpoint/2010/main" xmlns:a14="http://schemas.microsoft.com/office/drawing/2010/main" w="9525">
                   <a:solidFill>
                     <a:srgbClr val="000000"/>
                   </a:solidFill>
@@ -27200,7 +28991,7 @@
             </a:ln>
             <a:extLst>
               <a:ext uri="{91240B29-F687-4f45-9708-019B960494DF}">
-                <a14:hiddenLine xmlns:a14="http://schemas.microsoft.com/office/drawing/2010/main" xmlns:p14="http://schemas.microsoft.com/office/powerpoint/2010/main" xmlns:a16="http://schemas.microsoft.com/office/drawing/2014/main" xmlns="" w="9525">
+                <a14:hiddenLine xmlns="" xmlns:a16="http://schemas.microsoft.com/office/drawing/2014/main" xmlns:p14="http://schemas.microsoft.com/office/powerpoint/2010/main" xmlns:a14="http://schemas.microsoft.com/office/drawing/2010/main" w="9525">
                   <a:solidFill>
                     <a:srgbClr val="000000"/>
                   </a:solidFill>
@@ -27280,7 +29071,7 @@
             </a:ln>
             <a:extLst>
               <a:ext uri="{91240B29-F687-4f45-9708-019B960494DF}">
-                <a14:hiddenLine xmlns:a14="http://schemas.microsoft.com/office/drawing/2010/main" xmlns:p14="http://schemas.microsoft.com/office/powerpoint/2010/main" xmlns:a16="http://schemas.microsoft.com/office/drawing/2014/main" xmlns="" w="9525">
+                <a14:hiddenLine xmlns="" xmlns:a16="http://schemas.microsoft.com/office/drawing/2014/main" xmlns:p14="http://schemas.microsoft.com/office/powerpoint/2010/main" xmlns:a14="http://schemas.microsoft.com/office/drawing/2010/main" w="9525">
                   <a:solidFill>
                     <a:srgbClr val="000000"/>
                   </a:solidFill>
@@ -27415,7 +29206,7 @@
             </a:ln>
             <a:extLst>
               <a:ext uri="{91240B29-F687-4f45-9708-019B960494DF}">
-                <a14:hiddenLine xmlns:a14="http://schemas.microsoft.com/office/drawing/2010/main" xmlns:p14="http://schemas.microsoft.com/office/powerpoint/2010/main" xmlns:a16="http://schemas.microsoft.com/office/drawing/2014/main" xmlns="" w="9525">
+                <a14:hiddenLine xmlns="" xmlns:a16="http://schemas.microsoft.com/office/drawing/2014/main" xmlns:p14="http://schemas.microsoft.com/office/powerpoint/2010/main" xmlns:a14="http://schemas.microsoft.com/office/drawing/2010/main" w="9525">
                   <a:solidFill>
                     <a:srgbClr val="000000"/>
                   </a:solidFill>
@@ -27449,260 +29240,7 @@
 </p:sld>
 </file>
 
-<file path=ppt/slides/slide2.xml><?xml version="1.0" encoding="utf-8"?>
-<p:sld xmlns:a="http://schemas.openxmlformats.org/drawingml/2006/main" xmlns:r="http://schemas.openxmlformats.org/officeDocument/2006/relationships" xmlns:p="http://schemas.openxmlformats.org/presentationml/2006/main">
-  <p:cSld>
-    <p:spTree>
-      <p:nvGrpSpPr>
-        <p:cNvPr id="1" name=""/>
-        <p:cNvGrpSpPr/>
-        <p:nvPr/>
-      </p:nvGrpSpPr>
-      <p:grpSpPr>
-        <a:xfrm>
-          <a:off x="0" y="0"/>
-          <a:ext cx="0" cy="0"/>
-          <a:chOff x="0" y="0"/>
-          <a:chExt cx="0" cy="0"/>
-        </a:xfrm>
-      </p:grpSpPr>
-      <p:sp>
-        <p:nvSpPr>
-          <p:cNvPr id="2" name="Title 1">
-            <a:extLst>
-              <a:ext uri="{FF2B5EF4-FFF2-40B4-BE49-F238E27FC236}">
-                <a16:creationId xmlns:a16="http://schemas.microsoft.com/office/drawing/2014/main" id="{AD92F597-4DB6-45C7-97B2-8F408617D08A}"/>
-              </a:ext>
-            </a:extLst>
-          </p:cNvPr>
-          <p:cNvSpPr>
-            <a:spLocks noGrp="1"/>
-          </p:cNvSpPr>
-          <p:nvPr>
-            <p:ph type="title"/>
-          </p:nvPr>
-        </p:nvSpPr>
-        <p:spPr>
-          <a:xfrm>
-            <a:off x="1141412" y="0"/>
-            <a:ext cx="9905998" cy="983635"/>
-          </a:xfrm>
-        </p:spPr>
-        <p:txBody>
-          <a:bodyPr/>
-          <a:lstStyle/>
-          <a:p>
-            <a:pPr algn="r"/>
-            <a:r>
-              <a:rPr lang="he-IL" cap="none" dirty="0">
-                <a:latin typeface="Segoe UI Semibold" panose="020B0702040204020203" pitchFamily="34" charset="0"/>
-                <a:cs typeface="Segoe UI Semibold" panose="020B0702040204020203" pitchFamily="34" charset="0"/>
-              </a:rPr>
-              <a:t>נושאי ההרצאה</a:t>
-            </a:r>
-            <a:endParaRPr lang="en-IL" cap="none" dirty="0">
-              <a:latin typeface="Segoe UI Semibold" panose="020B0702040204020203" pitchFamily="34" charset="0"/>
-              <a:cs typeface="Segoe UI Semibold" panose="020B0702040204020203" pitchFamily="34" charset="0"/>
-            </a:endParaRPr>
-          </a:p>
-        </p:txBody>
-      </p:sp>
-      <p:sp>
-        <p:nvSpPr>
-          <p:cNvPr id="3" name="Content Placeholder 2">
-            <a:extLst>
-              <a:ext uri="{FF2B5EF4-FFF2-40B4-BE49-F238E27FC236}">
-                <a16:creationId xmlns:a16="http://schemas.microsoft.com/office/drawing/2014/main" id="{5DB99D37-3B94-4415-BFED-4639A5DB97A4}"/>
-              </a:ext>
-            </a:extLst>
-          </p:cNvPr>
-          <p:cNvSpPr>
-            <a:spLocks noGrp="1"/>
-          </p:cNvSpPr>
-          <p:nvPr>
-            <p:ph idx="1"/>
-          </p:nvPr>
-        </p:nvSpPr>
-        <p:spPr>
-          <a:xfrm>
-            <a:off x="786853" y="802432"/>
-            <a:ext cx="10260557" cy="5685454"/>
-          </a:xfrm>
-        </p:spPr>
-        <p:txBody>
-          <a:bodyPr>
-            <a:normAutofit lnSpcReduction="10000"/>
-          </a:bodyPr>
-          <a:lstStyle/>
-          <a:p>
-            <a:pPr algn="r" rtl="1"/>
-            <a:r>
-              <a:rPr lang="he-IL" dirty="0">
-                <a:latin typeface="Segoe UI Semilight" panose="020B0402040204020203" pitchFamily="34" charset="0"/>
-                <a:cs typeface="Segoe UI Semilight" panose="020B0402040204020203" pitchFamily="34" charset="0"/>
-              </a:rPr>
-              <a:t>שפת </a:t>
-            </a:r>
-            <a:r>
-              <a:rPr lang="en-US" dirty="0">
-                <a:latin typeface="Segoe UI Semilight" panose="020B0402040204020203" pitchFamily="34" charset="0"/>
-                <a:cs typeface="Segoe UI Semilight" panose="020B0402040204020203" pitchFamily="34" charset="0"/>
-              </a:rPr>
-              <a:t>C++</a:t>
-            </a:r>
-            <a:endParaRPr lang="he-IL" dirty="0">
-              <a:latin typeface="Segoe UI Semilight" panose="020B0402040204020203" pitchFamily="34" charset="0"/>
-              <a:cs typeface="Segoe UI Semilight" panose="020B0402040204020203" pitchFamily="34" charset="0"/>
-            </a:endParaRPr>
-          </a:p>
-          <a:p>
-            <a:pPr lvl="1" algn="r" rtl="1"/>
-            <a:r>
-              <a:rPr lang="he-IL" dirty="0">
-                <a:latin typeface="Segoe UI Semilight" panose="020B0402040204020203" pitchFamily="34" charset="0"/>
-                <a:cs typeface="Segoe UI Semilight" panose="020B0402040204020203" pitchFamily="34" charset="0"/>
-              </a:rPr>
-              <a:t>מבנה הזיכרון</a:t>
-            </a:r>
-          </a:p>
-          <a:p>
-            <a:pPr lvl="1" algn="r" rtl="1"/>
-            <a:r>
-              <a:rPr lang="he-IL" dirty="0">
-                <a:latin typeface="Segoe UI Semilight" panose="020B0402040204020203" pitchFamily="34" charset="0"/>
-                <a:cs typeface="Segoe UI Semilight" panose="020B0402040204020203" pitchFamily="34" charset="0"/>
-              </a:rPr>
-              <a:t>סוגי מתקפות והגנות</a:t>
-            </a:r>
-          </a:p>
-          <a:p>
-            <a:pPr algn="r" rtl="1"/>
-            <a:r>
-              <a:rPr lang="he-IL" dirty="0">
-                <a:latin typeface="Segoe UI Semilight" panose="020B0402040204020203" pitchFamily="34" charset="0"/>
-                <a:cs typeface="Segoe UI Semilight" panose="020B0402040204020203" pitchFamily="34" charset="0"/>
-              </a:rPr>
-              <a:t>פייתון</a:t>
-            </a:r>
-          </a:p>
-          <a:p>
-            <a:pPr lvl="1" algn="r" rtl="1"/>
-            <a:r>
-              <a:rPr lang="he-IL" dirty="0">
-                <a:latin typeface="Segoe UI Semilight" panose="020B0402040204020203" pitchFamily="34" charset="0"/>
-                <a:cs typeface="Segoe UI Semilight" panose="020B0402040204020203" pitchFamily="34" charset="0"/>
-              </a:rPr>
-              <a:t>בעיות ואיומי אבטחה</a:t>
-            </a:r>
-          </a:p>
-          <a:p>
-            <a:pPr lvl="1" algn="r" rtl="1"/>
-            <a:r>
-              <a:rPr lang="he-IL" dirty="0">
-                <a:latin typeface="Segoe UI Semilight" panose="020B0402040204020203" pitchFamily="34" charset="0"/>
-                <a:cs typeface="Segoe UI Semilight" panose="020B0402040204020203" pitchFamily="34" charset="0"/>
-              </a:rPr>
-              <a:t>מודעות = הגנה</a:t>
-            </a:r>
-          </a:p>
-          <a:p>
-            <a:pPr algn="r" rtl="1"/>
-            <a:r>
-              <a:rPr lang="he-IL" dirty="0">
-                <a:latin typeface="Segoe UI Semilight" panose="020B0402040204020203" pitchFamily="34" charset="0"/>
-                <a:cs typeface="Segoe UI Semilight" panose="020B0402040204020203" pitchFamily="34" charset="0"/>
-              </a:rPr>
-              <a:t>תקשורת</a:t>
-            </a:r>
-          </a:p>
-          <a:p>
-            <a:pPr lvl="1" algn="r" rtl="1"/>
-            <a:r>
-              <a:rPr lang="he-IL" dirty="0">
-                <a:latin typeface="Segoe UI Semilight" panose="020B0402040204020203" pitchFamily="34" charset="0"/>
-                <a:cs typeface="Segoe UI Semilight" panose="020B0402040204020203" pitchFamily="34" charset="0"/>
-              </a:rPr>
-              <a:t>פרטוקולי אבטחה ואימות</a:t>
-            </a:r>
-          </a:p>
-          <a:p>
-            <a:pPr lvl="1" algn="r" rtl="1"/>
-            <a:r>
-              <a:rPr lang="he-IL" dirty="0">
-                <a:latin typeface="Segoe UI Semilight" panose="020B0402040204020203" pitchFamily="34" charset="0"/>
-                <a:cs typeface="Segoe UI Semilight" panose="020B0402040204020203" pitchFamily="34" charset="0"/>
-              </a:rPr>
-              <a:t>מתקפות שונות בתקשורת</a:t>
-            </a:r>
-          </a:p>
-          <a:p>
-            <a:pPr algn="r" rtl="1"/>
-            <a:r>
-              <a:rPr lang="he-IL" dirty="0">
-                <a:latin typeface="Segoe UI Semilight" panose="020B0402040204020203" pitchFamily="34" charset="0"/>
-                <a:cs typeface="Segoe UI Semilight" panose="020B0402040204020203" pitchFamily="34" charset="0"/>
-              </a:rPr>
-              <a:t>אבטחת מערכת</a:t>
-            </a:r>
-          </a:p>
-          <a:p>
-            <a:pPr lvl="1" algn="r" rtl="1"/>
-            <a:r>
-              <a:rPr lang="he-IL" dirty="0">
-                <a:latin typeface="Segoe UI Semilight" panose="020B0402040204020203" pitchFamily="34" charset="0"/>
-                <a:cs typeface="Segoe UI Semilight" panose="020B0402040204020203" pitchFamily="34" charset="0"/>
-              </a:rPr>
-              <a:t>מתקפות ודרכי מניעה</a:t>
-            </a:r>
-          </a:p>
-          <a:p>
-            <a:pPr algn="r" rtl="1"/>
-            <a:r>
-              <a:rPr lang="he-IL" dirty="0">
-                <a:latin typeface="Segoe UI Semilight" panose="020B0402040204020203" pitchFamily="34" charset="0"/>
-                <a:cs typeface="Segoe UI Semilight" panose="020B0402040204020203" pitchFamily="34" charset="0"/>
-              </a:rPr>
-              <a:t>פרויקט להמחשת מערכת מאובטחת</a:t>
-            </a:r>
-          </a:p>
-          <a:p>
-            <a:pPr algn="r" rtl="1"/>
-            <a:endParaRPr lang="he-IL" dirty="0">
-              <a:latin typeface="Segoe UI Semilight" panose="020B0402040204020203" pitchFamily="34" charset="0"/>
-              <a:cs typeface="Segoe UI Semilight" panose="020B0402040204020203" pitchFamily="34" charset="0"/>
-            </a:endParaRPr>
-          </a:p>
-          <a:p>
-            <a:pPr lvl="1" algn="r" rtl="1"/>
-            <a:endParaRPr lang="he-IL" dirty="0">
-              <a:latin typeface="Segoe UI Semilight" panose="020B0402040204020203" pitchFamily="34" charset="0"/>
-              <a:cs typeface="Segoe UI Semilight" panose="020B0402040204020203" pitchFamily="34" charset="0"/>
-            </a:endParaRPr>
-          </a:p>
-        </p:txBody>
-      </p:sp>
-    </p:spTree>
-    <p:extLst>
-      <p:ext uri="{BB962C8B-B14F-4D97-AF65-F5344CB8AC3E}">
-        <p14:creationId xmlns:p14="http://schemas.microsoft.com/office/powerpoint/2010/main" val="1811616375"/>
-      </p:ext>
-    </p:extLst>
-  </p:cSld>
-  <p:clrMapOvr>
-    <a:masterClrMapping/>
-  </p:clrMapOvr>
-  <mc:AlternateContent xmlns:mc="http://schemas.openxmlformats.org/markup-compatibility/2006" xmlns:p14="http://schemas.microsoft.com/office/powerpoint/2010/main">
-    <mc:Choice Requires="p14">
-      <p:transition spd="slow" p14:dur="2000" advClick="0"/>
-    </mc:Choice>
-    <mc:Fallback xmlns="">
-      <p:transition spd="slow" advClick="0"/>
-    </mc:Fallback>
-  </mc:AlternateContent>
-</p:sld>
-</file>
-
-<file path=ppt/slides/slide20.xml><?xml version="1.0" encoding="utf-8"?>
+<file path=ppt/slides/slide22.xml><?xml version="1.0" encoding="utf-8"?>
 <p:sld xmlns:a="http://schemas.openxmlformats.org/drawingml/2006/main" xmlns:r="http://schemas.openxmlformats.org/officeDocument/2006/relationships" xmlns:p="http://schemas.openxmlformats.org/presentationml/2006/main">
   <p:cSld>
     <p:spTree>
@@ -27798,7 +29336,7 @@
 </p:sld>
 </file>
 
-<file path=ppt/slides/slide21.xml><?xml version="1.0" encoding="utf-8"?>
+<file path=ppt/slides/slide23.xml><?xml version="1.0" encoding="utf-8"?>
 <p:sld xmlns:a="http://schemas.openxmlformats.org/drawingml/2006/main" xmlns:r="http://schemas.openxmlformats.org/officeDocument/2006/relationships" xmlns:p="http://schemas.openxmlformats.org/presentationml/2006/main">
   <p:cSld>
     <p:spTree>
@@ -27948,7 +29486,7 @@
             </a:ln>
             <a:extLst>
               <a:ext uri="{91240B29-F687-4f45-9708-019B960494DF}">
-                <a14:hiddenLine xmlns:a14="http://schemas.microsoft.com/office/drawing/2010/main" xmlns:p14="http://schemas.microsoft.com/office/powerpoint/2010/main" xmlns:a16="http://schemas.microsoft.com/office/drawing/2014/main" xmlns="" w="9525">
+                <a14:hiddenLine xmlns="" xmlns:a16="http://schemas.microsoft.com/office/drawing/2014/main" xmlns:p14="http://schemas.microsoft.com/office/powerpoint/2010/main" xmlns:a14="http://schemas.microsoft.com/office/drawing/2010/main" w="9525">
                   <a:solidFill>
                     <a:srgbClr val="000000"/>
                   </a:solidFill>
@@ -28053,7 +29591,7 @@
             </a:ln>
             <a:extLst>
               <a:ext uri="{91240B29-F687-4f45-9708-019B960494DF}">
-                <a14:hiddenLine xmlns:a14="http://schemas.microsoft.com/office/drawing/2010/main" xmlns:p14="http://schemas.microsoft.com/office/powerpoint/2010/main" xmlns:a16="http://schemas.microsoft.com/office/drawing/2014/main" xmlns="" w="9525">
+                <a14:hiddenLine xmlns="" xmlns:a16="http://schemas.microsoft.com/office/drawing/2014/main" xmlns:p14="http://schemas.microsoft.com/office/powerpoint/2010/main" xmlns:a14="http://schemas.microsoft.com/office/drawing/2010/main" w="9525">
                   <a:solidFill>
                     <a:srgbClr val="000000"/>
                   </a:solidFill>
@@ -28158,7 +29696,7 @@
             </a:ln>
             <a:extLst>
               <a:ext uri="{91240B29-F687-4f45-9708-019B960494DF}">
-                <a14:hiddenLine xmlns:a14="http://schemas.microsoft.com/office/drawing/2010/main" xmlns:p14="http://schemas.microsoft.com/office/powerpoint/2010/main" xmlns:a16="http://schemas.microsoft.com/office/drawing/2014/main" xmlns="" w="9525">
+                <a14:hiddenLine xmlns="" xmlns:a16="http://schemas.microsoft.com/office/drawing/2014/main" xmlns:p14="http://schemas.microsoft.com/office/powerpoint/2010/main" xmlns:a14="http://schemas.microsoft.com/office/drawing/2010/main" w="9525">
                   <a:solidFill>
                     <a:srgbClr val="000000"/>
                   </a:solidFill>
@@ -28235,7 +29773,7 @@
             </a:ln>
             <a:extLst>
               <a:ext uri="{91240B29-F687-4f45-9708-019B960494DF}">
-                <a14:hiddenLine xmlns:a14="http://schemas.microsoft.com/office/drawing/2010/main" xmlns:p14="http://schemas.microsoft.com/office/powerpoint/2010/main" xmlns:a16="http://schemas.microsoft.com/office/drawing/2014/main" xmlns="" w="9525">
+                <a14:hiddenLine xmlns="" xmlns:a16="http://schemas.microsoft.com/office/drawing/2014/main" xmlns:p14="http://schemas.microsoft.com/office/powerpoint/2010/main" xmlns:a14="http://schemas.microsoft.com/office/drawing/2010/main" w="9525">
                   <a:solidFill>
                     <a:srgbClr val="000000"/>
                   </a:solidFill>
@@ -28340,7 +29878,7 @@
             </a:ln>
             <a:extLst>
               <a:ext uri="{91240B29-F687-4f45-9708-019B960494DF}">
-                <a14:hiddenLine xmlns:a14="http://schemas.microsoft.com/office/drawing/2010/main" xmlns:p14="http://schemas.microsoft.com/office/powerpoint/2010/main" xmlns:a16="http://schemas.microsoft.com/office/drawing/2014/main" xmlns="" w="9525">
+                <a14:hiddenLine xmlns="" xmlns:a16="http://schemas.microsoft.com/office/drawing/2014/main" xmlns:p14="http://schemas.microsoft.com/office/powerpoint/2010/main" xmlns:a14="http://schemas.microsoft.com/office/drawing/2010/main" w="9525">
                   <a:solidFill>
                     <a:srgbClr val="000000"/>
                   </a:solidFill>
@@ -28417,7 +29955,7 @@
             </a:ln>
             <a:extLst>
               <a:ext uri="{91240B29-F687-4f45-9708-019B960494DF}">
-                <a14:hiddenLine xmlns:a14="http://schemas.microsoft.com/office/drawing/2010/main" xmlns:p14="http://schemas.microsoft.com/office/powerpoint/2010/main" xmlns:a16="http://schemas.microsoft.com/office/drawing/2014/main" xmlns="" w="9525">
+                <a14:hiddenLine xmlns="" xmlns:a16="http://schemas.microsoft.com/office/drawing/2014/main" xmlns:p14="http://schemas.microsoft.com/office/powerpoint/2010/main" xmlns:a14="http://schemas.microsoft.com/office/drawing/2010/main" w="9525">
                   <a:solidFill>
                     <a:srgbClr val="000000"/>
                   </a:solidFill>
@@ -28494,7 +30032,7 @@
             </a:ln>
             <a:extLst>
               <a:ext uri="{91240B29-F687-4f45-9708-019B960494DF}">
-                <a14:hiddenLine xmlns:a14="http://schemas.microsoft.com/office/drawing/2010/main" xmlns:p14="http://schemas.microsoft.com/office/powerpoint/2010/main" xmlns:a16="http://schemas.microsoft.com/office/drawing/2014/main" xmlns="" w="9525">
+                <a14:hiddenLine xmlns="" xmlns:a16="http://schemas.microsoft.com/office/drawing/2014/main" xmlns:p14="http://schemas.microsoft.com/office/powerpoint/2010/main" xmlns:a14="http://schemas.microsoft.com/office/drawing/2010/main" w="9525">
                   <a:solidFill>
                     <a:srgbClr val="000000"/>
                   </a:solidFill>
@@ -28599,7 +30137,7 @@
             </a:ln>
             <a:extLst>
               <a:ext uri="{91240B29-F687-4f45-9708-019B960494DF}">
-                <a14:hiddenLine xmlns:a14="http://schemas.microsoft.com/office/drawing/2010/main" xmlns:p14="http://schemas.microsoft.com/office/powerpoint/2010/main" xmlns:a16="http://schemas.microsoft.com/office/drawing/2014/main" xmlns="" w="9525">
+                <a14:hiddenLine xmlns="" xmlns:a16="http://schemas.microsoft.com/office/drawing/2014/main" xmlns:p14="http://schemas.microsoft.com/office/powerpoint/2010/main" xmlns:a14="http://schemas.microsoft.com/office/drawing/2010/main" w="9525">
                   <a:solidFill>
                     <a:srgbClr val="000000"/>
                   </a:solidFill>
@@ -28704,7 +30242,7 @@
             </a:ln>
             <a:extLst>
               <a:ext uri="{91240B29-F687-4f45-9708-019B960494DF}">
-                <a14:hiddenLine xmlns:a14="http://schemas.microsoft.com/office/drawing/2010/main" xmlns:p14="http://schemas.microsoft.com/office/powerpoint/2010/main" xmlns:a16="http://schemas.microsoft.com/office/drawing/2014/main" xmlns="" w="9525">
+                <a14:hiddenLine xmlns="" xmlns:a16="http://schemas.microsoft.com/office/drawing/2014/main" xmlns:p14="http://schemas.microsoft.com/office/powerpoint/2010/main" xmlns:a14="http://schemas.microsoft.com/office/drawing/2010/main" w="9525">
                   <a:solidFill>
                     <a:srgbClr val="000000"/>
                   </a:solidFill>
@@ -28781,7 +30319,7 @@
             </a:ln>
             <a:extLst>
               <a:ext uri="{91240B29-F687-4f45-9708-019B960494DF}">
-                <a14:hiddenLine xmlns:a14="http://schemas.microsoft.com/office/drawing/2010/main" xmlns:p14="http://schemas.microsoft.com/office/powerpoint/2010/main" xmlns:a16="http://schemas.microsoft.com/office/drawing/2014/main" xmlns="" w="9525">
+                <a14:hiddenLine xmlns="" xmlns:a16="http://schemas.microsoft.com/office/drawing/2014/main" xmlns:p14="http://schemas.microsoft.com/office/powerpoint/2010/main" xmlns:a14="http://schemas.microsoft.com/office/drawing/2010/main" w="9525">
                   <a:solidFill>
                     <a:srgbClr val="000000"/>
                   </a:solidFill>
@@ -28906,7 +30444,7 @@
             </a:ln>
             <a:extLst>
               <a:ext uri="{91240B29-F687-4f45-9708-019B960494DF}">
-                <a14:hiddenLine xmlns:a14="http://schemas.microsoft.com/office/drawing/2010/main" xmlns:p14="http://schemas.microsoft.com/office/powerpoint/2010/main" xmlns:a16="http://schemas.microsoft.com/office/drawing/2014/main" xmlns="" w="9525">
+                <a14:hiddenLine xmlns="" xmlns:a16="http://schemas.microsoft.com/office/drawing/2014/main" xmlns:p14="http://schemas.microsoft.com/office/powerpoint/2010/main" xmlns:a14="http://schemas.microsoft.com/office/drawing/2010/main" w="9525">
                   <a:solidFill>
                     <a:srgbClr val="000000"/>
                   </a:solidFill>
@@ -29020,7 +30558,7 @@
             </a:ln>
             <a:extLst>
               <a:ext uri="{91240B29-F687-4f45-9708-019B960494DF}">
-                <a14:hiddenLine xmlns:a14="http://schemas.microsoft.com/office/drawing/2010/main" xmlns:p14="http://schemas.microsoft.com/office/powerpoint/2010/main" xmlns:a16="http://schemas.microsoft.com/office/drawing/2014/main" xmlns="" w="9525">
+                <a14:hiddenLine xmlns="" xmlns:a16="http://schemas.microsoft.com/office/drawing/2014/main" xmlns:p14="http://schemas.microsoft.com/office/powerpoint/2010/main" xmlns:a14="http://schemas.microsoft.com/office/drawing/2010/main" w="9525">
                   <a:solidFill>
                     <a:srgbClr val="000000"/>
                   </a:solidFill>
@@ -29097,7 +30635,7 @@
             </a:ln>
             <a:extLst>
               <a:ext uri="{91240B29-F687-4f45-9708-019B960494DF}">
-                <a14:hiddenLine xmlns:a14="http://schemas.microsoft.com/office/drawing/2010/main" xmlns:p14="http://schemas.microsoft.com/office/powerpoint/2010/main" xmlns:a16="http://schemas.microsoft.com/office/drawing/2014/main" xmlns="" w="9525">
+                <a14:hiddenLine xmlns="" xmlns:a16="http://schemas.microsoft.com/office/drawing/2014/main" xmlns:p14="http://schemas.microsoft.com/office/powerpoint/2010/main" xmlns:a14="http://schemas.microsoft.com/office/drawing/2010/main" w="9525">
                   <a:solidFill>
                     <a:srgbClr val="000000"/>
                   </a:solidFill>
@@ -29174,7 +30712,7 @@
             </a:ln>
             <a:extLst>
               <a:ext uri="{91240B29-F687-4f45-9708-019B960494DF}">
-                <a14:hiddenLine xmlns:a14="http://schemas.microsoft.com/office/drawing/2010/main" xmlns:p14="http://schemas.microsoft.com/office/powerpoint/2010/main" xmlns:a16="http://schemas.microsoft.com/office/drawing/2014/main" xmlns="" w="9525">
+                <a14:hiddenLine xmlns="" xmlns:a16="http://schemas.microsoft.com/office/drawing/2014/main" xmlns:p14="http://schemas.microsoft.com/office/powerpoint/2010/main" xmlns:a14="http://schemas.microsoft.com/office/drawing/2010/main" w="9525">
                   <a:solidFill>
                     <a:srgbClr val="000000"/>
                   </a:solidFill>
@@ -29279,7 +30817,7 @@
             </a:ln>
             <a:extLst>
               <a:ext uri="{91240B29-F687-4f45-9708-019B960494DF}">
-                <a14:hiddenLine xmlns:a14="http://schemas.microsoft.com/office/drawing/2010/main" xmlns:p14="http://schemas.microsoft.com/office/powerpoint/2010/main" xmlns:a16="http://schemas.microsoft.com/office/drawing/2014/main" xmlns="" w="9525">
+                <a14:hiddenLine xmlns="" xmlns:a16="http://schemas.microsoft.com/office/drawing/2014/main" xmlns:p14="http://schemas.microsoft.com/office/powerpoint/2010/main" xmlns:a14="http://schemas.microsoft.com/office/drawing/2010/main" w="9525">
                   <a:solidFill>
                     <a:srgbClr val="000000"/>
                   </a:solidFill>
@@ -29328,7 +30866,7 @@
             </a:ln>
             <a:extLst>
               <a:ext uri="{91240B29-F687-4f45-9708-019B960494DF}">
-                <a14:hiddenLine xmlns:a14="http://schemas.microsoft.com/office/drawing/2010/main" xmlns:p14="http://schemas.microsoft.com/office/powerpoint/2010/main" xmlns:a16="http://schemas.microsoft.com/office/drawing/2014/main" xmlns="" w="9525">
+                <a14:hiddenLine xmlns="" xmlns:a16="http://schemas.microsoft.com/office/drawing/2014/main" xmlns:p14="http://schemas.microsoft.com/office/powerpoint/2010/main" xmlns:a14="http://schemas.microsoft.com/office/drawing/2010/main" w="9525">
                   <a:solidFill>
                     <a:srgbClr val="000000"/>
                   </a:solidFill>
@@ -29408,7 +30946,7 @@
             </a:ln>
             <a:extLst>
               <a:ext uri="{91240B29-F687-4f45-9708-019B960494DF}">
-                <a14:hiddenLine xmlns:a14="http://schemas.microsoft.com/office/drawing/2010/main" xmlns:p14="http://schemas.microsoft.com/office/powerpoint/2010/main" xmlns:a16="http://schemas.microsoft.com/office/drawing/2014/main" xmlns="" w="9525">
+                <a14:hiddenLine xmlns="" xmlns:a16="http://schemas.microsoft.com/office/drawing/2014/main" xmlns:p14="http://schemas.microsoft.com/office/powerpoint/2010/main" xmlns:a14="http://schemas.microsoft.com/office/drawing/2010/main" w="9525">
                   <a:solidFill>
                     <a:srgbClr val="000000"/>
                   </a:solidFill>
@@ -29513,7 +31051,7 @@
             </a:ln>
             <a:extLst>
               <a:ext uri="{91240B29-F687-4f45-9708-019B960494DF}">
-                <a14:hiddenLine xmlns:a14="http://schemas.microsoft.com/office/drawing/2010/main" xmlns:p14="http://schemas.microsoft.com/office/powerpoint/2010/main" xmlns:a16="http://schemas.microsoft.com/office/drawing/2014/main" xmlns="" w="9525">
+                <a14:hiddenLine xmlns="" xmlns:a16="http://schemas.microsoft.com/office/drawing/2014/main" xmlns:p14="http://schemas.microsoft.com/office/powerpoint/2010/main" xmlns:a14="http://schemas.microsoft.com/office/drawing/2010/main" w="9525">
                   <a:solidFill>
                     <a:srgbClr val="000000"/>
                   </a:solidFill>
@@ -29590,7 +31128,7 @@
             </a:ln>
             <a:extLst>
               <a:ext uri="{91240B29-F687-4f45-9708-019B960494DF}">
-                <a14:hiddenLine xmlns:a14="http://schemas.microsoft.com/office/drawing/2010/main" xmlns:p14="http://schemas.microsoft.com/office/powerpoint/2010/main" xmlns:a16="http://schemas.microsoft.com/office/drawing/2014/main" xmlns="" w="9525">
+                <a14:hiddenLine xmlns="" xmlns:a16="http://schemas.microsoft.com/office/drawing/2014/main" xmlns:p14="http://schemas.microsoft.com/office/powerpoint/2010/main" xmlns:a14="http://schemas.microsoft.com/office/drawing/2010/main" w="9525">
                   <a:solidFill>
                     <a:srgbClr val="000000"/>
                   </a:solidFill>
@@ -29695,7 +31233,7 @@
             </a:ln>
             <a:extLst>
               <a:ext uri="{91240B29-F687-4f45-9708-019B960494DF}">
-                <a14:hiddenLine xmlns:a14="http://schemas.microsoft.com/office/drawing/2010/main" xmlns:p14="http://schemas.microsoft.com/office/powerpoint/2010/main" xmlns:a16="http://schemas.microsoft.com/office/drawing/2014/main" xmlns="" w="9525">
+                <a14:hiddenLine xmlns="" xmlns:a16="http://schemas.microsoft.com/office/drawing/2014/main" xmlns:p14="http://schemas.microsoft.com/office/powerpoint/2010/main" xmlns:a14="http://schemas.microsoft.com/office/drawing/2010/main" w="9525">
                   <a:solidFill>
                     <a:srgbClr val="000000"/>
                   </a:solidFill>
@@ -29775,7 +31313,7 @@
             </a:ln>
             <a:extLst>
               <a:ext uri="{91240B29-F687-4f45-9708-019B960494DF}">
-                <a14:hiddenLine xmlns:a14="http://schemas.microsoft.com/office/drawing/2010/main" xmlns:p14="http://schemas.microsoft.com/office/powerpoint/2010/main" xmlns:a16="http://schemas.microsoft.com/office/drawing/2014/main" xmlns="" w="9525">
+                <a14:hiddenLine xmlns="" xmlns:a16="http://schemas.microsoft.com/office/drawing/2014/main" xmlns:p14="http://schemas.microsoft.com/office/powerpoint/2010/main" xmlns:a14="http://schemas.microsoft.com/office/drawing/2010/main" w="9525">
                   <a:solidFill>
                     <a:srgbClr val="000000"/>
                   </a:solidFill>
@@ -29852,7 +31390,7 @@
             </a:ln>
             <a:extLst>
               <a:ext uri="{91240B29-F687-4f45-9708-019B960494DF}">
-                <a14:hiddenLine xmlns:a14="http://schemas.microsoft.com/office/drawing/2010/main" xmlns:p14="http://schemas.microsoft.com/office/powerpoint/2010/main" xmlns:a16="http://schemas.microsoft.com/office/drawing/2014/main" xmlns="" w="9525">
+                <a14:hiddenLine xmlns="" xmlns:a16="http://schemas.microsoft.com/office/drawing/2014/main" xmlns:p14="http://schemas.microsoft.com/office/powerpoint/2010/main" xmlns:a14="http://schemas.microsoft.com/office/drawing/2010/main" w="9525">
                   <a:solidFill>
                     <a:srgbClr val="000000"/>
                   </a:solidFill>
@@ -29957,7 +31495,7 @@
             </a:ln>
             <a:extLst>
               <a:ext uri="{91240B29-F687-4f45-9708-019B960494DF}">
-                <a14:hiddenLine xmlns:a14="http://schemas.microsoft.com/office/drawing/2010/main" xmlns:p14="http://schemas.microsoft.com/office/powerpoint/2010/main" xmlns:a16="http://schemas.microsoft.com/office/drawing/2014/main" xmlns="" w="9525">
+                <a14:hiddenLine xmlns="" xmlns:a16="http://schemas.microsoft.com/office/drawing/2014/main" xmlns:p14="http://schemas.microsoft.com/office/powerpoint/2010/main" xmlns:a14="http://schemas.microsoft.com/office/drawing/2010/main" w="9525">
                   <a:solidFill>
                     <a:srgbClr val="000000"/>
                   </a:solidFill>
@@ -30062,7 +31600,7 @@
             </a:ln>
             <a:extLst>
               <a:ext uri="{91240B29-F687-4f45-9708-019B960494DF}">
-                <a14:hiddenLine xmlns:a14="http://schemas.microsoft.com/office/drawing/2010/main" xmlns:p14="http://schemas.microsoft.com/office/powerpoint/2010/main" xmlns:a16="http://schemas.microsoft.com/office/drawing/2014/main" xmlns="" w="9525">
+                <a14:hiddenLine xmlns="" xmlns:a16="http://schemas.microsoft.com/office/drawing/2014/main" xmlns:p14="http://schemas.microsoft.com/office/powerpoint/2010/main" xmlns:a14="http://schemas.microsoft.com/office/drawing/2010/main" w="9525">
                   <a:solidFill>
                     <a:srgbClr val="000000"/>
                   </a:solidFill>
@@ -30142,7 +31680,7 @@
             </a:ln>
             <a:extLst>
               <a:ext uri="{91240B29-F687-4f45-9708-019B960494DF}">
-                <a14:hiddenLine xmlns:a14="http://schemas.microsoft.com/office/drawing/2010/main" xmlns:p14="http://schemas.microsoft.com/office/powerpoint/2010/main" xmlns:a16="http://schemas.microsoft.com/office/drawing/2014/main" xmlns="" w="9525">
+                <a14:hiddenLine xmlns="" xmlns:a16="http://schemas.microsoft.com/office/drawing/2014/main" xmlns:p14="http://schemas.microsoft.com/office/powerpoint/2010/main" xmlns:a14="http://schemas.microsoft.com/office/drawing/2010/main" w="9525">
                   <a:solidFill>
                     <a:srgbClr val="000000"/>
                   </a:solidFill>
@@ -30277,7 +31815,7 @@
             </a:ln>
             <a:extLst>
               <a:ext uri="{91240B29-F687-4f45-9708-019B960494DF}">
-                <a14:hiddenLine xmlns:a14="http://schemas.microsoft.com/office/drawing/2010/main" xmlns:p14="http://schemas.microsoft.com/office/powerpoint/2010/main" xmlns:a16="http://schemas.microsoft.com/office/drawing/2014/main" xmlns="" w="9525">
+                <a14:hiddenLine xmlns="" xmlns:a16="http://schemas.microsoft.com/office/drawing/2014/main" xmlns:p14="http://schemas.microsoft.com/office/powerpoint/2010/main" xmlns:a14="http://schemas.microsoft.com/office/drawing/2010/main" w="9525">
                   <a:solidFill>
                     <a:srgbClr val="000000"/>
                   </a:solidFill>
@@ -30574,7 +32112,7 @@
             </a:ln>
             <a:extLst>
               <a:ext uri="{91240B29-F687-4f45-9708-019B960494DF}">
-                <a14:hiddenLine xmlns:a14="http://schemas.microsoft.com/office/drawing/2010/main" xmlns:p14="http://schemas.microsoft.com/office/powerpoint/2010/main" xmlns:a16="http://schemas.microsoft.com/office/drawing/2014/main" xmlns="" w="9525">
+                <a14:hiddenLine xmlns="" xmlns:a16="http://schemas.microsoft.com/office/drawing/2014/main" xmlns:p14="http://schemas.microsoft.com/office/powerpoint/2010/main" xmlns:a14="http://schemas.microsoft.com/office/drawing/2010/main" w="9525">
                   <a:solidFill>
                     <a:srgbClr val="000000"/>
                   </a:solidFill>
@@ -30704,7 +32242,7 @@
             </a:ln>
             <a:extLst>
               <a:ext uri="{91240B29-F687-4f45-9708-019B960494DF}">
-                <a14:hiddenLine xmlns:a14="http://schemas.microsoft.com/office/drawing/2010/main" xmlns:p14="http://schemas.microsoft.com/office/powerpoint/2010/main" xmlns:a16="http://schemas.microsoft.com/office/drawing/2014/main" xmlns="" w="9525">
+                <a14:hiddenLine xmlns="" xmlns:a16="http://schemas.microsoft.com/office/drawing/2014/main" xmlns:p14="http://schemas.microsoft.com/office/powerpoint/2010/main" xmlns:a14="http://schemas.microsoft.com/office/drawing/2010/main" w="9525">
                   <a:solidFill>
                     <a:srgbClr val="000000"/>
                   </a:solidFill>
@@ -30809,7 +32347,7 @@
             </a:ln>
             <a:extLst>
               <a:ext uri="{91240B29-F687-4f45-9708-019B960494DF}">
-                <a14:hiddenLine xmlns:a14="http://schemas.microsoft.com/office/drawing/2010/main" xmlns:p14="http://schemas.microsoft.com/office/powerpoint/2010/main" xmlns:a16="http://schemas.microsoft.com/office/drawing/2014/main" xmlns="" w="9525">
+                <a14:hiddenLine xmlns="" xmlns:a16="http://schemas.microsoft.com/office/drawing/2014/main" xmlns:p14="http://schemas.microsoft.com/office/powerpoint/2010/main" xmlns:a14="http://schemas.microsoft.com/office/drawing/2010/main" w="9525">
                   <a:solidFill>
                     <a:srgbClr val="000000"/>
                   </a:solidFill>
@@ -30889,7 +32427,7 @@
             </a:ln>
             <a:extLst>
               <a:ext uri="{91240B29-F687-4f45-9708-019B960494DF}">
-                <a14:hiddenLine xmlns:a14="http://schemas.microsoft.com/office/drawing/2010/main" xmlns:p14="http://schemas.microsoft.com/office/powerpoint/2010/main" xmlns:a16="http://schemas.microsoft.com/office/drawing/2014/main" xmlns="" w="9525">
+                <a14:hiddenLine xmlns="" xmlns:a16="http://schemas.microsoft.com/office/drawing/2014/main" xmlns:p14="http://schemas.microsoft.com/office/powerpoint/2010/main" xmlns:a14="http://schemas.microsoft.com/office/drawing/2010/main" w="9525">
                   <a:solidFill>
                     <a:srgbClr val="000000"/>
                   </a:solidFill>
@@ -30994,7 +32532,7 @@
             </a:ln>
             <a:extLst>
               <a:ext uri="{91240B29-F687-4f45-9708-019B960494DF}">
-                <a14:hiddenLine xmlns:a14="http://schemas.microsoft.com/office/drawing/2010/main" xmlns:p14="http://schemas.microsoft.com/office/powerpoint/2010/main" xmlns:a16="http://schemas.microsoft.com/office/drawing/2014/main" xmlns="" w="9525">
+                <a14:hiddenLine xmlns="" xmlns:a16="http://schemas.microsoft.com/office/drawing/2014/main" xmlns:p14="http://schemas.microsoft.com/office/powerpoint/2010/main" xmlns:a14="http://schemas.microsoft.com/office/drawing/2010/main" w="9525">
                   <a:solidFill>
                     <a:srgbClr val="000000"/>
                   </a:solidFill>
@@ -31077,7 +32615,7 @@
             </a:ln>
             <a:extLst>
               <a:ext uri="{91240B29-F687-4f45-9708-019B960494DF}">
-                <a14:hiddenLine xmlns:a14="http://schemas.microsoft.com/office/drawing/2010/main" xmlns:p14="http://schemas.microsoft.com/office/powerpoint/2010/main" xmlns:a16="http://schemas.microsoft.com/office/drawing/2014/main" xmlns="" w="9525">
+                <a14:hiddenLine xmlns="" xmlns:a16="http://schemas.microsoft.com/office/drawing/2014/main" xmlns:p14="http://schemas.microsoft.com/office/powerpoint/2010/main" xmlns:a14="http://schemas.microsoft.com/office/drawing/2010/main" w="9525">
                   <a:solidFill>
                     <a:srgbClr val="000000"/>
                   </a:solidFill>
@@ -31182,7 +32720,7 @@
             </a:ln>
             <a:extLst>
               <a:ext uri="{91240B29-F687-4f45-9708-019B960494DF}">
-                <a14:hiddenLine xmlns:a14="http://schemas.microsoft.com/office/drawing/2010/main" xmlns:p14="http://schemas.microsoft.com/office/powerpoint/2010/main" xmlns:a16="http://schemas.microsoft.com/office/drawing/2014/main" xmlns="" w="9525">
+                <a14:hiddenLine xmlns="" xmlns:a16="http://schemas.microsoft.com/office/drawing/2014/main" xmlns:p14="http://schemas.microsoft.com/office/powerpoint/2010/main" xmlns:a14="http://schemas.microsoft.com/office/drawing/2010/main" w="9525">
                   <a:solidFill>
                     <a:srgbClr val="000000"/>
                   </a:solidFill>
@@ -31265,7 +32803,7 @@
             </a:ln>
             <a:extLst>
               <a:ext uri="{91240B29-F687-4f45-9708-019B960494DF}">
-                <a14:hiddenLine xmlns:a14="http://schemas.microsoft.com/office/drawing/2010/main" xmlns:p14="http://schemas.microsoft.com/office/powerpoint/2010/main" xmlns:a16="http://schemas.microsoft.com/office/drawing/2014/main" xmlns="" w="9525">
+                <a14:hiddenLine xmlns="" xmlns:a16="http://schemas.microsoft.com/office/drawing/2014/main" xmlns:p14="http://schemas.microsoft.com/office/powerpoint/2010/main" xmlns:a14="http://schemas.microsoft.com/office/drawing/2010/main" w="9525">
                   <a:solidFill>
                     <a:srgbClr val="000000"/>
                   </a:solidFill>
@@ -31370,7 +32908,7 @@
             </a:ln>
             <a:extLst>
               <a:ext uri="{91240B29-F687-4f45-9708-019B960494DF}">
-                <a14:hiddenLine xmlns:a14="http://schemas.microsoft.com/office/drawing/2010/main" xmlns:p14="http://schemas.microsoft.com/office/powerpoint/2010/main" xmlns:a16="http://schemas.microsoft.com/office/drawing/2014/main" xmlns="" w="9525">
+                <a14:hiddenLine xmlns="" xmlns:a16="http://schemas.microsoft.com/office/drawing/2014/main" xmlns:p14="http://schemas.microsoft.com/office/powerpoint/2010/main" xmlns:a14="http://schemas.microsoft.com/office/drawing/2010/main" w="9525">
                   <a:solidFill>
                     <a:srgbClr val="000000"/>
                   </a:solidFill>
@@ -31419,7 +32957,7 @@
             </a:ln>
             <a:extLst>
               <a:ext uri="{91240B29-F687-4f45-9708-019B960494DF}">
-                <a14:hiddenLine xmlns:a14="http://schemas.microsoft.com/office/drawing/2010/main" xmlns:p14="http://schemas.microsoft.com/office/powerpoint/2010/main" xmlns:a16="http://schemas.microsoft.com/office/drawing/2014/main" xmlns="" w="9525">
+                <a14:hiddenLine xmlns="" xmlns:a16="http://schemas.microsoft.com/office/drawing/2014/main" xmlns:p14="http://schemas.microsoft.com/office/powerpoint/2010/main" xmlns:a14="http://schemas.microsoft.com/office/drawing/2010/main" w="9525">
                   <a:solidFill>
                     <a:srgbClr val="000000"/>
                   </a:solidFill>
@@ -31453,7 +32991,7 @@
 </p:sld>
 </file>
 
-<file path=ppt/slides/slide22.xml><?xml version="1.0" encoding="utf-8"?>
+<file path=ppt/slides/slide24.xml><?xml version="1.0" encoding="utf-8"?>
 <p:sld xmlns:a="http://schemas.openxmlformats.org/drawingml/2006/main" xmlns:r="http://schemas.openxmlformats.org/officeDocument/2006/relationships" xmlns:p="http://schemas.openxmlformats.org/presentationml/2006/main">
   <p:cSld>
     <p:spTree>
@@ -31549,7 +33087,7 @@
 </p:sld>
 </file>
 
-<file path=ppt/slides/slide23.xml><?xml version="1.0" encoding="utf-8"?>
+<file path=ppt/slides/slide25.xml><?xml version="1.0" encoding="utf-8"?>
 <p:sld xmlns:a="http://schemas.openxmlformats.org/drawingml/2006/main" xmlns:r="http://schemas.openxmlformats.org/officeDocument/2006/relationships" xmlns:p="http://schemas.openxmlformats.org/presentationml/2006/main">
   <p:cSld>
     <p:bg>
@@ -31698,7 +33236,7 @@
           <a:noFill/>
           <a:extLst>
             <a:ext uri="{909E8E84-426E-40dd-AFC4-6F175D3DCCD1}">
-              <a14:hiddenFill xmlns:a14="http://schemas.microsoft.com/office/drawing/2010/main" xmlns:p14="http://schemas.microsoft.com/office/powerpoint/2010/main" xmlns:a16="http://schemas.microsoft.com/office/drawing/2014/main" xmlns="">
+              <a14:hiddenFill xmlns="" xmlns:a16="http://schemas.microsoft.com/office/drawing/2014/main" xmlns:p14="http://schemas.microsoft.com/office/powerpoint/2010/main" xmlns:a14="http://schemas.microsoft.com/office/drawing/2010/main">
                 <a:solidFill>
                   <a:srgbClr val="FFFFFF"/>
                 </a:solidFill>
@@ -31995,7 +33533,7 @@
             </a:ln>
             <a:extLst>
               <a:ext uri="{91240B29-F687-4f45-9708-019B960494DF}">
-                <a14:hiddenLine xmlns:a14="http://schemas.microsoft.com/office/drawing/2010/main" xmlns:p14="http://schemas.microsoft.com/office/powerpoint/2010/main" xmlns:a16="http://schemas.microsoft.com/office/drawing/2014/main" xmlns="" w="9525">
+                <a14:hiddenLine xmlns="" xmlns:a16="http://schemas.microsoft.com/office/drawing/2014/main" xmlns:p14="http://schemas.microsoft.com/office/powerpoint/2010/main" xmlns:a14="http://schemas.microsoft.com/office/drawing/2010/main" w="9525">
                   <a:solidFill>
                     <a:srgbClr val="000000"/>
                   </a:solidFill>
@@ -32100,7 +33638,7 @@
             </a:ln>
             <a:extLst>
               <a:ext uri="{91240B29-F687-4f45-9708-019B960494DF}">
-                <a14:hiddenLine xmlns:a14="http://schemas.microsoft.com/office/drawing/2010/main" xmlns:p14="http://schemas.microsoft.com/office/powerpoint/2010/main" xmlns:a16="http://schemas.microsoft.com/office/drawing/2014/main" xmlns="" w="9525">
+                <a14:hiddenLine xmlns="" xmlns:a16="http://schemas.microsoft.com/office/drawing/2014/main" xmlns:p14="http://schemas.microsoft.com/office/powerpoint/2010/main" xmlns:a14="http://schemas.microsoft.com/office/drawing/2010/main" w="9525">
                   <a:solidFill>
                     <a:srgbClr val="000000"/>
                   </a:solidFill>
@@ -32205,7 +33743,7 @@
             </a:ln>
             <a:extLst>
               <a:ext uri="{91240B29-F687-4f45-9708-019B960494DF}">
-                <a14:hiddenLine xmlns:a14="http://schemas.microsoft.com/office/drawing/2010/main" xmlns:p14="http://schemas.microsoft.com/office/powerpoint/2010/main" xmlns:a16="http://schemas.microsoft.com/office/drawing/2014/main" xmlns="" w="9525">
+                <a14:hiddenLine xmlns="" xmlns:a16="http://schemas.microsoft.com/office/drawing/2014/main" xmlns:p14="http://schemas.microsoft.com/office/powerpoint/2010/main" xmlns:a14="http://schemas.microsoft.com/office/drawing/2010/main" w="9525">
                   <a:solidFill>
                     <a:srgbClr val="000000"/>
                   </a:solidFill>
@@ -32282,7 +33820,7 @@
             </a:ln>
             <a:extLst>
               <a:ext uri="{91240B29-F687-4f45-9708-019B960494DF}">
-                <a14:hiddenLine xmlns:a14="http://schemas.microsoft.com/office/drawing/2010/main" xmlns:p14="http://schemas.microsoft.com/office/powerpoint/2010/main" xmlns:a16="http://schemas.microsoft.com/office/drawing/2014/main" xmlns="" w="9525">
+                <a14:hiddenLine xmlns="" xmlns:a16="http://schemas.microsoft.com/office/drawing/2014/main" xmlns:p14="http://schemas.microsoft.com/office/powerpoint/2010/main" xmlns:a14="http://schemas.microsoft.com/office/drawing/2010/main" w="9525">
                   <a:solidFill>
                     <a:srgbClr val="000000"/>
                   </a:solidFill>
@@ -32387,7 +33925,7 @@
             </a:ln>
             <a:extLst>
               <a:ext uri="{91240B29-F687-4f45-9708-019B960494DF}">
-                <a14:hiddenLine xmlns:a14="http://schemas.microsoft.com/office/drawing/2010/main" xmlns:p14="http://schemas.microsoft.com/office/powerpoint/2010/main" xmlns:a16="http://schemas.microsoft.com/office/drawing/2014/main" xmlns="" w="9525">
+                <a14:hiddenLine xmlns="" xmlns:a16="http://schemas.microsoft.com/office/drawing/2014/main" xmlns:p14="http://schemas.microsoft.com/office/powerpoint/2010/main" xmlns:a14="http://schemas.microsoft.com/office/drawing/2010/main" w="9525">
                   <a:solidFill>
                     <a:srgbClr val="000000"/>
                   </a:solidFill>
@@ -32464,7 +34002,7 @@
             </a:ln>
             <a:extLst>
               <a:ext uri="{91240B29-F687-4f45-9708-019B960494DF}">
-                <a14:hiddenLine xmlns:a14="http://schemas.microsoft.com/office/drawing/2010/main" xmlns:p14="http://schemas.microsoft.com/office/powerpoint/2010/main" xmlns:a16="http://schemas.microsoft.com/office/drawing/2014/main" xmlns="" w="9525">
+                <a14:hiddenLine xmlns="" xmlns:a16="http://schemas.microsoft.com/office/drawing/2014/main" xmlns:p14="http://schemas.microsoft.com/office/powerpoint/2010/main" xmlns:a14="http://schemas.microsoft.com/office/drawing/2010/main" w="9525">
                   <a:solidFill>
                     <a:srgbClr val="000000"/>
                   </a:solidFill>
@@ -32541,7 +34079,7 @@
             </a:ln>
             <a:extLst>
               <a:ext uri="{91240B29-F687-4f45-9708-019B960494DF}">
-                <a14:hiddenLine xmlns:a14="http://schemas.microsoft.com/office/drawing/2010/main" xmlns:p14="http://schemas.microsoft.com/office/powerpoint/2010/main" xmlns:a16="http://schemas.microsoft.com/office/drawing/2014/main" xmlns="" w="9525">
+                <a14:hiddenLine xmlns="" xmlns:a16="http://schemas.microsoft.com/office/drawing/2014/main" xmlns:p14="http://schemas.microsoft.com/office/powerpoint/2010/main" xmlns:a14="http://schemas.microsoft.com/office/drawing/2010/main" w="9525">
                   <a:solidFill>
                     <a:srgbClr val="000000"/>
                   </a:solidFill>
@@ -32646,7 +34184,7 @@
             </a:ln>
             <a:extLst>
               <a:ext uri="{91240B29-F687-4f45-9708-019B960494DF}">
-                <a14:hiddenLine xmlns:a14="http://schemas.microsoft.com/office/drawing/2010/main" xmlns:p14="http://schemas.microsoft.com/office/powerpoint/2010/main" xmlns:a16="http://schemas.microsoft.com/office/drawing/2014/main" xmlns="" w="9525">
+                <a14:hiddenLine xmlns="" xmlns:a16="http://schemas.microsoft.com/office/drawing/2014/main" xmlns:p14="http://schemas.microsoft.com/office/powerpoint/2010/main" xmlns:a14="http://schemas.microsoft.com/office/drawing/2010/main" w="9525">
                   <a:solidFill>
                     <a:srgbClr val="000000"/>
                   </a:solidFill>
@@ -32751,7 +34289,7 @@
             </a:ln>
             <a:extLst>
               <a:ext uri="{91240B29-F687-4f45-9708-019B960494DF}">
-                <a14:hiddenLine xmlns:a14="http://schemas.microsoft.com/office/drawing/2010/main" xmlns:p14="http://schemas.microsoft.com/office/powerpoint/2010/main" xmlns:a16="http://schemas.microsoft.com/office/drawing/2014/main" xmlns="" w="9525">
+                <a14:hiddenLine xmlns="" xmlns:a16="http://schemas.microsoft.com/office/drawing/2014/main" xmlns:p14="http://schemas.microsoft.com/office/powerpoint/2010/main" xmlns:a14="http://schemas.microsoft.com/office/drawing/2010/main" w="9525">
                   <a:solidFill>
                     <a:srgbClr val="000000"/>
                   </a:solidFill>
@@ -32828,7 +34366,7 @@
             </a:ln>
             <a:extLst>
               <a:ext uri="{91240B29-F687-4f45-9708-019B960494DF}">
-                <a14:hiddenLine xmlns:a14="http://schemas.microsoft.com/office/drawing/2010/main" xmlns:p14="http://schemas.microsoft.com/office/powerpoint/2010/main" xmlns:a16="http://schemas.microsoft.com/office/drawing/2014/main" xmlns="" w="9525">
+                <a14:hiddenLine xmlns="" xmlns:a16="http://schemas.microsoft.com/office/drawing/2014/main" xmlns:p14="http://schemas.microsoft.com/office/powerpoint/2010/main" xmlns:a14="http://schemas.microsoft.com/office/drawing/2010/main" w="9525">
                   <a:solidFill>
                     <a:srgbClr val="000000"/>
                   </a:solidFill>
@@ -32953,7 +34491,7 @@
             </a:ln>
             <a:extLst>
               <a:ext uri="{91240B29-F687-4f45-9708-019B960494DF}">
-                <a14:hiddenLine xmlns:a14="http://schemas.microsoft.com/office/drawing/2010/main" xmlns:p14="http://schemas.microsoft.com/office/powerpoint/2010/main" xmlns:a16="http://schemas.microsoft.com/office/drawing/2014/main" xmlns="" w="9525">
+                <a14:hiddenLine xmlns="" xmlns:a16="http://schemas.microsoft.com/office/drawing/2014/main" xmlns:p14="http://schemas.microsoft.com/office/powerpoint/2010/main" xmlns:a14="http://schemas.microsoft.com/office/drawing/2010/main" w="9525">
                   <a:solidFill>
                     <a:srgbClr val="000000"/>
                   </a:solidFill>
@@ -33067,7 +34605,7 @@
             </a:ln>
             <a:extLst>
               <a:ext uri="{91240B29-F687-4f45-9708-019B960494DF}">
-                <a14:hiddenLine xmlns:a14="http://schemas.microsoft.com/office/drawing/2010/main" xmlns:p14="http://schemas.microsoft.com/office/powerpoint/2010/main" xmlns:a16="http://schemas.microsoft.com/office/drawing/2014/main" xmlns="" w="9525">
+                <a14:hiddenLine xmlns="" xmlns:a16="http://schemas.microsoft.com/office/drawing/2014/main" xmlns:p14="http://schemas.microsoft.com/office/powerpoint/2010/main" xmlns:a14="http://schemas.microsoft.com/office/drawing/2010/main" w="9525">
                   <a:solidFill>
                     <a:srgbClr val="000000"/>
                   </a:solidFill>
@@ -33144,7 +34682,7 @@
             </a:ln>
             <a:extLst>
               <a:ext uri="{91240B29-F687-4f45-9708-019B960494DF}">
-                <a14:hiddenLine xmlns:a14="http://schemas.microsoft.com/office/drawing/2010/main" xmlns:p14="http://schemas.microsoft.com/office/powerpoint/2010/main" xmlns:a16="http://schemas.microsoft.com/office/drawing/2014/main" xmlns="" w="9525">
+                <a14:hiddenLine xmlns="" xmlns:a16="http://schemas.microsoft.com/office/drawing/2014/main" xmlns:p14="http://schemas.microsoft.com/office/powerpoint/2010/main" xmlns:a14="http://schemas.microsoft.com/office/drawing/2010/main" w="9525">
                   <a:solidFill>
                     <a:srgbClr val="000000"/>
                   </a:solidFill>
@@ -33221,7 +34759,7 @@
             </a:ln>
             <a:extLst>
               <a:ext uri="{91240B29-F687-4f45-9708-019B960494DF}">
-                <a14:hiddenLine xmlns:a14="http://schemas.microsoft.com/office/drawing/2010/main" xmlns:p14="http://schemas.microsoft.com/office/powerpoint/2010/main" xmlns:a16="http://schemas.microsoft.com/office/drawing/2014/main" xmlns="" w="9525">
+                <a14:hiddenLine xmlns="" xmlns:a16="http://schemas.microsoft.com/office/drawing/2014/main" xmlns:p14="http://schemas.microsoft.com/office/powerpoint/2010/main" xmlns:a14="http://schemas.microsoft.com/office/drawing/2010/main" w="9525">
                   <a:solidFill>
                     <a:srgbClr val="000000"/>
                   </a:solidFill>
@@ -33326,7 +34864,7 @@
             </a:ln>
             <a:extLst>
               <a:ext uri="{91240B29-F687-4f45-9708-019B960494DF}">
-                <a14:hiddenLine xmlns:a14="http://schemas.microsoft.com/office/drawing/2010/main" xmlns:p14="http://schemas.microsoft.com/office/powerpoint/2010/main" xmlns:a16="http://schemas.microsoft.com/office/drawing/2014/main" xmlns="" w="9525">
+                <a14:hiddenLine xmlns="" xmlns:a16="http://schemas.microsoft.com/office/drawing/2014/main" xmlns:p14="http://schemas.microsoft.com/office/powerpoint/2010/main" xmlns:a14="http://schemas.microsoft.com/office/drawing/2010/main" w="9525">
                   <a:solidFill>
                     <a:srgbClr val="000000"/>
                   </a:solidFill>
@@ -33375,7 +34913,7 @@
             </a:ln>
             <a:extLst>
               <a:ext uri="{91240B29-F687-4f45-9708-019B960494DF}">
-                <a14:hiddenLine xmlns:a14="http://schemas.microsoft.com/office/drawing/2010/main" xmlns:p14="http://schemas.microsoft.com/office/powerpoint/2010/main" xmlns:a16="http://schemas.microsoft.com/office/drawing/2014/main" xmlns="" w="9525">
+                <a14:hiddenLine xmlns="" xmlns:a16="http://schemas.microsoft.com/office/drawing/2014/main" xmlns:p14="http://schemas.microsoft.com/office/powerpoint/2010/main" xmlns:a14="http://schemas.microsoft.com/office/drawing/2010/main" w="9525">
                   <a:solidFill>
                     <a:srgbClr val="000000"/>
                   </a:solidFill>
@@ -33455,7 +34993,7 @@
             </a:ln>
             <a:extLst>
               <a:ext uri="{91240B29-F687-4f45-9708-019B960494DF}">
-                <a14:hiddenLine xmlns:a14="http://schemas.microsoft.com/office/drawing/2010/main" xmlns:p14="http://schemas.microsoft.com/office/powerpoint/2010/main" xmlns:a16="http://schemas.microsoft.com/office/drawing/2014/main" xmlns="" w="9525">
+                <a14:hiddenLine xmlns="" xmlns:a16="http://schemas.microsoft.com/office/drawing/2014/main" xmlns:p14="http://schemas.microsoft.com/office/powerpoint/2010/main" xmlns:a14="http://schemas.microsoft.com/office/drawing/2010/main" w="9525">
                   <a:solidFill>
                     <a:srgbClr val="000000"/>
                   </a:solidFill>
@@ -33560,7 +35098,7 @@
             </a:ln>
             <a:extLst>
               <a:ext uri="{91240B29-F687-4f45-9708-019B960494DF}">
-                <a14:hiddenLine xmlns:a14="http://schemas.microsoft.com/office/drawing/2010/main" xmlns:p14="http://schemas.microsoft.com/office/powerpoint/2010/main" xmlns:a16="http://schemas.microsoft.com/office/drawing/2014/main" xmlns="" w="9525">
+                <a14:hiddenLine xmlns="" xmlns:a16="http://schemas.microsoft.com/office/drawing/2014/main" xmlns:p14="http://schemas.microsoft.com/office/powerpoint/2010/main" xmlns:a14="http://schemas.microsoft.com/office/drawing/2010/main" w="9525">
                   <a:solidFill>
                     <a:srgbClr val="000000"/>
                   </a:solidFill>
@@ -33637,7 +35175,7 @@
             </a:ln>
             <a:extLst>
               <a:ext uri="{91240B29-F687-4f45-9708-019B960494DF}">
-                <a14:hiddenLine xmlns:a14="http://schemas.microsoft.com/office/drawing/2010/main" xmlns:p14="http://schemas.microsoft.com/office/powerpoint/2010/main" xmlns:a16="http://schemas.microsoft.com/office/drawing/2014/main" xmlns="" w="9525">
+                <a14:hiddenLine xmlns="" xmlns:a16="http://schemas.microsoft.com/office/drawing/2014/main" xmlns:p14="http://schemas.microsoft.com/office/powerpoint/2010/main" xmlns:a14="http://schemas.microsoft.com/office/drawing/2010/main" w="9525">
                   <a:solidFill>
                     <a:srgbClr val="000000"/>
                   </a:solidFill>
@@ -33742,7 +35280,7 @@
             </a:ln>
             <a:extLst>
               <a:ext uri="{91240B29-F687-4f45-9708-019B960494DF}">
-                <a14:hiddenLine xmlns:a14="http://schemas.microsoft.com/office/drawing/2010/main" xmlns:p14="http://schemas.microsoft.com/office/powerpoint/2010/main" xmlns:a16="http://schemas.microsoft.com/office/drawing/2014/main" xmlns="" w="9525">
+                <a14:hiddenLine xmlns="" xmlns:a16="http://schemas.microsoft.com/office/drawing/2014/main" xmlns:p14="http://schemas.microsoft.com/office/powerpoint/2010/main" xmlns:a14="http://schemas.microsoft.com/office/drawing/2010/main" w="9525">
                   <a:solidFill>
                     <a:srgbClr val="000000"/>
                   </a:solidFill>
@@ -33822,7 +35360,7 @@
             </a:ln>
             <a:extLst>
               <a:ext uri="{91240B29-F687-4f45-9708-019B960494DF}">
-                <a14:hiddenLine xmlns:a14="http://schemas.microsoft.com/office/drawing/2010/main" xmlns:p14="http://schemas.microsoft.com/office/powerpoint/2010/main" xmlns:a16="http://schemas.microsoft.com/office/drawing/2014/main" xmlns="" w="9525">
+                <a14:hiddenLine xmlns="" xmlns:a16="http://schemas.microsoft.com/office/drawing/2014/main" xmlns:p14="http://schemas.microsoft.com/office/powerpoint/2010/main" xmlns:a14="http://schemas.microsoft.com/office/drawing/2010/main" w="9525">
                   <a:solidFill>
                     <a:srgbClr val="000000"/>
                   </a:solidFill>
@@ -33899,7 +35437,7 @@
             </a:ln>
             <a:extLst>
               <a:ext uri="{91240B29-F687-4f45-9708-019B960494DF}">
-                <a14:hiddenLine xmlns:a14="http://schemas.microsoft.com/office/drawing/2010/main" xmlns:p14="http://schemas.microsoft.com/office/powerpoint/2010/main" xmlns:a16="http://schemas.microsoft.com/office/drawing/2014/main" xmlns="" w="9525">
+                <a14:hiddenLine xmlns="" xmlns:a16="http://schemas.microsoft.com/office/drawing/2014/main" xmlns:p14="http://schemas.microsoft.com/office/powerpoint/2010/main" xmlns:a14="http://schemas.microsoft.com/office/drawing/2010/main" w="9525">
                   <a:solidFill>
                     <a:srgbClr val="000000"/>
                   </a:solidFill>
@@ -34004,7 +35542,7 @@
             </a:ln>
             <a:extLst>
               <a:ext uri="{91240B29-F687-4f45-9708-019B960494DF}">
-                <a14:hiddenLine xmlns:a14="http://schemas.microsoft.com/office/drawing/2010/main" xmlns:p14="http://schemas.microsoft.com/office/powerpoint/2010/main" xmlns:a16="http://schemas.microsoft.com/office/drawing/2014/main" xmlns="" w="9525">
+                <a14:hiddenLine xmlns="" xmlns:a16="http://schemas.microsoft.com/office/drawing/2014/main" xmlns:p14="http://schemas.microsoft.com/office/powerpoint/2010/main" xmlns:a14="http://schemas.microsoft.com/office/drawing/2010/main" w="9525">
                   <a:solidFill>
                     <a:srgbClr val="000000"/>
                   </a:solidFill>
@@ -34109,7 +35647,7 @@
             </a:ln>
             <a:extLst>
               <a:ext uri="{91240B29-F687-4f45-9708-019B960494DF}">
-                <a14:hiddenLine xmlns:a14="http://schemas.microsoft.com/office/drawing/2010/main" xmlns:p14="http://schemas.microsoft.com/office/powerpoint/2010/main" xmlns:a16="http://schemas.microsoft.com/office/drawing/2014/main" xmlns="" w="9525">
+                <a14:hiddenLine xmlns="" xmlns:a16="http://schemas.microsoft.com/office/drawing/2014/main" xmlns:p14="http://schemas.microsoft.com/office/powerpoint/2010/main" xmlns:a14="http://schemas.microsoft.com/office/drawing/2010/main" w="9525">
                   <a:solidFill>
                     <a:srgbClr val="000000"/>
                   </a:solidFill>
@@ -34189,7 +35727,7 @@
             </a:ln>
             <a:extLst>
               <a:ext uri="{91240B29-F687-4f45-9708-019B960494DF}">
-                <a14:hiddenLine xmlns:a14="http://schemas.microsoft.com/office/drawing/2010/main" xmlns:p14="http://schemas.microsoft.com/office/powerpoint/2010/main" xmlns:a16="http://schemas.microsoft.com/office/drawing/2014/main" xmlns="" w="9525">
+                <a14:hiddenLine xmlns="" xmlns:a16="http://schemas.microsoft.com/office/drawing/2014/main" xmlns:p14="http://schemas.microsoft.com/office/powerpoint/2010/main" xmlns:a14="http://schemas.microsoft.com/office/drawing/2010/main" w="9525">
                   <a:solidFill>
                     <a:srgbClr val="000000"/>
                   </a:solidFill>
@@ -34324,7 +35862,7 @@
             </a:ln>
             <a:extLst>
               <a:ext uri="{91240B29-F687-4f45-9708-019B960494DF}">
-                <a14:hiddenLine xmlns:a14="http://schemas.microsoft.com/office/drawing/2010/main" xmlns:p14="http://schemas.microsoft.com/office/powerpoint/2010/main" xmlns:a16="http://schemas.microsoft.com/office/drawing/2014/main" xmlns="" w="9525">
+                <a14:hiddenLine xmlns="" xmlns:a16="http://schemas.microsoft.com/office/drawing/2014/main" xmlns:p14="http://schemas.microsoft.com/office/powerpoint/2010/main" xmlns:a14="http://schemas.microsoft.com/office/drawing/2010/main" w="9525">
                   <a:solidFill>
                     <a:srgbClr val="000000"/>
                   </a:solidFill>
@@ -34358,7 +35896,7 @@
 </p:sld>
 </file>
 
-<file path=ppt/slides/slide24.xml><?xml version="1.0" encoding="utf-8"?>
+<file path=ppt/slides/slide26.xml><?xml version="1.0" encoding="utf-8"?>
 <p:sld xmlns:a="http://schemas.openxmlformats.org/drawingml/2006/main" xmlns:r="http://schemas.openxmlformats.org/officeDocument/2006/relationships" xmlns:p="http://schemas.openxmlformats.org/presentationml/2006/main">
   <p:cSld>
     <p:spTree>
@@ -35030,7 +36568,7 @@
 </p:sld>
 </file>
 
-<file path=ppt/slides/slide25.xml><?xml version="1.0" encoding="utf-8"?>
+<file path=ppt/slides/slide27.xml><?xml version="1.0" encoding="utf-8"?>
 <p:sld xmlns:a="http://schemas.openxmlformats.org/drawingml/2006/main" xmlns:r="http://schemas.openxmlformats.org/officeDocument/2006/relationships" xmlns:p="http://schemas.openxmlformats.org/presentationml/2006/main">
   <p:cSld>
     <p:bg>
@@ -35340,7 +36878,7 @@
 </p:sld>
 </file>
 
-<file path=ppt/slides/slide26.xml><?xml version="1.0" encoding="utf-8"?>
+<file path=ppt/slides/slide28.xml><?xml version="1.0" encoding="utf-8"?>
 <p:sld xmlns:a="http://schemas.openxmlformats.org/drawingml/2006/main" xmlns:r="http://schemas.openxmlformats.org/officeDocument/2006/relationships" xmlns:p="http://schemas.openxmlformats.org/presentationml/2006/main">
   <p:cSld>
     <p:spTree>
@@ -35436,7 +36974,7 @@
 </p:sld>
 </file>
 
-<file path=ppt/slides/slide27.xml><?xml version="1.0" encoding="utf-8"?>
+<file path=ppt/slides/slide29.xml><?xml version="1.0" encoding="utf-8"?>
 <p:sld xmlns:a="http://schemas.openxmlformats.org/drawingml/2006/main" xmlns:r="http://schemas.openxmlformats.org/officeDocument/2006/relationships" xmlns:p="http://schemas.openxmlformats.org/presentationml/2006/main">
   <p:cSld>
     <p:spTree>
@@ -35586,7 +37124,7 @@
             </a:ln>
             <a:extLst>
               <a:ext uri="{91240B29-F687-4f45-9708-019B960494DF}">
-                <a14:hiddenLine xmlns:a14="http://schemas.microsoft.com/office/drawing/2010/main" xmlns:p14="http://schemas.microsoft.com/office/powerpoint/2010/main" xmlns:a16="http://schemas.microsoft.com/office/drawing/2014/main" xmlns="" w="9525">
+                <a14:hiddenLine xmlns="" xmlns:a16="http://schemas.microsoft.com/office/drawing/2014/main" xmlns:p14="http://schemas.microsoft.com/office/powerpoint/2010/main" xmlns:a14="http://schemas.microsoft.com/office/drawing/2010/main" w="9525">
                   <a:solidFill>
                     <a:srgbClr val="000000"/>
                   </a:solidFill>
@@ -35691,7 +37229,7 @@
             </a:ln>
             <a:extLst>
               <a:ext uri="{91240B29-F687-4f45-9708-019B960494DF}">
-                <a14:hiddenLine xmlns:a14="http://schemas.microsoft.com/office/drawing/2010/main" xmlns:p14="http://schemas.microsoft.com/office/powerpoint/2010/main" xmlns:a16="http://schemas.microsoft.com/office/drawing/2014/main" xmlns="" w="9525">
+                <a14:hiddenLine xmlns="" xmlns:a16="http://schemas.microsoft.com/office/drawing/2014/main" xmlns:p14="http://schemas.microsoft.com/office/powerpoint/2010/main" xmlns:a14="http://schemas.microsoft.com/office/drawing/2010/main" w="9525">
                   <a:solidFill>
                     <a:srgbClr val="000000"/>
                   </a:solidFill>
@@ -35796,7 +37334,7 @@
             </a:ln>
             <a:extLst>
               <a:ext uri="{91240B29-F687-4f45-9708-019B960494DF}">
-                <a14:hiddenLine xmlns:a14="http://schemas.microsoft.com/office/drawing/2010/main" xmlns:p14="http://schemas.microsoft.com/office/powerpoint/2010/main" xmlns:a16="http://schemas.microsoft.com/office/drawing/2014/main" xmlns="" w="9525">
+                <a14:hiddenLine xmlns="" xmlns:a16="http://schemas.microsoft.com/office/drawing/2014/main" xmlns:p14="http://schemas.microsoft.com/office/powerpoint/2010/main" xmlns:a14="http://schemas.microsoft.com/office/drawing/2010/main" w="9525">
                   <a:solidFill>
                     <a:srgbClr val="000000"/>
                   </a:solidFill>
@@ -35873,7 +37411,7 @@
             </a:ln>
             <a:extLst>
               <a:ext uri="{91240B29-F687-4f45-9708-019B960494DF}">
-                <a14:hiddenLine xmlns:a14="http://schemas.microsoft.com/office/drawing/2010/main" xmlns:p14="http://schemas.microsoft.com/office/powerpoint/2010/main" xmlns:a16="http://schemas.microsoft.com/office/drawing/2014/main" xmlns="" w="9525">
+                <a14:hiddenLine xmlns="" xmlns:a16="http://schemas.microsoft.com/office/drawing/2014/main" xmlns:p14="http://schemas.microsoft.com/office/powerpoint/2010/main" xmlns:a14="http://schemas.microsoft.com/office/drawing/2010/main" w="9525">
                   <a:solidFill>
                     <a:srgbClr val="000000"/>
                   </a:solidFill>
@@ -35978,7 +37516,7 @@
             </a:ln>
             <a:extLst>
               <a:ext uri="{91240B29-F687-4f45-9708-019B960494DF}">
-                <a14:hiddenLine xmlns:a14="http://schemas.microsoft.com/office/drawing/2010/main" xmlns:p14="http://schemas.microsoft.com/office/powerpoint/2010/main" xmlns:a16="http://schemas.microsoft.com/office/drawing/2014/main" xmlns="" w="9525">
+                <a14:hiddenLine xmlns="" xmlns:a16="http://schemas.microsoft.com/office/drawing/2014/main" xmlns:p14="http://schemas.microsoft.com/office/powerpoint/2010/main" xmlns:a14="http://schemas.microsoft.com/office/drawing/2010/main" w="9525">
                   <a:solidFill>
                     <a:srgbClr val="000000"/>
                   </a:solidFill>
@@ -36055,7 +37593,7 @@
             </a:ln>
             <a:extLst>
               <a:ext uri="{91240B29-F687-4f45-9708-019B960494DF}">
-                <a14:hiddenLine xmlns:a14="http://schemas.microsoft.com/office/drawing/2010/main" xmlns:p14="http://schemas.microsoft.com/office/powerpoint/2010/main" xmlns:a16="http://schemas.microsoft.com/office/drawing/2014/main" xmlns="" w="9525">
+                <a14:hiddenLine xmlns="" xmlns:a16="http://schemas.microsoft.com/office/drawing/2014/main" xmlns:p14="http://schemas.microsoft.com/office/powerpoint/2010/main" xmlns:a14="http://schemas.microsoft.com/office/drawing/2010/main" w="9525">
                   <a:solidFill>
                     <a:srgbClr val="000000"/>
                   </a:solidFill>
@@ -36132,7 +37670,7 @@
             </a:ln>
             <a:extLst>
               <a:ext uri="{91240B29-F687-4f45-9708-019B960494DF}">
-                <a14:hiddenLine xmlns:a14="http://schemas.microsoft.com/office/drawing/2010/main" xmlns:p14="http://schemas.microsoft.com/office/powerpoint/2010/main" xmlns:a16="http://schemas.microsoft.com/office/drawing/2014/main" xmlns="" w="9525">
+                <a14:hiddenLine xmlns="" xmlns:a16="http://schemas.microsoft.com/office/drawing/2014/main" xmlns:p14="http://schemas.microsoft.com/office/powerpoint/2010/main" xmlns:a14="http://schemas.microsoft.com/office/drawing/2010/main" w="9525">
                   <a:solidFill>
                     <a:srgbClr val="000000"/>
                   </a:solidFill>
@@ -36237,7 +37775,7 @@
             </a:ln>
             <a:extLst>
               <a:ext uri="{91240B29-F687-4f45-9708-019B960494DF}">
-                <a14:hiddenLine xmlns:a14="http://schemas.microsoft.com/office/drawing/2010/main" xmlns:p14="http://schemas.microsoft.com/office/powerpoint/2010/main" xmlns:a16="http://schemas.microsoft.com/office/drawing/2014/main" xmlns="" w="9525">
+                <a14:hiddenLine xmlns="" xmlns:a16="http://schemas.microsoft.com/office/drawing/2014/main" xmlns:p14="http://schemas.microsoft.com/office/powerpoint/2010/main" xmlns:a14="http://schemas.microsoft.com/office/drawing/2010/main" w="9525">
                   <a:solidFill>
                     <a:srgbClr val="000000"/>
                   </a:solidFill>
@@ -36342,7 +37880,7 @@
             </a:ln>
             <a:extLst>
               <a:ext uri="{91240B29-F687-4f45-9708-019B960494DF}">
-                <a14:hiddenLine xmlns:a14="http://schemas.microsoft.com/office/drawing/2010/main" xmlns:p14="http://schemas.microsoft.com/office/powerpoint/2010/main" xmlns:a16="http://schemas.microsoft.com/office/drawing/2014/main" xmlns="" w="9525">
+                <a14:hiddenLine xmlns="" xmlns:a16="http://schemas.microsoft.com/office/drawing/2014/main" xmlns:p14="http://schemas.microsoft.com/office/powerpoint/2010/main" xmlns:a14="http://schemas.microsoft.com/office/drawing/2010/main" w="9525">
                   <a:solidFill>
                     <a:srgbClr val="000000"/>
                   </a:solidFill>
@@ -36419,7 +37957,7 @@
             </a:ln>
             <a:extLst>
               <a:ext uri="{91240B29-F687-4f45-9708-019B960494DF}">
-                <a14:hiddenLine xmlns:a14="http://schemas.microsoft.com/office/drawing/2010/main" xmlns:p14="http://schemas.microsoft.com/office/powerpoint/2010/main" xmlns:a16="http://schemas.microsoft.com/office/drawing/2014/main" xmlns="" w="9525">
+                <a14:hiddenLine xmlns="" xmlns:a16="http://schemas.microsoft.com/office/drawing/2014/main" xmlns:p14="http://schemas.microsoft.com/office/powerpoint/2010/main" xmlns:a14="http://schemas.microsoft.com/office/drawing/2010/main" w="9525">
                   <a:solidFill>
                     <a:srgbClr val="000000"/>
                   </a:solidFill>
@@ -36544,7 +38082,7 @@
             </a:ln>
             <a:extLst>
               <a:ext uri="{91240B29-F687-4f45-9708-019B960494DF}">
-                <a14:hiddenLine xmlns:a14="http://schemas.microsoft.com/office/drawing/2010/main" xmlns:p14="http://schemas.microsoft.com/office/powerpoint/2010/main" xmlns:a16="http://schemas.microsoft.com/office/drawing/2014/main" xmlns="" w="9525">
+                <a14:hiddenLine xmlns="" xmlns:a16="http://schemas.microsoft.com/office/drawing/2014/main" xmlns:p14="http://schemas.microsoft.com/office/powerpoint/2010/main" xmlns:a14="http://schemas.microsoft.com/office/drawing/2010/main" w="9525">
                   <a:solidFill>
                     <a:srgbClr val="000000"/>
                   </a:solidFill>
@@ -36658,7 +38196,7 @@
             </a:ln>
             <a:extLst>
               <a:ext uri="{91240B29-F687-4f45-9708-019B960494DF}">
-                <a14:hiddenLine xmlns:a14="http://schemas.microsoft.com/office/drawing/2010/main" xmlns:p14="http://schemas.microsoft.com/office/powerpoint/2010/main" xmlns:a16="http://schemas.microsoft.com/office/drawing/2014/main" xmlns="" w="9525">
+                <a14:hiddenLine xmlns="" xmlns:a16="http://schemas.microsoft.com/office/drawing/2014/main" xmlns:p14="http://schemas.microsoft.com/office/powerpoint/2010/main" xmlns:a14="http://schemas.microsoft.com/office/drawing/2010/main" w="9525">
                   <a:solidFill>
                     <a:srgbClr val="000000"/>
                   </a:solidFill>
@@ -36735,7 +38273,7 @@
             </a:ln>
             <a:extLst>
               <a:ext uri="{91240B29-F687-4f45-9708-019B960494DF}">
-                <a14:hiddenLine xmlns:a14="http://schemas.microsoft.com/office/drawing/2010/main" xmlns:p14="http://schemas.microsoft.com/office/powerpoint/2010/main" xmlns:a16="http://schemas.microsoft.com/office/drawing/2014/main" xmlns="" w="9525">
+                <a14:hiddenLine xmlns="" xmlns:a16="http://schemas.microsoft.com/office/drawing/2014/main" xmlns:p14="http://schemas.microsoft.com/office/powerpoint/2010/main" xmlns:a14="http://schemas.microsoft.com/office/drawing/2010/main" w="9525">
                   <a:solidFill>
                     <a:srgbClr val="000000"/>
                   </a:solidFill>
@@ -36812,7 +38350,7 @@
             </a:ln>
             <a:extLst>
               <a:ext uri="{91240B29-F687-4f45-9708-019B960494DF}">
-                <a14:hiddenLine xmlns:a14="http://schemas.microsoft.com/office/drawing/2010/main" xmlns:p14="http://schemas.microsoft.com/office/powerpoint/2010/main" xmlns:a16="http://schemas.microsoft.com/office/drawing/2014/main" xmlns="" w="9525">
+                <a14:hiddenLine xmlns="" xmlns:a16="http://schemas.microsoft.com/office/drawing/2014/main" xmlns:p14="http://schemas.microsoft.com/office/powerpoint/2010/main" xmlns:a14="http://schemas.microsoft.com/office/drawing/2010/main" w="9525">
                   <a:solidFill>
                     <a:srgbClr val="000000"/>
                   </a:solidFill>
@@ -36917,7 +38455,7 @@
             </a:ln>
             <a:extLst>
               <a:ext uri="{91240B29-F687-4f45-9708-019B960494DF}">
-                <a14:hiddenLine xmlns:a14="http://schemas.microsoft.com/office/drawing/2010/main" xmlns:p14="http://schemas.microsoft.com/office/powerpoint/2010/main" xmlns:a16="http://schemas.microsoft.com/office/drawing/2014/main" xmlns="" w="9525">
+                <a14:hiddenLine xmlns="" xmlns:a16="http://schemas.microsoft.com/office/drawing/2014/main" xmlns:p14="http://schemas.microsoft.com/office/powerpoint/2010/main" xmlns:a14="http://schemas.microsoft.com/office/drawing/2010/main" w="9525">
                   <a:solidFill>
                     <a:srgbClr val="000000"/>
                   </a:solidFill>
@@ -36966,7 +38504,7 @@
             </a:ln>
             <a:extLst>
               <a:ext uri="{91240B29-F687-4f45-9708-019B960494DF}">
-                <a14:hiddenLine xmlns:a14="http://schemas.microsoft.com/office/drawing/2010/main" xmlns:p14="http://schemas.microsoft.com/office/powerpoint/2010/main" xmlns:a16="http://schemas.microsoft.com/office/drawing/2014/main" xmlns="" w="9525">
+                <a14:hiddenLine xmlns="" xmlns:a16="http://schemas.microsoft.com/office/drawing/2014/main" xmlns:p14="http://schemas.microsoft.com/office/powerpoint/2010/main" xmlns:a14="http://schemas.microsoft.com/office/drawing/2010/main" w="9525">
                   <a:solidFill>
                     <a:srgbClr val="000000"/>
                   </a:solidFill>
@@ -37046,7 +38584,7 @@
             </a:ln>
             <a:extLst>
               <a:ext uri="{91240B29-F687-4f45-9708-019B960494DF}">
-                <a14:hiddenLine xmlns:a14="http://schemas.microsoft.com/office/drawing/2010/main" xmlns:p14="http://schemas.microsoft.com/office/powerpoint/2010/main" xmlns:a16="http://schemas.microsoft.com/office/drawing/2014/main" xmlns="" w="9525">
+                <a14:hiddenLine xmlns="" xmlns:a16="http://schemas.microsoft.com/office/drawing/2014/main" xmlns:p14="http://schemas.microsoft.com/office/powerpoint/2010/main" xmlns:a14="http://schemas.microsoft.com/office/drawing/2010/main" w="9525">
                   <a:solidFill>
                     <a:srgbClr val="000000"/>
                   </a:solidFill>
@@ -37151,7 +38689,7 @@
             </a:ln>
             <a:extLst>
               <a:ext uri="{91240B29-F687-4f45-9708-019B960494DF}">
-                <a14:hiddenLine xmlns:a14="http://schemas.microsoft.com/office/drawing/2010/main" xmlns:p14="http://schemas.microsoft.com/office/powerpoint/2010/main" xmlns:a16="http://schemas.microsoft.com/office/drawing/2014/main" xmlns="" w="9525">
+                <a14:hiddenLine xmlns="" xmlns:a16="http://schemas.microsoft.com/office/drawing/2014/main" xmlns:p14="http://schemas.microsoft.com/office/powerpoint/2010/main" xmlns:a14="http://schemas.microsoft.com/office/drawing/2010/main" w="9525">
                   <a:solidFill>
                     <a:srgbClr val="000000"/>
                   </a:solidFill>
@@ -37228,7 +38766,7 @@
             </a:ln>
             <a:extLst>
               <a:ext uri="{91240B29-F687-4f45-9708-019B960494DF}">
-                <a14:hiddenLine xmlns:a14="http://schemas.microsoft.com/office/drawing/2010/main" xmlns:p14="http://schemas.microsoft.com/office/powerpoint/2010/main" xmlns:a16="http://schemas.microsoft.com/office/drawing/2014/main" xmlns="" w="9525">
+                <a14:hiddenLine xmlns="" xmlns:a16="http://schemas.microsoft.com/office/drawing/2014/main" xmlns:p14="http://schemas.microsoft.com/office/powerpoint/2010/main" xmlns:a14="http://schemas.microsoft.com/office/drawing/2010/main" w="9525">
                   <a:solidFill>
                     <a:srgbClr val="000000"/>
                   </a:solidFill>
@@ -37333,7 +38871,7 @@
             </a:ln>
             <a:extLst>
               <a:ext uri="{91240B29-F687-4f45-9708-019B960494DF}">
-                <a14:hiddenLine xmlns:a14="http://schemas.microsoft.com/office/drawing/2010/main" xmlns:p14="http://schemas.microsoft.com/office/powerpoint/2010/main" xmlns:a16="http://schemas.microsoft.com/office/drawing/2014/main" xmlns="" w="9525">
+                <a14:hiddenLine xmlns="" xmlns:a16="http://schemas.microsoft.com/office/drawing/2014/main" xmlns:p14="http://schemas.microsoft.com/office/powerpoint/2010/main" xmlns:a14="http://schemas.microsoft.com/office/drawing/2010/main" w="9525">
                   <a:solidFill>
                     <a:srgbClr val="000000"/>
                   </a:solidFill>
@@ -37413,7 +38951,7 @@
             </a:ln>
             <a:extLst>
               <a:ext uri="{91240B29-F687-4f45-9708-019B960494DF}">
-                <a14:hiddenLine xmlns:a14="http://schemas.microsoft.com/office/drawing/2010/main" xmlns:p14="http://schemas.microsoft.com/office/powerpoint/2010/main" xmlns:a16="http://schemas.microsoft.com/office/drawing/2014/main" xmlns="" w="9525">
+                <a14:hiddenLine xmlns="" xmlns:a16="http://schemas.microsoft.com/office/drawing/2014/main" xmlns:p14="http://schemas.microsoft.com/office/powerpoint/2010/main" xmlns:a14="http://schemas.microsoft.com/office/drawing/2010/main" w="9525">
                   <a:solidFill>
                     <a:srgbClr val="000000"/>
                   </a:solidFill>
@@ -37490,7 +39028,7 @@
             </a:ln>
             <a:extLst>
               <a:ext uri="{91240B29-F687-4f45-9708-019B960494DF}">
-                <a14:hiddenLine xmlns:a14="http://schemas.microsoft.com/office/drawing/2010/main" xmlns:p14="http://schemas.microsoft.com/office/powerpoint/2010/main" xmlns:a16="http://schemas.microsoft.com/office/drawing/2014/main" xmlns="" w="9525">
+                <a14:hiddenLine xmlns="" xmlns:a16="http://schemas.microsoft.com/office/drawing/2014/main" xmlns:p14="http://schemas.microsoft.com/office/powerpoint/2010/main" xmlns:a14="http://schemas.microsoft.com/office/drawing/2010/main" w="9525">
                   <a:solidFill>
                     <a:srgbClr val="000000"/>
                   </a:solidFill>
@@ -37595,7 +39133,7 @@
             </a:ln>
             <a:extLst>
               <a:ext uri="{91240B29-F687-4f45-9708-019B960494DF}">
-                <a14:hiddenLine xmlns:a14="http://schemas.microsoft.com/office/drawing/2010/main" xmlns:p14="http://schemas.microsoft.com/office/powerpoint/2010/main" xmlns:a16="http://schemas.microsoft.com/office/drawing/2014/main" xmlns="" w="9525">
+                <a14:hiddenLine xmlns="" xmlns:a16="http://schemas.microsoft.com/office/drawing/2014/main" xmlns:p14="http://schemas.microsoft.com/office/powerpoint/2010/main" xmlns:a14="http://schemas.microsoft.com/office/drawing/2010/main" w="9525">
                   <a:solidFill>
                     <a:srgbClr val="000000"/>
                   </a:solidFill>
@@ -37700,7 +39238,7 @@
             </a:ln>
             <a:extLst>
               <a:ext uri="{91240B29-F687-4f45-9708-019B960494DF}">
-                <a14:hiddenLine xmlns:a14="http://schemas.microsoft.com/office/drawing/2010/main" xmlns:p14="http://schemas.microsoft.com/office/powerpoint/2010/main" xmlns:a16="http://schemas.microsoft.com/office/drawing/2014/main" xmlns="" w="9525">
+                <a14:hiddenLine xmlns="" xmlns:a16="http://schemas.microsoft.com/office/drawing/2014/main" xmlns:p14="http://schemas.microsoft.com/office/powerpoint/2010/main" xmlns:a14="http://schemas.microsoft.com/office/drawing/2010/main" w="9525">
                   <a:solidFill>
                     <a:srgbClr val="000000"/>
                   </a:solidFill>
@@ -37780,7 +39318,7 @@
             </a:ln>
             <a:extLst>
               <a:ext uri="{91240B29-F687-4f45-9708-019B960494DF}">
-                <a14:hiddenLine xmlns:a14="http://schemas.microsoft.com/office/drawing/2010/main" xmlns:p14="http://schemas.microsoft.com/office/powerpoint/2010/main" xmlns:a16="http://schemas.microsoft.com/office/drawing/2014/main" xmlns="" w="9525">
+                <a14:hiddenLine xmlns="" xmlns:a16="http://schemas.microsoft.com/office/drawing/2014/main" xmlns:p14="http://schemas.microsoft.com/office/powerpoint/2010/main" xmlns:a14="http://schemas.microsoft.com/office/drawing/2010/main" w="9525">
                   <a:solidFill>
                     <a:srgbClr val="000000"/>
                   </a:solidFill>
@@ -37915,7 +39453,7 @@
             </a:ln>
             <a:extLst>
               <a:ext uri="{91240B29-F687-4f45-9708-019B960494DF}">
-                <a14:hiddenLine xmlns:a14="http://schemas.microsoft.com/office/drawing/2010/main" xmlns:p14="http://schemas.microsoft.com/office/powerpoint/2010/main" xmlns:a16="http://schemas.microsoft.com/office/drawing/2014/main" xmlns="" w="9525">
+                <a14:hiddenLine xmlns="" xmlns:a16="http://schemas.microsoft.com/office/drawing/2014/main" xmlns:p14="http://schemas.microsoft.com/office/powerpoint/2010/main" xmlns:a14="http://schemas.microsoft.com/office/drawing/2010/main" w="9525">
                   <a:solidFill>
                     <a:srgbClr val="000000"/>
                   </a:solidFill>
@@ -38190,7 +39728,7 @@
             </a:ln>
             <a:extLst>
               <a:ext uri="{91240B29-F687-4f45-9708-019B960494DF}">
-                <a14:hiddenLine xmlns:a14="http://schemas.microsoft.com/office/drawing/2010/main" xmlns:p14="http://schemas.microsoft.com/office/powerpoint/2010/main" xmlns:a16="http://schemas.microsoft.com/office/drawing/2014/main" xmlns="" w="9525">
+                <a14:hiddenLine xmlns="" xmlns:a16="http://schemas.microsoft.com/office/drawing/2014/main" xmlns:p14="http://schemas.microsoft.com/office/powerpoint/2010/main" xmlns:a14="http://schemas.microsoft.com/office/drawing/2010/main" w="9525">
                   <a:solidFill>
                     <a:srgbClr val="000000"/>
                   </a:solidFill>
@@ -38320,7 +39858,7 @@
             </a:ln>
             <a:extLst>
               <a:ext uri="{91240B29-F687-4f45-9708-019B960494DF}">
-                <a14:hiddenLine xmlns:a14="http://schemas.microsoft.com/office/drawing/2010/main" xmlns:p14="http://schemas.microsoft.com/office/powerpoint/2010/main" xmlns:a16="http://schemas.microsoft.com/office/drawing/2014/main" xmlns="" w="9525">
+                <a14:hiddenLine xmlns="" xmlns:a16="http://schemas.microsoft.com/office/drawing/2014/main" xmlns:p14="http://schemas.microsoft.com/office/powerpoint/2010/main" xmlns:a14="http://schemas.microsoft.com/office/drawing/2010/main" w="9525">
                   <a:solidFill>
                     <a:srgbClr val="000000"/>
                   </a:solidFill>
@@ -38425,7 +39963,7 @@
             </a:ln>
             <a:extLst>
               <a:ext uri="{91240B29-F687-4f45-9708-019B960494DF}">
-                <a14:hiddenLine xmlns:a14="http://schemas.microsoft.com/office/drawing/2010/main" xmlns:p14="http://schemas.microsoft.com/office/powerpoint/2010/main" xmlns:a16="http://schemas.microsoft.com/office/drawing/2014/main" xmlns="" w="9525">
+                <a14:hiddenLine xmlns="" xmlns:a16="http://schemas.microsoft.com/office/drawing/2014/main" xmlns:p14="http://schemas.microsoft.com/office/powerpoint/2010/main" xmlns:a14="http://schemas.microsoft.com/office/drawing/2010/main" w="9525">
                   <a:solidFill>
                     <a:srgbClr val="000000"/>
                   </a:solidFill>
@@ -38505,7 +40043,7 @@
             </a:ln>
             <a:extLst>
               <a:ext uri="{91240B29-F687-4f45-9708-019B960494DF}">
-                <a14:hiddenLine xmlns:a14="http://schemas.microsoft.com/office/drawing/2010/main" xmlns:p14="http://schemas.microsoft.com/office/powerpoint/2010/main" xmlns:a16="http://schemas.microsoft.com/office/drawing/2014/main" xmlns="" w="9525">
+                <a14:hiddenLine xmlns="" xmlns:a16="http://schemas.microsoft.com/office/drawing/2014/main" xmlns:p14="http://schemas.microsoft.com/office/powerpoint/2010/main" xmlns:a14="http://schemas.microsoft.com/office/drawing/2010/main" w="9525">
                   <a:solidFill>
                     <a:srgbClr val="000000"/>
                   </a:solidFill>
@@ -38610,7 +40148,7 @@
             </a:ln>
             <a:extLst>
               <a:ext uri="{91240B29-F687-4f45-9708-019B960494DF}">
-                <a14:hiddenLine xmlns:a14="http://schemas.microsoft.com/office/drawing/2010/main" xmlns:p14="http://schemas.microsoft.com/office/powerpoint/2010/main" xmlns:a16="http://schemas.microsoft.com/office/drawing/2014/main" xmlns="" w="9525">
+                <a14:hiddenLine xmlns="" xmlns:a16="http://schemas.microsoft.com/office/drawing/2014/main" xmlns:p14="http://schemas.microsoft.com/office/powerpoint/2010/main" xmlns:a14="http://schemas.microsoft.com/office/drawing/2010/main" w="9525">
                   <a:solidFill>
                     <a:srgbClr val="000000"/>
                   </a:solidFill>
@@ -38693,7 +40231,7 @@
             </a:ln>
             <a:extLst>
               <a:ext uri="{91240B29-F687-4f45-9708-019B960494DF}">
-                <a14:hiddenLine xmlns:a14="http://schemas.microsoft.com/office/drawing/2010/main" xmlns:p14="http://schemas.microsoft.com/office/powerpoint/2010/main" xmlns:a16="http://schemas.microsoft.com/office/drawing/2014/main" xmlns="" w="9525">
+                <a14:hiddenLine xmlns="" xmlns:a16="http://schemas.microsoft.com/office/drawing/2014/main" xmlns:p14="http://schemas.microsoft.com/office/powerpoint/2010/main" xmlns:a14="http://schemas.microsoft.com/office/drawing/2010/main" w="9525">
                   <a:solidFill>
                     <a:srgbClr val="000000"/>
                   </a:solidFill>
@@ -38798,7 +40336,7 @@
             </a:ln>
             <a:extLst>
               <a:ext uri="{91240B29-F687-4f45-9708-019B960494DF}">
-                <a14:hiddenLine xmlns:a14="http://schemas.microsoft.com/office/drawing/2010/main" xmlns:p14="http://schemas.microsoft.com/office/powerpoint/2010/main" xmlns:a16="http://schemas.microsoft.com/office/drawing/2014/main" xmlns="" w="9525">
+                <a14:hiddenLine xmlns="" xmlns:a16="http://schemas.microsoft.com/office/drawing/2014/main" xmlns:p14="http://schemas.microsoft.com/office/powerpoint/2010/main" xmlns:a14="http://schemas.microsoft.com/office/drawing/2010/main" w="9525">
                   <a:solidFill>
                     <a:srgbClr val="000000"/>
                   </a:solidFill>
@@ -38881,7 +40419,7 @@
             </a:ln>
             <a:extLst>
               <a:ext uri="{91240B29-F687-4f45-9708-019B960494DF}">
-                <a14:hiddenLine xmlns:a14="http://schemas.microsoft.com/office/drawing/2010/main" xmlns:p14="http://schemas.microsoft.com/office/powerpoint/2010/main" xmlns:a16="http://schemas.microsoft.com/office/drawing/2014/main" xmlns="" w="9525">
+                <a14:hiddenLine xmlns="" xmlns:a16="http://schemas.microsoft.com/office/drawing/2014/main" xmlns:p14="http://schemas.microsoft.com/office/powerpoint/2010/main" xmlns:a14="http://schemas.microsoft.com/office/drawing/2010/main" w="9525">
                   <a:solidFill>
                     <a:srgbClr val="000000"/>
                   </a:solidFill>
@@ -38986,7 +40524,7 @@
             </a:ln>
             <a:extLst>
               <a:ext uri="{91240B29-F687-4f45-9708-019B960494DF}">
-                <a14:hiddenLine xmlns:a14="http://schemas.microsoft.com/office/drawing/2010/main" xmlns:p14="http://schemas.microsoft.com/office/powerpoint/2010/main" xmlns:a16="http://schemas.microsoft.com/office/drawing/2014/main" xmlns="" w="9525">
+                <a14:hiddenLine xmlns="" xmlns:a16="http://schemas.microsoft.com/office/drawing/2014/main" xmlns:p14="http://schemas.microsoft.com/office/powerpoint/2010/main" xmlns:a14="http://schemas.microsoft.com/office/drawing/2010/main" w="9525">
                   <a:solidFill>
                     <a:srgbClr val="000000"/>
                   </a:solidFill>
@@ -39035,7 +40573,7 @@
             </a:ln>
             <a:extLst>
               <a:ext uri="{91240B29-F687-4f45-9708-019B960494DF}">
-                <a14:hiddenLine xmlns:a14="http://schemas.microsoft.com/office/drawing/2010/main" xmlns:p14="http://schemas.microsoft.com/office/powerpoint/2010/main" xmlns:a16="http://schemas.microsoft.com/office/drawing/2014/main" xmlns="" w="9525">
+                <a14:hiddenLine xmlns="" xmlns:a16="http://schemas.microsoft.com/office/drawing/2014/main" xmlns:p14="http://schemas.microsoft.com/office/powerpoint/2010/main" xmlns:a14="http://schemas.microsoft.com/office/drawing/2010/main" w="9525">
                   <a:solidFill>
                     <a:srgbClr val="000000"/>
                   </a:solidFill>
@@ -51065,10 +52603,54 @@
       </p:grpSpPr>
       <p:sp>
         <p:nvSpPr>
+          <p:cNvPr id="27" name="Rectangle 26">
+            <a:extLst>
+              <a:ext uri="{FF2B5EF4-FFF2-40B4-BE49-F238E27FC236}">
+                <a16:creationId xmlns:a16="http://schemas.microsoft.com/office/drawing/2014/main" id="{64C76D42-2200-4A13-AFFB-0F543F6A81AE}"/>
+              </a:ext>
+            </a:extLst>
+          </p:cNvPr>
+          <p:cNvSpPr/>
+          <p:nvPr/>
+        </p:nvSpPr>
+        <p:spPr>
+          <a:xfrm>
+            <a:off x="5741776" y="171465"/>
+            <a:ext cx="5361617" cy="664803"/>
+          </a:xfrm>
+          <a:prstGeom prst="rect">
+            <a:avLst/>
+          </a:prstGeom>
+        </p:spPr>
+        <p:style>
+          <a:lnRef idx="1">
+            <a:schemeClr val="accent5"/>
+          </a:lnRef>
+          <a:fillRef idx="2">
+            <a:schemeClr val="accent5"/>
+          </a:fillRef>
+          <a:effectRef idx="1">
+            <a:schemeClr val="accent5"/>
+          </a:effectRef>
+          <a:fontRef idx="minor">
+            <a:schemeClr val="dk1"/>
+          </a:fontRef>
+        </p:style>
+        <p:txBody>
+          <a:bodyPr rtlCol="0" anchor="ctr"/>
+          <a:lstStyle/>
+          <a:p>
+            <a:pPr algn="ctr"/>
+            <a:endParaRPr lang="en-IL" dirty="0"/>
+          </a:p>
+        </p:txBody>
+      </p:sp>
+      <p:sp>
+        <p:nvSpPr>
           <p:cNvPr id="2" name="Title 1">
             <a:extLst>
               <a:ext uri="{FF2B5EF4-FFF2-40B4-BE49-F238E27FC236}">
-                <a16:creationId xmlns:a16="http://schemas.microsoft.com/office/drawing/2014/main" id="{83719985-2CD8-4977-8479-E3A157C3CD9E}"/>
+                <a16:creationId xmlns:a16="http://schemas.microsoft.com/office/drawing/2014/main" id="{AD92F597-4DB6-45C7-97B2-8F408617D08A}"/>
               </a:ext>
             </a:extLst>
           </p:cNvPr>
@@ -51076,28 +52658,56 @@
             <a:spLocks noGrp="1"/>
           </p:cNvSpPr>
           <p:nvPr>
-            <p:ph type="ctrTitle"/>
+            <p:ph type="title"/>
           </p:nvPr>
         </p:nvSpPr>
-        <p:spPr/>
+        <p:spPr>
+          <a:xfrm>
+            <a:off x="1141412" y="0"/>
+            <a:ext cx="9905998" cy="983635"/>
+          </a:xfrm>
+        </p:spPr>
         <p:txBody>
           <a:bodyPr/>
           <a:lstStyle/>
           <a:p>
+            <a:pPr algn="r" rtl="1"/>
             <a:r>
-              <a:rPr lang="en-US" cap="none" dirty="0"/>
-              <a:t>Problem Demonstration</a:t>
+              <a:rPr lang="en-US" cap="none" dirty="0">
+                <a:solidFill>
+                  <a:schemeClr val="bg1"/>
+                </a:solidFill>
+                <a:latin typeface="Segoe UI Semibold" panose="020B0702040204020203" pitchFamily="34" charset="0"/>
+                <a:cs typeface="Segoe UI Semibold" panose="020B0702040204020203" pitchFamily="34" charset="0"/>
+              </a:rPr>
+              <a:t>ROP</a:t>
             </a:r>
-            <a:endParaRPr lang="en-IL" cap="none" dirty="0"/>
+            <a:r>
+              <a:rPr lang="he-IL" cap="none" dirty="0">
+                <a:solidFill>
+                  <a:schemeClr val="bg1"/>
+                </a:solidFill>
+                <a:latin typeface="Segoe UI Semibold" panose="020B0702040204020203" pitchFamily="34" charset="0"/>
+                <a:cs typeface="Segoe UI Semibold" panose="020B0702040204020203" pitchFamily="34" charset="0"/>
+              </a:rPr>
+              <a:t> – הגנות </a:t>
+            </a:r>
+            <a:endParaRPr lang="en-IL" cap="none" dirty="0">
+              <a:solidFill>
+                <a:schemeClr val="bg1"/>
+              </a:solidFill>
+              <a:latin typeface="Segoe UI Semibold" panose="020B0702040204020203" pitchFamily="34" charset="0"/>
+              <a:cs typeface="Segoe UI Semibold" panose="020B0702040204020203" pitchFamily="34" charset="0"/>
+            </a:endParaRPr>
           </a:p>
         </p:txBody>
       </p:sp>
       <p:sp>
         <p:nvSpPr>
-          <p:cNvPr id="3" name="Subtitle 2">
+          <p:cNvPr id="3" name="Content Placeholder 2">
             <a:extLst>
               <a:ext uri="{FF2B5EF4-FFF2-40B4-BE49-F238E27FC236}">
-                <a16:creationId xmlns:a16="http://schemas.microsoft.com/office/drawing/2014/main" id="{64BE32D0-F6A3-4A84-8B33-6CE1983651EE}"/>
+                <a16:creationId xmlns:a16="http://schemas.microsoft.com/office/drawing/2014/main" id="{5DB99D37-3B94-4415-BFED-4639A5DB97A4}"/>
               </a:ext>
             </a:extLst>
           </p:cNvPr>
@@ -51105,26 +52715,876 @@
             <a:spLocks noGrp="1"/>
           </p:cNvSpPr>
           <p:nvPr>
-            <p:ph type="subTitle" idx="1"/>
+            <p:ph idx="1"/>
           </p:nvPr>
         </p:nvSpPr>
-        <p:spPr/>
+        <p:spPr>
+          <a:xfrm>
+            <a:off x="4291430" y="802432"/>
+            <a:ext cx="6755980" cy="5685454"/>
+          </a:xfrm>
+        </p:spPr>
         <p:txBody>
-          <a:bodyPr/>
+          <a:bodyPr>
+            <a:normAutofit/>
+          </a:bodyPr>
           <a:lstStyle/>
           <a:p>
-            <a:endParaRPr lang="en-IL" dirty="0">
-              <a:solidFill>
-                <a:schemeClr val="tx1"/>
-              </a:solidFill>
+            <a:pPr lvl="1" algn="r" rtl="1"/>
+            <a:r>
+              <a:rPr lang="en-US" dirty="0">
+                <a:latin typeface="Segoe UI Semilight" panose="020B0402040204020203" pitchFamily="34" charset="0"/>
+                <a:cs typeface="Segoe UI Semilight" panose="020B0402040204020203" pitchFamily="34" charset="0"/>
+              </a:rPr>
+              <a:t>Shadow Stack</a:t>
+            </a:r>
+          </a:p>
+          <a:p>
+            <a:pPr lvl="2" algn="r" rtl="1"/>
+            <a:r>
+              <a:rPr lang="he-IL" dirty="0">
+                <a:latin typeface="Segoe UI Semilight" panose="020B0402040204020203" pitchFamily="34" charset="0"/>
+                <a:cs typeface="Segoe UI Semilight" panose="020B0402040204020203" pitchFamily="34" charset="0"/>
+              </a:rPr>
+              <a:t>מחסנית ששומרת רק את כתובות החזרה.</a:t>
+            </a:r>
+          </a:p>
+          <a:p>
+            <a:pPr lvl="2" algn="r" rtl="1"/>
+            <a:r>
+              <a:rPr lang="he-IL" dirty="0">
+                <a:latin typeface="Segoe UI Semilight" panose="020B0402040204020203" pitchFamily="34" charset="0"/>
+                <a:cs typeface="Segoe UI Semilight" panose="020B0402040204020203" pitchFamily="34" charset="0"/>
+              </a:rPr>
+              <a:t>כאשר מבצעים חזרה מפונקציה (</a:t>
+            </a:r>
+            <a:r>
+              <a:rPr lang="en-US" dirty="0">
+                <a:latin typeface="Segoe UI Semilight" panose="020B0402040204020203" pitchFamily="34" charset="0"/>
+                <a:cs typeface="Segoe UI Semilight" panose="020B0402040204020203" pitchFamily="34" charset="0"/>
+              </a:rPr>
+              <a:t>RET</a:t>
+            </a:r>
+            <a:r>
+              <a:rPr lang="he-IL" dirty="0">
+                <a:latin typeface="Segoe UI Semilight" panose="020B0402040204020203" pitchFamily="34" charset="0"/>
+                <a:cs typeface="Segoe UI Semilight" panose="020B0402040204020203" pitchFamily="34" charset="0"/>
+              </a:rPr>
+              <a:t>), משווים את כתובת החזרה שהוצאנו מה-</a:t>
+            </a:r>
+            <a:r>
+              <a:rPr lang="en-US" dirty="0">
+                <a:latin typeface="Segoe UI Semilight" panose="020B0402040204020203" pitchFamily="34" charset="0"/>
+                <a:cs typeface="Segoe UI Semilight" panose="020B0402040204020203" pitchFamily="34" charset="0"/>
+              </a:rPr>
+              <a:t>Stack</a:t>
+            </a:r>
+            <a:r>
+              <a:rPr lang="he-IL" dirty="0">
+                <a:latin typeface="Segoe UI Semilight" panose="020B0402040204020203" pitchFamily="34" charset="0"/>
+                <a:cs typeface="Segoe UI Semilight" panose="020B0402040204020203" pitchFamily="34" charset="0"/>
+              </a:rPr>
+              <a:t> לכתובת החזרה ששמורה ב-</a:t>
+            </a:r>
+            <a:r>
+              <a:rPr lang="en-US" dirty="0">
+                <a:latin typeface="Segoe UI Semilight" panose="020B0402040204020203" pitchFamily="34" charset="0"/>
+                <a:cs typeface="Segoe UI Semilight" panose="020B0402040204020203" pitchFamily="34" charset="0"/>
+              </a:rPr>
+              <a:t>Shadow Stack</a:t>
+            </a:r>
+            <a:r>
+              <a:rPr lang="he-IL" dirty="0">
+                <a:latin typeface="Segoe UI Semilight" panose="020B0402040204020203" pitchFamily="34" charset="0"/>
+                <a:cs typeface="Segoe UI Semilight" panose="020B0402040204020203" pitchFamily="34" charset="0"/>
+              </a:rPr>
+              <a:t>.</a:t>
+            </a:r>
+          </a:p>
+          <a:p>
+            <a:pPr lvl="2" algn="r" rtl="1"/>
+            <a:endParaRPr lang="he-IL" dirty="0">
+              <a:latin typeface="Segoe UI Semilight" panose="020B0402040204020203" pitchFamily="34" charset="0"/>
+              <a:cs typeface="Segoe UI Semilight" panose="020B0402040204020203" pitchFamily="34" charset="0"/>
             </a:endParaRPr>
+          </a:p>
+          <a:p>
+            <a:pPr lvl="1" algn="r" rtl="1"/>
+            <a:r>
+              <a:rPr lang="he-IL" dirty="0">
+                <a:latin typeface="Segoe UI Semilight" panose="020B0402040204020203" pitchFamily="34" charset="0"/>
+                <a:cs typeface="Segoe UI Semilight" panose="020B0402040204020203" pitchFamily="34" charset="0"/>
+              </a:rPr>
+              <a:t>חסרונות:</a:t>
+            </a:r>
+          </a:p>
+          <a:p>
+            <a:pPr lvl="2" algn="r" rtl="1"/>
+            <a:r>
+              <a:rPr lang="he-IL" dirty="0">
+                <a:latin typeface="Segoe UI Semilight" panose="020B0402040204020203" pitchFamily="34" charset="0"/>
+                <a:cs typeface="Segoe UI Semilight" panose="020B0402040204020203" pitchFamily="34" charset="0"/>
+              </a:rPr>
+              <a:t>מבנה לא אופטימלי של הזיכרון, כפי שניתן לראות באיור. </a:t>
+            </a:r>
+          </a:p>
+          <a:p>
+            <a:pPr lvl="2" algn="r" rtl="1"/>
+            <a:r>
+              <a:rPr lang="he-IL" dirty="0">
+                <a:latin typeface="Segoe UI Semilight" panose="020B0402040204020203" pitchFamily="34" charset="0"/>
+                <a:cs typeface="Segoe UI Semilight" panose="020B0402040204020203" pitchFamily="34" charset="0"/>
+              </a:rPr>
+              <a:t>צריך </a:t>
+            </a:r>
+            <a:r>
+              <a:rPr lang="en-US" dirty="0">
+                <a:latin typeface="Segoe UI Semilight" panose="020B0402040204020203" pitchFamily="34" charset="0"/>
+                <a:cs typeface="Segoe UI Semilight" panose="020B0402040204020203" pitchFamily="34" charset="0"/>
+              </a:rPr>
+              <a:t>shadow stack</a:t>
+            </a:r>
+            <a:r>
+              <a:rPr lang="he-IL" dirty="0">
+                <a:latin typeface="Segoe UI Semilight" panose="020B0402040204020203" pitchFamily="34" charset="0"/>
+                <a:cs typeface="Segoe UI Semilight" panose="020B0402040204020203" pitchFamily="34" charset="0"/>
+              </a:rPr>
+              <a:t> נפרד לכל </a:t>
+            </a:r>
+            <a:r>
+              <a:rPr lang="en-US" dirty="0">
+                <a:latin typeface="Segoe UI Semilight" panose="020B0402040204020203" pitchFamily="34" charset="0"/>
+                <a:cs typeface="Segoe UI Semilight" panose="020B0402040204020203" pitchFamily="34" charset="0"/>
+              </a:rPr>
+              <a:t>thread</a:t>
+            </a:r>
+            <a:r>
+              <a:rPr lang="he-IL" dirty="0">
+                <a:latin typeface="Segoe UI Semilight" panose="020B0402040204020203" pitchFamily="34" charset="0"/>
+                <a:cs typeface="Segoe UI Semilight" panose="020B0402040204020203" pitchFamily="34" charset="0"/>
+              </a:rPr>
+              <a:t> (בדומה למחסנית).</a:t>
+            </a:r>
+          </a:p>
+          <a:p>
+            <a:pPr lvl="2" algn="r" rtl="1"/>
+            <a:r>
+              <a:rPr lang="he-IL" dirty="0">
+                <a:latin typeface="Segoe UI Semilight" panose="020B0402040204020203" pitchFamily="34" charset="0"/>
+                <a:cs typeface="Segoe UI Semilight" panose="020B0402040204020203" pitchFamily="34" charset="0"/>
+              </a:rPr>
+              <a:t>עדיין אינה נתמכת בכל המעבדים / קומפיילרים (לא קיים ב-</a:t>
+            </a:r>
+            <a:r>
+              <a:rPr lang="en-US" dirty="0">
+                <a:latin typeface="Segoe UI Semilight" panose="020B0402040204020203" pitchFamily="34" charset="0"/>
+                <a:cs typeface="Segoe UI Semilight" panose="020B0402040204020203" pitchFamily="34" charset="0"/>
+              </a:rPr>
+              <a:t>GCC</a:t>
+            </a:r>
+            <a:r>
+              <a:rPr lang="he-IL" dirty="0">
+                <a:latin typeface="Segoe UI Semilight" panose="020B0402040204020203" pitchFamily="34" charset="0"/>
+                <a:cs typeface="Segoe UI Semilight" panose="020B0402040204020203" pitchFamily="34" charset="0"/>
+              </a:rPr>
+              <a:t> לדוגמא).</a:t>
+            </a:r>
+          </a:p>
+          <a:p>
+            <a:pPr lvl="2" algn="r" rtl="1"/>
+            <a:r>
+              <a:rPr lang="he-IL" dirty="0">
+                <a:latin typeface="Segoe UI Semilight" panose="020B0402040204020203" pitchFamily="34" charset="0"/>
+                <a:cs typeface="Segoe UI Semilight" panose="020B0402040204020203" pitchFamily="34" charset="0"/>
+              </a:rPr>
+              <a:t>לא תומך ב-</a:t>
+            </a:r>
+            <a:r>
+              <a:rPr lang="en-US" dirty="0">
+                <a:latin typeface="Segoe UI Semilight" panose="020B0402040204020203" pitchFamily="34" charset="0"/>
+                <a:cs typeface="Segoe UI Semilight" panose="020B0402040204020203" pitchFamily="34" charset="0"/>
+              </a:rPr>
+              <a:t>Exception</a:t>
+            </a:r>
+            <a:r>
+              <a:rPr lang="he-IL" dirty="0">
+                <a:latin typeface="Segoe UI Semilight" panose="020B0402040204020203" pitchFamily="34" charset="0"/>
+                <a:cs typeface="Segoe UI Semilight" panose="020B0402040204020203" pitchFamily="34" charset="0"/>
+              </a:rPr>
+              <a:t>-ים בצורה טובה.</a:t>
+            </a:r>
+          </a:p>
+          <a:p>
+            <a:pPr lvl="2" algn="r" rtl="1"/>
+            <a:endParaRPr lang="he-IL" dirty="0">
+              <a:latin typeface="Segoe UI Semilight" panose="020B0402040204020203" pitchFamily="34" charset="0"/>
+              <a:cs typeface="Segoe UI Semilight" panose="020B0402040204020203" pitchFamily="34" charset="0"/>
+            </a:endParaRPr>
+          </a:p>
+          <a:p>
+            <a:pPr marL="457200" lvl="1" indent="0" algn="r" rtl="1">
+              <a:buNone/>
+            </a:pPr>
+            <a:endParaRPr lang="he-IL" dirty="0">
+              <a:latin typeface="Segoe UI Semilight" panose="020B0402040204020203" pitchFamily="34" charset="0"/>
+              <a:cs typeface="Segoe UI Semilight" panose="020B0402040204020203" pitchFamily="34" charset="0"/>
+            </a:endParaRPr>
+          </a:p>
+          <a:p>
+            <a:pPr lvl="2" algn="r" rtl="1"/>
+            <a:endParaRPr lang="en-US" dirty="0">
+              <a:latin typeface="Segoe UI Semilight" panose="020B0402040204020203" pitchFamily="34" charset="0"/>
+              <a:cs typeface="Segoe UI Semilight" panose="020B0402040204020203" pitchFamily="34" charset="0"/>
+            </a:endParaRPr>
+          </a:p>
+          <a:p>
+            <a:pPr algn="r" rtl="1"/>
+            <a:endParaRPr lang="he-IL" dirty="0">
+              <a:latin typeface="Segoe UI Semilight" panose="020B0402040204020203" pitchFamily="34" charset="0"/>
+              <a:cs typeface="Segoe UI Semilight" panose="020B0402040204020203" pitchFamily="34" charset="0"/>
+            </a:endParaRPr>
+          </a:p>
+          <a:p>
+            <a:pPr lvl="1" algn="r" rtl="1"/>
+            <a:endParaRPr lang="he-IL" dirty="0">
+              <a:latin typeface="Segoe UI Semilight" panose="020B0402040204020203" pitchFamily="34" charset="0"/>
+              <a:cs typeface="Segoe UI Semilight" panose="020B0402040204020203" pitchFamily="34" charset="0"/>
+            </a:endParaRPr>
+          </a:p>
+        </p:txBody>
+      </p:sp>
+      <p:sp>
+        <p:nvSpPr>
+          <p:cNvPr id="56" name="Rectangle 55">
+            <a:extLst>
+              <a:ext uri="{FF2B5EF4-FFF2-40B4-BE49-F238E27FC236}">
+                <a16:creationId xmlns:a16="http://schemas.microsoft.com/office/drawing/2014/main" id="{67FF3EDB-8D86-4236-AE86-D6377B985983}"/>
+              </a:ext>
+            </a:extLst>
+          </p:cNvPr>
+          <p:cNvSpPr/>
+          <p:nvPr/>
+        </p:nvSpPr>
+        <p:spPr>
+          <a:xfrm>
+            <a:off x="1514669" y="454089"/>
+            <a:ext cx="2708987" cy="5629469"/>
+          </a:xfrm>
+          <a:prstGeom prst="rect">
+            <a:avLst/>
+          </a:prstGeom>
+        </p:spPr>
+        <p:style>
+          <a:lnRef idx="1">
+            <a:schemeClr val="accent5"/>
+          </a:lnRef>
+          <a:fillRef idx="2">
+            <a:schemeClr val="accent5"/>
+          </a:fillRef>
+          <a:effectRef idx="1">
+            <a:schemeClr val="accent5"/>
+          </a:effectRef>
+          <a:fontRef idx="minor">
+            <a:schemeClr val="dk1"/>
+          </a:fontRef>
+        </p:style>
+        <p:txBody>
+          <a:bodyPr rtlCol="0" anchor="ctr"/>
+          <a:lstStyle/>
+          <a:p>
+            <a:pPr algn="ctr"/>
+            <a:endParaRPr lang="en-IL" dirty="0"/>
+          </a:p>
+        </p:txBody>
+      </p:sp>
+      <p:sp>
+        <p:nvSpPr>
+          <p:cNvPr id="57" name="Rectangle 56">
+            <a:extLst>
+              <a:ext uri="{FF2B5EF4-FFF2-40B4-BE49-F238E27FC236}">
+                <a16:creationId xmlns:a16="http://schemas.microsoft.com/office/drawing/2014/main" id="{C8BA3093-7CBB-408A-867E-C34F66579249}"/>
+              </a:ext>
+            </a:extLst>
+          </p:cNvPr>
+          <p:cNvSpPr/>
+          <p:nvPr/>
+        </p:nvSpPr>
+        <p:spPr>
+          <a:xfrm>
+            <a:off x="1635968" y="516298"/>
+            <a:ext cx="2475722" cy="640702"/>
+          </a:xfrm>
+          <a:prstGeom prst="rect">
+            <a:avLst/>
+          </a:prstGeom>
+        </p:spPr>
+        <p:style>
+          <a:lnRef idx="1">
+            <a:schemeClr val="accent5"/>
+          </a:lnRef>
+          <a:fillRef idx="2">
+            <a:schemeClr val="accent5"/>
+          </a:fillRef>
+          <a:effectRef idx="1">
+            <a:schemeClr val="accent5"/>
+          </a:effectRef>
+          <a:fontRef idx="minor">
+            <a:schemeClr val="dk1"/>
+          </a:fontRef>
+        </p:style>
+        <p:txBody>
+          <a:bodyPr rtlCol="0" anchor="ctr"/>
+          <a:lstStyle/>
+          <a:p>
+            <a:pPr algn="ctr"/>
+            <a:r>
+              <a:rPr lang="en-US" dirty="0"/>
+              <a:t>.text</a:t>
+            </a:r>
+            <a:endParaRPr lang="en-IL" dirty="0"/>
+          </a:p>
+        </p:txBody>
+      </p:sp>
+      <p:sp>
+        <p:nvSpPr>
+          <p:cNvPr id="58" name="Rectangle 57">
+            <a:extLst>
+              <a:ext uri="{FF2B5EF4-FFF2-40B4-BE49-F238E27FC236}">
+                <a16:creationId xmlns:a16="http://schemas.microsoft.com/office/drawing/2014/main" id="{B1A6416B-7CE1-428C-8E25-8C49B155D66C}"/>
+              </a:ext>
+            </a:extLst>
+          </p:cNvPr>
+          <p:cNvSpPr/>
+          <p:nvPr/>
+        </p:nvSpPr>
+        <p:spPr>
+          <a:xfrm>
+            <a:off x="1635968" y="1138340"/>
+            <a:ext cx="2475722" cy="640702"/>
+          </a:xfrm>
+          <a:prstGeom prst="rect">
+            <a:avLst/>
+          </a:prstGeom>
+        </p:spPr>
+        <p:style>
+          <a:lnRef idx="1">
+            <a:schemeClr val="accent5"/>
+          </a:lnRef>
+          <a:fillRef idx="2">
+            <a:schemeClr val="accent5"/>
+          </a:fillRef>
+          <a:effectRef idx="1">
+            <a:schemeClr val="accent5"/>
+          </a:effectRef>
+          <a:fontRef idx="minor">
+            <a:schemeClr val="dk1"/>
+          </a:fontRef>
+        </p:style>
+        <p:txBody>
+          <a:bodyPr rtlCol="0" anchor="ctr"/>
+          <a:lstStyle/>
+          <a:p>
+            <a:pPr algn="ctr"/>
+            <a:r>
+              <a:rPr lang="en-US" dirty="0"/>
+              <a:t>.data</a:t>
+            </a:r>
+            <a:endParaRPr lang="en-IL" dirty="0"/>
+          </a:p>
+        </p:txBody>
+      </p:sp>
+      <p:sp>
+        <p:nvSpPr>
+          <p:cNvPr id="59" name="Rectangle 58">
+            <a:extLst>
+              <a:ext uri="{FF2B5EF4-FFF2-40B4-BE49-F238E27FC236}">
+                <a16:creationId xmlns:a16="http://schemas.microsoft.com/office/drawing/2014/main" id="{C5A8D9EC-FCEB-416A-A0BD-F727D8B61BB6}"/>
+              </a:ext>
+            </a:extLst>
+          </p:cNvPr>
+          <p:cNvSpPr/>
+          <p:nvPr/>
+        </p:nvSpPr>
+        <p:spPr>
+          <a:xfrm>
+            <a:off x="1635968" y="1779042"/>
+            <a:ext cx="2475722" cy="640702"/>
+          </a:xfrm>
+          <a:prstGeom prst="rect">
+            <a:avLst/>
+          </a:prstGeom>
+        </p:spPr>
+        <p:style>
+          <a:lnRef idx="1">
+            <a:schemeClr val="accent5"/>
+          </a:lnRef>
+          <a:fillRef idx="2">
+            <a:schemeClr val="accent5"/>
+          </a:fillRef>
+          <a:effectRef idx="1">
+            <a:schemeClr val="accent5"/>
+          </a:effectRef>
+          <a:fontRef idx="minor">
+            <a:schemeClr val="dk1"/>
+          </a:fontRef>
+        </p:style>
+        <p:txBody>
+          <a:bodyPr rtlCol="0" anchor="ctr"/>
+          <a:lstStyle/>
+          <a:p>
+            <a:pPr algn="ctr"/>
+            <a:r>
+              <a:rPr lang="en-US" dirty="0"/>
+              <a:t>.</a:t>
+            </a:r>
+            <a:r>
+              <a:rPr lang="en-US" dirty="0" err="1"/>
+              <a:t>bss</a:t>
+            </a:r>
+            <a:endParaRPr lang="en-IL" dirty="0"/>
+          </a:p>
+        </p:txBody>
+      </p:sp>
+      <p:sp>
+        <p:nvSpPr>
+          <p:cNvPr id="60" name="Rectangle 59">
+            <a:extLst>
+              <a:ext uri="{FF2B5EF4-FFF2-40B4-BE49-F238E27FC236}">
+                <a16:creationId xmlns:a16="http://schemas.microsoft.com/office/drawing/2014/main" id="{D8B237E7-B2C6-49DD-853B-C4D40BA9C800}"/>
+              </a:ext>
+            </a:extLst>
+          </p:cNvPr>
+          <p:cNvSpPr/>
+          <p:nvPr/>
+        </p:nvSpPr>
+        <p:spPr>
+          <a:xfrm>
+            <a:off x="1635968" y="3072872"/>
+            <a:ext cx="2475722" cy="933055"/>
+          </a:xfrm>
+          <a:prstGeom prst="rect">
+            <a:avLst/>
+          </a:prstGeom>
+        </p:spPr>
+        <p:style>
+          <a:lnRef idx="1">
+            <a:schemeClr val="accent5"/>
+          </a:lnRef>
+          <a:fillRef idx="2">
+            <a:schemeClr val="accent5"/>
+          </a:fillRef>
+          <a:effectRef idx="1">
+            <a:schemeClr val="accent5"/>
+          </a:effectRef>
+          <a:fontRef idx="minor">
+            <a:schemeClr val="dk1"/>
+          </a:fontRef>
+        </p:style>
+        <p:txBody>
+          <a:bodyPr rtlCol="0" anchor="ctr"/>
+          <a:lstStyle/>
+          <a:p>
+            <a:pPr algn="ctr"/>
+            <a:r>
+              <a:rPr lang="en-US" dirty="0"/>
+              <a:t>Heap</a:t>
+            </a:r>
+            <a:endParaRPr lang="en-IL" dirty="0"/>
+          </a:p>
+        </p:txBody>
+      </p:sp>
+      <p:sp>
+        <p:nvSpPr>
+          <p:cNvPr id="61" name="Rectangle 60">
+            <a:extLst>
+              <a:ext uri="{FF2B5EF4-FFF2-40B4-BE49-F238E27FC236}">
+                <a16:creationId xmlns:a16="http://schemas.microsoft.com/office/drawing/2014/main" id="{E314C36C-776A-4282-8F15-40060B9F07F4}"/>
+              </a:ext>
+            </a:extLst>
+          </p:cNvPr>
+          <p:cNvSpPr/>
+          <p:nvPr/>
+        </p:nvSpPr>
+        <p:spPr>
+          <a:xfrm>
+            <a:off x="1631301" y="5156703"/>
+            <a:ext cx="2475722" cy="842872"/>
+          </a:xfrm>
+          <a:prstGeom prst="rect">
+            <a:avLst/>
+          </a:prstGeom>
+        </p:spPr>
+        <p:style>
+          <a:lnRef idx="1">
+            <a:schemeClr val="accent5"/>
+          </a:lnRef>
+          <a:fillRef idx="2">
+            <a:schemeClr val="accent5"/>
+          </a:fillRef>
+          <a:effectRef idx="1">
+            <a:schemeClr val="accent5"/>
+          </a:effectRef>
+          <a:fontRef idx="minor">
+            <a:schemeClr val="dk1"/>
+          </a:fontRef>
+        </p:style>
+        <p:txBody>
+          <a:bodyPr rtlCol="0" anchor="ctr"/>
+          <a:lstStyle/>
+          <a:p>
+            <a:pPr algn="ctr"/>
+            <a:r>
+              <a:rPr lang="en-US" dirty="0"/>
+              <a:t>Stack</a:t>
+            </a:r>
+            <a:endParaRPr lang="en-IL" dirty="0"/>
+          </a:p>
+        </p:txBody>
+      </p:sp>
+      <p:sp>
+        <p:nvSpPr>
+          <p:cNvPr id="62" name="Arrow: Down 61">
+            <a:extLst>
+              <a:ext uri="{FF2B5EF4-FFF2-40B4-BE49-F238E27FC236}">
+                <a16:creationId xmlns:a16="http://schemas.microsoft.com/office/drawing/2014/main" id="{245F3F56-845D-4C61-ABE9-0FAE5EE72DA9}"/>
+              </a:ext>
+            </a:extLst>
+          </p:cNvPr>
+          <p:cNvSpPr/>
+          <p:nvPr/>
+        </p:nvSpPr>
+        <p:spPr>
+          <a:xfrm rot="10800000">
+            <a:off x="2744754" y="4752374"/>
+            <a:ext cx="248816" cy="391885"/>
+          </a:xfrm>
+          <a:prstGeom prst="downArrow">
+            <a:avLst/>
+          </a:prstGeom>
+        </p:spPr>
+        <p:style>
+          <a:lnRef idx="2">
+            <a:schemeClr val="accent5">
+              <a:shade val="50000"/>
+            </a:schemeClr>
+          </a:lnRef>
+          <a:fillRef idx="1">
+            <a:schemeClr val="accent5"/>
+          </a:fillRef>
+          <a:effectRef idx="0">
+            <a:schemeClr val="accent5"/>
+          </a:effectRef>
+          <a:fontRef idx="minor">
+            <a:schemeClr val="lt1"/>
+          </a:fontRef>
+        </p:style>
+        <p:txBody>
+          <a:bodyPr rtlCol="0" anchor="ctr"/>
+          <a:lstStyle/>
+          <a:p>
+            <a:pPr algn="ctr"/>
+            <a:endParaRPr lang="en-IL"/>
+          </a:p>
+        </p:txBody>
+      </p:sp>
+      <p:sp>
+        <p:nvSpPr>
+          <p:cNvPr id="63" name="Arrow: Down 62">
+            <a:extLst>
+              <a:ext uri="{FF2B5EF4-FFF2-40B4-BE49-F238E27FC236}">
+                <a16:creationId xmlns:a16="http://schemas.microsoft.com/office/drawing/2014/main" id="{9BADE0C8-2D8A-462D-8BB9-813939FF6B82}"/>
+              </a:ext>
+            </a:extLst>
+          </p:cNvPr>
+          <p:cNvSpPr/>
+          <p:nvPr/>
+        </p:nvSpPr>
+        <p:spPr>
+          <a:xfrm>
+            <a:off x="2744753" y="4015259"/>
+            <a:ext cx="248816" cy="409380"/>
+          </a:xfrm>
+          <a:prstGeom prst="downArrow">
+            <a:avLst/>
+          </a:prstGeom>
+        </p:spPr>
+        <p:style>
+          <a:lnRef idx="2">
+            <a:schemeClr val="accent5">
+              <a:shade val="50000"/>
+            </a:schemeClr>
+          </a:lnRef>
+          <a:fillRef idx="1">
+            <a:schemeClr val="accent5"/>
+          </a:fillRef>
+          <a:effectRef idx="0">
+            <a:schemeClr val="accent5"/>
+          </a:effectRef>
+          <a:fontRef idx="minor">
+            <a:schemeClr val="lt1"/>
+          </a:fontRef>
+        </p:style>
+        <p:txBody>
+          <a:bodyPr rtlCol="0" anchor="ctr"/>
+          <a:lstStyle/>
+          <a:p>
+            <a:pPr algn="ctr"/>
+            <a:endParaRPr lang="en-IL"/>
+          </a:p>
+        </p:txBody>
+      </p:sp>
+      <p:cxnSp>
+        <p:nvCxnSpPr>
+          <p:cNvPr id="64" name="Straight Arrow Connector 63">
+            <a:extLst>
+              <a:ext uri="{FF2B5EF4-FFF2-40B4-BE49-F238E27FC236}">
+                <a16:creationId xmlns:a16="http://schemas.microsoft.com/office/drawing/2014/main" id="{E2AE5F8F-3433-4AF1-8011-8C8982BA8322}"/>
+              </a:ext>
+            </a:extLst>
+          </p:cNvPr>
+          <p:cNvCxnSpPr>
+            <a:cxnSpLocks/>
+          </p:cNvCxnSpPr>
+          <p:nvPr/>
+        </p:nvCxnSpPr>
+        <p:spPr>
+          <a:xfrm flipH="1">
+            <a:off x="4223656" y="516298"/>
+            <a:ext cx="870858" cy="0"/>
+          </a:xfrm>
+          <a:prstGeom prst="straightConnector1">
+            <a:avLst/>
+          </a:prstGeom>
+          <a:ln>
+            <a:tailEnd type="triangle"/>
+          </a:ln>
+        </p:spPr>
+        <p:style>
+          <a:lnRef idx="3">
+            <a:schemeClr val="accent5"/>
+          </a:lnRef>
+          <a:fillRef idx="0">
+            <a:schemeClr val="accent5"/>
+          </a:fillRef>
+          <a:effectRef idx="2">
+            <a:schemeClr val="accent5"/>
+          </a:effectRef>
+          <a:fontRef idx="minor">
+            <a:schemeClr val="tx1"/>
+          </a:fontRef>
+        </p:style>
+      </p:cxnSp>
+      <p:sp>
+        <p:nvSpPr>
+          <p:cNvPr id="65" name="TextBox 64">
+            <a:extLst>
+              <a:ext uri="{FF2B5EF4-FFF2-40B4-BE49-F238E27FC236}">
+                <a16:creationId xmlns:a16="http://schemas.microsoft.com/office/drawing/2014/main" id="{DFACF1E1-B116-487A-889A-5F4A20E3E379}"/>
+              </a:ext>
+            </a:extLst>
+          </p:cNvPr>
+          <p:cNvSpPr txBox="1"/>
+          <p:nvPr/>
+        </p:nvSpPr>
+        <p:spPr>
+          <a:xfrm>
+            <a:off x="4335622" y="466937"/>
+            <a:ext cx="1338380" cy="369332"/>
+          </a:xfrm>
+          <a:prstGeom prst="rect">
+            <a:avLst/>
+          </a:prstGeom>
+          <a:noFill/>
+        </p:spPr>
+        <p:txBody>
+          <a:bodyPr wrap="none" rtlCol="0">
+            <a:spAutoFit/>
+          </a:bodyPr>
+          <a:lstStyle/>
+          <a:p>
+            <a:r>
+              <a:rPr lang="en-US" dirty="0"/>
+              <a:t>Low Address</a:t>
+            </a:r>
+            <a:endParaRPr lang="en-IL" dirty="0"/>
+          </a:p>
+        </p:txBody>
+      </p:sp>
+      <p:cxnSp>
+        <p:nvCxnSpPr>
+          <p:cNvPr id="66" name="Straight Arrow Connector 65">
+            <a:extLst>
+              <a:ext uri="{FF2B5EF4-FFF2-40B4-BE49-F238E27FC236}">
+                <a16:creationId xmlns:a16="http://schemas.microsoft.com/office/drawing/2014/main" id="{588AA7E7-18F3-416F-A6A9-0227D1071CAA}"/>
+              </a:ext>
+            </a:extLst>
+          </p:cNvPr>
+          <p:cNvCxnSpPr>
+            <a:cxnSpLocks/>
+          </p:cNvCxnSpPr>
+          <p:nvPr/>
+        </p:nvCxnSpPr>
+        <p:spPr>
+          <a:xfrm flipH="1">
+            <a:off x="4282750" y="5337121"/>
+            <a:ext cx="870858" cy="0"/>
+          </a:xfrm>
+          <a:prstGeom prst="straightConnector1">
+            <a:avLst/>
+          </a:prstGeom>
+          <a:ln>
+            <a:tailEnd type="triangle"/>
+          </a:ln>
+        </p:spPr>
+        <p:style>
+          <a:lnRef idx="3">
+            <a:schemeClr val="accent5"/>
+          </a:lnRef>
+          <a:fillRef idx="0">
+            <a:schemeClr val="accent5"/>
+          </a:fillRef>
+          <a:effectRef idx="2">
+            <a:schemeClr val="accent5"/>
+          </a:effectRef>
+          <a:fontRef idx="minor">
+            <a:schemeClr val="tx1"/>
+          </a:fontRef>
+        </p:style>
+      </p:cxnSp>
+      <p:sp>
+        <p:nvSpPr>
+          <p:cNvPr id="67" name="TextBox 66">
+            <a:extLst>
+              <a:ext uri="{FF2B5EF4-FFF2-40B4-BE49-F238E27FC236}">
+                <a16:creationId xmlns:a16="http://schemas.microsoft.com/office/drawing/2014/main" id="{6B2BFDEF-D225-49DE-813C-C6AB0D9AC5B3}"/>
+              </a:ext>
+            </a:extLst>
+          </p:cNvPr>
+          <p:cNvSpPr txBox="1"/>
+          <p:nvPr/>
+        </p:nvSpPr>
+        <p:spPr>
+          <a:xfrm>
+            <a:off x="4335622" y="5000405"/>
+            <a:ext cx="1406154" cy="369332"/>
+          </a:xfrm>
+          <a:prstGeom prst="rect">
+            <a:avLst/>
+          </a:prstGeom>
+          <a:noFill/>
+        </p:spPr>
+        <p:txBody>
+          <a:bodyPr wrap="none" rtlCol="0">
+            <a:spAutoFit/>
+          </a:bodyPr>
+          <a:lstStyle/>
+          <a:p>
+            <a:r>
+              <a:rPr lang="en-US" dirty="0"/>
+              <a:t>High Address</a:t>
+            </a:r>
+            <a:endParaRPr lang="en-IL" dirty="0"/>
+          </a:p>
+        </p:txBody>
+      </p:sp>
+      <p:sp>
+        <p:nvSpPr>
+          <p:cNvPr id="78" name="Rectangle 77">
+            <a:extLst>
+              <a:ext uri="{FF2B5EF4-FFF2-40B4-BE49-F238E27FC236}">
+                <a16:creationId xmlns:a16="http://schemas.microsoft.com/office/drawing/2014/main" id="{359C60A1-A1EC-4BFA-AC3A-AC6B7EF69ED9}"/>
+              </a:ext>
+            </a:extLst>
+          </p:cNvPr>
+          <p:cNvSpPr/>
+          <p:nvPr/>
+        </p:nvSpPr>
+        <p:spPr>
+          <a:xfrm>
+            <a:off x="1637521" y="2838432"/>
+            <a:ext cx="2475722" cy="228220"/>
+          </a:xfrm>
+          <a:prstGeom prst="rect">
+            <a:avLst/>
+          </a:prstGeom>
+        </p:spPr>
+        <p:style>
+          <a:lnRef idx="1">
+            <a:schemeClr val="accent5"/>
+          </a:lnRef>
+          <a:fillRef idx="2">
+            <a:schemeClr val="accent5"/>
+          </a:fillRef>
+          <a:effectRef idx="1">
+            <a:schemeClr val="accent5"/>
+          </a:effectRef>
+          <a:fontRef idx="minor">
+            <a:schemeClr val="dk1"/>
+          </a:fontRef>
+        </p:style>
+        <p:txBody>
+          <a:bodyPr rtlCol="0" anchor="ctr"/>
+          <a:lstStyle/>
+          <a:p>
+            <a:pPr algn="ctr"/>
+            <a:r>
+              <a:rPr lang="en-US" dirty="0"/>
+              <a:t>Shadow Stack</a:t>
+            </a:r>
+            <a:endParaRPr lang="en-IL" dirty="0"/>
+          </a:p>
+        </p:txBody>
+      </p:sp>
+      <p:sp>
+        <p:nvSpPr>
+          <p:cNvPr id="79" name="Arrow: Down 78">
+            <a:extLst>
+              <a:ext uri="{FF2B5EF4-FFF2-40B4-BE49-F238E27FC236}">
+                <a16:creationId xmlns:a16="http://schemas.microsoft.com/office/drawing/2014/main" id="{DFF8193C-7E30-4C4E-BF1C-370FAF15FE8A}"/>
+              </a:ext>
+            </a:extLst>
+          </p:cNvPr>
+          <p:cNvSpPr/>
+          <p:nvPr/>
+        </p:nvSpPr>
+        <p:spPr>
+          <a:xfrm rot="10800000">
+            <a:off x="2744754" y="2665066"/>
+            <a:ext cx="248816" cy="155053"/>
+          </a:xfrm>
+          <a:prstGeom prst="downArrow">
+            <a:avLst/>
+          </a:prstGeom>
+        </p:spPr>
+        <p:style>
+          <a:lnRef idx="2">
+            <a:schemeClr val="accent5">
+              <a:shade val="50000"/>
+            </a:schemeClr>
+          </a:lnRef>
+          <a:fillRef idx="1">
+            <a:schemeClr val="accent5"/>
+          </a:fillRef>
+          <a:effectRef idx="0">
+            <a:schemeClr val="accent5"/>
+          </a:effectRef>
+          <a:fontRef idx="minor">
+            <a:schemeClr val="lt1"/>
+          </a:fontRef>
+        </p:style>
+        <p:txBody>
+          <a:bodyPr rtlCol="0" anchor="ctr"/>
+          <a:lstStyle/>
+          <a:p>
+            <a:pPr algn="ctr"/>
+            <a:endParaRPr lang="en-IL"/>
           </a:p>
         </p:txBody>
       </p:sp>
     </p:spTree>
     <p:extLst>
       <p:ext uri="{BB962C8B-B14F-4D97-AF65-F5344CB8AC3E}">
-        <p14:creationId xmlns:p14="http://schemas.microsoft.com/office/powerpoint/2010/main" val="1546935268"/>
+        <p14:creationId xmlns:p14="http://schemas.microsoft.com/office/powerpoint/2010/main" val="825261384"/>
       </p:ext>
     </p:extLst>
   </p:cSld>

--- a/Lecture/Lecture.pptx
+++ b/Lecture/Lecture.pptx
@@ -5,7 +5,7 @@
     <p:sldMasterId id="2147483660" r:id="rId1"/>
   </p:sldMasterIdLst>
   <p:notesMasterIdLst>
-    <p:notesMasterId r:id="rId32"/>
+    <p:notesMasterId r:id="rId37"/>
   </p:notesMasterIdLst>
   <p:sldIdLst>
     <p:sldId id="256" r:id="rId2"/>
@@ -37,7 +37,12 @@
     <p:sldId id="304" r:id="rId28"/>
     <p:sldId id="306" r:id="rId29"/>
     <p:sldId id="305" r:id="rId30"/>
-    <p:sldId id="278" r:id="rId31"/>
+    <p:sldId id="307" r:id="rId31"/>
+    <p:sldId id="308" r:id="rId32"/>
+    <p:sldId id="309" r:id="rId33"/>
+    <p:sldId id="310" r:id="rId34"/>
+    <p:sldId id="311" r:id="rId35"/>
+    <p:sldId id="278" r:id="rId36"/>
   </p:sldIdLst>
   <p:sldSz cx="12192000" cy="6858000"/>
   <p:notesSz cx="6858000" cy="9144000"/>
@@ -2505,7 +2510,10 @@
           <a:bodyPr/>
           <a:lstStyle/>
           <a:p>
-            <a:endParaRPr lang="en-IL" dirty="0"/>
+            <a:r>
+              <a:rPr lang="en-US" dirty="0"/>
+              <a:t>Echo Server</a:t>
+            </a:r>
           </a:p>
         </p:txBody>
       </p:sp>
@@ -2527,6 +2535,426 @@
             <a:fld id="{FA19A2CC-002F-40A3-8085-9B94163C320C}" type="slidenum">
               <a:rPr lang="en-IL" smtClean="0"/>
               <a:t>30</a:t>
+            </a:fld>
+            <a:endParaRPr lang="en-IL"/>
+          </a:p>
+        </p:txBody>
+      </p:sp>
+    </p:spTree>
+    <p:extLst>
+      <p:ext uri="{BB962C8B-B14F-4D97-AF65-F5344CB8AC3E}">
+        <p14:creationId xmlns:p14="http://schemas.microsoft.com/office/powerpoint/2010/main" val="3805921707"/>
+      </p:ext>
+    </p:extLst>
+  </p:cSld>
+  <p:clrMapOvr>
+    <a:masterClrMapping/>
+  </p:clrMapOvr>
+</p:notes>
+</file>
+
+<file path=ppt/notesSlides/notesSlide31.xml><?xml version="1.0" encoding="utf-8"?>
+<p:notes xmlns:a="http://schemas.openxmlformats.org/drawingml/2006/main" xmlns:r="http://schemas.openxmlformats.org/officeDocument/2006/relationships" xmlns:p="http://schemas.openxmlformats.org/presentationml/2006/main">
+  <p:cSld>
+    <p:spTree>
+      <p:nvGrpSpPr>
+        <p:cNvPr id="1" name=""/>
+        <p:cNvGrpSpPr/>
+        <p:nvPr/>
+      </p:nvGrpSpPr>
+      <p:grpSpPr>
+        <a:xfrm>
+          <a:off x="0" y="0"/>
+          <a:ext cx="0" cy="0"/>
+          <a:chOff x="0" y="0"/>
+          <a:chExt cx="0" cy="0"/>
+        </a:xfrm>
+      </p:grpSpPr>
+      <p:sp>
+        <p:nvSpPr>
+          <p:cNvPr id="2" name="Slide Image Placeholder 1"/>
+          <p:cNvSpPr>
+            <a:spLocks noGrp="1" noRot="1" noChangeAspect="1"/>
+          </p:cNvSpPr>
+          <p:nvPr>
+            <p:ph type="sldImg"/>
+          </p:nvPr>
+        </p:nvSpPr>
+        <p:spPr/>
+      </p:sp>
+      <p:sp>
+        <p:nvSpPr>
+          <p:cNvPr id="3" name="Notes Placeholder 2"/>
+          <p:cNvSpPr>
+            <a:spLocks noGrp="1"/>
+          </p:cNvSpPr>
+          <p:nvPr>
+            <p:ph type="body" idx="1"/>
+          </p:nvPr>
+        </p:nvSpPr>
+        <p:spPr/>
+        <p:txBody>
+          <a:bodyPr/>
+          <a:lstStyle/>
+          <a:p>
+            <a:endParaRPr lang="en-IL" dirty="0"/>
+          </a:p>
+        </p:txBody>
+      </p:sp>
+      <p:sp>
+        <p:nvSpPr>
+          <p:cNvPr id="4" name="Slide Number Placeholder 3"/>
+          <p:cNvSpPr>
+            <a:spLocks noGrp="1"/>
+          </p:cNvSpPr>
+          <p:nvPr>
+            <p:ph type="sldNum" sz="quarter" idx="5"/>
+          </p:nvPr>
+        </p:nvSpPr>
+        <p:spPr/>
+        <p:txBody>
+          <a:bodyPr/>
+          <a:lstStyle/>
+          <a:p>
+            <a:fld id="{FA19A2CC-002F-40A3-8085-9B94163C320C}" type="slidenum">
+              <a:rPr lang="en-IL" smtClean="0"/>
+              <a:t>31</a:t>
+            </a:fld>
+            <a:endParaRPr lang="en-IL"/>
+          </a:p>
+        </p:txBody>
+      </p:sp>
+    </p:spTree>
+    <p:extLst>
+      <p:ext uri="{BB962C8B-B14F-4D97-AF65-F5344CB8AC3E}">
+        <p14:creationId xmlns:p14="http://schemas.microsoft.com/office/powerpoint/2010/main" val="3196954493"/>
+      </p:ext>
+    </p:extLst>
+  </p:cSld>
+  <p:clrMapOvr>
+    <a:masterClrMapping/>
+  </p:clrMapOvr>
+</p:notes>
+</file>
+
+<file path=ppt/notesSlides/notesSlide32.xml><?xml version="1.0" encoding="utf-8"?>
+<p:notes xmlns:a="http://schemas.openxmlformats.org/drawingml/2006/main" xmlns:r="http://schemas.openxmlformats.org/officeDocument/2006/relationships" xmlns:p="http://schemas.openxmlformats.org/presentationml/2006/main">
+  <p:cSld>
+    <p:spTree>
+      <p:nvGrpSpPr>
+        <p:cNvPr id="1" name=""/>
+        <p:cNvGrpSpPr/>
+        <p:nvPr/>
+      </p:nvGrpSpPr>
+      <p:grpSpPr>
+        <a:xfrm>
+          <a:off x="0" y="0"/>
+          <a:ext cx="0" cy="0"/>
+          <a:chOff x="0" y="0"/>
+          <a:chExt cx="0" cy="0"/>
+        </a:xfrm>
+      </p:grpSpPr>
+      <p:sp>
+        <p:nvSpPr>
+          <p:cNvPr id="2" name="Slide Image Placeholder 1"/>
+          <p:cNvSpPr>
+            <a:spLocks noGrp="1" noRot="1" noChangeAspect="1"/>
+          </p:cNvSpPr>
+          <p:nvPr>
+            <p:ph type="sldImg"/>
+          </p:nvPr>
+        </p:nvSpPr>
+        <p:spPr/>
+      </p:sp>
+      <p:sp>
+        <p:nvSpPr>
+          <p:cNvPr id="3" name="Notes Placeholder 2"/>
+          <p:cNvSpPr>
+            <a:spLocks noGrp="1"/>
+          </p:cNvSpPr>
+          <p:nvPr>
+            <p:ph type="body" idx="1"/>
+          </p:nvPr>
+        </p:nvSpPr>
+        <p:spPr/>
+        <p:txBody>
+          <a:bodyPr/>
+          <a:lstStyle/>
+          <a:p>
+            <a:endParaRPr lang="en-IL" dirty="0"/>
+          </a:p>
+        </p:txBody>
+      </p:sp>
+      <p:sp>
+        <p:nvSpPr>
+          <p:cNvPr id="4" name="Slide Number Placeholder 3"/>
+          <p:cNvSpPr>
+            <a:spLocks noGrp="1"/>
+          </p:cNvSpPr>
+          <p:nvPr>
+            <p:ph type="sldNum" sz="quarter" idx="5"/>
+          </p:nvPr>
+        </p:nvSpPr>
+        <p:spPr/>
+        <p:txBody>
+          <a:bodyPr/>
+          <a:lstStyle/>
+          <a:p>
+            <a:fld id="{FA19A2CC-002F-40A3-8085-9B94163C320C}" type="slidenum">
+              <a:rPr lang="en-IL" smtClean="0"/>
+              <a:t>32</a:t>
+            </a:fld>
+            <a:endParaRPr lang="en-IL"/>
+          </a:p>
+        </p:txBody>
+      </p:sp>
+    </p:spTree>
+    <p:extLst>
+      <p:ext uri="{BB962C8B-B14F-4D97-AF65-F5344CB8AC3E}">
+        <p14:creationId xmlns:p14="http://schemas.microsoft.com/office/powerpoint/2010/main" val="3483446381"/>
+      </p:ext>
+    </p:extLst>
+  </p:cSld>
+  <p:clrMapOvr>
+    <a:masterClrMapping/>
+  </p:clrMapOvr>
+</p:notes>
+</file>
+
+<file path=ppt/notesSlides/notesSlide33.xml><?xml version="1.0" encoding="utf-8"?>
+<p:notes xmlns:a="http://schemas.openxmlformats.org/drawingml/2006/main" xmlns:r="http://schemas.openxmlformats.org/officeDocument/2006/relationships" xmlns:p="http://schemas.openxmlformats.org/presentationml/2006/main">
+  <p:cSld>
+    <p:spTree>
+      <p:nvGrpSpPr>
+        <p:cNvPr id="1" name=""/>
+        <p:cNvGrpSpPr/>
+        <p:nvPr/>
+      </p:nvGrpSpPr>
+      <p:grpSpPr>
+        <a:xfrm>
+          <a:off x="0" y="0"/>
+          <a:ext cx="0" cy="0"/>
+          <a:chOff x="0" y="0"/>
+          <a:chExt cx="0" cy="0"/>
+        </a:xfrm>
+      </p:grpSpPr>
+      <p:sp>
+        <p:nvSpPr>
+          <p:cNvPr id="2" name="Slide Image Placeholder 1"/>
+          <p:cNvSpPr>
+            <a:spLocks noGrp="1" noRot="1" noChangeAspect="1"/>
+          </p:cNvSpPr>
+          <p:nvPr>
+            <p:ph type="sldImg"/>
+          </p:nvPr>
+        </p:nvSpPr>
+        <p:spPr/>
+      </p:sp>
+      <p:sp>
+        <p:nvSpPr>
+          <p:cNvPr id="3" name="Notes Placeholder 2"/>
+          <p:cNvSpPr>
+            <a:spLocks noGrp="1"/>
+          </p:cNvSpPr>
+          <p:nvPr>
+            <p:ph type="body" idx="1"/>
+          </p:nvPr>
+        </p:nvSpPr>
+        <p:spPr/>
+        <p:txBody>
+          <a:bodyPr/>
+          <a:lstStyle/>
+          <a:p>
+            <a:endParaRPr lang="en-IL" dirty="0"/>
+          </a:p>
+        </p:txBody>
+      </p:sp>
+      <p:sp>
+        <p:nvSpPr>
+          <p:cNvPr id="4" name="Slide Number Placeholder 3"/>
+          <p:cNvSpPr>
+            <a:spLocks noGrp="1"/>
+          </p:cNvSpPr>
+          <p:nvPr>
+            <p:ph type="sldNum" sz="quarter" idx="5"/>
+          </p:nvPr>
+        </p:nvSpPr>
+        <p:spPr/>
+        <p:txBody>
+          <a:bodyPr/>
+          <a:lstStyle/>
+          <a:p>
+            <a:fld id="{FA19A2CC-002F-40A3-8085-9B94163C320C}" type="slidenum">
+              <a:rPr lang="en-IL" smtClean="0"/>
+              <a:t>33</a:t>
+            </a:fld>
+            <a:endParaRPr lang="en-IL"/>
+          </a:p>
+        </p:txBody>
+      </p:sp>
+    </p:spTree>
+    <p:extLst>
+      <p:ext uri="{BB962C8B-B14F-4D97-AF65-F5344CB8AC3E}">
+        <p14:creationId xmlns:p14="http://schemas.microsoft.com/office/powerpoint/2010/main" val="4218043440"/>
+      </p:ext>
+    </p:extLst>
+  </p:cSld>
+  <p:clrMapOvr>
+    <a:masterClrMapping/>
+  </p:clrMapOvr>
+</p:notes>
+</file>
+
+<file path=ppt/notesSlides/notesSlide34.xml><?xml version="1.0" encoding="utf-8"?>
+<p:notes xmlns:a="http://schemas.openxmlformats.org/drawingml/2006/main" xmlns:r="http://schemas.openxmlformats.org/officeDocument/2006/relationships" xmlns:p="http://schemas.openxmlformats.org/presentationml/2006/main">
+  <p:cSld>
+    <p:spTree>
+      <p:nvGrpSpPr>
+        <p:cNvPr id="1" name=""/>
+        <p:cNvGrpSpPr/>
+        <p:nvPr/>
+      </p:nvGrpSpPr>
+      <p:grpSpPr>
+        <a:xfrm>
+          <a:off x="0" y="0"/>
+          <a:ext cx="0" cy="0"/>
+          <a:chOff x="0" y="0"/>
+          <a:chExt cx="0" cy="0"/>
+        </a:xfrm>
+      </p:grpSpPr>
+      <p:sp>
+        <p:nvSpPr>
+          <p:cNvPr id="2" name="Slide Image Placeholder 1"/>
+          <p:cNvSpPr>
+            <a:spLocks noGrp="1" noRot="1" noChangeAspect="1"/>
+          </p:cNvSpPr>
+          <p:nvPr>
+            <p:ph type="sldImg"/>
+          </p:nvPr>
+        </p:nvSpPr>
+        <p:spPr/>
+      </p:sp>
+      <p:sp>
+        <p:nvSpPr>
+          <p:cNvPr id="3" name="Notes Placeholder 2"/>
+          <p:cNvSpPr>
+            <a:spLocks noGrp="1"/>
+          </p:cNvSpPr>
+          <p:nvPr>
+            <p:ph type="body" idx="1"/>
+          </p:nvPr>
+        </p:nvSpPr>
+        <p:spPr/>
+        <p:txBody>
+          <a:bodyPr/>
+          <a:lstStyle/>
+          <a:p>
+            <a:endParaRPr lang="en-IL" dirty="0"/>
+          </a:p>
+        </p:txBody>
+      </p:sp>
+      <p:sp>
+        <p:nvSpPr>
+          <p:cNvPr id="4" name="Slide Number Placeholder 3"/>
+          <p:cNvSpPr>
+            <a:spLocks noGrp="1"/>
+          </p:cNvSpPr>
+          <p:nvPr>
+            <p:ph type="sldNum" sz="quarter" idx="5"/>
+          </p:nvPr>
+        </p:nvSpPr>
+        <p:spPr/>
+        <p:txBody>
+          <a:bodyPr/>
+          <a:lstStyle/>
+          <a:p>
+            <a:fld id="{FA19A2CC-002F-40A3-8085-9B94163C320C}" type="slidenum">
+              <a:rPr lang="en-IL" smtClean="0"/>
+              <a:t>34</a:t>
+            </a:fld>
+            <a:endParaRPr lang="en-IL"/>
+          </a:p>
+        </p:txBody>
+      </p:sp>
+    </p:spTree>
+    <p:extLst>
+      <p:ext uri="{BB962C8B-B14F-4D97-AF65-F5344CB8AC3E}">
+        <p14:creationId xmlns:p14="http://schemas.microsoft.com/office/powerpoint/2010/main" val="2100637461"/>
+      </p:ext>
+    </p:extLst>
+  </p:cSld>
+  <p:clrMapOvr>
+    <a:masterClrMapping/>
+  </p:clrMapOvr>
+</p:notes>
+</file>
+
+<file path=ppt/notesSlides/notesSlide35.xml><?xml version="1.0" encoding="utf-8"?>
+<p:notes xmlns:a="http://schemas.openxmlformats.org/drawingml/2006/main" xmlns:r="http://schemas.openxmlformats.org/officeDocument/2006/relationships" xmlns:p="http://schemas.openxmlformats.org/presentationml/2006/main">
+  <p:cSld>
+    <p:spTree>
+      <p:nvGrpSpPr>
+        <p:cNvPr id="1" name=""/>
+        <p:cNvGrpSpPr/>
+        <p:nvPr/>
+      </p:nvGrpSpPr>
+      <p:grpSpPr>
+        <a:xfrm>
+          <a:off x="0" y="0"/>
+          <a:ext cx="0" cy="0"/>
+          <a:chOff x="0" y="0"/>
+          <a:chExt cx="0" cy="0"/>
+        </a:xfrm>
+      </p:grpSpPr>
+      <p:sp>
+        <p:nvSpPr>
+          <p:cNvPr id="2" name="Slide Image Placeholder 1"/>
+          <p:cNvSpPr>
+            <a:spLocks noGrp="1" noRot="1" noChangeAspect="1"/>
+          </p:cNvSpPr>
+          <p:nvPr>
+            <p:ph type="sldImg"/>
+          </p:nvPr>
+        </p:nvSpPr>
+        <p:spPr/>
+      </p:sp>
+      <p:sp>
+        <p:nvSpPr>
+          <p:cNvPr id="3" name="Notes Placeholder 2"/>
+          <p:cNvSpPr>
+            <a:spLocks noGrp="1"/>
+          </p:cNvSpPr>
+          <p:nvPr>
+            <p:ph type="body" idx="1"/>
+          </p:nvPr>
+        </p:nvSpPr>
+        <p:spPr/>
+        <p:txBody>
+          <a:bodyPr/>
+          <a:lstStyle/>
+          <a:p>
+            <a:endParaRPr lang="en-IL" dirty="0"/>
+          </a:p>
+        </p:txBody>
+      </p:sp>
+      <p:sp>
+        <p:nvSpPr>
+          <p:cNvPr id="4" name="Slide Number Placeholder 3"/>
+          <p:cNvSpPr>
+            <a:spLocks noGrp="1"/>
+          </p:cNvSpPr>
+          <p:nvPr>
+            <p:ph type="sldNum" sz="quarter" idx="5"/>
+          </p:nvPr>
+        </p:nvSpPr>
+        <p:spPr/>
+        <p:txBody>
+          <a:bodyPr/>
+          <a:lstStyle/>
+          <a:p>
+            <a:fld id="{FA19A2CC-002F-40A3-8085-9B94163C320C}" type="slidenum">
+              <a:rPr lang="en-IL" smtClean="0"/>
+              <a:t>35</a:t>
             </a:fld>
             <a:endParaRPr lang="en-IL"/>
           </a:p>
@@ -24926,6 +25354,1722 @@
           <a:chExt cx="0" cy="0"/>
         </a:xfrm>
       </p:grpSpPr>
+      <p:sp>
+        <p:nvSpPr>
+          <p:cNvPr id="2" name="Title 1">
+            <a:extLst>
+              <a:ext uri="{FF2B5EF4-FFF2-40B4-BE49-F238E27FC236}">
+                <a16:creationId xmlns:a16="http://schemas.microsoft.com/office/drawing/2014/main" id="{83719985-2CD8-4977-8479-E3A157C3CD9E}"/>
+              </a:ext>
+            </a:extLst>
+          </p:cNvPr>
+          <p:cNvSpPr>
+            <a:spLocks noGrp="1"/>
+          </p:cNvSpPr>
+          <p:nvPr>
+            <p:ph type="ctrTitle"/>
+          </p:nvPr>
+        </p:nvSpPr>
+        <p:spPr/>
+        <p:txBody>
+          <a:bodyPr/>
+          <a:lstStyle/>
+          <a:p>
+            <a:pPr algn="r" rtl="1"/>
+            <a:r>
+              <a:rPr lang="he-IL" cap="none" dirty="0">
+                <a:latin typeface="Segoe UI Semibold" panose="020B0702040204020203" pitchFamily="34" charset="0"/>
+                <a:cs typeface="Segoe UI Semibold" panose="020B0702040204020203" pitchFamily="34" charset="0"/>
+              </a:rPr>
+              <a:t>אבטחת מערכת</a:t>
+            </a:r>
+            <a:endParaRPr lang="en-IL" cap="none" dirty="0">
+              <a:latin typeface="Segoe UI Semibold" panose="020B0702040204020203" pitchFamily="34" charset="0"/>
+              <a:cs typeface="Segoe UI Semibold" panose="020B0702040204020203" pitchFamily="34" charset="0"/>
+            </a:endParaRPr>
+          </a:p>
+        </p:txBody>
+      </p:sp>
+      <p:sp>
+        <p:nvSpPr>
+          <p:cNvPr id="3" name="Subtitle 2">
+            <a:extLst>
+              <a:ext uri="{FF2B5EF4-FFF2-40B4-BE49-F238E27FC236}">
+                <a16:creationId xmlns:a16="http://schemas.microsoft.com/office/drawing/2014/main" id="{64BE32D0-F6A3-4A84-8B33-6CE1983651EE}"/>
+              </a:ext>
+            </a:extLst>
+          </p:cNvPr>
+          <p:cNvSpPr>
+            <a:spLocks noGrp="1"/>
+          </p:cNvSpPr>
+          <p:nvPr>
+            <p:ph type="subTitle" idx="1"/>
+          </p:nvPr>
+        </p:nvSpPr>
+        <p:spPr/>
+        <p:txBody>
+          <a:bodyPr/>
+          <a:lstStyle/>
+          <a:p>
+            <a:endParaRPr lang="en-IL" dirty="0">
+              <a:solidFill>
+                <a:schemeClr val="tx1"/>
+              </a:solidFill>
+            </a:endParaRPr>
+          </a:p>
+        </p:txBody>
+      </p:sp>
+    </p:spTree>
+    <p:extLst>
+      <p:ext uri="{BB962C8B-B14F-4D97-AF65-F5344CB8AC3E}">
+        <p14:creationId xmlns:p14="http://schemas.microsoft.com/office/powerpoint/2010/main" val="912674747"/>
+      </p:ext>
+    </p:extLst>
+  </p:cSld>
+  <p:clrMapOvr>
+    <a:masterClrMapping/>
+  </p:clrMapOvr>
+  <mc:AlternateContent xmlns:mc="http://schemas.openxmlformats.org/markup-compatibility/2006" xmlns:p14="http://schemas.microsoft.com/office/powerpoint/2010/main">
+    <mc:Choice Requires="p14">
+      <p:transition spd="slow" p14:dur="2000" advClick="0"/>
+    </mc:Choice>
+    <mc:Fallback xmlns="">
+      <p:transition spd="slow" advClick="0"/>
+    </mc:Fallback>
+  </mc:AlternateContent>
+</p:sld>
+</file>
+
+<file path=ppt/slides/slide31.xml><?xml version="1.0" encoding="utf-8"?>
+<p:sld xmlns:a="http://schemas.openxmlformats.org/drawingml/2006/main" xmlns:r="http://schemas.openxmlformats.org/officeDocument/2006/relationships" xmlns:p="http://schemas.openxmlformats.org/presentationml/2006/main">
+  <p:cSld>
+    <p:spTree>
+      <p:nvGrpSpPr>
+        <p:cNvPr id="1" name=""/>
+        <p:cNvGrpSpPr/>
+        <p:nvPr/>
+      </p:nvGrpSpPr>
+      <p:grpSpPr>
+        <a:xfrm>
+          <a:off x="0" y="0"/>
+          <a:ext cx="0" cy="0"/>
+          <a:chOff x="0" y="0"/>
+          <a:chExt cx="0" cy="0"/>
+        </a:xfrm>
+      </p:grpSpPr>
+      <p:sp>
+        <p:nvSpPr>
+          <p:cNvPr id="27" name="Rectangle 26">
+            <a:extLst>
+              <a:ext uri="{FF2B5EF4-FFF2-40B4-BE49-F238E27FC236}">
+                <a16:creationId xmlns:a16="http://schemas.microsoft.com/office/drawing/2014/main" id="{64C76D42-2200-4A13-AFFB-0F543F6A81AE}"/>
+              </a:ext>
+            </a:extLst>
+          </p:cNvPr>
+          <p:cNvSpPr/>
+          <p:nvPr/>
+        </p:nvSpPr>
+        <p:spPr>
+          <a:xfrm>
+            <a:off x="5741776" y="171465"/>
+            <a:ext cx="5361617" cy="664803"/>
+          </a:xfrm>
+          <a:prstGeom prst="rect">
+            <a:avLst/>
+          </a:prstGeom>
+        </p:spPr>
+        <p:style>
+          <a:lnRef idx="1">
+            <a:schemeClr val="accent5"/>
+          </a:lnRef>
+          <a:fillRef idx="2">
+            <a:schemeClr val="accent5"/>
+          </a:fillRef>
+          <a:effectRef idx="1">
+            <a:schemeClr val="accent5"/>
+          </a:effectRef>
+          <a:fontRef idx="minor">
+            <a:schemeClr val="dk1"/>
+          </a:fontRef>
+        </p:style>
+        <p:txBody>
+          <a:bodyPr rtlCol="0" anchor="ctr"/>
+          <a:lstStyle/>
+          <a:p>
+            <a:pPr algn="ctr"/>
+            <a:endParaRPr lang="en-IL" dirty="0"/>
+          </a:p>
+        </p:txBody>
+      </p:sp>
+      <p:sp>
+        <p:nvSpPr>
+          <p:cNvPr id="2" name="Title 1">
+            <a:extLst>
+              <a:ext uri="{FF2B5EF4-FFF2-40B4-BE49-F238E27FC236}">
+                <a16:creationId xmlns:a16="http://schemas.microsoft.com/office/drawing/2014/main" id="{AD92F597-4DB6-45C7-97B2-8F408617D08A}"/>
+              </a:ext>
+            </a:extLst>
+          </p:cNvPr>
+          <p:cNvSpPr>
+            <a:spLocks noGrp="1"/>
+          </p:cNvSpPr>
+          <p:nvPr>
+            <p:ph type="title"/>
+          </p:nvPr>
+        </p:nvSpPr>
+        <p:spPr>
+          <a:xfrm>
+            <a:off x="1141412" y="0"/>
+            <a:ext cx="9905998" cy="983635"/>
+          </a:xfrm>
+        </p:spPr>
+        <p:txBody>
+          <a:bodyPr/>
+          <a:lstStyle/>
+          <a:p>
+            <a:pPr algn="r" rtl="1"/>
+            <a:r>
+              <a:rPr lang="he-IL" cap="none" dirty="0">
+                <a:solidFill>
+                  <a:schemeClr val="bg1"/>
+                </a:solidFill>
+                <a:latin typeface="Segoe UI Semibold" panose="020B0702040204020203" pitchFamily="34" charset="0"/>
+                <a:cs typeface="Segoe UI Semibold" panose="020B0702040204020203" pitchFamily="34" charset="0"/>
+              </a:rPr>
+              <a:t>אבטחת מערכת</a:t>
+            </a:r>
+            <a:endParaRPr lang="en-IL" cap="none" dirty="0">
+              <a:solidFill>
+                <a:schemeClr val="bg1"/>
+              </a:solidFill>
+              <a:latin typeface="Segoe UI Semibold" panose="020B0702040204020203" pitchFamily="34" charset="0"/>
+              <a:cs typeface="Segoe UI Semibold" panose="020B0702040204020203" pitchFamily="34" charset="0"/>
+            </a:endParaRPr>
+          </a:p>
+        </p:txBody>
+      </p:sp>
+      <p:sp>
+        <p:nvSpPr>
+          <p:cNvPr id="3" name="Content Placeholder 2">
+            <a:extLst>
+              <a:ext uri="{FF2B5EF4-FFF2-40B4-BE49-F238E27FC236}">
+                <a16:creationId xmlns:a16="http://schemas.microsoft.com/office/drawing/2014/main" id="{5DB99D37-3B94-4415-BFED-4639A5DB97A4}"/>
+              </a:ext>
+            </a:extLst>
+          </p:cNvPr>
+          <p:cNvSpPr>
+            <a:spLocks noGrp="1"/>
+          </p:cNvSpPr>
+          <p:nvPr>
+            <p:ph idx="1"/>
+          </p:nvPr>
+        </p:nvSpPr>
+        <p:spPr>
+          <a:xfrm>
+            <a:off x="659363" y="802432"/>
+            <a:ext cx="10388047" cy="5685454"/>
+          </a:xfrm>
+        </p:spPr>
+        <p:txBody>
+          <a:bodyPr>
+            <a:normAutofit/>
+          </a:bodyPr>
+          <a:lstStyle/>
+          <a:p>
+            <a:pPr algn="r" rtl="1"/>
+            <a:r>
+              <a:rPr lang="he-IL" dirty="0">
+                <a:latin typeface="Segoe UI Semilight" panose="020B0402040204020203" pitchFamily="34" charset="0"/>
+                <a:cs typeface="Segoe UI Semilight" panose="020B0402040204020203" pitchFamily="34" charset="0"/>
+              </a:rPr>
+              <a:t>ניצול מנגנונים ופרוטוקולים במערכת שלנו להזלגת מידע או שליטה במערכת.</a:t>
+            </a:r>
+          </a:p>
+          <a:p>
+            <a:pPr algn="r" rtl="1"/>
+            <a:r>
+              <a:rPr lang="he-IL" dirty="0">
+                <a:latin typeface="Segoe UI Semilight" panose="020B0402040204020203" pitchFamily="34" charset="0"/>
+                <a:cs typeface="Segoe UI Semilight" panose="020B0402040204020203" pitchFamily="34" charset="0"/>
+              </a:rPr>
+              <a:t>מתקפות </a:t>
+            </a:r>
+            <a:r>
+              <a:rPr lang="en-US" dirty="0" err="1">
+                <a:latin typeface="Segoe UI Semilight" panose="020B0402040204020203" pitchFamily="34" charset="0"/>
+                <a:cs typeface="Segoe UI Semilight" panose="020B0402040204020203" pitchFamily="34" charset="0"/>
+              </a:rPr>
+              <a:t>MiTM</a:t>
+            </a:r>
+            <a:endParaRPr lang="en-US" dirty="0">
+              <a:latin typeface="Segoe UI Semilight" panose="020B0402040204020203" pitchFamily="34" charset="0"/>
+              <a:cs typeface="Segoe UI Semilight" panose="020B0402040204020203" pitchFamily="34" charset="0"/>
+            </a:endParaRPr>
+          </a:p>
+          <a:p>
+            <a:pPr lvl="1" algn="r" rtl="1"/>
+            <a:r>
+              <a:rPr lang="en-US" dirty="0">
+                <a:latin typeface="Segoe UI Semilight" panose="020B0402040204020203" pitchFamily="34" charset="0"/>
+                <a:cs typeface="Segoe UI Semilight" panose="020B0402040204020203" pitchFamily="34" charset="0"/>
+              </a:rPr>
+              <a:t>Man In The Middle</a:t>
+            </a:r>
+            <a:endParaRPr lang="he-IL" dirty="0">
+              <a:latin typeface="Segoe UI Semilight" panose="020B0402040204020203" pitchFamily="34" charset="0"/>
+              <a:cs typeface="Segoe UI Semilight" panose="020B0402040204020203" pitchFamily="34" charset="0"/>
+            </a:endParaRPr>
+          </a:p>
+          <a:p>
+            <a:pPr lvl="1" algn="r" rtl="1"/>
+            <a:r>
+              <a:rPr lang="he-IL" dirty="0">
+                <a:latin typeface="Segoe UI Semilight" panose="020B0402040204020203" pitchFamily="34" charset="0"/>
+                <a:cs typeface="Segoe UI Semilight" panose="020B0402040204020203" pitchFamily="34" charset="0"/>
+              </a:rPr>
+              <a:t>תוקף אשר "יושב" באמצע נתיב התעבורה ושולט בכל המידע העובר בו.</a:t>
+            </a:r>
+          </a:p>
+          <a:p>
+            <a:pPr algn="r" rtl="1"/>
+            <a:r>
+              <a:rPr lang="he-IL" dirty="0">
+                <a:latin typeface="Segoe UI Semilight" panose="020B0402040204020203" pitchFamily="34" charset="0"/>
+                <a:cs typeface="Segoe UI Semilight" panose="020B0402040204020203" pitchFamily="34" charset="0"/>
+              </a:rPr>
+              <a:t>מתקפות </a:t>
+            </a:r>
+            <a:r>
+              <a:rPr lang="en-US" dirty="0">
+                <a:latin typeface="Segoe UI Semilight" panose="020B0402040204020203" pitchFamily="34" charset="0"/>
+                <a:cs typeface="Segoe UI Semilight" panose="020B0402040204020203" pitchFamily="34" charset="0"/>
+              </a:rPr>
+              <a:t>DoS</a:t>
+            </a:r>
+            <a:endParaRPr lang="he-IL" dirty="0">
+              <a:latin typeface="Segoe UI Semilight" panose="020B0402040204020203" pitchFamily="34" charset="0"/>
+              <a:cs typeface="Segoe UI Semilight" panose="020B0402040204020203" pitchFamily="34" charset="0"/>
+            </a:endParaRPr>
+          </a:p>
+          <a:p>
+            <a:pPr lvl="1" algn="r" rtl="1"/>
+            <a:r>
+              <a:rPr lang="en-US" dirty="0">
+                <a:latin typeface="Segoe UI Semilight" panose="020B0402040204020203" pitchFamily="34" charset="0"/>
+                <a:cs typeface="Segoe UI Semilight" panose="020B0402040204020203" pitchFamily="34" charset="0"/>
+              </a:rPr>
+              <a:t>Denial Of Service</a:t>
+            </a:r>
+            <a:endParaRPr lang="he-IL" dirty="0">
+              <a:latin typeface="Segoe UI Semilight" panose="020B0402040204020203" pitchFamily="34" charset="0"/>
+              <a:cs typeface="Segoe UI Semilight" panose="020B0402040204020203" pitchFamily="34" charset="0"/>
+            </a:endParaRPr>
+          </a:p>
+          <a:p>
+            <a:pPr lvl="1" algn="r" rtl="1"/>
+            <a:r>
+              <a:rPr lang="he-IL" dirty="0">
+                <a:latin typeface="Segoe UI Semilight" panose="020B0402040204020203" pitchFamily="34" charset="0"/>
+                <a:cs typeface="Segoe UI Semilight" panose="020B0402040204020203" pitchFamily="34" charset="0"/>
+              </a:rPr>
+              <a:t>מתקפות שמטרתן פגיעה במשאבי השרת כדי למנוע ממנו לספק שירות ללקוחות.</a:t>
+            </a:r>
+          </a:p>
+          <a:p>
+            <a:pPr algn="r" rtl="1"/>
+            <a:endParaRPr lang="en-US" dirty="0">
+              <a:latin typeface="Segoe UI Semilight" panose="020B0402040204020203" pitchFamily="34" charset="0"/>
+              <a:cs typeface="Segoe UI Semilight" panose="020B0402040204020203" pitchFamily="34" charset="0"/>
+            </a:endParaRPr>
+          </a:p>
+          <a:p>
+            <a:pPr algn="r" rtl="1"/>
+            <a:endParaRPr lang="he-IL" dirty="0">
+              <a:latin typeface="Segoe UI Semilight" panose="020B0402040204020203" pitchFamily="34" charset="0"/>
+              <a:cs typeface="Segoe UI Semilight" panose="020B0402040204020203" pitchFamily="34" charset="0"/>
+            </a:endParaRPr>
+          </a:p>
+          <a:p>
+            <a:pPr algn="r" rtl="1"/>
+            <a:endParaRPr lang="he-IL" dirty="0">
+              <a:latin typeface="Segoe UI Semilight" panose="020B0402040204020203" pitchFamily="34" charset="0"/>
+              <a:cs typeface="Segoe UI Semilight" panose="020B0402040204020203" pitchFamily="34" charset="0"/>
+            </a:endParaRPr>
+          </a:p>
+          <a:p>
+            <a:pPr algn="r" rtl="1"/>
+            <a:endParaRPr lang="he-IL" dirty="0">
+              <a:latin typeface="Segoe UI Semilight" panose="020B0402040204020203" pitchFamily="34" charset="0"/>
+              <a:cs typeface="Segoe UI Semilight" panose="020B0402040204020203" pitchFamily="34" charset="0"/>
+            </a:endParaRPr>
+          </a:p>
+          <a:p>
+            <a:pPr algn="r" rtl="1"/>
+            <a:endParaRPr lang="he-IL" dirty="0">
+              <a:latin typeface="Segoe UI Semilight" panose="020B0402040204020203" pitchFamily="34" charset="0"/>
+              <a:cs typeface="Segoe UI Semilight" panose="020B0402040204020203" pitchFamily="34" charset="0"/>
+            </a:endParaRPr>
+          </a:p>
+          <a:p>
+            <a:pPr lvl="1" algn="r" rtl="1"/>
+            <a:endParaRPr lang="he-IL" dirty="0">
+              <a:latin typeface="Segoe UI Semilight" panose="020B0402040204020203" pitchFamily="34" charset="0"/>
+              <a:cs typeface="Segoe UI Semilight" panose="020B0402040204020203" pitchFamily="34" charset="0"/>
+            </a:endParaRPr>
+          </a:p>
+        </p:txBody>
+      </p:sp>
+    </p:spTree>
+    <p:extLst>
+      <p:ext uri="{BB962C8B-B14F-4D97-AF65-F5344CB8AC3E}">
+        <p14:creationId xmlns:p14="http://schemas.microsoft.com/office/powerpoint/2010/main" val="4042144971"/>
+      </p:ext>
+    </p:extLst>
+  </p:cSld>
+  <p:clrMapOvr>
+    <a:masterClrMapping/>
+  </p:clrMapOvr>
+  <mc:AlternateContent xmlns:mc="http://schemas.openxmlformats.org/markup-compatibility/2006" xmlns:p14="http://schemas.microsoft.com/office/powerpoint/2010/main">
+    <mc:Choice Requires="p14">
+      <p:transition spd="slow" p14:dur="2000" advClick="0"/>
+    </mc:Choice>
+    <mc:Fallback xmlns="">
+      <p:transition spd="slow" advClick="0"/>
+    </mc:Fallback>
+  </mc:AlternateContent>
+</p:sld>
+</file>
+
+<file path=ppt/slides/slide32.xml><?xml version="1.0" encoding="utf-8"?>
+<p:sld xmlns:a="http://schemas.openxmlformats.org/drawingml/2006/main" xmlns:r="http://schemas.openxmlformats.org/officeDocument/2006/relationships" xmlns:p="http://schemas.openxmlformats.org/presentationml/2006/main">
+  <p:cSld>
+    <p:spTree>
+      <p:nvGrpSpPr>
+        <p:cNvPr id="1" name=""/>
+        <p:cNvGrpSpPr/>
+        <p:nvPr/>
+      </p:nvGrpSpPr>
+      <p:grpSpPr>
+        <a:xfrm>
+          <a:off x="0" y="0"/>
+          <a:ext cx="0" cy="0"/>
+          <a:chOff x="0" y="0"/>
+          <a:chExt cx="0" cy="0"/>
+        </a:xfrm>
+      </p:grpSpPr>
+      <p:sp>
+        <p:nvSpPr>
+          <p:cNvPr id="27" name="Rectangle 26">
+            <a:extLst>
+              <a:ext uri="{FF2B5EF4-FFF2-40B4-BE49-F238E27FC236}">
+                <a16:creationId xmlns:a16="http://schemas.microsoft.com/office/drawing/2014/main" id="{64C76D42-2200-4A13-AFFB-0F543F6A81AE}"/>
+              </a:ext>
+            </a:extLst>
+          </p:cNvPr>
+          <p:cNvSpPr/>
+          <p:nvPr/>
+        </p:nvSpPr>
+        <p:spPr>
+          <a:xfrm>
+            <a:off x="5741776" y="171465"/>
+            <a:ext cx="5361617" cy="664803"/>
+          </a:xfrm>
+          <a:prstGeom prst="rect">
+            <a:avLst/>
+          </a:prstGeom>
+        </p:spPr>
+        <p:style>
+          <a:lnRef idx="1">
+            <a:schemeClr val="accent5"/>
+          </a:lnRef>
+          <a:fillRef idx="2">
+            <a:schemeClr val="accent5"/>
+          </a:fillRef>
+          <a:effectRef idx="1">
+            <a:schemeClr val="accent5"/>
+          </a:effectRef>
+          <a:fontRef idx="minor">
+            <a:schemeClr val="dk1"/>
+          </a:fontRef>
+        </p:style>
+        <p:txBody>
+          <a:bodyPr rtlCol="0" anchor="ctr"/>
+          <a:lstStyle/>
+          <a:p>
+            <a:pPr algn="ctr"/>
+            <a:endParaRPr lang="en-IL" dirty="0"/>
+          </a:p>
+        </p:txBody>
+      </p:sp>
+      <p:sp>
+        <p:nvSpPr>
+          <p:cNvPr id="2" name="Title 1">
+            <a:extLst>
+              <a:ext uri="{FF2B5EF4-FFF2-40B4-BE49-F238E27FC236}">
+                <a16:creationId xmlns:a16="http://schemas.microsoft.com/office/drawing/2014/main" id="{AD92F597-4DB6-45C7-97B2-8F408617D08A}"/>
+              </a:ext>
+            </a:extLst>
+          </p:cNvPr>
+          <p:cNvSpPr>
+            <a:spLocks noGrp="1"/>
+          </p:cNvSpPr>
+          <p:nvPr>
+            <p:ph type="title"/>
+          </p:nvPr>
+        </p:nvSpPr>
+        <p:spPr>
+          <a:xfrm>
+            <a:off x="1141412" y="0"/>
+            <a:ext cx="9905998" cy="983635"/>
+          </a:xfrm>
+        </p:spPr>
+        <p:txBody>
+          <a:bodyPr/>
+          <a:lstStyle/>
+          <a:p>
+            <a:pPr algn="r" rtl="1"/>
+            <a:r>
+              <a:rPr lang="he-IL" cap="none" dirty="0">
+                <a:solidFill>
+                  <a:schemeClr val="bg1"/>
+                </a:solidFill>
+                <a:latin typeface="Segoe UI Semibold" panose="020B0702040204020203" pitchFamily="34" charset="0"/>
+                <a:cs typeface="Segoe UI Semibold" panose="020B0702040204020203" pitchFamily="34" charset="0"/>
+              </a:rPr>
+              <a:t>מתקפות </a:t>
+            </a:r>
+            <a:r>
+              <a:rPr lang="en-US" cap="none" dirty="0" err="1">
+                <a:solidFill>
+                  <a:schemeClr val="bg1"/>
+                </a:solidFill>
+                <a:latin typeface="Segoe UI Semibold" panose="020B0702040204020203" pitchFamily="34" charset="0"/>
+                <a:cs typeface="Segoe UI Semibold" panose="020B0702040204020203" pitchFamily="34" charset="0"/>
+              </a:rPr>
+              <a:t>MiTM</a:t>
+            </a:r>
+            <a:endParaRPr lang="en-IL" cap="none" dirty="0">
+              <a:solidFill>
+                <a:schemeClr val="bg1"/>
+              </a:solidFill>
+              <a:latin typeface="Segoe UI Semibold" panose="020B0702040204020203" pitchFamily="34" charset="0"/>
+              <a:cs typeface="Segoe UI Semibold" panose="020B0702040204020203" pitchFamily="34" charset="0"/>
+            </a:endParaRPr>
+          </a:p>
+        </p:txBody>
+      </p:sp>
+      <p:sp>
+        <p:nvSpPr>
+          <p:cNvPr id="3" name="Content Placeholder 2">
+            <a:extLst>
+              <a:ext uri="{FF2B5EF4-FFF2-40B4-BE49-F238E27FC236}">
+                <a16:creationId xmlns:a16="http://schemas.microsoft.com/office/drawing/2014/main" id="{5DB99D37-3B94-4415-BFED-4639A5DB97A4}"/>
+              </a:ext>
+            </a:extLst>
+          </p:cNvPr>
+          <p:cNvSpPr>
+            <a:spLocks noGrp="1"/>
+          </p:cNvSpPr>
+          <p:nvPr>
+            <p:ph idx="1"/>
+          </p:nvPr>
+        </p:nvSpPr>
+        <p:spPr>
+          <a:xfrm>
+            <a:off x="4099249" y="802432"/>
+            <a:ext cx="6948161" cy="5685454"/>
+          </a:xfrm>
+        </p:spPr>
+        <p:txBody>
+          <a:bodyPr>
+            <a:normAutofit/>
+          </a:bodyPr>
+          <a:lstStyle/>
+          <a:p>
+            <a:pPr algn="r" rtl="1"/>
+            <a:r>
+              <a:rPr lang="en-US" dirty="0">
+                <a:latin typeface="Segoe UI Semilight" panose="020B0402040204020203" pitchFamily="34" charset="0"/>
+                <a:cs typeface="Segoe UI Semilight" panose="020B0402040204020203" pitchFamily="34" charset="0"/>
+              </a:rPr>
+              <a:t>ARP Poisoning</a:t>
+            </a:r>
+          </a:p>
+          <a:p>
+            <a:pPr lvl="1" algn="r" rtl="1"/>
+            <a:r>
+              <a:rPr lang="en-US" dirty="0">
+                <a:latin typeface="Segoe UI Semilight" panose="020B0402040204020203" pitchFamily="34" charset="0"/>
+                <a:cs typeface="Segoe UI Semilight" panose="020B0402040204020203" pitchFamily="34" charset="0"/>
+              </a:rPr>
+              <a:t>ARP</a:t>
+            </a:r>
+            <a:r>
+              <a:rPr lang="he-IL" dirty="0">
+                <a:latin typeface="Segoe UI Semilight" panose="020B0402040204020203" pitchFamily="34" charset="0"/>
+                <a:cs typeface="Segoe UI Semilight" panose="020B0402040204020203" pitchFamily="34" charset="0"/>
+              </a:rPr>
+              <a:t> – פרוטוקול שמטרתו להמיר כתובת </a:t>
+            </a:r>
+            <a:r>
+              <a:rPr lang="en-US" dirty="0">
+                <a:latin typeface="Segoe UI Semilight" panose="020B0402040204020203" pitchFamily="34" charset="0"/>
+                <a:cs typeface="Segoe UI Semilight" panose="020B0402040204020203" pitchFamily="34" charset="0"/>
+              </a:rPr>
+              <a:t>IP</a:t>
+            </a:r>
+            <a:r>
+              <a:rPr lang="he-IL" dirty="0">
+                <a:latin typeface="Segoe UI Semilight" panose="020B0402040204020203" pitchFamily="34" charset="0"/>
+                <a:cs typeface="Segoe UI Semilight" panose="020B0402040204020203" pitchFamily="34" charset="0"/>
+              </a:rPr>
+              <a:t> לכתובת </a:t>
+            </a:r>
+            <a:r>
+              <a:rPr lang="en-US" dirty="0">
+                <a:latin typeface="Segoe UI Semilight" panose="020B0402040204020203" pitchFamily="34" charset="0"/>
+                <a:cs typeface="Segoe UI Semilight" panose="020B0402040204020203" pitchFamily="34" charset="0"/>
+              </a:rPr>
+              <a:t>MAC</a:t>
+            </a:r>
+            <a:endParaRPr lang="he-IL" dirty="0">
+              <a:latin typeface="Segoe UI Semilight" panose="020B0402040204020203" pitchFamily="34" charset="0"/>
+              <a:cs typeface="Segoe UI Semilight" panose="020B0402040204020203" pitchFamily="34" charset="0"/>
+            </a:endParaRPr>
+          </a:p>
+          <a:p>
+            <a:pPr lvl="1" algn="r" rtl="1"/>
+            <a:r>
+              <a:rPr lang="he-IL" dirty="0">
+                <a:latin typeface="Segoe UI Semilight" panose="020B0402040204020203" pitchFamily="34" charset="0"/>
+                <a:cs typeface="Segoe UI Semilight" panose="020B0402040204020203" pitchFamily="34" charset="0"/>
+              </a:rPr>
+              <a:t>התוקף מרעיל את טבלת ה-</a:t>
+            </a:r>
+            <a:r>
+              <a:rPr lang="en-US" dirty="0">
+                <a:latin typeface="Segoe UI Semilight" panose="020B0402040204020203" pitchFamily="34" charset="0"/>
+                <a:cs typeface="Segoe UI Semilight" panose="020B0402040204020203" pitchFamily="34" charset="0"/>
+              </a:rPr>
+              <a:t>ARP</a:t>
+            </a:r>
+            <a:r>
+              <a:rPr lang="he-IL" dirty="0">
+                <a:latin typeface="Segoe UI Semilight" panose="020B0402040204020203" pitchFamily="34" charset="0"/>
+                <a:cs typeface="Segoe UI Semilight" panose="020B0402040204020203" pitchFamily="34" charset="0"/>
+              </a:rPr>
+              <a:t> כדי שכתובת ה-</a:t>
+            </a:r>
+            <a:r>
+              <a:rPr lang="en-US" dirty="0">
+                <a:latin typeface="Segoe UI Semilight" panose="020B0402040204020203" pitchFamily="34" charset="0"/>
+                <a:cs typeface="Segoe UI Semilight" panose="020B0402040204020203" pitchFamily="34" charset="0"/>
+              </a:rPr>
+              <a:t>IP</a:t>
+            </a:r>
+            <a:r>
+              <a:rPr lang="he-IL" dirty="0">
+                <a:latin typeface="Segoe UI Semilight" panose="020B0402040204020203" pitchFamily="34" charset="0"/>
+                <a:cs typeface="Segoe UI Semilight" panose="020B0402040204020203" pitchFamily="34" charset="0"/>
+              </a:rPr>
+              <a:t> של היעד תפנה לכתובת ה-</a:t>
+            </a:r>
+            <a:r>
+              <a:rPr lang="en-US" dirty="0">
+                <a:latin typeface="Segoe UI Semilight" panose="020B0402040204020203" pitchFamily="34" charset="0"/>
+                <a:cs typeface="Segoe UI Semilight" panose="020B0402040204020203" pitchFamily="34" charset="0"/>
+              </a:rPr>
+              <a:t>MAC</a:t>
+            </a:r>
+            <a:r>
+              <a:rPr lang="he-IL" dirty="0">
+                <a:latin typeface="Segoe UI Semilight" panose="020B0402040204020203" pitchFamily="34" charset="0"/>
+                <a:cs typeface="Segoe UI Semilight" panose="020B0402040204020203" pitchFamily="34" charset="0"/>
+              </a:rPr>
+              <a:t> שלו.</a:t>
+            </a:r>
+          </a:p>
+          <a:p>
+            <a:pPr lvl="1" algn="r" rtl="1"/>
+            <a:r>
+              <a:rPr lang="he-IL" dirty="0">
+                <a:latin typeface="Segoe UI Semilight" panose="020B0402040204020203" pitchFamily="34" charset="0"/>
+                <a:cs typeface="Segoe UI Semilight" panose="020B0402040204020203" pitchFamily="34" charset="0"/>
+              </a:rPr>
+              <a:t>ההודעות נשלחות לתוקף, והוא מעביר אותן ליעד המקורי.</a:t>
+            </a:r>
+          </a:p>
+          <a:p>
+            <a:pPr lvl="1" algn="r" rtl="1"/>
+            <a:endParaRPr lang="he-IL" dirty="0">
+              <a:latin typeface="Segoe UI Semilight" panose="020B0402040204020203" pitchFamily="34" charset="0"/>
+              <a:cs typeface="Segoe UI Semilight" panose="020B0402040204020203" pitchFamily="34" charset="0"/>
+            </a:endParaRPr>
+          </a:p>
+          <a:p>
+            <a:pPr algn="r" rtl="1"/>
+            <a:r>
+              <a:rPr lang="en-US" dirty="0">
+                <a:latin typeface="Segoe UI Semilight" panose="020B0402040204020203" pitchFamily="34" charset="0"/>
+                <a:cs typeface="Segoe UI Semilight" panose="020B0402040204020203" pitchFamily="34" charset="0"/>
+              </a:rPr>
+              <a:t>DNS Poisoning</a:t>
+            </a:r>
+            <a:endParaRPr lang="he-IL" dirty="0">
+              <a:latin typeface="Segoe UI Semilight" panose="020B0402040204020203" pitchFamily="34" charset="0"/>
+              <a:cs typeface="Segoe UI Semilight" panose="020B0402040204020203" pitchFamily="34" charset="0"/>
+            </a:endParaRPr>
+          </a:p>
+          <a:p>
+            <a:pPr lvl="1" algn="r" rtl="1"/>
+            <a:r>
+              <a:rPr lang="en-US" dirty="0">
+                <a:latin typeface="Segoe UI Semilight" panose="020B0402040204020203" pitchFamily="34" charset="0"/>
+                <a:cs typeface="Segoe UI Semilight" panose="020B0402040204020203" pitchFamily="34" charset="0"/>
+              </a:rPr>
+              <a:t>DNS</a:t>
+            </a:r>
+            <a:r>
+              <a:rPr lang="he-IL" dirty="0">
+                <a:latin typeface="Segoe UI Semilight" panose="020B0402040204020203" pitchFamily="34" charset="0"/>
+                <a:cs typeface="Segoe UI Semilight" panose="020B0402040204020203" pitchFamily="34" charset="0"/>
+              </a:rPr>
+              <a:t> – פרוטוקול שמטרתו להמיר </a:t>
+            </a:r>
+            <a:r>
+              <a:rPr lang="en-US" dirty="0">
+                <a:latin typeface="Segoe UI Semilight" panose="020B0402040204020203" pitchFamily="34" charset="0"/>
+                <a:cs typeface="Segoe UI Semilight" panose="020B0402040204020203" pitchFamily="34" charset="0"/>
+              </a:rPr>
+              <a:t>domain</a:t>
+            </a:r>
+            <a:r>
+              <a:rPr lang="he-IL" dirty="0">
+                <a:latin typeface="Segoe UI Semilight" panose="020B0402040204020203" pitchFamily="34" charset="0"/>
+                <a:cs typeface="Segoe UI Semilight" panose="020B0402040204020203" pitchFamily="34" charset="0"/>
+              </a:rPr>
+              <a:t> לכתובת </a:t>
+            </a:r>
+            <a:r>
+              <a:rPr lang="en-US" dirty="0">
+                <a:latin typeface="Segoe UI Semilight" panose="020B0402040204020203" pitchFamily="34" charset="0"/>
+                <a:cs typeface="Segoe UI Semilight" panose="020B0402040204020203" pitchFamily="34" charset="0"/>
+              </a:rPr>
+              <a:t>IP</a:t>
+            </a:r>
+            <a:r>
+              <a:rPr lang="he-IL" dirty="0">
+                <a:latin typeface="Segoe UI Semilight" panose="020B0402040204020203" pitchFamily="34" charset="0"/>
+                <a:cs typeface="Segoe UI Semilight" panose="020B0402040204020203" pitchFamily="34" charset="0"/>
+              </a:rPr>
+              <a:t>.</a:t>
+            </a:r>
+          </a:p>
+          <a:p>
+            <a:pPr lvl="1" algn="r" rtl="1"/>
+            <a:r>
+              <a:rPr lang="he-IL" dirty="0">
+                <a:latin typeface="Segoe UI Semilight" panose="020B0402040204020203" pitchFamily="34" charset="0"/>
+                <a:cs typeface="Segoe UI Semilight" panose="020B0402040204020203" pitchFamily="34" charset="0"/>
+              </a:rPr>
+              <a:t>התוקף מזייף הודעה שנשלחה משרת </a:t>
+            </a:r>
+            <a:r>
+              <a:rPr lang="en-US" dirty="0">
+                <a:latin typeface="Segoe UI Semilight" panose="020B0402040204020203" pitchFamily="34" charset="0"/>
+                <a:cs typeface="Segoe UI Semilight" panose="020B0402040204020203" pitchFamily="34" charset="0"/>
+              </a:rPr>
+              <a:t>DNS</a:t>
+            </a:r>
+            <a:r>
+              <a:rPr lang="he-IL" dirty="0">
+                <a:latin typeface="Segoe UI Semilight" panose="020B0402040204020203" pitchFamily="34" charset="0"/>
+                <a:cs typeface="Segoe UI Semilight" panose="020B0402040204020203" pitchFamily="34" charset="0"/>
+              </a:rPr>
+              <a:t> ובכך מרעיל את טבלת ה-</a:t>
+            </a:r>
+            <a:r>
+              <a:rPr lang="en-US" dirty="0">
+                <a:latin typeface="Segoe UI Semilight" panose="020B0402040204020203" pitchFamily="34" charset="0"/>
+                <a:cs typeface="Segoe UI Semilight" panose="020B0402040204020203" pitchFamily="34" charset="0"/>
+              </a:rPr>
+              <a:t>DNS</a:t>
+            </a:r>
+            <a:r>
+              <a:rPr lang="he-IL" dirty="0">
+                <a:latin typeface="Segoe UI Semilight" panose="020B0402040204020203" pitchFamily="34" charset="0"/>
+                <a:cs typeface="Segoe UI Semilight" panose="020B0402040204020203" pitchFamily="34" charset="0"/>
+              </a:rPr>
+              <a:t> השמורה במחשב הלקוח.</a:t>
+            </a:r>
+          </a:p>
+          <a:p>
+            <a:pPr lvl="1" algn="r" rtl="1"/>
+            <a:r>
+              <a:rPr lang="he-IL" dirty="0">
+                <a:latin typeface="Segoe UI Semilight" panose="020B0402040204020203" pitchFamily="34" charset="0"/>
+                <a:cs typeface="Segoe UI Semilight" panose="020B0402040204020203" pitchFamily="34" charset="0"/>
+              </a:rPr>
+              <a:t>הודעות הלקוח נשלחות לכתובת ה-</a:t>
+            </a:r>
+            <a:r>
+              <a:rPr lang="en-US" dirty="0">
+                <a:latin typeface="Segoe UI Semilight" panose="020B0402040204020203" pitchFamily="34" charset="0"/>
+                <a:cs typeface="Segoe UI Semilight" panose="020B0402040204020203" pitchFamily="34" charset="0"/>
+              </a:rPr>
+              <a:t>IP</a:t>
+            </a:r>
+            <a:r>
+              <a:rPr lang="he-IL" dirty="0">
+                <a:latin typeface="Segoe UI Semilight" panose="020B0402040204020203" pitchFamily="34" charset="0"/>
+                <a:cs typeface="Segoe UI Semilight" panose="020B0402040204020203" pitchFamily="34" charset="0"/>
+              </a:rPr>
+              <a:t> של התוקף והוא ממסר את ההודעות בין הלקוח לשרת.</a:t>
+            </a:r>
+            <a:endParaRPr lang="en-US" dirty="0">
+              <a:latin typeface="Segoe UI Semilight" panose="020B0402040204020203" pitchFamily="34" charset="0"/>
+              <a:cs typeface="Segoe UI Semilight" panose="020B0402040204020203" pitchFamily="34" charset="0"/>
+            </a:endParaRPr>
+          </a:p>
+          <a:p>
+            <a:pPr algn="r" rtl="1"/>
+            <a:endParaRPr lang="he-IL" dirty="0">
+              <a:latin typeface="Segoe UI Semilight" panose="020B0402040204020203" pitchFamily="34" charset="0"/>
+              <a:cs typeface="Segoe UI Semilight" panose="020B0402040204020203" pitchFamily="34" charset="0"/>
+            </a:endParaRPr>
+          </a:p>
+          <a:p>
+            <a:pPr algn="r" rtl="1"/>
+            <a:endParaRPr lang="he-IL" dirty="0">
+              <a:latin typeface="Segoe UI Semilight" panose="020B0402040204020203" pitchFamily="34" charset="0"/>
+              <a:cs typeface="Segoe UI Semilight" panose="020B0402040204020203" pitchFamily="34" charset="0"/>
+            </a:endParaRPr>
+          </a:p>
+          <a:p>
+            <a:pPr algn="r" rtl="1"/>
+            <a:endParaRPr lang="he-IL" dirty="0">
+              <a:latin typeface="Segoe UI Semilight" panose="020B0402040204020203" pitchFamily="34" charset="0"/>
+              <a:cs typeface="Segoe UI Semilight" panose="020B0402040204020203" pitchFamily="34" charset="0"/>
+            </a:endParaRPr>
+          </a:p>
+          <a:p>
+            <a:pPr algn="r" rtl="1"/>
+            <a:endParaRPr lang="he-IL" dirty="0">
+              <a:latin typeface="Segoe UI Semilight" panose="020B0402040204020203" pitchFamily="34" charset="0"/>
+              <a:cs typeface="Segoe UI Semilight" panose="020B0402040204020203" pitchFamily="34" charset="0"/>
+            </a:endParaRPr>
+          </a:p>
+          <a:p>
+            <a:pPr lvl="1" algn="r" rtl="1"/>
+            <a:endParaRPr lang="he-IL" dirty="0">
+              <a:latin typeface="Segoe UI Semilight" panose="020B0402040204020203" pitchFamily="34" charset="0"/>
+              <a:cs typeface="Segoe UI Semilight" panose="020B0402040204020203" pitchFamily="34" charset="0"/>
+            </a:endParaRPr>
+          </a:p>
+        </p:txBody>
+      </p:sp>
+      <p:pic>
+        <p:nvPicPr>
+          <p:cNvPr id="5" name="Picture 4">
+            <a:extLst>
+              <a:ext uri="{FF2B5EF4-FFF2-40B4-BE49-F238E27FC236}">
+                <a16:creationId xmlns:a16="http://schemas.microsoft.com/office/drawing/2014/main" id="{7092AA0C-B519-4BC7-8266-3ECCE84B660E}"/>
+              </a:ext>
+            </a:extLst>
+          </p:cNvPr>
+          <p:cNvPicPr>
+            <a:picLocks noChangeAspect="1"/>
+          </p:cNvPicPr>
+          <p:nvPr/>
+        </p:nvPicPr>
+        <p:blipFill>
+          <a:blip r:embed="rId3"/>
+          <a:stretch>
+            <a:fillRect/>
+          </a:stretch>
+        </p:blipFill>
+        <p:spPr>
+          <a:xfrm>
+            <a:off x="684996" y="171465"/>
+            <a:ext cx="3134930" cy="1873153"/>
+          </a:xfrm>
+          <a:prstGeom prst="rect">
+            <a:avLst/>
+          </a:prstGeom>
+        </p:spPr>
+      </p:pic>
+      <p:pic>
+        <p:nvPicPr>
+          <p:cNvPr id="7" name="Picture 6">
+            <a:extLst>
+              <a:ext uri="{FF2B5EF4-FFF2-40B4-BE49-F238E27FC236}">
+                <a16:creationId xmlns:a16="http://schemas.microsoft.com/office/drawing/2014/main" id="{AF092C45-994D-45E1-8E67-1426A214E215}"/>
+              </a:ext>
+            </a:extLst>
+          </p:cNvPr>
+          <p:cNvPicPr>
+            <a:picLocks noChangeAspect="1"/>
+          </p:cNvPicPr>
+          <p:nvPr/>
+        </p:nvPicPr>
+        <p:blipFill>
+          <a:blip r:embed="rId4"/>
+          <a:stretch>
+            <a:fillRect/>
+          </a:stretch>
+        </p:blipFill>
+        <p:spPr>
+          <a:xfrm>
+            <a:off x="759174" y="2357934"/>
+            <a:ext cx="2986573" cy="1377826"/>
+          </a:xfrm>
+          <a:prstGeom prst="rect">
+            <a:avLst/>
+          </a:prstGeom>
+        </p:spPr>
+      </p:pic>
+      <p:pic>
+        <p:nvPicPr>
+          <p:cNvPr id="9" name="Picture 8">
+            <a:extLst>
+              <a:ext uri="{FF2B5EF4-FFF2-40B4-BE49-F238E27FC236}">
+                <a16:creationId xmlns:a16="http://schemas.microsoft.com/office/drawing/2014/main" id="{369F9FA6-A5C3-42BC-8C1F-2138E2DCAE2F}"/>
+              </a:ext>
+            </a:extLst>
+          </p:cNvPr>
+          <p:cNvPicPr>
+            <a:picLocks noChangeAspect="1"/>
+          </p:cNvPicPr>
+          <p:nvPr/>
+        </p:nvPicPr>
+        <p:blipFill>
+          <a:blip r:embed="rId5"/>
+          <a:stretch>
+            <a:fillRect/>
+          </a:stretch>
+        </p:blipFill>
+        <p:spPr>
+          <a:xfrm>
+            <a:off x="854187" y="3881534"/>
+            <a:ext cx="2796545" cy="2728718"/>
+          </a:xfrm>
+          <a:prstGeom prst="rect">
+            <a:avLst/>
+          </a:prstGeom>
+        </p:spPr>
+      </p:pic>
+    </p:spTree>
+    <p:extLst>
+      <p:ext uri="{BB962C8B-B14F-4D97-AF65-F5344CB8AC3E}">
+        <p14:creationId xmlns:p14="http://schemas.microsoft.com/office/powerpoint/2010/main" val="3429118358"/>
+      </p:ext>
+    </p:extLst>
+  </p:cSld>
+  <p:clrMapOvr>
+    <a:masterClrMapping/>
+  </p:clrMapOvr>
+  <mc:AlternateContent xmlns:mc="http://schemas.openxmlformats.org/markup-compatibility/2006" xmlns:p14="http://schemas.microsoft.com/office/powerpoint/2010/main">
+    <mc:Choice Requires="p14">
+      <p:transition spd="slow" p14:dur="2000" advClick="0"/>
+    </mc:Choice>
+    <mc:Fallback xmlns="">
+      <p:transition spd="slow" advClick="0"/>
+    </mc:Fallback>
+  </mc:AlternateContent>
+</p:sld>
+</file>
+
+<file path=ppt/slides/slide33.xml><?xml version="1.0" encoding="utf-8"?>
+<p:sld xmlns:a="http://schemas.openxmlformats.org/drawingml/2006/main" xmlns:r="http://schemas.openxmlformats.org/officeDocument/2006/relationships" xmlns:p="http://schemas.openxmlformats.org/presentationml/2006/main">
+  <p:cSld>
+    <p:spTree>
+      <p:nvGrpSpPr>
+        <p:cNvPr id="1" name=""/>
+        <p:cNvGrpSpPr/>
+        <p:nvPr/>
+      </p:nvGrpSpPr>
+      <p:grpSpPr>
+        <a:xfrm>
+          <a:off x="0" y="0"/>
+          <a:ext cx="0" cy="0"/>
+          <a:chOff x="0" y="0"/>
+          <a:chExt cx="0" cy="0"/>
+        </a:xfrm>
+      </p:grpSpPr>
+      <p:sp>
+        <p:nvSpPr>
+          <p:cNvPr id="27" name="Rectangle 26">
+            <a:extLst>
+              <a:ext uri="{FF2B5EF4-FFF2-40B4-BE49-F238E27FC236}">
+                <a16:creationId xmlns:a16="http://schemas.microsoft.com/office/drawing/2014/main" id="{64C76D42-2200-4A13-AFFB-0F543F6A81AE}"/>
+              </a:ext>
+            </a:extLst>
+          </p:cNvPr>
+          <p:cNvSpPr/>
+          <p:nvPr/>
+        </p:nvSpPr>
+        <p:spPr>
+          <a:xfrm>
+            <a:off x="5741776" y="171465"/>
+            <a:ext cx="5361617" cy="664803"/>
+          </a:xfrm>
+          <a:prstGeom prst="rect">
+            <a:avLst/>
+          </a:prstGeom>
+        </p:spPr>
+        <p:style>
+          <a:lnRef idx="1">
+            <a:schemeClr val="accent5"/>
+          </a:lnRef>
+          <a:fillRef idx="2">
+            <a:schemeClr val="accent5"/>
+          </a:fillRef>
+          <a:effectRef idx="1">
+            <a:schemeClr val="accent5"/>
+          </a:effectRef>
+          <a:fontRef idx="minor">
+            <a:schemeClr val="dk1"/>
+          </a:fontRef>
+        </p:style>
+        <p:txBody>
+          <a:bodyPr rtlCol="0" anchor="ctr"/>
+          <a:lstStyle/>
+          <a:p>
+            <a:pPr algn="ctr"/>
+            <a:endParaRPr lang="en-IL" dirty="0"/>
+          </a:p>
+        </p:txBody>
+      </p:sp>
+      <p:sp>
+        <p:nvSpPr>
+          <p:cNvPr id="2" name="Title 1">
+            <a:extLst>
+              <a:ext uri="{FF2B5EF4-FFF2-40B4-BE49-F238E27FC236}">
+                <a16:creationId xmlns:a16="http://schemas.microsoft.com/office/drawing/2014/main" id="{AD92F597-4DB6-45C7-97B2-8F408617D08A}"/>
+              </a:ext>
+            </a:extLst>
+          </p:cNvPr>
+          <p:cNvSpPr>
+            <a:spLocks noGrp="1"/>
+          </p:cNvSpPr>
+          <p:nvPr>
+            <p:ph type="title"/>
+          </p:nvPr>
+        </p:nvSpPr>
+        <p:spPr>
+          <a:xfrm>
+            <a:off x="1141412" y="0"/>
+            <a:ext cx="9905998" cy="983635"/>
+          </a:xfrm>
+        </p:spPr>
+        <p:txBody>
+          <a:bodyPr/>
+          <a:lstStyle/>
+          <a:p>
+            <a:pPr algn="r" rtl="1"/>
+            <a:r>
+              <a:rPr lang="he-IL" cap="none" dirty="0">
+                <a:solidFill>
+                  <a:schemeClr val="bg1"/>
+                </a:solidFill>
+                <a:latin typeface="Segoe UI Semibold" panose="020B0702040204020203" pitchFamily="34" charset="0"/>
+                <a:cs typeface="Segoe UI Semibold" panose="020B0702040204020203" pitchFamily="34" charset="0"/>
+              </a:rPr>
+              <a:t>מתקפות </a:t>
+            </a:r>
+            <a:r>
+              <a:rPr lang="en-US" cap="none" dirty="0">
+                <a:solidFill>
+                  <a:schemeClr val="bg1"/>
+                </a:solidFill>
+                <a:latin typeface="Segoe UI Semibold" panose="020B0702040204020203" pitchFamily="34" charset="0"/>
+                <a:cs typeface="Segoe UI Semibold" panose="020B0702040204020203" pitchFamily="34" charset="0"/>
+              </a:rPr>
+              <a:t>DoS</a:t>
+            </a:r>
+            <a:endParaRPr lang="en-IL" cap="none" dirty="0">
+              <a:solidFill>
+                <a:schemeClr val="bg1"/>
+              </a:solidFill>
+              <a:latin typeface="Segoe UI Semibold" panose="020B0702040204020203" pitchFamily="34" charset="0"/>
+              <a:cs typeface="Segoe UI Semibold" panose="020B0702040204020203" pitchFamily="34" charset="0"/>
+            </a:endParaRPr>
+          </a:p>
+        </p:txBody>
+      </p:sp>
+      <p:sp>
+        <p:nvSpPr>
+          <p:cNvPr id="3" name="Content Placeholder 2">
+            <a:extLst>
+              <a:ext uri="{FF2B5EF4-FFF2-40B4-BE49-F238E27FC236}">
+                <a16:creationId xmlns:a16="http://schemas.microsoft.com/office/drawing/2014/main" id="{5DB99D37-3B94-4415-BFED-4639A5DB97A4}"/>
+              </a:ext>
+            </a:extLst>
+          </p:cNvPr>
+          <p:cNvSpPr>
+            <a:spLocks noGrp="1"/>
+          </p:cNvSpPr>
+          <p:nvPr>
+            <p:ph idx="1"/>
+          </p:nvPr>
+        </p:nvSpPr>
+        <p:spPr>
+          <a:xfrm>
+            <a:off x="4217437" y="802432"/>
+            <a:ext cx="6829973" cy="5822304"/>
+          </a:xfrm>
+        </p:spPr>
+        <p:txBody>
+          <a:bodyPr>
+            <a:normAutofit/>
+          </a:bodyPr>
+          <a:lstStyle/>
+          <a:p>
+            <a:pPr algn="r" rtl="1"/>
+            <a:r>
+              <a:rPr lang="en-US" dirty="0">
+                <a:latin typeface="Segoe UI Semilight" panose="020B0402040204020203" pitchFamily="34" charset="0"/>
+                <a:cs typeface="Segoe UI Semilight" panose="020B0402040204020203" pitchFamily="34" charset="0"/>
+              </a:rPr>
+              <a:t>Dos</a:t>
+            </a:r>
+            <a:endParaRPr lang="he-IL" dirty="0">
+              <a:latin typeface="Segoe UI Semilight" panose="020B0402040204020203" pitchFamily="34" charset="0"/>
+              <a:cs typeface="Segoe UI Semilight" panose="020B0402040204020203" pitchFamily="34" charset="0"/>
+            </a:endParaRPr>
+          </a:p>
+          <a:p>
+            <a:pPr lvl="1" algn="r" rtl="1"/>
+            <a:r>
+              <a:rPr lang="he-IL" dirty="0">
+                <a:latin typeface="Segoe UI Semilight" panose="020B0402040204020203" pitchFamily="34" charset="0"/>
+                <a:cs typeface="Segoe UI Semilight" panose="020B0402040204020203" pitchFamily="34" charset="0"/>
+              </a:rPr>
+              <a:t>תוקף שולח מספר רב של בקשות לשרת על מנת להעמיס עליו ובכך השרת לא יהיה נגיש לבקשות של שאר הלקוחות הלגיטימיים.</a:t>
+            </a:r>
+          </a:p>
+          <a:p>
+            <a:pPr algn="r" rtl="1"/>
+            <a:r>
+              <a:rPr lang="en-US" dirty="0">
+                <a:latin typeface="Segoe UI Semilight" panose="020B0402040204020203" pitchFamily="34" charset="0"/>
+                <a:cs typeface="Segoe UI Semilight" panose="020B0402040204020203" pitchFamily="34" charset="0"/>
+              </a:rPr>
+              <a:t>DDoS</a:t>
+            </a:r>
+            <a:endParaRPr lang="he-IL" dirty="0">
+              <a:latin typeface="Segoe UI Semilight" panose="020B0402040204020203" pitchFamily="34" charset="0"/>
+              <a:cs typeface="Segoe UI Semilight" panose="020B0402040204020203" pitchFamily="34" charset="0"/>
+            </a:endParaRPr>
+          </a:p>
+          <a:p>
+            <a:pPr lvl="1" algn="r" rtl="1"/>
+            <a:r>
+              <a:rPr lang="en-US" dirty="0">
+                <a:latin typeface="Segoe UI Semilight" panose="020B0402040204020203" pitchFamily="34" charset="0"/>
+                <a:cs typeface="Segoe UI Semilight" panose="020B0402040204020203" pitchFamily="34" charset="0"/>
+              </a:rPr>
+              <a:t>Distributed Denial Of Service</a:t>
+            </a:r>
+            <a:endParaRPr lang="he-IL" dirty="0">
+              <a:latin typeface="Segoe UI Semilight" panose="020B0402040204020203" pitchFamily="34" charset="0"/>
+              <a:cs typeface="Segoe UI Semilight" panose="020B0402040204020203" pitchFamily="34" charset="0"/>
+            </a:endParaRPr>
+          </a:p>
+          <a:p>
+            <a:pPr lvl="1" algn="r" rtl="1"/>
+            <a:r>
+              <a:rPr lang="he-IL" dirty="0">
+                <a:latin typeface="Segoe UI Semilight" panose="020B0402040204020203" pitchFamily="34" charset="0"/>
+                <a:cs typeface="Segoe UI Semilight" panose="020B0402040204020203" pitchFamily="34" charset="0"/>
+              </a:rPr>
+              <a:t>ביצעו מתקפת </a:t>
+            </a:r>
+            <a:r>
+              <a:rPr lang="en-US" dirty="0">
+                <a:latin typeface="Segoe UI Semilight" panose="020B0402040204020203" pitchFamily="34" charset="0"/>
+                <a:cs typeface="Segoe UI Semilight" panose="020B0402040204020203" pitchFamily="34" charset="0"/>
+              </a:rPr>
+              <a:t>DoS</a:t>
+            </a:r>
+            <a:r>
+              <a:rPr lang="he-IL" dirty="0">
+                <a:latin typeface="Segoe UI Semilight" panose="020B0402040204020203" pitchFamily="34" charset="0"/>
+                <a:cs typeface="Segoe UI Semilight" panose="020B0402040204020203" pitchFamily="34" charset="0"/>
+              </a:rPr>
+              <a:t> מכמה מחשבים שונים בו-זמנית.</a:t>
+            </a:r>
+          </a:p>
+          <a:p>
+            <a:pPr lvl="1" algn="r" rtl="1"/>
+            <a:r>
+              <a:rPr lang="he-IL" dirty="0">
+                <a:latin typeface="Segoe UI Semilight" panose="020B0402040204020203" pitchFamily="34" charset="0"/>
+                <a:cs typeface="Segoe UI Semilight" panose="020B0402040204020203" pitchFamily="34" charset="0"/>
+              </a:rPr>
+              <a:t>לרוב ע"י רשת מחשבים הנקראית </a:t>
+            </a:r>
+            <a:r>
+              <a:rPr lang="en-US" dirty="0">
+                <a:latin typeface="Segoe UI Semilight" panose="020B0402040204020203" pitchFamily="34" charset="0"/>
+                <a:cs typeface="Segoe UI Semilight" panose="020B0402040204020203" pitchFamily="34" charset="0"/>
+              </a:rPr>
+              <a:t>botnet</a:t>
+            </a:r>
+            <a:r>
+              <a:rPr lang="he-IL" dirty="0">
+                <a:latin typeface="Segoe UI Semilight" panose="020B0402040204020203" pitchFamily="34" charset="0"/>
+                <a:cs typeface="Segoe UI Semilight" panose="020B0402040204020203" pitchFamily="34" charset="0"/>
+              </a:rPr>
+              <a:t> הנשלטת ע"י התוקף.</a:t>
+            </a:r>
+          </a:p>
+          <a:p>
+            <a:pPr algn="r" rtl="1"/>
+            <a:r>
+              <a:rPr lang="en-US" dirty="0" err="1">
+                <a:latin typeface="Segoe UI Semilight" panose="020B0402040204020203" pitchFamily="34" charset="0"/>
+                <a:cs typeface="Segoe UI Semilight" panose="020B0402040204020203" pitchFamily="34" charset="0"/>
+              </a:rPr>
+              <a:t>DRDoS</a:t>
+            </a:r>
+            <a:endParaRPr lang="he-IL" dirty="0">
+              <a:latin typeface="Segoe UI Semilight" panose="020B0402040204020203" pitchFamily="34" charset="0"/>
+              <a:cs typeface="Segoe UI Semilight" panose="020B0402040204020203" pitchFamily="34" charset="0"/>
+            </a:endParaRPr>
+          </a:p>
+          <a:p>
+            <a:pPr lvl="1" algn="r" rtl="1"/>
+            <a:r>
+              <a:rPr lang="en-US" dirty="0">
+                <a:latin typeface="Segoe UI Semilight" panose="020B0402040204020203" pitchFamily="34" charset="0"/>
+                <a:cs typeface="Segoe UI Semilight" panose="020B0402040204020203" pitchFamily="34" charset="0"/>
+              </a:rPr>
+              <a:t>Distributed Reflected Denial Of Service</a:t>
+            </a:r>
+            <a:endParaRPr lang="he-IL" dirty="0">
+              <a:latin typeface="Segoe UI Semilight" panose="020B0402040204020203" pitchFamily="34" charset="0"/>
+              <a:cs typeface="Segoe UI Semilight" panose="020B0402040204020203" pitchFamily="34" charset="0"/>
+            </a:endParaRPr>
+          </a:p>
+          <a:p>
+            <a:pPr lvl="1" algn="r" rtl="1"/>
+            <a:r>
+              <a:rPr lang="he-IL" dirty="0">
+                <a:latin typeface="Segoe UI Semilight" panose="020B0402040204020203" pitchFamily="34" charset="0"/>
+                <a:cs typeface="Segoe UI Semilight" panose="020B0402040204020203" pitchFamily="34" charset="0"/>
+              </a:rPr>
+              <a:t>ביצוע </a:t>
+            </a:r>
+            <a:r>
+              <a:rPr lang="en-US" dirty="0">
+                <a:latin typeface="Segoe UI Semilight" panose="020B0402040204020203" pitchFamily="34" charset="0"/>
+                <a:cs typeface="Segoe UI Semilight" panose="020B0402040204020203" pitchFamily="34" charset="0"/>
+              </a:rPr>
+              <a:t>DDoS</a:t>
+            </a:r>
+            <a:r>
+              <a:rPr lang="he-IL" dirty="0">
+                <a:latin typeface="Segoe UI Semilight" panose="020B0402040204020203" pitchFamily="34" charset="0"/>
+                <a:cs typeface="Segoe UI Semilight" panose="020B0402040204020203" pitchFamily="34" charset="0"/>
+              </a:rPr>
+              <a:t> תוך שימוש בפרוטוקולים ושירותים הקיימים ברשת בשביל להגדיל את כמות המידע הנשלחת לשרת.</a:t>
+            </a:r>
+          </a:p>
+          <a:p>
+            <a:pPr lvl="1" algn="r" rtl="1"/>
+            <a:endParaRPr lang="he-IL" dirty="0">
+              <a:latin typeface="Segoe UI Semilight" panose="020B0402040204020203" pitchFamily="34" charset="0"/>
+              <a:cs typeface="Segoe UI Semilight" panose="020B0402040204020203" pitchFamily="34" charset="0"/>
+            </a:endParaRPr>
+          </a:p>
+          <a:p>
+            <a:pPr algn="r" rtl="1"/>
+            <a:endParaRPr lang="en-US" dirty="0">
+              <a:latin typeface="Segoe UI Semilight" panose="020B0402040204020203" pitchFamily="34" charset="0"/>
+              <a:cs typeface="Segoe UI Semilight" panose="020B0402040204020203" pitchFamily="34" charset="0"/>
+            </a:endParaRPr>
+          </a:p>
+          <a:p>
+            <a:pPr algn="r" rtl="1"/>
+            <a:endParaRPr lang="he-IL" dirty="0">
+              <a:latin typeface="Segoe UI Semilight" panose="020B0402040204020203" pitchFamily="34" charset="0"/>
+              <a:cs typeface="Segoe UI Semilight" panose="020B0402040204020203" pitchFamily="34" charset="0"/>
+            </a:endParaRPr>
+          </a:p>
+          <a:p>
+            <a:pPr algn="r" rtl="1"/>
+            <a:endParaRPr lang="he-IL" dirty="0">
+              <a:latin typeface="Segoe UI Semilight" panose="020B0402040204020203" pitchFamily="34" charset="0"/>
+              <a:cs typeface="Segoe UI Semilight" panose="020B0402040204020203" pitchFamily="34" charset="0"/>
+            </a:endParaRPr>
+          </a:p>
+          <a:p>
+            <a:pPr algn="r" rtl="1"/>
+            <a:endParaRPr lang="he-IL" dirty="0">
+              <a:latin typeface="Segoe UI Semilight" panose="020B0402040204020203" pitchFamily="34" charset="0"/>
+              <a:cs typeface="Segoe UI Semilight" panose="020B0402040204020203" pitchFamily="34" charset="0"/>
+            </a:endParaRPr>
+          </a:p>
+          <a:p>
+            <a:pPr algn="r" rtl="1"/>
+            <a:endParaRPr lang="he-IL" dirty="0">
+              <a:latin typeface="Segoe UI Semilight" panose="020B0402040204020203" pitchFamily="34" charset="0"/>
+              <a:cs typeface="Segoe UI Semilight" panose="020B0402040204020203" pitchFamily="34" charset="0"/>
+            </a:endParaRPr>
+          </a:p>
+          <a:p>
+            <a:pPr lvl="1" algn="r" rtl="1"/>
+            <a:endParaRPr lang="he-IL" dirty="0">
+              <a:latin typeface="Segoe UI Semilight" panose="020B0402040204020203" pitchFamily="34" charset="0"/>
+              <a:cs typeface="Segoe UI Semilight" panose="020B0402040204020203" pitchFamily="34" charset="0"/>
+            </a:endParaRPr>
+          </a:p>
+        </p:txBody>
+      </p:sp>
+      <p:pic>
+        <p:nvPicPr>
+          <p:cNvPr id="5122" name="Picture 2" descr="To launch DDoS attacks, attackers use botnets">
+            <a:extLst>
+              <a:ext uri="{FF2B5EF4-FFF2-40B4-BE49-F238E27FC236}">
+                <a16:creationId xmlns:a16="http://schemas.microsoft.com/office/drawing/2014/main" id="{14E90EED-FA6F-48BC-A533-33443C540B5F}"/>
+              </a:ext>
+            </a:extLst>
+          </p:cNvPr>
+          <p:cNvPicPr>
+            <a:picLocks noChangeAspect="1" noChangeArrowheads="1"/>
+          </p:cNvPicPr>
+          <p:nvPr/>
+        </p:nvPicPr>
+        <p:blipFill>
+          <a:blip r:embed="rId3">
+            <a:extLst>
+              <a:ext uri="{28A0092B-C50C-407E-A947-70E740481C1C}">
+                <a14:useLocalDpi xmlns:a14="http://schemas.microsoft.com/office/drawing/2010/main" val="0"/>
+              </a:ext>
+            </a:extLst>
+          </a:blip>
+          <a:srcRect/>
+          <a:stretch>
+            <a:fillRect/>
+          </a:stretch>
+        </p:blipFill>
+        <p:spPr bwMode="auto">
+          <a:xfrm>
+            <a:off x="153030" y="595851"/>
+            <a:ext cx="4502716" cy="2862233"/>
+          </a:xfrm>
+          <a:prstGeom prst="rect">
+            <a:avLst/>
+          </a:prstGeom>
+          <a:noFill/>
+          <a:extLst>
+            <a:ext uri="{909E8E84-426E-40DD-AFC4-6F175D3DCCD1}">
+              <a14:hiddenFill xmlns:a14="http://schemas.microsoft.com/office/drawing/2010/main">
+                <a:solidFill>
+                  <a:srgbClr val="FFFFFF"/>
+                </a:solidFill>
+              </a14:hiddenFill>
+            </a:ext>
+          </a:extLst>
+        </p:spPr>
+      </p:pic>
+      <p:pic>
+        <p:nvPicPr>
+          <p:cNvPr id="5124" name="Picture 4" descr="10 DNS Attacks Types and The Mitigate Steps - 2020">
+            <a:extLst>
+              <a:ext uri="{FF2B5EF4-FFF2-40B4-BE49-F238E27FC236}">
+                <a16:creationId xmlns:a16="http://schemas.microsoft.com/office/drawing/2014/main" id="{5275186D-453B-4983-AC24-2A7A08E193AC}"/>
+              </a:ext>
+            </a:extLst>
+          </p:cNvPr>
+          <p:cNvPicPr>
+            <a:picLocks noChangeAspect="1" noChangeArrowheads="1"/>
+          </p:cNvPicPr>
+          <p:nvPr/>
+        </p:nvPicPr>
+        <p:blipFill>
+          <a:blip r:embed="rId4">
+            <a:extLst>
+              <a:ext uri="{28A0092B-C50C-407E-A947-70E740481C1C}">
+                <a14:useLocalDpi xmlns:a14="http://schemas.microsoft.com/office/drawing/2010/main" val="0"/>
+              </a:ext>
+            </a:extLst>
+          </a:blip>
+          <a:srcRect/>
+          <a:stretch>
+            <a:fillRect/>
+          </a:stretch>
+        </p:blipFill>
+        <p:spPr bwMode="auto">
+          <a:xfrm>
+            <a:off x="394901" y="4038419"/>
+            <a:ext cx="3766553" cy="2362382"/>
+          </a:xfrm>
+          <a:prstGeom prst="rect">
+            <a:avLst/>
+          </a:prstGeom>
+          <a:noFill/>
+          <a:extLst>
+            <a:ext uri="{909E8E84-426E-40DD-AFC4-6F175D3DCCD1}">
+              <a14:hiddenFill xmlns:a14="http://schemas.microsoft.com/office/drawing/2010/main">
+                <a:solidFill>
+                  <a:srgbClr val="FFFFFF"/>
+                </a:solidFill>
+              </a14:hiddenFill>
+            </a:ext>
+          </a:extLst>
+        </p:spPr>
+      </p:pic>
+    </p:spTree>
+    <p:extLst>
+      <p:ext uri="{BB962C8B-B14F-4D97-AF65-F5344CB8AC3E}">
+        <p14:creationId xmlns:p14="http://schemas.microsoft.com/office/powerpoint/2010/main" val="1714393310"/>
+      </p:ext>
+    </p:extLst>
+  </p:cSld>
+  <p:clrMapOvr>
+    <a:masterClrMapping/>
+  </p:clrMapOvr>
+  <mc:AlternateContent xmlns:mc="http://schemas.openxmlformats.org/markup-compatibility/2006" xmlns:p14="http://schemas.microsoft.com/office/powerpoint/2010/main">
+    <mc:Choice Requires="p14">
+      <p:transition spd="slow" p14:dur="2000" advClick="0"/>
+    </mc:Choice>
+    <mc:Fallback xmlns="">
+      <p:transition spd="slow" advClick="0"/>
+    </mc:Fallback>
+  </mc:AlternateContent>
+</p:sld>
+</file>
+
+<file path=ppt/slides/slide34.xml><?xml version="1.0" encoding="utf-8"?>
+<p:sld xmlns:a="http://schemas.openxmlformats.org/drawingml/2006/main" xmlns:r="http://schemas.openxmlformats.org/officeDocument/2006/relationships" xmlns:p="http://schemas.openxmlformats.org/presentationml/2006/main">
+  <p:cSld>
+    <p:spTree>
+      <p:nvGrpSpPr>
+        <p:cNvPr id="1" name=""/>
+        <p:cNvGrpSpPr/>
+        <p:nvPr/>
+      </p:nvGrpSpPr>
+      <p:grpSpPr>
+        <a:xfrm>
+          <a:off x="0" y="0"/>
+          <a:ext cx="0" cy="0"/>
+          <a:chOff x="0" y="0"/>
+          <a:chExt cx="0" cy="0"/>
+        </a:xfrm>
+      </p:grpSpPr>
+      <p:sp>
+        <p:nvSpPr>
+          <p:cNvPr id="27" name="Rectangle 26">
+            <a:extLst>
+              <a:ext uri="{FF2B5EF4-FFF2-40B4-BE49-F238E27FC236}">
+                <a16:creationId xmlns:a16="http://schemas.microsoft.com/office/drawing/2014/main" id="{64C76D42-2200-4A13-AFFB-0F543F6A81AE}"/>
+              </a:ext>
+            </a:extLst>
+          </p:cNvPr>
+          <p:cNvSpPr/>
+          <p:nvPr/>
+        </p:nvSpPr>
+        <p:spPr>
+          <a:xfrm>
+            <a:off x="5741776" y="171465"/>
+            <a:ext cx="5361617" cy="664803"/>
+          </a:xfrm>
+          <a:prstGeom prst="rect">
+            <a:avLst/>
+          </a:prstGeom>
+        </p:spPr>
+        <p:style>
+          <a:lnRef idx="1">
+            <a:schemeClr val="accent5"/>
+          </a:lnRef>
+          <a:fillRef idx="2">
+            <a:schemeClr val="accent5"/>
+          </a:fillRef>
+          <a:effectRef idx="1">
+            <a:schemeClr val="accent5"/>
+          </a:effectRef>
+          <a:fontRef idx="minor">
+            <a:schemeClr val="dk1"/>
+          </a:fontRef>
+        </p:style>
+        <p:txBody>
+          <a:bodyPr rtlCol="0" anchor="ctr"/>
+          <a:lstStyle/>
+          <a:p>
+            <a:pPr algn="ctr"/>
+            <a:endParaRPr lang="en-IL" dirty="0"/>
+          </a:p>
+        </p:txBody>
+      </p:sp>
+      <p:sp>
+        <p:nvSpPr>
+          <p:cNvPr id="2" name="Title 1">
+            <a:extLst>
+              <a:ext uri="{FF2B5EF4-FFF2-40B4-BE49-F238E27FC236}">
+                <a16:creationId xmlns:a16="http://schemas.microsoft.com/office/drawing/2014/main" id="{AD92F597-4DB6-45C7-97B2-8F408617D08A}"/>
+              </a:ext>
+            </a:extLst>
+          </p:cNvPr>
+          <p:cNvSpPr>
+            <a:spLocks noGrp="1"/>
+          </p:cNvSpPr>
+          <p:nvPr>
+            <p:ph type="title"/>
+          </p:nvPr>
+        </p:nvSpPr>
+        <p:spPr>
+          <a:xfrm>
+            <a:off x="1141412" y="0"/>
+            <a:ext cx="9905998" cy="983635"/>
+          </a:xfrm>
+        </p:spPr>
+        <p:txBody>
+          <a:bodyPr/>
+          <a:lstStyle/>
+          <a:p>
+            <a:pPr algn="r" rtl="1"/>
+            <a:r>
+              <a:rPr lang="he-IL" cap="none" dirty="0">
+                <a:solidFill>
+                  <a:schemeClr val="bg1"/>
+                </a:solidFill>
+                <a:latin typeface="Segoe UI Semibold" panose="020B0702040204020203" pitchFamily="34" charset="0"/>
+                <a:cs typeface="Segoe UI Semibold" panose="020B0702040204020203" pitchFamily="34" charset="0"/>
+              </a:rPr>
+              <a:t>הגנות</a:t>
+            </a:r>
+            <a:endParaRPr lang="en-IL" cap="none" dirty="0">
+              <a:solidFill>
+                <a:schemeClr val="bg1"/>
+              </a:solidFill>
+              <a:latin typeface="Segoe UI Semibold" panose="020B0702040204020203" pitchFamily="34" charset="0"/>
+              <a:cs typeface="Segoe UI Semibold" panose="020B0702040204020203" pitchFamily="34" charset="0"/>
+            </a:endParaRPr>
+          </a:p>
+        </p:txBody>
+      </p:sp>
+      <p:sp>
+        <p:nvSpPr>
+          <p:cNvPr id="3" name="Content Placeholder 2">
+            <a:extLst>
+              <a:ext uri="{FF2B5EF4-FFF2-40B4-BE49-F238E27FC236}">
+                <a16:creationId xmlns:a16="http://schemas.microsoft.com/office/drawing/2014/main" id="{5DB99D37-3B94-4415-BFED-4639A5DB97A4}"/>
+              </a:ext>
+            </a:extLst>
+          </p:cNvPr>
+          <p:cNvSpPr>
+            <a:spLocks noGrp="1"/>
+          </p:cNvSpPr>
+          <p:nvPr>
+            <p:ph idx="1"/>
+          </p:nvPr>
+        </p:nvSpPr>
+        <p:spPr>
+          <a:xfrm>
+            <a:off x="472751" y="802432"/>
+            <a:ext cx="10574659" cy="5822304"/>
+          </a:xfrm>
+        </p:spPr>
+        <p:txBody>
+          <a:bodyPr>
+            <a:normAutofit/>
+          </a:bodyPr>
+          <a:lstStyle/>
+          <a:p>
+            <a:pPr algn="r" rtl="1"/>
+            <a:r>
+              <a:rPr lang="en-US" dirty="0">
+                <a:latin typeface="Segoe UI Semilight" panose="020B0402040204020203" pitchFamily="34" charset="0"/>
+                <a:cs typeface="Segoe UI Semilight" panose="020B0402040204020203" pitchFamily="34" charset="0"/>
+              </a:rPr>
+              <a:t>Firewalls</a:t>
+            </a:r>
+            <a:endParaRPr lang="he-IL" dirty="0">
+              <a:latin typeface="Segoe UI Semilight" panose="020B0402040204020203" pitchFamily="34" charset="0"/>
+              <a:cs typeface="Segoe UI Semilight" panose="020B0402040204020203" pitchFamily="34" charset="0"/>
+            </a:endParaRPr>
+          </a:p>
+          <a:p>
+            <a:pPr lvl="1" algn="r" rtl="1"/>
+            <a:r>
+              <a:rPr lang="en-US" dirty="0">
+                <a:latin typeface="Segoe UI Semilight" panose="020B0402040204020203" pitchFamily="34" charset="0"/>
+                <a:cs typeface="Segoe UI Semilight" panose="020B0402040204020203" pitchFamily="34" charset="0"/>
+              </a:rPr>
+              <a:t>Network Monitoring</a:t>
+            </a:r>
+          </a:p>
+          <a:p>
+            <a:pPr lvl="1" algn="r" rtl="1"/>
+            <a:r>
+              <a:rPr lang="en-US" dirty="0">
+                <a:latin typeface="Segoe UI Semilight" panose="020B0402040204020203" pitchFamily="34" charset="0"/>
+                <a:cs typeface="Segoe UI Semilight" panose="020B0402040204020203" pitchFamily="34" charset="0"/>
+              </a:rPr>
+              <a:t>Deep Packet Inspection</a:t>
+            </a:r>
+            <a:endParaRPr lang="he-IL" dirty="0">
+              <a:latin typeface="Segoe UI Semilight" panose="020B0402040204020203" pitchFamily="34" charset="0"/>
+              <a:cs typeface="Segoe UI Semilight" panose="020B0402040204020203" pitchFamily="34" charset="0"/>
+            </a:endParaRPr>
+          </a:p>
+          <a:p>
+            <a:pPr lvl="1" algn="r" rtl="1"/>
+            <a:endParaRPr lang="he-IL" dirty="0">
+              <a:latin typeface="Segoe UI Semilight" panose="020B0402040204020203" pitchFamily="34" charset="0"/>
+              <a:cs typeface="Segoe UI Semilight" panose="020B0402040204020203" pitchFamily="34" charset="0"/>
+            </a:endParaRPr>
+          </a:p>
+          <a:p>
+            <a:pPr algn="r" rtl="1"/>
+            <a:r>
+              <a:rPr lang="he-IL" dirty="0">
+                <a:latin typeface="Segoe UI Semilight" panose="020B0402040204020203" pitchFamily="34" charset="0"/>
+                <a:cs typeface="Segoe UI Semilight" panose="020B0402040204020203" pitchFamily="34" charset="0"/>
+              </a:rPr>
+              <a:t>חברות מסחריות</a:t>
+            </a:r>
+          </a:p>
+          <a:p>
+            <a:pPr lvl="1" algn="r" rtl="1"/>
+            <a:r>
+              <a:rPr lang="he-IL" dirty="0">
+                <a:latin typeface="Segoe UI Semilight" panose="020B0402040204020203" pitchFamily="34" charset="0"/>
+                <a:cs typeface="Segoe UI Semilight" panose="020B0402040204020203" pitchFamily="34" charset="0"/>
+              </a:rPr>
+              <a:t>השכרת שירותים של חברות גדולות עבור הגנות מפני </a:t>
+            </a:r>
+            <a:r>
+              <a:rPr lang="en-US" dirty="0">
+                <a:latin typeface="Segoe UI Semilight" panose="020B0402040204020203" pitchFamily="34" charset="0"/>
+                <a:cs typeface="Segoe UI Semilight" panose="020B0402040204020203" pitchFamily="34" charset="0"/>
+              </a:rPr>
+              <a:t>DDoS</a:t>
+            </a:r>
+            <a:endParaRPr lang="he-IL" dirty="0">
+              <a:latin typeface="Segoe UI Semilight" panose="020B0402040204020203" pitchFamily="34" charset="0"/>
+              <a:cs typeface="Segoe UI Semilight" panose="020B0402040204020203" pitchFamily="34" charset="0"/>
+            </a:endParaRPr>
+          </a:p>
+          <a:p>
+            <a:pPr lvl="1" algn="r" rtl="1"/>
+            <a:r>
+              <a:rPr lang="he-IL" dirty="0">
+                <a:latin typeface="Segoe UI Semilight" panose="020B0402040204020203" pitchFamily="34" charset="0"/>
+                <a:cs typeface="Segoe UI Semilight" panose="020B0402040204020203" pitchFamily="34" charset="0"/>
+              </a:rPr>
+              <a:t>בשביל להעמיס על שרתים של חברות כאלו צריך כמות עצומה של תעבורה...</a:t>
+            </a:r>
+            <a:endParaRPr lang="en-US" dirty="0">
+              <a:latin typeface="Segoe UI Semilight" panose="020B0402040204020203" pitchFamily="34" charset="0"/>
+              <a:cs typeface="Segoe UI Semilight" panose="020B0402040204020203" pitchFamily="34" charset="0"/>
+            </a:endParaRPr>
+          </a:p>
+          <a:p>
+            <a:pPr lvl="1" algn="r" rtl="1"/>
+            <a:endParaRPr lang="en-US" dirty="0">
+              <a:latin typeface="Segoe UI Semilight" panose="020B0402040204020203" pitchFamily="34" charset="0"/>
+              <a:cs typeface="Segoe UI Semilight" panose="020B0402040204020203" pitchFamily="34" charset="0"/>
+            </a:endParaRPr>
+          </a:p>
+          <a:p>
+            <a:pPr lvl="1" algn="r" rtl="1"/>
+            <a:endParaRPr lang="he-IL" dirty="0">
+              <a:latin typeface="Segoe UI Semilight" panose="020B0402040204020203" pitchFamily="34" charset="0"/>
+              <a:cs typeface="Segoe UI Semilight" panose="020B0402040204020203" pitchFamily="34" charset="0"/>
+            </a:endParaRPr>
+          </a:p>
+          <a:p>
+            <a:pPr lvl="1" algn="r" rtl="1"/>
+            <a:endParaRPr lang="he-IL" dirty="0">
+              <a:latin typeface="Segoe UI Semilight" panose="020B0402040204020203" pitchFamily="34" charset="0"/>
+              <a:cs typeface="Segoe UI Semilight" panose="020B0402040204020203" pitchFamily="34" charset="0"/>
+            </a:endParaRPr>
+          </a:p>
+          <a:p>
+            <a:pPr algn="r" rtl="1"/>
+            <a:endParaRPr lang="en-US" dirty="0">
+              <a:latin typeface="Segoe UI Semilight" panose="020B0402040204020203" pitchFamily="34" charset="0"/>
+              <a:cs typeface="Segoe UI Semilight" panose="020B0402040204020203" pitchFamily="34" charset="0"/>
+            </a:endParaRPr>
+          </a:p>
+          <a:p>
+            <a:pPr algn="r" rtl="1"/>
+            <a:endParaRPr lang="he-IL" dirty="0">
+              <a:latin typeface="Segoe UI Semilight" panose="020B0402040204020203" pitchFamily="34" charset="0"/>
+              <a:cs typeface="Segoe UI Semilight" panose="020B0402040204020203" pitchFamily="34" charset="0"/>
+            </a:endParaRPr>
+          </a:p>
+          <a:p>
+            <a:pPr algn="r" rtl="1"/>
+            <a:endParaRPr lang="he-IL" dirty="0">
+              <a:latin typeface="Segoe UI Semilight" panose="020B0402040204020203" pitchFamily="34" charset="0"/>
+              <a:cs typeface="Segoe UI Semilight" panose="020B0402040204020203" pitchFamily="34" charset="0"/>
+            </a:endParaRPr>
+          </a:p>
+          <a:p>
+            <a:pPr algn="r" rtl="1"/>
+            <a:endParaRPr lang="he-IL" dirty="0">
+              <a:latin typeface="Segoe UI Semilight" panose="020B0402040204020203" pitchFamily="34" charset="0"/>
+              <a:cs typeface="Segoe UI Semilight" panose="020B0402040204020203" pitchFamily="34" charset="0"/>
+            </a:endParaRPr>
+          </a:p>
+          <a:p>
+            <a:pPr algn="r" rtl="1"/>
+            <a:endParaRPr lang="he-IL" dirty="0">
+              <a:latin typeface="Segoe UI Semilight" panose="020B0402040204020203" pitchFamily="34" charset="0"/>
+              <a:cs typeface="Segoe UI Semilight" panose="020B0402040204020203" pitchFamily="34" charset="0"/>
+            </a:endParaRPr>
+          </a:p>
+          <a:p>
+            <a:pPr lvl="1" algn="r" rtl="1"/>
+            <a:endParaRPr lang="he-IL" dirty="0">
+              <a:latin typeface="Segoe UI Semilight" panose="020B0402040204020203" pitchFamily="34" charset="0"/>
+              <a:cs typeface="Segoe UI Semilight" panose="020B0402040204020203" pitchFamily="34" charset="0"/>
+            </a:endParaRPr>
+          </a:p>
+        </p:txBody>
+      </p:sp>
+    </p:spTree>
+    <p:extLst>
+      <p:ext uri="{BB962C8B-B14F-4D97-AF65-F5344CB8AC3E}">
+        <p14:creationId xmlns:p14="http://schemas.microsoft.com/office/powerpoint/2010/main" val="2203890961"/>
+      </p:ext>
+    </p:extLst>
+  </p:cSld>
+  <p:clrMapOvr>
+    <a:masterClrMapping/>
+  </p:clrMapOvr>
+  <mc:AlternateContent xmlns:mc="http://schemas.openxmlformats.org/markup-compatibility/2006" xmlns:p14="http://schemas.microsoft.com/office/powerpoint/2010/main">
+    <mc:Choice Requires="p14">
+      <p:transition spd="slow" p14:dur="2000" advClick="0"/>
+    </mc:Choice>
+    <mc:Fallback xmlns="">
+      <p:transition spd="slow" advClick="0"/>
+    </mc:Fallback>
+  </mc:AlternateContent>
+</p:sld>
+</file>
+
+<file path=ppt/slides/slide35.xml><?xml version="1.0" encoding="utf-8"?>
+<p:sld xmlns:a="http://schemas.openxmlformats.org/drawingml/2006/main" xmlns:r="http://schemas.openxmlformats.org/officeDocument/2006/relationships" xmlns:p="http://schemas.openxmlformats.org/presentationml/2006/main">
+  <p:cSld>
+    <p:spTree>
+      <p:nvGrpSpPr>
+        <p:cNvPr id="1" name=""/>
+        <p:cNvGrpSpPr/>
+        <p:nvPr/>
+      </p:nvGrpSpPr>
+      <p:grpSpPr>
+        <a:xfrm>
+          <a:off x="0" y="0"/>
+          <a:ext cx="0" cy="0"/>
+          <a:chOff x="0" y="0"/>
+          <a:chExt cx="0" cy="0"/>
+        </a:xfrm>
+      </p:grpSpPr>
       <p:sp useBgFill="1">
         <p:nvSpPr>
           <p:cNvPr id="139" name="Rectangle 138">

--- a/Lecture/Lecture.pptx
+++ b/Lecture/Lecture.pptx
@@ -5,7 +5,7 @@
     <p:sldMasterId id="2147483660" r:id="rId1"/>
   </p:sldMasterIdLst>
   <p:notesMasterIdLst>
-    <p:notesMasterId r:id="rId37"/>
+    <p:notesMasterId r:id="rId42"/>
   </p:notesMasterIdLst>
   <p:sldIdLst>
     <p:sldId id="256" r:id="rId2"/>
@@ -42,7 +42,12 @@
     <p:sldId id="309" r:id="rId33"/>
     <p:sldId id="310" r:id="rId34"/>
     <p:sldId id="311" r:id="rId35"/>
-    <p:sldId id="278" r:id="rId36"/>
+    <p:sldId id="312" r:id="rId36"/>
+    <p:sldId id="313" r:id="rId37"/>
+    <p:sldId id="314" r:id="rId38"/>
+    <p:sldId id="315" r:id="rId39"/>
+    <p:sldId id="316" r:id="rId40"/>
+    <p:sldId id="278" r:id="rId41"/>
   </p:sldIdLst>
   <p:sldSz cx="12192000" cy="6858000"/>
   <p:notesSz cx="6858000" cy="9144000"/>
@@ -653,6 +658,10 @@
           <a:bodyPr/>
           <a:lstStyle/>
           <a:p>
+            <a:r>
+              <a:rPr lang="he-IL" dirty="0"/>
+              <a:t>להסביר איך המחסנית נראית ואז לעשות *קליק*</a:t>
+            </a:r>
             <a:endParaRPr lang="en-IL" dirty="0"/>
           </a:p>
         </p:txBody>
@@ -2087,6 +2096,26 @@
           <a:bodyPr/>
           <a:lstStyle/>
           <a:p>
+            <a:r>
+              <a:rPr lang="en-US" dirty="0"/>
+              <a:t>Man in the middle</a:t>
+            </a:r>
+            <a:endParaRPr lang="he-IL" dirty="0"/>
+          </a:p>
+          <a:p>
+            <a:r>
+              <a:rPr lang="en-US" dirty="0"/>
+              <a:t>Downgrade Attack</a:t>
+            </a:r>
+          </a:p>
+          <a:p>
+            <a:r>
+              <a:rPr lang="he-IL" dirty="0"/>
+              <a:t>שבירה של ההצפנה הלא מאובטחת של הפרוטוקול הישן</a:t>
+            </a:r>
+            <a:endParaRPr lang="en-US" dirty="0"/>
+          </a:p>
+          <a:p>
             <a:endParaRPr lang="en-IL" dirty="0"/>
           </a:p>
         </p:txBody>
@@ -2597,6 +2626,10 @@
           <a:bodyPr/>
           <a:lstStyle/>
           <a:p>
+            <a:r>
+              <a:rPr lang="he-IL" dirty="0"/>
+              <a:t>בעיות וחולשות שלא קשורות לתהליכים שאנחנו יצרנו, אלא קיימים במערכת שלנו</a:t>
+            </a:r>
             <a:endParaRPr lang="en-IL" dirty="0"/>
           </a:p>
         </p:txBody>
@@ -2933,7 +2966,10 @@
           <a:bodyPr/>
           <a:lstStyle/>
           <a:p>
-            <a:endParaRPr lang="en-IL" dirty="0"/>
+            <a:r>
+              <a:rPr lang="en-US" dirty="0"/>
+              <a:t>Echo Server</a:t>
+            </a:r>
           </a:p>
         </p:txBody>
       </p:sp>
@@ -2963,7 +2999,349 @@
     </p:spTree>
     <p:extLst>
       <p:ext uri="{BB962C8B-B14F-4D97-AF65-F5344CB8AC3E}">
-        <p14:creationId xmlns:p14="http://schemas.microsoft.com/office/powerpoint/2010/main" val="3128336473"/>
+        <p14:creationId xmlns:p14="http://schemas.microsoft.com/office/powerpoint/2010/main" val="1393605415"/>
+      </p:ext>
+    </p:extLst>
+  </p:cSld>
+  <p:clrMapOvr>
+    <a:masterClrMapping/>
+  </p:clrMapOvr>
+</p:notes>
+</file>
+
+<file path=ppt/notesSlides/notesSlide36.xml><?xml version="1.0" encoding="utf-8"?>
+<p:notes xmlns:a="http://schemas.openxmlformats.org/drawingml/2006/main" xmlns:r="http://schemas.openxmlformats.org/officeDocument/2006/relationships" xmlns:p="http://schemas.openxmlformats.org/presentationml/2006/main">
+  <p:cSld>
+    <p:spTree>
+      <p:nvGrpSpPr>
+        <p:cNvPr id="1" name=""/>
+        <p:cNvGrpSpPr/>
+        <p:nvPr/>
+      </p:nvGrpSpPr>
+      <p:grpSpPr>
+        <a:xfrm>
+          <a:off x="0" y="0"/>
+          <a:ext cx="0" cy="0"/>
+          <a:chOff x="0" y="0"/>
+          <a:chExt cx="0" cy="0"/>
+        </a:xfrm>
+      </p:grpSpPr>
+      <p:sp>
+        <p:nvSpPr>
+          <p:cNvPr id="2" name="Slide Image Placeholder 1"/>
+          <p:cNvSpPr>
+            <a:spLocks noGrp="1" noRot="1" noChangeAspect="1"/>
+          </p:cNvSpPr>
+          <p:nvPr>
+            <p:ph type="sldImg"/>
+          </p:nvPr>
+        </p:nvSpPr>
+        <p:spPr/>
+      </p:sp>
+      <p:sp>
+        <p:nvSpPr>
+          <p:cNvPr id="3" name="Notes Placeholder 2"/>
+          <p:cNvSpPr>
+            <a:spLocks noGrp="1"/>
+          </p:cNvSpPr>
+          <p:nvPr>
+            <p:ph type="body" idx="1"/>
+          </p:nvPr>
+        </p:nvSpPr>
+        <p:spPr/>
+        <p:txBody>
+          <a:bodyPr/>
+          <a:lstStyle/>
+          <a:p>
+            <a:endParaRPr lang="en-IL" dirty="0"/>
+          </a:p>
+        </p:txBody>
+      </p:sp>
+      <p:sp>
+        <p:nvSpPr>
+          <p:cNvPr id="4" name="Slide Number Placeholder 3"/>
+          <p:cNvSpPr>
+            <a:spLocks noGrp="1"/>
+          </p:cNvSpPr>
+          <p:nvPr>
+            <p:ph type="sldNum" sz="quarter" idx="5"/>
+          </p:nvPr>
+        </p:nvSpPr>
+        <p:spPr/>
+        <p:txBody>
+          <a:bodyPr/>
+          <a:lstStyle/>
+          <a:p>
+            <a:fld id="{FA19A2CC-002F-40A3-8085-9B94163C320C}" type="slidenum">
+              <a:rPr lang="en-IL" smtClean="0"/>
+              <a:t>36</a:t>
+            </a:fld>
+            <a:endParaRPr lang="en-IL"/>
+          </a:p>
+        </p:txBody>
+      </p:sp>
+    </p:spTree>
+    <p:extLst>
+      <p:ext uri="{BB962C8B-B14F-4D97-AF65-F5344CB8AC3E}">
+        <p14:creationId xmlns:p14="http://schemas.microsoft.com/office/powerpoint/2010/main" val="2866399989"/>
+      </p:ext>
+    </p:extLst>
+  </p:cSld>
+  <p:clrMapOvr>
+    <a:masterClrMapping/>
+  </p:clrMapOvr>
+</p:notes>
+</file>
+
+<file path=ppt/notesSlides/notesSlide37.xml><?xml version="1.0" encoding="utf-8"?>
+<p:notes xmlns:a="http://schemas.openxmlformats.org/drawingml/2006/main" xmlns:r="http://schemas.openxmlformats.org/officeDocument/2006/relationships" xmlns:p="http://schemas.openxmlformats.org/presentationml/2006/main">
+  <p:cSld>
+    <p:spTree>
+      <p:nvGrpSpPr>
+        <p:cNvPr id="1" name=""/>
+        <p:cNvGrpSpPr/>
+        <p:nvPr/>
+      </p:nvGrpSpPr>
+      <p:grpSpPr>
+        <a:xfrm>
+          <a:off x="0" y="0"/>
+          <a:ext cx="0" cy="0"/>
+          <a:chOff x="0" y="0"/>
+          <a:chExt cx="0" cy="0"/>
+        </a:xfrm>
+      </p:grpSpPr>
+      <p:sp>
+        <p:nvSpPr>
+          <p:cNvPr id="2" name="Slide Image Placeholder 1"/>
+          <p:cNvSpPr>
+            <a:spLocks noGrp="1" noRot="1" noChangeAspect="1"/>
+          </p:cNvSpPr>
+          <p:nvPr>
+            <p:ph type="sldImg"/>
+          </p:nvPr>
+        </p:nvSpPr>
+        <p:spPr/>
+      </p:sp>
+      <p:sp>
+        <p:nvSpPr>
+          <p:cNvPr id="3" name="Notes Placeholder 2"/>
+          <p:cNvSpPr>
+            <a:spLocks noGrp="1"/>
+          </p:cNvSpPr>
+          <p:nvPr>
+            <p:ph type="body" idx="1"/>
+          </p:nvPr>
+        </p:nvSpPr>
+        <p:spPr/>
+        <p:txBody>
+          <a:bodyPr/>
+          <a:lstStyle/>
+          <a:p>
+            <a:r>
+              <a:rPr lang="en-US" dirty="0"/>
+              <a:t>Echo Server</a:t>
+            </a:r>
+          </a:p>
+        </p:txBody>
+      </p:sp>
+      <p:sp>
+        <p:nvSpPr>
+          <p:cNvPr id="4" name="Slide Number Placeholder 3"/>
+          <p:cNvSpPr>
+            <a:spLocks noGrp="1"/>
+          </p:cNvSpPr>
+          <p:nvPr>
+            <p:ph type="sldNum" sz="quarter" idx="5"/>
+          </p:nvPr>
+        </p:nvSpPr>
+        <p:spPr/>
+        <p:txBody>
+          <a:bodyPr/>
+          <a:lstStyle/>
+          <a:p>
+            <a:fld id="{FA19A2CC-002F-40A3-8085-9B94163C320C}" type="slidenum">
+              <a:rPr lang="en-IL" smtClean="0"/>
+              <a:t>37</a:t>
+            </a:fld>
+            <a:endParaRPr lang="en-IL"/>
+          </a:p>
+        </p:txBody>
+      </p:sp>
+    </p:spTree>
+    <p:extLst>
+      <p:ext uri="{BB962C8B-B14F-4D97-AF65-F5344CB8AC3E}">
+        <p14:creationId xmlns:p14="http://schemas.microsoft.com/office/powerpoint/2010/main" val="3003104908"/>
+      </p:ext>
+    </p:extLst>
+  </p:cSld>
+  <p:clrMapOvr>
+    <a:masterClrMapping/>
+  </p:clrMapOvr>
+</p:notes>
+</file>
+
+<file path=ppt/notesSlides/notesSlide38.xml><?xml version="1.0" encoding="utf-8"?>
+<p:notes xmlns:a="http://schemas.openxmlformats.org/drawingml/2006/main" xmlns:r="http://schemas.openxmlformats.org/officeDocument/2006/relationships" xmlns:p="http://schemas.openxmlformats.org/presentationml/2006/main">
+  <p:cSld>
+    <p:spTree>
+      <p:nvGrpSpPr>
+        <p:cNvPr id="1" name=""/>
+        <p:cNvGrpSpPr/>
+        <p:nvPr/>
+      </p:nvGrpSpPr>
+      <p:grpSpPr>
+        <a:xfrm>
+          <a:off x="0" y="0"/>
+          <a:ext cx="0" cy="0"/>
+          <a:chOff x="0" y="0"/>
+          <a:chExt cx="0" cy="0"/>
+        </a:xfrm>
+      </p:grpSpPr>
+      <p:sp>
+        <p:nvSpPr>
+          <p:cNvPr id="2" name="Slide Image Placeholder 1"/>
+          <p:cNvSpPr>
+            <a:spLocks noGrp="1" noRot="1" noChangeAspect="1"/>
+          </p:cNvSpPr>
+          <p:nvPr>
+            <p:ph type="sldImg"/>
+          </p:nvPr>
+        </p:nvSpPr>
+        <p:spPr/>
+      </p:sp>
+      <p:sp>
+        <p:nvSpPr>
+          <p:cNvPr id="3" name="Notes Placeholder 2"/>
+          <p:cNvSpPr>
+            <a:spLocks noGrp="1"/>
+          </p:cNvSpPr>
+          <p:nvPr>
+            <p:ph type="body" idx="1"/>
+          </p:nvPr>
+        </p:nvSpPr>
+        <p:spPr/>
+        <p:txBody>
+          <a:bodyPr/>
+          <a:lstStyle/>
+          <a:p>
+            <a:endParaRPr lang="en-IL" dirty="0"/>
+          </a:p>
+        </p:txBody>
+      </p:sp>
+      <p:sp>
+        <p:nvSpPr>
+          <p:cNvPr id="4" name="Slide Number Placeholder 3"/>
+          <p:cNvSpPr>
+            <a:spLocks noGrp="1"/>
+          </p:cNvSpPr>
+          <p:nvPr>
+            <p:ph type="sldNum" sz="quarter" idx="5"/>
+          </p:nvPr>
+        </p:nvSpPr>
+        <p:spPr/>
+        <p:txBody>
+          <a:bodyPr/>
+          <a:lstStyle/>
+          <a:p>
+            <a:fld id="{FA19A2CC-002F-40A3-8085-9B94163C320C}" type="slidenum">
+              <a:rPr lang="en-IL" smtClean="0"/>
+              <a:t>38</a:t>
+            </a:fld>
+            <a:endParaRPr lang="en-IL"/>
+          </a:p>
+        </p:txBody>
+      </p:sp>
+    </p:spTree>
+    <p:extLst>
+      <p:ext uri="{BB962C8B-B14F-4D97-AF65-F5344CB8AC3E}">
+        <p14:creationId xmlns:p14="http://schemas.microsoft.com/office/powerpoint/2010/main" val="502829914"/>
+      </p:ext>
+    </p:extLst>
+  </p:cSld>
+  <p:clrMapOvr>
+    <a:masterClrMapping/>
+  </p:clrMapOvr>
+</p:notes>
+</file>
+
+<file path=ppt/notesSlides/notesSlide39.xml><?xml version="1.0" encoding="utf-8"?>
+<p:notes xmlns:a="http://schemas.openxmlformats.org/drawingml/2006/main" xmlns:r="http://schemas.openxmlformats.org/officeDocument/2006/relationships" xmlns:p="http://schemas.openxmlformats.org/presentationml/2006/main">
+  <p:cSld>
+    <p:spTree>
+      <p:nvGrpSpPr>
+        <p:cNvPr id="1" name=""/>
+        <p:cNvGrpSpPr/>
+        <p:nvPr/>
+      </p:nvGrpSpPr>
+      <p:grpSpPr>
+        <a:xfrm>
+          <a:off x="0" y="0"/>
+          <a:ext cx="0" cy="0"/>
+          <a:chOff x="0" y="0"/>
+          <a:chExt cx="0" cy="0"/>
+        </a:xfrm>
+      </p:grpSpPr>
+      <p:sp>
+        <p:nvSpPr>
+          <p:cNvPr id="2" name="Slide Image Placeholder 1"/>
+          <p:cNvSpPr>
+            <a:spLocks noGrp="1" noRot="1" noChangeAspect="1"/>
+          </p:cNvSpPr>
+          <p:nvPr>
+            <p:ph type="sldImg"/>
+          </p:nvPr>
+        </p:nvSpPr>
+        <p:spPr/>
+      </p:sp>
+      <p:sp>
+        <p:nvSpPr>
+          <p:cNvPr id="3" name="Notes Placeholder 2"/>
+          <p:cNvSpPr>
+            <a:spLocks noGrp="1"/>
+          </p:cNvSpPr>
+          <p:nvPr>
+            <p:ph type="body" idx="1"/>
+          </p:nvPr>
+        </p:nvSpPr>
+        <p:spPr/>
+        <p:txBody>
+          <a:bodyPr/>
+          <a:lstStyle/>
+          <a:p>
+            <a:r>
+              <a:rPr lang="en-US" dirty="0"/>
+              <a:t>Echo Server</a:t>
+            </a:r>
+          </a:p>
+        </p:txBody>
+      </p:sp>
+      <p:sp>
+        <p:nvSpPr>
+          <p:cNvPr id="4" name="Slide Number Placeholder 3"/>
+          <p:cNvSpPr>
+            <a:spLocks noGrp="1"/>
+          </p:cNvSpPr>
+          <p:nvPr>
+            <p:ph type="sldNum" sz="quarter" idx="5"/>
+          </p:nvPr>
+        </p:nvSpPr>
+        <p:spPr/>
+        <p:txBody>
+          <a:bodyPr/>
+          <a:lstStyle/>
+          <a:p>
+            <a:fld id="{FA19A2CC-002F-40A3-8085-9B94163C320C}" type="slidenum">
+              <a:rPr lang="en-IL" smtClean="0"/>
+              <a:t>39</a:t>
+            </a:fld>
+            <a:endParaRPr lang="en-IL"/>
+          </a:p>
+        </p:txBody>
+      </p:sp>
+    </p:spTree>
+    <p:extLst>
+      <p:ext uri="{BB962C8B-B14F-4D97-AF65-F5344CB8AC3E}">
+        <p14:creationId xmlns:p14="http://schemas.microsoft.com/office/powerpoint/2010/main" val="596876797"/>
       </p:ext>
     </p:extLst>
   </p:cSld>
@@ -3017,6 +3395,22 @@
           <a:bodyPr/>
           <a:lstStyle/>
           <a:p>
+            <a:r>
+              <a:rPr lang="he-IL" dirty="0"/>
+              <a:t>להסביר על מודל הזיכרון.</a:t>
+            </a:r>
+          </a:p>
+          <a:p>
+            <a:r>
+              <a:rPr lang="he-IL" dirty="0"/>
+              <a:t>מה שנתמקד בו הוא האיזור של המחסנית *קליק*</a:t>
+            </a:r>
+          </a:p>
+          <a:p>
+            <a:r>
+              <a:rPr lang="he-IL" dirty="0"/>
+              <a:t>כל פריים מכיל מידע על הפונקציה *קליק*</a:t>
+            </a:r>
             <a:endParaRPr lang="en-IL" dirty="0"/>
           </a:p>
         </p:txBody>
@@ -3048,6 +3442,90 @@
     <p:extLst>
       <p:ext uri="{BB962C8B-B14F-4D97-AF65-F5344CB8AC3E}">
         <p14:creationId xmlns:p14="http://schemas.microsoft.com/office/powerpoint/2010/main" val="3789645293"/>
+      </p:ext>
+    </p:extLst>
+  </p:cSld>
+  <p:clrMapOvr>
+    <a:masterClrMapping/>
+  </p:clrMapOvr>
+</p:notes>
+</file>
+
+<file path=ppt/notesSlides/notesSlide40.xml><?xml version="1.0" encoding="utf-8"?>
+<p:notes xmlns:a="http://schemas.openxmlformats.org/drawingml/2006/main" xmlns:r="http://schemas.openxmlformats.org/officeDocument/2006/relationships" xmlns:p="http://schemas.openxmlformats.org/presentationml/2006/main">
+  <p:cSld>
+    <p:spTree>
+      <p:nvGrpSpPr>
+        <p:cNvPr id="1" name=""/>
+        <p:cNvGrpSpPr/>
+        <p:nvPr/>
+      </p:nvGrpSpPr>
+      <p:grpSpPr>
+        <a:xfrm>
+          <a:off x="0" y="0"/>
+          <a:ext cx="0" cy="0"/>
+          <a:chOff x="0" y="0"/>
+          <a:chExt cx="0" cy="0"/>
+        </a:xfrm>
+      </p:grpSpPr>
+      <p:sp>
+        <p:nvSpPr>
+          <p:cNvPr id="2" name="Slide Image Placeholder 1"/>
+          <p:cNvSpPr>
+            <a:spLocks noGrp="1" noRot="1" noChangeAspect="1"/>
+          </p:cNvSpPr>
+          <p:nvPr>
+            <p:ph type="sldImg"/>
+          </p:nvPr>
+        </p:nvSpPr>
+        <p:spPr/>
+      </p:sp>
+      <p:sp>
+        <p:nvSpPr>
+          <p:cNvPr id="3" name="Notes Placeholder 2"/>
+          <p:cNvSpPr>
+            <a:spLocks noGrp="1"/>
+          </p:cNvSpPr>
+          <p:nvPr>
+            <p:ph type="body" idx="1"/>
+          </p:nvPr>
+        </p:nvSpPr>
+        <p:spPr/>
+        <p:txBody>
+          <a:bodyPr/>
+          <a:lstStyle/>
+          <a:p>
+            <a:endParaRPr lang="en-IL" dirty="0"/>
+          </a:p>
+        </p:txBody>
+      </p:sp>
+      <p:sp>
+        <p:nvSpPr>
+          <p:cNvPr id="4" name="Slide Number Placeholder 3"/>
+          <p:cNvSpPr>
+            <a:spLocks noGrp="1"/>
+          </p:cNvSpPr>
+          <p:nvPr>
+            <p:ph type="sldNum" sz="quarter" idx="5"/>
+          </p:nvPr>
+        </p:nvSpPr>
+        <p:spPr/>
+        <p:txBody>
+          <a:bodyPr/>
+          <a:lstStyle/>
+          <a:p>
+            <a:fld id="{FA19A2CC-002F-40A3-8085-9B94163C320C}" type="slidenum">
+              <a:rPr lang="en-IL" smtClean="0"/>
+              <a:t>40</a:t>
+            </a:fld>
+            <a:endParaRPr lang="en-IL"/>
+          </a:p>
+        </p:txBody>
+      </p:sp>
+    </p:spTree>
+    <p:extLst>
+      <p:ext uri="{BB962C8B-B14F-4D97-AF65-F5344CB8AC3E}">
+        <p14:creationId xmlns:p14="http://schemas.microsoft.com/office/powerpoint/2010/main" val="3128336473"/>
       </p:ext>
     </p:extLst>
   </p:cSld>
@@ -3101,6 +3579,28 @@
           <a:bodyPr/>
           <a:lstStyle/>
           <a:p>
+            <a:r>
+              <a:rPr lang="he-IL" dirty="0"/>
+              <a:t>להסביר על באפר אוברפלאו...</a:t>
+            </a:r>
+          </a:p>
+          <a:p>
+            <a:r>
+              <a:rPr lang="he-IL" dirty="0"/>
+              <a:t>*קליק* להציג דוגמאת קוד תקינה</a:t>
+            </a:r>
+          </a:p>
+          <a:p>
+            <a:r>
+              <a:rPr lang="he-IL" dirty="0"/>
+              <a:t>*קליק* להציג דוגמא שבה אותו קוד קורס</a:t>
+            </a:r>
+          </a:p>
+          <a:p>
+            <a:r>
+              <a:rPr lang="he-IL" dirty="0"/>
+              <a:t>*קליק* להראות כיצד כתובת החזרה נדרסת</a:t>
+            </a:r>
             <a:endParaRPr lang="en-IL" dirty="0"/>
           </a:p>
         </p:txBody>
@@ -3185,6 +3685,10 @@
           <a:bodyPr/>
           <a:lstStyle/>
           <a:p>
+            <a:r>
+              <a:rPr lang="en-US" dirty="0"/>
+              <a:t>Stack canary</a:t>
+            </a:r>
             <a:endParaRPr lang="en-IL" dirty="0"/>
           </a:p>
         </p:txBody>
@@ -25932,10 +26436,13 @@
               </a:rPr>
               <a:t>MAC</a:t>
             </a:r>
-            <a:endParaRPr lang="he-IL" dirty="0">
-              <a:latin typeface="Segoe UI Semilight" panose="020B0402040204020203" pitchFamily="34" charset="0"/>
-              <a:cs typeface="Segoe UI Semilight" panose="020B0402040204020203" pitchFamily="34" charset="0"/>
-            </a:endParaRPr>
+            <a:r>
+              <a:rPr lang="he-IL" dirty="0">
+                <a:latin typeface="Segoe UI Semilight" panose="020B0402040204020203" pitchFamily="34" charset="0"/>
+                <a:cs typeface="Segoe UI Semilight" panose="020B0402040204020203" pitchFamily="34" charset="0"/>
+              </a:rPr>
+              <a:t>.</a:t>
+            </a:r>
           </a:p>
           <a:p>
             <a:pPr lvl="1" algn="r" rtl="1"/>
@@ -27054,6 +27561,3916 @@
 </file>
 
 <file path=ppt/slides/slide35.xml><?xml version="1.0" encoding="utf-8"?>
+<p:sld xmlns:a="http://schemas.openxmlformats.org/drawingml/2006/main" xmlns:r="http://schemas.openxmlformats.org/officeDocument/2006/relationships" xmlns:p="http://schemas.openxmlformats.org/presentationml/2006/main">
+  <p:cSld>
+    <p:spTree>
+      <p:nvGrpSpPr>
+        <p:cNvPr id="1" name=""/>
+        <p:cNvGrpSpPr/>
+        <p:nvPr/>
+      </p:nvGrpSpPr>
+      <p:grpSpPr>
+        <a:xfrm>
+          <a:off x="0" y="0"/>
+          <a:ext cx="0" cy="0"/>
+          <a:chOff x="0" y="0"/>
+          <a:chExt cx="0" cy="0"/>
+        </a:xfrm>
+      </p:grpSpPr>
+      <p:sp>
+        <p:nvSpPr>
+          <p:cNvPr id="2" name="Title 1">
+            <a:extLst>
+              <a:ext uri="{FF2B5EF4-FFF2-40B4-BE49-F238E27FC236}">
+                <a16:creationId xmlns:a16="http://schemas.microsoft.com/office/drawing/2014/main" id="{83719985-2CD8-4977-8479-E3A157C3CD9E}"/>
+              </a:ext>
+            </a:extLst>
+          </p:cNvPr>
+          <p:cNvSpPr>
+            <a:spLocks noGrp="1"/>
+          </p:cNvSpPr>
+          <p:nvPr>
+            <p:ph type="ctrTitle"/>
+          </p:nvPr>
+        </p:nvSpPr>
+        <p:spPr>
+          <a:xfrm>
+            <a:off x="1038808" y="1122363"/>
+            <a:ext cx="9629191" cy="2387600"/>
+          </a:xfrm>
+        </p:spPr>
+        <p:txBody>
+          <a:bodyPr/>
+          <a:lstStyle/>
+          <a:p>
+            <a:pPr algn="r" rtl="1"/>
+            <a:r>
+              <a:rPr lang="he-IL" dirty="0">
+                <a:latin typeface="Segoe UI Semilight" panose="020B0402040204020203" pitchFamily="34" charset="0"/>
+                <a:cs typeface="Segoe UI Semilight" panose="020B0402040204020203" pitchFamily="34" charset="0"/>
+              </a:rPr>
+              <a:t>פרויקט להמחשת מערכת מאובטחת</a:t>
+            </a:r>
+          </a:p>
+        </p:txBody>
+      </p:sp>
+      <p:sp>
+        <p:nvSpPr>
+          <p:cNvPr id="3" name="Subtitle 2">
+            <a:extLst>
+              <a:ext uri="{FF2B5EF4-FFF2-40B4-BE49-F238E27FC236}">
+                <a16:creationId xmlns:a16="http://schemas.microsoft.com/office/drawing/2014/main" id="{64BE32D0-F6A3-4A84-8B33-6CE1983651EE}"/>
+              </a:ext>
+            </a:extLst>
+          </p:cNvPr>
+          <p:cNvSpPr>
+            <a:spLocks noGrp="1"/>
+          </p:cNvSpPr>
+          <p:nvPr>
+            <p:ph type="subTitle" idx="1"/>
+          </p:nvPr>
+        </p:nvSpPr>
+        <p:spPr/>
+        <p:txBody>
+          <a:bodyPr/>
+          <a:lstStyle/>
+          <a:p>
+            <a:endParaRPr lang="en-IL" dirty="0">
+              <a:solidFill>
+                <a:schemeClr val="tx1"/>
+              </a:solidFill>
+            </a:endParaRPr>
+          </a:p>
+        </p:txBody>
+      </p:sp>
+    </p:spTree>
+    <p:extLst>
+      <p:ext uri="{BB962C8B-B14F-4D97-AF65-F5344CB8AC3E}">
+        <p14:creationId xmlns:p14="http://schemas.microsoft.com/office/powerpoint/2010/main" val="2686024300"/>
+      </p:ext>
+    </p:extLst>
+  </p:cSld>
+  <p:clrMapOvr>
+    <a:masterClrMapping/>
+  </p:clrMapOvr>
+  <mc:AlternateContent xmlns:mc="http://schemas.openxmlformats.org/markup-compatibility/2006" xmlns:p14="http://schemas.microsoft.com/office/powerpoint/2010/main">
+    <mc:Choice Requires="p14">
+      <p:transition spd="slow" p14:dur="2000" advClick="0"/>
+    </mc:Choice>
+    <mc:Fallback xmlns="">
+      <p:transition spd="slow" advClick="0"/>
+    </mc:Fallback>
+  </mc:AlternateContent>
+</p:sld>
+</file>
+
+<file path=ppt/slides/slide36.xml><?xml version="1.0" encoding="utf-8"?>
+<p:sld xmlns:a="http://schemas.openxmlformats.org/drawingml/2006/main" xmlns:r="http://schemas.openxmlformats.org/officeDocument/2006/relationships" xmlns:p="http://schemas.openxmlformats.org/presentationml/2006/main">
+  <p:cSld>
+    <p:spTree>
+      <p:nvGrpSpPr>
+        <p:cNvPr id="1" name=""/>
+        <p:cNvGrpSpPr/>
+        <p:nvPr/>
+      </p:nvGrpSpPr>
+      <p:grpSpPr>
+        <a:xfrm>
+          <a:off x="0" y="0"/>
+          <a:ext cx="0" cy="0"/>
+          <a:chOff x="0" y="0"/>
+          <a:chExt cx="0" cy="0"/>
+        </a:xfrm>
+      </p:grpSpPr>
+      <p:sp>
+        <p:nvSpPr>
+          <p:cNvPr id="27" name="Rectangle 26">
+            <a:extLst>
+              <a:ext uri="{FF2B5EF4-FFF2-40B4-BE49-F238E27FC236}">
+                <a16:creationId xmlns:a16="http://schemas.microsoft.com/office/drawing/2014/main" id="{64C76D42-2200-4A13-AFFB-0F543F6A81AE}"/>
+              </a:ext>
+            </a:extLst>
+          </p:cNvPr>
+          <p:cNvSpPr/>
+          <p:nvPr/>
+        </p:nvSpPr>
+        <p:spPr>
+          <a:xfrm>
+            <a:off x="5741776" y="171465"/>
+            <a:ext cx="5361617" cy="664803"/>
+          </a:xfrm>
+          <a:prstGeom prst="rect">
+            <a:avLst/>
+          </a:prstGeom>
+        </p:spPr>
+        <p:style>
+          <a:lnRef idx="1">
+            <a:schemeClr val="accent5"/>
+          </a:lnRef>
+          <a:fillRef idx="2">
+            <a:schemeClr val="accent5"/>
+          </a:fillRef>
+          <a:effectRef idx="1">
+            <a:schemeClr val="accent5"/>
+          </a:effectRef>
+          <a:fontRef idx="minor">
+            <a:schemeClr val="dk1"/>
+          </a:fontRef>
+        </p:style>
+        <p:txBody>
+          <a:bodyPr rtlCol="0" anchor="ctr"/>
+          <a:lstStyle/>
+          <a:p>
+            <a:pPr algn="ctr"/>
+            <a:endParaRPr lang="en-IL" dirty="0"/>
+          </a:p>
+        </p:txBody>
+      </p:sp>
+      <p:sp>
+        <p:nvSpPr>
+          <p:cNvPr id="2" name="Title 1">
+            <a:extLst>
+              <a:ext uri="{FF2B5EF4-FFF2-40B4-BE49-F238E27FC236}">
+                <a16:creationId xmlns:a16="http://schemas.microsoft.com/office/drawing/2014/main" id="{AD92F597-4DB6-45C7-97B2-8F408617D08A}"/>
+              </a:ext>
+            </a:extLst>
+          </p:cNvPr>
+          <p:cNvSpPr>
+            <a:spLocks noGrp="1"/>
+          </p:cNvSpPr>
+          <p:nvPr>
+            <p:ph type="title"/>
+          </p:nvPr>
+        </p:nvSpPr>
+        <p:spPr>
+          <a:xfrm>
+            <a:off x="1141412" y="0"/>
+            <a:ext cx="9905998" cy="983635"/>
+          </a:xfrm>
+        </p:spPr>
+        <p:txBody>
+          <a:bodyPr/>
+          <a:lstStyle/>
+          <a:p>
+            <a:pPr algn="r" rtl="1"/>
+            <a:r>
+              <a:rPr lang="he-IL" cap="none" dirty="0">
+                <a:solidFill>
+                  <a:schemeClr val="bg1"/>
+                </a:solidFill>
+                <a:latin typeface="Segoe UI Semibold" panose="020B0702040204020203" pitchFamily="34" charset="0"/>
+                <a:cs typeface="Segoe UI Semibold" panose="020B0702040204020203" pitchFamily="34" charset="0"/>
+              </a:rPr>
+              <a:t>הפרויקט</a:t>
+            </a:r>
+            <a:endParaRPr lang="en-IL" cap="none" dirty="0">
+              <a:solidFill>
+                <a:schemeClr val="bg1"/>
+              </a:solidFill>
+              <a:latin typeface="Segoe UI Semibold" panose="020B0702040204020203" pitchFamily="34" charset="0"/>
+              <a:cs typeface="Segoe UI Semibold" panose="020B0702040204020203" pitchFamily="34" charset="0"/>
+            </a:endParaRPr>
+          </a:p>
+        </p:txBody>
+      </p:sp>
+      <p:sp>
+        <p:nvSpPr>
+          <p:cNvPr id="3" name="Content Placeholder 2">
+            <a:extLst>
+              <a:ext uri="{FF2B5EF4-FFF2-40B4-BE49-F238E27FC236}">
+                <a16:creationId xmlns:a16="http://schemas.microsoft.com/office/drawing/2014/main" id="{5DB99D37-3B94-4415-BFED-4639A5DB97A4}"/>
+              </a:ext>
+            </a:extLst>
+          </p:cNvPr>
+          <p:cNvSpPr>
+            <a:spLocks noGrp="1"/>
+          </p:cNvSpPr>
+          <p:nvPr>
+            <p:ph idx="1"/>
+          </p:nvPr>
+        </p:nvSpPr>
+        <p:spPr>
+          <a:xfrm>
+            <a:off x="3601616" y="802432"/>
+            <a:ext cx="7445794" cy="5822304"/>
+          </a:xfrm>
+        </p:spPr>
+        <p:txBody>
+          <a:bodyPr>
+            <a:normAutofit/>
+          </a:bodyPr>
+          <a:lstStyle/>
+          <a:p>
+            <a:pPr algn="r" rtl="1"/>
+            <a:r>
+              <a:rPr lang="he-IL" dirty="0">
+                <a:latin typeface="Segoe UI Semilight" panose="020B0402040204020203" pitchFamily="34" charset="0"/>
+                <a:cs typeface="Segoe UI Semilight" panose="020B0402040204020203" pitchFamily="34" charset="0"/>
+              </a:rPr>
+              <a:t>צד לקוח:</a:t>
+            </a:r>
+          </a:p>
+          <a:p>
+            <a:pPr marL="914400" lvl="1" indent="-457200" algn="r" rtl="1">
+              <a:buFont typeface="+mj-lt"/>
+              <a:buAutoNum type="arabicPeriod"/>
+            </a:pPr>
+            <a:r>
+              <a:rPr lang="he-IL" dirty="0">
+                <a:latin typeface="Segoe UI Semilight" panose="020B0402040204020203" pitchFamily="34" charset="0"/>
+                <a:cs typeface="Segoe UI Semilight" panose="020B0402040204020203" pitchFamily="34" charset="0"/>
+              </a:rPr>
+              <a:t>תוכנת </a:t>
+            </a:r>
+            <a:r>
+              <a:rPr lang="en-US" dirty="0">
+                <a:latin typeface="Segoe UI Semilight" panose="020B0402040204020203" pitchFamily="34" charset="0"/>
+                <a:cs typeface="Segoe UI Semilight" panose="020B0402040204020203" pitchFamily="34" charset="0"/>
+              </a:rPr>
+              <a:t>C++</a:t>
+            </a:r>
+            <a:r>
+              <a:rPr lang="he-IL" dirty="0">
+                <a:latin typeface="Segoe UI Semilight" panose="020B0402040204020203" pitchFamily="34" charset="0"/>
+                <a:cs typeface="Segoe UI Semilight" panose="020B0402040204020203" pitchFamily="34" charset="0"/>
+              </a:rPr>
+              <a:t> אשר שולחת לשרת קובץ פייתון.</a:t>
+            </a:r>
+          </a:p>
+          <a:p>
+            <a:pPr marL="914400" lvl="1" indent="-457200" algn="r" rtl="1">
+              <a:buFont typeface="+mj-lt"/>
+              <a:buAutoNum type="arabicPeriod"/>
+            </a:pPr>
+            <a:r>
+              <a:rPr lang="he-IL" dirty="0">
+                <a:latin typeface="Segoe UI Semilight" panose="020B0402040204020203" pitchFamily="34" charset="0"/>
+                <a:cs typeface="Segoe UI Semilight" panose="020B0402040204020203" pitchFamily="34" charset="0"/>
+              </a:rPr>
+              <a:t>התוכנה מממסרת את הפלט של קובץ הפייתון והקלט של המשתמש תוך כדי ריצתה.</a:t>
+            </a:r>
+          </a:p>
+          <a:p>
+            <a:pPr algn="r" rtl="1"/>
+            <a:r>
+              <a:rPr lang="he-IL" dirty="0">
+                <a:latin typeface="Segoe UI Semilight" panose="020B0402040204020203" pitchFamily="34" charset="0"/>
+                <a:cs typeface="Segoe UI Semilight" panose="020B0402040204020203" pitchFamily="34" charset="0"/>
+              </a:rPr>
+              <a:t>צד שרת:</a:t>
+            </a:r>
+          </a:p>
+          <a:p>
+            <a:pPr marL="914400" lvl="1" indent="-457200" algn="r" rtl="1">
+              <a:buFont typeface="+mj-lt"/>
+              <a:buAutoNum type="arabicPeriod"/>
+            </a:pPr>
+            <a:r>
+              <a:rPr lang="he-IL" dirty="0">
+                <a:latin typeface="Segoe UI Semilight" panose="020B0402040204020203" pitchFamily="34" charset="0"/>
+                <a:cs typeface="Segoe UI Semilight" panose="020B0402040204020203" pitchFamily="34" charset="0"/>
+              </a:rPr>
+              <a:t>תוכנת </a:t>
+            </a:r>
+            <a:r>
+              <a:rPr lang="en-US" dirty="0">
+                <a:latin typeface="Segoe UI Semilight" panose="020B0402040204020203" pitchFamily="34" charset="0"/>
+                <a:cs typeface="Segoe UI Semilight" panose="020B0402040204020203" pitchFamily="34" charset="0"/>
+              </a:rPr>
+              <a:t>Python</a:t>
+            </a:r>
+            <a:r>
+              <a:rPr lang="he-IL" dirty="0">
+                <a:latin typeface="Segoe UI Semilight" panose="020B0402040204020203" pitchFamily="34" charset="0"/>
+                <a:cs typeface="Segoe UI Semilight" panose="020B0402040204020203" pitchFamily="34" charset="0"/>
+              </a:rPr>
+              <a:t> אשר מאזינה ללקוחות.</a:t>
+            </a:r>
+          </a:p>
+          <a:p>
+            <a:pPr marL="914400" lvl="1" indent="-457200" algn="r" rtl="1">
+              <a:buFont typeface="+mj-lt"/>
+              <a:buAutoNum type="arabicPeriod"/>
+            </a:pPr>
+            <a:r>
+              <a:rPr lang="he-IL" dirty="0">
+                <a:latin typeface="Segoe UI Semilight" panose="020B0402040204020203" pitchFamily="34" charset="0"/>
+                <a:cs typeface="Segoe UI Semilight" panose="020B0402040204020203" pitchFamily="34" charset="0"/>
+              </a:rPr>
+              <a:t>כשלקוח מתחבר, נוצר עבורו תהליך חדש שמטפל בו.</a:t>
+            </a:r>
+          </a:p>
+          <a:p>
+            <a:pPr marL="914400" lvl="1" indent="-457200" algn="r" rtl="1">
+              <a:buFont typeface="+mj-lt"/>
+              <a:buAutoNum type="arabicPeriod"/>
+            </a:pPr>
+            <a:r>
+              <a:rPr lang="he-IL" dirty="0">
+                <a:latin typeface="Segoe UI Semilight" panose="020B0402040204020203" pitchFamily="34" charset="0"/>
+                <a:cs typeface="Segoe UI Semilight" panose="020B0402040204020203" pitchFamily="34" charset="0"/>
+              </a:rPr>
+              <a:t>התהליך מקבל את קובץ הפייתון להרצה ומריץ </a:t>
+            </a:r>
+            <a:r>
+              <a:rPr lang="en-US" dirty="0">
+                <a:latin typeface="Segoe UI Semilight" panose="020B0402040204020203" pitchFamily="34" charset="0"/>
+                <a:cs typeface="Segoe UI Semilight" panose="020B0402040204020203" pitchFamily="34" charset="0"/>
+              </a:rPr>
+              <a:t>docker</a:t>
+            </a:r>
+            <a:r>
+              <a:rPr lang="he-IL" dirty="0">
+                <a:latin typeface="Segoe UI Semilight" panose="020B0402040204020203" pitchFamily="34" charset="0"/>
+                <a:cs typeface="Segoe UI Semilight" panose="020B0402040204020203" pitchFamily="34" charset="0"/>
+              </a:rPr>
+              <a:t> שיריץ את קובץ הפייתון.</a:t>
+            </a:r>
+          </a:p>
+          <a:p>
+            <a:pPr marL="914400" lvl="1" indent="-457200" algn="r" rtl="1">
+              <a:buFont typeface="+mj-lt"/>
+              <a:buAutoNum type="arabicPeriod"/>
+            </a:pPr>
+            <a:r>
+              <a:rPr lang="he-IL" dirty="0">
+                <a:latin typeface="Segoe UI Semilight" panose="020B0402040204020203" pitchFamily="34" charset="0"/>
+                <a:cs typeface="Segoe UI Semilight" panose="020B0402040204020203" pitchFamily="34" charset="0"/>
+              </a:rPr>
+              <a:t>התהליך ממסר בין הפלט של קובץ הפייתון ב-</a:t>
+            </a:r>
+            <a:r>
+              <a:rPr lang="en-US" dirty="0">
+                <a:latin typeface="Segoe UI Semilight" panose="020B0402040204020203" pitchFamily="34" charset="0"/>
+                <a:cs typeface="Segoe UI Semilight" panose="020B0402040204020203" pitchFamily="34" charset="0"/>
+              </a:rPr>
+              <a:t>docker</a:t>
+            </a:r>
+            <a:r>
+              <a:rPr lang="he-IL" dirty="0">
+                <a:latin typeface="Segoe UI Semilight" panose="020B0402040204020203" pitchFamily="34" charset="0"/>
+                <a:cs typeface="Segoe UI Semilight" panose="020B0402040204020203" pitchFamily="34" charset="0"/>
+              </a:rPr>
+              <a:t> ובין קלט המשתמש המתקבל רשתית.</a:t>
+            </a:r>
+          </a:p>
+          <a:p>
+            <a:pPr algn="r" rtl="1"/>
+            <a:r>
+              <a:rPr lang="he-IL" sz="2000" dirty="0">
+                <a:latin typeface="Segoe UI Semilight" panose="020B0402040204020203" pitchFamily="34" charset="0"/>
+                <a:cs typeface="Segoe UI Semilight" panose="020B0402040204020203" pitchFamily="34" charset="0"/>
+              </a:rPr>
+              <a:t>התקשורת בין הלקוח לשרת מתבצעת בעזרת פרוטוקול </a:t>
+            </a:r>
+            <a:r>
+              <a:rPr lang="en-US" sz="2000" dirty="0">
+                <a:latin typeface="Segoe UI Semilight" panose="020B0402040204020203" pitchFamily="34" charset="0"/>
+                <a:cs typeface="Segoe UI Semilight" panose="020B0402040204020203" pitchFamily="34" charset="0"/>
+              </a:rPr>
+              <a:t>TLS 1.3</a:t>
+            </a:r>
+            <a:r>
+              <a:rPr lang="he-IL" sz="2000" dirty="0">
+                <a:latin typeface="Segoe UI Semilight" panose="020B0402040204020203" pitchFamily="34" charset="0"/>
+                <a:cs typeface="Segoe UI Semilight" panose="020B0402040204020203" pitchFamily="34" charset="0"/>
+              </a:rPr>
+              <a:t>.</a:t>
+            </a:r>
+          </a:p>
+          <a:p>
+            <a:pPr marL="457200" lvl="1" indent="0" algn="r" rtl="1">
+              <a:buNone/>
+            </a:pPr>
+            <a:endParaRPr lang="he-IL" dirty="0">
+              <a:latin typeface="Segoe UI Semilight" panose="020B0402040204020203" pitchFamily="34" charset="0"/>
+              <a:cs typeface="Segoe UI Semilight" panose="020B0402040204020203" pitchFamily="34" charset="0"/>
+            </a:endParaRPr>
+          </a:p>
+          <a:p>
+            <a:pPr lvl="1" algn="r" rtl="1"/>
+            <a:endParaRPr lang="he-IL" dirty="0">
+              <a:latin typeface="Segoe UI Semilight" panose="020B0402040204020203" pitchFamily="34" charset="0"/>
+              <a:cs typeface="Segoe UI Semilight" panose="020B0402040204020203" pitchFamily="34" charset="0"/>
+            </a:endParaRPr>
+          </a:p>
+          <a:p>
+            <a:pPr algn="r" rtl="1"/>
+            <a:endParaRPr lang="en-US" dirty="0">
+              <a:latin typeface="Segoe UI Semilight" panose="020B0402040204020203" pitchFamily="34" charset="0"/>
+              <a:cs typeface="Segoe UI Semilight" panose="020B0402040204020203" pitchFamily="34" charset="0"/>
+            </a:endParaRPr>
+          </a:p>
+          <a:p>
+            <a:pPr algn="r" rtl="1"/>
+            <a:endParaRPr lang="he-IL" dirty="0">
+              <a:latin typeface="Segoe UI Semilight" panose="020B0402040204020203" pitchFamily="34" charset="0"/>
+              <a:cs typeface="Segoe UI Semilight" panose="020B0402040204020203" pitchFamily="34" charset="0"/>
+            </a:endParaRPr>
+          </a:p>
+          <a:p>
+            <a:pPr algn="r" rtl="1"/>
+            <a:endParaRPr lang="he-IL" dirty="0">
+              <a:latin typeface="Segoe UI Semilight" panose="020B0402040204020203" pitchFamily="34" charset="0"/>
+              <a:cs typeface="Segoe UI Semilight" panose="020B0402040204020203" pitchFamily="34" charset="0"/>
+            </a:endParaRPr>
+          </a:p>
+          <a:p>
+            <a:pPr algn="r" rtl="1"/>
+            <a:endParaRPr lang="he-IL" dirty="0">
+              <a:latin typeface="Segoe UI Semilight" panose="020B0402040204020203" pitchFamily="34" charset="0"/>
+              <a:cs typeface="Segoe UI Semilight" panose="020B0402040204020203" pitchFamily="34" charset="0"/>
+            </a:endParaRPr>
+          </a:p>
+          <a:p>
+            <a:pPr algn="r" rtl="1"/>
+            <a:endParaRPr lang="he-IL" dirty="0">
+              <a:latin typeface="Segoe UI Semilight" panose="020B0402040204020203" pitchFamily="34" charset="0"/>
+              <a:cs typeface="Segoe UI Semilight" panose="020B0402040204020203" pitchFamily="34" charset="0"/>
+            </a:endParaRPr>
+          </a:p>
+          <a:p>
+            <a:pPr lvl="1" algn="r" rtl="1"/>
+            <a:endParaRPr lang="he-IL" dirty="0">
+              <a:latin typeface="Segoe UI Semilight" panose="020B0402040204020203" pitchFamily="34" charset="0"/>
+              <a:cs typeface="Segoe UI Semilight" panose="020B0402040204020203" pitchFamily="34" charset="0"/>
+            </a:endParaRPr>
+          </a:p>
+        </p:txBody>
+      </p:sp>
+      <p:pic>
+        <p:nvPicPr>
+          <p:cNvPr id="5" name="Picture 4">
+            <a:extLst>
+              <a:ext uri="{FF2B5EF4-FFF2-40B4-BE49-F238E27FC236}">
+                <a16:creationId xmlns:a16="http://schemas.microsoft.com/office/drawing/2014/main" id="{CF498A87-73EE-4ED1-B34C-6B04846CDEE6}"/>
+              </a:ext>
+            </a:extLst>
+          </p:cNvPr>
+          <p:cNvPicPr>
+            <a:picLocks noChangeAspect="1"/>
+          </p:cNvPicPr>
+          <p:nvPr/>
+        </p:nvPicPr>
+        <p:blipFill>
+          <a:blip r:embed="rId3">
+            <a:extLst>
+              <a:ext uri="{BEBA8EAE-BF5A-486C-A8C5-ECC9F3942E4B}">
+                <a14:imgProps xmlns:a14="http://schemas.microsoft.com/office/drawing/2010/main">
+                  <a14:imgLayer r:embed="rId4">
+                    <a14:imgEffect>
+                      <a14:backgroundRemoval t="9981" b="93441" l="9983" r="89931">
+                        <a14:foregroundMark x1="42708" y1="30894" x2="42708" y2="30894"/>
+                        <a14:foregroundMark x1="22309" y1="17300" x2="54514" y2="20817"/>
+                        <a14:foregroundMark x1="54514" y1="20817" x2="33247" y2="47624"/>
+                        <a14:foregroundMark x1="33247" y1="47624" x2="24653" y2="19106"/>
+                        <a14:foregroundMark x1="43490" y1="38403" x2="55903" y2="42776"/>
+                        <a14:foregroundMark x1="59115" y1="36217" x2="59115" y2="21673"/>
+                        <a14:foregroundMark x1="47917" y1="18156" x2="57899" y2="16920"/>
+                        <a14:foregroundMark x1="60330" y1="17300" x2="67535" y2="20342"/>
+                        <a14:foregroundMark x1="67535" y1="21293" x2="65191" y2="32700"/>
+                        <a14:foregroundMark x1="65538" y1="39734" x2="66319" y2="50190"/>
+                        <a14:foregroundMark x1="66319" y1="50190" x2="22656" y2="49335"/>
+                        <a14:foregroundMark x1="22656" y1="48479" x2="21875" y2="19106"/>
+                        <a14:foregroundMark x1="43924" y1="45817" x2="45139" y2="59886"/>
+                        <a14:foregroundMark x1="39497" y1="67776" x2="25087" y2="68156"/>
+                        <a14:foregroundMark x1="17882" y1="72624" x2="49219" y2="72624"/>
+                        <a14:foregroundMark x1="49219" y1="72624" x2="19965" y2="62167"/>
+                        <a14:foregroundMark x1="19965" y1="62167" x2="16667" y2="72148"/>
+                        <a14:foregroundMark x1="17882" y1="72148" x2="33507" y2="57224"/>
+                        <a14:foregroundMark x1="25087" y1="61217" x2="44705" y2="62928"/>
+                        <a14:foregroundMark x1="43490" y1="62072" x2="46701" y2="69962"/>
+                        <a14:foregroundMark x1="51563" y1="67300" x2="42361" y2="59030"/>
+                        <a14:foregroundMark x1="38715" y1="62928" x2="47135" y2="69962"/>
+                        <a14:foregroundMark x1="53559" y1="70817" x2="63976" y2="72148"/>
+                        <a14:foregroundMark x1="65538" y1="71293" x2="59115" y2="59030"/>
+                        <a14:foregroundMark x1="56337" y1="58080" x2="49566" y2="65589"/>
+                        <a14:foregroundMark x1="51910" y1="62452" x2="59983" y2="68631"/>
+                        <a14:foregroundMark x1="70747" y1="73859" x2="62760" y2="58080"/>
+                        <a14:foregroundMark x1="79753" y1="55884" x2="84809" y2="54563"/>
+                        <a14:foregroundMark x1="70871" y1="58205" x2="71554" y2="58026"/>
+                        <a14:foregroundMark x1="81944" y1="59030" x2="85938" y2="67300"/>
+                        <a14:foregroundMark x1="87153" y1="65114" x2="84375" y2="57224"/>
+                        <a14:foregroundMark x1="59012" y1="86204" x2="58333" y2="89259"/>
+                        <a14:foregroundMark x1="46354" y1="86217" x2="46701" y2="87928"/>
+                        <a14:foregroundMark x1="32986" y1="82510" x2="31163" y2="85171"/>
+                        <a14:foregroundMark x1="35243" y1="92966" x2="38542" y2="93441"/>
+                        <a14:backgroundMark x1="40712" y1="84886" x2="39497" y2="88783"/>
+                        <a14:backgroundMark x1="41927" y1="90114" x2="39931" y2="87928"/>
+                        <a14:backgroundMark x1="40278" y1="87928" x2="40278" y2="89734"/>
+                        <a14:backgroundMark x1="43142" y1="91445" x2="41927" y2="88403"/>
+                        <a14:backgroundMark x1="41493" y1="86217" x2="39497" y2="90114"/>
+                        <a14:backgroundMark x1="42361" y1="92300" x2="41493" y2="87928"/>
+                        <a14:backgroundMark x1="41493" y1="87928" x2="43142" y2="94487"/>
+                        <a14:backgroundMark x1="38281" y1="86217" x2="38281" y2="84411"/>
+                        <a14:backgroundMark x1="40712" y1="84030" x2="37153" y2="83555"/>
+                        <a14:backgroundMark x1="75174" y1="58555" x2="77604" y2="55038"/>
+                        <a14:backgroundMark x1="77604" y1="55038" x2="73958" y2="62928"/>
+                        <a14:backgroundMark x1="74392" y1="62452" x2="77170" y2="55038"/>
+                        <a14:backgroundMark x1="75955" y1="55038" x2="72396" y2="59411"/>
+                        <a14:backgroundMark x1="37500" y1="82700" x2="38281" y2="82890"/>
+                        <a14:backgroundMark x1="38715" y1="82224" x2="37500" y2="81559"/>
+                        <a14:backgroundMark x1="59375" y1="86027" x2="59375" y2="85171"/>
+                        <a14:backgroundMark x1="59549" y1="85646" x2="59201" y2="86312"/>
+                        <a14:backgroundMark x1="79167" y1="55798" x2="78993" y2="57224"/>
+                        <a14:backgroundMark x1="69358" y1="58270" x2="70833" y2="58270"/>
+                        <a14:backgroundMark x1="71267" y1="59221" x2="71875" y2="58555"/>
+                        <a14:backgroundMark x1="72656" y1="61027" x2="72049" y2="57605"/>
+                      </a14:backgroundRemoval>
+                    </a14:imgEffect>
+                  </a14:imgLayer>
+                </a14:imgProps>
+              </a:ext>
+            </a:extLst>
+          </a:blip>
+          <a:stretch>
+            <a:fillRect/>
+          </a:stretch>
+        </p:blipFill>
+        <p:spPr>
+          <a:xfrm>
+            <a:off x="1389327" y="942554"/>
+            <a:ext cx="1552927" cy="1418124"/>
+          </a:xfrm>
+          <a:prstGeom prst="rect">
+            <a:avLst/>
+          </a:prstGeom>
+        </p:spPr>
+      </p:pic>
+      <p:pic>
+        <p:nvPicPr>
+          <p:cNvPr id="8" name="Picture 7">
+            <a:extLst>
+              <a:ext uri="{FF2B5EF4-FFF2-40B4-BE49-F238E27FC236}">
+                <a16:creationId xmlns:a16="http://schemas.microsoft.com/office/drawing/2014/main" id="{B5B9D4B7-ED99-4B75-B6DD-FB2A5BE4911B}"/>
+              </a:ext>
+            </a:extLst>
+          </p:cNvPr>
+          <p:cNvPicPr>
+            <a:picLocks noChangeAspect="1"/>
+          </p:cNvPicPr>
+          <p:nvPr/>
+        </p:nvPicPr>
+        <p:blipFill>
+          <a:blip r:embed="rId5">
+            <a:extLst>
+              <a:ext uri="{BEBA8EAE-BF5A-486C-A8C5-ECC9F3942E4B}">
+                <a14:imgProps xmlns:a14="http://schemas.microsoft.com/office/drawing/2010/main">
+                  <a14:imgLayer r:embed="rId6">
+                    <a14:imgEffect>
+                      <a14:backgroundRemoval t="10000" b="97308" l="10000" r="90000">
+                        <a14:foregroundMark x1="43077" y1="26538" x2="66154" y2="47308"/>
+                        <a14:foregroundMark x1="66154" y1="47308" x2="48077" y2="72692"/>
+                        <a14:foregroundMark x1="48077" y1="72692" x2="35000" y2="45000"/>
+                        <a14:foregroundMark x1="35000" y1="45000" x2="42308" y2="25000"/>
+                        <a14:foregroundMark x1="55385" y1="29231" x2="61538" y2="35000"/>
+                        <a14:foregroundMark x1="61538" y1="30000" x2="51923" y2="27308"/>
+                        <a14:foregroundMark x1="49615" y1="35000" x2="49231" y2="48462"/>
+                        <a14:foregroundMark x1="46154" y1="53462" x2="52692" y2="51923"/>
+                        <a14:foregroundMark x1="58462" y1="55385" x2="60769" y2="60769"/>
+                        <a14:foregroundMark x1="62308" y1="71923" x2="55769" y2="71538"/>
+                        <a14:foregroundMark x1="41154" y1="72692" x2="38077" y2="70769"/>
+                        <a14:foregroundMark x1="44939" y1="86740" x2="45118" y2="86694"/>
+                        <a14:foregroundMark x1="42749" y1="87308" x2="44909" y2="86748"/>
+                        <a14:foregroundMark x1="41268" y1="87692" x2="42695" y2="87322"/>
+                        <a14:foregroundMark x1="40605" y1="87864" x2="41268" y2="87692"/>
+                        <a14:foregroundMark x1="39785" y1="88077" x2="40283" y2="87948"/>
+                        <a14:foregroundMark x1="40370" y1="87696" x2="38975" y2="88035"/>
+                        <a14:foregroundMark x1="41965" y1="87308" x2="40690" y2="87618"/>
+                        <a14:foregroundMark x1="44862" y1="86603" x2="42695" y2="87131"/>
+                        <a14:foregroundMark x1="45073" y1="86552" x2="44939" y2="86585"/>
+                        <a14:foregroundMark x1="26615" y1="83462" x2="26538" y2="82692"/>
+                        <a14:foregroundMark x1="28619" y1="83794" x2="29231" y2="84231"/>
+                        <a14:foregroundMark x1="41167" y1="90416" x2="40821" y2="90634"/>
+                        <a14:foregroundMark x1="42435" y1="89615" x2="41692" y2="90084"/>
+                        <a14:foregroundMark x1="45444" y1="87715" x2="44871" y2="88077"/>
+                        <a14:foregroundMark x1="57808" y1="91538" x2="60769" y2="91538"/>
+                        <a14:foregroundMark x1="55311" y1="91538" x2="56259" y2="91538"/>
+                        <a14:foregroundMark x1="53683" y1="91538" x2="55254" y2="91538"/>
+                        <a14:foregroundMark x1="69976" y1="90000" x2="69234" y2="89773"/>
+                        <a14:foregroundMark x1="47692" y1="84231" x2="47692" y2="83846"/>
+                        <a14:foregroundMark x1="32308" y1="97308" x2="33077" y2="97308"/>
+                        <a14:foregroundMark x1="54567" y1="90000" x2="54615" y2="89615"/>
+                        <a14:foregroundMark x1="54519" y1="90385" x2="54567" y2="90000"/>
+                        <a14:foregroundMark x1="54471" y1="90769" x2="54519" y2="90385"/>
+                        <a14:foregroundMark x1="54423" y1="91154" x2="54471" y2="90769"/>
+                        <a14:foregroundMark x1="54375" y1="91538" x2="54423" y2="91154"/>
+                        <a14:foregroundMark x1="54327" y1="91923" x2="54375" y2="91538"/>
+                        <a14:foregroundMark x1="54279" y1="92308" x2="54327" y2="91923"/>
+                        <a14:foregroundMark x1="54231" y1="92692" x2="54279" y2="92308"/>
+                        <a14:foregroundMark x1="54961" y1="93077" x2="55000" y2="93462"/>
+                        <a14:foregroundMark x1="54922" y1="92692" x2="54961" y2="93077"/>
+                        <a14:foregroundMark x1="54884" y1="92308" x2="54922" y2="92692"/>
+                        <a14:foregroundMark x1="54846" y1="91923" x2="54884" y2="92308"/>
+                        <a14:foregroundMark x1="54807" y1="91538" x2="54846" y2="91923"/>
+                        <a14:foregroundMark x1="54769" y1="91154" x2="54807" y2="91538"/>
+                        <a14:foregroundMark x1="54730" y1="90769" x2="54769" y2="91154"/>
+                        <a14:foregroundMark x1="54692" y1="90385" x2="54730" y2="90769"/>
+                        <a14:foregroundMark x1="54653" y1="90000" x2="54692" y2="90385"/>
+                        <a14:foregroundMark x1="54615" y1="89615" x2="54653" y2="90000"/>
+                        <a14:foregroundMark x1="55000" y1="89615" x2="55000" y2="88846"/>
+                        <a14:foregroundMark x1="55000" y1="90000" x2="55000" y2="89615"/>
+                        <a14:foregroundMark x1="55000" y1="90385" x2="55000" y2="90000"/>
+                        <a14:foregroundMark x1="55000" y1="90769" x2="55000" y2="90385"/>
+                        <a14:foregroundMark x1="55000" y1="91154" x2="55000" y2="90769"/>
+                        <a14:foregroundMark x1="55000" y1="91538" x2="55000" y2="91154"/>
+                        <a14:foregroundMark x1="55000" y1="91923" x2="55000" y2="91538"/>
+                        <a14:foregroundMark x1="55000" y1="92308" x2="55000" y2="91923"/>
+                        <a14:foregroundMark x1="55000" y1="92692" x2="55000" y2="92308"/>
+                        <a14:foregroundMark x1="55000" y1="90769" x2="55000" y2="91154"/>
+                        <a14:foregroundMark x1="55000" y1="90385" x2="55000" y2="90769"/>
+                        <a14:foregroundMark x1="55000" y1="90000" x2="55000" y2="90385"/>
+                        <a14:foregroundMark x1="55000" y1="89615" x2="55000" y2="90000"/>
+                        <a14:foregroundMark x1="55000" y1="88846" x2="55000" y2="89615"/>
+                        <a14:foregroundMark x1="55000" y1="88462" x2="55000" y2="88077"/>
+                        <a14:foregroundMark x1="55000" y1="89615" x2="55000" y2="88462"/>
+                        <a14:foregroundMark x1="55000" y1="90000" x2="55000" y2="89615"/>
+                        <a14:foregroundMark x1="55000" y1="90385" x2="55000" y2="90000"/>
+                        <a14:foregroundMark x1="55000" y1="90769" x2="55000" y2="90385"/>
+                        <a14:foregroundMark x1="55000" y1="91154" x2="55000" y2="90769"/>
+                        <a14:foregroundMark x1="55000" y1="91538" x2="55000" y2="91154"/>
+                        <a14:foregroundMark x1="55000" y1="91923" x2="55000" y2="91538"/>
+                        <a14:foregroundMark x1="55096" y1="88462" x2="55385" y2="89615"/>
+                        <a14:foregroundMark x1="55000" y1="88077" x2="55096" y2="88462"/>
+                        <a14:foregroundMark x1="55385" y1="89615" x2="55385" y2="89231"/>
+                        <a14:foregroundMark x1="55385" y1="90000" x2="55385" y2="89615"/>
+                        <a14:foregroundMark x1="55385" y1="90385" x2="55385" y2="90000"/>
+                        <a14:foregroundMark x1="55000" y1="91154" x2="55000" y2="91538"/>
+                        <a14:foregroundMark x1="55000" y1="90769" x2="55000" y2="91154"/>
+                        <a14:foregroundMark x1="55000" y1="90385" x2="55000" y2="90769"/>
+                        <a14:foregroundMark x1="55000" y1="90000" x2="55000" y2="90385"/>
+                        <a14:foregroundMark x1="55000" y1="89615" x2="55000" y2="90000"/>
+                        <a14:foregroundMark x1="55000" y1="89231" x2="55000" y2="89615"/>
+                        <a14:foregroundMark x1="55000" y1="92692" x2="55000" y2="93077"/>
+                        <a14:foregroundMark x1="55000" y1="92308" x2="55000" y2="92692"/>
+                        <a14:foregroundMark x1="55000" y1="92692" x2="55000" y2="92308"/>
+                        <a14:foregroundMark x1="55000" y1="93077" x2="55000" y2="92692"/>
+                        <a14:foregroundMark x1="54231" y1="89615" x2="54231" y2="89615"/>
+                        <a14:foregroundMark x1="54231" y1="89615" x2="54231" y2="89615"/>
+                        <a14:foregroundMark x1="55000" y1="90769" x2="55000" y2="90769"/>
+                        <a14:foregroundMark x1="54231" y1="89615" x2="54231" y2="89615"/>
+                        <a14:foregroundMark x1="54615" y1="89615" x2="54615" y2="89615"/>
+                        <a14:foregroundMark x1="55000" y1="88846" x2="55000" y2="89615"/>
+                        <a14:foregroundMark x1="58846" y1="91154" x2="58846" y2="91154"/>
+                        <a14:foregroundMark x1="58846" y1="91154" x2="58846" y2="91154"/>
+                        <a14:foregroundMark x1="58846" y1="90769" x2="58846" y2="90769"/>
+                        <a14:foregroundMark x1="58846" y1="90769" x2="58846" y2="90769"/>
+                        <a14:foregroundMark x1="58462" y1="91154" x2="58462" y2="91154"/>
+                        <a14:foregroundMark x1="58462" y1="91538" x2="58462" y2="91538"/>
+                        <a14:foregroundMark x1="58462" y1="91154" x2="58462" y2="91154"/>
+                        <a14:foregroundMark x1="58846" y1="91154" x2="58846" y2="91154"/>
+                        <a14:foregroundMark x1="58462" y1="91154" x2="58462" y2="91538"/>
+                        <a14:foregroundMark x1="76923" y1="88462" x2="76923" y2="87692"/>
+                        <a14:foregroundMark x1="76923" y1="93077" x2="76923" y2="92308"/>
+                        <a14:foregroundMark x1="58846" y1="90769" x2="58846" y2="90769"/>
+                        <a14:foregroundMark x1="58846" y1="90769" x2="58846" y2="90769"/>
+                        <a14:foregroundMark x1="59102" y1="91538" x2="59231" y2="91923"/>
+                        <a14:foregroundMark x1="58974" y1="91154" x2="59102" y2="91538"/>
+                        <a14:foregroundMark x1="58846" y1="90769" x2="58974" y2="91154"/>
+                        <a14:foregroundMark x1="58846" y1="90000" x2="59231" y2="90769"/>
+                        <a14:foregroundMark x1="59461" y1="91154" x2="59615" y2="91538"/>
+                        <a14:foregroundMark x1="59307" y1="90769" x2="59461" y2="91154"/>
+                        <a14:foregroundMark x1="59000" y1="90000" x2="59307" y2="90769"/>
+                        <a14:foregroundMark x1="58846" y1="89615" x2="59000" y2="90000"/>
+                        <a14:foregroundMark x1="58462" y1="90769" x2="58462" y2="90769"/>
+                        <a14:foregroundMark x1="58462" y1="90769" x2="58462" y2="90769"/>
+                        <a14:foregroundMark x1="58462" y1="90769" x2="58462" y2="90769"/>
+                        <a14:foregroundMark x1="58462" y1="91154" x2="58462" y2="91154"/>
+                        <a14:foregroundMark x1="58846" y1="91538" x2="58846" y2="91538"/>
+                        <a14:foregroundMark x1="58846" y1="91538" x2="58846" y2="91923"/>
+                        <a14:foregroundMark x1="58846" y1="90769" x2="58846" y2="91538"/>
+                        <a14:backgroundMark x1="27308" y1="85769" x2="26923" y2="83846"/>
+                        <a14:backgroundMark x1="26923" y1="83846" x2="25769" y2="84231"/>
+                        <a14:backgroundMark x1="26154" y1="84615" x2="26154" y2="86154"/>
+                        <a14:backgroundMark x1="26154" y1="86154" x2="27308" y2="84231"/>
+                        <a14:backgroundMark x1="27308" y1="83462" x2="28462" y2="83462"/>
+                        <a14:backgroundMark x1="28462" y1="83462" x2="26538" y2="82308"/>
+                        <a14:backgroundMark x1="29231" y1="90385" x2="29231" y2="92692"/>
+                        <a14:backgroundMark x1="29615" y1="93077" x2="31154" y2="90769"/>
+                        <a14:backgroundMark x1="31923" y1="90769" x2="31538" y2="88846"/>
+                        <a14:backgroundMark x1="31538" y1="92308" x2="32692" y2="90000"/>
+                        <a14:backgroundMark x1="32692" y1="90000" x2="30385" y2="91923"/>
+                        <a14:backgroundMark x1="36154" y1="82692" x2="36154" y2="87308"/>
+                        <a14:backgroundMark x1="36538" y1="89231" x2="36538" y2="86154"/>
+                        <a14:backgroundMark x1="31923" y1="89231" x2="33462" y2="91538"/>
+                        <a14:backgroundMark x1="33462" y1="94615" x2="33077" y2="96154"/>
+                        <a14:backgroundMark x1="41538" y1="96154" x2="40000" y2="91923"/>
+                        <a14:backgroundMark x1="40385" y1="90385" x2="36923" y2="95769"/>
+                        <a14:backgroundMark x1="40000" y1="89615" x2="40769" y2="86538"/>
+                        <a14:backgroundMark x1="46538" y1="91154" x2="46538" y2="86154"/>
+                        <a14:backgroundMark x1="46538" y1="86154" x2="45769" y2="86923"/>
+                        <a14:backgroundMark x1="45385" y1="88462" x2="45385" y2="89231"/>
+                        <a14:backgroundMark x1="45385" y1="88077" x2="45385" y2="85769"/>
+                        <a14:backgroundMark x1="46923" y1="85000" x2="46923" y2="82692"/>
+                        <a14:backgroundMark x1="47308" y1="81154" x2="47308" y2="83846"/>
+                        <a14:backgroundMark x1="46923" y1="88077" x2="46923" y2="88846"/>
+                        <a14:backgroundMark x1="47692" y1="84231" x2="47308" y2="86923"/>
+                        <a14:backgroundMark x1="46923" y1="95000" x2="46923" y2="93077"/>
+                        <a14:backgroundMark x1="46923" y1="92692" x2="46923" y2="91154"/>
+                        <a14:backgroundMark x1="46923" y1="90769" x2="47692" y2="95385"/>
+                        <a14:backgroundMark x1="56538" y1="86538" x2="56538" y2="87700"/>
+                        <a14:backgroundMark x1="56675" y1="87666" x2="58077" y2="83462"/>
+                        <a14:backgroundMark x1="56154" y1="84972" x2="56154" y2="86154"/>
+                        <a14:backgroundMark x1="56154" y1="83462" x2="56154" y2="87565"/>
+                        <a14:backgroundMark x1="63998" y1="87611" x2="63462" y2="86538"/>
+                        <a14:backgroundMark x1="62692" y1="87308" x2="62692" y2="88217"/>
+                        <a14:backgroundMark x1="68077" y1="93462" x2="68077" y2="83462"/>
+                        <a14:backgroundMark x1="68077" y1="82692" x2="68077" y2="85769"/>
+                        <a14:backgroundMark x1="66923" y1="84615" x2="68462" y2="88077"/>
+                        <a14:backgroundMark x1="68077" y1="90385" x2="66154" y2="93462"/>
+                        <a14:backgroundMark x1="73462" y1="88559" x2="73462" y2="88077"/>
+                        <a14:backgroundMark x1="73462" y1="93846" x2="73462" y2="91684"/>
+                        <a14:backgroundMark x1="41154" y1="88077" x2="41154" y2="89615"/>
+                        <a14:backgroundMark x1="41538" y1="91538" x2="41154" y2="88462"/>
+                        <a14:backgroundMark x1="55769" y1="93846" x2="55769" y2="93846"/>
+                        <a14:backgroundMark x1="55000" y1="93462" x2="55000" y2="93462"/>
+                        <a14:backgroundMark x1="56154" y1="88462" x2="56154" y2="88462"/>
+                        <a14:backgroundMark x1="44615" y1="86538" x2="44615" y2="86538"/>
+                        <a14:backgroundMark x1="44615" y1="87692" x2="44615" y2="87692"/>
+                        <a14:backgroundMark x1="44615" y1="88462" x2="44615" y2="88462"/>
+                        <a14:backgroundMark x1="41923" y1="87308" x2="41923" y2="87308"/>
+                        <a14:backgroundMark x1="41923" y1="89231" x2="41923" y2="89231"/>
+                        <a14:backgroundMark x1="41923" y1="90385" x2="41923" y2="90385"/>
+                        <a14:backgroundMark x1="39615" y1="88462" x2="39615" y2="88462"/>
+                        <a14:backgroundMark x1="39615" y1="87692" x2="39615" y2="87692"/>
+                        <a14:backgroundMark x1="32692" y1="98077" x2="32692" y2="98077"/>
+                        <a14:backgroundMark x1="33077" y1="98077" x2="33077" y2="98077"/>
+                        <a14:backgroundMark x1="28846" y1="83846" x2="28846" y2="83846"/>
+                        <a14:backgroundMark x1="28462" y1="84231" x2="28462" y2="84231"/>
+                        <a14:backgroundMark x1="68846" y1="89615" x2="68846" y2="89615"/>
+                        <a14:backgroundMark x1="56538" y1="89615" x2="56538" y2="89615"/>
+                        <a14:backgroundMark x1="53077" y1="89615" x2="53077" y2="89615"/>
+                        <a14:backgroundMark x1="53462" y1="89615" x2="53462" y2="89615"/>
+                        <a14:backgroundMark x1="54231" y1="94615" x2="54231" y2="94615"/>
+                        <a14:backgroundMark x1="55000" y1="95000" x2="55000" y2="95000"/>
+                        <a14:backgroundMark x1="55000" y1="94615" x2="55000" y2="94615"/>
+                        <a14:backgroundMark x1="55000" y1="94231" x2="55000" y2="94231"/>
+                        <a14:backgroundMark x1="55000" y1="94231" x2="55000" y2="94231"/>
+                        <a14:backgroundMark x1="55000" y1="93846" x2="55000" y2="93846"/>
+                        <a14:backgroundMark x1="55000" y1="93846" x2="55000" y2="93846"/>
+                        <a14:backgroundMark x1="54615" y1="93846" x2="54615" y2="93846"/>
+                        <a14:backgroundMark x1="77308" y1="88846" x2="77308" y2="88846"/>
+                        <a14:backgroundMark x1="77308" y1="87308" x2="77308" y2="87308"/>
+                        <a14:backgroundMark x1="77308" y1="92308" x2="77308" y2="92308"/>
+                        <a14:backgroundMark x1="77308" y1="93846" x2="77308" y2="93846"/>
+                        <a14:backgroundMark x1="76923" y1="94615" x2="76923" y2="94615"/>
+                        <a14:backgroundMark x1="76923" y1="93846" x2="76923" y2="93846"/>
+                        <a14:backgroundMark x1="71923" y1="91923" x2="71923" y2="91923"/>
+                        <a14:backgroundMark x1="71154" y1="91538" x2="71154" y2="91538"/>
+                        <a14:backgroundMark x1="53846" y1="90385" x2="53846" y2="90385"/>
+                        <a14:backgroundMark x1="60385" y1="90769" x2="60385" y2="90769"/>
+                        <a14:backgroundMark x1="61538" y1="90769" x2="61538" y2="90769"/>
+                        <a14:backgroundMark x1="60385" y1="89615" x2="60385" y2="89615"/>
+                        <a14:backgroundMark x1="60000" y1="90000" x2="60000" y2="90000"/>
+                        <a14:backgroundMark x1="60000" y1="90000" x2="60000" y2="90000"/>
+                        <a14:backgroundMark x1="57308" y1="90769" x2="57308" y2="90769"/>
+                        <a14:backgroundMark x1="57692" y1="92308" x2="57692" y2="92308"/>
+                        <a14:backgroundMark x1="56538" y1="90000" x2="56538" y2="90000"/>
+                        <a14:backgroundMark x1="53462" y1="92308" x2="53462" y2="92308"/>
+                        <a14:backgroundMark x1="57308" y1="91923" x2="57308" y2="91923"/>
+                        <a14:backgroundMark x1="58462" y1="92308" x2="58462" y2="92308"/>
+                        <a14:backgroundMark x1="60769" y1="91538" x2="60769" y2="91538"/>
+                        <a14:backgroundMark x1="57308" y1="91538" x2="57308" y2="91538"/>
+                        <a14:backgroundMark x1="57308" y1="91538" x2="57308" y2="91538"/>
+                        <a14:backgroundMark x1="57308" y1="91538" x2="57308" y2="91538"/>
+                        <a14:backgroundMark x1="56538" y1="91538" x2="56538" y2="91538"/>
+                        <a14:backgroundMark x1="53462" y1="91538" x2="53462" y2="91538"/>
+                        <a14:backgroundMark x1="78846" y1="89615" x2="78846" y2="91538"/>
+                        <a14:backgroundMark x1="78077" y1="89615" x2="78462" y2="91538"/>
+                        <a14:backgroundMark x1="78846" y1="89231" x2="79231" y2="91154"/>
+                        <a14:backgroundMark x1="79231" y1="88462" x2="79231" y2="92308"/>
+                        <a14:backgroundMark x1="72308" y1="90000" x2="72308" y2="91538"/>
+                      </a14:backgroundRemoval>
+                    </a14:imgEffect>
+                  </a14:imgLayer>
+                </a14:imgProps>
+              </a:ext>
+            </a:extLst>
+          </a:blip>
+          <a:stretch>
+            <a:fillRect/>
+          </a:stretch>
+        </p:blipFill>
+        <p:spPr>
+          <a:xfrm>
+            <a:off x="1389327" y="2743636"/>
+            <a:ext cx="1552927" cy="1552927"/>
+          </a:xfrm>
+          <a:prstGeom prst="rect">
+            <a:avLst/>
+          </a:prstGeom>
+        </p:spPr>
+      </p:pic>
+      <p:sp>
+        <p:nvSpPr>
+          <p:cNvPr id="6" name="Arrow: Curved Left 5">
+            <a:extLst>
+              <a:ext uri="{FF2B5EF4-FFF2-40B4-BE49-F238E27FC236}">
+                <a16:creationId xmlns:a16="http://schemas.microsoft.com/office/drawing/2014/main" id="{E4A97FF7-41BB-4A3B-AECE-5E3AB1D3E842}"/>
+              </a:ext>
+            </a:extLst>
+          </p:cNvPr>
+          <p:cNvSpPr/>
+          <p:nvPr/>
+        </p:nvSpPr>
+        <p:spPr>
+          <a:xfrm>
+            <a:off x="2724539" y="1977719"/>
+            <a:ext cx="622041" cy="1545896"/>
+          </a:xfrm>
+          <a:prstGeom prst="curvedLeftArrow">
+            <a:avLst>
+              <a:gd name="adj1" fmla="val 25000"/>
+              <a:gd name="adj2" fmla="val 50000"/>
+              <a:gd name="adj3" fmla="val 43215"/>
+            </a:avLst>
+          </a:prstGeom>
+        </p:spPr>
+        <p:style>
+          <a:lnRef idx="2">
+            <a:schemeClr val="accent1">
+              <a:shade val="50000"/>
+            </a:schemeClr>
+          </a:lnRef>
+          <a:fillRef idx="1">
+            <a:schemeClr val="accent1"/>
+          </a:fillRef>
+          <a:effectRef idx="0">
+            <a:schemeClr val="accent1"/>
+          </a:effectRef>
+          <a:fontRef idx="minor">
+            <a:schemeClr val="lt1"/>
+          </a:fontRef>
+        </p:style>
+        <p:txBody>
+          <a:bodyPr rtlCol="0" anchor="ctr"/>
+          <a:lstStyle/>
+          <a:p>
+            <a:pPr algn="ctr"/>
+            <a:endParaRPr lang="en-IL">
+              <a:solidFill>
+                <a:schemeClr val="tx1"/>
+              </a:solidFill>
+            </a:endParaRPr>
+          </a:p>
+        </p:txBody>
+      </p:sp>
+      <p:pic>
+        <p:nvPicPr>
+          <p:cNvPr id="8194" name="Picture 2">
+            <a:extLst>
+              <a:ext uri="{FF2B5EF4-FFF2-40B4-BE49-F238E27FC236}">
+                <a16:creationId xmlns:a16="http://schemas.microsoft.com/office/drawing/2014/main" id="{2609D60F-5F28-4D26-9BC7-74D6CBFC5D41}"/>
+              </a:ext>
+            </a:extLst>
+          </p:cNvPr>
+          <p:cNvPicPr>
+            <a:picLocks noChangeAspect="1" noChangeArrowheads="1"/>
+          </p:cNvPicPr>
+          <p:nvPr/>
+        </p:nvPicPr>
+        <p:blipFill>
+          <a:blip r:embed="rId7">
+            <a:extLst>
+              <a:ext uri="{BEBA8EAE-BF5A-486C-A8C5-ECC9F3942E4B}">
+                <a14:imgProps xmlns:a14="http://schemas.microsoft.com/office/drawing/2010/main">
+                  <a14:imgLayer r:embed="rId8">
+                    <a14:imgEffect>
+                      <a14:backgroundRemoval t="10000" b="90000" l="10000" r="90000">
+                        <a14:foregroundMark x1="20238" y1="72125" x2="20238" y2="80488"/>
+                        <a14:foregroundMark x1="25595" y1="79443" x2="27083" y2="77700"/>
+                        <a14:foregroundMark x1="43452" y1="76307" x2="44048" y2="76307"/>
+                        <a14:foregroundMark x1="53274" y1="74564" x2="53274" y2="74564"/>
+                        <a14:foregroundMark x1="68155" y1="79443" x2="68155" y2="79443"/>
+                        <a14:foregroundMark x1="82143" y1="79094" x2="82143" y2="79094"/>
+                      </a14:backgroundRemoval>
+                    </a14:imgEffect>
+                  </a14:imgLayer>
+                </a14:imgProps>
+              </a:ext>
+              <a:ext uri="{28A0092B-C50C-407E-A947-70E740481C1C}">
+                <a14:useLocalDpi xmlns:a14="http://schemas.microsoft.com/office/drawing/2010/main" val="0"/>
+              </a:ext>
+            </a:extLst>
+          </a:blip>
+          <a:srcRect/>
+          <a:stretch/>
+        </p:blipFill>
+        <p:spPr bwMode="auto">
+          <a:xfrm>
+            <a:off x="1413567" y="4719378"/>
+            <a:ext cx="1504445" cy="1285047"/>
+          </a:xfrm>
+          <a:prstGeom prst="rect">
+            <a:avLst/>
+          </a:prstGeom>
+          <a:noFill/>
+          <a:extLst>
+            <a:ext uri="{909E8E84-426E-40DD-AFC4-6F175D3DCCD1}">
+              <a14:hiddenFill xmlns:a14="http://schemas.microsoft.com/office/drawing/2010/main">
+                <a:solidFill>
+                  <a:srgbClr val="FFFFFF"/>
+                </a:solidFill>
+              </a14:hiddenFill>
+            </a:ext>
+          </a:extLst>
+        </p:spPr>
+      </p:pic>
+      <p:sp>
+        <p:nvSpPr>
+          <p:cNvPr id="13" name="Arrow: Curved Left 12">
+            <a:extLst>
+              <a:ext uri="{FF2B5EF4-FFF2-40B4-BE49-F238E27FC236}">
+                <a16:creationId xmlns:a16="http://schemas.microsoft.com/office/drawing/2014/main" id="{9396B083-0D0C-4EF3-BF94-F718B8197892}"/>
+              </a:ext>
+            </a:extLst>
+          </p:cNvPr>
+          <p:cNvSpPr/>
+          <p:nvPr/>
+        </p:nvSpPr>
+        <p:spPr>
+          <a:xfrm>
+            <a:off x="2724539" y="3735023"/>
+            <a:ext cx="622041" cy="1545896"/>
+          </a:xfrm>
+          <a:prstGeom prst="curvedLeftArrow">
+            <a:avLst>
+              <a:gd name="adj1" fmla="val 25000"/>
+              <a:gd name="adj2" fmla="val 50000"/>
+              <a:gd name="adj3" fmla="val 43215"/>
+            </a:avLst>
+          </a:prstGeom>
+        </p:spPr>
+        <p:style>
+          <a:lnRef idx="2">
+            <a:schemeClr val="accent1">
+              <a:shade val="50000"/>
+            </a:schemeClr>
+          </a:lnRef>
+          <a:fillRef idx="1">
+            <a:schemeClr val="accent1"/>
+          </a:fillRef>
+          <a:effectRef idx="0">
+            <a:schemeClr val="accent1"/>
+          </a:effectRef>
+          <a:fontRef idx="minor">
+            <a:schemeClr val="lt1"/>
+          </a:fontRef>
+        </p:style>
+        <p:txBody>
+          <a:bodyPr rtlCol="0" anchor="ctr"/>
+          <a:lstStyle/>
+          <a:p>
+            <a:pPr algn="ctr"/>
+            <a:endParaRPr lang="en-IL">
+              <a:solidFill>
+                <a:schemeClr val="tx1"/>
+              </a:solidFill>
+            </a:endParaRPr>
+          </a:p>
+        </p:txBody>
+      </p:sp>
+      <p:sp>
+        <p:nvSpPr>
+          <p:cNvPr id="14" name="Arrow: Curved Left 13">
+            <a:extLst>
+              <a:ext uri="{FF2B5EF4-FFF2-40B4-BE49-F238E27FC236}">
+                <a16:creationId xmlns:a16="http://schemas.microsoft.com/office/drawing/2014/main" id="{411D9C53-AB6F-41EA-86F6-EB1CF5809016}"/>
+              </a:ext>
+            </a:extLst>
+          </p:cNvPr>
+          <p:cNvSpPr/>
+          <p:nvPr/>
+        </p:nvSpPr>
+        <p:spPr>
+          <a:xfrm rot="10800000">
+            <a:off x="922764" y="1918903"/>
+            <a:ext cx="622041" cy="1545896"/>
+          </a:xfrm>
+          <a:prstGeom prst="curvedLeftArrow">
+            <a:avLst>
+              <a:gd name="adj1" fmla="val 25000"/>
+              <a:gd name="adj2" fmla="val 50000"/>
+              <a:gd name="adj3" fmla="val 43215"/>
+            </a:avLst>
+          </a:prstGeom>
+        </p:spPr>
+        <p:style>
+          <a:lnRef idx="2">
+            <a:schemeClr val="accent3">
+              <a:shade val="50000"/>
+            </a:schemeClr>
+          </a:lnRef>
+          <a:fillRef idx="1">
+            <a:schemeClr val="accent3"/>
+          </a:fillRef>
+          <a:effectRef idx="0">
+            <a:schemeClr val="accent3"/>
+          </a:effectRef>
+          <a:fontRef idx="minor">
+            <a:schemeClr val="lt1"/>
+          </a:fontRef>
+        </p:style>
+        <p:txBody>
+          <a:bodyPr rtlCol="0" anchor="ctr"/>
+          <a:lstStyle/>
+          <a:p>
+            <a:pPr algn="ctr"/>
+            <a:endParaRPr lang="en-IL">
+              <a:solidFill>
+                <a:schemeClr val="tx1"/>
+              </a:solidFill>
+            </a:endParaRPr>
+          </a:p>
+        </p:txBody>
+      </p:sp>
+      <p:sp>
+        <p:nvSpPr>
+          <p:cNvPr id="15" name="Arrow: Curved Left 14">
+            <a:extLst>
+              <a:ext uri="{FF2B5EF4-FFF2-40B4-BE49-F238E27FC236}">
+                <a16:creationId xmlns:a16="http://schemas.microsoft.com/office/drawing/2014/main" id="{83D55D95-A64D-46D1-ABFE-40F042A4201D}"/>
+              </a:ext>
+            </a:extLst>
+          </p:cNvPr>
+          <p:cNvSpPr/>
+          <p:nvPr/>
+        </p:nvSpPr>
+        <p:spPr>
+          <a:xfrm rot="10800000">
+            <a:off x="922763" y="3652037"/>
+            <a:ext cx="622041" cy="1545896"/>
+          </a:xfrm>
+          <a:prstGeom prst="curvedLeftArrow">
+            <a:avLst>
+              <a:gd name="adj1" fmla="val 25000"/>
+              <a:gd name="adj2" fmla="val 50000"/>
+              <a:gd name="adj3" fmla="val 43215"/>
+            </a:avLst>
+          </a:prstGeom>
+        </p:spPr>
+        <p:style>
+          <a:lnRef idx="2">
+            <a:schemeClr val="accent3">
+              <a:shade val="50000"/>
+            </a:schemeClr>
+          </a:lnRef>
+          <a:fillRef idx="1">
+            <a:schemeClr val="accent3"/>
+          </a:fillRef>
+          <a:effectRef idx="0">
+            <a:schemeClr val="accent3"/>
+          </a:effectRef>
+          <a:fontRef idx="minor">
+            <a:schemeClr val="lt1"/>
+          </a:fontRef>
+        </p:style>
+        <p:txBody>
+          <a:bodyPr rtlCol="0" anchor="ctr"/>
+          <a:lstStyle/>
+          <a:p>
+            <a:pPr algn="ctr"/>
+            <a:endParaRPr lang="en-IL">
+              <a:solidFill>
+                <a:schemeClr val="tx1"/>
+              </a:solidFill>
+            </a:endParaRPr>
+          </a:p>
+        </p:txBody>
+      </p:sp>
+    </p:spTree>
+    <p:extLst>
+      <p:ext uri="{BB962C8B-B14F-4D97-AF65-F5344CB8AC3E}">
+        <p14:creationId xmlns:p14="http://schemas.microsoft.com/office/powerpoint/2010/main" val="3301927169"/>
+      </p:ext>
+    </p:extLst>
+  </p:cSld>
+  <p:clrMapOvr>
+    <a:masterClrMapping/>
+  </p:clrMapOvr>
+  <mc:AlternateContent xmlns:mc="http://schemas.openxmlformats.org/markup-compatibility/2006" xmlns:p14="http://schemas.microsoft.com/office/powerpoint/2010/main">
+    <mc:Choice Requires="p14">
+      <p:transition spd="slow" p14:dur="2000" advClick="0"/>
+    </mc:Choice>
+    <mc:Fallback xmlns="">
+      <p:transition spd="slow" advClick="0"/>
+    </mc:Fallback>
+  </mc:AlternateContent>
+</p:sld>
+</file>
+
+<file path=ppt/slides/slide37.xml><?xml version="1.0" encoding="utf-8"?>
+<p:sld xmlns:a="http://schemas.openxmlformats.org/drawingml/2006/main" xmlns:r="http://schemas.openxmlformats.org/officeDocument/2006/relationships" xmlns:p="http://schemas.openxmlformats.org/presentationml/2006/main">
+  <p:cSld>
+    <p:spTree>
+      <p:nvGrpSpPr>
+        <p:cNvPr id="1" name=""/>
+        <p:cNvGrpSpPr/>
+        <p:nvPr/>
+      </p:nvGrpSpPr>
+      <p:grpSpPr>
+        <a:xfrm>
+          <a:off x="0" y="0"/>
+          <a:ext cx="0" cy="0"/>
+          <a:chOff x="0" y="0"/>
+          <a:chExt cx="0" cy="0"/>
+        </a:xfrm>
+      </p:grpSpPr>
+      <p:sp>
+        <p:nvSpPr>
+          <p:cNvPr id="2" name="Title 1">
+            <a:extLst>
+              <a:ext uri="{FF2B5EF4-FFF2-40B4-BE49-F238E27FC236}">
+                <a16:creationId xmlns:a16="http://schemas.microsoft.com/office/drawing/2014/main" id="{83719985-2CD8-4977-8479-E3A157C3CD9E}"/>
+              </a:ext>
+            </a:extLst>
+          </p:cNvPr>
+          <p:cNvSpPr>
+            <a:spLocks noGrp="1"/>
+          </p:cNvSpPr>
+          <p:nvPr>
+            <p:ph type="ctrTitle"/>
+          </p:nvPr>
+        </p:nvSpPr>
+        <p:spPr>
+          <a:xfrm>
+            <a:off x="1038808" y="1122363"/>
+            <a:ext cx="9629191" cy="2387600"/>
+          </a:xfrm>
+        </p:spPr>
+        <p:txBody>
+          <a:bodyPr/>
+          <a:lstStyle/>
+          <a:p>
+            <a:pPr algn="r" rtl="1"/>
+            <a:r>
+              <a:rPr lang="he-IL" dirty="0">
+                <a:latin typeface="Segoe UI Semilight" panose="020B0402040204020203" pitchFamily="34" charset="0"/>
+                <a:cs typeface="Segoe UI Semilight" panose="020B0402040204020203" pitchFamily="34" charset="0"/>
+              </a:rPr>
+              <a:t>הדגמת הפרויקט ללא הגנות</a:t>
+            </a:r>
+          </a:p>
+        </p:txBody>
+      </p:sp>
+      <p:sp>
+        <p:nvSpPr>
+          <p:cNvPr id="3" name="Subtitle 2">
+            <a:extLst>
+              <a:ext uri="{FF2B5EF4-FFF2-40B4-BE49-F238E27FC236}">
+                <a16:creationId xmlns:a16="http://schemas.microsoft.com/office/drawing/2014/main" id="{64BE32D0-F6A3-4A84-8B33-6CE1983651EE}"/>
+              </a:ext>
+            </a:extLst>
+          </p:cNvPr>
+          <p:cNvSpPr>
+            <a:spLocks noGrp="1"/>
+          </p:cNvSpPr>
+          <p:nvPr>
+            <p:ph type="subTitle" idx="1"/>
+          </p:nvPr>
+        </p:nvSpPr>
+        <p:spPr/>
+        <p:txBody>
+          <a:bodyPr/>
+          <a:lstStyle/>
+          <a:p>
+            <a:endParaRPr lang="en-IL" dirty="0">
+              <a:solidFill>
+                <a:schemeClr val="tx1"/>
+              </a:solidFill>
+            </a:endParaRPr>
+          </a:p>
+        </p:txBody>
+      </p:sp>
+    </p:spTree>
+    <p:extLst>
+      <p:ext uri="{BB962C8B-B14F-4D97-AF65-F5344CB8AC3E}">
+        <p14:creationId xmlns:p14="http://schemas.microsoft.com/office/powerpoint/2010/main" val="732754898"/>
+      </p:ext>
+    </p:extLst>
+  </p:cSld>
+  <p:clrMapOvr>
+    <a:masterClrMapping/>
+  </p:clrMapOvr>
+  <mc:AlternateContent xmlns:mc="http://schemas.openxmlformats.org/markup-compatibility/2006" xmlns:p14="http://schemas.microsoft.com/office/powerpoint/2010/main">
+    <mc:Choice Requires="p14">
+      <p:transition spd="slow" p14:dur="2000" advClick="0"/>
+    </mc:Choice>
+    <mc:Fallback xmlns="">
+      <p:transition spd="slow" advClick="0"/>
+    </mc:Fallback>
+  </mc:AlternateContent>
+</p:sld>
+</file>
+
+<file path=ppt/slides/slide38.xml><?xml version="1.0" encoding="utf-8"?>
+<p:sld xmlns:a="http://schemas.openxmlformats.org/drawingml/2006/main" xmlns:r="http://schemas.openxmlformats.org/officeDocument/2006/relationships" xmlns:p="http://schemas.openxmlformats.org/presentationml/2006/main">
+  <p:cSld>
+    <p:spTree>
+      <p:nvGrpSpPr>
+        <p:cNvPr id="1" name=""/>
+        <p:cNvGrpSpPr/>
+        <p:nvPr/>
+      </p:nvGrpSpPr>
+      <p:grpSpPr>
+        <a:xfrm>
+          <a:off x="0" y="0"/>
+          <a:ext cx="0" cy="0"/>
+          <a:chOff x="0" y="0"/>
+          <a:chExt cx="0" cy="0"/>
+        </a:xfrm>
+      </p:grpSpPr>
+      <p:sp>
+        <p:nvSpPr>
+          <p:cNvPr id="27" name="Rectangle 26">
+            <a:extLst>
+              <a:ext uri="{FF2B5EF4-FFF2-40B4-BE49-F238E27FC236}">
+                <a16:creationId xmlns:a16="http://schemas.microsoft.com/office/drawing/2014/main" id="{64C76D42-2200-4A13-AFFB-0F543F6A81AE}"/>
+              </a:ext>
+            </a:extLst>
+          </p:cNvPr>
+          <p:cNvSpPr/>
+          <p:nvPr/>
+        </p:nvSpPr>
+        <p:spPr>
+          <a:xfrm>
+            <a:off x="5741776" y="171465"/>
+            <a:ext cx="5361617" cy="664803"/>
+          </a:xfrm>
+          <a:prstGeom prst="rect">
+            <a:avLst/>
+          </a:prstGeom>
+        </p:spPr>
+        <p:style>
+          <a:lnRef idx="1">
+            <a:schemeClr val="accent5"/>
+          </a:lnRef>
+          <a:fillRef idx="2">
+            <a:schemeClr val="accent5"/>
+          </a:fillRef>
+          <a:effectRef idx="1">
+            <a:schemeClr val="accent5"/>
+          </a:effectRef>
+          <a:fontRef idx="minor">
+            <a:schemeClr val="dk1"/>
+          </a:fontRef>
+        </p:style>
+        <p:txBody>
+          <a:bodyPr rtlCol="0" anchor="ctr"/>
+          <a:lstStyle/>
+          <a:p>
+            <a:pPr algn="ctr"/>
+            <a:endParaRPr lang="en-IL" dirty="0"/>
+          </a:p>
+        </p:txBody>
+      </p:sp>
+      <p:sp>
+        <p:nvSpPr>
+          <p:cNvPr id="2" name="Title 1">
+            <a:extLst>
+              <a:ext uri="{FF2B5EF4-FFF2-40B4-BE49-F238E27FC236}">
+                <a16:creationId xmlns:a16="http://schemas.microsoft.com/office/drawing/2014/main" id="{AD92F597-4DB6-45C7-97B2-8F408617D08A}"/>
+              </a:ext>
+            </a:extLst>
+          </p:cNvPr>
+          <p:cNvSpPr>
+            <a:spLocks noGrp="1"/>
+          </p:cNvSpPr>
+          <p:nvPr>
+            <p:ph type="title"/>
+          </p:nvPr>
+        </p:nvSpPr>
+        <p:spPr>
+          <a:xfrm>
+            <a:off x="1141412" y="0"/>
+            <a:ext cx="9905998" cy="983635"/>
+          </a:xfrm>
+        </p:spPr>
+        <p:txBody>
+          <a:bodyPr/>
+          <a:lstStyle/>
+          <a:p>
+            <a:pPr algn="r" rtl="1"/>
+            <a:r>
+              <a:rPr lang="he-IL" cap="none" dirty="0">
+                <a:solidFill>
+                  <a:schemeClr val="bg1"/>
+                </a:solidFill>
+                <a:latin typeface="Segoe UI Semibold" panose="020B0702040204020203" pitchFamily="34" charset="0"/>
+                <a:cs typeface="Segoe UI Semibold" panose="020B0702040204020203" pitchFamily="34" charset="0"/>
+              </a:rPr>
+              <a:t>ההגנות שהוספו</a:t>
+            </a:r>
+            <a:endParaRPr lang="en-IL" cap="none" dirty="0">
+              <a:solidFill>
+                <a:schemeClr val="bg1"/>
+              </a:solidFill>
+              <a:latin typeface="Segoe UI Semibold" panose="020B0702040204020203" pitchFamily="34" charset="0"/>
+              <a:cs typeface="Segoe UI Semibold" panose="020B0702040204020203" pitchFamily="34" charset="0"/>
+            </a:endParaRPr>
+          </a:p>
+        </p:txBody>
+      </p:sp>
+      <p:sp>
+        <p:nvSpPr>
+          <p:cNvPr id="3" name="Content Placeholder 2">
+            <a:extLst>
+              <a:ext uri="{FF2B5EF4-FFF2-40B4-BE49-F238E27FC236}">
+                <a16:creationId xmlns:a16="http://schemas.microsoft.com/office/drawing/2014/main" id="{5DB99D37-3B94-4415-BFED-4639A5DB97A4}"/>
+              </a:ext>
+            </a:extLst>
+          </p:cNvPr>
+          <p:cNvSpPr>
+            <a:spLocks noGrp="1"/>
+          </p:cNvSpPr>
+          <p:nvPr>
+            <p:ph idx="1"/>
+          </p:nvPr>
+        </p:nvSpPr>
+        <p:spPr>
+          <a:xfrm>
+            <a:off x="671804" y="802432"/>
+            <a:ext cx="10375606" cy="5822304"/>
+          </a:xfrm>
+        </p:spPr>
+        <p:txBody>
+          <a:bodyPr>
+            <a:normAutofit/>
+          </a:bodyPr>
+          <a:lstStyle/>
+          <a:p>
+            <a:pPr algn="r" rtl="1"/>
+            <a:r>
+              <a:rPr lang="he-IL" dirty="0">
+                <a:latin typeface="Segoe UI Semilight" panose="020B0402040204020203" pitchFamily="34" charset="0"/>
+                <a:cs typeface="Segoe UI Semilight" panose="020B0402040204020203" pitchFamily="34" charset="0"/>
+              </a:rPr>
+              <a:t>צד לקוח:</a:t>
+            </a:r>
+          </a:p>
+          <a:p>
+            <a:pPr algn="r" rtl="1"/>
+            <a:endParaRPr lang="he-IL" dirty="0">
+              <a:latin typeface="Segoe UI Semilight" panose="020B0402040204020203" pitchFamily="34" charset="0"/>
+              <a:cs typeface="Segoe UI Semilight" panose="020B0402040204020203" pitchFamily="34" charset="0"/>
+            </a:endParaRPr>
+          </a:p>
+          <a:p>
+            <a:pPr algn="r" rtl="1"/>
+            <a:endParaRPr lang="he-IL" dirty="0">
+              <a:latin typeface="Segoe UI Semilight" panose="020B0402040204020203" pitchFamily="34" charset="0"/>
+              <a:cs typeface="Segoe UI Semilight" panose="020B0402040204020203" pitchFamily="34" charset="0"/>
+            </a:endParaRPr>
+          </a:p>
+          <a:p>
+            <a:pPr marL="0" indent="0" algn="r" rtl="1">
+              <a:buNone/>
+            </a:pPr>
+            <a:endParaRPr lang="he-IL" dirty="0">
+              <a:latin typeface="Segoe UI Semilight" panose="020B0402040204020203" pitchFamily="34" charset="0"/>
+              <a:cs typeface="Segoe UI Semilight" panose="020B0402040204020203" pitchFamily="34" charset="0"/>
+            </a:endParaRPr>
+          </a:p>
+          <a:p>
+            <a:pPr algn="r" rtl="1"/>
+            <a:r>
+              <a:rPr lang="he-IL" dirty="0">
+                <a:latin typeface="Segoe UI Semilight" panose="020B0402040204020203" pitchFamily="34" charset="0"/>
+                <a:cs typeface="Segoe UI Semilight" panose="020B0402040204020203" pitchFamily="34" charset="0"/>
+              </a:rPr>
+              <a:t>צד שרת:</a:t>
+            </a:r>
+            <a:endParaRPr lang="en-US" dirty="0">
+              <a:latin typeface="Segoe UI Semilight" panose="020B0402040204020203" pitchFamily="34" charset="0"/>
+              <a:cs typeface="Segoe UI Semilight" panose="020B0402040204020203" pitchFamily="34" charset="0"/>
+            </a:endParaRPr>
+          </a:p>
+          <a:p>
+            <a:pPr marL="914400" lvl="1" indent="-457200" algn="r" rtl="1">
+              <a:buFont typeface="+mj-lt"/>
+              <a:buAutoNum type="arabicPeriod"/>
+            </a:pPr>
+            <a:r>
+              <a:rPr lang="he-IL" dirty="0">
+                <a:latin typeface="Segoe UI Semilight" panose="020B0402040204020203" pitchFamily="34" charset="0"/>
+                <a:cs typeface="Segoe UI Semilight" panose="020B0402040204020203" pitchFamily="34" charset="0"/>
+              </a:rPr>
+              <a:t>כל לקוח מטופל ע"י תהליך נפרד – לקוחות אינם משפיעים אחד על השני.</a:t>
+            </a:r>
+          </a:p>
+          <a:p>
+            <a:pPr lvl="2" algn="r" rtl="1"/>
+            <a:r>
+              <a:rPr lang="he-IL" dirty="0">
+                <a:latin typeface="Segoe UI Semilight" panose="020B0402040204020203" pitchFamily="34" charset="0"/>
+                <a:cs typeface="Segoe UI Semilight" panose="020B0402040204020203" pitchFamily="34" charset="0"/>
+              </a:rPr>
+              <a:t>אם תוקף מצליח לגרום לשרת לקרוס, הוא בסה"כ גורם לתהליך שמטפל בו לקרוס.</a:t>
+            </a:r>
+          </a:p>
+          <a:p>
+            <a:pPr marL="914400" lvl="1" indent="-457200" algn="r" rtl="1">
+              <a:buFont typeface="+mj-lt"/>
+              <a:buAutoNum type="arabicPeriod"/>
+            </a:pPr>
+            <a:r>
+              <a:rPr lang="he-IL" dirty="0">
+                <a:latin typeface="Segoe UI Semilight" panose="020B0402040204020203" pitchFamily="34" charset="0"/>
+                <a:cs typeface="Segoe UI Semilight" panose="020B0402040204020203" pitchFamily="34" charset="0"/>
+              </a:rPr>
+              <a:t>הקוד של הלקוחות מורץ בתוך </a:t>
+            </a:r>
+            <a:r>
+              <a:rPr lang="en-US" dirty="0">
+                <a:latin typeface="Segoe UI Semilight" panose="020B0402040204020203" pitchFamily="34" charset="0"/>
+                <a:cs typeface="Segoe UI Semilight" panose="020B0402040204020203" pitchFamily="34" charset="0"/>
+              </a:rPr>
+              <a:t>container</a:t>
+            </a:r>
+            <a:r>
+              <a:rPr lang="he-IL" dirty="0">
+                <a:latin typeface="Segoe UI Semilight" panose="020B0402040204020203" pitchFamily="34" charset="0"/>
+                <a:cs typeface="Segoe UI Semilight" panose="020B0402040204020203" pitchFamily="34" charset="0"/>
+              </a:rPr>
+              <a:t> של </a:t>
+            </a:r>
+            <a:r>
+              <a:rPr lang="en-US" dirty="0">
+                <a:latin typeface="Segoe UI Semilight" panose="020B0402040204020203" pitchFamily="34" charset="0"/>
+                <a:cs typeface="Segoe UI Semilight" panose="020B0402040204020203" pitchFamily="34" charset="0"/>
+              </a:rPr>
+              <a:t>docker</a:t>
+            </a:r>
+            <a:r>
+              <a:rPr lang="he-IL" dirty="0">
+                <a:latin typeface="Segoe UI Semilight" panose="020B0402040204020203" pitchFamily="34" charset="0"/>
+                <a:cs typeface="Segoe UI Semilight" panose="020B0402040204020203" pitchFamily="34" charset="0"/>
+              </a:rPr>
+              <a:t> – המערכת של השרת מוגנת מפני הרצת קוד של לקוחות זדוניים.</a:t>
+            </a:r>
+          </a:p>
+          <a:p>
+            <a:pPr marL="914400" lvl="1" indent="-457200" algn="r" rtl="1">
+              <a:buFont typeface="+mj-lt"/>
+              <a:buAutoNum type="arabicPeriod"/>
+            </a:pPr>
+            <a:r>
+              <a:rPr lang="he-IL" dirty="0">
+                <a:latin typeface="Segoe UI Semilight" panose="020B0402040204020203" pitchFamily="34" charset="0"/>
+                <a:cs typeface="Segoe UI Semilight" panose="020B0402040204020203" pitchFamily="34" charset="0"/>
+              </a:rPr>
+              <a:t>כל סקריפט הרצה מוגבל בזמן – מונע התקפות מסוג </a:t>
+            </a:r>
+            <a:r>
+              <a:rPr lang="en-US" dirty="0">
+                <a:latin typeface="Segoe UI Semilight" panose="020B0402040204020203" pitchFamily="34" charset="0"/>
+                <a:cs typeface="Segoe UI Semilight" panose="020B0402040204020203" pitchFamily="34" charset="0"/>
+              </a:rPr>
+              <a:t>DDoS</a:t>
+            </a:r>
+            <a:r>
+              <a:rPr lang="he-IL" dirty="0">
+                <a:latin typeface="Segoe UI Semilight" panose="020B0402040204020203" pitchFamily="34" charset="0"/>
+                <a:cs typeface="Segoe UI Semilight" panose="020B0402040204020203" pitchFamily="34" charset="0"/>
+              </a:rPr>
+              <a:t>.</a:t>
+            </a:r>
+          </a:p>
+          <a:p>
+            <a:pPr algn="r" rtl="1"/>
+            <a:r>
+              <a:rPr lang="he-IL" sz="2000" dirty="0">
+                <a:latin typeface="Segoe UI Semilight" panose="020B0402040204020203" pitchFamily="34" charset="0"/>
+                <a:cs typeface="Segoe UI Semilight" panose="020B0402040204020203" pitchFamily="34" charset="0"/>
+              </a:rPr>
+              <a:t>התקשורת מוצפנת, מאובטחת ומאומתת ע"י פרוטוקול </a:t>
+            </a:r>
+            <a:r>
+              <a:rPr lang="en-US" sz="2000" dirty="0">
+                <a:latin typeface="Segoe UI Semilight" panose="020B0402040204020203" pitchFamily="34" charset="0"/>
+                <a:cs typeface="Segoe UI Semilight" panose="020B0402040204020203" pitchFamily="34" charset="0"/>
+              </a:rPr>
+              <a:t>TLS 1.3</a:t>
+            </a:r>
+            <a:r>
+              <a:rPr lang="he-IL" sz="2000" dirty="0">
+                <a:latin typeface="Segoe UI Semilight" panose="020B0402040204020203" pitchFamily="34" charset="0"/>
+                <a:cs typeface="Segoe UI Semilight" panose="020B0402040204020203" pitchFamily="34" charset="0"/>
+              </a:rPr>
+              <a:t>, שלא ידועות בו חולשות כיום.</a:t>
+            </a:r>
+          </a:p>
+          <a:p>
+            <a:pPr marL="457200" lvl="1" indent="0" algn="r" rtl="1">
+              <a:buNone/>
+            </a:pPr>
+            <a:endParaRPr lang="he-IL" dirty="0">
+              <a:latin typeface="Segoe UI Semilight" panose="020B0402040204020203" pitchFamily="34" charset="0"/>
+              <a:cs typeface="Segoe UI Semilight" panose="020B0402040204020203" pitchFamily="34" charset="0"/>
+            </a:endParaRPr>
+          </a:p>
+          <a:p>
+            <a:pPr lvl="1" algn="r" rtl="1"/>
+            <a:endParaRPr lang="he-IL" dirty="0">
+              <a:latin typeface="Segoe UI Semilight" panose="020B0402040204020203" pitchFamily="34" charset="0"/>
+              <a:cs typeface="Segoe UI Semilight" panose="020B0402040204020203" pitchFamily="34" charset="0"/>
+            </a:endParaRPr>
+          </a:p>
+          <a:p>
+            <a:pPr algn="r" rtl="1"/>
+            <a:endParaRPr lang="en-US" dirty="0">
+              <a:latin typeface="Segoe UI Semilight" panose="020B0402040204020203" pitchFamily="34" charset="0"/>
+              <a:cs typeface="Segoe UI Semilight" panose="020B0402040204020203" pitchFamily="34" charset="0"/>
+            </a:endParaRPr>
+          </a:p>
+          <a:p>
+            <a:pPr algn="r" rtl="1"/>
+            <a:endParaRPr lang="he-IL" dirty="0">
+              <a:latin typeface="Segoe UI Semilight" panose="020B0402040204020203" pitchFamily="34" charset="0"/>
+              <a:cs typeface="Segoe UI Semilight" panose="020B0402040204020203" pitchFamily="34" charset="0"/>
+            </a:endParaRPr>
+          </a:p>
+          <a:p>
+            <a:pPr algn="r" rtl="1"/>
+            <a:endParaRPr lang="he-IL" dirty="0">
+              <a:latin typeface="Segoe UI Semilight" panose="020B0402040204020203" pitchFamily="34" charset="0"/>
+              <a:cs typeface="Segoe UI Semilight" panose="020B0402040204020203" pitchFamily="34" charset="0"/>
+            </a:endParaRPr>
+          </a:p>
+          <a:p>
+            <a:pPr algn="r" rtl="1"/>
+            <a:endParaRPr lang="he-IL" dirty="0">
+              <a:latin typeface="Segoe UI Semilight" panose="020B0402040204020203" pitchFamily="34" charset="0"/>
+              <a:cs typeface="Segoe UI Semilight" panose="020B0402040204020203" pitchFamily="34" charset="0"/>
+            </a:endParaRPr>
+          </a:p>
+          <a:p>
+            <a:pPr algn="r" rtl="1"/>
+            <a:endParaRPr lang="he-IL" dirty="0">
+              <a:latin typeface="Segoe UI Semilight" panose="020B0402040204020203" pitchFamily="34" charset="0"/>
+              <a:cs typeface="Segoe UI Semilight" panose="020B0402040204020203" pitchFamily="34" charset="0"/>
+            </a:endParaRPr>
+          </a:p>
+          <a:p>
+            <a:pPr lvl="1" algn="r" rtl="1"/>
+            <a:endParaRPr lang="he-IL" dirty="0">
+              <a:latin typeface="Segoe UI Semilight" panose="020B0402040204020203" pitchFamily="34" charset="0"/>
+              <a:cs typeface="Segoe UI Semilight" panose="020B0402040204020203" pitchFamily="34" charset="0"/>
+            </a:endParaRPr>
+          </a:p>
+        </p:txBody>
+      </p:sp>
+      <p:pic>
+        <p:nvPicPr>
+          <p:cNvPr id="7" name="Picture 6">
+            <a:extLst>
+              <a:ext uri="{FF2B5EF4-FFF2-40B4-BE49-F238E27FC236}">
+                <a16:creationId xmlns:a16="http://schemas.microsoft.com/office/drawing/2014/main" id="{E800F3F3-2BD1-4165-B4E7-9195A15CFF38}"/>
+              </a:ext>
+            </a:extLst>
+          </p:cNvPr>
+          <p:cNvPicPr>
+            <a:picLocks noChangeAspect="1"/>
+          </p:cNvPicPr>
+          <p:nvPr/>
+        </p:nvPicPr>
+        <p:blipFill>
+          <a:blip r:embed="rId3"/>
+          <a:stretch>
+            <a:fillRect/>
+          </a:stretch>
+        </p:blipFill>
+        <p:spPr>
+          <a:xfrm>
+            <a:off x="2936371" y="1007733"/>
+            <a:ext cx="3334674" cy="2234866"/>
+          </a:xfrm>
+          <a:prstGeom prst="rect">
+            <a:avLst/>
+          </a:prstGeom>
+        </p:spPr>
+      </p:pic>
+      <p:sp>
+        <p:nvSpPr>
+          <p:cNvPr id="9" name="TextBox 8">
+            <a:extLst>
+              <a:ext uri="{FF2B5EF4-FFF2-40B4-BE49-F238E27FC236}">
+                <a16:creationId xmlns:a16="http://schemas.microsoft.com/office/drawing/2014/main" id="{40A56239-D68B-4F66-9A41-BC30C44D2331}"/>
+              </a:ext>
+            </a:extLst>
+          </p:cNvPr>
+          <p:cNvSpPr txBox="1"/>
+          <p:nvPr/>
+        </p:nvSpPr>
+        <p:spPr>
+          <a:xfrm>
+            <a:off x="6375918" y="1007733"/>
+            <a:ext cx="1783245" cy="276999"/>
+          </a:xfrm>
+          <a:prstGeom prst="rect">
+            <a:avLst/>
+          </a:prstGeom>
+        </p:spPr>
+        <p:style>
+          <a:lnRef idx="2">
+            <a:schemeClr val="accent3"/>
+          </a:lnRef>
+          <a:fillRef idx="1">
+            <a:schemeClr val="lt1"/>
+          </a:fillRef>
+          <a:effectRef idx="0">
+            <a:schemeClr val="accent3"/>
+          </a:effectRef>
+          <a:fontRef idx="minor">
+            <a:schemeClr val="dk1"/>
+          </a:fontRef>
+        </p:style>
+        <p:txBody>
+          <a:bodyPr wrap="none" rtlCol="0">
+            <a:spAutoFit/>
+          </a:bodyPr>
+          <a:lstStyle/>
+          <a:p>
+            <a:r>
+              <a:rPr lang="en-US" sz="1200" dirty="0"/>
+              <a:t>Buffer overflow detections</a:t>
+            </a:r>
+            <a:endParaRPr lang="en-IL" sz="1200" dirty="0"/>
+          </a:p>
+        </p:txBody>
+      </p:sp>
+      <p:cxnSp>
+        <p:nvCxnSpPr>
+          <p:cNvPr id="11" name="Straight Arrow Connector 10">
+            <a:extLst>
+              <a:ext uri="{FF2B5EF4-FFF2-40B4-BE49-F238E27FC236}">
+                <a16:creationId xmlns:a16="http://schemas.microsoft.com/office/drawing/2014/main" id="{7CA65D4E-3F5F-4282-A794-8799EF9BC956}"/>
+              </a:ext>
+            </a:extLst>
+          </p:cNvPr>
+          <p:cNvCxnSpPr>
+            <a:stCxn id="9" idx="1"/>
+          </p:cNvCxnSpPr>
+          <p:nvPr/>
+        </p:nvCxnSpPr>
+        <p:spPr>
+          <a:xfrm flipH="1">
+            <a:off x="5741776" y="1146233"/>
+            <a:ext cx="634142" cy="138499"/>
+          </a:xfrm>
+          <a:prstGeom prst="straightConnector1">
+            <a:avLst/>
+          </a:prstGeom>
+          <a:ln>
+            <a:tailEnd type="triangle"/>
+          </a:ln>
+        </p:spPr>
+        <p:style>
+          <a:lnRef idx="1">
+            <a:schemeClr val="accent3"/>
+          </a:lnRef>
+          <a:fillRef idx="0">
+            <a:schemeClr val="accent3"/>
+          </a:fillRef>
+          <a:effectRef idx="0">
+            <a:schemeClr val="accent3"/>
+          </a:effectRef>
+          <a:fontRef idx="minor">
+            <a:schemeClr val="tx1"/>
+          </a:fontRef>
+        </p:style>
+      </p:cxnSp>
+      <p:cxnSp>
+        <p:nvCxnSpPr>
+          <p:cNvPr id="16" name="Straight Arrow Connector 15">
+            <a:extLst>
+              <a:ext uri="{FF2B5EF4-FFF2-40B4-BE49-F238E27FC236}">
+                <a16:creationId xmlns:a16="http://schemas.microsoft.com/office/drawing/2014/main" id="{4C132389-3911-4658-B4A1-3B8BE2B3BA0B}"/>
+              </a:ext>
+            </a:extLst>
+          </p:cNvPr>
+          <p:cNvCxnSpPr>
+            <a:stCxn id="9" idx="1"/>
+          </p:cNvCxnSpPr>
+          <p:nvPr/>
+        </p:nvCxnSpPr>
+        <p:spPr>
+          <a:xfrm flipH="1">
+            <a:off x="5840963" y="1146233"/>
+            <a:ext cx="534955" cy="309964"/>
+          </a:xfrm>
+          <a:prstGeom prst="straightConnector1">
+            <a:avLst/>
+          </a:prstGeom>
+          <a:ln>
+            <a:tailEnd type="triangle"/>
+          </a:ln>
+        </p:spPr>
+        <p:style>
+          <a:lnRef idx="1">
+            <a:schemeClr val="accent3"/>
+          </a:lnRef>
+          <a:fillRef idx="0">
+            <a:schemeClr val="accent3"/>
+          </a:fillRef>
+          <a:effectRef idx="0">
+            <a:schemeClr val="accent3"/>
+          </a:effectRef>
+          <a:fontRef idx="minor">
+            <a:schemeClr val="tx1"/>
+          </a:fontRef>
+        </p:style>
+      </p:cxnSp>
+      <p:sp>
+        <p:nvSpPr>
+          <p:cNvPr id="19" name="TextBox 18">
+            <a:extLst>
+              <a:ext uri="{FF2B5EF4-FFF2-40B4-BE49-F238E27FC236}">
+                <a16:creationId xmlns:a16="http://schemas.microsoft.com/office/drawing/2014/main" id="{362E2A0A-2D8B-44B9-9A32-39564FBB43EA}"/>
+              </a:ext>
+            </a:extLst>
+          </p:cNvPr>
+          <p:cNvSpPr txBox="1"/>
+          <p:nvPr/>
+        </p:nvSpPr>
+        <p:spPr>
+          <a:xfrm>
+            <a:off x="6445450" y="1480295"/>
+            <a:ext cx="490840" cy="276999"/>
+          </a:xfrm>
+          <a:prstGeom prst="rect">
+            <a:avLst/>
+          </a:prstGeom>
+        </p:spPr>
+        <p:style>
+          <a:lnRef idx="2">
+            <a:schemeClr val="accent3"/>
+          </a:lnRef>
+          <a:fillRef idx="1">
+            <a:schemeClr val="lt1"/>
+          </a:fillRef>
+          <a:effectRef idx="0">
+            <a:schemeClr val="accent3"/>
+          </a:effectRef>
+          <a:fontRef idx="minor">
+            <a:schemeClr val="dk1"/>
+          </a:fontRef>
+        </p:style>
+        <p:txBody>
+          <a:bodyPr wrap="none" rtlCol="0">
+            <a:spAutoFit/>
+          </a:bodyPr>
+          <a:lstStyle/>
+          <a:p>
+            <a:r>
+              <a:rPr lang="en-US" sz="1200" dirty="0"/>
+              <a:t>ASLR</a:t>
+            </a:r>
+            <a:endParaRPr lang="en-IL" sz="1200" dirty="0"/>
+          </a:p>
+        </p:txBody>
+      </p:sp>
+      <p:cxnSp>
+        <p:nvCxnSpPr>
+          <p:cNvPr id="18" name="Straight Arrow Connector 17">
+            <a:extLst>
+              <a:ext uri="{FF2B5EF4-FFF2-40B4-BE49-F238E27FC236}">
+                <a16:creationId xmlns:a16="http://schemas.microsoft.com/office/drawing/2014/main" id="{9A31D7AA-33DC-429C-9457-3DA69F8A1314}"/>
+              </a:ext>
+            </a:extLst>
+          </p:cNvPr>
+          <p:cNvCxnSpPr>
+            <a:cxnSpLocks/>
+            <a:stCxn id="19" idx="1"/>
+          </p:cNvCxnSpPr>
+          <p:nvPr/>
+        </p:nvCxnSpPr>
+        <p:spPr>
+          <a:xfrm flipH="1">
+            <a:off x="4733731" y="1618795"/>
+            <a:ext cx="1711719" cy="32965"/>
+          </a:xfrm>
+          <a:prstGeom prst="straightConnector1">
+            <a:avLst/>
+          </a:prstGeom>
+          <a:ln>
+            <a:tailEnd type="triangle"/>
+          </a:ln>
+        </p:spPr>
+        <p:style>
+          <a:lnRef idx="1">
+            <a:schemeClr val="accent3"/>
+          </a:lnRef>
+          <a:fillRef idx="0">
+            <a:schemeClr val="accent3"/>
+          </a:fillRef>
+          <a:effectRef idx="0">
+            <a:schemeClr val="accent3"/>
+          </a:effectRef>
+          <a:fontRef idx="minor">
+            <a:schemeClr val="tx1"/>
+          </a:fontRef>
+        </p:style>
+      </p:cxnSp>
+      <p:cxnSp>
+        <p:nvCxnSpPr>
+          <p:cNvPr id="24" name="Straight Arrow Connector 23">
+            <a:extLst>
+              <a:ext uri="{FF2B5EF4-FFF2-40B4-BE49-F238E27FC236}">
+                <a16:creationId xmlns:a16="http://schemas.microsoft.com/office/drawing/2014/main" id="{C4E53503-12C7-4EEF-B3E5-2215B7CA4BE9}"/>
+              </a:ext>
+            </a:extLst>
+          </p:cNvPr>
+          <p:cNvCxnSpPr>
+            <a:cxnSpLocks/>
+            <a:stCxn id="19" idx="1"/>
+          </p:cNvCxnSpPr>
+          <p:nvPr/>
+        </p:nvCxnSpPr>
+        <p:spPr>
+          <a:xfrm flipH="1">
+            <a:off x="4982547" y="1618795"/>
+            <a:ext cx="1462903" cy="210005"/>
+          </a:xfrm>
+          <a:prstGeom prst="straightConnector1">
+            <a:avLst/>
+          </a:prstGeom>
+          <a:ln>
+            <a:tailEnd type="triangle"/>
+          </a:ln>
+        </p:spPr>
+        <p:style>
+          <a:lnRef idx="1">
+            <a:schemeClr val="accent3"/>
+          </a:lnRef>
+          <a:fillRef idx="0">
+            <a:schemeClr val="accent3"/>
+          </a:fillRef>
+          <a:effectRef idx="0">
+            <a:schemeClr val="accent3"/>
+          </a:effectRef>
+          <a:fontRef idx="minor">
+            <a:schemeClr val="tx1"/>
+          </a:fontRef>
+        </p:style>
+      </p:cxnSp>
+      <p:sp>
+        <p:nvSpPr>
+          <p:cNvPr id="29" name="TextBox 28">
+            <a:extLst>
+              <a:ext uri="{FF2B5EF4-FFF2-40B4-BE49-F238E27FC236}">
+                <a16:creationId xmlns:a16="http://schemas.microsoft.com/office/drawing/2014/main" id="{A1569089-F3E1-4DA4-9654-6B53B55F1B82}"/>
+              </a:ext>
+            </a:extLst>
+          </p:cNvPr>
+          <p:cNvSpPr txBox="1"/>
+          <p:nvPr/>
+        </p:nvSpPr>
+        <p:spPr>
+          <a:xfrm>
+            <a:off x="7079093" y="1777199"/>
+            <a:ext cx="1698157" cy="276999"/>
+          </a:xfrm>
+          <a:prstGeom prst="rect">
+            <a:avLst/>
+          </a:prstGeom>
+        </p:spPr>
+        <p:style>
+          <a:lnRef idx="2">
+            <a:schemeClr val="accent3"/>
+          </a:lnRef>
+          <a:fillRef idx="1">
+            <a:schemeClr val="lt1"/>
+          </a:fillRef>
+          <a:effectRef idx="0">
+            <a:schemeClr val="accent3"/>
+          </a:effectRef>
+          <a:fontRef idx="minor">
+            <a:schemeClr val="dk1"/>
+          </a:fontRef>
+        </p:style>
+        <p:txBody>
+          <a:bodyPr wrap="none" rtlCol="0">
+            <a:spAutoFit/>
+          </a:bodyPr>
+          <a:lstStyle/>
+          <a:p>
+            <a:r>
+              <a:rPr lang="en-US" sz="1200" dirty="0"/>
+              <a:t>PIC – No text relocations</a:t>
+            </a:r>
+            <a:endParaRPr lang="en-IL" sz="1200" dirty="0"/>
+          </a:p>
+        </p:txBody>
+      </p:sp>
+      <p:cxnSp>
+        <p:nvCxnSpPr>
+          <p:cNvPr id="26" name="Straight Arrow Connector 25">
+            <a:extLst>
+              <a:ext uri="{FF2B5EF4-FFF2-40B4-BE49-F238E27FC236}">
+                <a16:creationId xmlns:a16="http://schemas.microsoft.com/office/drawing/2014/main" id="{AB5D5691-BC4C-4B30-BF87-CD54476F486C}"/>
+              </a:ext>
+            </a:extLst>
+          </p:cNvPr>
+          <p:cNvCxnSpPr>
+            <a:stCxn id="29" idx="1"/>
+          </p:cNvCxnSpPr>
+          <p:nvPr/>
+        </p:nvCxnSpPr>
+        <p:spPr>
+          <a:xfrm flipH="1">
+            <a:off x="4733731" y="1915699"/>
+            <a:ext cx="2345362" cy="93493"/>
+          </a:xfrm>
+          <a:prstGeom prst="straightConnector1">
+            <a:avLst/>
+          </a:prstGeom>
+          <a:ln>
+            <a:tailEnd type="triangle"/>
+          </a:ln>
+        </p:spPr>
+        <p:style>
+          <a:lnRef idx="1">
+            <a:schemeClr val="accent3"/>
+          </a:lnRef>
+          <a:fillRef idx="0">
+            <a:schemeClr val="accent3"/>
+          </a:fillRef>
+          <a:effectRef idx="0">
+            <a:schemeClr val="accent3"/>
+          </a:effectRef>
+          <a:fontRef idx="minor">
+            <a:schemeClr val="tx1"/>
+          </a:fontRef>
+        </p:style>
+      </p:cxnSp>
+      <p:sp>
+        <p:nvSpPr>
+          <p:cNvPr id="31" name="TextBox 30">
+            <a:extLst>
+              <a:ext uri="{FF2B5EF4-FFF2-40B4-BE49-F238E27FC236}">
+                <a16:creationId xmlns:a16="http://schemas.microsoft.com/office/drawing/2014/main" id="{4744835D-A391-45C1-BCF7-6625B3A8BFF2}"/>
+              </a:ext>
+            </a:extLst>
+          </p:cNvPr>
+          <p:cNvSpPr txBox="1"/>
+          <p:nvPr/>
+        </p:nvSpPr>
+        <p:spPr>
+          <a:xfrm>
+            <a:off x="6690870" y="2158697"/>
+            <a:ext cx="1633781" cy="276999"/>
+          </a:xfrm>
+          <a:prstGeom prst="rect">
+            <a:avLst/>
+          </a:prstGeom>
+        </p:spPr>
+        <p:style>
+          <a:lnRef idx="2">
+            <a:schemeClr val="accent3"/>
+          </a:lnRef>
+          <a:fillRef idx="1">
+            <a:schemeClr val="lt1"/>
+          </a:fillRef>
+          <a:effectRef idx="0">
+            <a:schemeClr val="accent3"/>
+          </a:effectRef>
+          <a:fontRef idx="minor">
+            <a:schemeClr val="dk1"/>
+          </a:fontRef>
+        </p:style>
+        <p:txBody>
+          <a:bodyPr wrap="none" rtlCol="0">
+            <a:spAutoFit/>
+          </a:bodyPr>
+          <a:lstStyle/>
+          <a:p>
+            <a:r>
+              <a:rPr lang="en-US" sz="1200" dirty="0"/>
+              <a:t>Stack canary protection</a:t>
+            </a:r>
+            <a:endParaRPr lang="en-IL" sz="1200" dirty="0"/>
+          </a:p>
+        </p:txBody>
+      </p:sp>
+      <p:cxnSp>
+        <p:nvCxnSpPr>
+          <p:cNvPr id="32" name="Straight Arrow Connector 31">
+            <a:extLst>
+              <a:ext uri="{FF2B5EF4-FFF2-40B4-BE49-F238E27FC236}">
+                <a16:creationId xmlns:a16="http://schemas.microsoft.com/office/drawing/2014/main" id="{95CED5EB-1F01-46B4-B715-434F7B2ACABD}"/>
+              </a:ext>
+            </a:extLst>
+          </p:cNvPr>
+          <p:cNvCxnSpPr>
+            <a:stCxn id="31" idx="1"/>
+          </p:cNvCxnSpPr>
+          <p:nvPr/>
+        </p:nvCxnSpPr>
+        <p:spPr>
+          <a:xfrm flipH="1" flipV="1">
+            <a:off x="6058847" y="2208245"/>
+            <a:ext cx="632023" cy="88952"/>
+          </a:xfrm>
+          <a:prstGeom prst="straightConnector1">
+            <a:avLst/>
+          </a:prstGeom>
+          <a:ln>
+            <a:tailEnd type="triangle"/>
+          </a:ln>
+        </p:spPr>
+        <p:style>
+          <a:lnRef idx="1">
+            <a:schemeClr val="accent3"/>
+          </a:lnRef>
+          <a:fillRef idx="0">
+            <a:schemeClr val="accent3"/>
+          </a:fillRef>
+          <a:effectRef idx="0">
+            <a:schemeClr val="accent3"/>
+          </a:effectRef>
+          <a:fontRef idx="minor">
+            <a:schemeClr val="tx1"/>
+          </a:fontRef>
+        </p:style>
+      </p:cxnSp>
+      <p:cxnSp>
+        <p:nvCxnSpPr>
+          <p:cNvPr id="34" name="Straight Arrow Connector 33">
+            <a:extLst>
+              <a:ext uri="{FF2B5EF4-FFF2-40B4-BE49-F238E27FC236}">
+                <a16:creationId xmlns:a16="http://schemas.microsoft.com/office/drawing/2014/main" id="{9C9CDAA8-BEED-4EE1-B52D-43DE9AC998F2}"/>
+              </a:ext>
+            </a:extLst>
+          </p:cNvPr>
+          <p:cNvCxnSpPr>
+            <a:stCxn id="31" idx="1"/>
+          </p:cNvCxnSpPr>
+          <p:nvPr/>
+        </p:nvCxnSpPr>
+        <p:spPr>
+          <a:xfrm flipH="1">
+            <a:off x="6058847" y="2297197"/>
+            <a:ext cx="632023" cy="85219"/>
+          </a:xfrm>
+          <a:prstGeom prst="straightConnector1">
+            <a:avLst/>
+          </a:prstGeom>
+          <a:ln>
+            <a:tailEnd type="triangle"/>
+          </a:ln>
+        </p:spPr>
+        <p:style>
+          <a:lnRef idx="1">
+            <a:schemeClr val="accent3"/>
+          </a:lnRef>
+          <a:fillRef idx="0">
+            <a:schemeClr val="accent3"/>
+          </a:fillRef>
+          <a:effectRef idx="0">
+            <a:schemeClr val="accent3"/>
+          </a:effectRef>
+          <a:fontRef idx="minor">
+            <a:schemeClr val="tx1"/>
+          </a:fontRef>
+        </p:style>
+      </p:cxnSp>
+    </p:spTree>
+    <p:extLst>
+      <p:ext uri="{BB962C8B-B14F-4D97-AF65-F5344CB8AC3E}">
+        <p14:creationId xmlns:p14="http://schemas.microsoft.com/office/powerpoint/2010/main" val="3820256153"/>
+      </p:ext>
+    </p:extLst>
+  </p:cSld>
+  <p:clrMapOvr>
+    <a:masterClrMapping/>
+  </p:clrMapOvr>
+  <mc:AlternateContent xmlns:mc="http://schemas.openxmlformats.org/markup-compatibility/2006" xmlns:p14="http://schemas.microsoft.com/office/powerpoint/2010/main">
+    <mc:Choice Requires="p14">
+      <p:transition spd="slow" p14:dur="2000" advClick="0"/>
+    </mc:Choice>
+    <mc:Fallback xmlns="">
+      <p:transition spd="slow" advClick="0"/>
+    </mc:Fallback>
+  </mc:AlternateContent>
+</p:sld>
+</file>
+
+<file path=ppt/slides/slide39.xml><?xml version="1.0" encoding="utf-8"?>
+<p:sld xmlns:a="http://schemas.openxmlformats.org/drawingml/2006/main" xmlns:r="http://schemas.openxmlformats.org/officeDocument/2006/relationships" xmlns:p="http://schemas.openxmlformats.org/presentationml/2006/main">
+  <p:cSld>
+    <p:spTree>
+      <p:nvGrpSpPr>
+        <p:cNvPr id="1" name=""/>
+        <p:cNvGrpSpPr/>
+        <p:nvPr/>
+      </p:nvGrpSpPr>
+      <p:grpSpPr>
+        <a:xfrm>
+          <a:off x="0" y="0"/>
+          <a:ext cx="0" cy="0"/>
+          <a:chOff x="0" y="0"/>
+          <a:chExt cx="0" cy="0"/>
+        </a:xfrm>
+      </p:grpSpPr>
+      <p:sp>
+        <p:nvSpPr>
+          <p:cNvPr id="2" name="Title 1">
+            <a:extLst>
+              <a:ext uri="{FF2B5EF4-FFF2-40B4-BE49-F238E27FC236}">
+                <a16:creationId xmlns:a16="http://schemas.microsoft.com/office/drawing/2014/main" id="{83719985-2CD8-4977-8479-E3A157C3CD9E}"/>
+              </a:ext>
+            </a:extLst>
+          </p:cNvPr>
+          <p:cNvSpPr>
+            <a:spLocks noGrp="1"/>
+          </p:cNvSpPr>
+          <p:nvPr>
+            <p:ph type="ctrTitle"/>
+          </p:nvPr>
+        </p:nvSpPr>
+        <p:spPr>
+          <a:xfrm>
+            <a:off x="1038808" y="1122363"/>
+            <a:ext cx="9629191" cy="2387600"/>
+          </a:xfrm>
+        </p:spPr>
+        <p:txBody>
+          <a:bodyPr/>
+          <a:lstStyle/>
+          <a:p>
+            <a:pPr algn="r" rtl="1"/>
+            <a:r>
+              <a:rPr lang="he-IL" dirty="0">
+                <a:latin typeface="Segoe UI Semilight" panose="020B0402040204020203" pitchFamily="34" charset="0"/>
+                <a:cs typeface="Segoe UI Semilight" panose="020B0402040204020203" pitchFamily="34" charset="0"/>
+              </a:rPr>
+              <a:t>הדגמת הפרויקט הסופי</a:t>
+            </a:r>
+          </a:p>
+        </p:txBody>
+      </p:sp>
+      <p:sp>
+        <p:nvSpPr>
+          <p:cNvPr id="3" name="Subtitle 2">
+            <a:extLst>
+              <a:ext uri="{FF2B5EF4-FFF2-40B4-BE49-F238E27FC236}">
+                <a16:creationId xmlns:a16="http://schemas.microsoft.com/office/drawing/2014/main" id="{64BE32D0-F6A3-4A84-8B33-6CE1983651EE}"/>
+              </a:ext>
+            </a:extLst>
+          </p:cNvPr>
+          <p:cNvSpPr>
+            <a:spLocks noGrp="1"/>
+          </p:cNvSpPr>
+          <p:nvPr>
+            <p:ph type="subTitle" idx="1"/>
+          </p:nvPr>
+        </p:nvSpPr>
+        <p:spPr/>
+        <p:txBody>
+          <a:bodyPr/>
+          <a:lstStyle/>
+          <a:p>
+            <a:endParaRPr lang="en-IL" dirty="0">
+              <a:solidFill>
+                <a:schemeClr val="tx1"/>
+              </a:solidFill>
+            </a:endParaRPr>
+          </a:p>
+        </p:txBody>
+      </p:sp>
+    </p:spTree>
+    <p:extLst>
+      <p:ext uri="{BB962C8B-B14F-4D97-AF65-F5344CB8AC3E}">
+        <p14:creationId xmlns:p14="http://schemas.microsoft.com/office/powerpoint/2010/main" val="290555407"/>
+      </p:ext>
+    </p:extLst>
+  </p:cSld>
+  <p:clrMapOvr>
+    <a:masterClrMapping/>
+  </p:clrMapOvr>
+  <mc:AlternateContent xmlns:mc="http://schemas.openxmlformats.org/markup-compatibility/2006" xmlns:p14="http://schemas.microsoft.com/office/powerpoint/2010/main">
+    <mc:Choice Requires="p14">
+      <p:transition spd="slow" p14:dur="2000" advClick="0"/>
+    </mc:Choice>
+    <mc:Fallback xmlns="">
+      <p:transition spd="slow" advClick="0"/>
+    </mc:Fallback>
+  </mc:AlternateContent>
+</p:sld>
+</file>
+
+<file path=ppt/slides/slide4.xml><?xml version="1.0" encoding="utf-8"?>
+<p:sld xmlns:a="http://schemas.openxmlformats.org/drawingml/2006/main" xmlns:r="http://schemas.openxmlformats.org/officeDocument/2006/relationships" xmlns:p="http://schemas.openxmlformats.org/presentationml/2006/main">
+  <p:cSld>
+    <p:spTree>
+      <p:nvGrpSpPr>
+        <p:cNvPr id="1" name=""/>
+        <p:cNvGrpSpPr/>
+        <p:nvPr/>
+      </p:nvGrpSpPr>
+      <p:grpSpPr>
+        <a:xfrm>
+          <a:off x="0" y="0"/>
+          <a:ext cx="0" cy="0"/>
+          <a:chOff x="0" y="0"/>
+          <a:chExt cx="0" cy="0"/>
+        </a:xfrm>
+      </p:grpSpPr>
+      <p:sp>
+        <p:nvSpPr>
+          <p:cNvPr id="27" name="Rectangle 26">
+            <a:extLst>
+              <a:ext uri="{FF2B5EF4-FFF2-40B4-BE49-F238E27FC236}">
+                <a16:creationId xmlns:a16="http://schemas.microsoft.com/office/drawing/2014/main" id="{64C76D42-2200-4A13-AFFB-0F543F6A81AE}"/>
+              </a:ext>
+            </a:extLst>
+          </p:cNvPr>
+          <p:cNvSpPr/>
+          <p:nvPr/>
+        </p:nvSpPr>
+        <p:spPr>
+          <a:xfrm>
+            <a:off x="5741776" y="171465"/>
+            <a:ext cx="5361617" cy="664803"/>
+          </a:xfrm>
+          <a:prstGeom prst="rect">
+            <a:avLst/>
+          </a:prstGeom>
+        </p:spPr>
+        <p:style>
+          <a:lnRef idx="1">
+            <a:schemeClr val="accent5"/>
+          </a:lnRef>
+          <a:fillRef idx="2">
+            <a:schemeClr val="accent5"/>
+          </a:fillRef>
+          <a:effectRef idx="1">
+            <a:schemeClr val="accent5"/>
+          </a:effectRef>
+          <a:fontRef idx="minor">
+            <a:schemeClr val="dk1"/>
+          </a:fontRef>
+        </p:style>
+        <p:txBody>
+          <a:bodyPr rtlCol="0" anchor="ctr"/>
+          <a:lstStyle/>
+          <a:p>
+            <a:pPr algn="ctr"/>
+            <a:endParaRPr lang="en-IL" dirty="0"/>
+          </a:p>
+        </p:txBody>
+      </p:sp>
+      <p:sp>
+        <p:nvSpPr>
+          <p:cNvPr id="16" name="Rectangle 15">
+            <a:extLst>
+              <a:ext uri="{FF2B5EF4-FFF2-40B4-BE49-F238E27FC236}">
+                <a16:creationId xmlns:a16="http://schemas.microsoft.com/office/drawing/2014/main" id="{55744BC2-89C2-41C8-96DE-3198F96EACFC}"/>
+              </a:ext>
+            </a:extLst>
+          </p:cNvPr>
+          <p:cNvSpPr/>
+          <p:nvPr/>
+        </p:nvSpPr>
+        <p:spPr>
+          <a:xfrm>
+            <a:off x="1514669" y="454089"/>
+            <a:ext cx="2708987" cy="5629469"/>
+          </a:xfrm>
+          <a:prstGeom prst="rect">
+            <a:avLst/>
+          </a:prstGeom>
+        </p:spPr>
+        <p:style>
+          <a:lnRef idx="1">
+            <a:schemeClr val="accent5"/>
+          </a:lnRef>
+          <a:fillRef idx="2">
+            <a:schemeClr val="accent5"/>
+          </a:fillRef>
+          <a:effectRef idx="1">
+            <a:schemeClr val="accent5"/>
+          </a:effectRef>
+          <a:fontRef idx="minor">
+            <a:schemeClr val="dk1"/>
+          </a:fontRef>
+        </p:style>
+        <p:txBody>
+          <a:bodyPr rtlCol="0" anchor="ctr"/>
+          <a:lstStyle/>
+          <a:p>
+            <a:pPr algn="ctr"/>
+            <a:endParaRPr lang="en-IL" dirty="0"/>
+          </a:p>
+        </p:txBody>
+      </p:sp>
+      <p:sp>
+        <p:nvSpPr>
+          <p:cNvPr id="2" name="Title 1">
+            <a:extLst>
+              <a:ext uri="{FF2B5EF4-FFF2-40B4-BE49-F238E27FC236}">
+                <a16:creationId xmlns:a16="http://schemas.microsoft.com/office/drawing/2014/main" id="{AD92F597-4DB6-45C7-97B2-8F408617D08A}"/>
+              </a:ext>
+            </a:extLst>
+          </p:cNvPr>
+          <p:cNvSpPr>
+            <a:spLocks noGrp="1"/>
+          </p:cNvSpPr>
+          <p:nvPr>
+            <p:ph type="title"/>
+          </p:nvPr>
+        </p:nvSpPr>
+        <p:spPr>
+          <a:xfrm>
+            <a:off x="1141412" y="0"/>
+            <a:ext cx="9905998" cy="983635"/>
+          </a:xfrm>
+        </p:spPr>
+        <p:txBody>
+          <a:bodyPr/>
+          <a:lstStyle/>
+          <a:p>
+            <a:pPr algn="r" rtl="1"/>
+            <a:r>
+              <a:rPr lang="he-IL" cap="none" dirty="0">
+                <a:solidFill>
+                  <a:schemeClr val="bg1"/>
+                </a:solidFill>
+                <a:latin typeface="Segoe UI Semibold" panose="020B0702040204020203" pitchFamily="34" charset="0"/>
+                <a:cs typeface="Segoe UI Semibold" panose="020B0702040204020203" pitchFamily="34" charset="0"/>
+              </a:rPr>
+              <a:t>שפת </a:t>
+            </a:r>
+            <a:r>
+              <a:rPr lang="en-US" cap="none" dirty="0">
+                <a:solidFill>
+                  <a:schemeClr val="bg1"/>
+                </a:solidFill>
+                <a:latin typeface="Segoe UI Semibold" panose="020B0702040204020203" pitchFamily="34" charset="0"/>
+                <a:cs typeface="Segoe UI Semibold" panose="020B0702040204020203" pitchFamily="34" charset="0"/>
+              </a:rPr>
+              <a:t>C++</a:t>
+            </a:r>
+            <a:r>
+              <a:rPr lang="he-IL" cap="none" dirty="0">
+                <a:solidFill>
+                  <a:schemeClr val="bg1"/>
+                </a:solidFill>
+                <a:latin typeface="Segoe UI Semibold" panose="020B0702040204020203" pitchFamily="34" charset="0"/>
+                <a:cs typeface="Segoe UI Semibold" panose="020B0702040204020203" pitchFamily="34" charset="0"/>
+              </a:rPr>
+              <a:t> - מודל הזכרון</a:t>
+            </a:r>
+            <a:endParaRPr lang="en-IL" cap="none" dirty="0">
+              <a:solidFill>
+                <a:schemeClr val="bg1"/>
+              </a:solidFill>
+              <a:latin typeface="Segoe UI Semibold" panose="020B0702040204020203" pitchFamily="34" charset="0"/>
+              <a:cs typeface="Segoe UI Semibold" panose="020B0702040204020203" pitchFamily="34" charset="0"/>
+            </a:endParaRPr>
+          </a:p>
+        </p:txBody>
+      </p:sp>
+      <p:sp>
+        <p:nvSpPr>
+          <p:cNvPr id="3" name="Content Placeholder 2">
+            <a:extLst>
+              <a:ext uri="{FF2B5EF4-FFF2-40B4-BE49-F238E27FC236}">
+                <a16:creationId xmlns:a16="http://schemas.microsoft.com/office/drawing/2014/main" id="{5DB99D37-3B94-4415-BFED-4639A5DB97A4}"/>
+              </a:ext>
+            </a:extLst>
+          </p:cNvPr>
+          <p:cNvSpPr>
+            <a:spLocks noGrp="1"/>
+          </p:cNvSpPr>
+          <p:nvPr>
+            <p:ph idx="1"/>
+          </p:nvPr>
+        </p:nvSpPr>
+        <p:spPr>
+          <a:xfrm>
+            <a:off x="786853" y="802432"/>
+            <a:ext cx="10260557" cy="5685454"/>
+          </a:xfrm>
+        </p:spPr>
+        <p:txBody>
+          <a:bodyPr>
+            <a:normAutofit/>
+          </a:bodyPr>
+          <a:lstStyle/>
+          <a:p>
+            <a:pPr algn="r" rtl="1"/>
+            <a:endParaRPr lang="he-IL" dirty="0">
+              <a:latin typeface="Segoe UI Semilight" panose="020B0402040204020203" pitchFamily="34" charset="0"/>
+              <a:cs typeface="Segoe UI Semilight" panose="020B0402040204020203" pitchFamily="34" charset="0"/>
+            </a:endParaRPr>
+          </a:p>
+          <a:p>
+            <a:pPr lvl="1" algn="r" rtl="1"/>
+            <a:endParaRPr lang="he-IL" dirty="0">
+              <a:latin typeface="Segoe UI Semilight" panose="020B0402040204020203" pitchFamily="34" charset="0"/>
+              <a:cs typeface="Segoe UI Semilight" panose="020B0402040204020203" pitchFamily="34" charset="0"/>
+            </a:endParaRPr>
+          </a:p>
+        </p:txBody>
+      </p:sp>
+      <p:sp>
+        <p:nvSpPr>
+          <p:cNvPr id="5" name="Rectangle 4">
+            <a:extLst>
+              <a:ext uri="{FF2B5EF4-FFF2-40B4-BE49-F238E27FC236}">
+                <a16:creationId xmlns:a16="http://schemas.microsoft.com/office/drawing/2014/main" id="{A2C64108-5B40-4810-952D-092A6A67AD2E}"/>
+              </a:ext>
+            </a:extLst>
+          </p:cNvPr>
+          <p:cNvSpPr/>
+          <p:nvPr/>
+        </p:nvSpPr>
+        <p:spPr>
+          <a:xfrm>
+            <a:off x="1635968" y="516298"/>
+            <a:ext cx="2475722" cy="640702"/>
+          </a:xfrm>
+          <a:prstGeom prst="rect">
+            <a:avLst/>
+          </a:prstGeom>
+        </p:spPr>
+        <p:style>
+          <a:lnRef idx="1">
+            <a:schemeClr val="accent5"/>
+          </a:lnRef>
+          <a:fillRef idx="2">
+            <a:schemeClr val="accent5"/>
+          </a:fillRef>
+          <a:effectRef idx="1">
+            <a:schemeClr val="accent5"/>
+          </a:effectRef>
+          <a:fontRef idx="minor">
+            <a:schemeClr val="dk1"/>
+          </a:fontRef>
+        </p:style>
+        <p:txBody>
+          <a:bodyPr rtlCol="0" anchor="ctr"/>
+          <a:lstStyle/>
+          <a:p>
+            <a:pPr algn="ctr"/>
+            <a:r>
+              <a:rPr lang="en-US" dirty="0"/>
+              <a:t>.text</a:t>
+            </a:r>
+            <a:endParaRPr lang="en-IL" dirty="0"/>
+          </a:p>
+        </p:txBody>
+      </p:sp>
+      <p:sp>
+        <p:nvSpPr>
+          <p:cNvPr id="13" name="Rectangle 12">
+            <a:extLst>
+              <a:ext uri="{FF2B5EF4-FFF2-40B4-BE49-F238E27FC236}">
+                <a16:creationId xmlns:a16="http://schemas.microsoft.com/office/drawing/2014/main" id="{815DC237-A92A-4ADF-B0E3-F06FE42A535E}"/>
+              </a:ext>
+            </a:extLst>
+          </p:cNvPr>
+          <p:cNvSpPr/>
+          <p:nvPr/>
+        </p:nvSpPr>
+        <p:spPr>
+          <a:xfrm>
+            <a:off x="1635968" y="1138340"/>
+            <a:ext cx="2475722" cy="640702"/>
+          </a:xfrm>
+          <a:prstGeom prst="rect">
+            <a:avLst/>
+          </a:prstGeom>
+        </p:spPr>
+        <p:style>
+          <a:lnRef idx="1">
+            <a:schemeClr val="accent5"/>
+          </a:lnRef>
+          <a:fillRef idx="2">
+            <a:schemeClr val="accent5"/>
+          </a:fillRef>
+          <a:effectRef idx="1">
+            <a:schemeClr val="accent5"/>
+          </a:effectRef>
+          <a:fontRef idx="minor">
+            <a:schemeClr val="dk1"/>
+          </a:fontRef>
+        </p:style>
+        <p:txBody>
+          <a:bodyPr rtlCol="0" anchor="ctr"/>
+          <a:lstStyle/>
+          <a:p>
+            <a:pPr algn="ctr"/>
+            <a:r>
+              <a:rPr lang="en-US" dirty="0"/>
+              <a:t>.data</a:t>
+            </a:r>
+            <a:endParaRPr lang="en-IL" dirty="0"/>
+          </a:p>
+        </p:txBody>
+      </p:sp>
+      <p:sp>
+        <p:nvSpPr>
+          <p:cNvPr id="14" name="Rectangle 13">
+            <a:extLst>
+              <a:ext uri="{FF2B5EF4-FFF2-40B4-BE49-F238E27FC236}">
+                <a16:creationId xmlns:a16="http://schemas.microsoft.com/office/drawing/2014/main" id="{FC05EFA4-8FBF-457B-A349-24DCCB0791AD}"/>
+              </a:ext>
+            </a:extLst>
+          </p:cNvPr>
+          <p:cNvSpPr/>
+          <p:nvPr/>
+        </p:nvSpPr>
+        <p:spPr>
+          <a:xfrm>
+            <a:off x="1635968" y="1779042"/>
+            <a:ext cx="2475722" cy="640702"/>
+          </a:xfrm>
+          <a:prstGeom prst="rect">
+            <a:avLst/>
+          </a:prstGeom>
+        </p:spPr>
+        <p:style>
+          <a:lnRef idx="1">
+            <a:schemeClr val="accent5"/>
+          </a:lnRef>
+          <a:fillRef idx="2">
+            <a:schemeClr val="accent5"/>
+          </a:fillRef>
+          <a:effectRef idx="1">
+            <a:schemeClr val="accent5"/>
+          </a:effectRef>
+          <a:fontRef idx="minor">
+            <a:schemeClr val="dk1"/>
+          </a:fontRef>
+        </p:style>
+        <p:txBody>
+          <a:bodyPr rtlCol="0" anchor="ctr"/>
+          <a:lstStyle/>
+          <a:p>
+            <a:pPr algn="ctr"/>
+            <a:r>
+              <a:rPr lang="en-US" dirty="0"/>
+              <a:t>.</a:t>
+            </a:r>
+            <a:r>
+              <a:rPr lang="en-US" dirty="0" err="1"/>
+              <a:t>bss</a:t>
+            </a:r>
+            <a:endParaRPr lang="en-IL" dirty="0"/>
+          </a:p>
+        </p:txBody>
+      </p:sp>
+      <p:sp>
+        <p:nvSpPr>
+          <p:cNvPr id="15" name="Rectangle 14">
+            <a:extLst>
+              <a:ext uri="{FF2B5EF4-FFF2-40B4-BE49-F238E27FC236}">
+                <a16:creationId xmlns:a16="http://schemas.microsoft.com/office/drawing/2014/main" id="{8DA46F39-3A37-4A75-9CB6-D3AE6F6C42BB}"/>
+              </a:ext>
+            </a:extLst>
+          </p:cNvPr>
+          <p:cNvSpPr/>
+          <p:nvPr/>
+        </p:nvSpPr>
+        <p:spPr>
+          <a:xfrm>
+            <a:off x="1635968" y="2401083"/>
+            <a:ext cx="2475722" cy="933055"/>
+          </a:xfrm>
+          <a:prstGeom prst="rect">
+            <a:avLst/>
+          </a:prstGeom>
+        </p:spPr>
+        <p:style>
+          <a:lnRef idx="1">
+            <a:schemeClr val="accent5"/>
+          </a:lnRef>
+          <a:fillRef idx="2">
+            <a:schemeClr val="accent5"/>
+          </a:fillRef>
+          <a:effectRef idx="1">
+            <a:schemeClr val="accent5"/>
+          </a:effectRef>
+          <a:fontRef idx="minor">
+            <a:schemeClr val="dk1"/>
+          </a:fontRef>
+        </p:style>
+        <p:txBody>
+          <a:bodyPr rtlCol="0" anchor="ctr"/>
+          <a:lstStyle/>
+          <a:p>
+            <a:pPr algn="ctr"/>
+            <a:r>
+              <a:rPr lang="en-US" dirty="0"/>
+              <a:t>Heap</a:t>
+            </a:r>
+            <a:endParaRPr lang="en-IL" dirty="0"/>
+          </a:p>
+        </p:txBody>
+      </p:sp>
+      <p:sp>
+        <p:nvSpPr>
+          <p:cNvPr id="17" name="Rectangle 16">
+            <a:extLst>
+              <a:ext uri="{FF2B5EF4-FFF2-40B4-BE49-F238E27FC236}">
+                <a16:creationId xmlns:a16="http://schemas.microsoft.com/office/drawing/2014/main" id="{39126D1A-8995-4967-89D8-BA1D01EE6D2A}"/>
+              </a:ext>
+            </a:extLst>
+          </p:cNvPr>
+          <p:cNvSpPr/>
+          <p:nvPr/>
+        </p:nvSpPr>
+        <p:spPr>
+          <a:xfrm>
+            <a:off x="1631301" y="4484914"/>
+            <a:ext cx="2475722" cy="842872"/>
+          </a:xfrm>
+          <a:prstGeom prst="rect">
+            <a:avLst/>
+          </a:prstGeom>
+        </p:spPr>
+        <p:style>
+          <a:lnRef idx="1">
+            <a:schemeClr val="accent5"/>
+          </a:lnRef>
+          <a:fillRef idx="2">
+            <a:schemeClr val="accent5"/>
+          </a:fillRef>
+          <a:effectRef idx="1">
+            <a:schemeClr val="accent5"/>
+          </a:effectRef>
+          <a:fontRef idx="minor">
+            <a:schemeClr val="dk1"/>
+          </a:fontRef>
+        </p:style>
+        <p:txBody>
+          <a:bodyPr rtlCol="0" anchor="ctr"/>
+          <a:lstStyle/>
+          <a:p>
+            <a:pPr algn="ctr"/>
+            <a:r>
+              <a:rPr lang="en-US" dirty="0"/>
+              <a:t>Stack</a:t>
+            </a:r>
+            <a:endParaRPr lang="en-IL" dirty="0"/>
+          </a:p>
+        </p:txBody>
+      </p:sp>
+      <p:sp>
+        <p:nvSpPr>
+          <p:cNvPr id="19" name="Arrow: Down 18">
+            <a:extLst>
+              <a:ext uri="{FF2B5EF4-FFF2-40B4-BE49-F238E27FC236}">
+                <a16:creationId xmlns:a16="http://schemas.microsoft.com/office/drawing/2014/main" id="{6AF95CB5-EA3A-46AF-968B-586263D8A64B}"/>
+              </a:ext>
+            </a:extLst>
+          </p:cNvPr>
+          <p:cNvSpPr/>
+          <p:nvPr/>
+        </p:nvSpPr>
+        <p:spPr>
+          <a:xfrm rot="10800000">
+            <a:off x="2744754" y="4080585"/>
+            <a:ext cx="248816" cy="391885"/>
+          </a:xfrm>
+          <a:prstGeom prst="downArrow">
+            <a:avLst/>
+          </a:prstGeom>
+        </p:spPr>
+        <p:style>
+          <a:lnRef idx="2">
+            <a:schemeClr val="accent5">
+              <a:shade val="50000"/>
+            </a:schemeClr>
+          </a:lnRef>
+          <a:fillRef idx="1">
+            <a:schemeClr val="accent5"/>
+          </a:fillRef>
+          <a:effectRef idx="0">
+            <a:schemeClr val="accent5"/>
+          </a:effectRef>
+          <a:fontRef idx="minor">
+            <a:schemeClr val="lt1"/>
+          </a:fontRef>
+        </p:style>
+        <p:txBody>
+          <a:bodyPr rtlCol="0" anchor="ctr"/>
+          <a:lstStyle/>
+          <a:p>
+            <a:pPr algn="ctr"/>
+            <a:endParaRPr lang="en-IL"/>
+          </a:p>
+        </p:txBody>
+      </p:sp>
+      <p:sp>
+        <p:nvSpPr>
+          <p:cNvPr id="20" name="Arrow: Down 19">
+            <a:extLst>
+              <a:ext uri="{FF2B5EF4-FFF2-40B4-BE49-F238E27FC236}">
+                <a16:creationId xmlns:a16="http://schemas.microsoft.com/office/drawing/2014/main" id="{9143A9CD-4277-4A22-8A5F-93CD7C73A4F7}"/>
+              </a:ext>
+            </a:extLst>
+          </p:cNvPr>
+          <p:cNvSpPr/>
+          <p:nvPr/>
+        </p:nvSpPr>
+        <p:spPr>
+          <a:xfrm>
+            <a:off x="2744753" y="3343470"/>
+            <a:ext cx="248816" cy="409380"/>
+          </a:xfrm>
+          <a:prstGeom prst="downArrow">
+            <a:avLst/>
+          </a:prstGeom>
+        </p:spPr>
+        <p:style>
+          <a:lnRef idx="2">
+            <a:schemeClr val="accent5">
+              <a:shade val="50000"/>
+            </a:schemeClr>
+          </a:lnRef>
+          <a:fillRef idx="1">
+            <a:schemeClr val="accent5"/>
+          </a:fillRef>
+          <a:effectRef idx="0">
+            <a:schemeClr val="accent5"/>
+          </a:effectRef>
+          <a:fontRef idx="minor">
+            <a:schemeClr val="lt1"/>
+          </a:fontRef>
+        </p:style>
+        <p:txBody>
+          <a:bodyPr rtlCol="0" anchor="ctr"/>
+          <a:lstStyle/>
+          <a:p>
+            <a:pPr algn="ctr"/>
+            <a:endParaRPr lang="en-IL"/>
+          </a:p>
+        </p:txBody>
+      </p:sp>
+      <p:cxnSp>
+        <p:nvCxnSpPr>
+          <p:cNvPr id="21" name="Straight Arrow Connector 20">
+            <a:extLst>
+              <a:ext uri="{FF2B5EF4-FFF2-40B4-BE49-F238E27FC236}">
+                <a16:creationId xmlns:a16="http://schemas.microsoft.com/office/drawing/2014/main" id="{E05CC37D-C6EA-44B0-B782-BA763EB91AFB}"/>
+              </a:ext>
+            </a:extLst>
+          </p:cNvPr>
+          <p:cNvCxnSpPr>
+            <a:cxnSpLocks/>
+          </p:cNvCxnSpPr>
+          <p:nvPr/>
+        </p:nvCxnSpPr>
+        <p:spPr>
+          <a:xfrm flipH="1">
+            <a:off x="4223656" y="516298"/>
+            <a:ext cx="870858" cy="0"/>
+          </a:xfrm>
+          <a:prstGeom prst="straightConnector1">
+            <a:avLst/>
+          </a:prstGeom>
+          <a:ln>
+            <a:tailEnd type="triangle"/>
+          </a:ln>
+        </p:spPr>
+        <p:style>
+          <a:lnRef idx="3">
+            <a:schemeClr val="accent5"/>
+          </a:lnRef>
+          <a:fillRef idx="0">
+            <a:schemeClr val="accent5"/>
+          </a:fillRef>
+          <a:effectRef idx="2">
+            <a:schemeClr val="accent5"/>
+          </a:effectRef>
+          <a:fontRef idx="minor">
+            <a:schemeClr val="tx1"/>
+          </a:fontRef>
+        </p:style>
+      </p:cxnSp>
+      <p:sp>
+        <p:nvSpPr>
+          <p:cNvPr id="23" name="TextBox 22">
+            <a:extLst>
+              <a:ext uri="{FF2B5EF4-FFF2-40B4-BE49-F238E27FC236}">
+                <a16:creationId xmlns:a16="http://schemas.microsoft.com/office/drawing/2014/main" id="{B52D8154-4C0B-4868-8FEB-9DF05BD76605}"/>
+              </a:ext>
+            </a:extLst>
+          </p:cNvPr>
+          <p:cNvSpPr txBox="1"/>
+          <p:nvPr/>
+        </p:nvSpPr>
+        <p:spPr>
+          <a:xfrm>
+            <a:off x="4335622" y="466937"/>
+            <a:ext cx="1338380" cy="369332"/>
+          </a:xfrm>
+          <a:prstGeom prst="rect">
+            <a:avLst/>
+          </a:prstGeom>
+          <a:noFill/>
+        </p:spPr>
+        <p:txBody>
+          <a:bodyPr wrap="none" rtlCol="0">
+            <a:spAutoFit/>
+          </a:bodyPr>
+          <a:lstStyle/>
+          <a:p>
+            <a:r>
+              <a:rPr lang="en-US" dirty="0"/>
+              <a:t>Low Address</a:t>
+            </a:r>
+            <a:endParaRPr lang="en-IL" dirty="0"/>
+          </a:p>
+        </p:txBody>
+      </p:sp>
+      <p:cxnSp>
+        <p:nvCxnSpPr>
+          <p:cNvPr id="25" name="Straight Arrow Connector 24">
+            <a:extLst>
+              <a:ext uri="{FF2B5EF4-FFF2-40B4-BE49-F238E27FC236}">
+                <a16:creationId xmlns:a16="http://schemas.microsoft.com/office/drawing/2014/main" id="{3716DB47-8D58-490D-8C99-5EE7B10AB463}"/>
+              </a:ext>
+            </a:extLst>
+          </p:cNvPr>
+          <p:cNvCxnSpPr>
+            <a:cxnSpLocks/>
+          </p:cNvCxnSpPr>
+          <p:nvPr/>
+        </p:nvCxnSpPr>
+        <p:spPr>
+          <a:xfrm flipH="1">
+            <a:off x="4282750" y="5337121"/>
+            <a:ext cx="870858" cy="0"/>
+          </a:xfrm>
+          <a:prstGeom prst="straightConnector1">
+            <a:avLst/>
+          </a:prstGeom>
+          <a:ln>
+            <a:tailEnd type="triangle"/>
+          </a:ln>
+        </p:spPr>
+        <p:style>
+          <a:lnRef idx="3">
+            <a:schemeClr val="accent5"/>
+          </a:lnRef>
+          <a:fillRef idx="0">
+            <a:schemeClr val="accent5"/>
+          </a:fillRef>
+          <a:effectRef idx="2">
+            <a:schemeClr val="accent5"/>
+          </a:effectRef>
+          <a:fontRef idx="minor">
+            <a:schemeClr val="tx1"/>
+          </a:fontRef>
+        </p:style>
+      </p:cxnSp>
+      <p:sp>
+        <p:nvSpPr>
+          <p:cNvPr id="26" name="TextBox 25">
+            <a:extLst>
+              <a:ext uri="{FF2B5EF4-FFF2-40B4-BE49-F238E27FC236}">
+                <a16:creationId xmlns:a16="http://schemas.microsoft.com/office/drawing/2014/main" id="{2C999F91-DBF3-46AD-9026-FED179F1DC88}"/>
+              </a:ext>
+            </a:extLst>
+          </p:cNvPr>
+          <p:cNvSpPr txBox="1"/>
+          <p:nvPr/>
+        </p:nvSpPr>
+        <p:spPr>
+          <a:xfrm>
+            <a:off x="4335622" y="5000405"/>
+            <a:ext cx="1406154" cy="369332"/>
+          </a:xfrm>
+          <a:prstGeom prst="rect">
+            <a:avLst/>
+          </a:prstGeom>
+          <a:noFill/>
+        </p:spPr>
+        <p:txBody>
+          <a:bodyPr wrap="none" rtlCol="0">
+            <a:spAutoFit/>
+          </a:bodyPr>
+          <a:lstStyle/>
+          <a:p>
+            <a:r>
+              <a:rPr lang="en-US" dirty="0"/>
+              <a:t>High Address</a:t>
+            </a:r>
+            <a:endParaRPr lang="en-IL" dirty="0"/>
+          </a:p>
+        </p:txBody>
+      </p:sp>
+      <p:sp>
+        <p:nvSpPr>
+          <p:cNvPr id="28" name="Rectangle 27">
+            <a:extLst>
+              <a:ext uri="{FF2B5EF4-FFF2-40B4-BE49-F238E27FC236}">
+                <a16:creationId xmlns:a16="http://schemas.microsoft.com/office/drawing/2014/main" id="{3A98AFBC-310C-456C-B342-744A52D77A30}"/>
+              </a:ext>
+            </a:extLst>
+          </p:cNvPr>
+          <p:cNvSpPr/>
+          <p:nvPr/>
+        </p:nvSpPr>
+        <p:spPr>
+          <a:xfrm>
+            <a:off x="1631300" y="4484914"/>
+            <a:ext cx="2475722" cy="842872"/>
+          </a:xfrm>
+          <a:prstGeom prst="rect">
+            <a:avLst/>
+          </a:prstGeom>
+        </p:spPr>
+        <p:style>
+          <a:lnRef idx="1">
+            <a:schemeClr val="accent5"/>
+          </a:lnRef>
+          <a:fillRef idx="2">
+            <a:schemeClr val="accent5"/>
+          </a:fillRef>
+          <a:effectRef idx="1">
+            <a:schemeClr val="accent5"/>
+          </a:effectRef>
+          <a:fontRef idx="minor">
+            <a:schemeClr val="dk1"/>
+          </a:fontRef>
+        </p:style>
+        <p:txBody>
+          <a:bodyPr rtlCol="0" anchor="ctr"/>
+          <a:lstStyle/>
+          <a:p>
+            <a:pPr algn="ctr"/>
+            <a:endParaRPr lang="en-IL" dirty="0"/>
+          </a:p>
+        </p:txBody>
+      </p:sp>
+      <p:sp>
+        <p:nvSpPr>
+          <p:cNvPr id="29" name="Rectangle 28">
+            <a:extLst>
+              <a:ext uri="{FF2B5EF4-FFF2-40B4-BE49-F238E27FC236}">
+                <a16:creationId xmlns:a16="http://schemas.microsoft.com/office/drawing/2014/main" id="{67B9A5E2-4E8F-4904-83F3-416BD73160CC}"/>
+              </a:ext>
+            </a:extLst>
+          </p:cNvPr>
+          <p:cNvSpPr/>
+          <p:nvPr/>
+        </p:nvSpPr>
+        <p:spPr>
+          <a:xfrm>
+            <a:off x="1631300" y="1106782"/>
+            <a:ext cx="2485066" cy="859423"/>
+          </a:xfrm>
+          <a:prstGeom prst="rect">
+            <a:avLst/>
+          </a:prstGeom>
+        </p:spPr>
+        <p:style>
+          <a:lnRef idx="1">
+            <a:schemeClr val="accent2"/>
+          </a:lnRef>
+          <a:fillRef idx="2">
+            <a:schemeClr val="accent2"/>
+          </a:fillRef>
+          <a:effectRef idx="1">
+            <a:schemeClr val="accent2"/>
+          </a:effectRef>
+          <a:fontRef idx="minor">
+            <a:schemeClr val="dk1"/>
+          </a:fontRef>
+        </p:style>
+        <p:txBody>
+          <a:bodyPr rtlCol="0" anchor="ctr"/>
+          <a:lstStyle/>
+          <a:p>
+            <a:pPr algn="ctr"/>
+            <a:r>
+              <a:rPr lang="en-US" dirty="0"/>
+              <a:t>Function #3 stack frame</a:t>
+            </a:r>
+            <a:endParaRPr lang="en-IL" dirty="0"/>
+          </a:p>
+        </p:txBody>
+      </p:sp>
+      <p:sp>
+        <p:nvSpPr>
+          <p:cNvPr id="30" name="Rectangle 29">
+            <a:extLst>
+              <a:ext uri="{FF2B5EF4-FFF2-40B4-BE49-F238E27FC236}">
+                <a16:creationId xmlns:a16="http://schemas.microsoft.com/office/drawing/2014/main" id="{049316EF-F973-4F32-97A1-4193385BE3DC}"/>
+              </a:ext>
+            </a:extLst>
+          </p:cNvPr>
+          <p:cNvSpPr/>
+          <p:nvPr/>
+        </p:nvSpPr>
+        <p:spPr>
+          <a:xfrm>
+            <a:off x="1631299" y="1971875"/>
+            <a:ext cx="2485057" cy="2555057"/>
+          </a:xfrm>
+          <a:prstGeom prst="rect">
+            <a:avLst/>
+          </a:prstGeom>
+        </p:spPr>
+        <p:style>
+          <a:lnRef idx="1">
+            <a:schemeClr val="accent2"/>
+          </a:lnRef>
+          <a:fillRef idx="2">
+            <a:schemeClr val="accent2"/>
+          </a:fillRef>
+          <a:effectRef idx="1">
+            <a:schemeClr val="accent2"/>
+          </a:effectRef>
+          <a:fontRef idx="minor">
+            <a:schemeClr val="dk1"/>
+          </a:fontRef>
+        </p:style>
+        <p:txBody>
+          <a:bodyPr rtlCol="0" anchor="ctr"/>
+          <a:lstStyle/>
+          <a:p>
+            <a:pPr algn="ctr"/>
+            <a:r>
+              <a:rPr lang="en-US" dirty="0"/>
+              <a:t>Function #2 stack frame</a:t>
+            </a:r>
+            <a:endParaRPr lang="en-IL" dirty="0"/>
+          </a:p>
+        </p:txBody>
+      </p:sp>
+      <p:sp>
+        <p:nvSpPr>
+          <p:cNvPr id="31" name="Rectangle 30">
+            <a:extLst>
+              <a:ext uri="{FF2B5EF4-FFF2-40B4-BE49-F238E27FC236}">
+                <a16:creationId xmlns:a16="http://schemas.microsoft.com/office/drawing/2014/main" id="{4FAC1774-A1D4-4CC7-A92F-F54E756DAEE0}"/>
+              </a:ext>
+            </a:extLst>
+          </p:cNvPr>
+          <p:cNvSpPr/>
+          <p:nvPr/>
+        </p:nvSpPr>
+        <p:spPr>
+          <a:xfrm>
+            <a:off x="1631300" y="4526932"/>
+            <a:ext cx="2485066" cy="759432"/>
+          </a:xfrm>
+          <a:prstGeom prst="rect">
+            <a:avLst/>
+          </a:prstGeom>
+        </p:spPr>
+        <p:style>
+          <a:lnRef idx="1">
+            <a:schemeClr val="accent2"/>
+          </a:lnRef>
+          <a:fillRef idx="2">
+            <a:schemeClr val="accent2"/>
+          </a:fillRef>
+          <a:effectRef idx="1">
+            <a:schemeClr val="accent2"/>
+          </a:effectRef>
+          <a:fontRef idx="minor">
+            <a:schemeClr val="dk1"/>
+          </a:fontRef>
+        </p:style>
+        <p:txBody>
+          <a:bodyPr rtlCol="0" anchor="ctr"/>
+          <a:lstStyle/>
+          <a:p>
+            <a:pPr algn="ctr"/>
+            <a:r>
+              <a:rPr lang="en-US" dirty="0"/>
+              <a:t>Function #1 stack frame</a:t>
+            </a:r>
+            <a:endParaRPr lang="en-IL" dirty="0"/>
+          </a:p>
+        </p:txBody>
+      </p:sp>
+      <p:sp>
+        <p:nvSpPr>
+          <p:cNvPr id="32" name="Rectangle 31">
+            <a:extLst>
+              <a:ext uri="{FF2B5EF4-FFF2-40B4-BE49-F238E27FC236}">
+                <a16:creationId xmlns:a16="http://schemas.microsoft.com/office/drawing/2014/main" id="{BA5BAB77-E6BE-4DB4-9F6F-D52B451F23CB}"/>
+              </a:ext>
+            </a:extLst>
+          </p:cNvPr>
+          <p:cNvSpPr/>
+          <p:nvPr/>
+        </p:nvSpPr>
+        <p:spPr>
+          <a:xfrm>
+            <a:off x="1631300" y="1973979"/>
+            <a:ext cx="2485066" cy="420331"/>
+          </a:xfrm>
+          <a:prstGeom prst="rect">
+            <a:avLst/>
+          </a:prstGeom>
+        </p:spPr>
+        <p:style>
+          <a:lnRef idx="1">
+            <a:schemeClr val="accent1"/>
+          </a:lnRef>
+          <a:fillRef idx="2">
+            <a:schemeClr val="accent1"/>
+          </a:fillRef>
+          <a:effectRef idx="1">
+            <a:schemeClr val="accent1"/>
+          </a:effectRef>
+          <a:fontRef idx="minor">
+            <a:schemeClr val="dk1"/>
+          </a:fontRef>
+        </p:style>
+        <p:txBody>
+          <a:bodyPr rtlCol="0" anchor="ctr"/>
+          <a:lstStyle/>
+          <a:p>
+            <a:pPr algn="ctr"/>
+            <a:r>
+              <a:rPr lang="en-US" dirty="0"/>
+              <a:t>some variable</a:t>
+            </a:r>
+            <a:endParaRPr lang="en-IL" dirty="0"/>
+          </a:p>
+        </p:txBody>
+      </p:sp>
+      <p:sp>
+        <p:nvSpPr>
+          <p:cNvPr id="33" name="Rectangle 32">
+            <a:extLst>
+              <a:ext uri="{FF2B5EF4-FFF2-40B4-BE49-F238E27FC236}">
+                <a16:creationId xmlns:a16="http://schemas.microsoft.com/office/drawing/2014/main" id="{64B907D0-0D42-451E-96E7-75D58B4C7307}"/>
+              </a:ext>
+            </a:extLst>
+          </p:cNvPr>
+          <p:cNvSpPr/>
+          <p:nvPr/>
+        </p:nvSpPr>
+        <p:spPr>
+          <a:xfrm>
+            <a:off x="1633404" y="2378642"/>
+            <a:ext cx="2482953" cy="438435"/>
+          </a:xfrm>
+          <a:prstGeom prst="rect">
+            <a:avLst/>
+          </a:prstGeom>
+        </p:spPr>
+        <p:style>
+          <a:lnRef idx="1">
+            <a:schemeClr val="accent1"/>
+          </a:lnRef>
+          <a:fillRef idx="2">
+            <a:schemeClr val="accent1"/>
+          </a:fillRef>
+          <a:effectRef idx="1">
+            <a:schemeClr val="accent1"/>
+          </a:effectRef>
+          <a:fontRef idx="minor">
+            <a:schemeClr val="dk1"/>
+          </a:fontRef>
+        </p:style>
+        <p:txBody>
+          <a:bodyPr rtlCol="0" anchor="ctr"/>
+          <a:lstStyle/>
+          <a:p>
+            <a:pPr algn="ctr"/>
+            <a:r>
+              <a:rPr lang="en-US" dirty="0"/>
+              <a:t>another variable</a:t>
+            </a:r>
+            <a:endParaRPr lang="en-IL" dirty="0"/>
+          </a:p>
+        </p:txBody>
+      </p:sp>
+      <p:sp>
+        <p:nvSpPr>
+          <p:cNvPr id="34" name="Rectangle 33">
+            <a:extLst>
+              <a:ext uri="{FF2B5EF4-FFF2-40B4-BE49-F238E27FC236}">
+                <a16:creationId xmlns:a16="http://schemas.microsoft.com/office/drawing/2014/main" id="{60AD6DE7-2062-4C97-ACA2-0E6ADD901A26}"/>
+              </a:ext>
+            </a:extLst>
+          </p:cNvPr>
+          <p:cNvSpPr/>
+          <p:nvPr/>
+        </p:nvSpPr>
+        <p:spPr>
+          <a:xfrm>
+            <a:off x="1633405" y="3657619"/>
+            <a:ext cx="2482953" cy="420331"/>
+          </a:xfrm>
+          <a:prstGeom prst="rect">
+            <a:avLst/>
+          </a:prstGeom>
+        </p:spPr>
+        <p:style>
+          <a:lnRef idx="1">
+            <a:schemeClr val="accent1"/>
+          </a:lnRef>
+          <a:fillRef idx="2">
+            <a:schemeClr val="accent1"/>
+          </a:fillRef>
+          <a:effectRef idx="1">
+            <a:schemeClr val="accent1"/>
+          </a:effectRef>
+          <a:fontRef idx="minor">
+            <a:schemeClr val="dk1"/>
+          </a:fontRef>
+        </p:style>
+        <p:txBody>
+          <a:bodyPr rtlCol="0" anchor="ctr"/>
+          <a:lstStyle/>
+          <a:p>
+            <a:pPr algn="ctr"/>
+            <a:r>
+              <a:rPr lang="en-US" dirty="0"/>
+              <a:t>Saved stack pointer</a:t>
+            </a:r>
+            <a:endParaRPr lang="en-IL" dirty="0"/>
+          </a:p>
+        </p:txBody>
+      </p:sp>
+      <p:sp>
+        <p:nvSpPr>
+          <p:cNvPr id="35" name="Rectangle 34">
+            <a:extLst>
+              <a:ext uri="{FF2B5EF4-FFF2-40B4-BE49-F238E27FC236}">
+                <a16:creationId xmlns:a16="http://schemas.microsoft.com/office/drawing/2014/main" id="{FDF9DD28-346C-4B5F-9E87-A227BEA28088}"/>
+              </a:ext>
+            </a:extLst>
+          </p:cNvPr>
+          <p:cNvSpPr/>
+          <p:nvPr/>
+        </p:nvSpPr>
+        <p:spPr>
+          <a:xfrm>
+            <a:off x="1631290" y="4061948"/>
+            <a:ext cx="2485066" cy="452540"/>
+          </a:xfrm>
+          <a:prstGeom prst="rect">
+            <a:avLst/>
+          </a:prstGeom>
+        </p:spPr>
+        <p:style>
+          <a:lnRef idx="1">
+            <a:schemeClr val="accent1"/>
+          </a:lnRef>
+          <a:fillRef idx="2">
+            <a:schemeClr val="accent1"/>
+          </a:fillRef>
+          <a:effectRef idx="1">
+            <a:schemeClr val="accent1"/>
+          </a:effectRef>
+          <a:fontRef idx="minor">
+            <a:schemeClr val="dk1"/>
+          </a:fontRef>
+        </p:style>
+        <p:txBody>
+          <a:bodyPr rtlCol="0" anchor="ctr"/>
+          <a:lstStyle/>
+          <a:p>
+            <a:pPr algn="ctr"/>
+            <a:r>
+              <a:rPr lang="en-US" dirty="0"/>
+              <a:t>Saved return address</a:t>
+            </a:r>
+            <a:endParaRPr lang="en-IL" dirty="0"/>
+          </a:p>
+        </p:txBody>
+      </p:sp>
+      <p:sp>
+        <p:nvSpPr>
+          <p:cNvPr id="36" name="Rectangle 35">
+            <a:extLst>
+              <a:ext uri="{FF2B5EF4-FFF2-40B4-BE49-F238E27FC236}">
+                <a16:creationId xmlns:a16="http://schemas.microsoft.com/office/drawing/2014/main" id="{519DD4B2-39EF-460A-9696-D12B9C0DDFF9}"/>
+              </a:ext>
+            </a:extLst>
+          </p:cNvPr>
+          <p:cNvSpPr/>
+          <p:nvPr/>
+        </p:nvSpPr>
+        <p:spPr>
+          <a:xfrm>
+            <a:off x="1633405" y="2806747"/>
+            <a:ext cx="2482953" cy="848237"/>
+          </a:xfrm>
+          <a:prstGeom prst="rect">
+            <a:avLst/>
+          </a:prstGeom>
+        </p:spPr>
+        <p:style>
+          <a:lnRef idx="1">
+            <a:schemeClr val="accent1"/>
+          </a:lnRef>
+          <a:fillRef idx="2">
+            <a:schemeClr val="accent1"/>
+          </a:fillRef>
+          <a:effectRef idx="1">
+            <a:schemeClr val="accent1"/>
+          </a:effectRef>
+          <a:fontRef idx="minor">
+            <a:schemeClr val="dk1"/>
+          </a:fontRef>
+        </p:style>
+        <p:txBody>
+          <a:bodyPr rtlCol="0" anchor="ctr"/>
+          <a:lstStyle/>
+          <a:p>
+            <a:pPr algn="ctr"/>
+            <a:r>
+              <a:rPr lang="en-US" dirty="0"/>
+              <a:t>buffer</a:t>
+            </a:r>
+            <a:endParaRPr lang="en-IL" dirty="0"/>
+          </a:p>
+        </p:txBody>
+      </p:sp>
+      <p:sp>
+        <p:nvSpPr>
+          <p:cNvPr id="24" name="Arrow: Down 23">
+            <a:extLst>
+              <a:ext uri="{FF2B5EF4-FFF2-40B4-BE49-F238E27FC236}">
+                <a16:creationId xmlns:a16="http://schemas.microsoft.com/office/drawing/2014/main" id="{9CFCE131-6463-4922-8748-1BB28D5E220F}"/>
+              </a:ext>
+            </a:extLst>
+          </p:cNvPr>
+          <p:cNvSpPr/>
+          <p:nvPr/>
+        </p:nvSpPr>
+        <p:spPr>
+          <a:xfrm rot="10800000">
+            <a:off x="2712576" y="723404"/>
+            <a:ext cx="317379" cy="369332"/>
+          </a:xfrm>
+          <a:prstGeom prst="downArrow">
+            <a:avLst/>
+          </a:prstGeom>
+        </p:spPr>
+        <p:style>
+          <a:lnRef idx="2">
+            <a:schemeClr val="accent2">
+              <a:shade val="50000"/>
+            </a:schemeClr>
+          </a:lnRef>
+          <a:fillRef idx="1">
+            <a:schemeClr val="accent2"/>
+          </a:fillRef>
+          <a:effectRef idx="0">
+            <a:schemeClr val="accent2"/>
+          </a:effectRef>
+          <a:fontRef idx="minor">
+            <a:schemeClr val="lt1"/>
+          </a:fontRef>
+        </p:style>
+        <p:txBody>
+          <a:bodyPr rtlCol="0" anchor="ctr"/>
+          <a:lstStyle/>
+          <a:p>
+            <a:pPr algn="ctr"/>
+            <a:endParaRPr lang="en-IL"/>
+          </a:p>
+        </p:txBody>
+      </p:sp>
+    </p:spTree>
+    <p:extLst>
+      <p:ext uri="{BB962C8B-B14F-4D97-AF65-F5344CB8AC3E}">
+        <p14:creationId xmlns:p14="http://schemas.microsoft.com/office/powerpoint/2010/main" val="2142248560"/>
+      </p:ext>
+    </p:extLst>
+  </p:cSld>
+  <p:clrMapOvr>
+    <a:masterClrMapping/>
+  </p:clrMapOvr>
+  <mc:AlternateContent xmlns:mc="http://schemas.openxmlformats.org/markup-compatibility/2006" xmlns:p14="http://schemas.microsoft.com/office/powerpoint/2010/main">
+    <mc:Choice Requires="p14">
+      <p:transition spd="slow" p14:dur="2000" advClick="0"/>
+    </mc:Choice>
+    <mc:Fallback xmlns="">
+      <p:transition spd="slow" advClick="0"/>
+    </mc:Fallback>
+  </mc:AlternateContent>
+  <p:timing>
+    <p:tnLst>
+      <p:par>
+        <p:cTn id="1" dur="indefinite" restart="never" nodeType="tmRoot">
+          <p:childTnLst>
+            <p:seq concurrent="1" nextAc="seek">
+              <p:cTn id="2" dur="indefinite" nodeType="mainSeq">
+                <p:childTnLst>
+                  <p:par>
+                    <p:cTn id="3" fill="hold">
+                      <p:stCondLst>
+                        <p:cond delay="indefinite"/>
+                      </p:stCondLst>
+                      <p:childTnLst>
+                        <p:par>
+                          <p:cTn id="4" fill="hold">
+                            <p:stCondLst>
+                              <p:cond delay="0"/>
+                            </p:stCondLst>
+                            <p:childTnLst>
+                              <p:par>
+                                <p:cTn id="5" presetID="1" presetClass="entr" presetSubtype="0" fill="hold" grpId="2" nodeType="clickEffect">
+                                  <p:stCondLst>
+                                    <p:cond delay="0"/>
+                                  </p:stCondLst>
+                                  <p:childTnLst>
+                                    <p:set>
+                                      <p:cBhvr>
+                                        <p:cTn id="6" dur="1" fill="hold">
+                                          <p:stCondLst>
+                                            <p:cond delay="0"/>
+                                          </p:stCondLst>
+                                        </p:cTn>
+                                        <p:tgtEl>
+                                          <p:spTgt spid="28"/>
+                                        </p:tgtEl>
+                                        <p:attrNameLst>
+                                          <p:attrName>style.visibility</p:attrName>
+                                        </p:attrNameLst>
+                                      </p:cBhvr>
+                                      <p:to>
+                                        <p:strVal val="visible"/>
+                                      </p:to>
+                                    </p:set>
+                                  </p:childTnLst>
+                                </p:cTn>
+                              </p:par>
+                              <p:par>
+                                <p:cTn id="7" presetID="6" presetClass="emph" presetSubtype="0" fill="hold" grpId="0" nodeType="withEffect">
+                                  <p:stCondLst>
+                                    <p:cond delay="0"/>
+                                  </p:stCondLst>
+                                  <p:childTnLst>
+                                    <p:animScale>
+                                      <p:cBhvr>
+                                        <p:cTn id="8" dur="2000" fill="hold"/>
+                                        <p:tgtEl>
+                                          <p:spTgt spid="28"/>
+                                        </p:tgtEl>
+                                      </p:cBhvr>
+                                      <p:by x="100000" y="630000"/>
+                                    </p:animScale>
+                                  </p:childTnLst>
+                                </p:cTn>
+                              </p:par>
+                              <p:par>
+                                <p:cTn id="9" presetID="42" presetClass="path" presetSubtype="0" accel="50000" decel="50000" fill="hold" grpId="1" nodeType="withEffect">
+                                  <p:stCondLst>
+                                    <p:cond delay="0"/>
+                                  </p:stCondLst>
+                                  <p:childTnLst>
+                                    <p:animMotion origin="layout" path="M 3.54167E-6 2.22222E-6 L 0.00078 -0.24537 " pathEditMode="relative" rAng="0" ptsTypes="AA">
+                                      <p:cBhvr>
+                                        <p:cTn id="10" dur="2000" fill="hold"/>
+                                        <p:tgtEl>
+                                          <p:spTgt spid="28"/>
+                                        </p:tgtEl>
+                                        <p:attrNameLst>
+                                          <p:attrName>ppt_x</p:attrName>
+                                          <p:attrName>ppt_y</p:attrName>
+                                        </p:attrNameLst>
+                                      </p:cBhvr>
+                                      <p:rCtr x="39" y="-12269"/>
+                                    </p:animMotion>
+                                  </p:childTnLst>
+                                </p:cTn>
+                              </p:par>
+                            </p:childTnLst>
+                          </p:cTn>
+                        </p:par>
+                        <p:par>
+                          <p:cTn id="11" fill="hold">
+                            <p:stCondLst>
+                              <p:cond delay="2000"/>
+                            </p:stCondLst>
+                            <p:childTnLst>
+                              <p:par>
+                                <p:cTn id="12" presetID="16" presetClass="entr" presetSubtype="21" fill="hold" grpId="0" nodeType="afterEffect">
+                                  <p:stCondLst>
+                                    <p:cond delay="0"/>
+                                  </p:stCondLst>
+                                  <p:childTnLst>
+                                    <p:set>
+                                      <p:cBhvr>
+                                        <p:cTn id="13" dur="1" fill="hold">
+                                          <p:stCondLst>
+                                            <p:cond delay="0"/>
+                                          </p:stCondLst>
+                                        </p:cTn>
+                                        <p:tgtEl>
+                                          <p:spTgt spid="29"/>
+                                        </p:tgtEl>
+                                        <p:attrNameLst>
+                                          <p:attrName>style.visibility</p:attrName>
+                                        </p:attrNameLst>
+                                      </p:cBhvr>
+                                      <p:to>
+                                        <p:strVal val="visible"/>
+                                      </p:to>
+                                    </p:set>
+                                    <p:animEffect transition="in" filter="barn(inVertical)">
+                                      <p:cBhvr>
+                                        <p:cTn id="14" dur="500"/>
+                                        <p:tgtEl>
+                                          <p:spTgt spid="29"/>
+                                        </p:tgtEl>
+                                      </p:cBhvr>
+                                    </p:animEffect>
+                                  </p:childTnLst>
+                                </p:cTn>
+                              </p:par>
+                              <p:par>
+                                <p:cTn id="15" presetID="16" presetClass="entr" presetSubtype="21" fill="hold" grpId="0" nodeType="withEffect">
+                                  <p:stCondLst>
+                                    <p:cond delay="0"/>
+                                  </p:stCondLst>
+                                  <p:childTnLst>
+                                    <p:set>
+                                      <p:cBhvr>
+                                        <p:cTn id="16" dur="1" fill="hold">
+                                          <p:stCondLst>
+                                            <p:cond delay="0"/>
+                                          </p:stCondLst>
+                                        </p:cTn>
+                                        <p:tgtEl>
+                                          <p:spTgt spid="30"/>
+                                        </p:tgtEl>
+                                        <p:attrNameLst>
+                                          <p:attrName>style.visibility</p:attrName>
+                                        </p:attrNameLst>
+                                      </p:cBhvr>
+                                      <p:to>
+                                        <p:strVal val="visible"/>
+                                      </p:to>
+                                    </p:set>
+                                    <p:animEffect transition="in" filter="barn(inVertical)">
+                                      <p:cBhvr>
+                                        <p:cTn id="17" dur="500"/>
+                                        <p:tgtEl>
+                                          <p:spTgt spid="30"/>
+                                        </p:tgtEl>
+                                      </p:cBhvr>
+                                    </p:animEffect>
+                                  </p:childTnLst>
+                                </p:cTn>
+                              </p:par>
+                              <p:par>
+                                <p:cTn id="18" presetID="16" presetClass="entr" presetSubtype="21" fill="hold" grpId="0" nodeType="withEffect">
+                                  <p:stCondLst>
+                                    <p:cond delay="0"/>
+                                  </p:stCondLst>
+                                  <p:childTnLst>
+                                    <p:set>
+                                      <p:cBhvr>
+                                        <p:cTn id="19" dur="1" fill="hold">
+                                          <p:stCondLst>
+                                            <p:cond delay="0"/>
+                                          </p:stCondLst>
+                                        </p:cTn>
+                                        <p:tgtEl>
+                                          <p:spTgt spid="31"/>
+                                        </p:tgtEl>
+                                        <p:attrNameLst>
+                                          <p:attrName>style.visibility</p:attrName>
+                                        </p:attrNameLst>
+                                      </p:cBhvr>
+                                      <p:to>
+                                        <p:strVal val="visible"/>
+                                      </p:to>
+                                    </p:set>
+                                    <p:animEffect transition="in" filter="barn(inVertical)">
+                                      <p:cBhvr>
+                                        <p:cTn id="20" dur="500"/>
+                                        <p:tgtEl>
+                                          <p:spTgt spid="31"/>
+                                        </p:tgtEl>
+                                      </p:cBhvr>
+                                    </p:animEffect>
+                                  </p:childTnLst>
+                                </p:cTn>
+                              </p:par>
+                              <p:par>
+                                <p:cTn id="21" presetID="16" presetClass="entr" presetSubtype="21" fill="hold" grpId="0" nodeType="withEffect">
+                                  <p:stCondLst>
+                                    <p:cond delay="0"/>
+                                  </p:stCondLst>
+                                  <p:childTnLst>
+                                    <p:set>
+                                      <p:cBhvr>
+                                        <p:cTn id="22" dur="1" fill="hold">
+                                          <p:stCondLst>
+                                            <p:cond delay="0"/>
+                                          </p:stCondLst>
+                                        </p:cTn>
+                                        <p:tgtEl>
+                                          <p:spTgt spid="24"/>
+                                        </p:tgtEl>
+                                        <p:attrNameLst>
+                                          <p:attrName>style.visibility</p:attrName>
+                                        </p:attrNameLst>
+                                      </p:cBhvr>
+                                      <p:to>
+                                        <p:strVal val="visible"/>
+                                      </p:to>
+                                    </p:set>
+                                    <p:animEffect transition="in" filter="barn(inVertical)">
+                                      <p:cBhvr>
+                                        <p:cTn id="23" dur="500"/>
+                                        <p:tgtEl>
+                                          <p:spTgt spid="24"/>
+                                        </p:tgtEl>
+                                      </p:cBhvr>
+                                    </p:animEffect>
+                                  </p:childTnLst>
+                                </p:cTn>
+                              </p:par>
+                            </p:childTnLst>
+                          </p:cTn>
+                        </p:par>
+                      </p:childTnLst>
+                    </p:cTn>
+                  </p:par>
+                  <p:par>
+                    <p:cTn id="24" fill="hold">
+                      <p:stCondLst>
+                        <p:cond delay="indefinite"/>
+                      </p:stCondLst>
+                      <p:childTnLst>
+                        <p:par>
+                          <p:cTn id="25" fill="hold">
+                            <p:stCondLst>
+                              <p:cond delay="0"/>
+                            </p:stCondLst>
+                            <p:childTnLst>
+                              <p:par>
+                                <p:cTn id="26" presetID="22" presetClass="entr" presetSubtype="4" fill="hold" grpId="0" nodeType="clickEffect">
+                                  <p:stCondLst>
+                                    <p:cond delay="0"/>
+                                  </p:stCondLst>
+                                  <p:childTnLst>
+                                    <p:set>
+                                      <p:cBhvr>
+                                        <p:cTn id="27" dur="1" fill="hold">
+                                          <p:stCondLst>
+                                            <p:cond delay="0"/>
+                                          </p:stCondLst>
+                                        </p:cTn>
+                                        <p:tgtEl>
+                                          <p:spTgt spid="32"/>
+                                        </p:tgtEl>
+                                        <p:attrNameLst>
+                                          <p:attrName>style.visibility</p:attrName>
+                                        </p:attrNameLst>
+                                      </p:cBhvr>
+                                      <p:to>
+                                        <p:strVal val="visible"/>
+                                      </p:to>
+                                    </p:set>
+                                    <p:animEffect transition="in" filter="wipe(down)">
+                                      <p:cBhvr>
+                                        <p:cTn id="28" dur="500"/>
+                                        <p:tgtEl>
+                                          <p:spTgt spid="32"/>
+                                        </p:tgtEl>
+                                      </p:cBhvr>
+                                    </p:animEffect>
+                                  </p:childTnLst>
+                                </p:cTn>
+                              </p:par>
+                              <p:par>
+                                <p:cTn id="29" presetID="22" presetClass="entr" presetSubtype="4" fill="hold" grpId="0" nodeType="withEffect">
+                                  <p:stCondLst>
+                                    <p:cond delay="0"/>
+                                  </p:stCondLst>
+                                  <p:childTnLst>
+                                    <p:set>
+                                      <p:cBhvr>
+                                        <p:cTn id="30" dur="1" fill="hold">
+                                          <p:stCondLst>
+                                            <p:cond delay="0"/>
+                                          </p:stCondLst>
+                                        </p:cTn>
+                                        <p:tgtEl>
+                                          <p:spTgt spid="33"/>
+                                        </p:tgtEl>
+                                        <p:attrNameLst>
+                                          <p:attrName>style.visibility</p:attrName>
+                                        </p:attrNameLst>
+                                      </p:cBhvr>
+                                      <p:to>
+                                        <p:strVal val="visible"/>
+                                      </p:to>
+                                    </p:set>
+                                    <p:animEffect transition="in" filter="wipe(down)">
+                                      <p:cBhvr>
+                                        <p:cTn id="31" dur="500"/>
+                                        <p:tgtEl>
+                                          <p:spTgt spid="33"/>
+                                        </p:tgtEl>
+                                      </p:cBhvr>
+                                    </p:animEffect>
+                                  </p:childTnLst>
+                                </p:cTn>
+                              </p:par>
+                              <p:par>
+                                <p:cTn id="32" presetID="22" presetClass="entr" presetSubtype="4" fill="hold" grpId="0" nodeType="withEffect">
+                                  <p:stCondLst>
+                                    <p:cond delay="0"/>
+                                  </p:stCondLst>
+                                  <p:childTnLst>
+                                    <p:set>
+                                      <p:cBhvr>
+                                        <p:cTn id="33" dur="1" fill="hold">
+                                          <p:stCondLst>
+                                            <p:cond delay="0"/>
+                                          </p:stCondLst>
+                                        </p:cTn>
+                                        <p:tgtEl>
+                                          <p:spTgt spid="36"/>
+                                        </p:tgtEl>
+                                        <p:attrNameLst>
+                                          <p:attrName>style.visibility</p:attrName>
+                                        </p:attrNameLst>
+                                      </p:cBhvr>
+                                      <p:to>
+                                        <p:strVal val="visible"/>
+                                      </p:to>
+                                    </p:set>
+                                    <p:animEffect transition="in" filter="wipe(down)">
+                                      <p:cBhvr>
+                                        <p:cTn id="34" dur="500"/>
+                                        <p:tgtEl>
+                                          <p:spTgt spid="36"/>
+                                        </p:tgtEl>
+                                      </p:cBhvr>
+                                    </p:animEffect>
+                                  </p:childTnLst>
+                                </p:cTn>
+                              </p:par>
+                              <p:par>
+                                <p:cTn id="35" presetID="22" presetClass="entr" presetSubtype="4" fill="hold" grpId="0" nodeType="withEffect">
+                                  <p:stCondLst>
+                                    <p:cond delay="0"/>
+                                  </p:stCondLst>
+                                  <p:childTnLst>
+                                    <p:set>
+                                      <p:cBhvr>
+                                        <p:cTn id="36" dur="1" fill="hold">
+                                          <p:stCondLst>
+                                            <p:cond delay="0"/>
+                                          </p:stCondLst>
+                                        </p:cTn>
+                                        <p:tgtEl>
+                                          <p:spTgt spid="34"/>
+                                        </p:tgtEl>
+                                        <p:attrNameLst>
+                                          <p:attrName>style.visibility</p:attrName>
+                                        </p:attrNameLst>
+                                      </p:cBhvr>
+                                      <p:to>
+                                        <p:strVal val="visible"/>
+                                      </p:to>
+                                    </p:set>
+                                    <p:animEffect transition="in" filter="wipe(down)">
+                                      <p:cBhvr>
+                                        <p:cTn id="37" dur="500"/>
+                                        <p:tgtEl>
+                                          <p:spTgt spid="34"/>
+                                        </p:tgtEl>
+                                      </p:cBhvr>
+                                    </p:animEffect>
+                                  </p:childTnLst>
+                                </p:cTn>
+                              </p:par>
+                              <p:par>
+                                <p:cTn id="38" presetID="22" presetClass="entr" presetSubtype="4" fill="hold" grpId="0" nodeType="withEffect">
+                                  <p:stCondLst>
+                                    <p:cond delay="0"/>
+                                  </p:stCondLst>
+                                  <p:childTnLst>
+                                    <p:set>
+                                      <p:cBhvr>
+                                        <p:cTn id="39" dur="1" fill="hold">
+                                          <p:stCondLst>
+                                            <p:cond delay="0"/>
+                                          </p:stCondLst>
+                                        </p:cTn>
+                                        <p:tgtEl>
+                                          <p:spTgt spid="35"/>
+                                        </p:tgtEl>
+                                        <p:attrNameLst>
+                                          <p:attrName>style.visibility</p:attrName>
+                                        </p:attrNameLst>
+                                      </p:cBhvr>
+                                      <p:to>
+                                        <p:strVal val="visible"/>
+                                      </p:to>
+                                    </p:set>
+                                    <p:animEffect transition="in" filter="wipe(down)">
+                                      <p:cBhvr>
+                                        <p:cTn id="40" dur="500"/>
+                                        <p:tgtEl>
+                                          <p:spTgt spid="35"/>
+                                        </p:tgtEl>
+                                      </p:cBhvr>
+                                    </p:animEffect>
+                                  </p:childTnLst>
+                                </p:cTn>
+                              </p:par>
+                            </p:childTnLst>
+                          </p:cTn>
+                        </p:par>
+                      </p:childTnLst>
+                    </p:cTn>
+                  </p:par>
+                </p:childTnLst>
+              </p:cTn>
+              <p:prevCondLst>
+                <p:cond evt="onPrev" delay="0">
+                  <p:tgtEl>
+                    <p:sldTgt/>
+                  </p:tgtEl>
+                </p:cond>
+              </p:prevCondLst>
+              <p:nextCondLst>
+                <p:cond evt="onNext" delay="0">
+                  <p:tgtEl>
+                    <p:sldTgt/>
+                  </p:tgtEl>
+                </p:cond>
+              </p:nextCondLst>
+            </p:seq>
+          </p:childTnLst>
+        </p:cTn>
+      </p:par>
+    </p:tnLst>
+    <p:bldLst>
+      <p:bldP spid="28" grpId="0" animBg="1"/>
+      <p:bldP spid="28" grpId="1" animBg="1"/>
+      <p:bldP spid="28" grpId="2" animBg="1"/>
+      <p:bldP spid="29" grpId="0" animBg="1"/>
+      <p:bldP spid="30" grpId="0" animBg="1"/>
+      <p:bldP spid="31" grpId="0" animBg="1"/>
+      <p:bldP spid="32" grpId="0" animBg="1"/>
+      <p:bldP spid="33" grpId="0" animBg="1"/>
+      <p:bldP spid="34" grpId="0" animBg="1"/>
+      <p:bldP spid="35" grpId="0" animBg="1"/>
+      <p:bldP spid="36" grpId="0" animBg="1"/>
+      <p:bldP spid="24" grpId="0" animBg="1"/>
+    </p:bldLst>
+  </p:timing>
+</p:sld>
+</file>
+
+<file path=ppt/slides/slide40.xml><?xml version="1.0" encoding="utf-8"?>
 <p:sld xmlns:a="http://schemas.openxmlformats.org/drawingml/2006/main" xmlns:r="http://schemas.openxmlformats.org/officeDocument/2006/relationships" xmlns:p="http://schemas.openxmlformats.org/presentationml/2006/main">
   <p:cSld>
     <p:spTree>
@@ -29663,24 +34080,34 @@
           </a:bodyPr>
           <a:lstStyle/>
           <a:p>
-            <a:pPr algn="l"/>
+            <a:pPr algn="r" rtl="1"/>
+            <a:r>
+              <a:rPr lang="he-IL" sz="2000" dirty="0"/>
+              <a:t>רשימת המקורות מופיעה בעבודת הסמינר.</a:t>
+            </a:r>
+          </a:p>
+          <a:p>
+            <a:pPr algn="r" rtl="1"/>
+            <a:r>
+              <a:rPr lang="he-IL" sz="2000" dirty="0"/>
+              <a:t>נלקחו תמונות נוספות מ-</a:t>
+            </a:r>
             <a:r>
               <a:rPr lang="en-US" sz="2000" dirty="0"/>
-              <a:t>Beej's Guide to Network Programming</a:t>
-            </a:r>
-          </a:p>
-          <a:p>
-            <a:r>
-              <a:rPr lang="en-US" sz="2000" dirty="0"/>
-              <a:t>Advanced Programming in the UNIX ® Environment</a:t>
-            </a:r>
+              <a:t>Wikipedia</a:t>
+            </a:r>
+            <a:r>
+              <a:rPr lang="he-IL" sz="2000" dirty="0"/>
+              <a:t>.</a:t>
+            </a:r>
+            <a:endParaRPr lang="en-US" sz="2000" dirty="0"/>
           </a:p>
           <a:p>
             <a:r>
               <a:rPr lang="en-US" sz="2000" dirty="0">
                 <a:solidFill>
                   <a:schemeClr val="bg2">
-                    <a:lumMod val="75000"/>
+                    <a:lumMod val="50000"/>
                   </a:schemeClr>
                 </a:solidFill>
                 <a:hlinkClick r:id="rId3">
@@ -29691,12 +34118,24 @@
                   </a:extLst>
                 </a:hlinkClick>
               </a:rPr>
-              <a:t>https://github.com/amit-sides/MultithreadedServers</a:t>
+              <a:t>https://github.com/amit-sides/Seminar</a:t>
             </a:r>
             <a:br>
-              <a:rPr lang="en-US" sz="1400" dirty="0"/>
+              <a:rPr lang="en-US" sz="1400" dirty="0">
+                <a:solidFill>
+                  <a:schemeClr val="bg2">
+                    <a:lumMod val="50000"/>
+                  </a:schemeClr>
+                </a:solidFill>
+              </a:rPr>
             </a:br>
-            <a:endParaRPr lang="en-US" sz="1800" dirty="0"/>
+            <a:endParaRPr lang="en-US" sz="1800" dirty="0">
+              <a:solidFill>
+                <a:schemeClr val="bg2">
+                  <a:lumMod val="50000"/>
+                </a:schemeClr>
+              </a:solidFill>
+            </a:endParaRPr>
           </a:p>
           <a:p>
             <a:endParaRPr lang="en-IL" sz="1800" dirty="0"/>
@@ -30897,1677 +35336,6 @@
     </p:tnLst>
     <p:bldLst>
       <p:bldP spid="45" grpId="0"/>
-    </p:bldLst>
-  </p:timing>
-</p:sld>
-</file>
-
-<file path=ppt/slides/slide4.xml><?xml version="1.0" encoding="utf-8"?>
-<p:sld xmlns:a="http://schemas.openxmlformats.org/drawingml/2006/main" xmlns:r="http://schemas.openxmlformats.org/officeDocument/2006/relationships" xmlns:p="http://schemas.openxmlformats.org/presentationml/2006/main">
-  <p:cSld>
-    <p:spTree>
-      <p:nvGrpSpPr>
-        <p:cNvPr id="1" name=""/>
-        <p:cNvGrpSpPr/>
-        <p:nvPr/>
-      </p:nvGrpSpPr>
-      <p:grpSpPr>
-        <a:xfrm>
-          <a:off x="0" y="0"/>
-          <a:ext cx="0" cy="0"/>
-          <a:chOff x="0" y="0"/>
-          <a:chExt cx="0" cy="0"/>
-        </a:xfrm>
-      </p:grpSpPr>
-      <p:sp>
-        <p:nvSpPr>
-          <p:cNvPr id="27" name="Rectangle 26">
-            <a:extLst>
-              <a:ext uri="{FF2B5EF4-FFF2-40B4-BE49-F238E27FC236}">
-                <a16:creationId xmlns:a16="http://schemas.microsoft.com/office/drawing/2014/main" id="{64C76D42-2200-4A13-AFFB-0F543F6A81AE}"/>
-              </a:ext>
-            </a:extLst>
-          </p:cNvPr>
-          <p:cNvSpPr/>
-          <p:nvPr/>
-        </p:nvSpPr>
-        <p:spPr>
-          <a:xfrm>
-            <a:off x="5741776" y="171465"/>
-            <a:ext cx="5361617" cy="664803"/>
-          </a:xfrm>
-          <a:prstGeom prst="rect">
-            <a:avLst/>
-          </a:prstGeom>
-        </p:spPr>
-        <p:style>
-          <a:lnRef idx="1">
-            <a:schemeClr val="accent5"/>
-          </a:lnRef>
-          <a:fillRef idx="2">
-            <a:schemeClr val="accent5"/>
-          </a:fillRef>
-          <a:effectRef idx="1">
-            <a:schemeClr val="accent5"/>
-          </a:effectRef>
-          <a:fontRef idx="minor">
-            <a:schemeClr val="dk1"/>
-          </a:fontRef>
-        </p:style>
-        <p:txBody>
-          <a:bodyPr rtlCol="0" anchor="ctr"/>
-          <a:lstStyle/>
-          <a:p>
-            <a:pPr algn="ctr"/>
-            <a:endParaRPr lang="en-IL" dirty="0"/>
-          </a:p>
-        </p:txBody>
-      </p:sp>
-      <p:sp>
-        <p:nvSpPr>
-          <p:cNvPr id="16" name="Rectangle 15">
-            <a:extLst>
-              <a:ext uri="{FF2B5EF4-FFF2-40B4-BE49-F238E27FC236}">
-                <a16:creationId xmlns:a16="http://schemas.microsoft.com/office/drawing/2014/main" id="{55744BC2-89C2-41C8-96DE-3198F96EACFC}"/>
-              </a:ext>
-            </a:extLst>
-          </p:cNvPr>
-          <p:cNvSpPr/>
-          <p:nvPr/>
-        </p:nvSpPr>
-        <p:spPr>
-          <a:xfrm>
-            <a:off x="1514669" y="454089"/>
-            <a:ext cx="2708987" cy="5629469"/>
-          </a:xfrm>
-          <a:prstGeom prst="rect">
-            <a:avLst/>
-          </a:prstGeom>
-        </p:spPr>
-        <p:style>
-          <a:lnRef idx="1">
-            <a:schemeClr val="accent5"/>
-          </a:lnRef>
-          <a:fillRef idx="2">
-            <a:schemeClr val="accent5"/>
-          </a:fillRef>
-          <a:effectRef idx="1">
-            <a:schemeClr val="accent5"/>
-          </a:effectRef>
-          <a:fontRef idx="minor">
-            <a:schemeClr val="dk1"/>
-          </a:fontRef>
-        </p:style>
-        <p:txBody>
-          <a:bodyPr rtlCol="0" anchor="ctr"/>
-          <a:lstStyle/>
-          <a:p>
-            <a:pPr algn="ctr"/>
-            <a:endParaRPr lang="en-IL" dirty="0"/>
-          </a:p>
-        </p:txBody>
-      </p:sp>
-      <p:sp>
-        <p:nvSpPr>
-          <p:cNvPr id="2" name="Title 1">
-            <a:extLst>
-              <a:ext uri="{FF2B5EF4-FFF2-40B4-BE49-F238E27FC236}">
-                <a16:creationId xmlns:a16="http://schemas.microsoft.com/office/drawing/2014/main" id="{AD92F597-4DB6-45C7-97B2-8F408617D08A}"/>
-              </a:ext>
-            </a:extLst>
-          </p:cNvPr>
-          <p:cNvSpPr>
-            <a:spLocks noGrp="1"/>
-          </p:cNvSpPr>
-          <p:nvPr>
-            <p:ph type="title"/>
-          </p:nvPr>
-        </p:nvSpPr>
-        <p:spPr>
-          <a:xfrm>
-            <a:off x="1141412" y="0"/>
-            <a:ext cx="9905998" cy="983635"/>
-          </a:xfrm>
-        </p:spPr>
-        <p:txBody>
-          <a:bodyPr/>
-          <a:lstStyle/>
-          <a:p>
-            <a:pPr algn="r" rtl="1"/>
-            <a:r>
-              <a:rPr lang="he-IL" cap="none" dirty="0">
-                <a:solidFill>
-                  <a:schemeClr val="bg1"/>
-                </a:solidFill>
-                <a:latin typeface="Segoe UI Semibold" panose="020B0702040204020203" pitchFamily="34" charset="0"/>
-                <a:cs typeface="Segoe UI Semibold" panose="020B0702040204020203" pitchFamily="34" charset="0"/>
-              </a:rPr>
-              <a:t>שפת </a:t>
-            </a:r>
-            <a:r>
-              <a:rPr lang="en-US" cap="none" dirty="0">
-                <a:solidFill>
-                  <a:schemeClr val="bg1"/>
-                </a:solidFill>
-                <a:latin typeface="Segoe UI Semibold" panose="020B0702040204020203" pitchFamily="34" charset="0"/>
-                <a:cs typeface="Segoe UI Semibold" panose="020B0702040204020203" pitchFamily="34" charset="0"/>
-              </a:rPr>
-              <a:t>C++</a:t>
-            </a:r>
-            <a:r>
-              <a:rPr lang="he-IL" cap="none" dirty="0">
-                <a:solidFill>
-                  <a:schemeClr val="bg1"/>
-                </a:solidFill>
-                <a:latin typeface="Segoe UI Semibold" panose="020B0702040204020203" pitchFamily="34" charset="0"/>
-                <a:cs typeface="Segoe UI Semibold" panose="020B0702040204020203" pitchFamily="34" charset="0"/>
-              </a:rPr>
-              <a:t> - מודל הזכרון</a:t>
-            </a:r>
-            <a:endParaRPr lang="en-IL" cap="none" dirty="0">
-              <a:solidFill>
-                <a:schemeClr val="bg1"/>
-              </a:solidFill>
-              <a:latin typeface="Segoe UI Semibold" panose="020B0702040204020203" pitchFamily="34" charset="0"/>
-              <a:cs typeface="Segoe UI Semibold" panose="020B0702040204020203" pitchFamily="34" charset="0"/>
-            </a:endParaRPr>
-          </a:p>
-        </p:txBody>
-      </p:sp>
-      <p:sp>
-        <p:nvSpPr>
-          <p:cNvPr id="3" name="Content Placeholder 2">
-            <a:extLst>
-              <a:ext uri="{FF2B5EF4-FFF2-40B4-BE49-F238E27FC236}">
-                <a16:creationId xmlns:a16="http://schemas.microsoft.com/office/drawing/2014/main" id="{5DB99D37-3B94-4415-BFED-4639A5DB97A4}"/>
-              </a:ext>
-            </a:extLst>
-          </p:cNvPr>
-          <p:cNvSpPr>
-            <a:spLocks noGrp="1"/>
-          </p:cNvSpPr>
-          <p:nvPr>
-            <p:ph idx="1"/>
-          </p:nvPr>
-        </p:nvSpPr>
-        <p:spPr>
-          <a:xfrm>
-            <a:off x="786853" y="802432"/>
-            <a:ext cx="10260557" cy="5685454"/>
-          </a:xfrm>
-        </p:spPr>
-        <p:txBody>
-          <a:bodyPr>
-            <a:normAutofit/>
-          </a:bodyPr>
-          <a:lstStyle/>
-          <a:p>
-            <a:pPr algn="r" rtl="1"/>
-            <a:endParaRPr lang="he-IL" dirty="0">
-              <a:latin typeface="Segoe UI Semilight" panose="020B0402040204020203" pitchFamily="34" charset="0"/>
-              <a:cs typeface="Segoe UI Semilight" panose="020B0402040204020203" pitchFamily="34" charset="0"/>
-            </a:endParaRPr>
-          </a:p>
-          <a:p>
-            <a:pPr lvl="1" algn="r" rtl="1"/>
-            <a:endParaRPr lang="he-IL" dirty="0">
-              <a:latin typeface="Segoe UI Semilight" panose="020B0402040204020203" pitchFamily="34" charset="0"/>
-              <a:cs typeface="Segoe UI Semilight" panose="020B0402040204020203" pitchFamily="34" charset="0"/>
-            </a:endParaRPr>
-          </a:p>
-        </p:txBody>
-      </p:sp>
-      <p:sp>
-        <p:nvSpPr>
-          <p:cNvPr id="5" name="Rectangle 4">
-            <a:extLst>
-              <a:ext uri="{FF2B5EF4-FFF2-40B4-BE49-F238E27FC236}">
-                <a16:creationId xmlns:a16="http://schemas.microsoft.com/office/drawing/2014/main" id="{A2C64108-5B40-4810-952D-092A6A67AD2E}"/>
-              </a:ext>
-            </a:extLst>
-          </p:cNvPr>
-          <p:cNvSpPr/>
-          <p:nvPr/>
-        </p:nvSpPr>
-        <p:spPr>
-          <a:xfrm>
-            <a:off x="1635968" y="516298"/>
-            <a:ext cx="2475722" cy="640702"/>
-          </a:xfrm>
-          <a:prstGeom prst="rect">
-            <a:avLst/>
-          </a:prstGeom>
-        </p:spPr>
-        <p:style>
-          <a:lnRef idx="1">
-            <a:schemeClr val="accent5"/>
-          </a:lnRef>
-          <a:fillRef idx="2">
-            <a:schemeClr val="accent5"/>
-          </a:fillRef>
-          <a:effectRef idx="1">
-            <a:schemeClr val="accent5"/>
-          </a:effectRef>
-          <a:fontRef idx="minor">
-            <a:schemeClr val="dk1"/>
-          </a:fontRef>
-        </p:style>
-        <p:txBody>
-          <a:bodyPr rtlCol="0" anchor="ctr"/>
-          <a:lstStyle/>
-          <a:p>
-            <a:pPr algn="ctr"/>
-            <a:r>
-              <a:rPr lang="en-US" dirty="0"/>
-              <a:t>.text</a:t>
-            </a:r>
-            <a:endParaRPr lang="en-IL" dirty="0"/>
-          </a:p>
-        </p:txBody>
-      </p:sp>
-      <p:sp>
-        <p:nvSpPr>
-          <p:cNvPr id="13" name="Rectangle 12">
-            <a:extLst>
-              <a:ext uri="{FF2B5EF4-FFF2-40B4-BE49-F238E27FC236}">
-                <a16:creationId xmlns:a16="http://schemas.microsoft.com/office/drawing/2014/main" id="{815DC237-A92A-4ADF-B0E3-F06FE42A535E}"/>
-              </a:ext>
-            </a:extLst>
-          </p:cNvPr>
-          <p:cNvSpPr/>
-          <p:nvPr/>
-        </p:nvSpPr>
-        <p:spPr>
-          <a:xfrm>
-            <a:off x="1635968" y="1138340"/>
-            <a:ext cx="2475722" cy="640702"/>
-          </a:xfrm>
-          <a:prstGeom prst="rect">
-            <a:avLst/>
-          </a:prstGeom>
-        </p:spPr>
-        <p:style>
-          <a:lnRef idx="1">
-            <a:schemeClr val="accent5"/>
-          </a:lnRef>
-          <a:fillRef idx="2">
-            <a:schemeClr val="accent5"/>
-          </a:fillRef>
-          <a:effectRef idx="1">
-            <a:schemeClr val="accent5"/>
-          </a:effectRef>
-          <a:fontRef idx="minor">
-            <a:schemeClr val="dk1"/>
-          </a:fontRef>
-        </p:style>
-        <p:txBody>
-          <a:bodyPr rtlCol="0" anchor="ctr"/>
-          <a:lstStyle/>
-          <a:p>
-            <a:pPr algn="ctr"/>
-            <a:r>
-              <a:rPr lang="en-US" dirty="0"/>
-              <a:t>.data</a:t>
-            </a:r>
-            <a:endParaRPr lang="en-IL" dirty="0"/>
-          </a:p>
-        </p:txBody>
-      </p:sp>
-      <p:sp>
-        <p:nvSpPr>
-          <p:cNvPr id="14" name="Rectangle 13">
-            <a:extLst>
-              <a:ext uri="{FF2B5EF4-FFF2-40B4-BE49-F238E27FC236}">
-                <a16:creationId xmlns:a16="http://schemas.microsoft.com/office/drawing/2014/main" id="{FC05EFA4-8FBF-457B-A349-24DCCB0791AD}"/>
-              </a:ext>
-            </a:extLst>
-          </p:cNvPr>
-          <p:cNvSpPr/>
-          <p:nvPr/>
-        </p:nvSpPr>
-        <p:spPr>
-          <a:xfrm>
-            <a:off x="1635968" y="1779042"/>
-            <a:ext cx="2475722" cy="640702"/>
-          </a:xfrm>
-          <a:prstGeom prst="rect">
-            <a:avLst/>
-          </a:prstGeom>
-        </p:spPr>
-        <p:style>
-          <a:lnRef idx="1">
-            <a:schemeClr val="accent5"/>
-          </a:lnRef>
-          <a:fillRef idx="2">
-            <a:schemeClr val="accent5"/>
-          </a:fillRef>
-          <a:effectRef idx="1">
-            <a:schemeClr val="accent5"/>
-          </a:effectRef>
-          <a:fontRef idx="minor">
-            <a:schemeClr val="dk1"/>
-          </a:fontRef>
-        </p:style>
-        <p:txBody>
-          <a:bodyPr rtlCol="0" anchor="ctr"/>
-          <a:lstStyle/>
-          <a:p>
-            <a:pPr algn="ctr"/>
-            <a:r>
-              <a:rPr lang="en-US" dirty="0"/>
-              <a:t>.</a:t>
-            </a:r>
-            <a:r>
-              <a:rPr lang="en-US" dirty="0" err="1"/>
-              <a:t>bss</a:t>
-            </a:r>
-            <a:endParaRPr lang="en-IL" dirty="0"/>
-          </a:p>
-        </p:txBody>
-      </p:sp>
-      <p:sp>
-        <p:nvSpPr>
-          <p:cNvPr id="15" name="Rectangle 14">
-            <a:extLst>
-              <a:ext uri="{FF2B5EF4-FFF2-40B4-BE49-F238E27FC236}">
-                <a16:creationId xmlns:a16="http://schemas.microsoft.com/office/drawing/2014/main" id="{8DA46F39-3A37-4A75-9CB6-D3AE6F6C42BB}"/>
-              </a:ext>
-            </a:extLst>
-          </p:cNvPr>
-          <p:cNvSpPr/>
-          <p:nvPr/>
-        </p:nvSpPr>
-        <p:spPr>
-          <a:xfrm>
-            <a:off x="1635968" y="2401083"/>
-            <a:ext cx="2475722" cy="933055"/>
-          </a:xfrm>
-          <a:prstGeom prst="rect">
-            <a:avLst/>
-          </a:prstGeom>
-        </p:spPr>
-        <p:style>
-          <a:lnRef idx="1">
-            <a:schemeClr val="accent5"/>
-          </a:lnRef>
-          <a:fillRef idx="2">
-            <a:schemeClr val="accent5"/>
-          </a:fillRef>
-          <a:effectRef idx="1">
-            <a:schemeClr val="accent5"/>
-          </a:effectRef>
-          <a:fontRef idx="minor">
-            <a:schemeClr val="dk1"/>
-          </a:fontRef>
-        </p:style>
-        <p:txBody>
-          <a:bodyPr rtlCol="0" anchor="ctr"/>
-          <a:lstStyle/>
-          <a:p>
-            <a:pPr algn="ctr"/>
-            <a:r>
-              <a:rPr lang="en-US" dirty="0"/>
-              <a:t>Heap</a:t>
-            </a:r>
-            <a:endParaRPr lang="en-IL" dirty="0"/>
-          </a:p>
-        </p:txBody>
-      </p:sp>
-      <p:sp>
-        <p:nvSpPr>
-          <p:cNvPr id="17" name="Rectangle 16">
-            <a:extLst>
-              <a:ext uri="{FF2B5EF4-FFF2-40B4-BE49-F238E27FC236}">
-                <a16:creationId xmlns:a16="http://schemas.microsoft.com/office/drawing/2014/main" id="{39126D1A-8995-4967-89D8-BA1D01EE6D2A}"/>
-              </a:ext>
-            </a:extLst>
-          </p:cNvPr>
-          <p:cNvSpPr/>
-          <p:nvPr/>
-        </p:nvSpPr>
-        <p:spPr>
-          <a:xfrm>
-            <a:off x="1631301" y="4484914"/>
-            <a:ext cx="2475722" cy="842872"/>
-          </a:xfrm>
-          <a:prstGeom prst="rect">
-            <a:avLst/>
-          </a:prstGeom>
-        </p:spPr>
-        <p:style>
-          <a:lnRef idx="1">
-            <a:schemeClr val="accent5"/>
-          </a:lnRef>
-          <a:fillRef idx="2">
-            <a:schemeClr val="accent5"/>
-          </a:fillRef>
-          <a:effectRef idx="1">
-            <a:schemeClr val="accent5"/>
-          </a:effectRef>
-          <a:fontRef idx="minor">
-            <a:schemeClr val="dk1"/>
-          </a:fontRef>
-        </p:style>
-        <p:txBody>
-          <a:bodyPr rtlCol="0" anchor="ctr"/>
-          <a:lstStyle/>
-          <a:p>
-            <a:pPr algn="ctr"/>
-            <a:r>
-              <a:rPr lang="en-US" dirty="0"/>
-              <a:t>Stack</a:t>
-            </a:r>
-            <a:endParaRPr lang="en-IL" dirty="0"/>
-          </a:p>
-        </p:txBody>
-      </p:sp>
-      <p:sp>
-        <p:nvSpPr>
-          <p:cNvPr id="19" name="Arrow: Down 18">
-            <a:extLst>
-              <a:ext uri="{FF2B5EF4-FFF2-40B4-BE49-F238E27FC236}">
-                <a16:creationId xmlns:a16="http://schemas.microsoft.com/office/drawing/2014/main" id="{6AF95CB5-EA3A-46AF-968B-586263D8A64B}"/>
-              </a:ext>
-            </a:extLst>
-          </p:cNvPr>
-          <p:cNvSpPr/>
-          <p:nvPr/>
-        </p:nvSpPr>
-        <p:spPr>
-          <a:xfrm rot="10800000">
-            <a:off x="2744754" y="4080585"/>
-            <a:ext cx="248816" cy="391885"/>
-          </a:xfrm>
-          <a:prstGeom prst="downArrow">
-            <a:avLst/>
-          </a:prstGeom>
-        </p:spPr>
-        <p:style>
-          <a:lnRef idx="2">
-            <a:schemeClr val="accent5">
-              <a:shade val="50000"/>
-            </a:schemeClr>
-          </a:lnRef>
-          <a:fillRef idx="1">
-            <a:schemeClr val="accent5"/>
-          </a:fillRef>
-          <a:effectRef idx="0">
-            <a:schemeClr val="accent5"/>
-          </a:effectRef>
-          <a:fontRef idx="minor">
-            <a:schemeClr val="lt1"/>
-          </a:fontRef>
-        </p:style>
-        <p:txBody>
-          <a:bodyPr rtlCol="0" anchor="ctr"/>
-          <a:lstStyle/>
-          <a:p>
-            <a:pPr algn="ctr"/>
-            <a:endParaRPr lang="en-IL"/>
-          </a:p>
-        </p:txBody>
-      </p:sp>
-      <p:sp>
-        <p:nvSpPr>
-          <p:cNvPr id="20" name="Arrow: Down 19">
-            <a:extLst>
-              <a:ext uri="{FF2B5EF4-FFF2-40B4-BE49-F238E27FC236}">
-                <a16:creationId xmlns:a16="http://schemas.microsoft.com/office/drawing/2014/main" id="{9143A9CD-4277-4A22-8A5F-93CD7C73A4F7}"/>
-              </a:ext>
-            </a:extLst>
-          </p:cNvPr>
-          <p:cNvSpPr/>
-          <p:nvPr/>
-        </p:nvSpPr>
-        <p:spPr>
-          <a:xfrm>
-            <a:off x="2744753" y="3343470"/>
-            <a:ext cx="248816" cy="409380"/>
-          </a:xfrm>
-          <a:prstGeom prst="downArrow">
-            <a:avLst/>
-          </a:prstGeom>
-        </p:spPr>
-        <p:style>
-          <a:lnRef idx="2">
-            <a:schemeClr val="accent5">
-              <a:shade val="50000"/>
-            </a:schemeClr>
-          </a:lnRef>
-          <a:fillRef idx="1">
-            <a:schemeClr val="accent5"/>
-          </a:fillRef>
-          <a:effectRef idx="0">
-            <a:schemeClr val="accent5"/>
-          </a:effectRef>
-          <a:fontRef idx="minor">
-            <a:schemeClr val="lt1"/>
-          </a:fontRef>
-        </p:style>
-        <p:txBody>
-          <a:bodyPr rtlCol="0" anchor="ctr"/>
-          <a:lstStyle/>
-          <a:p>
-            <a:pPr algn="ctr"/>
-            <a:endParaRPr lang="en-IL"/>
-          </a:p>
-        </p:txBody>
-      </p:sp>
-      <p:cxnSp>
-        <p:nvCxnSpPr>
-          <p:cNvPr id="21" name="Straight Arrow Connector 20">
-            <a:extLst>
-              <a:ext uri="{FF2B5EF4-FFF2-40B4-BE49-F238E27FC236}">
-                <a16:creationId xmlns:a16="http://schemas.microsoft.com/office/drawing/2014/main" id="{E05CC37D-C6EA-44B0-B782-BA763EB91AFB}"/>
-              </a:ext>
-            </a:extLst>
-          </p:cNvPr>
-          <p:cNvCxnSpPr>
-            <a:cxnSpLocks/>
-          </p:cNvCxnSpPr>
-          <p:nvPr/>
-        </p:nvCxnSpPr>
-        <p:spPr>
-          <a:xfrm flipH="1">
-            <a:off x="4223656" y="516298"/>
-            <a:ext cx="870858" cy="0"/>
-          </a:xfrm>
-          <a:prstGeom prst="straightConnector1">
-            <a:avLst/>
-          </a:prstGeom>
-          <a:ln>
-            <a:tailEnd type="triangle"/>
-          </a:ln>
-        </p:spPr>
-        <p:style>
-          <a:lnRef idx="3">
-            <a:schemeClr val="accent5"/>
-          </a:lnRef>
-          <a:fillRef idx="0">
-            <a:schemeClr val="accent5"/>
-          </a:fillRef>
-          <a:effectRef idx="2">
-            <a:schemeClr val="accent5"/>
-          </a:effectRef>
-          <a:fontRef idx="minor">
-            <a:schemeClr val="tx1"/>
-          </a:fontRef>
-        </p:style>
-      </p:cxnSp>
-      <p:sp>
-        <p:nvSpPr>
-          <p:cNvPr id="23" name="TextBox 22">
-            <a:extLst>
-              <a:ext uri="{FF2B5EF4-FFF2-40B4-BE49-F238E27FC236}">
-                <a16:creationId xmlns:a16="http://schemas.microsoft.com/office/drawing/2014/main" id="{B52D8154-4C0B-4868-8FEB-9DF05BD76605}"/>
-              </a:ext>
-            </a:extLst>
-          </p:cNvPr>
-          <p:cNvSpPr txBox="1"/>
-          <p:nvPr/>
-        </p:nvSpPr>
-        <p:spPr>
-          <a:xfrm>
-            <a:off x="4335622" y="466937"/>
-            <a:ext cx="1338380" cy="369332"/>
-          </a:xfrm>
-          <a:prstGeom prst="rect">
-            <a:avLst/>
-          </a:prstGeom>
-          <a:noFill/>
-        </p:spPr>
-        <p:txBody>
-          <a:bodyPr wrap="none" rtlCol="0">
-            <a:spAutoFit/>
-          </a:bodyPr>
-          <a:lstStyle/>
-          <a:p>
-            <a:r>
-              <a:rPr lang="en-US" dirty="0"/>
-              <a:t>Low Address</a:t>
-            </a:r>
-            <a:endParaRPr lang="en-IL" dirty="0"/>
-          </a:p>
-        </p:txBody>
-      </p:sp>
-      <p:cxnSp>
-        <p:nvCxnSpPr>
-          <p:cNvPr id="25" name="Straight Arrow Connector 24">
-            <a:extLst>
-              <a:ext uri="{FF2B5EF4-FFF2-40B4-BE49-F238E27FC236}">
-                <a16:creationId xmlns:a16="http://schemas.microsoft.com/office/drawing/2014/main" id="{3716DB47-8D58-490D-8C99-5EE7B10AB463}"/>
-              </a:ext>
-            </a:extLst>
-          </p:cNvPr>
-          <p:cNvCxnSpPr>
-            <a:cxnSpLocks/>
-          </p:cNvCxnSpPr>
-          <p:nvPr/>
-        </p:nvCxnSpPr>
-        <p:spPr>
-          <a:xfrm flipH="1">
-            <a:off x="4282750" y="5337121"/>
-            <a:ext cx="870858" cy="0"/>
-          </a:xfrm>
-          <a:prstGeom prst="straightConnector1">
-            <a:avLst/>
-          </a:prstGeom>
-          <a:ln>
-            <a:tailEnd type="triangle"/>
-          </a:ln>
-        </p:spPr>
-        <p:style>
-          <a:lnRef idx="3">
-            <a:schemeClr val="accent5"/>
-          </a:lnRef>
-          <a:fillRef idx="0">
-            <a:schemeClr val="accent5"/>
-          </a:fillRef>
-          <a:effectRef idx="2">
-            <a:schemeClr val="accent5"/>
-          </a:effectRef>
-          <a:fontRef idx="minor">
-            <a:schemeClr val="tx1"/>
-          </a:fontRef>
-        </p:style>
-      </p:cxnSp>
-      <p:sp>
-        <p:nvSpPr>
-          <p:cNvPr id="26" name="TextBox 25">
-            <a:extLst>
-              <a:ext uri="{FF2B5EF4-FFF2-40B4-BE49-F238E27FC236}">
-                <a16:creationId xmlns:a16="http://schemas.microsoft.com/office/drawing/2014/main" id="{2C999F91-DBF3-46AD-9026-FED179F1DC88}"/>
-              </a:ext>
-            </a:extLst>
-          </p:cNvPr>
-          <p:cNvSpPr txBox="1"/>
-          <p:nvPr/>
-        </p:nvSpPr>
-        <p:spPr>
-          <a:xfrm>
-            <a:off x="4335622" y="5000405"/>
-            <a:ext cx="1406154" cy="369332"/>
-          </a:xfrm>
-          <a:prstGeom prst="rect">
-            <a:avLst/>
-          </a:prstGeom>
-          <a:noFill/>
-        </p:spPr>
-        <p:txBody>
-          <a:bodyPr wrap="none" rtlCol="0">
-            <a:spAutoFit/>
-          </a:bodyPr>
-          <a:lstStyle/>
-          <a:p>
-            <a:r>
-              <a:rPr lang="en-US" dirty="0"/>
-              <a:t>High Address</a:t>
-            </a:r>
-            <a:endParaRPr lang="en-IL" dirty="0"/>
-          </a:p>
-        </p:txBody>
-      </p:sp>
-      <p:sp>
-        <p:nvSpPr>
-          <p:cNvPr id="28" name="Rectangle 27">
-            <a:extLst>
-              <a:ext uri="{FF2B5EF4-FFF2-40B4-BE49-F238E27FC236}">
-                <a16:creationId xmlns:a16="http://schemas.microsoft.com/office/drawing/2014/main" id="{3A98AFBC-310C-456C-B342-744A52D77A30}"/>
-              </a:ext>
-            </a:extLst>
-          </p:cNvPr>
-          <p:cNvSpPr/>
-          <p:nvPr/>
-        </p:nvSpPr>
-        <p:spPr>
-          <a:xfrm>
-            <a:off x="1631300" y="4484914"/>
-            <a:ext cx="2475722" cy="842872"/>
-          </a:xfrm>
-          <a:prstGeom prst="rect">
-            <a:avLst/>
-          </a:prstGeom>
-        </p:spPr>
-        <p:style>
-          <a:lnRef idx="1">
-            <a:schemeClr val="accent5"/>
-          </a:lnRef>
-          <a:fillRef idx="2">
-            <a:schemeClr val="accent5"/>
-          </a:fillRef>
-          <a:effectRef idx="1">
-            <a:schemeClr val="accent5"/>
-          </a:effectRef>
-          <a:fontRef idx="minor">
-            <a:schemeClr val="dk1"/>
-          </a:fontRef>
-        </p:style>
-        <p:txBody>
-          <a:bodyPr rtlCol="0" anchor="ctr"/>
-          <a:lstStyle/>
-          <a:p>
-            <a:pPr algn="ctr"/>
-            <a:endParaRPr lang="en-IL" dirty="0"/>
-          </a:p>
-        </p:txBody>
-      </p:sp>
-      <p:sp>
-        <p:nvSpPr>
-          <p:cNvPr id="29" name="Rectangle 28">
-            <a:extLst>
-              <a:ext uri="{FF2B5EF4-FFF2-40B4-BE49-F238E27FC236}">
-                <a16:creationId xmlns:a16="http://schemas.microsoft.com/office/drawing/2014/main" id="{67B9A5E2-4E8F-4904-83F3-416BD73160CC}"/>
-              </a:ext>
-            </a:extLst>
-          </p:cNvPr>
-          <p:cNvSpPr/>
-          <p:nvPr/>
-        </p:nvSpPr>
-        <p:spPr>
-          <a:xfrm>
-            <a:off x="1631300" y="1106782"/>
-            <a:ext cx="2485066" cy="859423"/>
-          </a:xfrm>
-          <a:prstGeom prst="rect">
-            <a:avLst/>
-          </a:prstGeom>
-        </p:spPr>
-        <p:style>
-          <a:lnRef idx="1">
-            <a:schemeClr val="accent2"/>
-          </a:lnRef>
-          <a:fillRef idx="2">
-            <a:schemeClr val="accent2"/>
-          </a:fillRef>
-          <a:effectRef idx="1">
-            <a:schemeClr val="accent2"/>
-          </a:effectRef>
-          <a:fontRef idx="minor">
-            <a:schemeClr val="dk1"/>
-          </a:fontRef>
-        </p:style>
-        <p:txBody>
-          <a:bodyPr rtlCol="0" anchor="ctr"/>
-          <a:lstStyle/>
-          <a:p>
-            <a:pPr algn="ctr"/>
-            <a:r>
-              <a:rPr lang="en-US" dirty="0"/>
-              <a:t>Function #3 stack frame</a:t>
-            </a:r>
-            <a:endParaRPr lang="en-IL" dirty="0"/>
-          </a:p>
-        </p:txBody>
-      </p:sp>
-      <p:sp>
-        <p:nvSpPr>
-          <p:cNvPr id="30" name="Rectangle 29">
-            <a:extLst>
-              <a:ext uri="{FF2B5EF4-FFF2-40B4-BE49-F238E27FC236}">
-                <a16:creationId xmlns:a16="http://schemas.microsoft.com/office/drawing/2014/main" id="{049316EF-F973-4F32-97A1-4193385BE3DC}"/>
-              </a:ext>
-            </a:extLst>
-          </p:cNvPr>
-          <p:cNvSpPr/>
-          <p:nvPr/>
-        </p:nvSpPr>
-        <p:spPr>
-          <a:xfrm>
-            <a:off x="1631299" y="1971875"/>
-            <a:ext cx="2485057" cy="2555057"/>
-          </a:xfrm>
-          <a:prstGeom prst="rect">
-            <a:avLst/>
-          </a:prstGeom>
-        </p:spPr>
-        <p:style>
-          <a:lnRef idx="1">
-            <a:schemeClr val="accent2"/>
-          </a:lnRef>
-          <a:fillRef idx="2">
-            <a:schemeClr val="accent2"/>
-          </a:fillRef>
-          <a:effectRef idx="1">
-            <a:schemeClr val="accent2"/>
-          </a:effectRef>
-          <a:fontRef idx="minor">
-            <a:schemeClr val="dk1"/>
-          </a:fontRef>
-        </p:style>
-        <p:txBody>
-          <a:bodyPr rtlCol="0" anchor="ctr"/>
-          <a:lstStyle/>
-          <a:p>
-            <a:pPr algn="ctr"/>
-            <a:r>
-              <a:rPr lang="en-US" dirty="0"/>
-              <a:t>Function #2 stack frame</a:t>
-            </a:r>
-            <a:endParaRPr lang="en-IL" dirty="0"/>
-          </a:p>
-        </p:txBody>
-      </p:sp>
-      <p:sp>
-        <p:nvSpPr>
-          <p:cNvPr id="31" name="Rectangle 30">
-            <a:extLst>
-              <a:ext uri="{FF2B5EF4-FFF2-40B4-BE49-F238E27FC236}">
-                <a16:creationId xmlns:a16="http://schemas.microsoft.com/office/drawing/2014/main" id="{4FAC1774-A1D4-4CC7-A92F-F54E756DAEE0}"/>
-              </a:ext>
-            </a:extLst>
-          </p:cNvPr>
-          <p:cNvSpPr/>
-          <p:nvPr/>
-        </p:nvSpPr>
-        <p:spPr>
-          <a:xfrm>
-            <a:off x="1631300" y="4526932"/>
-            <a:ext cx="2485066" cy="759432"/>
-          </a:xfrm>
-          <a:prstGeom prst="rect">
-            <a:avLst/>
-          </a:prstGeom>
-        </p:spPr>
-        <p:style>
-          <a:lnRef idx="1">
-            <a:schemeClr val="accent2"/>
-          </a:lnRef>
-          <a:fillRef idx="2">
-            <a:schemeClr val="accent2"/>
-          </a:fillRef>
-          <a:effectRef idx="1">
-            <a:schemeClr val="accent2"/>
-          </a:effectRef>
-          <a:fontRef idx="minor">
-            <a:schemeClr val="dk1"/>
-          </a:fontRef>
-        </p:style>
-        <p:txBody>
-          <a:bodyPr rtlCol="0" anchor="ctr"/>
-          <a:lstStyle/>
-          <a:p>
-            <a:pPr algn="ctr"/>
-            <a:r>
-              <a:rPr lang="en-US" dirty="0"/>
-              <a:t>Function #1 stack frame</a:t>
-            </a:r>
-            <a:endParaRPr lang="en-IL" dirty="0"/>
-          </a:p>
-        </p:txBody>
-      </p:sp>
-      <p:sp>
-        <p:nvSpPr>
-          <p:cNvPr id="32" name="Rectangle 31">
-            <a:extLst>
-              <a:ext uri="{FF2B5EF4-FFF2-40B4-BE49-F238E27FC236}">
-                <a16:creationId xmlns:a16="http://schemas.microsoft.com/office/drawing/2014/main" id="{BA5BAB77-E6BE-4DB4-9F6F-D52B451F23CB}"/>
-              </a:ext>
-            </a:extLst>
-          </p:cNvPr>
-          <p:cNvSpPr/>
-          <p:nvPr/>
-        </p:nvSpPr>
-        <p:spPr>
-          <a:xfrm>
-            <a:off x="1631300" y="1973979"/>
-            <a:ext cx="2485066" cy="420331"/>
-          </a:xfrm>
-          <a:prstGeom prst="rect">
-            <a:avLst/>
-          </a:prstGeom>
-        </p:spPr>
-        <p:style>
-          <a:lnRef idx="1">
-            <a:schemeClr val="accent1"/>
-          </a:lnRef>
-          <a:fillRef idx="2">
-            <a:schemeClr val="accent1"/>
-          </a:fillRef>
-          <a:effectRef idx="1">
-            <a:schemeClr val="accent1"/>
-          </a:effectRef>
-          <a:fontRef idx="minor">
-            <a:schemeClr val="dk1"/>
-          </a:fontRef>
-        </p:style>
-        <p:txBody>
-          <a:bodyPr rtlCol="0" anchor="ctr"/>
-          <a:lstStyle/>
-          <a:p>
-            <a:pPr algn="ctr"/>
-            <a:r>
-              <a:rPr lang="en-US" dirty="0"/>
-              <a:t>some variable</a:t>
-            </a:r>
-            <a:endParaRPr lang="en-IL" dirty="0"/>
-          </a:p>
-        </p:txBody>
-      </p:sp>
-      <p:sp>
-        <p:nvSpPr>
-          <p:cNvPr id="33" name="Rectangle 32">
-            <a:extLst>
-              <a:ext uri="{FF2B5EF4-FFF2-40B4-BE49-F238E27FC236}">
-                <a16:creationId xmlns:a16="http://schemas.microsoft.com/office/drawing/2014/main" id="{64B907D0-0D42-451E-96E7-75D58B4C7307}"/>
-              </a:ext>
-            </a:extLst>
-          </p:cNvPr>
-          <p:cNvSpPr/>
-          <p:nvPr/>
-        </p:nvSpPr>
-        <p:spPr>
-          <a:xfrm>
-            <a:off x="1633404" y="2378642"/>
-            <a:ext cx="2482953" cy="438435"/>
-          </a:xfrm>
-          <a:prstGeom prst="rect">
-            <a:avLst/>
-          </a:prstGeom>
-        </p:spPr>
-        <p:style>
-          <a:lnRef idx="1">
-            <a:schemeClr val="accent1"/>
-          </a:lnRef>
-          <a:fillRef idx="2">
-            <a:schemeClr val="accent1"/>
-          </a:fillRef>
-          <a:effectRef idx="1">
-            <a:schemeClr val="accent1"/>
-          </a:effectRef>
-          <a:fontRef idx="minor">
-            <a:schemeClr val="dk1"/>
-          </a:fontRef>
-        </p:style>
-        <p:txBody>
-          <a:bodyPr rtlCol="0" anchor="ctr"/>
-          <a:lstStyle/>
-          <a:p>
-            <a:pPr algn="ctr"/>
-            <a:r>
-              <a:rPr lang="en-US" dirty="0"/>
-              <a:t>another variable</a:t>
-            </a:r>
-            <a:endParaRPr lang="en-IL" dirty="0"/>
-          </a:p>
-        </p:txBody>
-      </p:sp>
-      <p:sp>
-        <p:nvSpPr>
-          <p:cNvPr id="34" name="Rectangle 33">
-            <a:extLst>
-              <a:ext uri="{FF2B5EF4-FFF2-40B4-BE49-F238E27FC236}">
-                <a16:creationId xmlns:a16="http://schemas.microsoft.com/office/drawing/2014/main" id="{60AD6DE7-2062-4C97-ACA2-0E6ADD901A26}"/>
-              </a:ext>
-            </a:extLst>
-          </p:cNvPr>
-          <p:cNvSpPr/>
-          <p:nvPr/>
-        </p:nvSpPr>
-        <p:spPr>
-          <a:xfrm>
-            <a:off x="1633405" y="3657619"/>
-            <a:ext cx="2482953" cy="420331"/>
-          </a:xfrm>
-          <a:prstGeom prst="rect">
-            <a:avLst/>
-          </a:prstGeom>
-        </p:spPr>
-        <p:style>
-          <a:lnRef idx="1">
-            <a:schemeClr val="accent1"/>
-          </a:lnRef>
-          <a:fillRef idx="2">
-            <a:schemeClr val="accent1"/>
-          </a:fillRef>
-          <a:effectRef idx="1">
-            <a:schemeClr val="accent1"/>
-          </a:effectRef>
-          <a:fontRef idx="minor">
-            <a:schemeClr val="dk1"/>
-          </a:fontRef>
-        </p:style>
-        <p:txBody>
-          <a:bodyPr rtlCol="0" anchor="ctr"/>
-          <a:lstStyle/>
-          <a:p>
-            <a:pPr algn="ctr"/>
-            <a:r>
-              <a:rPr lang="en-US" dirty="0"/>
-              <a:t>Saved stack pointer</a:t>
-            </a:r>
-            <a:endParaRPr lang="en-IL" dirty="0"/>
-          </a:p>
-        </p:txBody>
-      </p:sp>
-      <p:sp>
-        <p:nvSpPr>
-          <p:cNvPr id="35" name="Rectangle 34">
-            <a:extLst>
-              <a:ext uri="{FF2B5EF4-FFF2-40B4-BE49-F238E27FC236}">
-                <a16:creationId xmlns:a16="http://schemas.microsoft.com/office/drawing/2014/main" id="{FDF9DD28-346C-4B5F-9E87-A227BEA28088}"/>
-              </a:ext>
-            </a:extLst>
-          </p:cNvPr>
-          <p:cNvSpPr/>
-          <p:nvPr/>
-        </p:nvSpPr>
-        <p:spPr>
-          <a:xfrm>
-            <a:off x="1631290" y="4061948"/>
-            <a:ext cx="2485066" cy="452540"/>
-          </a:xfrm>
-          <a:prstGeom prst="rect">
-            <a:avLst/>
-          </a:prstGeom>
-        </p:spPr>
-        <p:style>
-          <a:lnRef idx="1">
-            <a:schemeClr val="accent1"/>
-          </a:lnRef>
-          <a:fillRef idx="2">
-            <a:schemeClr val="accent1"/>
-          </a:fillRef>
-          <a:effectRef idx="1">
-            <a:schemeClr val="accent1"/>
-          </a:effectRef>
-          <a:fontRef idx="minor">
-            <a:schemeClr val="dk1"/>
-          </a:fontRef>
-        </p:style>
-        <p:txBody>
-          <a:bodyPr rtlCol="0" anchor="ctr"/>
-          <a:lstStyle/>
-          <a:p>
-            <a:pPr algn="ctr"/>
-            <a:r>
-              <a:rPr lang="en-US" dirty="0"/>
-              <a:t>Saved return address</a:t>
-            </a:r>
-            <a:endParaRPr lang="en-IL" dirty="0"/>
-          </a:p>
-        </p:txBody>
-      </p:sp>
-      <p:sp>
-        <p:nvSpPr>
-          <p:cNvPr id="36" name="Rectangle 35">
-            <a:extLst>
-              <a:ext uri="{FF2B5EF4-FFF2-40B4-BE49-F238E27FC236}">
-                <a16:creationId xmlns:a16="http://schemas.microsoft.com/office/drawing/2014/main" id="{519DD4B2-39EF-460A-9696-D12B9C0DDFF9}"/>
-              </a:ext>
-            </a:extLst>
-          </p:cNvPr>
-          <p:cNvSpPr/>
-          <p:nvPr/>
-        </p:nvSpPr>
-        <p:spPr>
-          <a:xfrm>
-            <a:off x="1633405" y="2806747"/>
-            <a:ext cx="2482953" cy="848237"/>
-          </a:xfrm>
-          <a:prstGeom prst="rect">
-            <a:avLst/>
-          </a:prstGeom>
-        </p:spPr>
-        <p:style>
-          <a:lnRef idx="1">
-            <a:schemeClr val="accent1"/>
-          </a:lnRef>
-          <a:fillRef idx="2">
-            <a:schemeClr val="accent1"/>
-          </a:fillRef>
-          <a:effectRef idx="1">
-            <a:schemeClr val="accent1"/>
-          </a:effectRef>
-          <a:fontRef idx="minor">
-            <a:schemeClr val="dk1"/>
-          </a:fontRef>
-        </p:style>
-        <p:txBody>
-          <a:bodyPr rtlCol="0" anchor="ctr"/>
-          <a:lstStyle/>
-          <a:p>
-            <a:pPr algn="ctr"/>
-            <a:r>
-              <a:rPr lang="en-US" dirty="0"/>
-              <a:t>buffer</a:t>
-            </a:r>
-            <a:endParaRPr lang="en-IL" dirty="0"/>
-          </a:p>
-        </p:txBody>
-      </p:sp>
-      <p:sp>
-        <p:nvSpPr>
-          <p:cNvPr id="24" name="Arrow: Down 23">
-            <a:extLst>
-              <a:ext uri="{FF2B5EF4-FFF2-40B4-BE49-F238E27FC236}">
-                <a16:creationId xmlns:a16="http://schemas.microsoft.com/office/drawing/2014/main" id="{9CFCE131-6463-4922-8748-1BB28D5E220F}"/>
-              </a:ext>
-            </a:extLst>
-          </p:cNvPr>
-          <p:cNvSpPr/>
-          <p:nvPr/>
-        </p:nvSpPr>
-        <p:spPr>
-          <a:xfrm rot="10800000">
-            <a:off x="2712576" y="723404"/>
-            <a:ext cx="317379" cy="369332"/>
-          </a:xfrm>
-          <a:prstGeom prst="downArrow">
-            <a:avLst/>
-          </a:prstGeom>
-        </p:spPr>
-        <p:style>
-          <a:lnRef idx="2">
-            <a:schemeClr val="accent2">
-              <a:shade val="50000"/>
-            </a:schemeClr>
-          </a:lnRef>
-          <a:fillRef idx="1">
-            <a:schemeClr val="accent2"/>
-          </a:fillRef>
-          <a:effectRef idx="0">
-            <a:schemeClr val="accent2"/>
-          </a:effectRef>
-          <a:fontRef idx="minor">
-            <a:schemeClr val="lt1"/>
-          </a:fontRef>
-        </p:style>
-        <p:txBody>
-          <a:bodyPr rtlCol="0" anchor="ctr"/>
-          <a:lstStyle/>
-          <a:p>
-            <a:pPr algn="ctr"/>
-            <a:endParaRPr lang="en-IL"/>
-          </a:p>
-        </p:txBody>
-      </p:sp>
-    </p:spTree>
-    <p:extLst>
-      <p:ext uri="{BB962C8B-B14F-4D97-AF65-F5344CB8AC3E}">
-        <p14:creationId xmlns:p14="http://schemas.microsoft.com/office/powerpoint/2010/main" val="2142248560"/>
-      </p:ext>
-    </p:extLst>
-  </p:cSld>
-  <p:clrMapOvr>
-    <a:masterClrMapping/>
-  </p:clrMapOvr>
-  <mc:AlternateContent xmlns:mc="http://schemas.openxmlformats.org/markup-compatibility/2006" xmlns:p14="http://schemas.microsoft.com/office/powerpoint/2010/main">
-    <mc:Choice Requires="p14">
-      <p:transition spd="slow" p14:dur="2000" advClick="0"/>
-    </mc:Choice>
-    <mc:Fallback xmlns="">
-      <p:transition spd="slow" advClick="0"/>
-    </mc:Fallback>
-  </mc:AlternateContent>
-  <p:timing>
-    <p:tnLst>
-      <p:par>
-        <p:cTn id="1" dur="indefinite" restart="never" nodeType="tmRoot">
-          <p:childTnLst>
-            <p:seq concurrent="1" nextAc="seek">
-              <p:cTn id="2" dur="indefinite" nodeType="mainSeq">
-                <p:childTnLst>
-                  <p:par>
-                    <p:cTn id="3" fill="hold">
-                      <p:stCondLst>
-                        <p:cond delay="indefinite"/>
-                      </p:stCondLst>
-                      <p:childTnLst>
-                        <p:par>
-                          <p:cTn id="4" fill="hold">
-                            <p:stCondLst>
-                              <p:cond delay="0"/>
-                            </p:stCondLst>
-                            <p:childTnLst>
-                              <p:par>
-                                <p:cTn id="5" presetID="1" presetClass="entr" presetSubtype="0" fill="hold" grpId="2" nodeType="clickEffect">
-                                  <p:stCondLst>
-                                    <p:cond delay="0"/>
-                                  </p:stCondLst>
-                                  <p:childTnLst>
-                                    <p:set>
-                                      <p:cBhvr>
-                                        <p:cTn id="6" dur="1" fill="hold">
-                                          <p:stCondLst>
-                                            <p:cond delay="0"/>
-                                          </p:stCondLst>
-                                        </p:cTn>
-                                        <p:tgtEl>
-                                          <p:spTgt spid="28"/>
-                                        </p:tgtEl>
-                                        <p:attrNameLst>
-                                          <p:attrName>style.visibility</p:attrName>
-                                        </p:attrNameLst>
-                                      </p:cBhvr>
-                                      <p:to>
-                                        <p:strVal val="visible"/>
-                                      </p:to>
-                                    </p:set>
-                                  </p:childTnLst>
-                                </p:cTn>
-                              </p:par>
-                              <p:par>
-                                <p:cTn id="7" presetID="6" presetClass="emph" presetSubtype="0" fill="hold" grpId="0" nodeType="withEffect">
-                                  <p:stCondLst>
-                                    <p:cond delay="0"/>
-                                  </p:stCondLst>
-                                  <p:childTnLst>
-                                    <p:animScale>
-                                      <p:cBhvr>
-                                        <p:cTn id="8" dur="2000" fill="hold"/>
-                                        <p:tgtEl>
-                                          <p:spTgt spid="28"/>
-                                        </p:tgtEl>
-                                      </p:cBhvr>
-                                      <p:by x="100000" y="630000"/>
-                                    </p:animScale>
-                                  </p:childTnLst>
-                                </p:cTn>
-                              </p:par>
-                              <p:par>
-                                <p:cTn id="9" presetID="42" presetClass="path" presetSubtype="0" accel="50000" decel="50000" fill="hold" grpId="1" nodeType="withEffect">
-                                  <p:stCondLst>
-                                    <p:cond delay="0"/>
-                                  </p:stCondLst>
-                                  <p:childTnLst>
-                                    <p:animMotion origin="layout" path="M 3.54167E-6 2.22222E-6 L 0.00078 -0.24537 " pathEditMode="relative" rAng="0" ptsTypes="AA">
-                                      <p:cBhvr>
-                                        <p:cTn id="10" dur="2000" fill="hold"/>
-                                        <p:tgtEl>
-                                          <p:spTgt spid="28"/>
-                                        </p:tgtEl>
-                                        <p:attrNameLst>
-                                          <p:attrName>ppt_x</p:attrName>
-                                          <p:attrName>ppt_y</p:attrName>
-                                        </p:attrNameLst>
-                                      </p:cBhvr>
-                                      <p:rCtr x="39" y="-12269"/>
-                                    </p:animMotion>
-                                  </p:childTnLst>
-                                </p:cTn>
-                              </p:par>
-                            </p:childTnLst>
-                          </p:cTn>
-                        </p:par>
-                        <p:par>
-                          <p:cTn id="11" fill="hold">
-                            <p:stCondLst>
-                              <p:cond delay="2000"/>
-                            </p:stCondLst>
-                            <p:childTnLst>
-                              <p:par>
-                                <p:cTn id="12" presetID="16" presetClass="entr" presetSubtype="21" fill="hold" grpId="0" nodeType="afterEffect">
-                                  <p:stCondLst>
-                                    <p:cond delay="0"/>
-                                  </p:stCondLst>
-                                  <p:childTnLst>
-                                    <p:set>
-                                      <p:cBhvr>
-                                        <p:cTn id="13" dur="1" fill="hold">
-                                          <p:stCondLst>
-                                            <p:cond delay="0"/>
-                                          </p:stCondLst>
-                                        </p:cTn>
-                                        <p:tgtEl>
-                                          <p:spTgt spid="29"/>
-                                        </p:tgtEl>
-                                        <p:attrNameLst>
-                                          <p:attrName>style.visibility</p:attrName>
-                                        </p:attrNameLst>
-                                      </p:cBhvr>
-                                      <p:to>
-                                        <p:strVal val="visible"/>
-                                      </p:to>
-                                    </p:set>
-                                    <p:animEffect transition="in" filter="barn(inVertical)">
-                                      <p:cBhvr>
-                                        <p:cTn id="14" dur="500"/>
-                                        <p:tgtEl>
-                                          <p:spTgt spid="29"/>
-                                        </p:tgtEl>
-                                      </p:cBhvr>
-                                    </p:animEffect>
-                                  </p:childTnLst>
-                                </p:cTn>
-                              </p:par>
-                              <p:par>
-                                <p:cTn id="15" presetID="16" presetClass="entr" presetSubtype="21" fill="hold" grpId="0" nodeType="withEffect">
-                                  <p:stCondLst>
-                                    <p:cond delay="0"/>
-                                  </p:stCondLst>
-                                  <p:childTnLst>
-                                    <p:set>
-                                      <p:cBhvr>
-                                        <p:cTn id="16" dur="1" fill="hold">
-                                          <p:stCondLst>
-                                            <p:cond delay="0"/>
-                                          </p:stCondLst>
-                                        </p:cTn>
-                                        <p:tgtEl>
-                                          <p:spTgt spid="30"/>
-                                        </p:tgtEl>
-                                        <p:attrNameLst>
-                                          <p:attrName>style.visibility</p:attrName>
-                                        </p:attrNameLst>
-                                      </p:cBhvr>
-                                      <p:to>
-                                        <p:strVal val="visible"/>
-                                      </p:to>
-                                    </p:set>
-                                    <p:animEffect transition="in" filter="barn(inVertical)">
-                                      <p:cBhvr>
-                                        <p:cTn id="17" dur="500"/>
-                                        <p:tgtEl>
-                                          <p:spTgt spid="30"/>
-                                        </p:tgtEl>
-                                      </p:cBhvr>
-                                    </p:animEffect>
-                                  </p:childTnLst>
-                                </p:cTn>
-                              </p:par>
-                              <p:par>
-                                <p:cTn id="18" presetID="16" presetClass="entr" presetSubtype="21" fill="hold" grpId="0" nodeType="withEffect">
-                                  <p:stCondLst>
-                                    <p:cond delay="0"/>
-                                  </p:stCondLst>
-                                  <p:childTnLst>
-                                    <p:set>
-                                      <p:cBhvr>
-                                        <p:cTn id="19" dur="1" fill="hold">
-                                          <p:stCondLst>
-                                            <p:cond delay="0"/>
-                                          </p:stCondLst>
-                                        </p:cTn>
-                                        <p:tgtEl>
-                                          <p:spTgt spid="31"/>
-                                        </p:tgtEl>
-                                        <p:attrNameLst>
-                                          <p:attrName>style.visibility</p:attrName>
-                                        </p:attrNameLst>
-                                      </p:cBhvr>
-                                      <p:to>
-                                        <p:strVal val="visible"/>
-                                      </p:to>
-                                    </p:set>
-                                    <p:animEffect transition="in" filter="barn(inVertical)">
-                                      <p:cBhvr>
-                                        <p:cTn id="20" dur="500"/>
-                                        <p:tgtEl>
-                                          <p:spTgt spid="31"/>
-                                        </p:tgtEl>
-                                      </p:cBhvr>
-                                    </p:animEffect>
-                                  </p:childTnLst>
-                                </p:cTn>
-                              </p:par>
-                              <p:par>
-                                <p:cTn id="21" presetID="16" presetClass="entr" presetSubtype="21" fill="hold" grpId="0" nodeType="withEffect">
-                                  <p:stCondLst>
-                                    <p:cond delay="0"/>
-                                  </p:stCondLst>
-                                  <p:childTnLst>
-                                    <p:set>
-                                      <p:cBhvr>
-                                        <p:cTn id="22" dur="1" fill="hold">
-                                          <p:stCondLst>
-                                            <p:cond delay="0"/>
-                                          </p:stCondLst>
-                                        </p:cTn>
-                                        <p:tgtEl>
-                                          <p:spTgt spid="24"/>
-                                        </p:tgtEl>
-                                        <p:attrNameLst>
-                                          <p:attrName>style.visibility</p:attrName>
-                                        </p:attrNameLst>
-                                      </p:cBhvr>
-                                      <p:to>
-                                        <p:strVal val="visible"/>
-                                      </p:to>
-                                    </p:set>
-                                    <p:animEffect transition="in" filter="barn(inVertical)">
-                                      <p:cBhvr>
-                                        <p:cTn id="23" dur="500"/>
-                                        <p:tgtEl>
-                                          <p:spTgt spid="24"/>
-                                        </p:tgtEl>
-                                      </p:cBhvr>
-                                    </p:animEffect>
-                                  </p:childTnLst>
-                                </p:cTn>
-                              </p:par>
-                            </p:childTnLst>
-                          </p:cTn>
-                        </p:par>
-                      </p:childTnLst>
-                    </p:cTn>
-                  </p:par>
-                  <p:par>
-                    <p:cTn id="24" fill="hold">
-                      <p:stCondLst>
-                        <p:cond delay="indefinite"/>
-                      </p:stCondLst>
-                      <p:childTnLst>
-                        <p:par>
-                          <p:cTn id="25" fill="hold">
-                            <p:stCondLst>
-                              <p:cond delay="0"/>
-                            </p:stCondLst>
-                            <p:childTnLst>
-                              <p:par>
-                                <p:cTn id="26" presetID="22" presetClass="entr" presetSubtype="4" fill="hold" grpId="0" nodeType="clickEffect">
-                                  <p:stCondLst>
-                                    <p:cond delay="0"/>
-                                  </p:stCondLst>
-                                  <p:childTnLst>
-                                    <p:set>
-                                      <p:cBhvr>
-                                        <p:cTn id="27" dur="1" fill="hold">
-                                          <p:stCondLst>
-                                            <p:cond delay="0"/>
-                                          </p:stCondLst>
-                                        </p:cTn>
-                                        <p:tgtEl>
-                                          <p:spTgt spid="32"/>
-                                        </p:tgtEl>
-                                        <p:attrNameLst>
-                                          <p:attrName>style.visibility</p:attrName>
-                                        </p:attrNameLst>
-                                      </p:cBhvr>
-                                      <p:to>
-                                        <p:strVal val="visible"/>
-                                      </p:to>
-                                    </p:set>
-                                    <p:animEffect transition="in" filter="wipe(down)">
-                                      <p:cBhvr>
-                                        <p:cTn id="28" dur="500"/>
-                                        <p:tgtEl>
-                                          <p:spTgt spid="32"/>
-                                        </p:tgtEl>
-                                      </p:cBhvr>
-                                    </p:animEffect>
-                                  </p:childTnLst>
-                                </p:cTn>
-                              </p:par>
-                              <p:par>
-                                <p:cTn id="29" presetID="22" presetClass="entr" presetSubtype="4" fill="hold" grpId="0" nodeType="withEffect">
-                                  <p:stCondLst>
-                                    <p:cond delay="0"/>
-                                  </p:stCondLst>
-                                  <p:childTnLst>
-                                    <p:set>
-                                      <p:cBhvr>
-                                        <p:cTn id="30" dur="1" fill="hold">
-                                          <p:stCondLst>
-                                            <p:cond delay="0"/>
-                                          </p:stCondLst>
-                                        </p:cTn>
-                                        <p:tgtEl>
-                                          <p:spTgt spid="33"/>
-                                        </p:tgtEl>
-                                        <p:attrNameLst>
-                                          <p:attrName>style.visibility</p:attrName>
-                                        </p:attrNameLst>
-                                      </p:cBhvr>
-                                      <p:to>
-                                        <p:strVal val="visible"/>
-                                      </p:to>
-                                    </p:set>
-                                    <p:animEffect transition="in" filter="wipe(down)">
-                                      <p:cBhvr>
-                                        <p:cTn id="31" dur="500"/>
-                                        <p:tgtEl>
-                                          <p:spTgt spid="33"/>
-                                        </p:tgtEl>
-                                      </p:cBhvr>
-                                    </p:animEffect>
-                                  </p:childTnLst>
-                                </p:cTn>
-                              </p:par>
-                              <p:par>
-                                <p:cTn id="32" presetID="22" presetClass="entr" presetSubtype="4" fill="hold" grpId="0" nodeType="withEffect">
-                                  <p:stCondLst>
-                                    <p:cond delay="0"/>
-                                  </p:stCondLst>
-                                  <p:childTnLst>
-                                    <p:set>
-                                      <p:cBhvr>
-                                        <p:cTn id="33" dur="1" fill="hold">
-                                          <p:stCondLst>
-                                            <p:cond delay="0"/>
-                                          </p:stCondLst>
-                                        </p:cTn>
-                                        <p:tgtEl>
-                                          <p:spTgt spid="36"/>
-                                        </p:tgtEl>
-                                        <p:attrNameLst>
-                                          <p:attrName>style.visibility</p:attrName>
-                                        </p:attrNameLst>
-                                      </p:cBhvr>
-                                      <p:to>
-                                        <p:strVal val="visible"/>
-                                      </p:to>
-                                    </p:set>
-                                    <p:animEffect transition="in" filter="wipe(down)">
-                                      <p:cBhvr>
-                                        <p:cTn id="34" dur="500"/>
-                                        <p:tgtEl>
-                                          <p:spTgt spid="36"/>
-                                        </p:tgtEl>
-                                      </p:cBhvr>
-                                    </p:animEffect>
-                                  </p:childTnLst>
-                                </p:cTn>
-                              </p:par>
-                              <p:par>
-                                <p:cTn id="35" presetID="22" presetClass="entr" presetSubtype="4" fill="hold" grpId="0" nodeType="withEffect">
-                                  <p:stCondLst>
-                                    <p:cond delay="0"/>
-                                  </p:stCondLst>
-                                  <p:childTnLst>
-                                    <p:set>
-                                      <p:cBhvr>
-                                        <p:cTn id="36" dur="1" fill="hold">
-                                          <p:stCondLst>
-                                            <p:cond delay="0"/>
-                                          </p:stCondLst>
-                                        </p:cTn>
-                                        <p:tgtEl>
-                                          <p:spTgt spid="34"/>
-                                        </p:tgtEl>
-                                        <p:attrNameLst>
-                                          <p:attrName>style.visibility</p:attrName>
-                                        </p:attrNameLst>
-                                      </p:cBhvr>
-                                      <p:to>
-                                        <p:strVal val="visible"/>
-                                      </p:to>
-                                    </p:set>
-                                    <p:animEffect transition="in" filter="wipe(down)">
-                                      <p:cBhvr>
-                                        <p:cTn id="37" dur="500"/>
-                                        <p:tgtEl>
-                                          <p:spTgt spid="34"/>
-                                        </p:tgtEl>
-                                      </p:cBhvr>
-                                    </p:animEffect>
-                                  </p:childTnLst>
-                                </p:cTn>
-                              </p:par>
-                              <p:par>
-                                <p:cTn id="38" presetID="22" presetClass="entr" presetSubtype="4" fill="hold" grpId="0" nodeType="withEffect">
-                                  <p:stCondLst>
-                                    <p:cond delay="0"/>
-                                  </p:stCondLst>
-                                  <p:childTnLst>
-                                    <p:set>
-                                      <p:cBhvr>
-                                        <p:cTn id="39" dur="1" fill="hold">
-                                          <p:stCondLst>
-                                            <p:cond delay="0"/>
-                                          </p:stCondLst>
-                                        </p:cTn>
-                                        <p:tgtEl>
-                                          <p:spTgt spid="35"/>
-                                        </p:tgtEl>
-                                        <p:attrNameLst>
-                                          <p:attrName>style.visibility</p:attrName>
-                                        </p:attrNameLst>
-                                      </p:cBhvr>
-                                      <p:to>
-                                        <p:strVal val="visible"/>
-                                      </p:to>
-                                    </p:set>
-                                    <p:animEffect transition="in" filter="wipe(down)">
-                                      <p:cBhvr>
-                                        <p:cTn id="40" dur="500"/>
-                                        <p:tgtEl>
-                                          <p:spTgt spid="35"/>
-                                        </p:tgtEl>
-                                      </p:cBhvr>
-                                    </p:animEffect>
-                                  </p:childTnLst>
-                                </p:cTn>
-                              </p:par>
-                            </p:childTnLst>
-                          </p:cTn>
-                        </p:par>
-                      </p:childTnLst>
-                    </p:cTn>
-                  </p:par>
-                </p:childTnLst>
-              </p:cTn>
-              <p:prevCondLst>
-                <p:cond evt="onPrev" delay="0">
-                  <p:tgtEl>
-                    <p:sldTgt/>
-                  </p:tgtEl>
-                </p:cond>
-              </p:prevCondLst>
-              <p:nextCondLst>
-                <p:cond evt="onNext" delay="0">
-                  <p:tgtEl>
-                    <p:sldTgt/>
-                  </p:tgtEl>
-                </p:cond>
-              </p:nextCondLst>
-            </p:seq>
-          </p:childTnLst>
-        </p:cTn>
-      </p:par>
-    </p:tnLst>
-    <p:bldLst>
-      <p:bldP spid="28" grpId="0" animBg="1"/>
-      <p:bldP spid="28" grpId="1" animBg="1"/>
-      <p:bldP spid="28" grpId="2" animBg="1"/>
-      <p:bldP spid="29" grpId="0" animBg="1"/>
-      <p:bldP spid="30" grpId="0" animBg="1"/>
-      <p:bldP spid="31" grpId="0" animBg="1"/>
-      <p:bldP spid="32" grpId="0" animBg="1"/>
-      <p:bldP spid="33" grpId="0" animBg="1"/>
-      <p:bldP spid="34" grpId="0" animBg="1"/>
-      <p:bldP spid="35" grpId="0" animBg="1"/>
-      <p:bldP spid="36" grpId="0" animBg="1"/>
-      <p:bldP spid="24" grpId="0" animBg="1"/>
     </p:bldLst>
   </p:timing>
 </p:sld>
@@ -35892,7 +38660,7 @@
         </p:blipFill>
         <p:spPr>
           <a:xfrm>
-            <a:off x="3097732" y="190959"/>
+            <a:off x="1753804" y="280536"/>
             <a:ext cx="6457824" cy="6296927"/>
           </a:xfrm>
           <a:prstGeom prst="rect">

--- a/Lecture/Lecture.pptx
+++ b/Lecture/Lecture.pptx
@@ -262,7 +262,7 @@
           <a:p>
             <a:fld id="{4B1C6E29-C0EC-43FC-A5E5-44BAD01BAC7B}" type="datetimeFigureOut">
               <a:rPr lang="en-IL" smtClean="0"/>
-              <a:t>25.03.2021</a:t>
+              <a:t>08.05.2021</a:t>
             </a:fld>
             <a:endParaRPr lang="en-IL"/>
           </a:p>
@@ -4048,7 +4048,7 @@
           <a:noFill/>
           <a:extLst>
             <a:ext uri="{909E8E84-426E-40dd-AFC4-6F175D3DCCD1}">
-              <a14:hiddenFill xmlns="" xmlns:a14="http://schemas.microsoft.com/office/drawing/2010/main">
+              <a14:hiddenFill xmlns:a14="http://schemas.microsoft.com/office/drawing/2010/main" xmlns="">
                 <a:solidFill>
                   <a:srgbClr val="FFFFFF"/>
                 </a:solidFill>
@@ -4108,7 +4108,7 @@
             </a:ln>
             <a:extLst>
               <a:ext uri="{91240B29-F687-4f45-9708-019B960494DF}">
-                <a14:hiddenLine xmlns="" xmlns:a14="http://schemas.microsoft.com/office/drawing/2010/main" w="9525">
+                <a14:hiddenLine xmlns:a14="http://schemas.microsoft.com/office/drawing/2010/main" xmlns="" w="9525">
                   <a:solidFill>
                     <a:srgbClr val="000000"/>
                   </a:solidFill>
@@ -4198,7 +4198,7 @@
             </a:ln>
             <a:extLst>
               <a:ext uri="{91240B29-F687-4f45-9708-019B960494DF}">
-                <a14:hiddenLine xmlns="" xmlns:a14="http://schemas.microsoft.com/office/drawing/2010/main" w="9525">
+                <a14:hiddenLine xmlns:a14="http://schemas.microsoft.com/office/drawing/2010/main" xmlns="" w="9525">
                   <a:solidFill>
                     <a:srgbClr val="000000"/>
                   </a:solidFill>
@@ -4288,7 +4288,7 @@
             </a:ln>
             <a:extLst>
               <a:ext uri="{91240B29-F687-4f45-9708-019B960494DF}">
-                <a14:hiddenLine xmlns="" xmlns:a14="http://schemas.microsoft.com/office/drawing/2010/main" w="9525">
+                <a14:hiddenLine xmlns:a14="http://schemas.microsoft.com/office/drawing/2010/main" xmlns="" w="9525">
                   <a:solidFill>
                     <a:srgbClr val="000000"/>
                   </a:solidFill>
@@ -4322,7 +4322,7 @@
             </a:ln>
             <a:extLst>
               <a:ext uri="{91240B29-F687-4f45-9708-019B960494DF}">
-                <a14:hiddenLine xmlns="" xmlns:a14="http://schemas.microsoft.com/office/drawing/2010/main" w="9525">
+                <a14:hiddenLine xmlns:a14="http://schemas.microsoft.com/office/drawing/2010/main" xmlns="" w="9525">
                   <a:solidFill>
                     <a:srgbClr val="000000"/>
                   </a:solidFill>
@@ -4412,7 +4412,7 @@
             </a:ln>
             <a:extLst>
               <a:ext uri="{91240B29-F687-4f45-9708-019B960494DF}">
-                <a14:hiddenLine xmlns="" xmlns:a14="http://schemas.microsoft.com/office/drawing/2010/main" w="9525">
+                <a14:hiddenLine xmlns:a14="http://schemas.microsoft.com/office/drawing/2010/main" xmlns="" w="9525">
                   <a:solidFill>
                     <a:srgbClr val="000000"/>
                   </a:solidFill>
@@ -4474,7 +4474,7 @@
             </a:ln>
             <a:extLst>
               <a:ext uri="{91240B29-F687-4f45-9708-019B960494DF}">
-                <a14:hiddenLine xmlns="" xmlns:a14="http://schemas.microsoft.com/office/drawing/2010/main" w="9525">
+                <a14:hiddenLine xmlns:a14="http://schemas.microsoft.com/office/drawing/2010/main" xmlns="" w="9525">
                   <a:solidFill>
                     <a:srgbClr val="000000"/>
                   </a:solidFill>
@@ -4536,7 +4536,7 @@
             </a:ln>
             <a:extLst>
               <a:ext uri="{91240B29-F687-4f45-9708-019B960494DF}">
-                <a14:hiddenLine xmlns="" xmlns:a14="http://schemas.microsoft.com/office/drawing/2010/main" w="9525">
+                <a14:hiddenLine xmlns:a14="http://schemas.microsoft.com/office/drawing/2010/main" xmlns="" w="9525">
                   <a:solidFill>
                     <a:srgbClr val="000000"/>
                   </a:solidFill>
@@ -4626,7 +4626,7 @@
             </a:ln>
             <a:extLst>
               <a:ext uri="{91240B29-F687-4f45-9708-019B960494DF}">
-                <a14:hiddenLine xmlns="" xmlns:a14="http://schemas.microsoft.com/office/drawing/2010/main" w="9525">
+                <a14:hiddenLine xmlns:a14="http://schemas.microsoft.com/office/drawing/2010/main" xmlns="" w="9525">
                   <a:solidFill>
                     <a:srgbClr val="000000"/>
                   </a:solidFill>
@@ -4688,7 +4688,7 @@
             </a:ln>
             <a:extLst>
               <a:ext uri="{91240B29-F687-4f45-9708-019B960494DF}">
-                <a14:hiddenLine xmlns="" xmlns:a14="http://schemas.microsoft.com/office/drawing/2010/main" w="9525">
+                <a14:hiddenLine xmlns:a14="http://schemas.microsoft.com/office/drawing/2010/main" xmlns="" w="9525">
                   <a:solidFill>
                     <a:srgbClr val="000000"/>
                   </a:solidFill>
@@ -4750,7 +4750,7 @@
             </a:ln>
             <a:extLst>
               <a:ext uri="{91240B29-F687-4f45-9708-019B960494DF}">
-                <a14:hiddenLine xmlns="" xmlns:a14="http://schemas.microsoft.com/office/drawing/2010/main" w="9525">
+                <a14:hiddenLine xmlns:a14="http://schemas.microsoft.com/office/drawing/2010/main" xmlns="" w="9525">
                   <a:solidFill>
                     <a:srgbClr val="000000"/>
                   </a:solidFill>
@@ -4840,7 +4840,7 @@
             </a:ln>
             <a:extLst>
               <a:ext uri="{91240B29-F687-4f45-9708-019B960494DF}">
-                <a14:hiddenLine xmlns="" xmlns:a14="http://schemas.microsoft.com/office/drawing/2010/main" w="9525">
+                <a14:hiddenLine xmlns:a14="http://schemas.microsoft.com/office/drawing/2010/main" xmlns="" w="9525">
                   <a:solidFill>
                     <a:srgbClr val="000000"/>
                   </a:solidFill>
@@ -4930,7 +4930,7 @@
             </a:ln>
             <a:extLst>
               <a:ext uri="{91240B29-F687-4f45-9708-019B960494DF}">
-                <a14:hiddenLine xmlns="" xmlns:a14="http://schemas.microsoft.com/office/drawing/2010/main" w="9525">
+                <a14:hiddenLine xmlns:a14="http://schemas.microsoft.com/office/drawing/2010/main" xmlns="" w="9525">
                   <a:solidFill>
                     <a:srgbClr val="000000"/>
                   </a:solidFill>
@@ -4992,7 +4992,7 @@
             </a:ln>
             <a:extLst>
               <a:ext uri="{91240B29-F687-4f45-9708-019B960494DF}">
-                <a14:hiddenLine xmlns="" xmlns:a14="http://schemas.microsoft.com/office/drawing/2010/main" w="9525">
+                <a14:hiddenLine xmlns:a14="http://schemas.microsoft.com/office/drawing/2010/main" xmlns="" w="9525">
                   <a:solidFill>
                     <a:srgbClr val="000000"/>
                   </a:solidFill>
@@ -5102,7 +5102,7 @@
             </a:ln>
             <a:extLst>
               <a:ext uri="{91240B29-F687-4f45-9708-019B960494DF}">
-                <a14:hiddenLine xmlns="" xmlns:a14="http://schemas.microsoft.com/office/drawing/2010/main" w="9525">
+                <a14:hiddenLine xmlns:a14="http://schemas.microsoft.com/office/drawing/2010/main" xmlns="" w="9525">
                   <a:solidFill>
                     <a:srgbClr val="000000"/>
                   </a:solidFill>
@@ -5164,7 +5164,7 @@
             </a:ln>
             <a:extLst>
               <a:ext uri="{91240B29-F687-4f45-9708-019B960494DF}">
-                <a14:hiddenLine xmlns="" xmlns:a14="http://schemas.microsoft.com/office/drawing/2010/main" w="9525">
+                <a14:hiddenLine xmlns:a14="http://schemas.microsoft.com/office/drawing/2010/main" xmlns="" w="9525">
                   <a:solidFill>
                     <a:srgbClr val="000000"/>
                   </a:solidFill>
@@ -5254,7 +5254,7 @@
             </a:ln>
             <a:extLst>
               <a:ext uri="{91240B29-F687-4f45-9708-019B960494DF}">
-                <a14:hiddenLine xmlns="" xmlns:a14="http://schemas.microsoft.com/office/drawing/2010/main" w="9525">
+                <a14:hiddenLine xmlns:a14="http://schemas.microsoft.com/office/drawing/2010/main" xmlns="" w="9525">
                   <a:solidFill>
                     <a:srgbClr val="000000"/>
                   </a:solidFill>
@@ -5344,7 +5344,7 @@
             </a:ln>
             <a:extLst>
               <a:ext uri="{91240B29-F687-4f45-9708-019B960494DF}">
-                <a14:hiddenLine xmlns="" xmlns:a14="http://schemas.microsoft.com/office/drawing/2010/main" w="9525">
+                <a14:hiddenLine xmlns:a14="http://schemas.microsoft.com/office/drawing/2010/main" xmlns="" w="9525">
                   <a:solidFill>
                     <a:srgbClr val="000000"/>
                   </a:solidFill>
@@ -5406,7 +5406,7 @@
             </a:ln>
             <a:extLst>
               <a:ext uri="{91240B29-F687-4f45-9708-019B960494DF}">
-                <a14:hiddenLine xmlns="" xmlns:a14="http://schemas.microsoft.com/office/drawing/2010/main" w="9525">
+                <a14:hiddenLine xmlns:a14="http://schemas.microsoft.com/office/drawing/2010/main" xmlns="" w="9525">
                   <a:solidFill>
                     <a:srgbClr val="000000"/>
                   </a:solidFill>
@@ -5496,7 +5496,7 @@
             </a:ln>
             <a:extLst>
               <a:ext uri="{91240B29-F687-4f45-9708-019B960494DF}">
-                <a14:hiddenLine xmlns="" xmlns:a14="http://schemas.microsoft.com/office/drawing/2010/main" w="9525">
+                <a14:hiddenLine xmlns:a14="http://schemas.microsoft.com/office/drawing/2010/main" xmlns="" w="9525">
                   <a:solidFill>
                     <a:srgbClr val="000000"/>
                   </a:solidFill>
@@ -5586,7 +5586,7 @@
             </a:ln>
             <a:extLst>
               <a:ext uri="{91240B29-F687-4f45-9708-019B960494DF}">
-                <a14:hiddenLine xmlns="" xmlns:a14="http://schemas.microsoft.com/office/drawing/2010/main" w="9525">
+                <a14:hiddenLine xmlns:a14="http://schemas.microsoft.com/office/drawing/2010/main" xmlns="" w="9525">
                   <a:solidFill>
                     <a:srgbClr val="000000"/>
                   </a:solidFill>
@@ -5642,7 +5642,7 @@
             </a:ln>
             <a:extLst>
               <a:ext uri="{91240B29-F687-4f45-9708-019B960494DF}">
-                <a14:hiddenLine xmlns="" xmlns:a14="http://schemas.microsoft.com/office/drawing/2010/main" w="9525">
+                <a14:hiddenLine xmlns:a14="http://schemas.microsoft.com/office/drawing/2010/main" xmlns="" w="9525">
                   <a:solidFill>
                     <a:srgbClr val="000000"/>
                   </a:solidFill>
@@ -5732,7 +5732,7 @@
             </a:ln>
             <a:extLst>
               <a:ext uri="{91240B29-F687-4f45-9708-019B960494DF}">
-                <a14:hiddenLine xmlns="" xmlns:a14="http://schemas.microsoft.com/office/drawing/2010/main" w="9525">
+                <a14:hiddenLine xmlns:a14="http://schemas.microsoft.com/office/drawing/2010/main" xmlns="" w="9525">
                   <a:solidFill>
                     <a:srgbClr val="000000"/>
                   </a:solidFill>
@@ -5788,7 +5788,7 @@
             </a:ln>
             <a:extLst>
               <a:ext uri="{91240B29-F687-4f45-9708-019B960494DF}">
-                <a14:hiddenLine xmlns="" xmlns:a14="http://schemas.microsoft.com/office/drawing/2010/main" w="9525">
+                <a14:hiddenLine xmlns:a14="http://schemas.microsoft.com/office/drawing/2010/main" xmlns="" w="9525">
                   <a:solidFill>
                     <a:srgbClr val="000000"/>
                   </a:solidFill>
@@ -5878,7 +5878,7 @@
             </a:ln>
             <a:extLst>
               <a:ext uri="{91240B29-F687-4f45-9708-019B960494DF}">
-                <a14:hiddenLine xmlns="" xmlns:a14="http://schemas.microsoft.com/office/drawing/2010/main" w="9525">
+                <a14:hiddenLine xmlns:a14="http://schemas.microsoft.com/office/drawing/2010/main" xmlns="" w="9525">
                   <a:solidFill>
                     <a:srgbClr val="000000"/>
                   </a:solidFill>
@@ -5946,7 +5946,7 @@
             </a:ln>
             <a:extLst>
               <a:ext uri="{91240B29-F687-4f45-9708-019B960494DF}">
-                <a14:hiddenLine xmlns="" xmlns:a14="http://schemas.microsoft.com/office/drawing/2010/main" w="9525">
+                <a14:hiddenLine xmlns:a14="http://schemas.microsoft.com/office/drawing/2010/main" xmlns="" w="9525">
                   <a:solidFill>
                     <a:srgbClr val="000000"/>
                   </a:solidFill>
@@ -6036,7 +6036,7 @@
             </a:ln>
             <a:extLst>
               <a:ext uri="{91240B29-F687-4f45-9708-019B960494DF}">
-                <a14:hiddenLine xmlns="" xmlns:a14="http://schemas.microsoft.com/office/drawing/2010/main" w="9525">
+                <a14:hiddenLine xmlns:a14="http://schemas.microsoft.com/office/drawing/2010/main" xmlns="" w="9525">
                   <a:solidFill>
                     <a:srgbClr val="000000"/>
                   </a:solidFill>
@@ -6104,7 +6104,7 @@
             </a:ln>
             <a:extLst>
               <a:ext uri="{91240B29-F687-4f45-9708-019B960494DF}">
-                <a14:hiddenLine xmlns="" xmlns:a14="http://schemas.microsoft.com/office/drawing/2010/main" w="9525">
+                <a14:hiddenLine xmlns:a14="http://schemas.microsoft.com/office/drawing/2010/main" xmlns="" w="9525">
                   <a:solidFill>
                     <a:srgbClr val="000000"/>
                   </a:solidFill>
@@ -6194,7 +6194,7 @@
             </a:ln>
             <a:extLst>
               <a:ext uri="{91240B29-F687-4f45-9708-019B960494DF}">
-                <a14:hiddenLine xmlns="" xmlns:a14="http://schemas.microsoft.com/office/drawing/2010/main" w="9525">
+                <a14:hiddenLine xmlns:a14="http://schemas.microsoft.com/office/drawing/2010/main" xmlns="" w="9525">
                   <a:solidFill>
                     <a:srgbClr val="000000"/>
                   </a:solidFill>
@@ -6228,7 +6228,7 @@
             </a:ln>
             <a:extLst>
               <a:ext uri="{91240B29-F687-4f45-9708-019B960494DF}">
-                <a14:hiddenLine xmlns="" xmlns:a14="http://schemas.microsoft.com/office/drawing/2010/main" w="9525">
+                <a14:hiddenLine xmlns:a14="http://schemas.microsoft.com/office/drawing/2010/main" xmlns="" w="9525">
                   <a:solidFill>
                     <a:srgbClr val="000000"/>
                   </a:solidFill>
@@ -6318,7 +6318,7 @@
             </a:ln>
             <a:extLst>
               <a:ext uri="{91240B29-F687-4f45-9708-019B960494DF}">
-                <a14:hiddenLine xmlns="" xmlns:a14="http://schemas.microsoft.com/office/drawing/2010/main" w="9525">
+                <a14:hiddenLine xmlns:a14="http://schemas.microsoft.com/office/drawing/2010/main" xmlns="" w="9525">
                   <a:solidFill>
                     <a:srgbClr val="000000"/>
                   </a:solidFill>
@@ -6380,7 +6380,7 @@
             </a:ln>
             <a:extLst>
               <a:ext uri="{91240B29-F687-4f45-9708-019B960494DF}">
-                <a14:hiddenLine xmlns="" xmlns:a14="http://schemas.microsoft.com/office/drawing/2010/main" w="9525">
+                <a14:hiddenLine xmlns:a14="http://schemas.microsoft.com/office/drawing/2010/main" xmlns="" w="9525">
                   <a:solidFill>
                     <a:srgbClr val="000000"/>
                   </a:solidFill>
@@ -6442,7 +6442,7 @@
             </a:ln>
             <a:extLst>
               <a:ext uri="{91240B29-F687-4f45-9708-019B960494DF}">
-                <a14:hiddenLine xmlns="" xmlns:a14="http://schemas.microsoft.com/office/drawing/2010/main" w="9525">
+                <a14:hiddenLine xmlns:a14="http://schemas.microsoft.com/office/drawing/2010/main" xmlns="" w="9525">
                   <a:solidFill>
                     <a:srgbClr val="000000"/>
                   </a:solidFill>
@@ -6532,7 +6532,7 @@
             </a:ln>
             <a:extLst>
               <a:ext uri="{91240B29-F687-4f45-9708-019B960494DF}">
-                <a14:hiddenLine xmlns="" xmlns:a14="http://schemas.microsoft.com/office/drawing/2010/main" w="9525">
+                <a14:hiddenLine xmlns:a14="http://schemas.microsoft.com/office/drawing/2010/main" xmlns="" w="9525">
                   <a:solidFill>
                     <a:srgbClr val="000000"/>
                   </a:solidFill>
@@ -6600,7 +6600,7 @@
             </a:ln>
             <a:extLst>
               <a:ext uri="{91240B29-F687-4f45-9708-019B960494DF}">
-                <a14:hiddenLine xmlns="" xmlns:a14="http://schemas.microsoft.com/office/drawing/2010/main" w="9525">
+                <a14:hiddenLine xmlns:a14="http://schemas.microsoft.com/office/drawing/2010/main" xmlns="" w="9525">
                   <a:solidFill>
                     <a:srgbClr val="000000"/>
                   </a:solidFill>
@@ -6662,7 +6662,7 @@
             </a:ln>
             <a:extLst>
               <a:ext uri="{91240B29-F687-4f45-9708-019B960494DF}">
-                <a14:hiddenLine xmlns="" xmlns:a14="http://schemas.microsoft.com/office/drawing/2010/main" w="9525">
+                <a14:hiddenLine xmlns:a14="http://schemas.microsoft.com/office/drawing/2010/main" xmlns="" w="9525">
                   <a:solidFill>
                     <a:srgbClr val="000000"/>
                   </a:solidFill>
@@ -6752,7 +6752,7 @@
             </a:ln>
             <a:extLst>
               <a:ext uri="{91240B29-F687-4f45-9708-019B960494DF}">
-                <a14:hiddenLine xmlns="" xmlns:a14="http://schemas.microsoft.com/office/drawing/2010/main" w="9525">
+                <a14:hiddenLine xmlns:a14="http://schemas.microsoft.com/office/drawing/2010/main" xmlns="" w="9525">
                   <a:solidFill>
                     <a:srgbClr val="000000"/>
                   </a:solidFill>
@@ -6814,7 +6814,7 @@
             </a:ln>
             <a:extLst>
               <a:ext uri="{91240B29-F687-4f45-9708-019B960494DF}">
-                <a14:hiddenLine xmlns="" xmlns:a14="http://schemas.microsoft.com/office/drawing/2010/main" w="9525">
+                <a14:hiddenLine xmlns:a14="http://schemas.microsoft.com/office/drawing/2010/main" xmlns="" w="9525">
                   <a:solidFill>
                     <a:srgbClr val="000000"/>
                   </a:solidFill>
@@ -6904,7 +6904,7 @@
             </a:ln>
             <a:extLst>
               <a:ext uri="{91240B29-F687-4f45-9708-019B960494DF}">
-                <a14:hiddenLine xmlns="" xmlns:a14="http://schemas.microsoft.com/office/drawing/2010/main" w="9525">
+                <a14:hiddenLine xmlns:a14="http://schemas.microsoft.com/office/drawing/2010/main" xmlns="" w="9525">
                   <a:solidFill>
                     <a:srgbClr val="000000"/>
                   </a:solidFill>
@@ -6966,7 +6966,7 @@
             </a:ln>
             <a:extLst>
               <a:ext uri="{91240B29-F687-4f45-9708-019B960494DF}">
-                <a14:hiddenLine xmlns="" xmlns:a14="http://schemas.microsoft.com/office/drawing/2010/main" w="9525">
+                <a14:hiddenLine xmlns:a14="http://schemas.microsoft.com/office/drawing/2010/main" xmlns="" w="9525">
                   <a:solidFill>
                     <a:srgbClr val="000000"/>
                   </a:solidFill>
@@ -7056,7 +7056,7 @@
             </a:ln>
             <a:extLst>
               <a:ext uri="{91240B29-F687-4f45-9708-019B960494DF}">
-                <a14:hiddenLine xmlns="" xmlns:a14="http://schemas.microsoft.com/office/drawing/2010/main" w="9525">
+                <a14:hiddenLine xmlns:a14="http://schemas.microsoft.com/office/drawing/2010/main" xmlns="" w="9525">
                   <a:solidFill>
                     <a:srgbClr val="000000"/>
                   </a:solidFill>
@@ -7090,7 +7090,7 @@
             </a:ln>
             <a:extLst>
               <a:ext uri="{91240B29-F687-4f45-9708-019B960494DF}">
-                <a14:hiddenLine xmlns="" xmlns:a14="http://schemas.microsoft.com/office/drawing/2010/main" w="9525">
+                <a14:hiddenLine xmlns:a14="http://schemas.microsoft.com/office/drawing/2010/main" xmlns="" w="9525">
                   <a:solidFill>
                     <a:srgbClr val="000000"/>
                   </a:solidFill>
@@ -7155,7 +7155,7 @@
             </a:ln>
             <a:extLst>
               <a:ext uri="{91240B29-F687-4f45-9708-019B960494DF}">
-                <a14:hiddenLine xmlns="" xmlns:a14="http://schemas.microsoft.com/office/drawing/2010/main" w="9525">
+                <a14:hiddenLine xmlns:a14="http://schemas.microsoft.com/office/drawing/2010/main" xmlns="" w="9525">
                   <a:solidFill>
                     <a:srgbClr val="000000"/>
                   </a:solidFill>
@@ -7245,7 +7245,7 @@
             </a:ln>
             <a:extLst>
               <a:ext uri="{91240B29-F687-4f45-9708-019B960494DF}">
-                <a14:hiddenLine xmlns="" xmlns:a14="http://schemas.microsoft.com/office/drawing/2010/main" w="9525">
+                <a14:hiddenLine xmlns:a14="http://schemas.microsoft.com/office/drawing/2010/main" xmlns="" w="9525">
                   <a:solidFill>
                     <a:srgbClr val="000000"/>
                   </a:solidFill>
@@ -7307,7 +7307,7 @@
             </a:ln>
             <a:extLst>
               <a:ext uri="{91240B29-F687-4f45-9708-019B960494DF}">
-                <a14:hiddenLine xmlns="" xmlns:a14="http://schemas.microsoft.com/office/drawing/2010/main" w="9525">
+                <a14:hiddenLine xmlns:a14="http://schemas.microsoft.com/office/drawing/2010/main" xmlns="" w="9525">
                   <a:solidFill>
                     <a:srgbClr val="000000"/>
                   </a:solidFill>
@@ -7397,7 +7397,7 @@
             </a:ln>
             <a:extLst>
               <a:ext uri="{91240B29-F687-4f45-9708-019B960494DF}">
-                <a14:hiddenLine xmlns="" xmlns:a14="http://schemas.microsoft.com/office/drawing/2010/main" w="9525">
+                <a14:hiddenLine xmlns:a14="http://schemas.microsoft.com/office/drawing/2010/main" xmlns="" w="9525">
                   <a:solidFill>
                     <a:srgbClr val="000000"/>
                   </a:solidFill>
@@ -7487,7 +7487,7 @@
             </a:ln>
             <a:extLst>
               <a:ext uri="{91240B29-F687-4f45-9708-019B960494DF}">
-                <a14:hiddenLine xmlns="" xmlns:a14="http://schemas.microsoft.com/office/drawing/2010/main" w="9525">
+                <a14:hiddenLine xmlns:a14="http://schemas.microsoft.com/office/drawing/2010/main" xmlns="" w="9525">
                   <a:solidFill>
                     <a:srgbClr val="000000"/>
                   </a:solidFill>
@@ -7552,7 +7552,7 @@
             </a:ln>
             <a:extLst>
               <a:ext uri="{91240B29-F687-4f45-9708-019B960494DF}">
-                <a14:hiddenLine xmlns="" xmlns:a14="http://schemas.microsoft.com/office/drawing/2010/main" w="9525">
+                <a14:hiddenLine xmlns:a14="http://schemas.microsoft.com/office/drawing/2010/main" xmlns="" w="9525">
                   <a:solidFill>
                     <a:srgbClr val="000000"/>
                   </a:solidFill>
@@ -7614,7 +7614,7 @@
             </a:ln>
             <a:extLst>
               <a:ext uri="{91240B29-F687-4f45-9708-019B960494DF}">
-                <a14:hiddenLine xmlns="" xmlns:a14="http://schemas.microsoft.com/office/drawing/2010/main" w="9525">
+                <a14:hiddenLine xmlns:a14="http://schemas.microsoft.com/office/drawing/2010/main" xmlns="" w="9525">
                   <a:solidFill>
                     <a:srgbClr val="000000"/>
                   </a:solidFill>
@@ -7704,7 +7704,7 @@
             </a:ln>
             <a:extLst>
               <a:ext uri="{91240B29-F687-4f45-9708-019B960494DF}">
-                <a14:hiddenLine xmlns="" xmlns:a14="http://schemas.microsoft.com/office/drawing/2010/main" w="9525">
+                <a14:hiddenLine xmlns:a14="http://schemas.microsoft.com/office/drawing/2010/main" xmlns="" w="9525">
                   <a:solidFill>
                     <a:srgbClr val="000000"/>
                   </a:solidFill>
@@ -7794,7 +7794,7 @@
             </a:ln>
             <a:extLst>
               <a:ext uri="{91240B29-F687-4f45-9708-019B960494DF}">
-                <a14:hiddenLine xmlns="" xmlns:a14="http://schemas.microsoft.com/office/drawing/2010/main" w="9525">
+                <a14:hiddenLine xmlns:a14="http://schemas.microsoft.com/office/drawing/2010/main" xmlns="" w="9525">
                   <a:solidFill>
                     <a:srgbClr val="000000"/>
                   </a:solidFill>
@@ -7856,7 +7856,7 @@
             </a:ln>
             <a:extLst>
               <a:ext uri="{91240B29-F687-4f45-9708-019B960494DF}">
-                <a14:hiddenLine xmlns="" xmlns:a14="http://schemas.microsoft.com/office/drawing/2010/main" w="9525">
+                <a14:hiddenLine xmlns:a14="http://schemas.microsoft.com/office/drawing/2010/main" xmlns="" w="9525">
                   <a:solidFill>
                     <a:srgbClr val="000000"/>
                   </a:solidFill>
@@ -7976,7 +7976,7 @@
             </a:ln>
             <a:extLst>
               <a:ext uri="{91240B29-F687-4f45-9708-019B960494DF}">
-                <a14:hiddenLine xmlns="" xmlns:a14="http://schemas.microsoft.com/office/drawing/2010/main" w="9525">
+                <a14:hiddenLine xmlns:a14="http://schemas.microsoft.com/office/drawing/2010/main" xmlns="" w="9525">
                   <a:solidFill>
                     <a:srgbClr val="000000"/>
                   </a:solidFill>
@@ -8044,7 +8044,7 @@
             </a:ln>
             <a:extLst>
               <a:ext uri="{91240B29-F687-4f45-9708-019B960494DF}">
-                <a14:hiddenLine xmlns="" xmlns:a14="http://schemas.microsoft.com/office/drawing/2010/main" w="9525">
+                <a14:hiddenLine xmlns:a14="http://schemas.microsoft.com/office/drawing/2010/main" xmlns="" w="9525">
                   <a:solidFill>
                     <a:srgbClr val="000000"/>
                   </a:solidFill>
@@ -8134,7 +8134,7 @@
             </a:ln>
             <a:extLst>
               <a:ext uri="{91240B29-F687-4f45-9708-019B960494DF}">
-                <a14:hiddenLine xmlns="" xmlns:a14="http://schemas.microsoft.com/office/drawing/2010/main" w="9525">
+                <a14:hiddenLine xmlns:a14="http://schemas.microsoft.com/office/drawing/2010/main" xmlns="" w="9525">
                   <a:solidFill>
                     <a:srgbClr val="000000"/>
                   </a:solidFill>
@@ -8274,7 +8274,7 @@
           <a:p>
             <a:fld id="{7FDF501D-82E6-4DBB-AAAA-6DA52CACCFFC}" type="datetimeFigureOut">
               <a:rPr lang="en-IL" smtClean="0"/>
-              <a:t>25.03.2021</a:t>
+              <a:t>08.05.2021</a:t>
             </a:fld>
             <a:endParaRPr lang="en-IL"/>
           </a:p>
@@ -8549,7 +8549,7 @@
           <a:p>
             <a:fld id="{7FDF501D-82E6-4DBB-AAAA-6DA52CACCFFC}" type="datetimeFigureOut">
               <a:rPr lang="en-IL" smtClean="0"/>
-              <a:t>25.03.2021</a:t>
+              <a:t>08.05.2021</a:t>
             </a:fld>
             <a:endParaRPr lang="en-IL"/>
           </a:p>
@@ -8753,7 +8753,7 @@
           <a:p>
             <a:fld id="{7FDF501D-82E6-4DBB-AAAA-6DA52CACCFFC}" type="datetimeFigureOut">
               <a:rPr lang="en-IL" smtClean="0"/>
-              <a:t>25.03.2021</a:t>
+              <a:t>08.05.2021</a:t>
             </a:fld>
             <a:endParaRPr lang="en-IL"/>
           </a:p>
@@ -9024,7 +9024,7 @@
           <a:p>
             <a:fld id="{7FDF501D-82E6-4DBB-AAAA-6DA52CACCFFC}" type="datetimeFigureOut">
               <a:rPr lang="en-IL" smtClean="0"/>
-              <a:t>25.03.2021</a:t>
+              <a:t>08.05.2021</a:t>
             </a:fld>
             <a:endParaRPr lang="en-IL"/>
           </a:p>
@@ -9466,7 +9466,7 @@
           <a:p>
             <a:fld id="{7FDF501D-82E6-4DBB-AAAA-6DA52CACCFFC}" type="datetimeFigureOut">
               <a:rPr lang="en-IL" smtClean="0"/>
-              <a:t>25.03.2021</a:t>
+              <a:t>08.05.2021</a:t>
             </a:fld>
             <a:endParaRPr lang="en-IL"/>
           </a:p>
@@ -10020,7 +10020,7 @@
           <a:p>
             <a:fld id="{7FDF501D-82E6-4DBB-AAAA-6DA52CACCFFC}" type="datetimeFigureOut">
               <a:rPr lang="en-IL" smtClean="0"/>
-              <a:t>25.03.2021</a:t>
+              <a:t>08.05.2021</a:t>
             </a:fld>
             <a:endParaRPr lang="en-IL"/>
           </a:p>
@@ -10748,7 +10748,7 @@
           <a:p>
             <a:fld id="{7FDF501D-82E6-4DBB-AAAA-6DA52CACCFFC}" type="datetimeFigureOut">
               <a:rPr lang="en-IL" smtClean="0"/>
-              <a:t>25.03.2021</a:t>
+              <a:t>08.05.2021</a:t>
             </a:fld>
             <a:endParaRPr lang="en-IL"/>
           </a:p>
@@ -10926,7 +10926,7 @@
           <a:p>
             <a:fld id="{7FDF501D-82E6-4DBB-AAAA-6DA52CACCFFC}" type="datetimeFigureOut">
               <a:rPr lang="en-IL" smtClean="0"/>
-              <a:t>25.03.2021</a:t>
+              <a:t>08.05.2021</a:t>
             </a:fld>
             <a:endParaRPr lang="en-IL"/>
           </a:p>
@@ -11114,7 +11114,7 @@
           <a:p>
             <a:fld id="{7FDF501D-82E6-4DBB-AAAA-6DA52CACCFFC}" type="datetimeFigureOut">
               <a:rPr lang="en-IL" smtClean="0"/>
-              <a:t>25.03.2021</a:t>
+              <a:t>08.05.2021</a:t>
             </a:fld>
             <a:endParaRPr lang="en-IL"/>
           </a:p>
@@ -11292,7 +11292,7 @@
           <a:p>
             <a:fld id="{7FDF501D-82E6-4DBB-AAAA-6DA52CACCFFC}" type="datetimeFigureOut">
               <a:rPr lang="en-IL" smtClean="0"/>
-              <a:t>25.03.2021</a:t>
+              <a:t>08.05.2021</a:t>
             </a:fld>
             <a:endParaRPr lang="en-IL"/>
           </a:p>
@@ -11550,7 +11550,7 @@
           <a:p>
             <a:fld id="{7FDF501D-82E6-4DBB-AAAA-6DA52CACCFFC}" type="datetimeFigureOut">
               <a:rPr lang="en-IL" smtClean="0"/>
-              <a:t>25.03.2021</a:t>
+              <a:t>08.05.2021</a:t>
             </a:fld>
             <a:endParaRPr lang="en-IL"/>
           </a:p>
@@ -11790,7 +11790,7 @@
           <a:p>
             <a:fld id="{7FDF501D-82E6-4DBB-AAAA-6DA52CACCFFC}" type="datetimeFigureOut">
               <a:rPr lang="en-IL" smtClean="0"/>
-              <a:t>25.03.2021</a:t>
+              <a:t>08.05.2021</a:t>
             </a:fld>
             <a:endParaRPr lang="en-IL"/>
           </a:p>
@@ -12179,7 +12179,7 @@
           <a:p>
             <a:fld id="{7FDF501D-82E6-4DBB-AAAA-6DA52CACCFFC}" type="datetimeFigureOut">
               <a:rPr lang="en-IL" smtClean="0"/>
-              <a:t>25.03.2021</a:t>
+              <a:t>08.05.2021</a:t>
             </a:fld>
             <a:endParaRPr lang="en-IL"/>
           </a:p>
@@ -12305,7 +12305,7 @@
           <a:p>
             <a:fld id="{7FDF501D-82E6-4DBB-AAAA-6DA52CACCFFC}" type="datetimeFigureOut">
               <a:rPr lang="en-IL" smtClean="0"/>
-              <a:t>25.03.2021</a:t>
+              <a:t>08.05.2021</a:t>
             </a:fld>
             <a:endParaRPr lang="en-IL"/>
           </a:p>
@@ -12408,7 +12408,7 @@
           <a:p>
             <a:fld id="{7FDF501D-82E6-4DBB-AAAA-6DA52CACCFFC}" type="datetimeFigureOut">
               <a:rPr lang="en-IL" smtClean="0"/>
-              <a:t>25.03.2021</a:t>
+              <a:t>08.05.2021</a:t>
             </a:fld>
             <a:endParaRPr lang="en-IL"/>
           </a:p>
@@ -12665,7 +12665,7 @@
           <a:p>
             <a:fld id="{7FDF501D-82E6-4DBB-AAAA-6DA52CACCFFC}" type="datetimeFigureOut">
               <a:rPr lang="en-IL" smtClean="0"/>
-              <a:t>25.03.2021</a:t>
+              <a:t>08.05.2021</a:t>
             </a:fld>
             <a:endParaRPr lang="en-IL"/>
           </a:p>
@@ -12953,7 +12953,7 @@
           <a:p>
             <a:fld id="{7FDF501D-82E6-4DBB-AAAA-6DA52CACCFFC}" type="datetimeFigureOut">
               <a:rPr lang="en-IL" smtClean="0"/>
-              <a:t>25.03.2021</a:t>
+              <a:t>08.05.2021</a:t>
             </a:fld>
             <a:endParaRPr lang="en-IL"/>
           </a:p>
@@ -13077,7 +13077,7 @@
           <a:noFill/>
           <a:extLst>
             <a:ext uri="{909E8E84-426E-40dd-AFC4-6F175D3DCCD1}">
-              <a14:hiddenFill xmlns="" xmlns:a14="http://schemas.microsoft.com/office/drawing/2010/main">
+              <a14:hiddenFill xmlns:a14="http://schemas.microsoft.com/office/drawing/2010/main" xmlns="">
                 <a:solidFill>
                   <a:srgbClr val="FFFFFF"/>
                 </a:solidFill>
@@ -13151,7 +13151,7 @@
               </a:ln>
               <a:extLst>
                 <a:ext uri="{91240B29-F687-4f45-9708-019B960494DF}">
-                  <a14:hiddenLine xmlns="" xmlns:a14="http://schemas.microsoft.com/office/drawing/2010/main" w="9525">
+                  <a14:hiddenLine xmlns:a14="http://schemas.microsoft.com/office/drawing/2010/main" xmlns="" w="9525">
                     <a:solidFill>
                       <a:srgbClr val="000000"/>
                     </a:solidFill>
@@ -13241,7 +13241,7 @@
               </a:ln>
               <a:extLst>
                 <a:ext uri="{91240B29-F687-4f45-9708-019B960494DF}">
-                  <a14:hiddenLine xmlns="" xmlns:a14="http://schemas.microsoft.com/office/drawing/2010/main" w="9525">
+                  <a14:hiddenLine xmlns:a14="http://schemas.microsoft.com/office/drawing/2010/main" xmlns="" w="9525">
                     <a:solidFill>
                       <a:srgbClr val="000000"/>
                     </a:solidFill>
@@ -13331,7 +13331,7 @@
               </a:ln>
               <a:extLst>
                 <a:ext uri="{91240B29-F687-4f45-9708-019B960494DF}">
-                  <a14:hiddenLine xmlns="" xmlns:a14="http://schemas.microsoft.com/office/drawing/2010/main" w="9525">
+                  <a14:hiddenLine xmlns:a14="http://schemas.microsoft.com/office/drawing/2010/main" xmlns="" w="9525">
                     <a:solidFill>
                       <a:srgbClr val="000000"/>
                     </a:solidFill>
@@ -13393,7 +13393,7 @@
               </a:ln>
               <a:extLst>
                 <a:ext uri="{91240B29-F687-4f45-9708-019B960494DF}">
-                  <a14:hiddenLine xmlns="" xmlns:a14="http://schemas.microsoft.com/office/drawing/2010/main" w="9525">
+                  <a14:hiddenLine xmlns:a14="http://schemas.microsoft.com/office/drawing/2010/main" xmlns="" w="9525">
                     <a:solidFill>
                       <a:srgbClr val="000000"/>
                     </a:solidFill>
@@ -13483,7 +13483,7 @@
               </a:ln>
               <a:extLst>
                 <a:ext uri="{91240B29-F687-4f45-9708-019B960494DF}">
-                  <a14:hiddenLine xmlns="" xmlns:a14="http://schemas.microsoft.com/office/drawing/2010/main" w="9525">
+                  <a14:hiddenLine xmlns:a14="http://schemas.microsoft.com/office/drawing/2010/main" xmlns="" w="9525">
                     <a:solidFill>
                       <a:srgbClr val="000000"/>
                     </a:solidFill>
@@ -13545,7 +13545,7 @@
               </a:ln>
               <a:extLst>
                 <a:ext uri="{91240B29-F687-4f45-9708-019B960494DF}">
-                  <a14:hiddenLine xmlns="" xmlns:a14="http://schemas.microsoft.com/office/drawing/2010/main" w="9525">
+                  <a14:hiddenLine xmlns:a14="http://schemas.microsoft.com/office/drawing/2010/main" xmlns="" w="9525">
                     <a:solidFill>
                       <a:srgbClr val="000000"/>
                     </a:solidFill>
@@ -13607,7 +13607,7 @@
               </a:ln>
               <a:extLst>
                 <a:ext uri="{91240B29-F687-4f45-9708-019B960494DF}">
-                  <a14:hiddenLine xmlns="" xmlns:a14="http://schemas.microsoft.com/office/drawing/2010/main" w="9525">
+                  <a14:hiddenLine xmlns:a14="http://schemas.microsoft.com/office/drawing/2010/main" xmlns="" w="9525">
                     <a:solidFill>
                       <a:srgbClr val="000000"/>
                     </a:solidFill>
@@ -13697,7 +13697,7 @@
               </a:ln>
               <a:extLst>
                 <a:ext uri="{91240B29-F687-4f45-9708-019B960494DF}">
-                  <a14:hiddenLine xmlns="" xmlns:a14="http://schemas.microsoft.com/office/drawing/2010/main" w="9525">
+                  <a14:hiddenLine xmlns:a14="http://schemas.microsoft.com/office/drawing/2010/main" xmlns="" w="9525">
                     <a:solidFill>
                       <a:srgbClr val="000000"/>
                     </a:solidFill>
@@ -13787,7 +13787,7 @@
               </a:ln>
               <a:extLst>
                 <a:ext uri="{91240B29-F687-4f45-9708-019B960494DF}">
-                  <a14:hiddenLine xmlns="" xmlns:a14="http://schemas.microsoft.com/office/drawing/2010/main" w="9525">
+                  <a14:hiddenLine xmlns:a14="http://schemas.microsoft.com/office/drawing/2010/main" xmlns="" w="9525">
                     <a:solidFill>
                       <a:srgbClr val="000000"/>
                     </a:solidFill>
@@ -13849,7 +13849,7 @@
               </a:ln>
               <a:extLst>
                 <a:ext uri="{91240B29-F687-4f45-9708-019B960494DF}">
-                  <a14:hiddenLine xmlns="" xmlns:a14="http://schemas.microsoft.com/office/drawing/2010/main" w="9525">
+                  <a14:hiddenLine xmlns:a14="http://schemas.microsoft.com/office/drawing/2010/main" xmlns="" w="9525">
                     <a:solidFill>
                       <a:srgbClr val="000000"/>
                     </a:solidFill>
@@ -13959,7 +13959,7 @@
               </a:ln>
               <a:extLst>
                 <a:ext uri="{91240B29-F687-4f45-9708-019B960494DF}">
-                  <a14:hiddenLine xmlns="" xmlns:a14="http://schemas.microsoft.com/office/drawing/2010/main" w="9525">
+                  <a14:hiddenLine xmlns:a14="http://schemas.microsoft.com/office/drawing/2010/main" xmlns="" w="9525">
                     <a:solidFill>
                       <a:srgbClr val="000000"/>
                     </a:solidFill>
@@ -14043,7 +14043,7 @@
               </a:ln>
               <a:extLst>
                 <a:ext uri="{91240B29-F687-4f45-9708-019B960494DF}">
-                  <a14:hiddenLine xmlns="" xmlns:a14="http://schemas.microsoft.com/office/drawing/2010/main" w="9525">
+                  <a14:hiddenLine xmlns:a14="http://schemas.microsoft.com/office/drawing/2010/main" xmlns="" w="9525">
                     <a:solidFill>
                       <a:srgbClr val="000000"/>
                     </a:solidFill>
@@ -14105,7 +14105,7 @@
               </a:ln>
               <a:extLst>
                 <a:ext uri="{91240B29-F687-4f45-9708-019B960494DF}">
-                  <a14:hiddenLine xmlns="" xmlns:a14="http://schemas.microsoft.com/office/drawing/2010/main" w="9525">
+                  <a14:hiddenLine xmlns:a14="http://schemas.microsoft.com/office/drawing/2010/main" xmlns="" w="9525">
                     <a:solidFill>
                       <a:srgbClr val="000000"/>
                     </a:solidFill>
@@ -14167,7 +14167,7 @@
               </a:ln>
               <a:extLst>
                 <a:ext uri="{91240B29-F687-4f45-9708-019B960494DF}">
-                  <a14:hiddenLine xmlns="" xmlns:a14="http://schemas.microsoft.com/office/drawing/2010/main" w="9525">
+                  <a14:hiddenLine xmlns:a14="http://schemas.microsoft.com/office/drawing/2010/main" xmlns="" w="9525">
                     <a:solidFill>
                       <a:srgbClr val="000000"/>
                     </a:solidFill>
@@ -14257,7 +14257,7 @@
               </a:ln>
               <a:extLst>
                 <a:ext uri="{91240B29-F687-4f45-9708-019B960494DF}">
-                  <a14:hiddenLine xmlns="" xmlns:a14="http://schemas.microsoft.com/office/drawing/2010/main" w="9525">
+                  <a14:hiddenLine xmlns:a14="http://schemas.microsoft.com/office/drawing/2010/main" xmlns="" w="9525">
                     <a:solidFill>
                       <a:srgbClr val="000000"/>
                     </a:solidFill>
@@ -14291,7 +14291,7 @@
               </a:ln>
               <a:extLst>
                 <a:ext uri="{91240B29-F687-4f45-9708-019B960494DF}">
-                  <a14:hiddenLine xmlns="" xmlns:a14="http://schemas.microsoft.com/office/drawing/2010/main" w="9525">
+                  <a14:hiddenLine xmlns:a14="http://schemas.microsoft.com/office/drawing/2010/main" xmlns="" w="9525">
                     <a:solidFill>
                       <a:srgbClr val="000000"/>
                     </a:solidFill>
@@ -14356,7 +14356,7 @@
               </a:ln>
               <a:extLst>
                 <a:ext uri="{91240B29-F687-4f45-9708-019B960494DF}">
-                  <a14:hiddenLine xmlns="" xmlns:a14="http://schemas.microsoft.com/office/drawing/2010/main" w="9525">
+                  <a14:hiddenLine xmlns:a14="http://schemas.microsoft.com/office/drawing/2010/main" xmlns="" w="9525">
                     <a:solidFill>
                       <a:srgbClr val="000000"/>
                     </a:solidFill>
@@ -14446,7 +14446,7 @@
               </a:ln>
               <a:extLst>
                 <a:ext uri="{91240B29-F687-4f45-9708-019B960494DF}">
-                  <a14:hiddenLine xmlns="" xmlns:a14="http://schemas.microsoft.com/office/drawing/2010/main" w="9525">
+                  <a14:hiddenLine xmlns:a14="http://schemas.microsoft.com/office/drawing/2010/main" xmlns="" w="9525">
                     <a:solidFill>
                       <a:srgbClr val="000000"/>
                     </a:solidFill>
@@ -14508,7 +14508,7 @@
               </a:ln>
               <a:extLst>
                 <a:ext uri="{91240B29-F687-4f45-9708-019B960494DF}">
-                  <a14:hiddenLine xmlns="" xmlns:a14="http://schemas.microsoft.com/office/drawing/2010/main" w="9525">
+                  <a14:hiddenLine xmlns:a14="http://schemas.microsoft.com/office/drawing/2010/main" xmlns="" w="9525">
                     <a:solidFill>
                       <a:srgbClr val="000000"/>
                     </a:solidFill>
@@ -14598,7 +14598,7 @@
               </a:ln>
               <a:extLst>
                 <a:ext uri="{91240B29-F687-4f45-9708-019B960494DF}">
-                  <a14:hiddenLine xmlns="" xmlns:a14="http://schemas.microsoft.com/office/drawing/2010/main" w="9525">
+                  <a14:hiddenLine xmlns:a14="http://schemas.microsoft.com/office/drawing/2010/main" xmlns="" w="9525">
                     <a:solidFill>
                       <a:srgbClr val="000000"/>
                     </a:solidFill>
@@ -14663,7 +14663,7 @@
               </a:ln>
               <a:extLst>
                 <a:ext uri="{91240B29-F687-4f45-9708-019B960494DF}">
-                  <a14:hiddenLine xmlns="" xmlns:a14="http://schemas.microsoft.com/office/drawing/2010/main" w="9525">
+                  <a14:hiddenLine xmlns:a14="http://schemas.microsoft.com/office/drawing/2010/main" xmlns="" w="9525">
                     <a:solidFill>
                       <a:srgbClr val="000000"/>
                     </a:solidFill>
@@ -14725,7 +14725,7 @@
               </a:ln>
               <a:extLst>
                 <a:ext uri="{91240B29-F687-4f45-9708-019B960494DF}">
-                  <a14:hiddenLine xmlns="" xmlns:a14="http://schemas.microsoft.com/office/drawing/2010/main" w="9525">
+                  <a14:hiddenLine xmlns:a14="http://schemas.microsoft.com/office/drawing/2010/main" xmlns="" w="9525">
                     <a:solidFill>
                       <a:srgbClr val="000000"/>
                     </a:solidFill>
@@ -14815,7 +14815,7 @@
               </a:ln>
               <a:extLst>
                 <a:ext uri="{91240B29-F687-4f45-9708-019B960494DF}">
-                  <a14:hiddenLine xmlns="" xmlns:a14="http://schemas.microsoft.com/office/drawing/2010/main" w="9525">
+                  <a14:hiddenLine xmlns:a14="http://schemas.microsoft.com/office/drawing/2010/main" xmlns="" w="9525">
                     <a:solidFill>
                       <a:srgbClr val="000000"/>
                     </a:solidFill>
@@ -14905,7 +14905,7 @@
               </a:ln>
               <a:extLst>
                 <a:ext uri="{91240B29-F687-4f45-9708-019B960494DF}">
-                  <a14:hiddenLine xmlns="" xmlns:a14="http://schemas.microsoft.com/office/drawing/2010/main" w="9525">
+                  <a14:hiddenLine xmlns:a14="http://schemas.microsoft.com/office/drawing/2010/main" xmlns="" w="9525">
                     <a:solidFill>
                       <a:srgbClr val="000000"/>
                     </a:solidFill>
@@ -14970,7 +14970,7 @@
               </a:ln>
               <a:extLst>
                 <a:ext uri="{91240B29-F687-4f45-9708-019B960494DF}">
-                  <a14:hiddenLine xmlns="" xmlns:a14="http://schemas.microsoft.com/office/drawing/2010/main" w="9525">
+                  <a14:hiddenLine xmlns:a14="http://schemas.microsoft.com/office/drawing/2010/main" xmlns="" w="9525">
                     <a:solidFill>
                       <a:srgbClr val="000000"/>
                     </a:solidFill>
@@ -15090,7 +15090,7 @@
               </a:ln>
               <a:extLst>
                 <a:ext uri="{91240B29-F687-4f45-9708-019B960494DF}">
-                  <a14:hiddenLine xmlns="" xmlns:a14="http://schemas.microsoft.com/office/drawing/2010/main" w="9525">
+                  <a14:hiddenLine xmlns:a14="http://schemas.microsoft.com/office/drawing/2010/main" xmlns="" w="9525">
                     <a:solidFill>
                       <a:srgbClr val="000000"/>
                     </a:solidFill>
@@ -15188,7 +15188,7 @@
               </a:ln>
               <a:extLst>
                 <a:ext uri="{91240B29-F687-4f45-9708-019B960494DF}">
-                  <a14:hiddenLine xmlns="" xmlns:a14="http://schemas.microsoft.com/office/drawing/2010/main" w="9525">
+                  <a14:hiddenLine xmlns:a14="http://schemas.microsoft.com/office/drawing/2010/main" xmlns="" w="9525">
                     <a:solidFill>
                       <a:srgbClr val="000000"/>
                     </a:solidFill>
@@ -15303,7 +15303,7 @@
               </a:ln>
               <a:extLst>
                 <a:ext uri="{91240B29-F687-4f45-9708-019B960494DF}">
-                  <a14:hiddenLine xmlns="" xmlns:a14="http://schemas.microsoft.com/office/drawing/2010/main" w="9525">
+                  <a14:hiddenLine xmlns:a14="http://schemas.microsoft.com/office/drawing/2010/main" xmlns="" w="9525">
                     <a:solidFill>
                       <a:srgbClr val="000000"/>
                     </a:solidFill>
@@ -15393,7 +15393,7 @@
               </a:ln>
               <a:extLst>
                 <a:ext uri="{91240B29-F687-4f45-9708-019B960494DF}">
-                  <a14:hiddenLine xmlns="" xmlns:a14="http://schemas.microsoft.com/office/drawing/2010/main" w="9525">
+                  <a14:hiddenLine xmlns:a14="http://schemas.microsoft.com/office/drawing/2010/main" xmlns="" w="9525">
                     <a:solidFill>
                       <a:srgbClr val="000000"/>
                     </a:solidFill>
@@ -15458,7 +15458,7 @@
               </a:ln>
               <a:extLst>
                 <a:ext uri="{91240B29-F687-4f45-9708-019B960494DF}">
-                  <a14:hiddenLine xmlns="" xmlns:a14="http://schemas.microsoft.com/office/drawing/2010/main" w="9525">
+                  <a14:hiddenLine xmlns:a14="http://schemas.microsoft.com/office/drawing/2010/main" xmlns="" w="9525">
                     <a:solidFill>
                       <a:srgbClr val="000000"/>
                     </a:solidFill>
@@ -15548,7 +15548,7 @@
               </a:ln>
               <a:extLst>
                 <a:ext uri="{91240B29-F687-4f45-9708-019B960494DF}">
-                  <a14:hiddenLine xmlns="" xmlns:a14="http://schemas.microsoft.com/office/drawing/2010/main" w="9525">
+                  <a14:hiddenLine xmlns:a14="http://schemas.microsoft.com/office/drawing/2010/main" xmlns="" w="9525">
                     <a:solidFill>
                       <a:srgbClr val="000000"/>
                     </a:solidFill>
@@ -15616,7 +15616,7 @@
               </a:ln>
               <a:extLst>
                 <a:ext uri="{91240B29-F687-4f45-9708-019B960494DF}">
-                  <a14:hiddenLine xmlns="" xmlns:a14="http://schemas.microsoft.com/office/drawing/2010/main" w="9525">
+                  <a14:hiddenLine xmlns:a14="http://schemas.microsoft.com/office/drawing/2010/main" xmlns="" w="9525">
                     <a:solidFill>
                       <a:srgbClr val="000000"/>
                     </a:solidFill>
@@ -15706,7 +15706,7 @@
               </a:ln>
               <a:extLst>
                 <a:ext uri="{91240B29-F687-4f45-9708-019B960494DF}">
-                  <a14:hiddenLine xmlns="" xmlns:a14="http://schemas.microsoft.com/office/drawing/2010/main" w="9525">
+                  <a14:hiddenLine xmlns:a14="http://schemas.microsoft.com/office/drawing/2010/main" xmlns="" w="9525">
                     <a:solidFill>
                       <a:srgbClr val="000000"/>
                     </a:solidFill>
@@ -15774,7 +15774,7 @@
               </a:ln>
               <a:extLst>
                 <a:ext uri="{91240B29-F687-4f45-9708-019B960494DF}">
-                  <a14:hiddenLine xmlns="" xmlns:a14="http://schemas.microsoft.com/office/drawing/2010/main" w="9525">
+                  <a14:hiddenLine xmlns:a14="http://schemas.microsoft.com/office/drawing/2010/main" xmlns="" w="9525">
                     <a:solidFill>
                       <a:srgbClr val="000000"/>
                     </a:solidFill>
@@ -15864,7 +15864,7 @@
               </a:ln>
               <a:extLst>
                 <a:ext uri="{91240B29-F687-4f45-9708-019B960494DF}">
-                  <a14:hiddenLine xmlns="" xmlns:a14="http://schemas.microsoft.com/office/drawing/2010/main" w="9525">
+                  <a14:hiddenLine xmlns:a14="http://schemas.microsoft.com/office/drawing/2010/main" xmlns="" w="9525">
                     <a:solidFill>
                       <a:srgbClr val="000000"/>
                     </a:solidFill>
@@ -15898,7 +15898,7 @@
               </a:ln>
               <a:extLst>
                 <a:ext uri="{91240B29-F687-4f45-9708-019B960494DF}">
-                  <a14:hiddenLine xmlns="" xmlns:a14="http://schemas.microsoft.com/office/drawing/2010/main" w="9525">
+                  <a14:hiddenLine xmlns:a14="http://schemas.microsoft.com/office/drawing/2010/main" xmlns="" w="9525">
                     <a:solidFill>
                       <a:srgbClr val="000000"/>
                     </a:solidFill>
@@ -16038,7 +16038,7 @@
           <a:p>
             <a:fld id="{7FDF501D-82E6-4DBB-AAAA-6DA52CACCFFC}" type="datetimeFigureOut">
               <a:rPr lang="en-IL" smtClean="0"/>
-              <a:t>25.03.2021</a:t>
+              <a:t>08.05.2021</a:t>
             </a:fld>
             <a:endParaRPr lang="en-IL"/>
           </a:p>
@@ -24164,21 +24164,28 @@
           <a:p>
             <a:pPr algn="r" rtl="1"/>
             <a:r>
-              <a:rPr lang="en-US" dirty="0">
-                <a:latin typeface="Segoe UI Semilight" panose="020B0402040204020203" pitchFamily="34" charset="0"/>
-                <a:cs typeface="Segoe UI Semilight" panose="020B0402040204020203" pitchFamily="34" charset="0"/>
-              </a:rPr>
-              <a:t>Padding Oracle On Downgraded Legacy Encryption</a:t>
+              <a:rPr lang="en-US">
+                <a:latin typeface="Segoe UI Semilight" panose="020B0402040204020203" pitchFamily="34" charset="0"/>
+                <a:cs typeface="Segoe UI Semilight" panose="020B0402040204020203" pitchFamily="34" charset="0"/>
+              </a:rPr>
+              <a:t>Browser Exploit Against SSL/TLS</a:t>
             </a:r>
           </a:p>
           <a:p>
             <a:pPr algn="r" rtl="1"/>
             <a:r>
+              <a:rPr lang="he-IL">
+                <a:latin typeface="Segoe UI Semilight" panose="020B0402040204020203" pitchFamily="34" charset="0"/>
+                <a:cs typeface="Segoe UI Semilight" panose="020B0402040204020203" pitchFamily="34" charset="0"/>
+              </a:rPr>
+              <a:t>גם </a:t>
+            </a:r>
+            <a:r>
               <a:rPr lang="he-IL" dirty="0">
                 <a:latin typeface="Segoe UI Semilight" panose="020B0402040204020203" pitchFamily="34" charset="0"/>
                 <a:cs typeface="Segoe UI Semilight" panose="020B0402040204020203" pitchFamily="34" charset="0"/>
               </a:rPr>
-              <a:t>גם סוג של </a:t>
+              <a:t>סוג של </a:t>
             </a:r>
             <a:r>
               <a:rPr lang="en-US" dirty="0">
@@ -31620,7 +31627,7 @@
             </a:ln>
             <a:extLst>
               <a:ext uri="{91240B29-F687-4f45-9708-019B960494DF}">
-                <a14:hiddenLine xmlns="" xmlns:a16="http://schemas.microsoft.com/office/drawing/2014/main" xmlns:p14="http://schemas.microsoft.com/office/powerpoint/2010/main" xmlns:a14="http://schemas.microsoft.com/office/drawing/2010/main" w="9525">
+                <a14:hiddenLine xmlns:a14="http://schemas.microsoft.com/office/drawing/2010/main" xmlns:p14="http://schemas.microsoft.com/office/powerpoint/2010/main" xmlns:a16="http://schemas.microsoft.com/office/drawing/2014/main" xmlns="" w="9525">
                   <a:solidFill>
                     <a:srgbClr val="000000"/>
                   </a:solidFill>
@@ -31725,7 +31732,7 @@
             </a:ln>
             <a:extLst>
               <a:ext uri="{91240B29-F687-4f45-9708-019B960494DF}">
-                <a14:hiddenLine xmlns="" xmlns:a16="http://schemas.microsoft.com/office/drawing/2014/main" xmlns:p14="http://schemas.microsoft.com/office/powerpoint/2010/main" xmlns:a14="http://schemas.microsoft.com/office/drawing/2010/main" w="9525">
+                <a14:hiddenLine xmlns:a14="http://schemas.microsoft.com/office/drawing/2010/main" xmlns:p14="http://schemas.microsoft.com/office/powerpoint/2010/main" xmlns:a16="http://schemas.microsoft.com/office/drawing/2014/main" xmlns="" w="9525">
                   <a:solidFill>
                     <a:srgbClr val="000000"/>
                   </a:solidFill>
@@ -31830,7 +31837,7 @@
             </a:ln>
             <a:extLst>
               <a:ext uri="{91240B29-F687-4f45-9708-019B960494DF}">
-                <a14:hiddenLine xmlns="" xmlns:a16="http://schemas.microsoft.com/office/drawing/2014/main" xmlns:p14="http://schemas.microsoft.com/office/powerpoint/2010/main" xmlns:a14="http://schemas.microsoft.com/office/drawing/2010/main" w="9525">
+                <a14:hiddenLine xmlns:a14="http://schemas.microsoft.com/office/drawing/2010/main" xmlns:p14="http://schemas.microsoft.com/office/powerpoint/2010/main" xmlns:a16="http://schemas.microsoft.com/office/drawing/2014/main" xmlns="" w="9525">
                   <a:solidFill>
                     <a:srgbClr val="000000"/>
                   </a:solidFill>
@@ -31907,7 +31914,7 @@
             </a:ln>
             <a:extLst>
               <a:ext uri="{91240B29-F687-4f45-9708-019B960494DF}">
-                <a14:hiddenLine xmlns="" xmlns:a16="http://schemas.microsoft.com/office/drawing/2014/main" xmlns:p14="http://schemas.microsoft.com/office/powerpoint/2010/main" xmlns:a14="http://schemas.microsoft.com/office/drawing/2010/main" w="9525">
+                <a14:hiddenLine xmlns:a14="http://schemas.microsoft.com/office/drawing/2010/main" xmlns:p14="http://schemas.microsoft.com/office/powerpoint/2010/main" xmlns:a16="http://schemas.microsoft.com/office/drawing/2014/main" xmlns="" w="9525">
                   <a:solidFill>
                     <a:srgbClr val="000000"/>
                   </a:solidFill>
@@ -32012,7 +32019,7 @@
             </a:ln>
             <a:extLst>
               <a:ext uri="{91240B29-F687-4f45-9708-019B960494DF}">
-                <a14:hiddenLine xmlns="" xmlns:a16="http://schemas.microsoft.com/office/drawing/2014/main" xmlns:p14="http://schemas.microsoft.com/office/powerpoint/2010/main" xmlns:a14="http://schemas.microsoft.com/office/drawing/2010/main" w="9525">
+                <a14:hiddenLine xmlns:a14="http://schemas.microsoft.com/office/drawing/2010/main" xmlns:p14="http://schemas.microsoft.com/office/powerpoint/2010/main" xmlns:a16="http://schemas.microsoft.com/office/drawing/2014/main" xmlns="" w="9525">
                   <a:solidFill>
                     <a:srgbClr val="000000"/>
                   </a:solidFill>
@@ -32089,7 +32096,7 @@
             </a:ln>
             <a:extLst>
               <a:ext uri="{91240B29-F687-4f45-9708-019B960494DF}">
-                <a14:hiddenLine xmlns="" xmlns:a16="http://schemas.microsoft.com/office/drawing/2014/main" xmlns:p14="http://schemas.microsoft.com/office/powerpoint/2010/main" xmlns:a14="http://schemas.microsoft.com/office/drawing/2010/main" w="9525">
+                <a14:hiddenLine xmlns:a14="http://schemas.microsoft.com/office/drawing/2010/main" xmlns:p14="http://schemas.microsoft.com/office/powerpoint/2010/main" xmlns:a16="http://schemas.microsoft.com/office/drawing/2014/main" xmlns="" w="9525">
                   <a:solidFill>
                     <a:srgbClr val="000000"/>
                   </a:solidFill>
@@ -32166,7 +32173,7 @@
             </a:ln>
             <a:extLst>
               <a:ext uri="{91240B29-F687-4f45-9708-019B960494DF}">
-                <a14:hiddenLine xmlns="" xmlns:a16="http://schemas.microsoft.com/office/drawing/2014/main" xmlns:p14="http://schemas.microsoft.com/office/powerpoint/2010/main" xmlns:a14="http://schemas.microsoft.com/office/drawing/2010/main" w="9525">
+                <a14:hiddenLine xmlns:a14="http://schemas.microsoft.com/office/drawing/2010/main" xmlns:p14="http://schemas.microsoft.com/office/powerpoint/2010/main" xmlns:a16="http://schemas.microsoft.com/office/drawing/2014/main" xmlns="" w="9525">
                   <a:solidFill>
                     <a:srgbClr val="000000"/>
                   </a:solidFill>
@@ -32271,7 +32278,7 @@
             </a:ln>
             <a:extLst>
               <a:ext uri="{91240B29-F687-4f45-9708-019B960494DF}">
-                <a14:hiddenLine xmlns="" xmlns:a16="http://schemas.microsoft.com/office/drawing/2014/main" xmlns:p14="http://schemas.microsoft.com/office/powerpoint/2010/main" xmlns:a14="http://schemas.microsoft.com/office/drawing/2010/main" w="9525">
+                <a14:hiddenLine xmlns:a14="http://schemas.microsoft.com/office/drawing/2010/main" xmlns:p14="http://schemas.microsoft.com/office/powerpoint/2010/main" xmlns:a16="http://schemas.microsoft.com/office/drawing/2014/main" xmlns="" w="9525">
                   <a:solidFill>
                     <a:srgbClr val="000000"/>
                   </a:solidFill>
@@ -32376,7 +32383,7 @@
             </a:ln>
             <a:extLst>
               <a:ext uri="{91240B29-F687-4f45-9708-019B960494DF}">
-                <a14:hiddenLine xmlns="" xmlns:a16="http://schemas.microsoft.com/office/drawing/2014/main" xmlns:p14="http://schemas.microsoft.com/office/powerpoint/2010/main" xmlns:a14="http://schemas.microsoft.com/office/drawing/2010/main" w="9525">
+                <a14:hiddenLine xmlns:a14="http://schemas.microsoft.com/office/drawing/2010/main" xmlns:p14="http://schemas.microsoft.com/office/powerpoint/2010/main" xmlns:a16="http://schemas.microsoft.com/office/drawing/2014/main" xmlns="" w="9525">
                   <a:solidFill>
                     <a:srgbClr val="000000"/>
                   </a:solidFill>
@@ -32453,7 +32460,7 @@
             </a:ln>
             <a:extLst>
               <a:ext uri="{91240B29-F687-4f45-9708-019B960494DF}">
-                <a14:hiddenLine xmlns="" xmlns:a16="http://schemas.microsoft.com/office/drawing/2014/main" xmlns:p14="http://schemas.microsoft.com/office/powerpoint/2010/main" xmlns:a14="http://schemas.microsoft.com/office/drawing/2010/main" w="9525">
+                <a14:hiddenLine xmlns:a14="http://schemas.microsoft.com/office/drawing/2010/main" xmlns:p14="http://schemas.microsoft.com/office/powerpoint/2010/main" xmlns:a16="http://schemas.microsoft.com/office/drawing/2014/main" xmlns="" w="9525">
                   <a:solidFill>
                     <a:srgbClr val="000000"/>
                   </a:solidFill>
@@ -32578,7 +32585,7 @@
             </a:ln>
             <a:extLst>
               <a:ext uri="{91240B29-F687-4f45-9708-019B960494DF}">
-                <a14:hiddenLine xmlns="" xmlns:a16="http://schemas.microsoft.com/office/drawing/2014/main" xmlns:p14="http://schemas.microsoft.com/office/powerpoint/2010/main" xmlns:a14="http://schemas.microsoft.com/office/drawing/2010/main" w="9525">
+                <a14:hiddenLine xmlns:a14="http://schemas.microsoft.com/office/drawing/2010/main" xmlns:p14="http://schemas.microsoft.com/office/powerpoint/2010/main" xmlns:a16="http://schemas.microsoft.com/office/drawing/2014/main" xmlns="" w="9525">
                   <a:solidFill>
                     <a:srgbClr val="000000"/>
                   </a:solidFill>
@@ -32692,7 +32699,7 @@
             </a:ln>
             <a:extLst>
               <a:ext uri="{91240B29-F687-4f45-9708-019B960494DF}">
-                <a14:hiddenLine xmlns="" xmlns:a16="http://schemas.microsoft.com/office/drawing/2014/main" xmlns:p14="http://schemas.microsoft.com/office/powerpoint/2010/main" xmlns:a14="http://schemas.microsoft.com/office/drawing/2010/main" w="9525">
+                <a14:hiddenLine xmlns:a14="http://schemas.microsoft.com/office/drawing/2010/main" xmlns:p14="http://schemas.microsoft.com/office/powerpoint/2010/main" xmlns:a16="http://schemas.microsoft.com/office/drawing/2014/main" xmlns="" w="9525">
                   <a:solidFill>
                     <a:srgbClr val="000000"/>
                   </a:solidFill>
@@ -32769,7 +32776,7 @@
             </a:ln>
             <a:extLst>
               <a:ext uri="{91240B29-F687-4f45-9708-019B960494DF}">
-                <a14:hiddenLine xmlns="" xmlns:a16="http://schemas.microsoft.com/office/drawing/2014/main" xmlns:p14="http://schemas.microsoft.com/office/powerpoint/2010/main" xmlns:a14="http://schemas.microsoft.com/office/drawing/2010/main" w="9525">
+                <a14:hiddenLine xmlns:a14="http://schemas.microsoft.com/office/drawing/2010/main" xmlns:p14="http://schemas.microsoft.com/office/powerpoint/2010/main" xmlns:a16="http://schemas.microsoft.com/office/drawing/2014/main" xmlns="" w="9525">
                   <a:solidFill>
                     <a:srgbClr val="000000"/>
                   </a:solidFill>
@@ -32846,7 +32853,7 @@
             </a:ln>
             <a:extLst>
               <a:ext uri="{91240B29-F687-4f45-9708-019B960494DF}">
-                <a14:hiddenLine xmlns="" xmlns:a16="http://schemas.microsoft.com/office/drawing/2014/main" xmlns:p14="http://schemas.microsoft.com/office/powerpoint/2010/main" xmlns:a14="http://schemas.microsoft.com/office/drawing/2010/main" w="9525">
+                <a14:hiddenLine xmlns:a14="http://schemas.microsoft.com/office/drawing/2010/main" xmlns:p14="http://schemas.microsoft.com/office/powerpoint/2010/main" xmlns:a16="http://schemas.microsoft.com/office/drawing/2014/main" xmlns="" w="9525">
                   <a:solidFill>
                     <a:srgbClr val="000000"/>
                   </a:solidFill>
@@ -32951,7 +32958,7 @@
             </a:ln>
             <a:extLst>
               <a:ext uri="{91240B29-F687-4f45-9708-019B960494DF}">
-                <a14:hiddenLine xmlns="" xmlns:a16="http://schemas.microsoft.com/office/drawing/2014/main" xmlns:p14="http://schemas.microsoft.com/office/powerpoint/2010/main" xmlns:a14="http://schemas.microsoft.com/office/drawing/2010/main" w="9525">
+                <a14:hiddenLine xmlns:a14="http://schemas.microsoft.com/office/drawing/2010/main" xmlns:p14="http://schemas.microsoft.com/office/powerpoint/2010/main" xmlns:a16="http://schemas.microsoft.com/office/drawing/2014/main" xmlns="" w="9525">
                   <a:solidFill>
                     <a:srgbClr val="000000"/>
                   </a:solidFill>
@@ -33000,7 +33007,7 @@
             </a:ln>
             <a:extLst>
               <a:ext uri="{91240B29-F687-4f45-9708-019B960494DF}">
-                <a14:hiddenLine xmlns="" xmlns:a16="http://schemas.microsoft.com/office/drawing/2014/main" xmlns:p14="http://schemas.microsoft.com/office/powerpoint/2010/main" xmlns:a14="http://schemas.microsoft.com/office/drawing/2010/main" w="9525">
+                <a14:hiddenLine xmlns:a14="http://schemas.microsoft.com/office/drawing/2010/main" xmlns:p14="http://schemas.microsoft.com/office/powerpoint/2010/main" xmlns:a16="http://schemas.microsoft.com/office/drawing/2014/main" xmlns="" w="9525">
                   <a:solidFill>
                     <a:srgbClr val="000000"/>
                   </a:solidFill>
@@ -33080,7 +33087,7 @@
             </a:ln>
             <a:extLst>
               <a:ext uri="{91240B29-F687-4f45-9708-019B960494DF}">
-                <a14:hiddenLine xmlns="" xmlns:a16="http://schemas.microsoft.com/office/drawing/2014/main" xmlns:p14="http://schemas.microsoft.com/office/powerpoint/2010/main" xmlns:a14="http://schemas.microsoft.com/office/drawing/2010/main" w="9525">
+                <a14:hiddenLine xmlns:a14="http://schemas.microsoft.com/office/drawing/2010/main" xmlns:p14="http://schemas.microsoft.com/office/powerpoint/2010/main" xmlns:a16="http://schemas.microsoft.com/office/drawing/2014/main" xmlns="" w="9525">
                   <a:solidFill>
                     <a:srgbClr val="000000"/>
                   </a:solidFill>
@@ -33185,7 +33192,7 @@
             </a:ln>
             <a:extLst>
               <a:ext uri="{91240B29-F687-4f45-9708-019B960494DF}">
-                <a14:hiddenLine xmlns="" xmlns:a16="http://schemas.microsoft.com/office/drawing/2014/main" xmlns:p14="http://schemas.microsoft.com/office/powerpoint/2010/main" xmlns:a14="http://schemas.microsoft.com/office/drawing/2010/main" w="9525">
+                <a14:hiddenLine xmlns:a14="http://schemas.microsoft.com/office/drawing/2010/main" xmlns:p14="http://schemas.microsoft.com/office/powerpoint/2010/main" xmlns:a16="http://schemas.microsoft.com/office/drawing/2014/main" xmlns="" w="9525">
                   <a:solidFill>
                     <a:srgbClr val="000000"/>
                   </a:solidFill>
@@ -33262,7 +33269,7 @@
             </a:ln>
             <a:extLst>
               <a:ext uri="{91240B29-F687-4f45-9708-019B960494DF}">
-                <a14:hiddenLine xmlns="" xmlns:a16="http://schemas.microsoft.com/office/drawing/2014/main" xmlns:p14="http://schemas.microsoft.com/office/powerpoint/2010/main" xmlns:a14="http://schemas.microsoft.com/office/drawing/2010/main" w="9525">
+                <a14:hiddenLine xmlns:a14="http://schemas.microsoft.com/office/drawing/2010/main" xmlns:p14="http://schemas.microsoft.com/office/powerpoint/2010/main" xmlns:a16="http://schemas.microsoft.com/office/drawing/2014/main" xmlns="" w="9525">
                   <a:solidFill>
                     <a:srgbClr val="000000"/>
                   </a:solidFill>
@@ -33367,7 +33374,7 @@
             </a:ln>
             <a:extLst>
               <a:ext uri="{91240B29-F687-4f45-9708-019B960494DF}">
-                <a14:hiddenLine xmlns="" xmlns:a16="http://schemas.microsoft.com/office/drawing/2014/main" xmlns:p14="http://schemas.microsoft.com/office/powerpoint/2010/main" xmlns:a14="http://schemas.microsoft.com/office/drawing/2010/main" w="9525">
+                <a14:hiddenLine xmlns:a14="http://schemas.microsoft.com/office/drawing/2010/main" xmlns:p14="http://schemas.microsoft.com/office/powerpoint/2010/main" xmlns:a16="http://schemas.microsoft.com/office/drawing/2014/main" xmlns="" w="9525">
                   <a:solidFill>
                     <a:srgbClr val="000000"/>
                   </a:solidFill>
@@ -33447,7 +33454,7 @@
             </a:ln>
             <a:extLst>
               <a:ext uri="{91240B29-F687-4f45-9708-019B960494DF}">
-                <a14:hiddenLine xmlns="" xmlns:a16="http://schemas.microsoft.com/office/drawing/2014/main" xmlns:p14="http://schemas.microsoft.com/office/powerpoint/2010/main" xmlns:a14="http://schemas.microsoft.com/office/drawing/2010/main" w="9525">
+                <a14:hiddenLine xmlns:a14="http://schemas.microsoft.com/office/drawing/2010/main" xmlns:p14="http://schemas.microsoft.com/office/powerpoint/2010/main" xmlns:a16="http://schemas.microsoft.com/office/drawing/2014/main" xmlns="" w="9525">
                   <a:solidFill>
                     <a:srgbClr val="000000"/>
                   </a:solidFill>
@@ -33524,7 +33531,7 @@
             </a:ln>
             <a:extLst>
               <a:ext uri="{91240B29-F687-4f45-9708-019B960494DF}">
-                <a14:hiddenLine xmlns="" xmlns:a16="http://schemas.microsoft.com/office/drawing/2014/main" xmlns:p14="http://schemas.microsoft.com/office/powerpoint/2010/main" xmlns:a14="http://schemas.microsoft.com/office/drawing/2010/main" w="9525">
+                <a14:hiddenLine xmlns:a14="http://schemas.microsoft.com/office/drawing/2010/main" xmlns:p14="http://schemas.microsoft.com/office/powerpoint/2010/main" xmlns:a16="http://schemas.microsoft.com/office/drawing/2014/main" xmlns="" w="9525">
                   <a:solidFill>
                     <a:srgbClr val="000000"/>
                   </a:solidFill>
@@ -33629,7 +33636,7 @@
             </a:ln>
             <a:extLst>
               <a:ext uri="{91240B29-F687-4f45-9708-019B960494DF}">
-                <a14:hiddenLine xmlns="" xmlns:a16="http://schemas.microsoft.com/office/drawing/2014/main" xmlns:p14="http://schemas.microsoft.com/office/powerpoint/2010/main" xmlns:a14="http://schemas.microsoft.com/office/drawing/2010/main" w="9525">
+                <a14:hiddenLine xmlns:a14="http://schemas.microsoft.com/office/drawing/2010/main" xmlns:p14="http://schemas.microsoft.com/office/powerpoint/2010/main" xmlns:a16="http://schemas.microsoft.com/office/drawing/2014/main" xmlns="" w="9525">
                   <a:solidFill>
                     <a:srgbClr val="000000"/>
                   </a:solidFill>
@@ -33734,7 +33741,7 @@
             </a:ln>
             <a:extLst>
               <a:ext uri="{91240B29-F687-4f45-9708-019B960494DF}">
-                <a14:hiddenLine xmlns="" xmlns:a16="http://schemas.microsoft.com/office/drawing/2014/main" xmlns:p14="http://schemas.microsoft.com/office/powerpoint/2010/main" xmlns:a14="http://schemas.microsoft.com/office/drawing/2010/main" w="9525">
+                <a14:hiddenLine xmlns:a14="http://schemas.microsoft.com/office/drawing/2010/main" xmlns:p14="http://schemas.microsoft.com/office/powerpoint/2010/main" xmlns:a16="http://schemas.microsoft.com/office/drawing/2014/main" xmlns="" w="9525">
                   <a:solidFill>
                     <a:srgbClr val="000000"/>
                   </a:solidFill>
@@ -33814,7 +33821,7 @@
             </a:ln>
             <a:extLst>
               <a:ext uri="{91240B29-F687-4f45-9708-019B960494DF}">
-                <a14:hiddenLine xmlns="" xmlns:a16="http://schemas.microsoft.com/office/drawing/2014/main" xmlns:p14="http://schemas.microsoft.com/office/powerpoint/2010/main" xmlns:a14="http://schemas.microsoft.com/office/drawing/2010/main" w="9525">
+                <a14:hiddenLine xmlns:a14="http://schemas.microsoft.com/office/drawing/2010/main" xmlns:p14="http://schemas.microsoft.com/office/powerpoint/2010/main" xmlns:a16="http://schemas.microsoft.com/office/drawing/2014/main" xmlns="" w="9525">
                   <a:solidFill>
                     <a:srgbClr val="000000"/>
                   </a:solidFill>
@@ -33949,7 +33956,7 @@
             </a:ln>
             <a:extLst>
               <a:ext uri="{91240B29-F687-4f45-9708-019B960494DF}">
-                <a14:hiddenLine xmlns="" xmlns:a16="http://schemas.microsoft.com/office/drawing/2014/main" xmlns:p14="http://schemas.microsoft.com/office/powerpoint/2010/main" xmlns:a14="http://schemas.microsoft.com/office/drawing/2010/main" w="9525">
+                <a14:hiddenLine xmlns:a14="http://schemas.microsoft.com/office/drawing/2010/main" xmlns:p14="http://schemas.microsoft.com/office/powerpoint/2010/main" xmlns:a16="http://schemas.microsoft.com/office/drawing/2014/main" xmlns="" w="9525">
                   <a:solidFill>
                     <a:srgbClr val="000000"/>
                   </a:solidFill>
@@ -34246,7 +34253,7 @@
             </a:ln>
             <a:extLst>
               <a:ext uri="{91240B29-F687-4f45-9708-019B960494DF}">
-                <a14:hiddenLine xmlns="" xmlns:a16="http://schemas.microsoft.com/office/drawing/2014/main" xmlns:p14="http://schemas.microsoft.com/office/powerpoint/2010/main" xmlns:a14="http://schemas.microsoft.com/office/drawing/2010/main" w="9525">
+                <a14:hiddenLine xmlns:a14="http://schemas.microsoft.com/office/drawing/2010/main" xmlns:p14="http://schemas.microsoft.com/office/powerpoint/2010/main" xmlns:a16="http://schemas.microsoft.com/office/drawing/2014/main" xmlns="" w="9525">
                   <a:solidFill>
                     <a:srgbClr val="000000"/>
                   </a:solidFill>
@@ -34376,7 +34383,7 @@
             </a:ln>
             <a:extLst>
               <a:ext uri="{91240B29-F687-4f45-9708-019B960494DF}">
-                <a14:hiddenLine xmlns="" xmlns:a16="http://schemas.microsoft.com/office/drawing/2014/main" xmlns:p14="http://schemas.microsoft.com/office/powerpoint/2010/main" xmlns:a14="http://schemas.microsoft.com/office/drawing/2010/main" w="9525">
+                <a14:hiddenLine xmlns:a14="http://schemas.microsoft.com/office/drawing/2010/main" xmlns:p14="http://schemas.microsoft.com/office/powerpoint/2010/main" xmlns:a16="http://schemas.microsoft.com/office/drawing/2014/main" xmlns="" w="9525">
                   <a:solidFill>
                     <a:srgbClr val="000000"/>
                   </a:solidFill>
@@ -34481,7 +34488,7 @@
             </a:ln>
             <a:extLst>
               <a:ext uri="{91240B29-F687-4f45-9708-019B960494DF}">
-                <a14:hiddenLine xmlns="" xmlns:a16="http://schemas.microsoft.com/office/drawing/2014/main" xmlns:p14="http://schemas.microsoft.com/office/powerpoint/2010/main" xmlns:a14="http://schemas.microsoft.com/office/drawing/2010/main" w="9525">
+                <a14:hiddenLine xmlns:a14="http://schemas.microsoft.com/office/drawing/2010/main" xmlns:p14="http://schemas.microsoft.com/office/powerpoint/2010/main" xmlns:a16="http://schemas.microsoft.com/office/drawing/2014/main" xmlns="" w="9525">
                   <a:solidFill>
                     <a:srgbClr val="000000"/>
                   </a:solidFill>
@@ -34561,7 +34568,7 @@
             </a:ln>
             <a:extLst>
               <a:ext uri="{91240B29-F687-4f45-9708-019B960494DF}">
-                <a14:hiddenLine xmlns="" xmlns:a16="http://schemas.microsoft.com/office/drawing/2014/main" xmlns:p14="http://schemas.microsoft.com/office/powerpoint/2010/main" xmlns:a14="http://schemas.microsoft.com/office/drawing/2010/main" w="9525">
+                <a14:hiddenLine xmlns:a14="http://schemas.microsoft.com/office/drawing/2010/main" xmlns:p14="http://schemas.microsoft.com/office/powerpoint/2010/main" xmlns:a16="http://schemas.microsoft.com/office/drawing/2014/main" xmlns="" w="9525">
                   <a:solidFill>
                     <a:srgbClr val="000000"/>
                   </a:solidFill>
@@ -34666,7 +34673,7 @@
             </a:ln>
             <a:extLst>
               <a:ext uri="{91240B29-F687-4f45-9708-019B960494DF}">
-                <a14:hiddenLine xmlns="" xmlns:a16="http://schemas.microsoft.com/office/drawing/2014/main" xmlns:p14="http://schemas.microsoft.com/office/powerpoint/2010/main" xmlns:a14="http://schemas.microsoft.com/office/drawing/2010/main" w="9525">
+                <a14:hiddenLine xmlns:a14="http://schemas.microsoft.com/office/drawing/2010/main" xmlns:p14="http://schemas.microsoft.com/office/powerpoint/2010/main" xmlns:a16="http://schemas.microsoft.com/office/drawing/2014/main" xmlns="" w="9525">
                   <a:solidFill>
                     <a:srgbClr val="000000"/>
                   </a:solidFill>
@@ -34749,7 +34756,7 @@
             </a:ln>
             <a:extLst>
               <a:ext uri="{91240B29-F687-4f45-9708-019B960494DF}">
-                <a14:hiddenLine xmlns="" xmlns:a16="http://schemas.microsoft.com/office/drawing/2014/main" xmlns:p14="http://schemas.microsoft.com/office/powerpoint/2010/main" xmlns:a14="http://schemas.microsoft.com/office/drawing/2010/main" w="9525">
+                <a14:hiddenLine xmlns:a14="http://schemas.microsoft.com/office/drawing/2010/main" xmlns:p14="http://schemas.microsoft.com/office/powerpoint/2010/main" xmlns:a16="http://schemas.microsoft.com/office/drawing/2014/main" xmlns="" w="9525">
                   <a:solidFill>
                     <a:srgbClr val="000000"/>
                   </a:solidFill>
@@ -34854,7 +34861,7 @@
             </a:ln>
             <a:extLst>
               <a:ext uri="{91240B29-F687-4f45-9708-019B960494DF}">
-                <a14:hiddenLine xmlns="" xmlns:a16="http://schemas.microsoft.com/office/drawing/2014/main" xmlns:p14="http://schemas.microsoft.com/office/powerpoint/2010/main" xmlns:a14="http://schemas.microsoft.com/office/drawing/2010/main" w="9525">
+                <a14:hiddenLine xmlns:a14="http://schemas.microsoft.com/office/drawing/2010/main" xmlns:p14="http://schemas.microsoft.com/office/powerpoint/2010/main" xmlns:a16="http://schemas.microsoft.com/office/drawing/2014/main" xmlns="" w="9525">
                   <a:solidFill>
                     <a:srgbClr val="000000"/>
                   </a:solidFill>
@@ -34937,7 +34944,7 @@
             </a:ln>
             <a:extLst>
               <a:ext uri="{91240B29-F687-4f45-9708-019B960494DF}">
-                <a14:hiddenLine xmlns="" xmlns:a16="http://schemas.microsoft.com/office/drawing/2014/main" xmlns:p14="http://schemas.microsoft.com/office/powerpoint/2010/main" xmlns:a14="http://schemas.microsoft.com/office/drawing/2010/main" w="9525">
+                <a14:hiddenLine xmlns:a14="http://schemas.microsoft.com/office/drawing/2010/main" xmlns:p14="http://schemas.microsoft.com/office/powerpoint/2010/main" xmlns:a16="http://schemas.microsoft.com/office/drawing/2014/main" xmlns="" w="9525">
                   <a:solidFill>
                     <a:srgbClr val="000000"/>
                   </a:solidFill>
@@ -35042,7 +35049,7 @@
             </a:ln>
             <a:extLst>
               <a:ext uri="{91240B29-F687-4f45-9708-019B960494DF}">
-                <a14:hiddenLine xmlns="" xmlns:a16="http://schemas.microsoft.com/office/drawing/2014/main" xmlns:p14="http://schemas.microsoft.com/office/powerpoint/2010/main" xmlns:a14="http://schemas.microsoft.com/office/drawing/2010/main" w="9525">
+                <a14:hiddenLine xmlns:a14="http://schemas.microsoft.com/office/drawing/2010/main" xmlns:p14="http://schemas.microsoft.com/office/powerpoint/2010/main" xmlns:a16="http://schemas.microsoft.com/office/drawing/2014/main" xmlns="" w="9525">
                   <a:solidFill>
                     <a:srgbClr val="000000"/>
                   </a:solidFill>
@@ -35091,7 +35098,7 @@
             </a:ln>
             <a:extLst>
               <a:ext uri="{91240B29-F687-4f45-9708-019B960494DF}">
-                <a14:hiddenLine xmlns="" xmlns:a16="http://schemas.microsoft.com/office/drawing/2014/main" xmlns:p14="http://schemas.microsoft.com/office/powerpoint/2010/main" xmlns:a14="http://schemas.microsoft.com/office/drawing/2010/main" w="9525">
+                <a14:hiddenLine xmlns:a14="http://schemas.microsoft.com/office/drawing/2010/main" xmlns:p14="http://schemas.microsoft.com/office/powerpoint/2010/main" xmlns:a16="http://schemas.microsoft.com/office/drawing/2014/main" xmlns="" w="9525">
                   <a:solidFill>
                     <a:srgbClr val="000000"/>
                   </a:solidFill>
@@ -40367,9 +40374,6 @@
                     <p:cTn id="3" fill="hold">
                       <p:stCondLst>
                         <p:cond delay="indefinite"/>
-                        <p:cond evt="onBegin" delay="0">
-                          <p:tn val="2"/>
-                        </p:cond>
                       </p:stCondLst>
                       <p:childTnLst>
                         <p:par>
@@ -40379,7 +40383,7 @@
                             </p:stCondLst>
                             <p:childTnLst>
                               <p:par>
-                                <p:cTn id="5" presetID="6" presetClass="entr" presetSubtype="16" fill="hold" nodeType="withEffect">
+                                <p:cTn id="5" presetID="6" presetClass="entr" presetSubtype="16" fill="hold" nodeType="clickEffect">
                                   <p:stCondLst>
                                     <p:cond delay="0"/>
                                   </p:stCondLst>
